--- a/docs/diagrams/ModelComponentClassDiagram.pptx
+++ b/docs/diagrams/ModelComponentClassDiagram.pptx
@@ -192,7 +192,7 @@
           <a:p>
             <a:fld id="{F5CC4B3F-88C1-4FFA-B1B6-F41C21DC6924}" type="datetimeFigureOut">
               <a:rPr lang="en-US" smtClean="0"/>
-              <a:t>10/16/2016</a:t>
+              <a:t>11/19/2016</a:t>
             </a:fld>
             <a:endParaRPr lang="en-US"/>
           </a:p>
@@ -641,7 +641,7 @@
           <a:p>
             <a:fld id="{78C97017-6FC3-485B-9764-EAC9E56C1D49}" type="datetimeFigureOut">
               <a:rPr lang="en-US" smtClean="0"/>
-              <a:t>10/16/2016</a:t>
+              <a:t>11/19/2016</a:t>
             </a:fld>
             <a:endParaRPr lang="en-US"/>
           </a:p>
@@ -811,7 +811,7 @@
           <a:p>
             <a:fld id="{78C97017-6FC3-485B-9764-EAC9E56C1D49}" type="datetimeFigureOut">
               <a:rPr lang="en-US" smtClean="0"/>
-              <a:t>10/16/2016</a:t>
+              <a:t>11/19/2016</a:t>
             </a:fld>
             <a:endParaRPr lang="en-US"/>
           </a:p>
@@ -991,7 +991,7 @@
           <a:p>
             <a:fld id="{78C97017-6FC3-485B-9764-EAC9E56C1D49}" type="datetimeFigureOut">
               <a:rPr lang="en-US" smtClean="0"/>
-              <a:t>10/16/2016</a:t>
+              <a:t>11/19/2016</a:t>
             </a:fld>
             <a:endParaRPr lang="en-US"/>
           </a:p>
@@ -1161,7 +1161,7 @@
           <a:p>
             <a:fld id="{78C97017-6FC3-485B-9764-EAC9E56C1D49}" type="datetimeFigureOut">
               <a:rPr lang="en-US" smtClean="0"/>
-              <a:t>10/16/2016</a:t>
+              <a:t>11/19/2016</a:t>
             </a:fld>
             <a:endParaRPr lang="en-US"/>
           </a:p>
@@ -1407,7 +1407,7 @@
           <a:p>
             <a:fld id="{78C97017-6FC3-485B-9764-EAC9E56C1D49}" type="datetimeFigureOut">
               <a:rPr lang="en-US" smtClean="0"/>
-              <a:t>10/16/2016</a:t>
+              <a:t>11/19/2016</a:t>
             </a:fld>
             <a:endParaRPr lang="en-US"/>
           </a:p>
@@ -1695,7 +1695,7 @@
           <a:p>
             <a:fld id="{78C97017-6FC3-485B-9764-EAC9E56C1D49}" type="datetimeFigureOut">
               <a:rPr lang="en-US" smtClean="0"/>
-              <a:t>10/16/2016</a:t>
+              <a:t>11/19/2016</a:t>
             </a:fld>
             <a:endParaRPr lang="en-US"/>
           </a:p>
@@ -2117,7 +2117,7 @@
           <a:p>
             <a:fld id="{78C97017-6FC3-485B-9764-EAC9E56C1D49}" type="datetimeFigureOut">
               <a:rPr lang="en-US" smtClean="0"/>
-              <a:t>10/16/2016</a:t>
+              <a:t>11/19/2016</a:t>
             </a:fld>
             <a:endParaRPr lang="en-US"/>
           </a:p>
@@ -2235,7 +2235,7 @@
           <a:p>
             <a:fld id="{78C97017-6FC3-485B-9764-EAC9E56C1D49}" type="datetimeFigureOut">
               <a:rPr lang="en-US" smtClean="0"/>
-              <a:t>10/16/2016</a:t>
+              <a:t>11/19/2016</a:t>
             </a:fld>
             <a:endParaRPr lang="en-US"/>
           </a:p>
@@ -2330,7 +2330,7 @@
           <a:p>
             <a:fld id="{78C97017-6FC3-485B-9764-EAC9E56C1D49}" type="datetimeFigureOut">
               <a:rPr lang="en-US" smtClean="0"/>
-              <a:t>10/16/2016</a:t>
+              <a:t>11/19/2016</a:t>
             </a:fld>
             <a:endParaRPr lang="en-US"/>
           </a:p>
@@ -2607,7 +2607,7 @@
           <a:p>
             <a:fld id="{78C97017-6FC3-485B-9764-EAC9E56C1D49}" type="datetimeFigureOut">
               <a:rPr lang="en-US" smtClean="0"/>
-              <a:t>10/16/2016</a:t>
+              <a:t>11/19/2016</a:t>
             </a:fld>
             <a:endParaRPr lang="en-US"/>
           </a:p>
@@ -2860,7 +2860,7 @@
           <a:p>
             <a:fld id="{78C97017-6FC3-485B-9764-EAC9E56C1D49}" type="datetimeFigureOut">
               <a:rPr lang="en-US" smtClean="0"/>
-              <a:t>10/16/2016</a:t>
+              <a:t>11/19/2016</a:t>
             </a:fld>
             <a:endParaRPr lang="en-US"/>
           </a:p>
@@ -3073,7 +3073,7 @@
           <a:p>
             <a:fld id="{78C97017-6FC3-485B-9764-EAC9E56C1D49}" type="datetimeFigureOut">
               <a:rPr lang="en-US" smtClean="0"/>
-              <a:t>10/16/2016</a:t>
+              <a:t>11/19/2016</a:t>
             </a:fld>
             <a:endParaRPr lang="en-US"/>
           </a:p>
@@ -3632,14 +3632,13 @@
           <p:cNvPr id="53" name="Elbow Connector 63"/>
           <p:cNvCxnSpPr>
             <a:stCxn id="71" idx="3"/>
-            <a:endCxn id="62" idx="2"/>
           </p:cNvCxnSpPr>
           <p:nvPr/>
         </p:nvCxnSpPr>
         <p:spPr>
           <a:xfrm flipV="1">
-            <a:off x="6477000" y="3204826"/>
-            <a:ext cx="190770" cy="405819"/>
+            <a:off x="6477000" y="3194131"/>
+            <a:ext cx="95385" cy="416514"/>
           </a:xfrm>
           <a:prstGeom prst="bentConnector2">
             <a:avLst/>
@@ -3832,48 +3831,6 @@
       </p:sp>
       <p:cxnSp>
         <p:nvCxnSpPr>
-          <p:cNvPr id="55" name="Straight Arrow Connector 54"/>
-          <p:cNvCxnSpPr>
-            <a:stCxn id="62" idx="0"/>
-            <a:endCxn id="67" idx="2"/>
-          </p:cNvCxnSpPr>
-          <p:nvPr/>
-        </p:nvCxnSpPr>
-        <p:spPr>
-          <a:xfrm flipV="1">
-            <a:off x="6667770" y="2632344"/>
-            <a:ext cx="1612" cy="225722"/>
-          </a:xfrm>
-          <a:prstGeom prst="straightConnector1">
-            <a:avLst/>
-          </a:prstGeom>
-          <a:ln w="19050">
-            <a:solidFill>
-              <a:srgbClr val="7030A0"/>
-            </a:solidFill>
-            <a:prstDash val="sysDot"/>
-            <a:headEnd type="none" w="med" len="med"/>
-            <a:tailEnd type="arrow" w="med" len="med"/>
-          </a:ln>
-          <a:effectLst/>
-        </p:spPr>
-        <p:style>
-          <a:lnRef idx="1">
-            <a:schemeClr val="accent2"/>
-          </a:lnRef>
-          <a:fillRef idx="2">
-            <a:schemeClr val="accent2"/>
-          </a:fillRef>
-          <a:effectRef idx="1">
-            <a:schemeClr val="accent2"/>
-          </a:effectRef>
-          <a:fontRef idx="minor">
-            <a:schemeClr val="dk1"/>
-          </a:fontRef>
-        </p:style>
-      </p:cxnSp>
-      <p:cxnSp>
-        <p:nvCxnSpPr>
           <p:cNvPr id="58" name="Straight Arrow Connector 57"/>
           <p:cNvCxnSpPr>
             <a:stCxn id="42" idx="3"/>
@@ -4387,7 +4344,7 @@
         </p:nvSpPr>
         <p:spPr>
           <a:xfrm>
-            <a:off x="4503204" y="2280569"/>
+            <a:off x="4477328" y="2280569"/>
             <a:ext cx="1156969" cy="346760"/>
           </a:xfrm>
           <a:prstGeom prst="rect">
@@ -4447,7 +4404,7 @@
         <p:spPr>
           <a:xfrm flipV="1">
             <a:off x="4220351" y="2453949"/>
-            <a:ext cx="282853" cy="306732"/>
+            <a:ext cx="256977" cy="306732"/>
           </a:xfrm>
           <a:prstGeom prst="bentConnector3">
             <a:avLst>
@@ -4628,8 +4585,8 @@
         </p:nvSpPr>
         <p:spPr>
           <a:xfrm>
-            <a:off x="6315289" y="2285584"/>
-            <a:ext cx="708186" cy="346760"/>
+            <a:off x="5336105" y="1809332"/>
+            <a:ext cx="483700" cy="346760"/>
           </a:xfrm>
           <a:prstGeom prst="rect">
             <a:avLst/>
@@ -4683,8 +4640,8 @@
           <p:nvPr/>
         </p:nvSpPr>
         <p:spPr>
-          <a:xfrm>
-            <a:off x="5672547" y="2371497"/>
+          <a:xfrm rot="16200000">
+            <a:off x="4921666" y="2066540"/>
             <a:ext cx="236048" cy="173380"/>
           </a:xfrm>
           <a:prstGeom prst="flowChartDecision">
@@ -4731,11 +4688,11 @@
           <p:nvPr/>
         </p:nvCxnSpPr>
         <p:spPr>
-          <a:xfrm>
-            <a:off x="5908595" y="2458187"/>
-            <a:ext cx="406694" cy="777"/>
-          </a:xfrm>
-          <a:prstGeom prst="bentConnector3">
+          <a:xfrm rot="5400000" flipH="1" flipV="1">
+            <a:off x="5161650" y="1860752"/>
+            <a:ext cx="52494" cy="296415"/>
+          </a:xfrm>
+          <a:prstGeom prst="bentConnector2">
             <a:avLst/>
           </a:prstGeom>
           <a:ln w="19050">
@@ -5438,7 +5395,7 @@
         </p:nvSpPr>
         <p:spPr>
           <a:xfrm rot="16200000">
-            <a:off x="6581354" y="3514530"/>
+            <a:off x="6527512" y="3586305"/>
             <a:ext cx="881018" cy="261610"/>
           </a:xfrm>
           <a:prstGeom prst="rect">
@@ -5590,6 +5547,359 @@
           </a:fontRef>
         </p:style>
       </p:cxnSp>
+      <p:cxnSp>
+        <p:nvCxnSpPr>
+          <p:cNvPr id="50" name="Elbow Connector 49"/>
+          <p:cNvCxnSpPr>
+            <a:stCxn id="62" idx="0"/>
+            <a:endCxn id="57" idx="3"/>
+          </p:cNvCxnSpPr>
+          <p:nvPr/>
+        </p:nvCxnSpPr>
+        <p:spPr>
+          <a:xfrm rot="16200000" flipV="1">
+            <a:off x="5948976" y="2139271"/>
+            <a:ext cx="404117" cy="1033473"/>
+          </a:xfrm>
+          <a:prstGeom prst="bentConnector2">
+            <a:avLst/>
+          </a:prstGeom>
+          <a:ln w="19050">
+            <a:solidFill>
+              <a:srgbClr val="7030A0"/>
+            </a:solidFill>
+            <a:headEnd type="none" w="med" len="med"/>
+            <a:tailEnd type="arrow" w="med" len="med"/>
+          </a:ln>
+          <a:effectLst/>
+        </p:spPr>
+        <p:style>
+          <a:lnRef idx="1">
+            <a:schemeClr val="accent2"/>
+          </a:lnRef>
+          <a:fillRef idx="2">
+            <a:schemeClr val="accent2"/>
+          </a:fillRef>
+          <a:effectRef idx="1">
+            <a:schemeClr val="accent2"/>
+          </a:effectRef>
+          <a:fontRef idx="minor">
+            <a:schemeClr val="dk1"/>
+          </a:fontRef>
+        </p:style>
+      </p:cxnSp>
+      <p:sp>
+        <p:nvSpPr>
+          <p:cNvPr id="11" name="TextBox 10"/>
+          <p:cNvSpPr txBox="1"/>
+          <p:nvPr/>
+        </p:nvSpPr>
+        <p:spPr>
+          <a:xfrm>
+            <a:off x="4324972" y="2191228"/>
+            <a:ext cx="189257" cy="178683"/>
+          </a:xfrm>
+          <a:prstGeom prst="rect">
+            <a:avLst/>
+          </a:prstGeom>
+          <a:noFill/>
+        </p:spPr>
+        <p:txBody>
+          <a:bodyPr wrap="square" lIns="0" tIns="0" rIns="0" bIns="0" rtlCol="0">
+            <a:noAutofit/>
+          </a:bodyPr>
+          <a:lstStyle/>
+          <a:p>
+            <a:pPr algn="ctr"/>
+            <a:r>
+              <a:rPr lang="en-US" sz="1100" dirty="0" smtClean="0">
+                <a:solidFill>
+                  <a:srgbClr val="7030A0"/>
+                </a:solidFill>
+              </a:rPr>
+              <a:t>1</a:t>
+            </a:r>
+            <a:endParaRPr lang="en-SG" sz="1100" dirty="0">
+              <a:solidFill>
+                <a:srgbClr val="7030A0"/>
+              </a:solidFill>
+            </a:endParaRPr>
+          </a:p>
+        </p:txBody>
+      </p:sp>
+      <p:sp>
+        <p:nvSpPr>
+          <p:cNvPr id="54" name="TextBox 53"/>
+          <p:cNvSpPr txBox="1"/>
+          <p:nvPr/>
+        </p:nvSpPr>
+        <p:spPr>
+          <a:xfrm>
+            <a:off x="4324972" y="3058864"/>
+            <a:ext cx="189257" cy="178683"/>
+          </a:xfrm>
+          <a:prstGeom prst="rect">
+            <a:avLst/>
+          </a:prstGeom>
+          <a:noFill/>
+        </p:spPr>
+        <p:txBody>
+          <a:bodyPr wrap="square" lIns="0" tIns="0" rIns="0" bIns="0" rtlCol="0">
+            <a:noAutofit/>
+          </a:bodyPr>
+          <a:lstStyle/>
+          <a:p>
+            <a:pPr algn="ctr"/>
+            <a:r>
+              <a:rPr lang="en-US" sz="1100" dirty="0" smtClean="0">
+                <a:solidFill>
+                  <a:srgbClr val="7030A0"/>
+                </a:solidFill>
+              </a:rPr>
+              <a:t>1</a:t>
+            </a:r>
+            <a:endParaRPr lang="en-SG" sz="1100" dirty="0">
+              <a:solidFill>
+                <a:srgbClr val="7030A0"/>
+              </a:solidFill>
+            </a:endParaRPr>
+          </a:p>
+        </p:txBody>
+      </p:sp>
+      <p:sp>
+        <p:nvSpPr>
+          <p:cNvPr id="56" name="TextBox 55"/>
+          <p:cNvSpPr txBox="1"/>
+          <p:nvPr/>
+        </p:nvSpPr>
+        <p:spPr>
+          <a:xfrm>
+            <a:off x="5689761" y="2495413"/>
+            <a:ext cx="189257" cy="178683"/>
+          </a:xfrm>
+          <a:prstGeom prst="rect">
+            <a:avLst/>
+          </a:prstGeom>
+          <a:noFill/>
+        </p:spPr>
+        <p:txBody>
+          <a:bodyPr wrap="square" lIns="0" tIns="0" rIns="0" bIns="0" rtlCol="0">
+            <a:noAutofit/>
+          </a:bodyPr>
+          <a:lstStyle/>
+          <a:p>
+            <a:pPr algn="ctr"/>
+            <a:r>
+              <a:rPr lang="en-US" sz="1100" dirty="0" smtClean="0">
+                <a:solidFill>
+                  <a:srgbClr val="7030A0"/>
+                </a:solidFill>
+              </a:rPr>
+              <a:t>1</a:t>
+            </a:r>
+            <a:endParaRPr lang="en-SG" sz="1100" dirty="0">
+              <a:solidFill>
+                <a:srgbClr val="7030A0"/>
+              </a:solidFill>
+            </a:endParaRPr>
+          </a:p>
+        </p:txBody>
+      </p:sp>
+      <p:sp>
+        <p:nvSpPr>
+          <p:cNvPr id="60" name="TextBox 59"/>
+          <p:cNvSpPr txBox="1"/>
+          <p:nvPr/>
+        </p:nvSpPr>
+        <p:spPr>
+          <a:xfrm>
+            <a:off x="5163172" y="1778919"/>
+            <a:ext cx="189257" cy="178683"/>
+          </a:xfrm>
+          <a:prstGeom prst="rect">
+            <a:avLst/>
+          </a:prstGeom>
+          <a:noFill/>
+        </p:spPr>
+        <p:txBody>
+          <a:bodyPr wrap="square" lIns="0" tIns="0" rIns="0" bIns="0" rtlCol="0">
+            <a:noAutofit/>
+          </a:bodyPr>
+          <a:lstStyle/>
+          <a:p>
+            <a:pPr algn="ctr"/>
+            <a:r>
+              <a:rPr lang="en-US" sz="1100" dirty="0" smtClean="0">
+                <a:solidFill>
+                  <a:srgbClr val="7030A0"/>
+                </a:solidFill>
+              </a:rPr>
+              <a:t>*</a:t>
+            </a:r>
+            <a:endParaRPr lang="en-SG" sz="1100" dirty="0">
+              <a:solidFill>
+                <a:srgbClr val="7030A0"/>
+              </a:solidFill>
+            </a:endParaRPr>
+          </a:p>
+        </p:txBody>
+      </p:sp>
+      <p:sp>
+        <p:nvSpPr>
+          <p:cNvPr id="61" name="TextBox 60"/>
+          <p:cNvSpPr txBox="1"/>
+          <p:nvPr/>
+        </p:nvSpPr>
+        <p:spPr>
+          <a:xfrm>
+            <a:off x="6135256" y="3097917"/>
+            <a:ext cx="189257" cy="178683"/>
+          </a:xfrm>
+          <a:prstGeom prst="rect">
+            <a:avLst/>
+          </a:prstGeom>
+          <a:noFill/>
+        </p:spPr>
+        <p:txBody>
+          <a:bodyPr wrap="square" lIns="0" tIns="0" rIns="0" bIns="0" rtlCol="0">
+            <a:noAutofit/>
+          </a:bodyPr>
+          <a:lstStyle/>
+          <a:p>
+            <a:pPr algn="ctr"/>
+            <a:r>
+              <a:rPr lang="en-US" sz="1100" dirty="0" smtClean="0">
+                <a:solidFill>
+                  <a:srgbClr val="7030A0"/>
+                </a:solidFill>
+              </a:rPr>
+              <a:t>*</a:t>
+            </a:r>
+            <a:endParaRPr lang="en-SG" sz="1100" dirty="0">
+              <a:solidFill>
+                <a:srgbClr val="7030A0"/>
+              </a:solidFill>
+            </a:endParaRPr>
+          </a:p>
+        </p:txBody>
+      </p:sp>
+      <p:sp>
+        <p:nvSpPr>
+          <p:cNvPr id="65" name="TextBox 64"/>
+          <p:cNvSpPr txBox="1"/>
+          <p:nvPr/>
+        </p:nvSpPr>
+        <p:spPr>
+          <a:xfrm>
+            <a:off x="2687923" y="2564238"/>
+            <a:ext cx="189257" cy="178683"/>
+          </a:xfrm>
+          <a:prstGeom prst="rect">
+            <a:avLst/>
+          </a:prstGeom>
+          <a:noFill/>
+        </p:spPr>
+        <p:txBody>
+          <a:bodyPr wrap="square" lIns="0" tIns="0" rIns="0" bIns="0" rtlCol="0">
+            <a:noAutofit/>
+          </a:bodyPr>
+          <a:lstStyle/>
+          <a:p>
+            <a:pPr algn="ctr"/>
+            <a:r>
+              <a:rPr lang="en-US" sz="1100" dirty="0" smtClean="0">
+                <a:solidFill>
+                  <a:srgbClr val="7030A0"/>
+                </a:solidFill>
+              </a:rPr>
+              <a:t>1</a:t>
+            </a:r>
+            <a:endParaRPr lang="en-SG" sz="1100" dirty="0">
+              <a:solidFill>
+                <a:srgbClr val="7030A0"/>
+              </a:solidFill>
+            </a:endParaRPr>
+          </a:p>
+        </p:txBody>
+      </p:sp>
+      <p:sp>
+        <p:nvSpPr>
+          <p:cNvPr id="66" name="TextBox 65"/>
+          <p:cNvSpPr txBox="1"/>
+          <p:nvPr/>
+        </p:nvSpPr>
+        <p:spPr>
+          <a:xfrm>
+            <a:off x="2656370" y="3386050"/>
+            <a:ext cx="189257" cy="178683"/>
+          </a:xfrm>
+          <a:prstGeom prst="rect">
+            <a:avLst/>
+          </a:prstGeom>
+          <a:noFill/>
+        </p:spPr>
+        <p:txBody>
+          <a:bodyPr wrap="square" lIns="0" tIns="0" rIns="0" bIns="0" rtlCol="0">
+            <a:noAutofit/>
+          </a:bodyPr>
+          <a:lstStyle/>
+          <a:p>
+            <a:pPr algn="ctr"/>
+            <a:r>
+              <a:rPr lang="en-US" sz="1100" dirty="0" smtClean="0">
+                <a:solidFill>
+                  <a:srgbClr val="7030A0"/>
+                </a:solidFill>
+              </a:rPr>
+              <a:t>1</a:t>
+            </a:r>
+            <a:endParaRPr lang="en-SG" sz="1100" dirty="0">
+              <a:solidFill>
+                <a:srgbClr val="7030A0"/>
+              </a:solidFill>
+            </a:endParaRPr>
+          </a:p>
+        </p:txBody>
+      </p:sp>
+      <p:sp>
+        <p:nvSpPr>
+          <p:cNvPr id="70" name="TextBox 69"/>
+          <p:cNvSpPr txBox="1"/>
+          <p:nvPr/>
+        </p:nvSpPr>
+        <p:spPr>
+          <a:xfrm>
+            <a:off x="6667770" y="3210194"/>
+            <a:ext cx="189257" cy="178683"/>
+          </a:xfrm>
+          <a:prstGeom prst="rect">
+            <a:avLst/>
+          </a:prstGeom>
+          <a:noFill/>
+        </p:spPr>
+        <p:txBody>
+          <a:bodyPr wrap="square" lIns="0" tIns="0" rIns="0" bIns="0" rtlCol="0">
+            <a:noAutofit/>
+          </a:bodyPr>
+          <a:lstStyle/>
+          <a:p>
+            <a:pPr algn="ctr"/>
+            <a:r>
+              <a:rPr lang="en-US" sz="1100" dirty="0" smtClean="0">
+                <a:solidFill>
+                  <a:srgbClr val="7030A0"/>
+                </a:solidFill>
+              </a:rPr>
+              <a:t>1</a:t>
+            </a:r>
+            <a:endParaRPr lang="en-SG" sz="1100" dirty="0">
+              <a:solidFill>
+                <a:srgbClr val="7030A0"/>
+              </a:solidFill>
+            </a:endParaRPr>
+          </a:p>
+        </p:txBody>
+      </p:sp>
     </p:spTree>
     <p:extLst>
       <p:ext uri="{BB962C8B-B14F-4D97-AF65-F5344CB8AC3E}">

--- a/docs/diagrams/ModelComponentClassDiagram.pptx
+++ b/docs/diagrams/ModelComponentClassDiagram.pptx
@@ -107,6 +107,22 @@
       </a:defRPr>
     </a:lvl9pPr>
   </p:defaultTextStyle>
+  <p:extLst>
+    <p:ext uri="{EFAFB233-063F-42B5-8137-9DF3F51BA10A}">
+      <p15:sldGuideLst xmlns:p15="http://schemas.microsoft.com/office/powerpoint/2012/main">
+        <p15:guide id="1" orient="horz" pos="1488">
+          <p15:clr>
+            <a:srgbClr val="A4A3A4"/>
+          </p15:clr>
+        </p15:guide>
+        <p15:guide id="2" pos="2880">
+          <p15:clr>
+            <a:srgbClr val="A4A3A4"/>
+          </p15:clr>
+        </p15:guide>
+      </p15:sldGuideLst>
+    </p:ext>
+  </p:extLst>
 </p:presentation>
 </file>
 
@@ -192,7 +208,7 @@
           <a:p>
             <a:fld id="{F5CC4B3F-88C1-4FFA-B1B6-F41C21DC6924}" type="datetimeFigureOut">
               <a:rPr lang="en-US" smtClean="0"/>
-              <a:t>11/19/2016</a:t>
+              <a:t>9/4/17</a:t>
             </a:fld>
             <a:endParaRPr lang="en-US"/>
           </a:p>
@@ -641,7 +657,7 @@
           <a:p>
             <a:fld id="{78C97017-6FC3-485B-9764-EAC9E56C1D49}" type="datetimeFigureOut">
               <a:rPr lang="en-US" smtClean="0"/>
-              <a:t>11/19/2016</a:t>
+              <a:t>9/4/17</a:t>
             </a:fld>
             <a:endParaRPr lang="en-US"/>
           </a:p>
@@ -811,7 +827,7 @@
           <a:p>
             <a:fld id="{78C97017-6FC3-485B-9764-EAC9E56C1D49}" type="datetimeFigureOut">
               <a:rPr lang="en-US" smtClean="0"/>
-              <a:t>11/19/2016</a:t>
+              <a:t>9/4/17</a:t>
             </a:fld>
             <a:endParaRPr lang="en-US"/>
           </a:p>
@@ -991,7 +1007,7 @@
           <a:p>
             <a:fld id="{78C97017-6FC3-485B-9764-EAC9E56C1D49}" type="datetimeFigureOut">
               <a:rPr lang="en-US" smtClean="0"/>
-              <a:t>11/19/2016</a:t>
+              <a:t>9/4/17</a:t>
             </a:fld>
             <a:endParaRPr lang="en-US"/>
           </a:p>
@@ -1161,7 +1177,7 @@
           <a:p>
             <a:fld id="{78C97017-6FC3-485B-9764-EAC9E56C1D49}" type="datetimeFigureOut">
               <a:rPr lang="en-US" smtClean="0"/>
-              <a:t>11/19/2016</a:t>
+              <a:t>9/4/17</a:t>
             </a:fld>
             <a:endParaRPr lang="en-US"/>
           </a:p>
@@ -1407,7 +1423,7 @@
           <a:p>
             <a:fld id="{78C97017-6FC3-485B-9764-EAC9E56C1D49}" type="datetimeFigureOut">
               <a:rPr lang="en-US" smtClean="0"/>
-              <a:t>11/19/2016</a:t>
+              <a:t>9/4/17</a:t>
             </a:fld>
             <a:endParaRPr lang="en-US"/>
           </a:p>
@@ -1695,7 +1711,7 @@
           <a:p>
             <a:fld id="{78C97017-6FC3-485B-9764-EAC9E56C1D49}" type="datetimeFigureOut">
               <a:rPr lang="en-US" smtClean="0"/>
-              <a:t>11/19/2016</a:t>
+              <a:t>9/4/17</a:t>
             </a:fld>
             <a:endParaRPr lang="en-US"/>
           </a:p>
@@ -2117,7 +2133,7 @@
           <a:p>
             <a:fld id="{78C97017-6FC3-485B-9764-EAC9E56C1D49}" type="datetimeFigureOut">
               <a:rPr lang="en-US" smtClean="0"/>
-              <a:t>11/19/2016</a:t>
+              <a:t>9/4/17</a:t>
             </a:fld>
             <a:endParaRPr lang="en-US"/>
           </a:p>
@@ -2235,7 +2251,7 @@
           <a:p>
             <a:fld id="{78C97017-6FC3-485B-9764-EAC9E56C1D49}" type="datetimeFigureOut">
               <a:rPr lang="en-US" smtClean="0"/>
-              <a:t>11/19/2016</a:t>
+              <a:t>9/4/17</a:t>
             </a:fld>
             <a:endParaRPr lang="en-US"/>
           </a:p>
@@ -2330,7 +2346,7 @@
           <a:p>
             <a:fld id="{78C97017-6FC3-485B-9764-EAC9E56C1D49}" type="datetimeFigureOut">
               <a:rPr lang="en-US" smtClean="0"/>
-              <a:t>11/19/2016</a:t>
+              <a:t>9/4/17</a:t>
             </a:fld>
             <a:endParaRPr lang="en-US"/>
           </a:p>
@@ -2607,7 +2623,7 @@
           <a:p>
             <a:fld id="{78C97017-6FC3-485B-9764-EAC9E56C1D49}" type="datetimeFigureOut">
               <a:rPr lang="en-US" smtClean="0"/>
-              <a:t>11/19/2016</a:t>
+              <a:t>9/4/17</a:t>
             </a:fld>
             <a:endParaRPr lang="en-US"/>
           </a:p>
@@ -2860,7 +2876,7 @@
           <a:p>
             <a:fld id="{78C97017-6FC3-485B-9764-EAC9E56C1D49}" type="datetimeFigureOut">
               <a:rPr lang="en-US" smtClean="0"/>
-              <a:t>11/19/2016</a:t>
+              <a:t>9/4/17</a:t>
             </a:fld>
             <a:endParaRPr lang="en-US"/>
           </a:p>
@@ -3073,7 +3089,7 @@
           <a:p>
             <a:fld id="{78C97017-6FC3-485B-9764-EAC9E56C1D49}" type="datetimeFigureOut">
               <a:rPr lang="en-US" smtClean="0"/>
-              <a:t>11/19/2016</a:t>
+              <a:t>9/4/17</a:t>
             </a:fld>
             <a:endParaRPr lang="en-US"/>
           </a:p>
@@ -5434,8 +5450,8 @@
         </p:nvSpPr>
         <p:spPr>
           <a:xfrm>
-            <a:off x="2057400" y="4239491"/>
-            <a:ext cx="1775949" cy="346760"/>
+            <a:off x="2057401" y="4239491"/>
+            <a:ext cx="1066800" cy="346760"/>
           </a:xfrm>
           <a:prstGeom prst="rect">
             <a:avLst/>
@@ -5475,7 +5491,7 @@
               <a:t>&lt;&lt;interface&gt;&gt;</a:t>
             </a:r>
             <a:r>
-              <a:rPr lang="en-US" sz="1050" dirty="0">
+              <a:rPr lang="en-US" sz="1050">
                 <a:solidFill>
                   <a:srgbClr val="7030A0"/>
                 </a:solidFill>
@@ -5483,7 +5499,7 @@
               <a:t/>
             </a:r>
             <a:br>
-              <a:rPr lang="en-US" sz="1050" dirty="0">
+              <a:rPr lang="en-US" sz="1050">
                 <a:solidFill>
                   <a:srgbClr val="7030A0"/>
                 </a:solidFill>
@@ -5495,7 +5511,7 @@
                   <a:srgbClr val="7030A0"/>
                 </a:solidFill>
               </a:rPr>
-              <a:t>UnmodifiableObservableList</a:t>
+              <a:t>ObservableList</a:t>
             </a:r>
             <a:endParaRPr lang="en-SG" sz="1050" dirty="0">
               <a:solidFill>
@@ -5516,8 +5532,8 @@
         </p:nvCxnSpPr>
         <p:spPr>
           <a:xfrm rot="16200000" flipH="1">
-            <a:off x="1364475" y="3719945"/>
-            <a:ext cx="831471" cy="554380"/>
+            <a:off x="1364475" y="3719944"/>
+            <a:ext cx="831471" cy="554381"/>
           </a:xfrm>
           <a:prstGeom prst="bentConnector2">
             <a:avLst/>

--- a/docs/diagrams/ModelComponentClassDiagram.pptx
+++ b/docs/diagrams/ModelComponentClassDiagram.pptx
@@ -208,7 +208,7 @@
           <a:p>
             <a:fld id="{F5CC4B3F-88C1-4FFA-B1B6-F41C21DC6924}" type="datetimeFigureOut">
               <a:rPr lang="en-US" smtClean="0"/>
-              <a:t>1/1/18</a:t>
+              <a:t>2/22/2018</a:t>
             </a:fld>
             <a:endParaRPr lang="en-US"/>
           </a:p>
@@ -272,38 +272,37 @@
           <a:p>
             <a:pPr lvl="0"/>
             <a:r>
-              <a:rPr lang="en-US" smtClean="0"/>
+              <a:rPr lang="en-US"/>
               <a:t>Click to edit Master text styles</a:t>
             </a:r>
           </a:p>
           <a:p>
             <a:pPr lvl="1"/>
             <a:r>
-              <a:rPr lang="en-US" smtClean="0"/>
+              <a:rPr lang="en-US"/>
               <a:t>Second level</a:t>
             </a:r>
           </a:p>
           <a:p>
             <a:pPr lvl="2"/>
             <a:r>
-              <a:rPr lang="en-US" smtClean="0"/>
+              <a:rPr lang="en-US"/>
               <a:t>Third level</a:t>
             </a:r>
           </a:p>
           <a:p>
             <a:pPr lvl="3"/>
             <a:r>
-              <a:rPr lang="en-US" smtClean="0"/>
+              <a:rPr lang="en-US"/>
               <a:t>Fourth level</a:t>
             </a:r>
           </a:p>
           <a:p>
             <a:pPr lvl="4"/>
             <a:r>
-              <a:rPr lang="en-US" smtClean="0"/>
+              <a:rPr lang="en-US"/>
               <a:t>Fifth level</a:t>
             </a:r>
-            <a:endParaRPr lang="en-US"/>
           </a:p>
         </p:txBody>
       </p:sp>
@@ -514,10 +513,9 @@
           <a:lstStyle/>
           <a:p>
             <a:r>
-              <a:rPr lang="en-US" smtClean="0"/>
+              <a:rPr lang="en-US"/>
               <a:t>Click to edit Master title style</a:t>
             </a:r>
-            <a:endParaRPr lang="en-US"/>
           </a:p>
         </p:txBody>
       </p:sp>
@@ -633,10 +631,9 @@
           </a:lstStyle>
           <a:p>
             <a:r>
-              <a:rPr lang="en-US" smtClean="0"/>
+              <a:rPr lang="en-US"/>
               <a:t>Click to edit Master subtitle style</a:t>
             </a:r>
-            <a:endParaRPr lang="en-US"/>
           </a:p>
         </p:txBody>
       </p:sp>
@@ -657,7 +654,7 @@
           <a:p>
             <a:fld id="{78C97017-6FC3-485B-9764-EAC9E56C1D49}" type="datetimeFigureOut">
               <a:rPr lang="en-US" smtClean="0"/>
-              <a:t>1/1/18</a:t>
+              <a:t>2/22/2018</a:t>
             </a:fld>
             <a:endParaRPr lang="en-US"/>
           </a:p>
@@ -751,10 +748,9 @@
           <a:lstStyle/>
           <a:p>
             <a:r>
-              <a:rPr lang="en-US" smtClean="0"/>
+              <a:rPr lang="en-US"/>
               <a:t>Click to edit Master title style</a:t>
             </a:r>
-            <a:endParaRPr lang="en-US"/>
           </a:p>
         </p:txBody>
       </p:sp>
@@ -775,38 +771,37 @@
           <a:p>
             <a:pPr lvl="0"/>
             <a:r>
-              <a:rPr lang="en-US" smtClean="0"/>
+              <a:rPr lang="en-US"/>
               <a:t>Click to edit Master text styles</a:t>
             </a:r>
           </a:p>
           <a:p>
             <a:pPr lvl="1"/>
             <a:r>
-              <a:rPr lang="en-US" smtClean="0"/>
+              <a:rPr lang="en-US"/>
               <a:t>Second level</a:t>
             </a:r>
           </a:p>
           <a:p>
             <a:pPr lvl="2"/>
             <a:r>
-              <a:rPr lang="en-US" smtClean="0"/>
+              <a:rPr lang="en-US"/>
               <a:t>Third level</a:t>
             </a:r>
           </a:p>
           <a:p>
             <a:pPr lvl="3"/>
             <a:r>
-              <a:rPr lang="en-US" smtClean="0"/>
+              <a:rPr lang="en-US"/>
               <a:t>Fourth level</a:t>
             </a:r>
           </a:p>
           <a:p>
             <a:pPr lvl="4"/>
             <a:r>
-              <a:rPr lang="en-US" smtClean="0"/>
+              <a:rPr lang="en-US"/>
               <a:t>Fifth level</a:t>
             </a:r>
-            <a:endParaRPr lang="en-US"/>
           </a:p>
         </p:txBody>
       </p:sp>
@@ -827,7 +822,7 @@
           <a:p>
             <a:fld id="{78C97017-6FC3-485B-9764-EAC9E56C1D49}" type="datetimeFigureOut">
               <a:rPr lang="en-US" smtClean="0"/>
-              <a:t>1/1/18</a:t>
+              <a:t>2/22/2018</a:t>
             </a:fld>
             <a:endParaRPr lang="en-US"/>
           </a:p>
@@ -926,10 +921,9 @@
           <a:lstStyle/>
           <a:p>
             <a:r>
-              <a:rPr lang="en-US" smtClean="0"/>
+              <a:rPr lang="en-US"/>
               <a:t>Click to edit Master title style</a:t>
             </a:r>
-            <a:endParaRPr lang="en-US"/>
           </a:p>
         </p:txBody>
       </p:sp>
@@ -955,38 +949,37 @@
           <a:p>
             <a:pPr lvl="0"/>
             <a:r>
-              <a:rPr lang="en-US" smtClean="0"/>
+              <a:rPr lang="en-US"/>
               <a:t>Click to edit Master text styles</a:t>
             </a:r>
           </a:p>
           <a:p>
             <a:pPr lvl="1"/>
             <a:r>
-              <a:rPr lang="en-US" smtClean="0"/>
+              <a:rPr lang="en-US"/>
               <a:t>Second level</a:t>
             </a:r>
           </a:p>
           <a:p>
             <a:pPr lvl="2"/>
             <a:r>
-              <a:rPr lang="en-US" smtClean="0"/>
+              <a:rPr lang="en-US"/>
               <a:t>Third level</a:t>
             </a:r>
           </a:p>
           <a:p>
             <a:pPr lvl="3"/>
             <a:r>
-              <a:rPr lang="en-US" smtClean="0"/>
+              <a:rPr lang="en-US"/>
               <a:t>Fourth level</a:t>
             </a:r>
           </a:p>
           <a:p>
             <a:pPr lvl="4"/>
             <a:r>
-              <a:rPr lang="en-US" smtClean="0"/>
+              <a:rPr lang="en-US"/>
               <a:t>Fifth level</a:t>
             </a:r>
-            <a:endParaRPr lang="en-US"/>
           </a:p>
         </p:txBody>
       </p:sp>
@@ -1007,7 +1000,7 @@
           <a:p>
             <a:fld id="{78C97017-6FC3-485B-9764-EAC9E56C1D49}" type="datetimeFigureOut">
               <a:rPr lang="en-US" smtClean="0"/>
-              <a:t>1/1/18</a:t>
+              <a:t>2/22/2018</a:t>
             </a:fld>
             <a:endParaRPr lang="en-US"/>
           </a:p>
@@ -1101,10 +1094,9 @@
           <a:lstStyle/>
           <a:p>
             <a:r>
-              <a:rPr lang="en-US" smtClean="0"/>
+              <a:rPr lang="en-US"/>
               <a:t>Click to edit Master title style</a:t>
             </a:r>
-            <a:endParaRPr lang="en-US"/>
           </a:p>
         </p:txBody>
       </p:sp>
@@ -1125,38 +1117,37 @@
           <a:p>
             <a:pPr lvl="0"/>
             <a:r>
-              <a:rPr lang="en-US" smtClean="0"/>
+              <a:rPr lang="en-US"/>
               <a:t>Click to edit Master text styles</a:t>
             </a:r>
           </a:p>
           <a:p>
             <a:pPr lvl="1"/>
             <a:r>
-              <a:rPr lang="en-US" smtClean="0"/>
+              <a:rPr lang="en-US"/>
               <a:t>Second level</a:t>
             </a:r>
           </a:p>
           <a:p>
             <a:pPr lvl="2"/>
             <a:r>
-              <a:rPr lang="en-US" smtClean="0"/>
+              <a:rPr lang="en-US"/>
               <a:t>Third level</a:t>
             </a:r>
           </a:p>
           <a:p>
             <a:pPr lvl="3"/>
             <a:r>
-              <a:rPr lang="en-US" smtClean="0"/>
+              <a:rPr lang="en-US"/>
               <a:t>Fourth level</a:t>
             </a:r>
           </a:p>
           <a:p>
             <a:pPr lvl="4"/>
             <a:r>
-              <a:rPr lang="en-US" smtClean="0"/>
+              <a:rPr lang="en-US"/>
               <a:t>Fifth level</a:t>
             </a:r>
-            <a:endParaRPr lang="en-US"/>
           </a:p>
         </p:txBody>
       </p:sp>
@@ -1177,7 +1168,7 @@
           <a:p>
             <a:fld id="{78C97017-6FC3-485B-9764-EAC9E56C1D49}" type="datetimeFigureOut">
               <a:rPr lang="en-US" smtClean="0"/>
-              <a:t>1/1/18</a:t>
+              <a:t>2/22/2018</a:t>
             </a:fld>
             <a:endParaRPr lang="en-US"/>
           </a:p>
@@ -1280,10 +1271,9 @@
           </a:lstStyle>
           <a:p>
             <a:r>
-              <a:rPr lang="en-US" smtClean="0"/>
+              <a:rPr lang="en-US"/>
               <a:t>Click to edit Master title style</a:t>
             </a:r>
-            <a:endParaRPr lang="en-US"/>
           </a:p>
         </p:txBody>
       </p:sp>
@@ -1400,7 +1390,7 @@
           <a:p>
             <a:pPr lvl="0"/>
             <a:r>
-              <a:rPr lang="en-US" smtClean="0"/>
+              <a:rPr lang="en-US"/>
               <a:t>Click to edit Master text styles</a:t>
             </a:r>
           </a:p>
@@ -1423,7 +1413,7 @@
           <a:p>
             <a:fld id="{78C97017-6FC3-485B-9764-EAC9E56C1D49}" type="datetimeFigureOut">
               <a:rPr lang="en-US" smtClean="0"/>
-              <a:t>1/1/18</a:t>
+              <a:t>2/22/2018</a:t>
             </a:fld>
             <a:endParaRPr lang="en-US"/>
           </a:p>
@@ -1517,10 +1507,9 @@
           <a:lstStyle/>
           <a:p>
             <a:r>
-              <a:rPr lang="en-US" smtClean="0"/>
+              <a:rPr lang="en-US"/>
               <a:t>Click to edit Master title style</a:t>
             </a:r>
-            <a:endParaRPr lang="en-US"/>
           </a:p>
         </p:txBody>
       </p:sp>
@@ -1574,38 +1563,37 @@
           <a:p>
             <a:pPr lvl="0"/>
             <a:r>
-              <a:rPr lang="en-US" smtClean="0"/>
+              <a:rPr lang="en-US"/>
               <a:t>Click to edit Master text styles</a:t>
             </a:r>
           </a:p>
           <a:p>
             <a:pPr lvl="1"/>
             <a:r>
-              <a:rPr lang="en-US" smtClean="0"/>
+              <a:rPr lang="en-US"/>
               <a:t>Second level</a:t>
             </a:r>
           </a:p>
           <a:p>
             <a:pPr lvl="2"/>
             <a:r>
-              <a:rPr lang="en-US" smtClean="0"/>
+              <a:rPr lang="en-US"/>
               <a:t>Third level</a:t>
             </a:r>
           </a:p>
           <a:p>
             <a:pPr lvl="3"/>
             <a:r>
-              <a:rPr lang="en-US" smtClean="0"/>
+              <a:rPr lang="en-US"/>
               <a:t>Fourth level</a:t>
             </a:r>
           </a:p>
           <a:p>
             <a:pPr lvl="4"/>
             <a:r>
-              <a:rPr lang="en-US" smtClean="0"/>
+              <a:rPr lang="en-US"/>
               <a:t>Fifth level</a:t>
             </a:r>
-            <a:endParaRPr lang="en-US"/>
           </a:p>
         </p:txBody>
       </p:sp>
@@ -1659,38 +1647,37 @@
           <a:p>
             <a:pPr lvl="0"/>
             <a:r>
-              <a:rPr lang="en-US" smtClean="0"/>
+              <a:rPr lang="en-US"/>
               <a:t>Click to edit Master text styles</a:t>
             </a:r>
           </a:p>
           <a:p>
             <a:pPr lvl="1"/>
             <a:r>
-              <a:rPr lang="en-US" smtClean="0"/>
+              <a:rPr lang="en-US"/>
               <a:t>Second level</a:t>
             </a:r>
           </a:p>
           <a:p>
             <a:pPr lvl="2"/>
             <a:r>
-              <a:rPr lang="en-US" smtClean="0"/>
+              <a:rPr lang="en-US"/>
               <a:t>Third level</a:t>
             </a:r>
           </a:p>
           <a:p>
             <a:pPr lvl="3"/>
             <a:r>
-              <a:rPr lang="en-US" smtClean="0"/>
+              <a:rPr lang="en-US"/>
               <a:t>Fourth level</a:t>
             </a:r>
           </a:p>
           <a:p>
             <a:pPr lvl="4"/>
             <a:r>
-              <a:rPr lang="en-US" smtClean="0"/>
+              <a:rPr lang="en-US"/>
               <a:t>Fifth level</a:t>
             </a:r>
-            <a:endParaRPr lang="en-US"/>
           </a:p>
         </p:txBody>
       </p:sp>
@@ -1711,7 +1698,7 @@
           <a:p>
             <a:fld id="{78C97017-6FC3-485B-9764-EAC9E56C1D49}" type="datetimeFigureOut">
               <a:rPr lang="en-US" smtClean="0"/>
-              <a:t>1/1/18</a:t>
+              <a:t>2/22/2018</a:t>
             </a:fld>
             <a:endParaRPr lang="en-US"/>
           </a:p>
@@ -1809,10 +1796,9 @@
           </a:lstStyle>
           <a:p>
             <a:r>
-              <a:rPr lang="en-US" smtClean="0"/>
+              <a:rPr lang="en-US"/>
               <a:t>Click to edit Master title style</a:t>
             </a:r>
-            <a:endParaRPr lang="en-US"/>
           </a:p>
         </p:txBody>
       </p:sp>
@@ -1875,7 +1861,7 @@
           <a:p>
             <a:pPr lvl="0"/>
             <a:r>
-              <a:rPr lang="en-US" smtClean="0"/>
+              <a:rPr lang="en-US"/>
               <a:t>Click to edit Master text styles</a:t>
             </a:r>
           </a:p>
@@ -1931,38 +1917,37 @@
           <a:p>
             <a:pPr lvl="0"/>
             <a:r>
-              <a:rPr lang="en-US" smtClean="0"/>
+              <a:rPr lang="en-US"/>
               <a:t>Click to edit Master text styles</a:t>
             </a:r>
           </a:p>
           <a:p>
             <a:pPr lvl="1"/>
             <a:r>
-              <a:rPr lang="en-US" smtClean="0"/>
+              <a:rPr lang="en-US"/>
               <a:t>Second level</a:t>
             </a:r>
           </a:p>
           <a:p>
             <a:pPr lvl="2"/>
             <a:r>
-              <a:rPr lang="en-US" smtClean="0"/>
+              <a:rPr lang="en-US"/>
               <a:t>Third level</a:t>
             </a:r>
           </a:p>
           <a:p>
             <a:pPr lvl="3"/>
             <a:r>
-              <a:rPr lang="en-US" smtClean="0"/>
+              <a:rPr lang="en-US"/>
               <a:t>Fourth level</a:t>
             </a:r>
           </a:p>
           <a:p>
             <a:pPr lvl="4"/>
             <a:r>
-              <a:rPr lang="en-US" smtClean="0"/>
+              <a:rPr lang="en-US"/>
               <a:t>Fifth level</a:t>
             </a:r>
-            <a:endParaRPr lang="en-US"/>
           </a:p>
         </p:txBody>
       </p:sp>
@@ -2025,7 +2010,7 @@
           <a:p>
             <a:pPr lvl="0"/>
             <a:r>
-              <a:rPr lang="en-US" smtClean="0"/>
+              <a:rPr lang="en-US"/>
               <a:t>Click to edit Master text styles</a:t>
             </a:r>
           </a:p>
@@ -2081,38 +2066,37 @@
           <a:p>
             <a:pPr lvl="0"/>
             <a:r>
-              <a:rPr lang="en-US" smtClean="0"/>
+              <a:rPr lang="en-US"/>
               <a:t>Click to edit Master text styles</a:t>
             </a:r>
           </a:p>
           <a:p>
             <a:pPr lvl="1"/>
             <a:r>
-              <a:rPr lang="en-US" smtClean="0"/>
+              <a:rPr lang="en-US"/>
               <a:t>Second level</a:t>
             </a:r>
           </a:p>
           <a:p>
             <a:pPr lvl="2"/>
             <a:r>
-              <a:rPr lang="en-US" smtClean="0"/>
+              <a:rPr lang="en-US"/>
               <a:t>Third level</a:t>
             </a:r>
           </a:p>
           <a:p>
             <a:pPr lvl="3"/>
             <a:r>
-              <a:rPr lang="en-US" smtClean="0"/>
+              <a:rPr lang="en-US"/>
               <a:t>Fourth level</a:t>
             </a:r>
           </a:p>
           <a:p>
             <a:pPr lvl="4"/>
             <a:r>
-              <a:rPr lang="en-US" smtClean="0"/>
+              <a:rPr lang="en-US"/>
               <a:t>Fifth level</a:t>
             </a:r>
-            <a:endParaRPr lang="en-US"/>
           </a:p>
         </p:txBody>
       </p:sp>
@@ -2133,7 +2117,7 @@
           <a:p>
             <a:fld id="{78C97017-6FC3-485B-9764-EAC9E56C1D49}" type="datetimeFigureOut">
               <a:rPr lang="en-US" smtClean="0"/>
-              <a:t>1/1/18</a:t>
+              <a:t>2/22/2018</a:t>
             </a:fld>
             <a:endParaRPr lang="en-US"/>
           </a:p>
@@ -2227,10 +2211,9 @@
           <a:lstStyle/>
           <a:p>
             <a:r>
-              <a:rPr lang="en-US" smtClean="0"/>
+              <a:rPr lang="en-US"/>
               <a:t>Click to edit Master title style</a:t>
             </a:r>
-            <a:endParaRPr lang="en-US"/>
           </a:p>
         </p:txBody>
       </p:sp>
@@ -2251,7 +2234,7 @@
           <a:p>
             <a:fld id="{78C97017-6FC3-485B-9764-EAC9E56C1D49}" type="datetimeFigureOut">
               <a:rPr lang="en-US" smtClean="0"/>
-              <a:t>1/1/18</a:t>
+              <a:t>2/22/2018</a:t>
             </a:fld>
             <a:endParaRPr lang="en-US"/>
           </a:p>
@@ -2346,7 +2329,7 @@
           <a:p>
             <a:fld id="{78C97017-6FC3-485B-9764-EAC9E56C1D49}" type="datetimeFigureOut">
               <a:rPr lang="en-US" smtClean="0"/>
-              <a:t>1/1/18</a:t>
+              <a:t>2/22/2018</a:t>
             </a:fld>
             <a:endParaRPr lang="en-US"/>
           </a:p>
@@ -2449,10 +2432,9 @@
           </a:lstStyle>
           <a:p>
             <a:r>
-              <a:rPr lang="en-US" smtClean="0"/>
+              <a:rPr lang="en-US"/>
               <a:t>Click to edit Master title style</a:t>
             </a:r>
-            <a:endParaRPr lang="en-US"/>
           </a:p>
         </p:txBody>
       </p:sp>
@@ -2506,38 +2488,37 @@
           <a:p>
             <a:pPr lvl="0"/>
             <a:r>
-              <a:rPr lang="en-US" smtClean="0"/>
+              <a:rPr lang="en-US"/>
               <a:t>Click to edit Master text styles</a:t>
             </a:r>
           </a:p>
           <a:p>
             <a:pPr lvl="1"/>
             <a:r>
-              <a:rPr lang="en-US" smtClean="0"/>
+              <a:rPr lang="en-US"/>
               <a:t>Second level</a:t>
             </a:r>
           </a:p>
           <a:p>
             <a:pPr lvl="2"/>
             <a:r>
-              <a:rPr lang="en-US" smtClean="0"/>
+              <a:rPr lang="en-US"/>
               <a:t>Third level</a:t>
             </a:r>
           </a:p>
           <a:p>
             <a:pPr lvl="3"/>
             <a:r>
-              <a:rPr lang="en-US" smtClean="0"/>
+              <a:rPr lang="en-US"/>
               <a:t>Fourth level</a:t>
             </a:r>
           </a:p>
           <a:p>
             <a:pPr lvl="4"/>
             <a:r>
-              <a:rPr lang="en-US" smtClean="0"/>
+              <a:rPr lang="en-US"/>
               <a:t>Fifth level</a:t>
             </a:r>
-            <a:endParaRPr lang="en-US"/>
           </a:p>
         </p:txBody>
       </p:sp>
@@ -2600,7 +2581,7 @@
           <a:p>
             <a:pPr lvl="0"/>
             <a:r>
-              <a:rPr lang="en-US" smtClean="0"/>
+              <a:rPr lang="en-US"/>
               <a:t>Click to edit Master text styles</a:t>
             </a:r>
           </a:p>
@@ -2623,7 +2604,7 @@
           <a:p>
             <a:fld id="{78C97017-6FC3-485B-9764-EAC9E56C1D49}" type="datetimeFigureOut">
               <a:rPr lang="en-US" smtClean="0"/>
-              <a:t>1/1/18</a:t>
+              <a:t>2/22/2018</a:t>
             </a:fld>
             <a:endParaRPr lang="en-US"/>
           </a:p>
@@ -2726,10 +2707,9 @@
           </a:lstStyle>
           <a:p>
             <a:r>
-              <a:rPr lang="en-US" smtClean="0"/>
+              <a:rPr lang="en-US"/>
               <a:t>Click to edit Master title style</a:t>
             </a:r>
-            <a:endParaRPr lang="en-US"/>
           </a:p>
         </p:txBody>
       </p:sp>
@@ -2853,7 +2833,7 @@
           <a:p>
             <a:pPr lvl="0"/>
             <a:r>
-              <a:rPr lang="en-US" smtClean="0"/>
+              <a:rPr lang="en-US"/>
               <a:t>Click to edit Master text styles</a:t>
             </a:r>
           </a:p>
@@ -2876,7 +2856,7 @@
           <a:p>
             <a:fld id="{78C97017-6FC3-485B-9764-EAC9E56C1D49}" type="datetimeFigureOut">
               <a:rPr lang="en-US" smtClean="0"/>
-              <a:t>1/1/18</a:t>
+              <a:t>2/22/2018</a:t>
             </a:fld>
             <a:endParaRPr lang="en-US"/>
           </a:p>
@@ -2985,10 +2965,9 @@
           <a:lstStyle/>
           <a:p>
             <a:r>
-              <a:rPr lang="en-US" smtClean="0"/>
+              <a:rPr lang="en-US"/>
               <a:t>Click to edit Master title style</a:t>
             </a:r>
-            <a:endParaRPr lang="en-US"/>
           </a:p>
         </p:txBody>
       </p:sp>
@@ -3019,38 +2998,37 @@
           <a:p>
             <a:pPr lvl="0"/>
             <a:r>
-              <a:rPr lang="en-US" smtClean="0"/>
+              <a:rPr lang="en-US"/>
               <a:t>Click to edit Master text styles</a:t>
             </a:r>
           </a:p>
           <a:p>
             <a:pPr lvl="1"/>
             <a:r>
-              <a:rPr lang="en-US" smtClean="0"/>
+              <a:rPr lang="en-US"/>
               <a:t>Second level</a:t>
             </a:r>
           </a:p>
           <a:p>
             <a:pPr lvl="2"/>
             <a:r>
-              <a:rPr lang="en-US" smtClean="0"/>
+              <a:rPr lang="en-US"/>
               <a:t>Third level</a:t>
             </a:r>
           </a:p>
           <a:p>
             <a:pPr lvl="3"/>
             <a:r>
-              <a:rPr lang="en-US" smtClean="0"/>
+              <a:rPr lang="en-US"/>
               <a:t>Fourth level</a:t>
             </a:r>
           </a:p>
           <a:p>
             <a:pPr lvl="4"/>
             <a:r>
-              <a:rPr lang="en-US" smtClean="0"/>
+              <a:rPr lang="en-US"/>
               <a:t>Fifth level</a:t>
             </a:r>
-            <a:endParaRPr lang="en-US"/>
           </a:p>
         </p:txBody>
       </p:sp>
@@ -3089,7 +3067,7 @@
           <a:p>
             <a:fld id="{78C97017-6FC3-485B-9764-EAC9E56C1D49}" type="datetimeFigureOut">
               <a:rPr lang="en-US" smtClean="0"/>
-              <a:t>1/1/18</a:t>
+              <a:t>2/22/2018</a:t>
             </a:fld>
             <a:endParaRPr lang="en-US"/>
           </a:p>
@@ -3510,7 +3488,7 @@
           <a:lstStyle/>
           <a:p>
             <a:r>
-              <a:rPr lang="en-US" sz="1200" b="1" dirty="0" smtClean="0">
+              <a:rPr lang="en-US" sz="1200" b="1" dirty="0">
                 <a:solidFill>
                   <a:srgbClr val="7030A0"/>
                 </a:solidFill>
@@ -3533,7 +3511,7 @@
         </p:nvSpPr>
         <p:spPr>
           <a:xfrm>
-            <a:off x="2877180" y="3158440"/>
+            <a:off x="2877180" y="3463240"/>
             <a:ext cx="1093635" cy="346760"/>
           </a:xfrm>
           <a:prstGeom prst="rect">
@@ -3569,7 +3547,7 @@
           <a:p>
             <a:pPr algn="ctr"/>
             <a:r>
-              <a:rPr lang="en-US" sz="1050" dirty="0" err="1" smtClean="0">
+              <a:rPr lang="en-US" sz="1050" dirty="0" err="1">
                 <a:solidFill>
                   <a:schemeClr val="bg1"/>
                 </a:solidFill>
@@ -3592,7 +3570,7 @@
         </p:nvSpPr>
         <p:spPr>
           <a:xfrm rot="16200000">
-            <a:off x="1683963" y="2868687"/>
+            <a:off x="1661548" y="3097750"/>
             <a:ext cx="1093635" cy="346760"/>
           </a:xfrm>
           <a:prstGeom prst="rect">
@@ -3628,7 +3606,7 @@
           <a:p>
             <a:pPr algn="ctr"/>
             <a:r>
-              <a:rPr lang="en-US" sz="1050" dirty="0" err="1" smtClean="0">
+              <a:rPr lang="en-US" sz="1050" dirty="0" err="1">
                 <a:solidFill>
                   <a:schemeClr val="bg1"/>
                 </a:solidFill>
@@ -3647,19 +3625,20 @@
         <p:nvCxnSpPr>
           <p:cNvPr id="107" name="Elbow Connector 106"/>
           <p:cNvCxnSpPr>
+            <a:cxnSpLocks/>
             <a:stCxn id="9" idx="1"/>
+            <a:endCxn id="62" idx="2"/>
           </p:cNvCxnSpPr>
           <p:nvPr/>
         </p:nvCxnSpPr>
         <p:spPr>
           <a:xfrm rot="5400000" flipH="1" flipV="1">
-            <a:off x="4360065" y="1080909"/>
-            <a:ext cx="378691" cy="4637261"/>
-          </a:xfrm>
-          <a:prstGeom prst="bentConnector4">
+            <a:off x="4131507" y="1281685"/>
+            <a:ext cx="613122" cy="4459404"/>
+          </a:xfrm>
+          <a:prstGeom prst="bentConnector3">
             <a:avLst>
-              <a:gd name="adj1" fmla="val -101829"/>
-              <a:gd name="adj2" fmla="val 99976"/>
+              <a:gd name="adj1" fmla="val -26668"/>
             </a:avLst>
           </a:prstGeom>
           <a:ln w="19050">
@@ -3742,7 +3721,7 @@
           <a:p>
             <a:pPr algn="ctr"/>
             <a:r>
-              <a:rPr lang="en-US" sz="1050" dirty="0" smtClean="0">
+              <a:rPr lang="en-US" sz="1050" dirty="0">
                 <a:solidFill>
                   <a:schemeClr val="bg1"/>
                 </a:solidFill>
@@ -3815,8 +3794,8 @@
         </p:nvCxnSpPr>
         <p:spPr>
           <a:xfrm>
-            <a:off x="2656370" y="3326536"/>
-            <a:ext cx="220810" cy="5284"/>
+            <a:off x="2609828" y="3636620"/>
+            <a:ext cx="267352" cy="0"/>
           </a:xfrm>
           <a:prstGeom prst="straightConnector1">
             <a:avLst/>
@@ -3937,7 +3916,7 @@
         </p:nvSpPr>
         <p:spPr>
           <a:xfrm>
-            <a:off x="2420322" y="3239846"/>
+            <a:off x="2373780" y="3549930"/>
             <a:ext cx="236048" cy="173380"/>
           </a:xfrm>
           <a:prstGeom prst="flowChartDecision">
@@ -3982,7 +3961,7 @@
         </p:nvSpPr>
         <p:spPr>
           <a:xfrm>
-            <a:off x="2879490" y="2627420"/>
+            <a:off x="2873582" y="2831936"/>
             <a:ext cx="1093635" cy="346760"/>
           </a:xfrm>
           <a:prstGeom prst="rect">
@@ -4015,7 +3994,7 @@
           <a:p>
             <a:pPr algn="ctr"/>
             <a:r>
-              <a:rPr lang="en-US" sz="1050" dirty="0" err="1" smtClean="0">
+              <a:rPr lang="en-US" sz="1050" dirty="0" err="1">
                 <a:solidFill>
                   <a:srgbClr val="7030A0"/>
                 </a:solidFill>
@@ -4041,8 +4020,8 @@
         </p:nvCxnSpPr>
         <p:spPr>
           <a:xfrm>
-            <a:off x="2658680" y="2795516"/>
-            <a:ext cx="220810" cy="5284"/>
+            <a:off x="2624360" y="3003033"/>
+            <a:ext cx="249222" cy="2283"/>
           </a:xfrm>
           <a:prstGeom prst="straightConnector1">
             <a:avLst/>
@@ -4079,7 +4058,7 @@
         </p:nvSpPr>
         <p:spPr>
           <a:xfrm>
-            <a:off x="2422632" y="2708826"/>
+            <a:off x="2388312" y="2916343"/>
             <a:ext cx="236048" cy="173380"/>
           </a:xfrm>
           <a:prstGeom prst="flowChartDecision">
@@ -4157,7 +4136,7 @@
           <a:p>
             <a:pPr algn="ctr"/>
             <a:r>
-              <a:rPr lang="en-US" sz="1050" dirty="0" err="1" smtClean="0">
+              <a:rPr lang="en-US" sz="1050" dirty="0" err="1">
                 <a:solidFill>
                   <a:srgbClr val="7030A0"/>
                 </a:solidFill>
@@ -4180,7 +4159,7 @@
         </p:nvSpPr>
         <p:spPr>
           <a:xfrm>
-            <a:off x="3984303" y="2673991"/>
+            <a:off x="3977259" y="2932345"/>
             <a:ext cx="236048" cy="173380"/>
           </a:xfrm>
           <a:prstGeom prst="flowChartDecision">
@@ -4230,8 +4209,8 @@
         </p:nvCxnSpPr>
         <p:spPr>
           <a:xfrm>
-            <a:off x="4220351" y="2760681"/>
-            <a:ext cx="266666" cy="260070"/>
+            <a:off x="4213307" y="3019035"/>
+            <a:ext cx="273710" cy="1716"/>
           </a:xfrm>
           <a:prstGeom prst="bentConnector3">
             <a:avLst/>
@@ -4268,7 +4247,7 @@
         </p:nvSpPr>
         <p:spPr>
           <a:xfrm>
-            <a:off x="4477328" y="2280569"/>
+            <a:off x="6089817" y="2034660"/>
             <a:ext cx="1156969" cy="346760"/>
           </a:xfrm>
           <a:prstGeom prst="rect">
@@ -4301,7 +4280,7 @@
           <a:p>
             <a:pPr algn="ctr"/>
             <a:r>
-              <a:rPr lang="en-US" sz="1050" dirty="0" err="1" smtClean="0">
+              <a:rPr lang="en-US" sz="1050" dirty="0" err="1">
                 <a:solidFill>
                   <a:srgbClr val="7030A0"/>
                 </a:solidFill>
@@ -4316,24 +4295,123 @@
           </a:p>
         </p:txBody>
       </p:sp>
+      <p:sp>
+        <p:nvSpPr>
+          <p:cNvPr id="62" name="Rectangle 8"/>
+          <p:cNvSpPr/>
+          <p:nvPr/>
+        </p:nvSpPr>
+        <p:spPr>
+          <a:xfrm>
+            <a:off x="6313677" y="2858066"/>
+            <a:ext cx="708186" cy="346760"/>
+          </a:xfrm>
+          <a:prstGeom prst="rect">
+            <a:avLst/>
+          </a:prstGeom>
+          <a:ln w="19050">
+            <a:solidFill>
+              <a:srgbClr val="7030A0"/>
+            </a:solidFill>
+          </a:ln>
+          <a:effectLst/>
+        </p:spPr>
+        <p:style>
+          <a:lnRef idx="1">
+            <a:schemeClr val="accent4"/>
+          </a:lnRef>
+          <a:fillRef idx="2">
+            <a:schemeClr val="accent4"/>
+          </a:fillRef>
+          <a:effectRef idx="1">
+            <a:schemeClr val="accent4"/>
+          </a:effectRef>
+          <a:fontRef idx="minor">
+            <a:schemeClr val="dk1"/>
+          </a:fontRef>
+        </p:style>
+        <p:txBody>
+          <a:bodyPr rtlCol="0" anchor="ctr"/>
+          <a:lstStyle/>
+          <a:p>
+            <a:pPr algn="ctr"/>
+            <a:r>
+              <a:rPr lang="en-US" sz="1050" dirty="0">
+                <a:solidFill>
+                  <a:srgbClr val="7030A0"/>
+                </a:solidFill>
+              </a:rPr>
+              <a:t>Person</a:t>
+            </a:r>
+            <a:endParaRPr lang="en-SG" sz="1050" dirty="0">
+              <a:solidFill>
+                <a:srgbClr val="7030A0"/>
+              </a:solidFill>
+            </a:endParaRPr>
+          </a:p>
+        </p:txBody>
+      </p:sp>
+      <p:sp>
+        <p:nvSpPr>
+          <p:cNvPr id="63" name="Flowchart: Decision 96"/>
+          <p:cNvSpPr/>
+          <p:nvPr/>
+        </p:nvSpPr>
+        <p:spPr>
+          <a:xfrm>
+            <a:off x="5653118" y="2942885"/>
+            <a:ext cx="236048" cy="173380"/>
+          </a:xfrm>
+          <a:prstGeom prst="flowChartDecision">
+            <a:avLst/>
+          </a:prstGeom>
+          <a:noFill/>
+          <a:ln w="19050">
+            <a:solidFill>
+              <a:srgbClr val="7030A0"/>
+            </a:solidFill>
+          </a:ln>
+          <a:effectLst/>
+        </p:spPr>
+        <p:style>
+          <a:lnRef idx="1">
+            <a:schemeClr val="accent6"/>
+          </a:lnRef>
+          <a:fillRef idx="2">
+            <a:schemeClr val="accent6"/>
+          </a:fillRef>
+          <a:effectRef idx="1">
+            <a:schemeClr val="accent6"/>
+          </a:effectRef>
+          <a:fontRef idx="minor">
+            <a:schemeClr val="dk1"/>
+          </a:fontRef>
+        </p:style>
+        <p:txBody>
+          <a:bodyPr rtlCol="0" anchor="ctr"/>
+          <a:lstStyle/>
+          <a:p>
+            <a:pPr algn="ctr"/>
+            <a:endParaRPr lang="en-US" sz="1050"/>
+          </a:p>
+        </p:txBody>
+      </p:sp>
       <p:cxnSp>
         <p:nvCxnSpPr>
-          <p:cNvPr id="59" name="Elbow Connector 58"/>
+          <p:cNvPr id="64" name="Elbow Connector 63"/>
           <p:cNvCxnSpPr>
-            <a:stCxn id="51" idx="3"/>
-            <a:endCxn id="57" idx="1"/>
+            <a:stCxn id="63" idx="3"/>
+            <a:endCxn id="62" idx="1"/>
           </p:cNvCxnSpPr>
           <p:nvPr/>
         </p:nvCxnSpPr>
         <p:spPr>
-          <a:xfrm flipV="1">
-            <a:off x="4220351" y="2453949"/>
-            <a:ext cx="256977" cy="306732"/>
+          <a:xfrm>
+            <a:off x="5889166" y="3029575"/>
+            <a:ext cx="424511" cy="1871"/>
           </a:xfrm>
           <a:prstGeom prst="bentConnector3">
-            <a:avLst>
-              <a:gd name="adj1" fmla="val 50000"/>
-            </a:avLst>
+            <a:avLst/>
           </a:prstGeom>
           <a:ln w="19050">
             <a:solidFill>
@@ -4361,14 +4439,14 @@
       </p:cxnSp>
       <p:sp>
         <p:nvSpPr>
-          <p:cNvPr id="62" name="Rectangle 8"/>
+          <p:cNvPr id="67" name="Rectangle 8"/>
           <p:cNvSpPr/>
           <p:nvPr/>
         </p:nvSpPr>
         <p:spPr>
           <a:xfrm>
-            <a:off x="6313677" y="2858066"/>
-            <a:ext cx="708186" cy="346760"/>
+            <a:off x="7824640" y="2017848"/>
+            <a:ext cx="483700" cy="346760"/>
           </a:xfrm>
           <a:prstGeom prst="rect">
             <a:avLst/>
@@ -4400,12 +4478,12 @@
           <a:p>
             <a:pPr algn="ctr"/>
             <a:r>
-              <a:rPr lang="en-US" sz="1050" dirty="0" smtClean="0">
+              <a:rPr lang="en-US" sz="1050" dirty="0">
                 <a:solidFill>
                   <a:srgbClr val="7030A0"/>
                 </a:solidFill>
               </a:rPr>
-              <a:t>Person</a:t>
+              <a:t>Tag</a:t>
             </a:r>
             <a:endParaRPr lang="en-SG" sz="1050" dirty="0">
               <a:solidFill>
@@ -4417,13 +4495,13 @@
       </p:sp>
       <p:sp>
         <p:nvSpPr>
-          <p:cNvPr id="63" name="Flowchart: Decision 96"/>
+          <p:cNvPr id="68" name="Flowchart: Decision 96"/>
           <p:cNvSpPr/>
           <p:nvPr/>
         </p:nvSpPr>
         <p:spPr>
           <a:xfrm>
-            <a:off x="5643227" y="2943979"/>
+            <a:off x="7259148" y="2103846"/>
             <a:ext cx="236048" cy="173380"/>
           </a:xfrm>
           <a:prstGeom prst="flowChartDecision">
@@ -4462,20 +4540,22 @@
       </p:sp>
       <p:cxnSp>
         <p:nvCxnSpPr>
-          <p:cNvPr id="64" name="Elbow Connector 63"/>
+          <p:cNvPr id="69" name="Elbow Connector 68"/>
           <p:cNvCxnSpPr>
-            <a:stCxn id="63" idx="3"/>
-            <a:endCxn id="62" idx="1"/>
+            <a:stCxn id="68" idx="3"/>
+            <a:endCxn id="67" idx="1"/>
           </p:cNvCxnSpPr>
           <p:nvPr/>
         </p:nvCxnSpPr>
         <p:spPr>
           <a:xfrm>
-            <a:off x="5879275" y="3030669"/>
-            <a:ext cx="434402" cy="777"/>
+            <a:off x="7495196" y="2190536"/>
+            <a:ext cx="329444" cy="692"/>
           </a:xfrm>
           <a:prstGeom prst="bentConnector3">
-            <a:avLst/>
+            <a:avLst>
+              <a:gd name="adj1" fmla="val 50000"/>
+            </a:avLst>
           </a:prstGeom>
           <a:ln w="19050">
             <a:solidFill>
@@ -4503,14 +4583,14 @@
       </p:cxnSp>
       <p:sp>
         <p:nvSpPr>
-          <p:cNvPr id="67" name="Rectangle 8"/>
+          <p:cNvPr id="76" name="Rectangle 8"/>
           <p:cNvSpPr/>
           <p:nvPr/>
         </p:nvSpPr>
         <p:spPr>
           <a:xfrm>
-            <a:off x="5336105" y="1809332"/>
-            <a:ext cx="483700" cy="346760"/>
+            <a:off x="7712397" y="2564238"/>
+            <a:ext cx="708186" cy="285783"/>
           </a:xfrm>
           <a:prstGeom prst="rect">
             <a:avLst/>
@@ -4542,12 +4622,12 @@
           <a:p>
             <a:pPr algn="ctr"/>
             <a:r>
-              <a:rPr lang="en-US" sz="1050" dirty="0" smtClean="0">
+              <a:rPr lang="en-US" sz="1050" dirty="0">
                 <a:solidFill>
                   <a:srgbClr val="7030A0"/>
                 </a:solidFill>
               </a:rPr>
-              <a:t>Tag</a:t>
+              <a:t>Name</a:t>
             </a:r>
             <a:endParaRPr lang="en-SG" sz="1050" dirty="0">
               <a:solidFill>
@@ -4559,19 +4639,21 @@
       </p:sp>
       <p:sp>
         <p:nvSpPr>
-          <p:cNvPr id="68" name="Flowchart: Decision 96"/>
+          <p:cNvPr id="78" name="Flowchart: Decision 96"/>
           <p:cNvSpPr/>
           <p:nvPr/>
         </p:nvSpPr>
         <p:spPr>
-          <a:xfrm rot="16200000">
-            <a:off x="4921666" y="2066540"/>
+          <a:xfrm>
+            <a:off x="7041947" y="2948201"/>
             <a:ext cx="236048" cy="173380"/>
           </a:xfrm>
           <a:prstGeom prst="flowChartDecision">
             <a:avLst/>
           </a:prstGeom>
-          <a:noFill/>
+          <a:solidFill>
+            <a:srgbClr val="7030A0"/>
+          </a:solidFill>
           <a:ln w="19050">
             <a:solidFill>
               <a:srgbClr val="7030A0"/>
@@ -4604,19 +4686,19 @@
       </p:sp>
       <p:cxnSp>
         <p:nvCxnSpPr>
-          <p:cNvPr id="69" name="Elbow Connector 68"/>
+          <p:cNvPr id="79" name="Elbow Connector 78"/>
           <p:cNvCxnSpPr>
-            <a:stCxn id="68" idx="3"/>
-            <a:endCxn id="67" idx="1"/>
+            <a:stCxn id="78" idx="3"/>
+            <a:endCxn id="76" idx="1"/>
           </p:cNvCxnSpPr>
           <p:nvPr/>
         </p:nvCxnSpPr>
         <p:spPr>
-          <a:xfrm rot="5400000" flipH="1" flipV="1">
-            <a:off x="5161650" y="1860752"/>
-            <a:ext cx="52494" cy="296415"/>
-          </a:xfrm>
-          <a:prstGeom prst="bentConnector2">
+          <a:xfrm flipV="1">
+            <a:off x="7277995" y="2707130"/>
+            <a:ext cx="434402" cy="327761"/>
+          </a:xfrm>
+          <a:prstGeom prst="bentConnector3">
             <a:avLst/>
           </a:prstGeom>
           <a:ln w="19050">
@@ -4645,13 +4727,13 @@
       </p:cxnSp>
       <p:sp>
         <p:nvSpPr>
-          <p:cNvPr id="76" name="Rectangle 8"/>
+          <p:cNvPr id="80" name="Rectangle 8"/>
           <p:cNvSpPr/>
           <p:nvPr/>
         </p:nvSpPr>
         <p:spPr>
           <a:xfrm>
-            <a:off x="7712397" y="2564238"/>
+            <a:off x="7712397" y="2887216"/>
             <a:ext cx="708186" cy="285783"/>
           </a:xfrm>
           <a:prstGeom prst="rect">
@@ -4684,12 +4766,12 @@
           <a:p>
             <a:pPr algn="ctr"/>
             <a:r>
-              <a:rPr lang="en-US" sz="1050" dirty="0" smtClean="0">
+              <a:rPr lang="en-US" sz="1050" dirty="0">
                 <a:solidFill>
                   <a:srgbClr val="7030A0"/>
                 </a:solidFill>
               </a:rPr>
-              <a:t>Name</a:t>
+              <a:t>Phone</a:t>
             </a:r>
             <a:endParaRPr lang="en-SG" sz="1050" dirty="0">
               <a:solidFill>
@@ -4699,66 +4781,19 @@
           </a:p>
         </p:txBody>
       </p:sp>
-      <p:sp>
-        <p:nvSpPr>
-          <p:cNvPr id="78" name="Flowchart: Decision 96"/>
-          <p:cNvSpPr/>
-          <p:nvPr/>
-        </p:nvSpPr>
-        <p:spPr>
-          <a:xfrm>
-            <a:off x="7041947" y="2948201"/>
-            <a:ext cx="236048" cy="173380"/>
-          </a:xfrm>
-          <a:prstGeom prst="flowChartDecision">
-            <a:avLst/>
-          </a:prstGeom>
-          <a:solidFill>
-            <a:srgbClr val="7030A0"/>
-          </a:solidFill>
-          <a:ln w="19050">
-            <a:solidFill>
-              <a:srgbClr val="7030A0"/>
-            </a:solidFill>
-          </a:ln>
-          <a:effectLst/>
-        </p:spPr>
-        <p:style>
-          <a:lnRef idx="1">
-            <a:schemeClr val="accent6"/>
-          </a:lnRef>
-          <a:fillRef idx="2">
-            <a:schemeClr val="accent6"/>
-          </a:fillRef>
-          <a:effectRef idx="1">
-            <a:schemeClr val="accent6"/>
-          </a:effectRef>
-          <a:fontRef idx="minor">
-            <a:schemeClr val="dk1"/>
-          </a:fontRef>
-        </p:style>
-        <p:txBody>
-          <a:bodyPr rtlCol="0" anchor="ctr"/>
-          <a:lstStyle/>
-          <a:p>
-            <a:pPr algn="ctr"/>
-            <a:endParaRPr lang="en-US" sz="1050"/>
-          </a:p>
-        </p:txBody>
-      </p:sp>
       <p:cxnSp>
         <p:nvCxnSpPr>
-          <p:cNvPr id="79" name="Elbow Connector 78"/>
+          <p:cNvPr id="81" name="Elbow Connector 80"/>
           <p:cNvCxnSpPr>
             <a:stCxn id="78" idx="3"/>
-            <a:endCxn id="76" idx="1"/>
+            <a:endCxn id="80" idx="1"/>
           </p:cNvCxnSpPr>
           <p:nvPr/>
         </p:nvCxnSpPr>
         <p:spPr>
           <a:xfrm flipV="1">
-            <a:off x="7277995" y="2707130"/>
-            <a:ext cx="434402" cy="327761"/>
+            <a:off x="7277995" y="3030108"/>
+            <a:ext cx="434402" cy="4783"/>
           </a:xfrm>
           <a:prstGeom prst="bentConnector3">
             <a:avLst/>
@@ -4789,13 +4824,13 @@
       </p:cxnSp>
       <p:sp>
         <p:nvSpPr>
-          <p:cNvPr id="80" name="Rectangle 8"/>
+          <p:cNvPr id="83" name="Rectangle 8"/>
           <p:cNvSpPr/>
           <p:nvPr/>
         </p:nvSpPr>
         <p:spPr>
           <a:xfrm>
-            <a:off x="7712397" y="2887216"/>
+            <a:off x="7712397" y="3210194"/>
             <a:ext cx="708186" cy="285783"/>
           </a:xfrm>
           <a:prstGeom prst="rect">
@@ -4828,12 +4863,12 @@
           <a:p>
             <a:pPr algn="ctr"/>
             <a:r>
-              <a:rPr lang="en-US" sz="1050" dirty="0" smtClean="0">
+              <a:rPr lang="en-US" sz="1050" dirty="0">
                 <a:solidFill>
                   <a:srgbClr val="7030A0"/>
                 </a:solidFill>
               </a:rPr>
-              <a:t>Phone</a:t>
+              <a:t>Email</a:t>
             </a:r>
             <a:endParaRPr lang="en-SG" sz="1050" dirty="0">
               <a:solidFill>
@@ -4845,17 +4880,17 @@
       </p:sp>
       <p:cxnSp>
         <p:nvCxnSpPr>
-          <p:cNvPr id="81" name="Elbow Connector 80"/>
+          <p:cNvPr id="84" name="Elbow Connector 83"/>
           <p:cNvCxnSpPr>
             <a:stCxn id="78" idx="3"/>
-            <a:endCxn id="80" idx="1"/>
+            <a:endCxn id="83" idx="1"/>
           </p:cNvCxnSpPr>
           <p:nvPr/>
         </p:nvCxnSpPr>
         <p:spPr>
-          <a:xfrm flipV="1">
-            <a:off x="7277995" y="3030108"/>
-            <a:ext cx="434402" cy="4783"/>
+          <a:xfrm>
+            <a:off x="7277995" y="3034891"/>
+            <a:ext cx="434402" cy="318195"/>
           </a:xfrm>
           <a:prstGeom prst="bentConnector3">
             <a:avLst/>
@@ -4886,13 +4921,13 @@
       </p:cxnSp>
       <p:sp>
         <p:nvSpPr>
-          <p:cNvPr id="83" name="Rectangle 8"/>
+          <p:cNvPr id="85" name="Rectangle 8"/>
           <p:cNvSpPr/>
           <p:nvPr/>
         </p:nvSpPr>
         <p:spPr>
           <a:xfrm>
-            <a:off x="7712397" y="3210194"/>
+            <a:off x="7712397" y="3533171"/>
             <a:ext cx="708186" cy="285783"/>
           </a:xfrm>
           <a:prstGeom prst="rect">
@@ -4925,104 +4960,7 @@
           <a:p>
             <a:pPr algn="ctr"/>
             <a:r>
-              <a:rPr lang="en-US" sz="1050" dirty="0" smtClean="0">
-                <a:solidFill>
-                  <a:srgbClr val="7030A0"/>
-                </a:solidFill>
-              </a:rPr>
-              <a:t>Email</a:t>
-            </a:r>
-            <a:endParaRPr lang="en-SG" sz="1050" dirty="0">
-              <a:solidFill>
-                <a:srgbClr val="7030A0"/>
-              </a:solidFill>
-            </a:endParaRPr>
-          </a:p>
-        </p:txBody>
-      </p:sp>
-      <p:cxnSp>
-        <p:nvCxnSpPr>
-          <p:cNvPr id="84" name="Elbow Connector 83"/>
-          <p:cNvCxnSpPr>
-            <a:stCxn id="78" idx="3"/>
-            <a:endCxn id="83" idx="1"/>
-          </p:cNvCxnSpPr>
-          <p:nvPr/>
-        </p:nvCxnSpPr>
-        <p:spPr>
-          <a:xfrm>
-            <a:off x="7277995" y="3034891"/>
-            <a:ext cx="434402" cy="318195"/>
-          </a:xfrm>
-          <a:prstGeom prst="bentConnector3">
-            <a:avLst/>
-          </a:prstGeom>
-          <a:ln w="19050">
-            <a:solidFill>
-              <a:srgbClr val="7030A0"/>
-            </a:solidFill>
-            <a:headEnd type="none" w="med" len="med"/>
-            <a:tailEnd type="arrow" w="med" len="med"/>
-          </a:ln>
-          <a:effectLst/>
-        </p:spPr>
-        <p:style>
-          <a:lnRef idx="1">
-            <a:schemeClr val="accent2"/>
-          </a:lnRef>
-          <a:fillRef idx="2">
-            <a:schemeClr val="accent2"/>
-          </a:fillRef>
-          <a:effectRef idx="1">
-            <a:schemeClr val="accent2"/>
-          </a:effectRef>
-          <a:fontRef idx="minor">
-            <a:schemeClr val="dk1"/>
-          </a:fontRef>
-        </p:style>
-      </p:cxnSp>
-      <p:sp>
-        <p:nvSpPr>
-          <p:cNvPr id="85" name="Rectangle 8"/>
-          <p:cNvSpPr/>
-          <p:nvPr/>
-        </p:nvSpPr>
-        <p:spPr>
-          <a:xfrm>
-            <a:off x="7712397" y="3533171"/>
-            <a:ext cx="708186" cy="285783"/>
-          </a:xfrm>
-          <a:prstGeom prst="rect">
-            <a:avLst/>
-          </a:prstGeom>
-          <a:ln w="19050">
-            <a:solidFill>
-              <a:srgbClr val="7030A0"/>
-            </a:solidFill>
-          </a:ln>
-          <a:effectLst/>
-        </p:spPr>
-        <p:style>
-          <a:lnRef idx="1">
-            <a:schemeClr val="accent4"/>
-          </a:lnRef>
-          <a:fillRef idx="2">
-            <a:schemeClr val="accent4"/>
-          </a:fillRef>
-          <a:effectRef idx="1">
-            <a:schemeClr val="accent4"/>
-          </a:effectRef>
-          <a:fontRef idx="minor">
-            <a:schemeClr val="dk1"/>
-          </a:fontRef>
-        </p:style>
-        <p:txBody>
-          <a:bodyPr rtlCol="0" anchor="ctr"/>
-          <a:lstStyle/>
-          <a:p>
-            <a:pPr algn="ctr"/>
-            <a:r>
-              <a:rPr lang="en-US" sz="1050" dirty="0" smtClean="0">
+              <a:rPr lang="en-US" sz="1050" dirty="0">
                 <a:solidFill>
                   <a:srgbClr val="7030A0"/>
                 </a:solidFill>
@@ -5088,7 +5026,7 @@
         </p:nvCxnSpPr>
         <p:spPr>
           <a:xfrm rot="16200000" flipH="1">
-            <a:off x="3279321" y="2485431"/>
+            <a:off x="3279321" y="2737710"/>
             <a:ext cx="293825" cy="1"/>
           </a:xfrm>
           <a:prstGeom prst="bentConnector3">
@@ -5129,7 +5067,7 @@
         </p:nvSpPr>
         <p:spPr>
           <a:xfrm rot="10800000" flipV="1">
-            <a:off x="3290981" y="2162997"/>
+            <a:off x="3290981" y="2415276"/>
             <a:ext cx="270504" cy="175523"/>
           </a:xfrm>
           <a:prstGeom prst="triangle">
@@ -5177,7 +5115,7 @@
         </p:nvSpPr>
         <p:spPr>
           <a:xfrm>
-            <a:off x="2660303" y="1806470"/>
+            <a:off x="2671139" y="2049107"/>
             <a:ext cx="1539926" cy="346760"/>
           </a:xfrm>
           <a:prstGeom prst="rect">
@@ -5210,7 +5148,7 @@
           <a:p>
             <a:pPr algn="ctr"/>
             <a:r>
-              <a:rPr lang="en-US" sz="1050" dirty="0" smtClean="0">
+              <a:rPr lang="en-US" sz="1050" dirty="0">
                 <a:solidFill>
                   <a:srgbClr val="7030A0"/>
                 </a:solidFill>
@@ -5218,14 +5156,14 @@
               <a:t>&lt;&lt;interface&gt;&gt;</a:t>
             </a:r>
             <a:br>
-              <a:rPr lang="en-US" sz="1050" dirty="0" smtClean="0">
+              <a:rPr lang="en-US" sz="1050" dirty="0">
                 <a:solidFill>
                   <a:srgbClr val="7030A0"/>
                 </a:solidFill>
               </a:rPr>
             </a:br>
             <a:r>
-              <a:rPr lang="en-US" sz="1050" dirty="0" err="1" smtClean="0">
+              <a:rPr lang="en-US" sz="1050" dirty="0" err="1">
                 <a:solidFill>
                   <a:srgbClr val="7030A0"/>
                 </a:solidFill>
@@ -5248,7 +5186,7 @@
         </p:nvSpPr>
         <p:spPr>
           <a:xfrm rot="16200000">
-            <a:off x="6527512" y="3586305"/>
+            <a:off x="6362886" y="3586305"/>
             <a:ext cx="881018" cy="261610"/>
           </a:xfrm>
           <a:prstGeom prst="rect">
@@ -5264,7 +5202,7 @@
           <a:p>
             <a:pPr algn="r"/>
             <a:r>
-              <a:rPr lang="en-US" sz="1100" dirty="0" smtClean="0">
+              <a:rPr lang="en-US" sz="1100" dirty="0">
                 <a:solidFill>
                   <a:srgbClr val="7030A0"/>
                 </a:solidFill>
@@ -5320,20 +5258,12 @@
           <a:p>
             <a:pPr algn="ctr"/>
             <a:r>
-              <a:rPr lang="en-US" sz="1050" dirty="0" smtClean="0">
+              <a:rPr lang="en-US" sz="1050" dirty="0">
                 <a:solidFill>
                   <a:srgbClr val="7030A0"/>
                 </a:solidFill>
               </a:rPr>
               <a:t>&lt;&lt;interface&gt;&gt;</a:t>
-            </a:r>
-            <a:r>
-              <a:rPr lang="en-US" sz="1050">
-                <a:solidFill>
-                  <a:srgbClr val="7030A0"/>
-                </a:solidFill>
-              </a:rPr>
-              <a:t/>
             </a:r>
             <a:br>
               <a:rPr lang="en-US" sz="1050">
@@ -5343,7 +5273,7 @@
               </a:rPr>
             </a:br>
             <a:r>
-              <a:rPr lang="en-US" sz="1050" dirty="0" err="1" smtClean="0">
+              <a:rPr lang="en-US" sz="1050" dirty="0" err="1">
                 <a:solidFill>
                   <a:srgbClr val="7030A0"/>
                 </a:solidFill>
@@ -5404,18 +5334,21 @@
         <p:nvCxnSpPr>
           <p:cNvPr id="50" name="Elbow Connector 49"/>
           <p:cNvCxnSpPr>
+            <a:cxnSpLocks/>
             <a:stCxn id="62" idx="0"/>
-            <a:endCxn id="57" idx="3"/>
+            <a:endCxn id="57" idx="2"/>
           </p:cNvCxnSpPr>
           <p:nvPr/>
         </p:nvCxnSpPr>
         <p:spPr>
-          <a:xfrm rot="16200000" flipV="1">
-            <a:off x="5948976" y="2139271"/>
-            <a:ext cx="404117" cy="1033473"/>
-          </a:xfrm>
-          <a:prstGeom prst="bentConnector2">
-            <a:avLst/>
+          <a:xfrm rot="5400000" flipH="1" flipV="1">
+            <a:off x="6429713" y="2619477"/>
+            <a:ext cx="476646" cy="532"/>
+          </a:xfrm>
+          <a:prstGeom prst="bentConnector3">
+            <a:avLst>
+              <a:gd name="adj1" fmla="val 50000"/>
+            </a:avLst>
           </a:prstGeom>
           <a:ln w="19050">
             <a:solidFill>
@@ -5443,13 +5376,13 @@
       </p:cxnSp>
       <p:sp>
         <p:nvSpPr>
-          <p:cNvPr id="11" name="TextBox 10"/>
+          <p:cNvPr id="54" name="TextBox 53"/>
           <p:cNvSpPr txBox="1"/>
           <p:nvPr/>
         </p:nvSpPr>
         <p:spPr>
           <a:xfrm>
-            <a:off x="4324972" y="2191228"/>
+            <a:off x="4324972" y="3058864"/>
             <a:ext cx="189257" cy="178683"/>
           </a:xfrm>
           <a:prstGeom prst="rect">
@@ -5465,7 +5398,7 @@
           <a:p>
             <a:pPr algn="ctr"/>
             <a:r>
-              <a:rPr lang="en-US" sz="1100" dirty="0" smtClean="0">
+              <a:rPr lang="en-US" sz="1100" dirty="0">
                 <a:solidFill>
                   <a:srgbClr val="7030A0"/>
                 </a:solidFill>
@@ -5482,13 +5415,13 @@
       </p:sp>
       <p:sp>
         <p:nvSpPr>
-          <p:cNvPr id="54" name="TextBox 53"/>
+          <p:cNvPr id="56" name="TextBox 55"/>
           <p:cNvSpPr txBox="1"/>
           <p:nvPr/>
         </p:nvSpPr>
         <p:spPr>
           <a:xfrm>
-            <a:off x="4324972" y="3058864"/>
+            <a:off x="6417296" y="2379545"/>
             <a:ext cx="189257" cy="178683"/>
           </a:xfrm>
           <a:prstGeom prst="rect">
@@ -5504,7 +5437,7 @@
           <a:p>
             <a:pPr algn="ctr"/>
             <a:r>
-              <a:rPr lang="en-US" sz="1100" dirty="0" smtClean="0">
+              <a:rPr lang="en-US" sz="1100" dirty="0">
                 <a:solidFill>
                   <a:srgbClr val="7030A0"/>
                 </a:solidFill>
@@ -5521,13 +5454,13 @@
       </p:sp>
       <p:sp>
         <p:nvSpPr>
-          <p:cNvPr id="56" name="TextBox 55"/>
+          <p:cNvPr id="60" name="TextBox 59"/>
           <p:cNvSpPr txBox="1"/>
           <p:nvPr/>
         </p:nvSpPr>
         <p:spPr>
           <a:xfrm>
-            <a:off x="5689761" y="2495413"/>
+            <a:off x="7617629" y="2261342"/>
             <a:ext cx="189257" cy="178683"/>
           </a:xfrm>
           <a:prstGeom prst="rect">
@@ -5543,7 +5476,85 @@
           <a:p>
             <a:pPr algn="ctr"/>
             <a:r>
-              <a:rPr lang="en-US" sz="1100" dirty="0" smtClean="0">
+              <a:rPr lang="en-US" sz="1100" dirty="0">
+                <a:solidFill>
+                  <a:srgbClr val="7030A0"/>
+                </a:solidFill>
+              </a:rPr>
+              <a:t>*</a:t>
+            </a:r>
+            <a:endParaRPr lang="en-SG" sz="1100" dirty="0">
+              <a:solidFill>
+                <a:srgbClr val="7030A0"/>
+              </a:solidFill>
+            </a:endParaRPr>
+          </a:p>
+        </p:txBody>
+      </p:sp>
+      <p:sp>
+        <p:nvSpPr>
+          <p:cNvPr id="61" name="TextBox 60"/>
+          <p:cNvSpPr txBox="1"/>
+          <p:nvPr/>
+        </p:nvSpPr>
+        <p:spPr>
+          <a:xfrm>
+            <a:off x="6135256" y="3097917"/>
+            <a:ext cx="189257" cy="178683"/>
+          </a:xfrm>
+          <a:prstGeom prst="rect">
+            <a:avLst/>
+          </a:prstGeom>
+          <a:noFill/>
+        </p:spPr>
+        <p:txBody>
+          <a:bodyPr wrap="square" lIns="0" tIns="0" rIns="0" bIns="0" rtlCol="0">
+            <a:noAutofit/>
+          </a:bodyPr>
+          <a:lstStyle/>
+          <a:p>
+            <a:pPr algn="ctr"/>
+            <a:r>
+              <a:rPr lang="en-US" sz="1100" dirty="0">
+                <a:solidFill>
+                  <a:srgbClr val="7030A0"/>
+                </a:solidFill>
+              </a:rPr>
+              <a:t>*</a:t>
+            </a:r>
+            <a:endParaRPr lang="en-SG" sz="1100" dirty="0">
+              <a:solidFill>
+                <a:srgbClr val="7030A0"/>
+              </a:solidFill>
+            </a:endParaRPr>
+          </a:p>
+        </p:txBody>
+      </p:sp>
+      <p:sp>
+        <p:nvSpPr>
+          <p:cNvPr id="65" name="TextBox 64"/>
+          <p:cNvSpPr txBox="1"/>
+          <p:nvPr/>
+        </p:nvSpPr>
+        <p:spPr>
+          <a:xfrm>
+            <a:off x="2687923" y="2793117"/>
+            <a:ext cx="189257" cy="178683"/>
+          </a:xfrm>
+          <a:prstGeom prst="rect">
+            <a:avLst/>
+          </a:prstGeom>
+          <a:noFill/>
+        </p:spPr>
+        <p:txBody>
+          <a:bodyPr wrap="square" lIns="0" tIns="0" rIns="0" bIns="0" rtlCol="0">
+            <a:noAutofit/>
+          </a:bodyPr>
+          <a:lstStyle/>
+          <a:p>
+            <a:pPr algn="ctr"/>
+            <a:r>
+              <a:rPr lang="en-US" sz="1100" dirty="0">
                 <a:solidFill>
                   <a:srgbClr val="7030A0"/>
                 </a:solidFill>
@@ -5560,13 +5571,13 @@
       </p:sp>
       <p:sp>
         <p:nvSpPr>
-          <p:cNvPr id="60" name="TextBox 59"/>
+          <p:cNvPr id="66" name="TextBox 65"/>
           <p:cNvSpPr txBox="1"/>
           <p:nvPr/>
         </p:nvSpPr>
         <p:spPr>
           <a:xfrm>
-            <a:off x="5163172" y="1778919"/>
+            <a:off x="2707070" y="3667737"/>
             <a:ext cx="189257" cy="178683"/>
           </a:xfrm>
           <a:prstGeom prst="rect">
@@ -5582,12 +5593,12 @@
           <a:p>
             <a:pPr algn="ctr"/>
             <a:r>
-              <a:rPr lang="en-US" sz="1100" dirty="0" smtClean="0">
+              <a:rPr lang="en-US" sz="1100" dirty="0">
                 <a:solidFill>
                   <a:srgbClr val="7030A0"/>
                 </a:solidFill>
               </a:rPr>
-              <a:t>*</a:t>
+              <a:t>1</a:t>
             </a:r>
             <a:endParaRPr lang="en-SG" sz="1100" dirty="0">
               <a:solidFill>
@@ -5599,13 +5610,13 @@
       </p:sp>
       <p:sp>
         <p:nvSpPr>
-          <p:cNvPr id="61" name="TextBox 60"/>
+          <p:cNvPr id="70" name="TextBox 69"/>
           <p:cNvSpPr txBox="1"/>
           <p:nvPr/>
         </p:nvSpPr>
         <p:spPr>
           <a:xfrm>
-            <a:off x="6135256" y="3097917"/>
+            <a:off x="6449896" y="3204826"/>
             <a:ext cx="189257" cy="178683"/>
           </a:xfrm>
           <a:prstGeom prst="rect">
@@ -5621,124 +5632,7 @@
           <a:p>
             <a:pPr algn="ctr"/>
             <a:r>
-              <a:rPr lang="en-US" sz="1100" dirty="0" smtClean="0">
-                <a:solidFill>
-                  <a:srgbClr val="7030A0"/>
-                </a:solidFill>
-              </a:rPr>
-              <a:t>*</a:t>
-            </a:r>
-            <a:endParaRPr lang="en-SG" sz="1100" dirty="0">
-              <a:solidFill>
-                <a:srgbClr val="7030A0"/>
-              </a:solidFill>
-            </a:endParaRPr>
-          </a:p>
-        </p:txBody>
-      </p:sp>
-      <p:sp>
-        <p:nvSpPr>
-          <p:cNvPr id="65" name="TextBox 64"/>
-          <p:cNvSpPr txBox="1"/>
-          <p:nvPr/>
-        </p:nvSpPr>
-        <p:spPr>
-          <a:xfrm>
-            <a:off x="2687923" y="2564238"/>
-            <a:ext cx="189257" cy="178683"/>
-          </a:xfrm>
-          <a:prstGeom prst="rect">
-            <a:avLst/>
-          </a:prstGeom>
-          <a:noFill/>
-        </p:spPr>
-        <p:txBody>
-          <a:bodyPr wrap="square" lIns="0" tIns="0" rIns="0" bIns="0" rtlCol="0">
-            <a:noAutofit/>
-          </a:bodyPr>
-          <a:lstStyle/>
-          <a:p>
-            <a:pPr algn="ctr"/>
-            <a:r>
-              <a:rPr lang="en-US" sz="1100" dirty="0" smtClean="0">
-                <a:solidFill>
-                  <a:srgbClr val="7030A0"/>
-                </a:solidFill>
-              </a:rPr>
-              <a:t>1</a:t>
-            </a:r>
-            <a:endParaRPr lang="en-SG" sz="1100" dirty="0">
-              <a:solidFill>
-                <a:srgbClr val="7030A0"/>
-              </a:solidFill>
-            </a:endParaRPr>
-          </a:p>
-        </p:txBody>
-      </p:sp>
-      <p:sp>
-        <p:nvSpPr>
-          <p:cNvPr id="66" name="TextBox 65"/>
-          <p:cNvSpPr txBox="1"/>
-          <p:nvPr/>
-        </p:nvSpPr>
-        <p:spPr>
-          <a:xfrm>
-            <a:off x="2656370" y="3386050"/>
-            <a:ext cx="189257" cy="178683"/>
-          </a:xfrm>
-          <a:prstGeom prst="rect">
-            <a:avLst/>
-          </a:prstGeom>
-          <a:noFill/>
-        </p:spPr>
-        <p:txBody>
-          <a:bodyPr wrap="square" lIns="0" tIns="0" rIns="0" bIns="0" rtlCol="0">
-            <a:noAutofit/>
-          </a:bodyPr>
-          <a:lstStyle/>
-          <a:p>
-            <a:pPr algn="ctr"/>
-            <a:r>
-              <a:rPr lang="en-US" sz="1100" dirty="0" smtClean="0">
-                <a:solidFill>
-                  <a:srgbClr val="7030A0"/>
-                </a:solidFill>
-              </a:rPr>
-              <a:t>1</a:t>
-            </a:r>
-            <a:endParaRPr lang="en-SG" sz="1100" dirty="0">
-              <a:solidFill>
-                <a:srgbClr val="7030A0"/>
-              </a:solidFill>
-            </a:endParaRPr>
-          </a:p>
-        </p:txBody>
-      </p:sp>
-      <p:sp>
-        <p:nvSpPr>
-          <p:cNvPr id="70" name="TextBox 69"/>
-          <p:cNvSpPr txBox="1"/>
-          <p:nvPr/>
-        </p:nvSpPr>
-        <p:spPr>
-          <a:xfrm>
-            <a:off x="6667770" y="3210194"/>
-            <a:ext cx="189257" cy="178683"/>
-          </a:xfrm>
-          <a:prstGeom prst="rect">
-            <a:avLst/>
-          </a:prstGeom>
-          <a:noFill/>
-        </p:spPr>
-        <p:txBody>
-          <a:bodyPr wrap="square" lIns="0" tIns="0" rIns="0" bIns="0" rtlCol="0">
-            <a:noAutofit/>
-          </a:bodyPr>
-          <a:lstStyle/>
-          <a:p>
-            <a:pPr algn="ctr"/>
-            <a:r>
-              <a:rPr lang="en-US" sz="1100" dirty="0" smtClean="0">
+              <a:rPr lang="en-US" sz="1100" dirty="0">
                 <a:solidFill>
                   <a:srgbClr val="7030A0"/>
                 </a:solidFill>
@@ -5763,13 +5657,6 @@
   <p:clrMapOvr>
     <a:masterClrMapping/>
   </p:clrMapOvr>
-  <p:timing>
-    <p:tnLst>
-      <p:par>
-        <p:cTn id="1" dur="indefinite" restart="never" nodeType="tmRoot"/>
-      </p:par>
-    </p:tnLst>
-  </p:timing>
 </p:sld>
 </file>
 

--- a/docs/diagrams/ModelComponentClassDiagram.pptx
+++ b/docs/diagrams/ModelComponentClassDiagram.pptx
@@ -4241,62 +4241,6 @@
       </p:cxnSp>
       <p:sp>
         <p:nvSpPr>
-          <p:cNvPr id="57" name="Rectangle 8"/>
-          <p:cNvSpPr/>
-          <p:nvPr/>
-        </p:nvSpPr>
-        <p:spPr>
-          <a:xfrm>
-            <a:off x="6089817" y="2034660"/>
-            <a:ext cx="1156969" cy="346760"/>
-          </a:xfrm>
-          <a:prstGeom prst="rect">
-            <a:avLst/>
-          </a:prstGeom>
-          <a:ln w="19050">
-            <a:solidFill>
-              <a:srgbClr val="7030A0"/>
-            </a:solidFill>
-          </a:ln>
-          <a:effectLst/>
-        </p:spPr>
-        <p:style>
-          <a:lnRef idx="1">
-            <a:schemeClr val="accent4"/>
-          </a:lnRef>
-          <a:fillRef idx="2">
-            <a:schemeClr val="accent4"/>
-          </a:fillRef>
-          <a:effectRef idx="1">
-            <a:schemeClr val="accent4"/>
-          </a:effectRef>
-          <a:fontRef idx="minor">
-            <a:schemeClr val="dk1"/>
-          </a:fontRef>
-        </p:style>
-        <p:txBody>
-          <a:bodyPr rtlCol="0" anchor="ctr"/>
-          <a:lstStyle/>
-          <a:p>
-            <a:pPr algn="ctr"/>
-            <a:r>
-              <a:rPr lang="en-US" sz="1050" dirty="0" err="1">
-                <a:solidFill>
-                  <a:srgbClr val="7030A0"/>
-                </a:solidFill>
-              </a:rPr>
-              <a:t>UniqueTagList</a:t>
-            </a:r>
-            <a:endParaRPr lang="en-SG" sz="1050" dirty="0">
-              <a:solidFill>
-                <a:srgbClr val="7030A0"/>
-              </a:solidFill>
-            </a:endParaRPr>
-          </a:p>
-        </p:txBody>
-      </p:sp>
-      <p:sp>
-        <p:nvSpPr>
           <p:cNvPr id="62" name="Rectangle 8"/>
           <p:cNvSpPr/>
           <p:nvPr/>
@@ -4439,14 +4383,14 @@
       </p:cxnSp>
       <p:sp>
         <p:nvSpPr>
-          <p:cNvPr id="67" name="Rectangle 8"/>
+          <p:cNvPr id="76" name="Rectangle 8"/>
           <p:cNvSpPr/>
           <p:nvPr/>
         </p:nvSpPr>
         <p:spPr>
           <a:xfrm>
-            <a:off x="7824640" y="2017848"/>
-            <a:ext cx="483700" cy="346760"/>
+            <a:off x="7712397" y="2564238"/>
+            <a:ext cx="708186" cy="285783"/>
           </a:xfrm>
           <a:prstGeom prst="rect">
             <a:avLst/>
@@ -4483,7 +4427,7 @@
                   <a:srgbClr val="7030A0"/>
                 </a:solidFill>
               </a:rPr>
-              <a:t>Tag</a:t>
+              <a:t>Name</a:t>
             </a:r>
             <a:endParaRPr lang="en-SG" sz="1050" dirty="0">
               <a:solidFill>
@@ -4495,19 +4439,21 @@
       </p:sp>
       <p:sp>
         <p:nvSpPr>
-          <p:cNvPr id="68" name="Flowchart: Decision 96"/>
+          <p:cNvPr id="78" name="Flowchart: Decision 96"/>
           <p:cNvSpPr/>
           <p:nvPr/>
         </p:nvSpPr>
         <p:spPr>
           <a:xfrm>
-            <a:off x="7259148" y="2103846"/>
+            <a:off x="7041947" y="2948201"/>
             <a:ext cx="236048" cy="173380"/>
           </a:xfrm>
           <a:prstGeom prst="flowChartDecision">
             <a:avLst/>
           </a:prstGeom>
-          <a:noFill/>
+          <a:solidFill>
+            <a:srgbClr val="7030A0"/>
+          </a:solidFill>
           <a:ln w="19050">
             <a:solidFill>
               <a:srgbClr val="7030A0"/>
@@ -4540,162 +4486,15 @@
       </p:sp>
       <p:cxnSp>
         <p:nvCxnSpPr>
-          <p:cNvPr id="69" name="Elbow Connector 68"/>
+          <p:cNvPr id="79" name="Elbow Connector 78"/>
           <p:cNvCxnSpPr>
-            <a:stCxn id="68" idx="3"/>
-            <a:endCxn id="67" idx="1"/>
+            <a:cxnSpLocks/>
           </p:cNvCxnSpPr>
           <p:nvPr/>
         </p:nvCxnSpPr>
         <p:spPr>
-          <a:xfrm>
-            <a:off x="7495196" y="2190536"/>
-            <a:ext cx="329444" cy="692"/>
-          </a:xfrm>
-          <a:prstGeom prst="bentConnector3">
-            <a:avLst>
-              <a:gd name="adj1" fmla="val 50000"/>
-            </a:avLst>
-          </a:prstGeom>
-          <a:ln w="19050">
-            <a:solidFill>
-              <a:srgbClr val="7030A0"/>
-            </a:solidFill>
-            <a:headEnd type="none" w="med" len="med"/>
-            <a:tailEnd type="arrow" w="med" len="med"/>
-          </a:ln>
-          <a:effectLst/>
-        </p:spPr>
-        <p:style>
-          <a:lnRef idx="1">
-            <a:schemeClr val="accent2"/>
-          </a:lnRef>
-          <a:fillRef idx="2">
-            <a:schemeClr val="accent2"/>
-          </a:fillRef>
-          <a:effectRef idx="1">
-            <a:schemeClr val="accent2"/>
-          </a:effectRef>
-          <a:fontRef idx="minor">
-            <a:schemeClr val="dk1"/>
-          </a:fontRef>
-        </p:style>
-      </p:cxnSp>
-      <p:sp>
-        <p:nvSpPr>
-          <p:cNvPr id="76" name="Rectangle 8"/>
-          <p:cNvSpPr/>
-          <p:nvPr/>
-        </p:nvSpPr>
-        <p:spPr>
-          <a:xfrm>
-            <a:off x="7712397" y="2564238"/>
-            <a:ext cx="708186" cy="285783"/>
-          </a:xfrm>
-          <a:prstGeom prst="rect">
-            <a:avLst/>
-          </a:prstGeom>
-          <a:ln w="19050">
-            <a:solidFill>
-              <a:srgbClr val="7030A0"/>
-            </a:solidFill>
-          </a:ln>
-          <a:effectLst/>
-        </p:spPr>
-        <p:style>
-          <a:lnRef idx="1">
-            <a:schemeClr val="accent4"/>
-          </a:lnRef>
-          <a:fillRef idx="2">
-            <a:schemeClr val="accent4"/>
-          </a:fillRef>
-          <a:effectRef idx="1">
-            <a:schemeClr val="accent4"/>
-          </a:effectRef>
-          <a:fontRef idx="minor">
-            <a:schemeClr val="dk1"/>
-          </a:fontRef>
-        </p:style>
-        <p:txBody>
-          <a:bodyPr rtlCol="0" anchor="ctr"/>
-          <a:lstStyle/>
-          <a:p>
-            <a:pPr algn="ctr"/>
-            <a:r>
-              <a:rPr lang="en-US" sz="1050" dirty="0">
-                <a:solidFill>
-                  <a:srgbClr val="7030A0"/>
-                </a:solidFill>
-              </a:rPr>
-              <a:t>Name</a:t>
-            </a:r>
-            <a:endParaRPr lang="en-SG" sz="1050" dirty="0">
-              <a:solidFill>
-                <a:srgbClr val="7030A0"/>
-              </a:solidFill>
-            </a:endParaRPr>
-          </a:p>
-        </p:txBody>
-      </p:sp>
-      <p:sp>
-        <p:nvSpPr>
-          <p:cNvPr id="78" name="Flowchart: Decision 96"/>
-          <p:cNvSpPr/>
-          <p:nvPr/>
-        </p:nvSpPr>
-        <p:spPr>
-          <a:xfrm>
-            <a:off x="7041947" y="2948201"/>
-            <a:ext cx="236048" cy="173380"/>
-          </a:xfrm>
-          <a:prstGeom prst="flowChartDecision">
-            <a:avLst/>
-          </a:prstGeom>
-          <a:solidFill>
-            <a:srgbClr val="7030A0"/>
-          </a:solidFill>
-          <a:ln w="19050">
-            <a:solidFill>
-              <a:srgbClr val="7030A0"/>
-            </a:solidFill>
-          </a:ln>
-          <a:effectLst/>
-        </p:spPr>
-        <p:style>
-          <a:lnRef idx="1">
-            <a:schemeClr val="accent6"/>
-          </a:lnRef>
-          <a:fillRef idx="2">
-            <a:schemeClr val="accent6"/>
-          </a:fillRef>
-          <a:effectRef idx="1">
-            <a:schemeClr val="accent6"/>
-          </a:effectRef>
-          <a:fontRef idx="minor">
-            <a:schemeClr val="dk1"/>
-          </a:fontRef>
-        </p:style>
-        <p:txBody>
-          <a:bodyPr rtlCol="0" anchor="ctr"/>
-          <a:lstStyle/>
-          <a:p>
-            <a:pPr algn="ctr"/>
-            <a:endParaRPr lang="en-US" sz="1050"/>
-          </a:p>
-        </p:txBody>
-      </p:sp>
-      <p:cxnSp>
-        <p:nvCxnSpPr>
-          <p:cNvPr id="79" name="Elbow Connector 78"/>
-          <p:cNvCxnSpPr>
-            <a:stCxn id="78" idx="3"/>
-            <a:endCxn id="76" idx="1"/>
-          </p:cNvCxnSpPr>
-          <p:nvPr/>
-        </p:nvCxnSpPr>
-        <p:spPr>
           <a:xfrm flipV="1">
-            <a:off x="7277995" y="2707130"/>
+            <a:off x="7277995" y="2706821"/>
             <a:ext cx="434402" cy="327761"/>
           </a:xfrm>
           <a:prstGeom prst="bentConnector3">
@@ -5330,25 +5129,286 @@
           </a:fontRef>
         </p:style>
       </p:cxnSp>
+      <p:sp>
+        <p:nvSpPr>
+          <p:cNvPr id="54" name="TextBox 53"/>
+          <p:cNvSpPr txBox="1"/>
+          <p:nvPr/>
+        </p:nvSpPr>
+        <p:spPr>
+          <a:xfrm>
+            <a:off x="4324972" y="3058864"/>
+            <a:ext cx="189257" cy="178683"/>
+          </a:xfrm>
+          <a:prstGeom prst="rect">
+            <a:avLst/>
+          </a:prstGeom>
+          <a:noFill/>
+        </p:spPr>
+        <p:txBody>
+          <a:bodyPr wrap="square" lIns="0" tIns="0" rIns="0" bIns="0" rtlCol="0">
+            <a:noAutofit/>
+          </a:bodyPr>
+          <a:lstStyle/>
+          <a:p>
+            <a:pPr algn="ctr"/>
+            <a:r>
+              <a:rPr lang="en-US" sz="1100" dirty="0">
+                <a:solidFill>
+                  <a:srgbClr val="7030A0"/>
+                </a:solidFill>
+              </a:rPr>
+              <a:t>1</a:t>
+            </a:r>
+            <a:endParaRPr lang="en-SG" sz="1100" dirty="0">
+              <a:solidFill>
+                <a:srgbClr val="7030A0"/>
+              </a:solidFill>
+            </a:endParaRPr>
+          </a:p>
+        </p:txBody>
+      </p:sp>
+      <p:sp>
+        <p:nvSpPr>
+          <p:cNvPr id="61" name="TextBox 60"/>
+          <p:cNvSpPr txBox="1"/>
+          <p:nvPr/>
+        </p:nvSpPr>
+        <p:spPr>
+          <a:xfrm>
+            <a:off x="6135256" y="3097917"/>
+            <a:ext cx="189257" cy="178683"/>
+          </a:xfrm>
+          <a:prstGeom prst="rect">
+            <a:avLst/>
+          </a:prstGeom>
+          <a:noFill/>
+        </p:spPr>
+        <p:txBody>
+          <a:bodyPr wrap="square" lIns="0" tIns="0" rIns="0" bIns="0" rtlCol="0">
+            <a:noAutofit/>
+          </a:bodyPr>
+          <a:lstStyle/>
+          <a:p>
+            <a:pPr algn="ctr"/>
+            <a:r>
+              <a:rPr lang="en-US" sz="1100" dirty="0">
+                <a:solidFill>
+                  <a:srgbClr val="7030A0"/>
+                </a:solidFill>
+              </a:rPr>
+              <a:t>*</a:t>
+            </a:r>
+            <a:endParaRPr lang="en-SG" sz="1100" dirty="0">
+              <a:solidFill>
+                <a:srgbClr val="7030A0"/>
+              </a:solidFill>
+            </a:endParaRPr>
+          </a:p>
+        </p:txBody>
+      </p:sp>
+      <p:sp>
+        <p:nvSpPr>
+          <p:cNvPr id="65" name="TextBox 64"/>
+          <p:cNvSpPr txBox="1"/>
+          <p:nvPr/>
+        </p:nvSpPr>
+        <p:spPr>
+          <a:xfrm>
+            <a:off x="2687923" y="2793117"/>
+            <a:ext cx="189257" cy="178683"/>
+          </a:xfrm>
+          <a:prstGeom prst="rect">
+            <a:avLst/>
+          </a:prstGeom>
+          <a:noFill/>
+        </p:spPr>
+        <p:txBody>
+          <a:bodyPr wrap="square" lIns="0" tIns="0" rIns="0" bIns="0" rtlCol="0">
+            <a:noAutofit/>
+          </a:bodyPr>
+          <a:lstStyle/>
+          <a:p>
+            <a:pPr algn="ctr"/>
+            <a:r>
+              <a:rPr lang="en-US" sz="1100" dirty="0">
+                <a:solidFill>
+                  <a:srgbClr val="7030A0"/>
+                </a:solidFill>
+              </a:rPr>
+              <a:t>1</a:t>
+            </a:r>
+            <a:endParaRPr lang="en-SG" sz="1100" dirty="0">
+              <a:solidFill>
+                <a:srgbClr val="7030A0"/>
+              </a:solidFill>
+            </a:endParaRPr>
+          </a:p>
+        </p:txBody>
+      </p:sp>
+      <p:sp>
+        <p:nvSpPr>
+          <p:cNvPr id="66" name="TextBox 65"/>
+          <p:cNvSpPr txBox="1"/>
+          <p:nvPr/>
+        </p:nvSpPr>
+        <p:spPr>
+          <a:xfrm>
+            <a:off x="2707070" y="3667737"/>
+            <a:ext cx="189257" cy="178683"/>
+          </a:xfrm>
+          <a:prstGeom prst="rect">
+            <a:avLst/>
+          </a:prstGeom>
+          <a:noFill/>
+        </p:spPr>
+        <p:txBody>
+          <a:bodyPr wrap="square" lIns="0" tIns="0" rIns="0" bIns="0" rtlCol="0">
+            <a:noAutofit/>
+          </a:bodyPr>
+          <a:lstStyle/>
+          <a:p>
+            <a:pPr algn="ctr"/>
+            <a:r>
+              <a:rPr lang="en-US" sz="1100" dirty="0">
+                <a:solidFill>
+                  <a:srgbClr val="7030A0"/>
+                </a:solidFill>
+              </a:rPr>
+              <a:t>1</a:t>
+            </a:r>
+            <a:endParaRPr lang="en-SG" sz="1100" dirty="0">
+              <a:solidFill>
+                <a:srgbClr val="7030A0"/>
+              </a:solidFill>
+            </a:endParaRPr>
+          </a:p>
+        </p:txBody>
+      </p:sp>
+      <p:sp>
+        <p:nvSpPr>
+          <p:cNvPr id="70" name="TextBox 69"/>
+          <p:cNvSpPr txBox="1"/>
+          <p:nvPr/>
+        </p:nvSpPr>
+        <p:spPr>
+          <a:xfrm>
+            <a:off x="6449896" y="3204826"/>
+            <a:ext cx="189257" cy="178683"/>
+          </a:xfrm>
+          <a:prstGeom prst="rect">
+            <a:avLst/>
+          </a:prstGeom>
+          <a:noFill/>
+        </p:spPr>
+        <p:txBody>
+          <a:bodyPr wrap="square" lIns="0" tIns="0" rIns="0" bIns="0" rtlCol="0">
+            <a:noAutofit/>
+          </a:bodyPr>
+          <a:lstStyle/>
+          <a:p>
+            <a:pPr algn="ctr"/>
+            <a:r>
+              <a:rPr lang="en-US" sz="1100" dirty="0">
+                <a:solidFill>
+                  <a:srgbClr val="7030A0"/>
+                </a:solidFill>
+              </a:rPr>
+              <a:t>1</a:t>
+            </a:r>
+            <a:endParaRPr lang="en-SG" sz="1100" dirty="0">
+              <a:solidFill>
+                <a:srgbClr val="7030A0"/>
+              </a:solidFill>
+            </a:endParaRPr>
+          </a:p>
+        </p:txBody>
+      </p:sp>
+      <p:sp>
+        <p:nvSpPr>
+          <p:cNvPr id="52" name="Rectangle 8">
+            <a:extLst>
+              <a:ext uri="{FF2B5EF4-FFF2-40B4-BE49-F238E27FC236}">
+                <a16:creationId xmlns:a16="http://schemas.microsoft.com/office/drawing/2014/main" id="{ABDCDBD2-131A-4B66-A2F2-43BBEE82C773}"/>
+              </a:ext>
+            </a:extLst>
+          </p:cNvPr>
+          <p:cNvSpPr/>
+          <p:nvPr/>
+        </p:nvSpPr>
+        <p:spPr>
+          <a:xfrm>
+            <a:off x="7712397" y="2246043"/>
+            <a:ext cx="708186" cy="285783"/>
+          </a:xfrm>
+          <a:prstGeom prst="rect">
+            <a:avLst/>
+          </a:prstGeom>
+          <a:ln w="19050">
+            <a:solidFill>
+              <a:srgbClr val="7030A0"/>
+            </a:solidFill>
+          </a:ln>
+          <a:effectLst/>
+        </p:spPr>
+        <p:style>
+          <a:lnRef idx="1">
+            <a:schemeClr val="accent4"/>
+          </a:lnRef>
+          <a:fillRef idx="2">
+            <a:schemeClr val="accent4"/>
+          </a:fillRef>
+          <a:effectRef idx="1">
+            <a:schemeClr val="accent4"/>
+          </a:effectRef>
+          <a:fontRef idx="minor">
+            <a:schemeClr val="dk1"/>
+          </a:fontRef>
+        </p:style>
+        <p:txBody>
+          <a:bodyPr rtlCol="0" anchor="ctr"/>
+          <a:lstStyle/>
+          <a:p>
+            <a:pPr algn="ctr"/>
+            <a:r>
+              <a:rPr lang="en-US" sz="1050" dirty="0" err="1">
+                <a:solidFill>
+                  <a:srgbClr val="7030A0"/>
+                </a:solidFill>
+              </a:rPr>
+              <a:t>TagList</a:t>
+            </a:r>
+            <a:endParaRPr lang="en-SG" sz="1050" dirty="0">
+              <a:solidFill>
+                <a:srgbClr val="7030A0"/>
+              </a:solidFill>
+            </a:endParaRPr>
+          </a:p>
+        </p:txBody>
+      </p:sp>
       <p:cxnSp>
         <p:nvCxnSpPr>
-          <p:cNvPr id="50" name="Elbow Connector 49"/>
+          <p:cNvPr id="53" name="Elbow Connector 78">
+            <a:extLst>
+              <a:ext uri="{FF2B5EF4-FFF2-40B4-BE49-F238E27FC236}">
+                <a16:creationId xmlns:a16="http://schemas.microsoft.com/office/drawing/2014/main" id="{B97967F8-618A-448B-81FD-CDFD4AF0EC64}"/>
+              </a:ext>
+            </a:extLst>
+          </p:cNvPr>
           <p:cNvCxnSpPr>
             <a:cxnSpLocks/>
-            <a:stCxn id="62" idx="0"/>
-            <a:endCxn id="57" idx="2"/>
+            <a:stCxn id="78" idx="3"/>
+            <a:endCxn id="52" idx="1"/>
           </p:cNvCxnSpPr>
           <p:nvPr/>
         </p:nvCxnSpPr>
         <p:spPr>
-          <a:xfrm rot="5400000" flipH="1" flipV="1">
-            <a:off x="6429713" y="2619477"/>
-            <a:ext cx="476646" cy="532"/>
+          <a:xfrm flipV="1">
+            <a:off x="7277995" y="2388935"/>
+            <a:ext cx="434402" cy="645956"/>
           </a:xfrm>
           <a:prstGeom prst="bentConnector3">
-            <a:avLst>
-              <a:gd name="adj1" fmla="val 50000"/>
-            </a:avLst>
+            <a:avLst/>
           </a:prstGeom>
           <a:ln w="19050">
             <a:solidFill>
@@ -5374,279 +5434,6 @@
           </a:fontRef>
         </p:style>
       </p:cxnSp>
-      <p:sp>
-        <p:nvSpPr>
-          <p:cNvPr id="54" name="TextBox 53"/>
-          <p:cNvSpPr txBox="1"/>
-          <p:nvPr/>
-        </p:nvSpPr>
-        <p:spPr>
-          <a:xfrm>
-            <a:off x="4324972" y="3058864"/>
-            <a:ext cx="189257" cy="178683"/>
-          </a:xfrm>
-          <a:prstGeom prst="rect">
-            <a:avLst/>
-          </a:prstGeom>
-          <a:noFill/>
-        </p:spPr>
-        <p:txBody>
-          <a:bodyPr wrap="square" lIns="0" tIns="0" rIns="0" bIns="0" rtlCol="0">
-            <a:noAutofit/>
-          </a:bodyPr>
-          <a:lstStyle/>
-          <a:p>
-            <a:pPr algn="ctr"/>
-            <a:r>
-              <a:rPr lang="en-US" sz="1100" dirty="0">
-                <a:solidFill>
-                  <a:srgbClr val="7030A0"/>
-                </a:solidFill>
-              </a:rPr>
-              <a:t>1</a:t>
-            </a:r>
-            <a:endParaRPr lang="en-SG" sz="1100" dirty="0">
-              <a:solidFill>
-                <a:srgbClr val="7030A0"/>
-              </a:solidFill>
-            </a:endParaRPr>
-          </a:p>
-        </p:txBody>
-      </p:sp>
-      <p:sp>
-        <p:nvSpPr>
-          <p:cNvPr id="56" name="TextBox 55"/>
-          <p:cNvSpPr txBox="1"/>
-          <p:nvPr/>
-        </p:nvSpPr>
-        <p:spPr>
-          <a:xfrm>
-            <a:off x="6417296" y="2379545"/>
-            <a:ext cx="189257" cy="178683"/>
-          </a:xfrm>
-          <a:prstGeom prst="rect">
-            <a:avLst/>
-          </a:prstGeom>
-          <a:noFill/>
-        </p:spPr>
-        <p:txBody>
-          <a:bodyPr wrap="square" lIns="0" tIns="0" rIns="0" bIns="0" rtlCol="0">
-            <a:noAutofit/>
-          </a:bodyPr>
-          <a:lstStyle/>
-          <a:p>
-            <a:pPr algn="ctr"/>
-            <a:r>
-              <a:rPr lang="en-US" sz="1100" dirty="0">
-                <a:solidFill>
-                  <a:srgbClr val="7030A0"/>
-                </a:solidFill>
-              </a:rPr>
-              <a:t>1</a:t>
-            </a:r>
-            <a:endParaRPr lang="en-SG" sz="1100" dirty="0">
-              <a:solidFill>
-                <a:srgbClr val="7030A0"/>
-              </a:solidFill>
-            </a:endParaRPr>
-          </a:p>
-        </p:txBody>
-      </p:sp>
-      <p:sp>
-        <p:nvSpPr>
-          <p:cNvPr id="60" name="TextBox 59"/>
-          <p:cNvSpPr txBox="1"/>
-          <p:nvPr/>
-        </p:nvSpPr>
-        <p:spPr>
-          <a:xfrm>
-            <a:off x="7617629" y="2261342"/>
-            <a:ext cx="189257" cy="178683"/>
-          </a:xfrm>
-          <a:prstGeom prst="rect">
-            <a:avLst/>
-          </a:prstGeom>
-          <a:noFill/>
-        </p:spPr>
-        <p:txBody>
-          <a:bodyPr wrap="square" lIns="0" tIns="0" rIns="0" bIns="0" rtlCol="0">
-            <a:noAutofit/>
-          </a:bodyPr>
-          <a:lstStyle/>
-          <a:p>
-            <a:pPr algn="ctr"/>
-            <a:r>
-              <a:rPr lang="en-US" sz="1100" dirty="0">
-                <a:solidFill>
-                  <a:srgbClr val="7030A0"/>
-                </a:solidFill>
-              </a:rPr>
-              <a:t>*</a:t>
-            </a:r>
-            <a:endParaRPr lang="en-SG" sz="1100" dirty="0">
-              <a:solidFill>
-                <a:srgbClr val="7030A0"/>
-              </a:solidFill>
-            </a:endParaRPr>
-          </a:p>
-        </p:txBody>
-      </p:sp>
-      <p:sp>
-        <p:nvSpPr>
-          <p:cNvPr id="61" name="TextBox 60"/>
-          <p:cNvSpPr txBox="1"/>
-          <p:nvPr/>
-        </p:nvSpPr>
-        <p:spPr>
-          <a:xfrm>
-            <a:off x="6135256" y="3097917"/>
-            <a:ext cx="189257" cy="178683"/>
-          </a:xfrm>
-          <a:prstGeom prst="rect">
-            <a:avLst/>
-          </a:prstGeom>
-          <a:noFill/>
-        </p:spPr>
-        <p:txBody>
-          <a:bodyPr wrap="square" lIns="0" tIns="0" rIns="0" bIns="0" rtlCol="0">
-            <a:noAutofit/>
-          </a:bodyPr>
-          <a:lstStyle/>
-          <a:p>
-            <a:pPr algn="ctr"/>
-            <a:r>
-              <a:rPr lang="en-US" sz="1100" dirty="0">
-                <a:solidFill>
-                  <a:srgbClr val="7030A0"/>
-                </a:solidFill>
-              </a:rPr>
-              <a:t>*</a:t>
-            </a:r>
-            <a:endParaRPr lang="en-SG" sz="1100" dirty="0">
-              <a:solidFill>
-                <a:srgbClr val="7030A0"/>
-              </a:solidFill>
-            </a:endParaRPr>
-          </a:p>
-        </p:txBody>
-      </p:sp>
-      <p:sp>
-        <p:nvSpPr>
-          <p:cNvPr id="65" name="TextBox 64"/>
-          <p:cNvSpPr txBox="1"/>
-          <p:nvPr/>
-        </p:nvSpPr>
-        <p:spPr>
-          <a:xfrm>
-            <a:off x="2687923" y="2793117"/>
-            <a:ext cx="189257" cy="178683"/>
-          </a:xfrm>
-          <a:prstGeom prst="rect">
-            <a:avLst/>
-          </a:prstGeom>
-          <a:noFill/>
-        </p:spPr>
-        <p:txBody>
-          <a:bodyPr wrap="square" lIns="0" tIns="0" rIns="0" bIns="0" rtlCol="0">
-            <a:noAutofit/>
-          </a:bodyPr>
-          <a:lstStyle/>
-          <a:p>
-            <a:pPr algn="ctr"/>
-            <a:r>
-              <a:rPr lang="en-US" sz="1100" dirty="0">
-                <a:solidFill>
-                  <a:srgbClr val="7030A0"/>
-                </a:solidFill>
-              </a:rPr>
-              <a:t>1</a:t>
-            </a:r>
-            <a:endParaRPr lang="en-SG" sz="1100" dirty="0">
-              <a:solidFill>
-                <a:srgbClr val="7030A0"/>
-              </a:solidFill>
-            </a:endParaRPr>
-          </a:p>
-        </p:txBody>
-      </p:sp>
-      <p:sp>
-        <p:nvSpPr>
-          <p:cNvPr id="66" name="TextBox 65"/>
-          <p:cNvSpPr txBox="1"/>
-          <p:nvPr/>
-        </p:nvSpPr>
-        <p:spPr>
-          <a:xfrm>
-            <a:off x="2707070" y="3667737"/>
-            <a:ext cx="189257" cy="178683"/>
-          </a:xfrm>
-          <a:prstGeom prst="rect">
-            <a:avLst/>
-          </a:prstGeom>
-          <a:noFill/>
-        </p:spPr>
-        <p:txBody>
-          <a:bodyPr wrap="square" lIns="0" tIns="0" rIns="0" bIns="0" rtlCol="0">
-            <a:noAutofit/>
-          </a:bodyPr>
-          <a:lstStyle/>
-          <a:p>
-            <a:pPr algn="ctr"/>
-            <a:r>
-              <a:rPr lang="en-US" sz="1100" dirty="0">
-                <a:solidFill>
-                  <a:srgbClr val="7030A0"/>
-                </a:solidFill>
-              </a:rPr>
-              <a:t>1</a:t>
-            </a:r>
-            <a:endParaRPr lang="en-SG" sz="1100" dirty="0">
-              <a:solidFill>
-                <a:srgbClr val="7030A0"/>
-              </a:solidFill>
-            </a:endParaRPr>
-          </a:p>
-        </p:txBody>
-      </p:sp>
-      <p:sp>
-        <p:nvSpPr>
-          <p:cNvPr id="70" name="TextBox 69"/>
-          <p:cNvSpPr txBox="1"/>
-          <p:nvPr/>
-        </p:nvSpPr>
-        <p:spPr>
-          <a:xfrm>
-            <a:off x="6449896" y="3204826"/>
-            <a:ext cx="189257" cy="178683"/>
-          </a:xfrm>
-          <a:prstGeom prst="rect">
-            <a:avLst/>
-          </a:prstGeom>
-          <a:noFill/>
-        </p:spPr>
-        <p:txBody>
-          <a:bodyPr wrap="square" lIns="0" tIns="0" rIns="0" bIns="0" rtlCol="0">
-            <a:noAutofit/>
-          </a:bodyPr>
-          <a:lstStyle/>
-          <a:p>
-            <a:pPr algn="ctr"/>
-            <a:r>
-              <a:rPr lang="en-US" sz="1100" dirty="0">
-                <a:solidFill>
-                  <a:srgbClr val="7030A0"/>
-                </a:solidFill>
-              </a:rPr>
-              <a:t>1</a:t>
-            </a:r>
-            <a:endParaRPr lang="en-SG" sz="1100" dirty="0">
-              <a:solidFill>
-                <a:srgbClr val="7030A0"/>
-              </a:solidFill>
-            </a:endParaRPr>
-          </a:p>
-        </p:txBody>
-      </p:sp>
     </p:spTree>
     <p:extLst>
       <p:ext uri="{BB962C8B-B14F-4D97-AF65-F5344CB8AC3E}">

--- a/docs/diagrams/ModelComponentClassDiagram.pptx
+++ b/docs/diagrams/ModelComponentClassDiagram.pptx
@@ -208,7 +208,7 @@
           <a:p>
             <a:fld id="{F5CC4B3F-88C1-4FFA-B1B6-F41C21DC6924}" type="datetimeFigureOut">
               <a:rPr lang="en-US" smtClean="0"/>
-              <a:t>1/1/18</a:t>
+              <a:t>2/22/2018</a:t>
             </a:fld>
             <a:endParaRPr lang="en-US"/>
           </a:p>
@@ -272,38 +272,37 @@
           <a:p>
             <a:pPr lvl="0"/>
             <a:r>
-              <a:rPr lang="en-US" smtClean="0"/>
+              <a:rPr lang="en-US"/>
               <a:t>Click to edit Master text styles</a:t>
             </a:r>
           </a:p>
           <a:p>
             <a:pPr lvl="1"/>
             <a:r>
-              <a:rPr lang="en-US" smtClean="0"/>
+              <a:rPr lang="en-US"/>
               <a:t>Second level</a:t>
             </a:r>
           </a:p>
           <a:p>
             <a:pPr lvl="2"/>
             <a:r>
-              <a:rPr lang="en-US" smtClean="0"/>
+              <a:rPr lang="en-US"/>
               <a:t>Third level</a:t>
             </a:r>
           </a:p>
           <a:p>
             <a:pPr lvl="3"/>
             <a:r>
-              <a:rPr lang="en-US" smtClean="0"/>
+              <a:rPr lang="en-US"/>
               <a:t>Fourth level</a:t>
             </a:r>
           </a:p>
           <a:p>
             <a:pPr lvl="4"/>
             <a:r>
-              <a:rPr lang="en-US" smtClean="0"/>
+              <a:rPr lang="en-US"/>
               <a:t>Fifth level</a:t>
             </a:r>
-            <a:endParaRPr lang="en-US"/>
           </a:p>
         </p:txBody>
       </p:sp>
@@ -514,10 +513,9 @@
           <a:lstStyle/>
           <a:p>
             <a:r>
-              <a:rPr lang="en-US" smtClean="0"/>
+              <a:rPr lang="en-US"/>
               <a:t>Click to edit Master title style</a:t>
             </a:r>
-            <a:endParaRPr lang="en-US"/>
           </a:p>
         </p:txBody>
       </p:sp>
@@ -633,10 +631,9 @@
           </a:lstStyle>
           <a:p>
             <a:r>
-              <a:rPr lang="en-US" smtClean="0"/>
+              <a:rPr lang="en-US"/>
               <a:t>Click to edit Master subtitle style</a:t>
             </a:r>
-            <a:endParaRPr lang="en-US"/>
           </a:p>
         </p:txBody>
       </p:sp>
@@ -657,7 +654,7 @@
           <a:p>
             <a:fld id="{78C97017-6FC3-485B-9764-EAC9E56C1D49}" type="datetimeFigureOut">
               <a:rPr lang="en-US" smtClean="0"/>
-              <a:t>1/1/18</a:t>
+              <a:t>2/22/2018</a:t>
             </a:fld>
             <a:endParaRPr lang="en-US"/>
           </a:p>
@@ -751,10 +748,9 @@
           <a:lstStyle/>
           <a:p>
             <a:r>
-              <a:rPr lang="en-US" smtClean="0"/>
+              <a:rPr lang="en-US"/>
               <a:t>Click to edit Master title style</a:t>
             </a:r>
-            <a:endParaRPr lang="en-US"/>
           </a:p>
         </p:txBody>
       </p:sp>
@@ -775,38 +771,37 @@
           <a:p>
             <a:pPr lvl="0"/>
             <a:r>
-              <a:rPr lang="en-US" smtClean="0"/>
+              <a:rPr lang="en-US"/>
               <a:t>Click to edit Master text styles</a:t>
             </a:r>
           </a:p>
           <a:p>
             <a:pPr lvl="1"/>
             <a:r>
-              <a:rPr lang="en-US" smtClean="0"/>
+              <a:rPr lang="en-US"/>
               <a:t>Second level</a:t>
             </a:r>
           </a:p>
           <a:p>
             <a:pPr lvl="2"/>
             <a:r>
-              <a:rPr lang="en-US" smtClean="0"/>
+              <a:rPr lang="en-US"/>
               <a:t>Third level</a:t>
             </a:r>
           </a:p>
           <a:p>
             <a:pPr lvl="3"/>
             <a:r>
-              <a:rPr lang="en-US" smtClean="0"/>
+              <a:rPr lang="en-US"/>
               <a:t>Fourth level</a:t>
             </a:r>
           </a:p>
           <a:p>
             <a:pPr lvl="4"/>
             <a:r>
-              <a:rPr lang="en-US" smtClean="0"/>
+              <a:rPr lang="en-US"/>
               <a:t>Fifth level</a:t>
             </a:r>
-            <a:endParaRPr lang="en-US"/>
           </a:p>
         </p:txBody>
       </p:sp>
@@ -827,7 +822,7 @@
           <a:p>
             <a:fld id="{78C97017-6FC3-485B-9764-EAC9E56C1D49}" type="datetimeFigureOut">
               <a:rPr lang="en-US" smtClean="0"/>
-              <a:t>1/1/18</a:t>
+              <a:t>2/22/2018</a:t>
             </a:fld>
             <a:endParaRPr lang="en-US"/>
           </a:p>
@@ -926,10 +921,9 @@
           <a:lstStyle/>
           <a:p>
             <a:r>
-              <a:rPr lang="en-US" smtClean="0"/>
+              <a:rPr lang="en-US"/>
               <a:t>Click to edit Master title style</a:t>
             </a:r>
-            <a:endParaRPr lang="en-US"/>
           </a:p>
         </p:txBody>
       </p:sp>
@@ -955,38 +949,37 @@
           <a:p>
             <a:pPr lvl="0"/>
             <a:r>
-              <a:rPr lang="en-US" smtClean="0"/>
+              <a:rPr lang="en-US"/>
               <a:t>Click to edit Master text styles</a:t>
             </a:r>
           </a:p>
           <a:p>
             <a:pPr lvl="1"/>
             <a:r>
-              <a:rPr lang="en-US" smtClean="0"/>
+              <a:rPr lang="en-US"/>
               <a:t>Second level</a:t>
             </a:r>
           </a:p>
           <a:p>
             <a:pPr lvl="2"/>
             <a:r>
-              <a:rPr lang="en-US" smtClean="0"/>
+              <a:rPr lang="en-US"/>
               <a:t>Third level</a:t>
             </a:r>
           </a:p>
           <a:p>
             <a:pPr lvl="3"/>
             <a:r>
-              <a:rPr lang="en-US" smtClean="0"/>
+              <a:rPr lang="en-US"/>
               <a:t>Fourth level</a:t>
             </a:r>
           </a:p>
           <a:p>
             <a:pPr lvl="4"/>
             <a:r>
-              <a:rPr lang="en-US" smtClean="0"/>
+              <a:rPr lang="en-US"/>
               <a:t>Fifth level</a:t>
             </a:r>
-            <a:endParaRPr lang="en-US"/>
           </a:p>
         </p:txBody>
       </p:sp>
@@ -1007,7 +1000,7 @@
           <a:p>
             <a:fld id="{78C97017-6FC3-485B-9764-EAC9E56C1D49}" type="datetimeFigureOut">
               <a:rPr lang="en-US" smtClean="0"/>
-              <a:t>1/1/18</a:t>
+              <a:t>2/22/2018</a:t>
             </a:fld>
             <a:endParaRPr lang="en-US"/>
           </a:p>
@@ -1101,10 +1094,9 @@
           <a:lstStyle/>
           <a:p>
             <a:r>
-              <a:rPr lang="en-US" smtClean="0"/>
+              <a:rPr lang="en-US"/>
               <a:t>Click to edit Master title style</a:t>
             </a:r>
-            <a:endParaRPr lang="en-US"/>
           </a:p>
         </p:txBody>
       </p:sp>
@@ -1125,38 +1117,37 @@
           <a:p>
             <a:pPr lvl="0"/>
             <a:r>
-              <a:rPr lang="en-US" smtClean="0"/>
+              <a:rPr lang="en-US"/>
               <a:t>Click to edit Master text styles</a:t>
             </a:r>
           </a:p>
           <a:p>
             <a:pPr lvl="1"/>
             <a:r>
-              <a:rPr lang="en-US" smtClean="0"/>
+              <a:rPr lang="en-US"/>
               <a:t>Second level</a:t>
             </a:r>
           </a:p>
           <a:p>
             <a:pPr lvl="2"/>
             <a:r>
-              <a:rPr lang="en-US" smtClean="0"/>
+              <a:rPr lang="en-US"/>
               <a:t>Third level</a:t>
             </a:r>
           </a:p>
           <a:p>
             <a:pPr lvl="3"/>
             <a:r>
-              <a:rPr lang="en-US" smtClean="0"/>
+              <a:rPr lang="en-US"/>
               <a:t>Fourth level</a:t>
             </a:r>
           </a:p>
           <a:p>
             <a:pPr lvl="4"/>
             <a:r>
-              <a:rPr lang="en-US" smtClean="0"/>
+              <a:rPr lang="en-US"/>
               <a:t>Fifth level</a:t>
             </a:r>
-            <a:endParaRPr lang="en-US"/>
           </a:p>
         </p:txBody>
       </p:sp>
@@ -1177,7 +1168,7 @@
           <a:p>
             <a:fld id="{78C97017-6FC3-485B-9764-EAC9E56C1D49}" type="datetimeFigureOut">
               <a:rPr lang="en-US" smtClean="0"/>
-              <a:t>1/1/18</a:t>
+              <a:t>2/22/2018</a:t>
             </a:fld>
             <a:endParaRPr lang="en-US"/>
           </a:p>
@@ -1280,10 +1271,9 @@
           </a:lstStyle>
           <a:p>
             <a:r>
-              <a:rPr lang="en-US" smtClean="0"/>
+              <a:rPr lang="en-US"/>
               <a:t>Click to edit Master title style</a:t>
             </a:r>
-            <a:endParaRPr lang="en-US"/>
           </a:p>
         </p:txBody>
       </p:sp>
@@ -1400,7 +1390,7 @@
           <a:p>
             <a:pPr lvl="0"/>
             <a:r>
-              <a:rPr lang="en-US" smtClean="0"/>
+              <a:rPr lang="en-US"/>
               <a:t>Click to edit Master text styles</a:t>
             </a:r>
           </a:p>
@@ -1423,7 +1413,7 @@
           <a:p>
             <a:fld id="{78C97017-6FC3-485B-9764-EAC9E56C1D49}" type="datetimeFigureOut">
               <a:rPr lang="en-US" smtClean="0"/>
-              <a:t>1/1/18</a:t>
+              <a:t>2/22/2018</a:t>
             </a:fld>
             <a:endParaRPr lang="en-US"/>
           </a:p>
@@ -1517,10 +1507,9 @@
           <a:lstStyle/>
           <a:p>
             <a:r>
-              <a:rPr lang="en-US" smtClean="0"/>
+              <a:rPr lang="en-US"/>
               <a:t>Click to edit Master title style</a:t>
             </a:r>
-            <a:endParaRPr lang="en-US"/>
           </a:p>
         </p:txBody>
       </p:sp>
@@ -1574,38 +1563,37 @@
           <a:p>
             <a:pPr lvl="0"/>
             <a:r>
-              <a:rPr lang="en-US" smtClean="0"/>
+              <a:rPr lang="en-US"/>
               <a:t>Click to edit Master text styles</a:t>
             </a:r>
           </a:p>
           <a:p>
             <a:pPr lvl="1"/>
             <a:r>
-              <a:rPr lang="en-US" smtClean="0"/>
+              <a:rPr lang="en-US"/>
               <a:t>Second level</a:t>
             </a:r>
           </a:p>
           <a:p>
             <a:pPr lvl="2"/>
             <a:r>
-              <a:rPr lang="en-US" smtClean="0"/>
+              <a:rPr lang="en-US"/>
               <a:t>Third level</a:t>
             </a:r>
           </a:p>
           <a:p>
             <a:pPr lvl="3"/>
             <a:r>
-              <a:rPr lang="en-US" smtClean="0"/>
+              <a:rPr lang="en-US"/>
               <a:t>Fourth level</a:t>
             </a:r>
           </a:p>
           <a:p>
             <a:pPr lvl="4"/>
             <a:r>
-              <a:rPr lang="en-US" smtClean="0"/>
+              <a:rPr lang="en-US"/>
               <a:t>Fifth level</a:t>
             </a:r>
-            <a:endParaRPr lang="en-US"/>
           </a:p>
         </p:txBody>
       </p:sp>
@@ -1659,38 +1647,37 @@
           <a:p>
             <a:pPr lvl="0"/>
             <a:r>
-              <a:rPr lang="en-US" smtClean="0"/>
+              <a:rPr lang="en-US"/>
               <a:t>Click to edit Master text styles</a:t>
             </a:r>
           </a:p>
           <a:p>
             <a:pPr lvl="1"/>
             <a:r>
-              <a:rPr lang="en-US" smtClean="0"/>
+              <a:rPr lang="en-US"/>
               <a:t>Second level</a:t>
             </a:r>
           </a:p>
           <a:p>
             <a:pPr lvl="2"/>
             <a:r>
-              <a:rPr lang="en-US" smtClean="0"/>
+              <a:rPr lang="en-US"/>
               <a:t>Third level</a:t>
             </a:r>
           </a:p>
           <a:p>
             <a:pPr lvl="3"/>
             <a:r>
-              <a:rPr lang="en-US" smtClean="0"/>
+              <a:rPr lang="en-US"/>
               <a:t>Fourth level</a:t>
             </a:r>
           </a:p>
           <a:p>
             <a:pPr lvl="4"/>
             <a:r>
-              <a:rPr lang="en-US" smtClean="0"/>
+              <a:rPr lang="en-US"/>
               <a:t>Fifth level</a:t>
             </a:r>
-            <a:endParaRPr lang="en-US"/>
           </a:p>
         </p:txBody>
       </p:sp>
@@ -1711,7 +1698,7 @@
           <a:p>
             <a:fld id="{78C97017-6FC3-485B-9764-EAC9E56C1D49}" type="datetimeFigureOut">
               <a:rPr lang="en-US" smtClean="0"/>
-              <a:t>1/1/18</a:t>
+              <a:t>2/22/2018</a:t>
             </a:fld>
             <a:endParaRPr lang="en-US"/>
           </a:p>
@@ -1809,10 +1796,9 @@
           </a:lstStyle>
           <a:p>
             <a:r>
-              <a:rPr lang="en-US" smtClean="0"/>
+              <a:rPr lang="en-US"/>
               <a:t>Click to edit Master title style</a:t>
             </a:r>
-            <a:endParaRPr lang="en-US"/>
           </a:p>
         </p:txBody>
       </p:sp>
@@ -1875,7 +1861,7 @@
           <a:p>
             <a:pPr lvl="0"/>
             <a:r>
-              <a:rPr lang="en-US" smtClean="0"/>
+              <a:rPr lang="en-US"/>
               <a:t>Click to edit Master text styles</a:t>
             </a:r>
           </a:p>
@@ -1931,38 +1917,37 @@
           <a:p>
             <a:pPr lvl="0"/>
             <a:r>
-              <a:rPr lang="en-US" smtClean="0"/>
+              <a:rPr lang="en-US"/>
               <a:t>Click to edit Master text styles</a:t>
             </a:r>
           </a:p>
           <a:p>
             <a:pPr lvl="1"/>
             <a:r>
-              <a:rPr lang="en-US" smtClean="0"/>
+              <a:rPr lang="en-US"/>
               <a:t>Second level</a:t>
             </a:r>
           </a:p>
           <a:p>
             <a:pPr lvl="2"/>
             <a:r>
-              <a:rPr lang="en-US" smtClean="0"/>
+              <a:rPr lang="en-US"/>
               <a:t>Third level</a:t>
             </a:r>
           </a:p>
           <a:p>
             <a:pPr lvl="3"/>
             <a:r>
-              <a:rPr lang="en-US" smtClean="0"/>
+              <a:rPr lang="en-US"/>
               <a:t>Fourth level</a:t>
             </a:r>
           </a:p>
           <a:p>
             <a:pPr lvl="4"/>
             <a:r>
-              <a:rPr lang="en-US" smtClean="0"/>
+              <a:rPr lang="en-US"/>
               <a:t>Fifth level</a:t>
             </a:r>
-            <a:endParaRPr lang="en-US"/>
           </a:p>
         </p:txBody>
       </p:sp>
@@ -2025,7 +2010,7 @@
           <a:p>
             <a:pPr lvl="0"/>
             <a:r>
-              <a:rPr lang="en-US" smtClean="0"/>
+              <a:rPr lang="en-US"/>
               <a:t>Click to edit Master text styles</a:t>
             </a:r>
           </a:p>
@@ -2081,38 +2066,37 @@
           <a:p>
             <a:pPr lvl="0"/>
             <a:r>
-              <a:rPr lang="en-US" smtClean="0"/>
+              <a:rPr lang="en-US"/>
               <a:t>Click to edit Master text styles</a:t>
             </a:r>
           </a:p>
           <a:p>
             <a:pPr lvl="1"/>
             <a:r>
-              <a:rPr lang="en-US" smtClean="0"/>
+              <a:rPr lang="en-US"/>
               <a:t>Second level</a:t>
             </a:r>
           </a:p>
           <a:p>
             <a:pPr lvl="2"/>
             <a:r>
-              <a:rPr lang="en-US" smtClean="0"/>
+              <a:rPr lang="en-US"/>
               <a:t>Third level</a:t>
             </a:r>
           </a:p>
           <a:p>
             <a:pPr lvl="3"/>
             <a:r>
-              <a:rPr lang="en-US" smtClean="0"/>
+              <a:rPr lang="en-US"/>
               <a:t>Fourth level</a:t>
             </a:r>
           </a:p>
           <a:p>
             <a:pPr lvl="4"/>
             <a:r>
-              <a:rPr lang="en-US" smtClean="0"/>
+              <a:rPr lang="en-US"/>
               <a:t>Fifth level</a:t>
             </a:r>
-            <a:endParaRPr lang="en-US"/>
           </a:p>
         </p:txBody>
       </p:sp>
@@ -2133,7 +2117,7 @@
           <a:p>
             <a:fld id="{78C97017-6FC3-485B-9764-EAC9E56C1D49}" type="datetimeFigureOut">
               <a:rPr lang="en-US" smtClean="0"/>
-              <a:t>1/1/18</a:t>
+              <a:t>2/22/2018</a:t>
             </a:fld>
             <a:endParaRPr lang="en-US"/>
           </a:p>
@@ -2227,10 +2211,9 @@
           <a:lstStyle/>
           <a:p>
             <a:r>
-              <a:rPr lang="en-US" smtClean="0"/>
+              <a:rPr lang="en-US"/>
               <a:t>Click to edit Master title style</a:t>
             </a:r>
-            <a:endParaRPr lang="en-US"/>
           </a:p>
         </p:txBody>
       </p:sp>
@@ -2251,7 +2234,7 @@
           <a:p>
             <a:fld id="{78C97017-6FC3-485B-9764-EAC9E56C1D49}" type="datetimeFigureOut">
               <a:rPr lang="en-US" smtClean="0"/>
-              <a:t>1/1/18</a:t>
+              <a:t>2/22/2018</a:t>
             </a:fld>
             <a:endParaRPr lang="en-US"/>
           </a:p>
@@ -2346,7 +2329,7 @@
           <a:p>
             <a:fld id="{78C97017-6FC3-485B-9764-EAC9E56C1D49}" type="datetimeFigureOut">
               <a:rPr lang="en-US" smtClean="0"/>
-              <a:t>1/1/18</a:t>
+              <a:t>2/22/2018</a:t>
             </a:fld>
             <a:endParaRPr lang="en-US"/>
           </a:p>
@@ -2449,10 +2432,9 @@
           </a:lstStyle>
           <a:p>
             <a:r>
-              <a:rPr lang="en-US" smtClean="0"/>
+              <a:rPr lang="en-US"/>
               <a:t>Click to edit Master title style</a:t>
             </a:r>
-            <a:endParaRPr lang="en-US"/>
           </a:p>
         </p:txBody>
       </p:sp>
@@ -2506,38 +2488,37 @@
           <a:p>
             <a:pPr lvl="0"/>
             <a:r>
-              <a:rPr lang="en-US" smtClean="0"/>
+              <a:rPr lang="en-US"/>
               <a:t>Click to edit Master text styles</a:t>
             </a:r>
           </a:p>
           <a:p>
             <a:pPr lvl="1"/>
             <a:r>
-              <a:rPr lang="en-US" smtClean="0"/>
+              <a:rPr lang="en-US"/>
               <a:t>Second level</a:t>
             </a:r>
           </a:p>
           <a:p>
             <a:pPr lvl="2"/>
             <a:r>
-              <a:rPr lang="en-US" smtClean="0"/>
+              <a:rPr lang="en-US"/>
               <a:t>Third level</a:t>
             </a:r>
           </a:p>
           <a:p>
             <a:pPr lvl="3"/>
             <a:r>
-              <a:rPr lang="en-US" smtClean="0"/>
+              <a:rPr lang="en-US"/>
               <a:t>Fourth level</a:t>
             </a:r>
           </a:p>
           <a:p>
             <a:pPr lvl="4"/>
             <a:r>
-              <a:rPr lang="en-US" smtClean="0"/>
+              <a:rPr lang="en-US"/>
               <a:t>Fifth level</a:t>
             </a:r>
-            <a:endParaRPr lang="en-US"/>
           </a:p>
         </p:txBody>
       </p:sp>
@@ -2600,7 +2581,7 @@
           <a:p>
             <a:pPr lvl="0"/>
             <a:r>
-              <a:rPr lang="en-US" smtClean="0"/>
+              <a:rPr lang="en-US"/>
               <a:t>Click to edit Master text styles</a:t>
             </a:r>
           </a:p>
@@ -2623,7 +2604,7 @@
           <a:p>
             <a:fld id="{78C97017-6FC3-485B-9764-EAC9E56C1D49}" type="datetimeFigureOut">
               <a:rPr lang="en-US" smtClean="0"/>
-              <a:t>1/1/18</a:t>
+              <a:t>2/22/2018</a:t>
             </a:fld>
             <a:endParaRPr lang="en-US"/>
           </a:p>
@@ -2726,10 +2707,9 @@
           </a:lstStyle>
           <a:p>
             <a:r>
-              <a:rPr lang="en-US" smtClean="0"/>
+              <a:rPr lang="en-US"/>
               <a:t>Click to edit Master title style</a:t>
             </a:r>
-            <a:endParaRPr lang="en-US"/>
           </a:p>
         </p:txBody>
       </p:sp>
@@ -2853,7 +2833,7 @@
           <a:p>
             <a:pPr lvl="0"/>
             <a:r>
-              <a:rPr lang="en-US" smtClean="0"/>
+              <a:rPr lang="en-US"/>
               <a:t>Click to edit Master text styles</a:t>
             </a:r>
           </a:p>
@@ -2876,7 +2856,7 @@
           <a:p>
             <a:fld id="{78C97017-6FC3-485B-9764-EAC9E56C1D49}" type="datetimeFigureOut">
               <a:rPr lang="en-US" smtClean="0"/>
-              <a:t>1/1/18</a:t>
+              <a:t>2/22/2018</a:t>
             </a:fld>
             <a:endParaRPr lang="en-US"/>
           </a:p>
@@ -2985,10 +2965,9 @@
           <a:lstStyle/>
           <a:p>
             <a:r>
-              <a:rPr lang="en-US" smtClean="0"/>
+              <a:rPr lang="en-US"/>
               <a:t>Click to edit Master title style</a:t>
             </a:r>
-            <a:endParaRPr lang="en-US"/>
           </a:p>
         </p:txBody>
       </p:sp>
@@ -3019,38 +2998,37 @@
           <a:p>
             <a:pPr lvl="0"/>
             <a:r>
-              <a:rPr lang="en-US" smtClean="0"/>
+              <a:rPr lang="en-US"/>
               <a:t>Click to edit Master text styles</a:t>
             </a:r>
           </a:p>
           <a:p>
             <a:pPr lvl="1"/>
             <a:r>
-              <a:rPr lang="en-US" smtClean="0"/>
+              <a:rPr lang="en-US"/>
               <a:t>Second level</a:t>
             </a:r>
           </a:p>
           <a:p>
             <a:pPr lvl="2"/>
             <a:r>
-              <a:rPr lang="en-US" smtClean="0"/>
+              <a:rPr lang="en-US"/>
               <a:t>Third level</a:t>
             </a:r>
           </a:p>
           <a:p>
             <a:pPr lvl="3"/>
             <a:r>
-              <a:rPr lang="en-US" smtClean="0"/>
+              <a:rPr lang="en-US"/>
               <a:t>Fourth level</a:t>
             </a:r>
           </a:p>
           <a:p>
             <a:pPr lvl="4"/>
             <a:r>
-              <a:rPr lang="en-US" smtClean="0"/>
+              <a:rPr lang="en-US"/>
               <a:t>Fifth level</a:t>
             </a:r>
-            <a:endParaRPr lang="en-US"/>
           </a:p>
         </p:txBody>
       </p:sp>
@@ -3089,7 +3067,7 @@
           <a:p>
             <a:fld id="{78C97017-6FC3-485B-9764-EAC9E56C1D49}" type="datetimeFigureOut">
               <a:rPr lang="en-US" smtClean="0"/>
-              <a:t>1/1/18</a:t>
+              <a:t>2/22/2018</a:t>
             </a:fld>
             <a:endParaRPr lang="en-US"/>
           </a:p>
@@ -3510,7 +3488,7 @@
           <a:lstStyle/>
           <a:p>
             <a:r>
-              <a:rPr lang="en-US" sz="1200" b="1" dirty="0" smtClean="0">
+              <a:rPr lang="en-US" sz="1200" b="1" dirty="0">
                 <a:solidFill>
                   <a:srgbClr val="7030A0"/>
                 </a:solidFill>
@@ -3533,7 +3511,7 @@
         </p:nvSpPr>
         <p:spPr>
           <a:xfrm>
-            <a:off x="2877180" y="3158440"/>
+            <a:off x="2877180" y="3463240"/>
             <a:ext cx="1093635" cy="346760"/>
           </a:xfrm>
           <a:prstGeom prst="rect">
@@ -3569,7 +3547,7 @@
           <a:p>
             <a:pPr algn="ctr"/>
             <a:r>
-              <a:rPr lang="en-US" sz="1050" dirty="0" err="1" smtClean="0">
+              <a:rPr lang="en-US" sz="1050" dirty="0" err="1">
                 <a:solidFill>
                   <a:schemeClr val="bg1"/>
                 </a:solidFill>
@@ -3592,7 +3570,7 @@
         </p:nvSpPr>
         <p:spPr>
           <a:xfrm rot="16200000">
-            <a:off x="1683963" y="2868687"/>
+            <a:off x="1661548" y="3097750"/>
             <a:ext cx="1093635" cy="346760"/>
           </a:xfrm>
           <a:prstGeom prst="rect">
@@ -3628,7 +3606,7 @@
           <a:p>
             <a:pPr algn="ctr"/>
             <a:r>
-              <a:rPr lang="en-US" sz="1050" dirty="0" err="1" smtClean="0">
+              <a:rPr lang="en-US" sz="1050" dirty="0" err="1">
                 <a:solidFill>
                   <a:schemeClr val="bg1"/>
                 </a:solidFill>
@@ -3647,19 +3625,20 @@
         <p:nvCxnSpPr>
           <p:cNvPr id="107" name="Elbow Connector 106"/>
           <p:cNvCxnSpPr>
+            <a:cxnSpLocks/>
             <a:stCxn id="9" idx="1"/>
+            <a:endCxn id="62" idx="2"/>
           </p:cNvCxnSpPr>
           <p:nvPr/>
         </p:nvCxnSpPr>
         <p:spPr>
           <a:xfrm rot="5400000" flipH="1" flipV="1">
-            <a:off x="4360065" y="1080909"/>
-            <a:ext cx="378691" cy="4637261"/>
-          </a:xfrm>
-          <a:prstGeom prst="bentConnector4">
+            <a:off x="4131507" y="1281685"/>
+            <a:ext cx="613122" cy="4459404"/>
+          </a:xfrm>
+          <a:prstGeom prst="bentConnector3">
             <a:avLst>
-              <a:gd name="adj1" fmla="val -101829"/>
-              <a:gd name="adj2" fmla="val 99976"/>
+              <a:gd name="adj1" fmla="val -26668"/>
             </a:avLst>
           </a:prstGeom>
           <a:ln w="19050">
@@ -3742,7 +3721,7 @@
           <a:p>
             <a:pPr algn="ctr"/>
             <a:r>
-              <a:rPr lang="en-US" sz="1050" dirty="0" smtClean="0">
+              <a:rPr lang="en-US" sz="1050" dirty="0">
                 <a:solidFill>
                   <a:schemeClr val="bg1"/>
                 </a:solidFill>
@@ -3815,8 +3794,8 @@
         </p:nvCxnSpPr>
         <p:spPr>
           <a:xfrm>
-            <a:off x="2656370" y="3326536"/>
-            <a:ext cx="220810" cy="5284"/>
+            <a:off x="2609828" y="3636620"/>
+            <a:ext cx="267352" cy="0"/>
           </a:xfrm>
           <a:prstGeom prst="straightConnector1">
             <a:avLst/>
@@ -3937,7 +3916,7 @@
         </p:nvSpPr>
         <p:spPr>
           <a:xfrm>
-            <a:off x="2420322" y="3239846"/>
+            <a:off x="2373780" y="3549930"/>
             <a:ext cx="236048" cy="173380"/>
           </a:xfrm>
           <a:prstGeom prst="flowChartDecision">
@@ -3982,7 +3961,7 @@
         </p:nvSpPr>
         <p:spPr>
           <a:xfrm>
-            <a:off x="2879490" y="2627420"/>
+            <a:off x="2873582" y="2831936"/>
             <a:ext cx="1093635" cy="346760"/>
           </a:xfrm>
           <a:prstGeom prst="rect">
@@ -4015,7 +3994,7 @@
           <a:p>
             <a:pPr algn="ctr"/>
             <a:r>
-              <a:rPr lang="en-US" sz="1050" dirty="0" err="1" smtClean="0">
+              <a:rPr lang="en-US" sz="1050" dirty="0" err="1">
                 <a:solidFill>
                   <a:srgbClr val="7030A0"/>
                 </a:solidFill>
@@ -4041,8 +4020,8 @@
         </p:nvCxnSpPr>
         <p:spPr>
           <a:xfrm>
-            <a:off x="2658680" y="2795516"/>
-            <a:ext cx="220810" cy="5284"/>
+            <a:off x="2624360" y="3003033"/>
+            <a:ext cx="249222" cy="2283"/>
           </a:xfrm>
           <a:prstGeom prst="straightConnector1">
             <a:avLst/>
@@ -4079,7 +4058,7 @@
         </p:nvSpPr>
         <p:spPr>
           <a:xfrm>
-            <a:off x="2422632" y="2708826"/>
+            <a:off x="2388312" y="2916343"/>
             <a:ext cx="236048" cy="173380"/>
           </a:xfrm>
           <a:prstGeom prst="flowChartDecision">
@@ -4157,7 +4136,7 @@
           <a:p>
             <a:pPr algn="ctr"/>
             <a:r>
-              <a:rPr lang="en-US" sz="1050" dirty="0" err="1" smtClean="0">
+              <a:rPr lang="en-US" sz="1050" dirty="0" err="1">
                 <a:solidFill>
                   <a:srgbClr val="7030A0"/>
                 </a:solidFill>
@@ -4180,7 +4159,7 @@
         </p:nvSpPr>
         <p:spPr>
           <a:xfrm>
-            <a:off x="3984303" y="2673991"/>
+            <a:off x="3977259" y="2932345"/>
             <a:ext cx="236048" cy="173380"/>
           </a:xfrm>
           <a:prstGeom prst="flowChartDecision">
@@ -4230,8 +4209,8 @@
         </p:nvCxnSpPr>
         <p:spPr>
           <a:xfrm>
-            <a:off x="4220351" y="2760681"/>
-            <a:ext cx="266666" cy="260070"/>
+            <a:off x="4213307" y="3019035"/>
+            <a:ext cx="273710" cy="1716"/>
           </a:xfrm>
           <a:prstGeom prst="bentConnector3">
             <a:avLst/>
@@ -4262,14 +4241,14 @@
       </p:cxnSp>
       <p:sp>
         <p:nvSpPr>
-          <p:cNvPr id="57" name="Rectangle 8"/>
+          <p:cNvPr id="62" name="Rectangle 8"/>
           <p:cNvSpPr/>
           <p:nvPr/>
         </p:nvSpPr>
         <p:spPr>
           <a:xfrm>
-            <a:off x="4477328" y="2280569"/>
-            <a:ext cx="1156969" cy="346760"/>
+            <a:off x="6313677" y="2858066"/>
+            <a:ext cx="708186" cy="346760"/>
           </a:xfrm>
           <a:prstGeom prst="rect">
             <a:avLst/>
@@ -4301,12 +4280,12 @@
           <a:p>
             <a:pPr algn="ctr"/>
             <a:r>
-              <a:rPr lang="en-US" sz="1050" dirty="0" err="1" smtClean="0">
+              <a:rPr lang="en-US" sz="1050" dirty="0">
                 <a:solidFill>
                   <a:srgbClr val="7030A0"/>
                 </a:solidFill>
               </a:rPr>
-              <a:t>UniqueTagList</a:t>
+              <a:t>Person</a:t>
             </a:r>
             <a:endParaRPr lang="en-SG" sz="1050" dirty="0">
               <a:solidFill>
@@ -4316,24 +4295,67 @@
           </a:p>
         </p:txBody>
       </p:sp>
+      <p:sp>
+        <p:nvSpPr>
+          <p:cNvPr id="63" name="Flowchart: Decision 96"/>
+          <p:cNvSpPr/>
+          <p:nvPr/>
+        </p:nvSpPr>
+        <p:spPr>
+          <a:xfrm>
+            <a:off x="5653118" y="2942885"/>
+            <a:ext cx="236048" cy="173380"/>
+          </a:xfrm>
+          <a:prstGeom prst="flowChartDecision">
+            <a:avLst/>
+          </a:prstGeom>
+          <a:noFill/>
+          <a:ln w="19050">
+            <a:solidFill>
+              <a:srgbClr val="7030A0"/>
+            </a:solidFill>
+          </a:ln>
+          <a:effectLst/>
+        </p:spPr>
+        <p:style>
+          <a:lnRef idx="1">
+            <a:schemeClr val="accent6"/>
+          </a:lnRef>
+          <a:fillRef idx="2">
+            <a:schemeClr val="accent6"/>
+          </a:fillRef>
+          <a:effectRef idx="1">
+            <a:schemeClr val="accent6"/>
+          </a:effectRef>
+          <a:fontRef idx="minor">
+            <a:schemeClr val="dk1"/>
+          </a:fontRef>
+        </p:style>
+        <p:txBody>
+          <a:bodyPr rtlCol="0" anchor="ctr"/>
+          <a:lstStyle/>
+          <a:p>
+            <a:pPr algn="ctr"/>
+            <a:endParaRPr lang="en-US" sz="1050"/>
+          </a:p>
+        </p:txBody>
+      </p:sp>
       <p:cxnSp>
         <p:nvCxnSpPr>
-          <p:cNvPr id="59" name="Elbow Connector 58"/>
+          <p:cNvPr id="64" name="Elbow Connector 63"/>
           <p:cNvCxnSpPr>
-            <a:stCxn id="51" idx="3"/>
-            <a:endCxn id="57" idx="1"/>
+            <a:stCxn id="63" idx="3"/>
+            <a:endCxn id="62" idx="1"/>
           </p:cNvCxnSpPr>
           <p:nvPr/>
         </p:nvCxnSpPr>
         <p:spPr>
-          <a:xfrm flipV="1">
-            <a:off x="4220351" y="2453949"/>
-            <a:ext cx="256977" cy="306732"/>
+          <a:xfrm>
+            <a:off x="5889166" y="3029575"/>
+            <a:ext cx="424511" cy="1871"/>
           </a:xfrm>
           <a:prstGeom prst="bentConnector3">
-            <a:avLst>
-              <a:gd name="adj1" fmla="val 50000"/>
-            </a:avLst>
+            <a:avLst/>
           </a:prstGeom>
           <a:ln w="19050">
             <a:solidFill>
@@ -4361,14 +4383,14 @@
       </p:cxnSp>
       <p:sp>
         <p:nvSpPr>
-          <p:cNvPr id="62" name="Rectangle 8"/>
+          <p:cNvPr id="76" name="Rectangle 8"/>
           <p:cNvSpPr/>
           <p:nvPr/>
         </p:nvSpPr>
         <p:spPr>
           <a:xfrm>
-            <a:off x="6313677" y="2858066"/>
-            <a:ext cx="708186" cy="346760"/>
+            <a:off x="7712397" y="2564238"/>
+            <a:ext cx="708186" cy="285783"/>
           </a:xfrm>
           <a:prstGeom prst="rect">
             <a:avLst/>
@@ -4400,12 +4422,12 @@
           <a:p>
             <a:pPr algn="ctr"/>
             <a:r>
-              <a:rPr lang="en-US" sz="1050" dirty="0" smtClean="0">
+              <a:rPr lang="en-US" sz="1050" dirty="0">
                 <a:solidFill>
                   <a:srgbClr val="7030A0"/>
                 </a:solidFill>
               </a:rPr>
-              <a:t>Person</a:t>
+              <a:t>Name</a:t>
             </a:r>
             <a:endParaRPr lang="en-SG" sz="1050" dirty="0">
               <a:solidFill>
@@ -4417,19 +4439,21 @@
       </p:sp>
       <p:sp>
         <p:nvSpPr>
-          <p:cNvPr id="63" name="Flowchart: Decision 96"/>
+          <p:cNvPr id="78" name="Flowchart: Decision 96"/>
           <p:cNvSpPr/>
           <p:nvPr/>
         </p:nvSpPr>
         <p:spPr>
           <a:xfrm>
-            <a:off x="5643227" y="2943979"/>
+            <a:off x="7041947" y="2948201"/>
             <a:ext cx="236048" cy="173380"/>
           </a:xfrm>
           <a:prstGeom prst="flowChartDecision">
             <a:avLst/>
           </a:prstGeom>
-          <a:noFill/>
+          <a:solidFill>
+            <a:srgbClr val="7030A0"/>
+          </a:solidFill>
           <a:ln w="19050">
             <a:solidFill>
               <a:srgbClr val="7030A0"/>
@@ -4462,17 +4486,16 @@
       </p:sp>
       <p:cxnSp>
         <p:nvCxnSpPr>
-          <p:cNvPr id="64" name="Elbow Connector 63"/>
+          <p:cNvPr id="79" name="Elbow Connector 78"/>
           <p:cNvCxnSpPr>
-            <a:stCxn id="63" idx="3"/>
-            <a:endCxn id="62" idx="1"/>
+            <a:cxnSpLocks/>
           </p:cNvCxnSpPr>
           <p:nvPr/>
         </p:nvCxnSpPr>
         <p:spPr>
-          <a:xfrm>
-            <a:off x="5879275" y="3030669"/>
-            <a:ext cx="434402" cy="777"/>
+          <a:xfrm flipV="1">
+            <a:off x="7277995" y="2706821"/>
+            <a:ext cx="434402" cy="327761"/>
           </a:xfrm>
           <a:prstGeom prst="bentConnector3">
             <a:avLst/>
@@ -4503,14 +4526,14 @@
       </p:cxnSp>
       <p:sp>
         <p:nvSpPr>
-          <p:cNvPr id="67" name="Rectangle 8"/>
+          <p:cNvPr id="80" name="Rectangle 8"/>
           <p:cNvSpPr/>
           <p:nvPr/>
         </p:nvSpPr>
         <p:spPr>
           <a:xfrm>
-            <a:off x="5336105" y="1809332"/>
-            <a:ext cx="483700" cy="346760"/>
+            <a:off x="7712397" y="2887216"/>
+            <a:ext cx="708186" cy="285783"/>
           </a:xfrm>
           <a:prstGeom prst="rect">
             <a:avLst/>
@@ -4542,12 +4565,12 @@
           <a:p>
             <a:pPr algn="ctr"/>
             <a:r>
-              <a:rPr lang="en-US" sz="1050" dirty="0" smtClean="0">
+              <a:rPr lang="en-US" sz="1050" dirty="0">
                 <a:solidFill>
                   <a:srgbClr val="7030A0"/>
                 </a:solidFill>
               </a:rPr>
-              <a:t>Tag</a:t>
+              <a:t>Phone</a:t>
             </a:r>
             <a:endParaRPr lang="en-SG" sz="1050" dirty="0">
               <a:solidFill>
@@ -4557,66 +4580,21 @@
           </a:p>
         </p:txBody>
       </p:sp>
-      <p:sp>
-        <p:nvSpPr>
-          <p:cNvPr id="68" name="Flowchart: Decision 96"/>
-          <p:cNvSpPr/>
-          <p:nvPr/>
-        </p:nvSpPr>
-        <p:spPr>
-          <a:xfrm rot="16200000">
-            <a:off x="4921666" y="2066540"/>
-            <a:ext cx="236048" cy="173380"/>
-          </a:xfrm>
-          <a:prstGeom prst="flowChartDecision">
-            <a:avLst/>
-          </a:prstGeom>
-          <a:noFill/>
-          <a:ln w="19050">
-            <a:solidFill>
-              <a:srgbClr val="7030A0"/>
-            </a:solidFill>
-          </a:ln>
-          <a:effectLst/>
-        </p:spPr>
-        <p:style>
-          <a:lnRef idx="1">
-            <a:schemeClr val="accent6"/>
-          </a:lnRef>
-          <a:fillRef idx="2">
-            <a:schemeClr val="accent6"/>
-          </a:fillRef>
-          <a:effectRef idx="1">
-            <a:schemeClr val="accent6"/>
-          </a:effectRef>
-          <a:fontRef idx="minor">
-            <a:schemeClr val="dk1"/>
-          </a:fontRef>
-        </p:style>
-        <p:txBody>
-          <a:bodyPr rtlCol="0" anchor="ctr"/>
-          <a:lstStyle/>
-          <a:p>
-            <a:pPr algn="ctr"/>
-            <a:endParaRPr lang="en-US" sz="1050"/>
-          </a:p>
-        </p:txBody>
-      </p:sp>
       <p:cxnSp>
         <p:nvCxnSpPr>
-          <p:cNvPr id="69" name="Elbow Connector 68"/>
+          <p:cNvPr id="81" name="Elbow Connector 80"/>
           <p:cNvCxnSpPr>
-            <a:stCxn id="68" idx="3"/>
-            <a:endCxn id="67" idx="1"/>
+            <a:stCxn id="78" idx="3"/>
+            <a:endCxn id="80" idx="1"/>
           </p:cNvCxnSpPr>
           <p:nvPr/>
         </p:nvCxnSpPr>
         <p:spPr>
-          <a:xfrm rot="5400000" flipH="1" flipV="1">
-            <a:off x="5161650" y="1860752"/>
-            <a:ext cx="52494" cy="296415"/>
-          </a:xfrm>
-          <a:prstGeom prst="bentConnector2">
+          <a:xfrm flipV="1">
+            <a:off x="7277995" y="3030108"/>
+            <a:ext cx="434402" cy="4783"/>
+          </a:xfrm>
+          <a:prstGeom prst="bentConnector3">
             <a:avLst/>
           </a:prstGeom>
           <a:ln w="19050">
@@ -4645,13 +4623,13 @@
       </p:cxnSp>
       <p:sp>
         <p:nvSpPr>
-          <p:cNvPr id="76" name="Rectangle 8"/>
+          <p:cNvPr id="83" name="Rectangle 8"/>
           <p:cNvSpPr/>
           <p:nvPr/>
         </p:nvSpPr>
         <p:spPr>
           <a:xfrm>
-            <a:off x="7712397" y="2564238"/>
+            <a:off x="7712397" y="3210194"/>
             <a:ext cx="708186" cy="285783"/>
           </a:xfrm>
           <a:prstGeom prst="rect">
@@ -4684,12 +4662,12 @@
           <a:p>
             <a:pPr algn="ctr"/>
             <a:r>
-              <a:rPr lang="en-US" sz="1050" dirty="0" smtClean="0">
+              <a:rPr lang="en-US" sz="1050" dirty="0">
                 <a:solidFill>
                   <a:srgbClr val="7030A0"/>
                 </a:solidFill>
               </a:rPr>
-              <a:t>Name</a:t>
+              <a:t>Email</a:t>
             </a:r>
             <a:endParaRPr lang="en-SG" sz="1050" dirty="0">
               <a:solidFill>
@@ -4699,66 +4677,19 @@
           </a:p>
         </p:txBody>
       </p:sp>
-      <p:sp>
-        <p:nvSpPr>
-          <p:cNvPr id="78" name="Flowchart: Decision 96"/>
-          <p:cNvSpPr/>
-          <p:nvPr/>
-        </p:nvSpPr>
-        <p:spPr>
-          <a:xfrm>
-            <a:off x="7041947" y="2948201"/>
-            <a:ext cx="236048" cy="173380"/>
-          </a:xfrm>
-          <a:prstGeom prst="flowChartDecision">
-            <a:avLst/>
-          </a:prstGeom>
-          <a:solidFill>
-            <a:srgbClr val="7030A0"/>
-          </a:solidFill>
-          <a:ln w="19050">
-            <a:solidFill>
-              <a:srgbClr val="7030A0"/>
-            </a:solidFill>
-          </a:ln>
-          <a:effectLst/>
-        </p:spPr>
-        <p:style>
-          <a:lnRef idx="1">
-            <a:schemeClr val="accent6"/>
-          </a:lnRef>
-          <a:fillRef idx="2">
-            <a:schemeClr val="accent6"/>
-          </a:fillRef>
-          <a:effectRef idx="1">
-            <a:schemeClr val="accent6"/>
-          </a:effectRef>
-          <a:fontRef idx="minor">
-            <a:schemeClr val="dk1"/>
-          </a:fontRef>
-        </p:style>
-        <p:txBody>
-          <a:bodyPr rtlCol="0" anchor="ctr"/>
-          <a:lstStyle/>
-          <a:p>
-            <a:pPr algn="ctr"/>
-            <a:endParaRPr lang="en-US" sz="1050"/>
-          </a:p>
-        </p:txBody>
-      </p:sp>
       <p:cxnSp>
         <p:nvCxnSpPr>
-          <p:cNvPr id="79" name="Elbow Connector 78"/>
+          <p:cNvPr id="84" name="Elbow Connector 83"/>
           <p:cNvCxnSpPr>
             <a:stCxn id="78" idx="3"/>
-            <a:endCxn id="76" idx="1"/>
+            <a:endCxn id="83" idx="1"/>
           </p:cNvCxnSpPr>
           <p:nvPr/>
         </p:nvCxnSpPr>
         <p:spPr>
-          <a:xfrm flipV="1">
-            <a:off x="7277995" y="2707130"/>
-            <a:ext cx="434402" cy="327761"/>
+          <a:xfrm>
+            <a:off x="7277995" y="3034891"/>
+            <a:ext cx="434402" cy="318195"/>
           </a:xfrm>
           <a:prstGeom prst="bentConnector3">
             <a:avLst/>
@@ -4789,13 +4720,13 @@
       </p:cxnSp>
       <p:sp>
         <p:nvSpPr>
-          <p:cNvPr id="80" name="Rectangle 8"/>
+          <p:cNvPr id="85" name="Rectangle 8"/>
           <p:cNvSpPr/>
           <p:nvPr/>
         </p:nvSpPr>
         <p:spPr>
           <a:xfrm>
-            <a:off x="7712397" y="2887216"/>
+            <a:off x="7712397" y="3533171"/>
             <a:ext cx="708186" cy="285783"/>
           </a:xfrm>
           <a:prstGeom prst="rect">
@@ -4828,201 +4759,7 @@
           <a:p>
             <a:pPr algn="ctr"/>
             <a:r>
-              <a:rPr lang="en-US" sz="1050" dirty="0" smtClean="0">
-                <a:solidFill>
-                  <a:srgbClr val="7030A0"/>
-                </a:solidFill>
-              </a:rPr>
-              <a:t>Phone</a:t>
-            </a:r>
-            <a:endParaRPr lang="en-SG" sz="1050" dirty="0">
-              <a:solidFill>
-                <a:srgbClr val="7030A0"/>
-              </a:solidFill>
-            </a:endParaRPr>
-          </a:p>
-        </p:txBody>
-      </p:sp>
-      <p:cxnSp>
-        <p:nvCxnSpPr>
-          <p:cNvPr id="81" name="Elbow Connector 80"/>
-          <p:cNvCxnSpPr>
-            <a:stCxn id="78" idx="3"/>
-            <a:endCxn id="80" idx="1"/>
-          </p:cNvCxnSpPr>
-          <p:nvPr/>
-        </p:nvCxnSpPr>
-        <p:spPr>
-          <a:xfrm flipV="1">
-            <a:off x="7277995" y="3030108"/>
-            <a:ext cx="434402" cy="4783"/>
-          </a:xfrm>
-          <a:prstGeom prst="bentConnector3">
-            <a:avLst/>
-          </a:prstGeom>
-          <a:ln w="19050">
-            <a:solidFill>
-              <a:srgbClr val="7030A0"/>
-            </a:solidFill>
-            <a:headEnd type="none" w="med" len="med"/>
-            <a:tailEnd type="arrow" w="med" len="med"/>
-          </a:ln>
-          <a:effectLst/>
-        </p:spPr>
-        <p:style>
-          <a:lnRef idx="1">
-            <a:schemeClr val="accent2"/>
-          </a:lnRef>
-          <a:fillRef idx="2">
-            <a:schemeClr val="accent2"/>
-          </a:fillRef>
-          <a:effectRef idx="1">
-            <a:schemeClr val="accent2"/>
-          </a:effectRef>
-          <a:fontRef idx="minor">
-            <a:schemeClr val="dk1"/>
-          </a:fontRef>
-        </p:style>
-      </p:cxnSp>
-      <p:sp>
-        <p:nvSpPr>
-          <p:cNvPr id="83" name="Rectangle 8"/>
-          <p:cNvSpPr/>
-          <p:nvPr/>
-        </p:nvSpPr>
-        <p:spPr>
-          <a:xfrm>
-            <a:off x="7712397" y="3210194"/>
-            <a:ext cx="708186" cy="285783"/>
-          </a:xfrm>
-          <a:prstGeom prst="rect">
-            <a:avLst/>
-          </a:prstGeom>
-          <a:ln w="19050">
-            <a:solidFill>
-              <a:srgbClr val="7030A0"/>
-            </a:solidFill>
-          </a:ln>
-          <a:effectLst/>
-        </p:spPr>
-        <p:style>
-          <a:lnRef idx="1">
-            <a:schemeClr val="accent4"/>
-          </a:lnRef>
-          <a:fillRef idx="2">
-            <a:schemeClr val="accent4"/>
-          </a:fillRef>
-          <a:effectRef idx="1">
-            <a:schemeClr val="accent4"/>
-          </a:effectRef>
-          <a:fontRef idx="minor">
-            <a:schemeClr val="dk1"/>
-          </a:fontRef>
-        </p:style>
-        <p:txBody>
-          <a:bodyPr rtlCol="0" anchor="ctr"/>
-          <a:lstStyle/>
-          <a:p>
-            <a:pPr algn="ctr"/>
-            <a:r>
-              <a:rPr lang="en-US" sz="1050" dirty="0" smtClean="0">
-                <a:solidFill>
-                  <a:srgbClr val="7030A0"/>
-                </a:solidFill>
-              </a:rPr>
-              <a:t>Email</a:t>
-            </a:r>
-            <a:endParaRPr lang="en-SG" sz="1050" dirty="0">
-              <a:solidFill>
-                <a:srgbClr val="7030A0"/>
-              </a:solidFill>
-            </a:endParaRPr>
-          </a:p>
-        </p:txBody>
-      </p:sp>
-      <p:cxnSp>
-        <p:nvCxnSpPr>
-          <p:cNvPr id="84" name="Elbow Connector 83"/>
-          <p:cNvCxnSpPr>
-            <a:stCxn id="78" idx="3"/>
-            <a:endCxn id="83" idx="1"/>
-          </p:cNvCxnSpPr>
-          <p:nvPr/>
-        </p:nvCxnSpPr>
-        <p:spPr>
-          <a:xfrm>
-            <a:off x="7277995" y="3034891"/>
-            <a:ext cx="434402" cy="318195"/>
-          </a:xfrm>
-          <a:prstGeom prst="bentConnector3">
-            <a:avLst/>
-          </a:prstGeom>
-          <a:ln w="19050">
-            <a:solidFill>
-              <a:srgbClr val="7030A0"/>
-            </a:solidFill>
-            <a:headEnd type="none" w="med" len="med"/>
-            <a:tailEnd type="arrow" w="med" len="med"/>
-          </a:ln>
-          <a:effectLst/>
-        </p:spPr>
-        <p:style>
-          <a:lnRef idx="1">
-            <a:schemeClr val="accent2"/>
-          </a:lnRef>
-          <a:fillRef idx="2">
-            <a:schemeClr val="accent2"/>
-          </a:fillRef>
-          <a:effectRef idx="1">
-            <a:schemeClr val="accent2"/>
-          </a:effectRef>
-          <a:fontRef idx="minor">
-            <a:schemeClr val="dk1"/>
-          </a:fontRef>
-        </p:style>
-      </p:cxnSp>
-      <p:sp>
-        <p:nvSpPr>
-          <p:cNvPr id="85" name="Rectangle 8"/>
-          <p:cNvSpPr/>
-          <p:nvPr/>
-        </p:nvSpPr>
-        <p:spPr>
-          <a:xfrm>
-            <a:off x="7712397" y="3533171"/>
-            <a:ext cx="708186" cy="285783"/>
-          </a:xfrm>
-          <a:prstGeom prst="rect">
-            <a:avLst/>
-          </a:prstGeom>
-          <a:ln w="19050">
-            <a:solidFill>
-              <a:srgbClr val="7030A0"/>
-            </a:solidFill>
-          </a:ln>
-          <a:effectLst/>
-        </p:spPr>
-        <p:style>
-          <a:lnRef idx="1">
-            <a:schemeClr val="accent4"/>
-          </a:lnRef>
-          <a:fillRef idx="2">
-            <a:schemeClr val="accent4"/>
-          </a:fillRef>
-          <a:effectRef idx="1">
-            <a:schemeClr val="accent4"/>
-          </a:effectRef>
-          <a:fontRef idx="minor">
-            <a:schemeClr val="dk1"/>
-          </a:fontRef>
-        </p:style>
-        <p:txBody>
-          <a:bodyPr rtlCol="0" anchor="ctr"/>
-          <a:lstStyle/>
-          <a:p>
-            <a:pPr algn="ctr"/>
-            <a:r>
-              <a:rPr lang="en-US" sz="1050" dirty="0" smtClean="0">
+              <a:rPr lang="en-US" sz="1050" dirty="0">
                 <a:solidFill>
                   <a:srgbClr val="7030A0"/>
                 </a:solidFill>
@@ -5088,7 +4825,7 @@
         </p:nvCxnSpPr>
         <p:spPr>
           <a:xfrm rot="16200000" flipH="1">
-            <a:off x="3279321" y="2485431"/>
+            <a:off x="3279321" y="2737710"/>
             <a:ext cx="293825" cy="1"/>
           </a:xfrm>
           <a:prstGeom prst="bentConnector3">
@@ -5129,7 +4866,7 @@
         </p:nvSpPr>
         <p:spPr>
           <a:xfrm rot="10800000" flipV="1">
-            <a:off x="3290981" y="2162997"/>
+            <a:off x="3290981" y="2415276"/>
             <a:ext cx="270504" cy="175523"/>
           </a:xfrm>
           <a:prstGeom prst="triangle">
@@ -5177,7 +4914,7 @@
         </p:nvSpPr>
         <p:spPr>
           <a:xfrm>
-            <a:off x="2660303" y="1806470"/>
+            <a:off x="2671139" y="2049107"/>
             <a:ext cx="1539926" cy="346760"/>
           </a:xfrm>
           <a:prstGeom prst="rect">
@@ -5210,7 +4947,7 @@
           <a:p>
             <a:pPr algn="ctr"/>
             <a:r>
-              <a:rPr lang="en-US" sz="1050" dirty="0" smtClean="0">
+              <a:rPr lang="en-US" sz="1050" dirty="0">
                 <a:solidFill>
                   <a:srgbClr val="7030A0"/>
                 </a:solidFill>
@@ -5218,14 +4955,14 @@
               <a:t>&lt;&lt;interface&gt;&gt;</a:t>
             </a:r>
             <a:br>
-              <a:rPr lang="en-US" sz="1050" dirty="0" smtClean="0">
+              <a:rPr lang="en-US" sz="1050" dirty="0">
                 <a:solidFill>
                   <a:srgbClr val="7030A0"/>
                 </a:solidFill>
               </a:rPr>
             </a:br>
             <a:r>
-              <a:rPr lang="en-US" sz="1050" dirty="0" err="1" smtClean="0">
+              <a:rPr lang="en-US" sz="1050" dirty="0" err="1">
                 <a:solidFill>
                   <a:srgbClr val="7030A0"/>
                 </a:solidFill>
@@ -5248,7 +4985,7 @@
         </p:nvSpPr>
         <p:spPr>
           <a:xfrm rot="16200000">
-            <a:off x="6527512" y="3586305"/>
+            <a:off x="6362886" y="3586305"/>
             <a:ext cx="881018" cy="261610"/>
           </a:xfrm>
           <a:prstGeom prst="rect">
@@ -5264,7 +5001,7 @@
           <a:p>
             <a:pPr algn="r"/>
             <a:r>
-              <a:rPr lang="en-US" sz="1100" dirty="0" smtClean="0">
+              <a:rPr lang="en-US" sz="1100" dirty="0">
                 <a:solidFill>
                   <a:srgbClr val="7030A0"/>
                 </a:solidFill>
@@ -5320,20 +5057,12 @@
           <a:p>
             <a:pPr algn="ctr"/>
             <a:r>
-              <a:rPr lang="en-US" sz="1050" dirty="0" smtClean="0">
+              <a:rPr lang="en-US" sz="1050" dirty="0">
                 <a:solidFill>
                   <a:srgbClr val="7030A0"/>
                 </a:solidFill>
               </a:rPr>
               <a:t>&lt;&lt;interface&gt;&gt;</a:t>
-            </a:r>
-            <a:r>
-              <a:rPr lang="en-US" sz="1050">
-                <a:solidFill>
-                  <a:srgbClr val="7030A0"/>
-                </a:solidFill>
-              </a:rPr>
-              <a:t/>
             </a:r>
             <a:br>
               <a:rPr lang="en-US" sz="1050">
@@ -5343,7 +5072,7 @@
               </a:rPr>
             </a:br>
             <a:r>
-              <a:rPr lang="en-US" sz="1050" dirty="0" err="1" smtClean="0">
+              <a:rPr lang="en-US" sz="1050" dirty="0" err="1">
                 <a:solidFill>
                   <a:srgbClr val="7030A0"/>
                 </a:solidFill>
@@ -5400,21 +5129,285 @@
           </a:fontRef>
         </p:style>
       </p:cxnSp>
+      <p:sp>
+        <p:nvSpPr>
+          <p:cNvPr id="54" name="TextBox 53"/>
+          <p:cNvSpPr txBox="1"/>
+          <p:nvPr/>
+        </p:nvSpPr>
+        <p:spPr>
+          <a:xfrm>
+            <a:off x="4324972" y="3058864"/>
+            <a:ext cx="189257" cy="178683"/>
+          </a:xfrm>
+          <a:prstGeom prst="rect">
+            <a:avLst/>
+          </a:prstGeom>
+          <a:noFill/>
+        </p:spPr>
+        <p:txBody>
+          <a:bodyPr wrap="square" lIns="0" tIns="0" rIns="0" bIns="0" rtlCol="0">
+            <a:noAutofit/>
+          </a:bodyPr>
+          <a:lstStyle/>
+          <a:p>
+            <a:pPr algn="ctr"/>
+            <a:r>
+              <a:rPr lang="en-US" sz="1100" dirty="0">
+                <a:solidFill>
+                  <a:srgbClr val="7030A0"/>
+                </a:solidFill>
+              </a:rPr>
+              <a:t>1</a:t>
+            </a:r>
+            <a:endParaRPr lang="en-SG" sz="1100" dirty="0">
+              <a:solidFill>
+                <a:srgbClr val="7030A0"/>
+              </a:solidFill>
+            </a:endParaRPr>
+          </a:p>
+        </p:txBody>
+      </p:sp>
+      <p:sp>
+        <p:nvSpPr>
+          <p:cNvPr id="61" name="TextBox 60"/>
+          <p:cNvSpPr txBox="1"/>
+          <p:nvPr/>
+        </p:nvSpPr>
+        <p:spPr>
+          <a:xfrm>
+            <a:off x="6135256" y="3097917"/>
+            <a:ext cx="189257" cy="178683"/>
+          </a:xfrm>
+          <a:prstGeom prst="rect">
+            <a:avLst/>
+          </a:prstGeom>
+          <a:noFill/>
+        </p:spPr>
+        <p:txBody>
+          <a:bodyPr wrap="square" lIns="0" tIns="0" rIns="0" bIns="0" rtlCol="0">
+            <a:noAutofit/>
+          </a:bodyPr>
+          <a:lstStyle/>
+          <a:p>
+            <a:pPr algn="ctr"/>
+            <a:r>
+              <a:rPr lang="en-US" sz="1100" dirty="0">
+                <a:solidFill>
+                  <a:srgbClr val="7030A0"/>
+                </a:solidFill>
+              </a:rPr>
+              <a:t>*</a:t>
+            </a:r>
+            <a:endParaRPr lang="en-SG" sz="1100" dirty="0">
+              <a:solidFill>
+                <a:srgbClr val="7030A0"/>
+              </a:solidFill>
+            </a:endParaRPr>
+          </a:p>
+        </p:txBody>
+      </p:sp>
+      <p:sp>
+        <p:nvSpPr>
+          <p:cNvPr id="65" name="TextBox 64"/>
+          <p:cNvSpPr txBox="1"/>
+          <p:nvPr/>
+        </p:nvSpPr>
+        <p:spPr>
+          <a:xfrm>
+            <a:off x="2687923" y="2793117"/>
+            <a:ext cx="189257" cy="178683"/>
+          </a:xfrm>
+          <a:prstGeom prst="rect">
+            <a:avLst/>
+          </a:prstGeom>
+          <a:noFill/>
+        </p:spPr>
+        <p:txBody>
+          <a:bodyPr wrap="square" lIns="0" tIns="0" rIns="0" bIns="0" rtlCol="0">
+            <a:noAutofit/>
+          </a:bodyPr>
+          <a:lstStyle/>
+          <a:p>
+            <a:pPr algn="ctr"/>
+            <a:r>
+              <a:rPr lang="en-US" sz="1100" dirty="0">
+                <a:solidFill>
+                  <a:srgbClr val="7030A0"/>
+                </a:solidFill>
+              </a:rPr>
+              <a:t>1</a:t>
+            </a:r>
+            <a:endParaRPr lang="en-SG" sz="1100" dirty="0">
+              <a:solidFill>
+                <a:srgbClr val="7030A0"/>
+              </a:solidFill>
+            </a:endParaRPr>
+          </a:p>
+        </p:txBody>
+      </p:sp>
+      <p:sp>
+        <p:nvSpPr>
+          <p:cNvPr id="66" name="TextBox 65"/>
+          <p:cNvSpPr txBox="1"/>
+          <p:nvPr/>
+        </p:nvSpPr>
+        <p:spPr>
+          <a:xfrm>
+            <a:off x="2707070" y="3667737"/>
+            <a:ext cx="189257" cy="178683"/>
+          </a:xfrm>
+          <a:prstGeom prst="rect">
+            <a:avLst/>
+          </a:prstGeom>
+          <a:noFill/>
+        </p:spPr>
+        <p:txBody>
+          <a:bodyPr wrap="square" lIns="0" tIns="0" rIns="0" bIns="0" rtlCol="0">
+            <a:noAutofit/>
+          </a:bodyPr>
+          <a:lstStyle/>
+          <a:p>
+            <a:pPr algn="ctr"/>
+            <a:r>
+              <a:rPr lang="en-US" sz="1100" dirty="0">
+                <a:solidFill>
+                  <a:srgbClr val="7030A0"/>
+                </a:solidFill>
+              </a:rPr>
+              <a:t>1</a:t>
+            </a:r>
+            <a:endParaRPr lang="en-SG" sz="1100" dirty="0">
+              <a:solidFill>
+                <a:srgbClr val="7030A0"/>
+              </a:solidFill>
+            </a:endParaRPr>
+          </a:p>
+        </p:txBody>
+      </p:sp>
+      <p:sp>
+        <p:nvSpPr>
+          <p:cNvPr id="70" name="TextBox 69"/>
+          <p:cNvSpPr txBox="1"/>
+          <p:nvPr/>
+        </p:nvSpPr>
+        <p:spPr>
+          <a:xfrm>
+            <a:off x="6449896" y="3204826"/>
+            <a:ext cx="189257" cy="178683"/>
+          </a:xfrm>
+          <a:prstGeom prst="rect">
+            <a:avLst/>
+          </a:prstGeom>
+          <a:noFill/>
+        </p:spPr>
+        <p:txBody>
+          <a:bodyPr wrap="square" lIns="0" tIns="0" rIns="0" bIns="0" rtlCol="0">
+            <a:noAutofit/>
+          </a:bodyPr>
+          <a:lstStyle/>
+          <a:p>
+            <a:pPr algn="ctr"/>
+            <a:r>
+              <a:rPr lang="en-US" sz="1100" dirty="0">
+                <a:solidFill>
+                  <a:srgbClr val="7030A0"/>
+                </a:solidFill>
+              </a:rPr>
+              <a:t>1</a:t>
+            </a:r>
+            <a:endParaRPr lang="en-SG" sz="1100" dirty="0">
+              <a:solidFill>
+                <a:srgbClr val="7030A0"/>
+              </a:solidFill>
+            </a:endParaRPr>
+          </a:p>
+        </p:txBody>
+      </p:sp>
+      <p:sp>
+        <p:nvSpPr>
+          <p:cNvPr id="52" name="Rectangle 8">
+            <a:extLst>
+              <a:ext uri="{FF2B5EF4-FFF2-40B4-BE49-F238E27FC236}">
+                <a16:creationId xmlns:a16="http://schemas.microsoft.com/office/drawing/2014/main" id="{ABDCDBD2-131A-4B66-A2F2-43BBEE82C773}"/>
+              </a:ext>
+            </a:extLst>
+          </p:cNvPr>
+          <p:cNvSpPr/>
+          <p:nvPr/>
+        </p:nvSpPr>
+        <p:spPr>
+          <a:xfrm>
+            <a:off x="7712397" y="2246043"/>
+            <a:ext cx="708186" cy="285783"/>
+          </a:xfrm>
+          <a:prstGeom prst="rect">
+            <a:avLst/>
+          </a:prstGeom>
+          <a:ln w="19050">
+            <a:solidFill>
+              <a:srgbClr val="7030A0"/>
+            </a:solidFill>
+          </a:ln>
+          <a:effectLst/>
+        </p:spPr>
+        <p:style>
+          <a:lnRef idx="1">
+            <a:schemeClr val="accent4"/>
+          </a:lnRef>
+          <a:fillRef idx="2">
+            <a:schemeClr val="accent4"/>
+          </a:fillRef>
+          <a:effectRef idx="1">
+            <a:schemeClr val="accent4"/>
+          </a:effectRef>
+          <a:fontRef idx="minor">
+            <a:schemeClr val="dk1"/>
+          </a:fontRef>
+        </p:style>
+        <p:txBody>
+          <a:bodyPr rtlCol="0" anchor="ctr"/>
+          <a:lstStyle/>
+          <a:p>
+            <a:pPr algn="ctr"/>
+            <a:r>
+              <a:rPr lang="en-US" sz="1050" dirty="0" err="1">
+                <a:solidFill>
+                  <a:srgbClr val="7030A0"/>
+                </a:solidFill>
+              </a:rPr>
+              <a:t>TagList</a:t>
+            </a:r>
+            <a:endParaRPr lang="en-SG" sz="1050" dirty="0">
+              <a:solidFill>
+                <a:srgbClr val="7030A0"/>
+              </a:solidFill>
+            </a:endParaRPr>
+          </a:p>
+        </p:txBody>
+      </p:sp>
       <p:cxnSp>
         <p:nvCxnSpPr>
-          <p:cNvPr id="50" name="Elbow Connector 49"/>
+          <p:cNvPr id="53" name="Elbow Connector 78">
+            <a:extLst>
+              <a:ext uri="{FF2B5EF4-FFF2-40B4-BE49-F238E27FC236}">
+                <a16:creationId xmlns:a16="http://schemas.microsoft.com/office/drawing/2014/main" id="{B97967F8-618A-448B-81FD-CDFD4AF0EC64}"/>
+              </a:ext>
+            </a:extLst>
+          </p:cNvPr>
           <p:cNvCxnSpPr>
-            <a:stCxn id="62" idx="0"/>
-            <a:endCxn id="57" idx="3"/>
+            <a:cxnSpLocks/>
+            <a:stCxn id="78" idx="3"/>
+            <a:endCxn id="52" idx="1"/>
           </p:cNvCxnSpPr>
           <p:nvPr/>
         </p:nvCxnSpPr>
         <p:spPr>
-          <a:xfrm rot="16200000" flipV="1">
-            <a:off x="5948976" y="2139271"/>
-            <a:ext cx="404117" cy="1033473"/>
-          </a:xfrm>
-          <a:prstGeom prst="bentConnector2">
+          <a:xfrm flipV="1">
+            <a:off x="7277995" y="2388935"/>
+            <a:ext cx="434402" cy="645956"/>
+          </a:xfrm>
+          <a:prstGeom prst="bentConnector3">
             <a:avLst/>
           </a:prstGeom>
           <a:ln w="19050">
@@ -5441,318 +5434,6 @@
           </a:fontRef>
         </p:style>
       </p:cxnSp>
-      <p:sp>
-        <p:nvSpPr>
-          <p:cNvPr id="11" name="TextBox 10"/>
-          <p:cNvSpPr txBox="1"/>
-          <p:nvPr/>
-        </p:nvSpPr>
-        <p:spPr>
-          <a:xfrm>
-            <a:off x="4324972" y="2191228"/>
-            <a:ext cx="189257" cy="178683"/>
-          </a:xfrm>
-          <a:prstGeom prst="rect">
-            <a:avLst/>
-          </a:prstGeom>
-          <a:noFill/>
-        </p:spPr>
-        <p:txBody>
-          <a:bodyPr wrap="square" lIns="0" tIns="0" rIns="0" bIns="0" rtlCol="0">
-            <a:noAutofit/>
-          </a:bodyPr>
-          <a:lstStyle/>
-          <a:p>
-            <a:pPr algn="ctr"/>
-            <a:r>
-              <a:rPr lang="en-US" sz="1100" dirty="0" smtClean="0">
-                <a:solidFill>
-                  <a:srgbClr val="7030A0"/>
-                </a:solidFill>
-              </a:rPr>
-              <a:t>1</a:t>
-            </a:r>
-            <a:endParaRPr lang="en-SG" sz="1100" dirty="0">
-              <a:solidFill>
-                <a:srgbClr val="7030A0"/>
-              </a:solidFill>
-            </a:endParaRPr>
-          </a:p>
-        </p:txBody>
-      </p:sp>
-      <p:sp>
-        <p:nvSpPr>
-          <p:cNvPr id="54" name="TextBox 53"/>
-          <p:cNvSpPr txBox="1"/>
-          <p:nvPr/>
-        </p:nvSpPr>
-        <p:spPr>
-          <a:xfrm>
-            <a:off x="4324972" y="3058864"/>
-            <a:ext cx="189257" cy="178683"/>
-          </a:xfrm>
-          <a:prstGeom prst="rect">
-            <a:avLst/>
-          </a:prstGeom>
-          <a:noFill/>
-        </p:spPr>
-        <p:txBody>
-          <a:bodyPr wrap="square" lIns="0" tIns="0" rIns="0" bIns="0" rtlCol="0">
-            <a:noAutofit/>
-          </a:bodyPr>
-          <a:lstStyle/>
-          <a:p>
-            <a:pPr algn="ctr"/>
-            <a:r>
-              <a:rPr lang="en-US" sz="1100" dirty="0" smtClean="0">
-                <a:solidFill>
-                  <a:srgbClr val="7030A0"/>
-                </a:solidFill>
-              </a:rPr>
-              <a:t>1</a:t>
-            </a:r>
-            <a:endParaRPr lang="en-SG" sz="1100" dirty="0">
-              <a:solidFill>
-                <a:srgbClr val="7030A0"/>
-              </a:solidFill>
-            </a:endParaRPr>
-          </a:p>
-        </p:txBody>
-      </p:sp>
-      <p:sp>
-        <p:nvSpPr>
-          <p:cNvPr id="56" name="TextBox 55"/>
-          <p:cNvSpPr txBox="1"/>
-          <p:nvPr/>
-        </p:nvSpPr>
-        <p:spPr>
-          <a:xfrm>
-            <a:off x="5689761" y="2495413"/>
-            <a:ext cx="189257" cy="178683"/>
-          </a:xfrm>
-          <a:prstGeom prst="rect">
-            <a:avLst/>
-          </a:prstGeom>
-          <a:noFill/>
-        </p:spPr>
-        <p:txBody>
-          <a:bodyPr wrap="square" lIns="0" tIns="0" rIns="0" bIns="0" rtlCol="0">
-            <a:noAutofit/>
-          </a:bodyPr>
-          <a:lstStyle/>
-          <a:p>
-            <a:pPr algn="ctr"/>
-            <a:r>
-              <a:rPr lang="en-US" sz="1100" dirty="0" smtClean="0">
-                <a:solidFill>
-                  <a:srgbClr val="7030A0"/>
-                </a:solidFill>
-              </a:rPr>
-              <a:t>1</a:t>
-            </a:r>
-            <a:endParaRPr lang="en-SG" sz="1100" dirty="0">
-              <a:solidFill>
-                <a:srgbClr val="7030A0"/>
-              </a:solidFill>
-            </a:endParaRPr>
-          </a:p>
-        </p:txBody>
-      </p:sp>
-      <p:sp>
-        <p:nvSpPr>
-          <p:cNvPr id="60" name="TextBox 59"/>
-          <p:cNvSpPr txBox="1"/>
-          <p:nvPr/>
-        </p:nvSpPr>
-        <p:spPr>
-          <a:xfrm>
-            <a:off x="5163172" y="1778919"/>
-            <a:ext cx="189257" cy="178683"/>
-          </a:xfrm>
-          <a:prstGeom prst="rect">
-            <a:avLst/>
-          </a:prstGeom>
-          <a:noFill/>
-        </p:spPr>
-        <p:txBody>
-          <a:bodyPr wrap="square" lIns="0" tIns="0" rIns="0" bIns="0" rtlCol="0">
-            <a:noAutofit/>
-          </a:bodyPr>
-          <a:lstStyle/>
-          <a:p>
-            <a:pPr algn="ctr"/>
-            <a:r>
-              <a:rPr lang="en-US" sz="1100" dirty="0" smtClean="0">
-                <a:solidFill>
-                  <a:srgbClr val="7030A0"/>
-                </a:solidFill>
-              </a:rPr>
-              <a:t>*</a:t>
-            </a:r>
-            <a:endParaRPr lang="en-SG" sz="1100" dirty="0">
-              <a:solidFill>
-                <a:srgbClr val="7030A0"/>
-              </a:solidFill>
-            </a:endParaRPr>
-          </a:p>
-        </p:txBody>
-      </p:sp>
-      <p:sp>
-        <p:nvSpPr>
-          <p:cNvPr id="61" name="TextBox 60"/>
-          <p:cNvSpPr txBox="1"/>
-          <p:nvPr/>
-        </p:nvSpPr>
-        <p:spPr>
-          <a:xfrm>
-            <a:off x="6135256" y="3097917"/>
-            <a:ext cx="189257" cy="178683"/>
-          </a:xfrm>
-          <a:prstGeom prst="rect">
-            <a:avLst/>
-          </a:prstGeom>
-          <a:noFill/>
-        </p:spPr>
-        <p:txBody>
-          <a:bodyPr wrap="square" lIns="0" tIns="0" rIns="0" bIns="0" rtlCol="0">
-            <a:noAutofit/>
-          </a:bodyPr>
-          <a:lstStyle/>
-          <a:p>
-            <a:pPr algn="ctr"/>
-            <a:r>
-              <a:rPr lang="en-US" sz="1100" dirty="0" smtClean="0">
-                <a:solidFill>
-                  <a:srgbClr val="7030A0"/>
-                </a:solidFill>
-              </a:rPr>
-              <a:t>*</a:t>
-            </a:r>
-            <a:endParaRPr lang="en-SG" sz="1100" dirty="0">
-              <a:solidFill>
-                <a:srgbClr val="7030A0"/>
-              </a:solidFill>
-            </a:endParaRPr>
-          </a:p>
-        </p:txBody>
-      </p:sp>
-      <p:sp>
-        <p:nvSpPr>
-          <p:cNvPr id="65" name="TextBox 64"/>
-          <p:cNvSpPr txBox="1"/>
-          <p:nvPr/>
-        </p:nvSpPr>
-        <p:spPr>
-          <a:xfrm>
-            <a:off x="2687923" y="2564238"/>
-            <a:ext cx="189257" cy="178683"/>
-          </a:xfrm>
-          <a:prstGeom prst="rect">
-            <a:avLst/>
-          </a:prstGeom>
-          <a:noFill/>
-        </p:spPr>
-        <p:txBody>
-          <a:bodyPr wrap="square" lIns="0" tIns="0" rIns="0" bIns="0" rtlCol="0">
-            <a:noAutofit/>
-          </a:bodyPr>
-          <a:lstStyle/>
-          <a:p>
-            <a:pPr algn="ctr"/>
-            <a:r>
-              <a:rPr lang="en-US" sz="1100" dirty="0" smtClean="0">
-                <a:solidFill>
-                  <a:srgbClr val="7030A0"/>
-                </a:solidFill>
-              </a:rPr>
-              <a:t>1</a:t>
-            </a:r>
-            <a:endParaRPr lang="en-SG" sz="1100" dirty="0">
-              <a:solidFill>
-                <a:srgbClr val="7030A0"/>
-              </a:solidFill>
-            </a:endParaRPr>
-          </a:p>
-        </p:txBody>
-      </p:sp>
-      <p:sp>
-        <p:nvSpPr>
-          <p:cNvPr id="66" name="TextBox 65"/>
-          <p:cNvSpPr txBox="1"/>
-          <p:nvPr/>
-        </p:nvSpPr>
-        <p:spPr>
-          <a:xfrm>
-            <a:off x="2656370" y="3386050"/>
-            <a:ext cx="189257" cy="178683"/>
-          </a:xfrm>
-          <a:prstGeom prst="rect">
-            <a:avLst/>
-          </a:prstGeom>
-          <a:noFill/>
-        </p:spPr>
-        <p:txBody>
-          <a:bodyPr wrap="square" lIns="0" tIns="0" rIns="0" bIns="0" rtlCol="0">
-            <a:noAutofit/>
-          </a:bodyPr>
-          <a:lstStyle/>
-          <a:p>
-            <a:pPr algn="ctr"/>
-            <a:r>
-              <a:rPr lang="en-US" sz="1100" dirty="0" smtClean="0">
-                <a:solidFill>
-                  <a:srgbClr val="7030A0"/>
-                </a:solidFill>
-              </a:rPr>
-              <a:t>1</a:t>
-            </a:r>
-            <a:endParaRPr lang="en-SG" sz="1100" dirty="0">
-              <a:solidFill>
-                <a:srgbClr val="7030A0"/>
-              </a:solidFill>
-            </a:endParaRPr>
-          </a:p>
-        </p:txBody>
-      </p:sp>
-      <p:sp>
-        <p:nvSpPr>
-          <p:cNvPr id="70" name="TextBox 69"/>
-          <p:cNvSpPr txBox="1"/>
-          <p:nvPr/>
-        </p:nvSpPr>
-        <p:spPr>
-          <a:xfrm>
-            <a:off x="6667770" y="3210194"/>
-            <a:ext cx="189257" cy="178683"/>
-          </a:xfrm>
-          <a:prstGeom prst="rect">
-            <a:avLst/>
-          </a:prstGeom>
-          <a:noFill/>
-        </p:spPr>
-        <p:txBody>
-          <a:bodyPr wrap="square" lIns="0" tIns="0" rIns="0" bIns="0" rtlCol="0">
-            <a:noAutofit/>
-          </a:bodyPr>
-          <a:lstStyle/>
-          <a:p>
-            <a:pPr algn="ctr"/>
-            <a:r>
-              <a:rPr lang="en-US" sz="1100" dirty="0" smtClean="0">
-                <a:solidFill>
-                  <a:srgbClr val="7030A0"/>
-                </a:solidFill>
-              </a:rPr>
-              <a:t>1</a:t>
-            </a:r>
-            <a:endParaRPr lang="en-SG" sz="1100" dirty="0">
-              <a:solidFill>
-                <a:srgbClr val="7030A0"/>
-              </a:solidFill>
-            </a:endParaRPr>
-          </a:p>
-        </p:txBody>
-      </p:sp>
     </p:spTree>
     <p:extLst>
       <p:ext uri="{BB962C8B-B14F-4D97-AF65-F5344CB8AC3E}">
@@ -5763,13 +5444,6 @@
   <p:clrMapOvr>
     <a:masterClrMapping/>
   </p:clrMapOvr>
-  <p:timing>
-    <p:tnLst>
-      <p:par>
-        <p:cTn id="1" dur="indefinite" restart="never" nodeType="tmRoot"/>
-      </p:par>
-    </p:tnLst>
-  </p:timing>
 </p:sld>
 </file>
 

--- a/docs/diagrams/ModelComponentClassDiagram.pptx
+++ b/docs/diagrams/ModelComponentClassDiagram.pptx
@@ -208,7 +208,7 @@
           <a:p>
             <a:fld id="{F5CC4B3F-88C1-4FFA-B1B6-F41C21DC6924}" type="datetimeFigureOut">
               <a:rPr lang="en-US" smtClean="0"/>
-              <a:t>2/22/2018</a:t>
+              <a:t>3/8/2018</a:t>
             </a:fld>
             <a:endParaRPr lang="en-US"/>
           </a:p>
@@ -654,7 +654,7 @@
           <a:p>
             <a:fld id="{78C97017-6FC3-485B-9764-EAC9E56C1D49}" type="datetimeFigureOut">
               <a:rPr lang="en-US" smtClean="0"/>
-              <a:t>2/22/2018</a:t>
+              <a:t>3/8/2018</a:t>
             </a:fld>
             <a:endParaRPr lang="en-US"/>
           </a:p>
@@ -822,7 +822,7 @@
           <a:p>
             <a:fld id="{78C97017-6FC3-485B-9764-EAC9E56C1D49}" type="datetimeFigureOut">
               <a:rPr lang="en-US" smtClean="0"/>
-              <a:t>2/22/2018</a:t>
+              <a:t>3/8/2018</a:t>
             </a:fld>
             <a:endParaRPr lang="en-US"/>
           </a:p>
@@ -1000,7 +1000,7 @@
           <a:p>
             <a:fld id="{78C97017-6FC3-485B-9764-EAC9E56C1D49}" type="datetimeFigureOut">
               <a:rPr lang="en-US" smtClean="0"/>
-              <a:t>2/22/2018</a:t>
+              <a:t>3/8/2018</a:t>
             </a:fld>
             <a:endParaRPr lang="en-US"/>
           </a:p>
@@ -1168,7 +1168,7 @@
           <a:p>
             <a:fld id="{78C97017-6FC3-485B-9764-EAC9E56C1D49}" type="datetimeFigureOut">
               <a:rPr lang="en-US" smtClean="0"/>
-              <a:t>2/22/2018</a:t>
+              <a:t>3/8/2018</a:t>
             </a:fld>
             <a:endParaRPr lang="en-US"/>
           </a:p>
@@ -1413,7 +1413,7 @@
           <a:p>
             <a:fld id="{78C97017-6FC3-485B-9764-EAC9E56C1D49}" type="datetimeFigureOut">
               <a:rPr lang="en-US" smtClean="0"/>
-              <a:t>2/22/2018</a:t>
+              <a:t>3/8/2018</a:t>
             </a:fld>
             <a:endParaRPr lang="en-US"/>
           </a:p>
@@ -1698,7 +1698,7 @@
           <a:p>
             <a:fld id="{78C97017-6FC3-485B-9764-EAC9E56C1D49}" type="datetimeFigureOut">
               <a:rPr lang="en-US" smtClean="0"/>
-              <a:t>2/22/2018</a:t>
+              <a:t>3/8/2018</a:t>
             </a:fld>
             <a:endParaRPr lang="en-US"/>
           </a:p>
@@ -2117,7 +2117,7 @@
           <a:p>
             <a:fld id="{78C97017-6FC3-485B-9764-EAC9E56C1D49}" type="datetimeFigureOut">
               <a:rPr lang="en-US" smtClean="0"/>
-              <a:t>2/22/2018</a:t>
+              <a:t>3/8/2018</a:t>
             </a:fld>
             <a:endParaRPr lang="en-US"/>
           </a:p>
@@ -2234,7 +2234,7 @@
           <a:p>
             <a:fld id="{78C97017-6FC3-485B-9764-EAC9E56C1D49}" type="datetimeFigureOut">
               <a:rPr lang="en-US" smtClean="0"/>
-              <a:t>2/22/2018</a:t>
+              <a:t>3/8/2018</a:t>
             </a:fld>
             <a:endParaRPr lang="en-US"/>
           </a:p>
@@ -2329,7 +2329,7 @@
           <a:p>
             <a:fld id="{78C97017-6FC3-485B-9764-EAC9E56C1D49}" type="datetimeFigureOut">
               <a:rPr lang="en-US" smtClean="0"/>
-              <a:t>2/22/2018</a:t>
+              <a:t>3/8/2018</a:t>
             </a:fld>
             <a:endParaRPr lang="en-US"/>
           </a:p>
@@ -2604,7 +2604,7 @@
           <a:p>
             <a:fld id="{78C97017-6FC3-485B-9764-EAC9E56C1D49}" type="datetimeFigureOut">
               <a:rPr lang="en-US" smtClean="0"/>
-              <a:t>2/22/2018</a:t>
+              <a:t>3/8/2018</a:t>
             </a:fld>
             <a:endParaRPr lang="en-US"/>
           </a:p>
@@ -2856,7 +2856,7 @@
           <a:p>
             <a:fld id="{78C97017-6FC3-485B-9764-EAC9E56C1D49}" type="datetimeFigureOut">
               <a:rPr lang="en-US" smtClean="0"/>
-              <a:t>2/22/2018</a:t>
+              <a:t>3/8/2018</a:t>
             </a:fld>
             <a:endParaRPr lang="en-US"/>
           </a:p>
@@ -3067,7 +3067,7 @@
           <a:p>
             <a:fld id="{78C97017-6FC3-485B-9764-EAC9E56C1D49}" type="datetimeFigureOut">
               <a:rPr lang="en-US" smtClean="0"/>
-              <a:t>2/22/2018</a:t>
+              <a:t>3/8/2018</a:t>
             </a:fld>
             <a:endParaRPr lang="en-US"/>
           </a:p>
@@ -5338,7 +5338,7 @@
         </p:nvSpPr>
         <p:spPr>
           <a:xfrm>
-            <a:off x="7712397" y="2246043"/>
+            <a:off x="7712397" y="1981200"/>
             <a:ext cx="708186" cy="285783"/>
           </a:xfrm>
           <a:prstGeom prst="rect">
@@ -5371,12 +5371,12 @@
           <a:p>
             <a:pPr algn="ctr"/>
             <a:r>
-              <a:rPr lang="en-US" sz="1050" dirty="0" err="1">
+              <a:rPr lang="en-US" sz="1050" dirty="0">
                 <a:solidFill>
                   <a:srgbClr val="7030A0"/>
                 </a:solidFill>
               </a:rPr>
-              <a:t>TagList</a:t>
+              <a:t>Tag</a:t>
             </a:r>
             <a:endParaRPr lang="en-SG" sz="1050" dirty="0">
               <a:solidFill>
@@ -5397,17 +5397,17 @@
           </p:cNvPr>
           <p:cNvCxnSpPr>
             <a:cxnSpLocks/>
-            <a:stCxn id="78" idx="3"/>
+            <a:stCxn id="44" idx="3"/>
             <a:endCxn id="52" idx="1"/>
           </p:cNvCxnSpPr>
           <p:nvPr/>
         </p:nvCxnSpPr>
         <p:spPr>
-          <a:xfrm flipV="1">
-            <a:off x="7277995" y="2388935"/>
-            <a:ext cx="434402" cy="645956"/>
-          </a:xfrm>
-          <a:prstGeom prst="bentConnector3">
+          <a:xfrm rot="5400000" flipH="1" flipV="1">
+            <a:off x="6943794" y="1848069"/>
+            <a:ext cx="492579" cy="1044627"/>
+          </a:xfrm>
+          <a:prstGeom prst="bentConnector2">
             <a:avLst/>
           </a:prstGeom>
           <a:ln w="19050">
@@ -5434,6 +5434,102 @@
           </a:fontRef>
         </p:style>
       </p:cxnSp>
+      <p:sp>
+        <p:nvSpPr>
+          <p:cNvPr id="44" name="Flowchart: Decision 96">
+            <a:extLst>
+              <a:ext uri="{FF2B5EF4-FFF2-40B4-BE49-F238E27FC236}">
+                <a16:creationId xmlns:a16="http://schemas.microsoft.com/office/drawing/2014/main" id="{A8F49AA1-AD12-4E5D-AAFE-3A4F4FB878D9}"/>
+              </a:ext>
+            </a:extLst>
+          </p:cNvPr>
+          <p:cNvSpPr/>
+          <p:nvPr/>
+        </p:nvSpPr>
+        <p:spPr>
+          <a:xfrm rot="16200000">
+            <a:off x="6549746" y="2648005"/>
+            <a:ext cx="236048" cy="173380"/>
+          </a:xfrm>
+          <a:prstGeom prst="flowChartDecision">
+            <a:avLst/>
+          </a:prstGeom>
+          <a:noFill/>
+          <a:ln w="19050">
+            <a:solidFill>
+              <a:srgbClr val="7030A0"/>
+            </a:solidFill>
+          </a:ln>
+          <a:effectLst/>
+        </p:spPr>
+        <p:style>
+          <a:lnRef idx="1">
+            <a:schemeClr val="accent6"/>
+          </a:lnRef>
+          <a:fillRef idx="2">
+            <a:schemeClr val="accent6"/>
+          </a:fillRef>
+          <a:effectRef idx="1">
+            <a:schemeClr val="accent6"/>
+          </a:effectRef>
+          <a:fontRef idx="minor">
+            <a:schemeClr val="dk1"/>
+          </a:fontRef>
+        </p:style>
+        <p:txBody>
+          <a:bodyPr rtlCol="0" anchor="ctr"/>
+          <a:lstStyle/>
+          <a:p>
+            <a:pPr algn="ctr"/>
+            <a:endParaRPr lang="en-US" sz="1050"/>
+          </a:p>
+        </p:txBody>
+      </p:sp>
+      <p:sp>
+        <p:nvSpPr>
+          <p:cNvPr id="50" name="TextBox 49">
+            <a:extLst>
+              <a:ext uri="{FF2B5EF4-FFF2-40B4-BE49-F238E27FC236}">
+                <a16:creationId xmlns:a16="http://schemas.microsoft.com/office/drawing/2014/main" id="{B3FA9D57-880F-49C4-AD0B-A64E30D6F403}"/>
+              </a:ext>
+            </a:extLst>
+          </p:cNvPr>
+          <p:cNvSpPr txBox="1"/>
+          <p:nvPr/>
+        </p:nvSpPr>
+        <p:spPr>
+          <a:xfrm>
+            <a:off x="7452601" y="2133600"/>
+            <a:ext cx="189257" cy="178683"/>
+          </a:xfrm>
+          <a:prstGeom prst="rect">
+            <a:avLst/>
+          </a:prstGeom>
+          <a:noFill/>
+        </p:spPr>
+        <p:txBody>
+          <a:bodyPr wrap="square" lIns="0" tIns="0" rIns="0" bIns="0" rtlCol="0">
+            <a:noAutofit/>
+          </a:bodyPr>
+          <a:lstStyle/>
+          <a:p>
+            <a:pPr algn="ctr"/>
+            <a:r>
+              <a:rPr lang="en-US" sz="1100" dirty="0">
+                <a:solidFill>
+                  <a:srgbClr val="7030A0"/>
+                </a:solidFill>
+              </a:rPr>
+              <a:t>*</a:t>
+            </a:r>
+            <a:endParaRPr lang="en-SG" sz="1100" dirty="0">
+              <a:solidFill>
+                <a:srgbClr val="7030A0"/>
+              </a:solidFill>
+            </a:endParaRPr>
+          </a:p>
+        </p:txBody>
+      </p:sp>
     </p:spTree>
     <p:extLst>
       <p:ext uri="{BB962C8B-B14F-4D97-AF65-F5344CB8AC3E}">

--- a/docs/diagrams/ModelComponentClassDiagram.pptx
+++ b/docs/diagrams/ModelComponentClassDiagram.pptx
@@ -208,7 +208,7 @@
           <a:p>
             <a:fld id="{F5CC4B3F-88C1-4FFA-B1B6-F41C21DC6924}" type="datetimeFigureOut">
               <a:rPr lang="en-US" smtClean="0"/>
-              <a:t>1/1/18</a:t>
+              <a:t>3/8/2018</a:t>
             </a:fld>
             <a:endParaRPr lang="en-US"/>
           </a:p>
@@ -272,38 +272,37 @@
           <a:p>
             <a:pPr lvl="0"/>
             <a:r>
-              <a:rPr lang="en-US" smtClean="0"/>
+              <a:rPr lang="en-US"/>
               <a:t>Click to edit Master text styles</a:t>
             </a:r>
           </a:p>
           <a:p>
             <a:pPr lvl="1"/>
             <a:r>
-              <a:rPr lang="en-US" smtClean="0"/>
+              <a:rPr lang="en-US"/>
               <a:t>Second level</a:t>
             </a:r>
           </a:p>
           <a:p>
             <a:pPr lvl="2"/>
             <a:r>
-              <a:rPr lang="en-US" smtClean="0"/>
+              <a:rPr lang="en-US"/>
               <a:t>Third level</a:t>
             </a:r>
           </a:p>
           <a:p>
             <a:pPr lvl="3"/>
             <a:r>
-              <a:rPr lang="en-US" smtClean="0"/>
+              <a:rPr lang="en-US"/>
               <a:t>Fourth level</a:t>
             </a:r>
           </a:p>
           <a:p>
             <a:pPr lvl="4"/>
             <a:r>
-              <a:rPr lang="en-US" smtClean="0"/>
+              <a:rPr lang="en-US"/>
               <a:t>Fifth level</a:t>
             </a:r>
-            <a:endParaRPr lang="en-US"/>
           </a:p>
         </p:txBody>
       </p:sp>
@@ -514,10 +513,9 @@
           <a:lstStyle/>
           <a:p>
             <a:r>
-              <a:rPr lang="en-US" smtClean="0"/>
+              <a:rPr lang="en-US"/>
               <a:t>Click to edit Master title style</a:t>
             </a:r>
-            <a:endParaRPr lang="en-US"/>
           </a:p>
         </p:txBody>
       </p:sp>
@@ -633,10 +631,9 @@
           </a:lstStyle>
           <a:p>
             <a:r>
-              <a:rPr lang="en-US" smtClean="0"/>
+              <a:rPr lang="en-US"/>
               <a:t>Click to edit Master subtitle style</a:t>
             </a:r>
-            <a:endParaRPr lang="en-US"/>
           </a:p>
         </p:txBody>
       </p:sp>
@@ -657,7 +654,7 @@
           <a:p>
             <a:fld id="{78C97017-6FC3-485B-9764-EAC9E56C1D49}" type="datetimeFigureOut">
               <a:rPr lang="en-US" smtClean="0"/>
-              <a:t>1/1/18</a:t>
+              <a:t>3/8/2018</a:t>
             </a:fld>
             <a:endParaRPr lang="en-US"/>
           </a:p>
@@ -751,10 +748,9 @@
           <a:lstStyle/>
           <a:p>
             <a:r>
-              <a:rPr lang="en-US" smtClean="0"/>
+              <a:rPr lang="en-US"/>
               <a:t>Click to edit Master title style</a:t>
             </a:r>
-            <a:endParaRPr lang="en-US"/>
           </a:p>
         </p:txBody>
       </p:sp>
@@ -775,38 +771,37 @@
           <a:p>
             <a:pPr lvl="0"/>
             <a:r>
-              <a:rPr lang="en-US" smtClean="0"/>
+              <a:rPr lang="en-US"/>
               <a:t>Click to edit Master text styles</a:t>
             </a:r>
           </a:p>
           <a:p>
             <a:pPr lvl="1"/>
             <a:r>
-              <a:rPr lang="en-US" smtClean="0"/>
+              <a:rPr lang="en-US"/>
               <a:t>Second level</a:t>
             </a:r>
           </a:p>
           <a:p>
             <a:pPr lvl="2"/>
             <a:r>
-              <a:rPr lang="en-US" smtClean="0"/>
+              <a:rPr lang="en-US"/>
               <a:t>Third level</a:t>
             </a:r>
           </a:p>
           <a:p>
             <a:pPr lvl="3"/>
             <a:r>
-              <a:rPr lang="en-US" smtClean="0"/>
+              <a:rPr lang="en-US"/>
               <a:t>Fourth level</a:t>
             </a:r>
           </a:p>
           <a:p>
             <a:pPr lvl="4"/>
             <a:r>
-              <a:rPr lang="en-US" smtClean="0"/>
+              <a:rPr lang="en-US"/>
               <a:t>Fifth level</a:t>
             </a:r>
-            <a:endParaRPr lang="en-US"/>
           </a:p>
         </p:txBody>
       </p:sp>
@@ -827,7 +822,7 @@
           <a:p>
             <a:fld id="{78C97017-6FC3-485B-9764-EAC9E56C1D49}" type="datetimeFigureOut">
               <a:rPr lang="en-US" smtClean="0"/>
-              <a:t>1/1/18</a:t>
+              <a:t>3/8/2018</a:t>
             </a:fld>
             <a:endParaRPr lang="en-US"/>
           </a:p>
@@ -926,10 +921,9 @@
           <a:lstStyle/>
           <a:p>
             <a:r>
-              <a:rPr lang="en-US" smtClean="0"/>
+              <a:rPr lang="en-US"/>
               <a:t>Click to edit Master title style</a:t>
             </a:r>
-            <a:endParaRPr lang="en-US"/>
           </a:p>
         </p:txBody>
       </p:sp>
@@ -955,38 +949,37 @@
           <a:p>
             <a:pPr lvl="0"/>
             <a:r>
-              <a:rPr lang="en-US" smtClean="0"/>
+              <a:rPr lang="en-US"/>
               <a:t>Click to edit Master text styles</a:t>
             </a:r>
           </a:p>
           <a:p>
             <a:pPr lvl="1"/>
             <a:r>
-              <a:rPr lang="en-US" smtClean="0"/>
+              <a:rPr lang="en-US"/>
               <a:t>Second level</a:t>
             </a:r>
           </a:p>
           <a:p>
             <a:pPr lvl="2"/>
             <a:r>
-              <a:rPr lang="en-US" smtClean="0"/>
+              <a:rPr lang="en-US"/>
               <a:t>Third level</a:t>
             </a:r>
           </a:p>
           <a:p>
             <a:pPr lvl="3"/>
             <a:r>
-              <a:rPr lang="en-US" smtClean="0"/>
+              <a:rPr lang="en-US"/>
               <a:t>Fourth level</a:t>
             </a:r>
           </a:p>
           <a:p>
             <a:pPr lvl="4"/>
             <a:r>
-              <a:rPr lang="en-US" smtClean="0"/>
+              <a:rPr lang="en-US"/>
               <a:t>Fifth level</a:t>
             </a:r>
-            <a:endParaRPr lang="en-US"/>
           </a:p>
         </p:txBody>
       </p:sp>
@@ -1007,7 +1000,7 @@
           <a:p>
             <a:fld id="{78C97017-6FC3-485B-9764-EAC9E56C1D49}" type="datetimeFigureOut">
               <a:rPr lang="en-US" smtClean="0"/>
-              <a:t>1/1/18</a:t>
+              <a:t>3/8/2018</a:t>
             </a:fld>
             <a:endParaRPr lang="en-US"/>
           </a:p>
@@ -1101,10 +1094,9 @@
           <a:lstStyle/>
           <a:p>
             <a:r>
-              <a:rPr lang="en-US" smtClean="0"/>
+              <a:rPr lang="en-US"/>
               <a:t>Click to edit Master title style</a:t>
             </a:r>
-            <a:endParaRPr lang="en-US"/>
           </a:p>
         </p:txBody>
       </p:sp>
@@ -1125,38 +1117,37 @@
           <a:p>
             <a:pPr lvl="0"/>
             <a:r>
-              <a:rPr lang="en-US" smtClean="0"/>
+              <a:rPr lang="en-US"/>
               <a:t>Click to edit Master text styles</a:t>
             </a:r>
           </a:p>
           <a:p>
             <a:pPr lvl="1"/>
             <a:r>
-              <a:rPr lang="en-US" smtClean="0"/>
+              <a:rPr lang="en-US"/>
               <a:t>Second level</a:t>
             </a:r>
           </a:p>
           <a:p>
             <a:pPr lvl="2"/>
             <a:r>
-              <a:rPr lang="en-US" smtClean="0"/>
+              <a:rPr lang="en-US"/>
               <a:t>Third level</a:t>
             </a:r>
           </a:p>
           <a:p>
             <a:pPr lvl="3"/>
             <a:r>
-              <a:rPr lang="en-US" smtClean="0"/>
+              <a:rPr lang="en-US"/>
               <a:t>Fourth level</a:t>
             </a:r>
           </a:p>
           <a:p>
             <a:pPr lvl="4"/>
             <a:r>
-              <a:rPr lang="en-US" smtClean="0"/>
+              <a:rPr lang="en-US"/>
               <a:t>Fifth level</a:t>
             </a:r>
-            <a:endParaRPr lang="en-US"/>
           </a:p>
         </p:txBody>
       </p:sp>
@@ -1177,7 +1168,7 @@
           <a:p>
             <a:fld id="{78C97017-6FC3-485B-9764-EAC9E56C1D49}" type="datetimeFigureOut">
               <a:rPr lang="en-US" smtClean="0"/>
-              <a:t>1/1/18</a:t>
+              <a:t>3/8/2018</a:t>
             </a:fld>
             <a:endParaRPr lang="en-US"/>
           </a:p>
@@ -1280,10 +1271,9 @@
           </a:lstStyle>
           <a:p>
             <a:r>
-              <a:rPr lang="en-US" smtClean="0"/>
+              <a:rPr lang="en-US"/>
               <a:t>Click to edit Master title style</a:t>
             </a:r>
-            <a:endParaRPr lang="en-US"/>
           </a:p>
         </p:txBody>
       </p:sp>
@@ -1400,7 +1390,7 @@
           <a:p>
             <a:pPr lvl="0"/>
             <a:r>
-              <a:rPr lang="en-US" smtClean="0"/>
+              <a:rPr lang="en-US"/>
               <a:t>Click to edit Master text styles</a:t>
             </a:r>
           </a:p>
@@ -1423,7 +1413,7 @@
           <a:p>
             <a:fld id="{78C97017-6FC3-485B-9764-EAC9E56C1D49}" type="datetimeFigureOut">
               <a:rPr lang="en-US" smtClean="0"/>
-              <a:t>1/1/18</a:t>
+              <a:t>3/8/2018</a:t>
             </a:fld>
             <a:endParaRPr lang="en-US"/>
           </a:p>
@@ -1517,10 +1507,9 @@
           <a:lstStyle/>
           <a:p>
             <a:r>
-              <a:rPr lang="en-US" smtClean="0"/>
+              <a:rPr lang="en-US"/>
               <a:t>Click to edit Master title style</a:t>
             </a:r>
-            <a:endParaRPr lang="en-US"/>
           </a:p>
         </p:txBody>
       </p:sp>
@@ -1574,38 +1563,37 @@
           <a:p>
             <a:pPr lvl="0"/>
             <a:r>
-              <a:rPr lang="en-US" smtClean="0"/>
+              <a:rPr lang="en-US"/>
               <a:t>Click to edit Master text styles</a:t>
             </a:r>
           </a:p>
           <a:p>
             <a:pPr lvl="1"/>
             <a:r>
-              <a:rPr lang="en-US" smtClean="0"/>
+              <a:rPr lang="en-US"/>
               <a:t>Second level</a:t>
             </a:r>
           </a:p>
           <a:p>
             <a:pPr lvl="2"/>
             <a:r>
-              <a:rPr lang="en-US" smtClean="0"/>
+              <a:rPr lang="en-US"/>
               <a:t>Third level</a:t>
             </a:r>
           </a:p>
           <a:p>
             <a:pPr lvl="3"/>
             <a:r>
-              <a:rPr lang="en-US" smtClean="0"/>
+              <a:rPr lang="en-US"/>
               <a:t>Fourth level</a:t>
             </a:r>
           </a:p>
           <a:p>
             <a:pPr lvl="4"/>
             <a:r>
-              <a:rPr lang="en-US" smtClean="0"/>
+              <a:rPr lang="en-US"/>
               <a:t>Fifth level</a:t>
             </a:r>
-            <a:endParaRPr lang="en-US"/>
           </a:p>
         </p:txBody>
       </p:sp>
@@ -1659,38 +1647,37 @@
           <a:p>
             <a:pPr lvl="0"/>
             <a:r>
-              <a:rPr lang="en-US" smtClean="0"/>
+              <a:rPr lang="en-US"/>
               <a:t>Click to edit Master text styles</a:t>
             </a:r>
           </a:p>
           <a:p>
             <a:pPr lvl="1"/>
             <a:r>
-              <a:rPr lang="en-US" smtClean="0"/>
+              <a:rPr lang="en-US"/>
               <a:t>Second level</a:t>
             </a:r>
           </a:p>
           <a:p>
             <a:pPr lvl="2"/>
             <a:r>
-              <a:rPr lang="en-US" smtClean="0"/>
+              <a:rPr lang="en-US"/>
               <a:t>Third level</a:t>
             </a:r>
           </a:p>
           <a:p>
             <a:pPr lvl="3"/>
             <a:r>
-              <a:rPr lang="en-US" smtClean="0"/>
+              <a:rPr lang="en-US"/>
               <a:t>Fourth level</a:t>
             </a:r>
           </a:p>
           <a:p>
             <a:pPr lvl="4"/>
             <a:r>
-              <a:rPr lang="en-US" smtClean="0"/>
+              <a:rPr lang="en-US"/>
               <a:t>Fifth level</a:t>
             </a:r>
-            <a:endParaRPr lang="en-US"/>
           </a:p>
         </p:txBody>
       </p:sp>
@@ -1711,7 +1698,7 @@
           <a:p>
             <a:fld id="{78C97017-6FC3-485B-9764-EAC9E56C1D49}" type="datetimeFigureOut">
               <a:rPr lang="en-US" smtClean="0"/>
-              <a:t>1/1/18</a:t>
+              <a:t>3/8/2018</a:t>
             </a:fld>
             <a:endParaRPr lang="en-US"/>
           </a:p>
@@ -1809,10 +1796,9 @@
           </a:lstStyle>
           <a:p>
             <a:r>
-              <a:rPr lang="en-US" smtClean="0"/>
+              <a:rPr lang="en-US"/>
               <a:t>Click to edit Master title style</a:t>
             </a:r>
-            <a:endParaRPr lang="en-US"/>
           </a:p>
         </p:txBody>
       </p:sp>
@@ -1875,7 +1861,7 @@
           <a:p>
             <a:pPr lvl="0"/>
             <a:r>
-              <a:rPr lang="en-US" smtClean="0"/>
+              <a:rPr lang="en-US"/>
               <a:t>Click to edit Master text styles</a:t>
             </a:r>
           </a:p>
@@ -1931,38 +1917,37 @@
           <a:p>
             <a:pPr lvl="0"/>
             <a:r>
-              <a:rPr lang="en-US" smtClean="0"/>
+              <a:rPr lang="en-US"/>
               <a:t>Click to edit Master text styles</a:t>
             </a:r>
           </a:p>
           <a:p>
             <a:pPr lvl="1"/>
             <a:r>
-              <a:rPr lang="en-US" smtClean="0"/>
+              <a:rPr lang="en-US"/>
               <a:t>Second level</a:t>
             </a:r>
           </a:p>
           <a:p>
             <a:pPr lvl="2"/>
             <a:r>
-              <a:rPr lang="en-US" smtClean="0"/>
+              <a:rPr lang="en-US"/>
               <a:t>Third level</a:t>
             </a:r>
           </a:p>
           <a:p>
             <a:pPr lvl="3"/>
             <a:r>
-              <a:rPr lang="en-US" smtClean="0"/>
+              <a:rPr lang="en-US"/>
               <a:t>Fourth level</a:t>
             </a:r>
           </a:p>
           <a:p>
             <a:pPr lvl="4"/>
             <a:r>
-              <a:rPr lang="en-US" smtClean="0"/>
+              <a:rPr lang="en-US"/>
               <a:t>Fifth level</a:t>
             </a:r>
-            <a:endParaRPr lang="en-US"/>
           </a:p>
         </p:txBody>
       </p:sp>
@@ -2025,7 +2010,7 @@
           <a:p>
             <a:pPr lvl="0"/>
             <a:r>
-              <a:rPr lang="en-US" smtClean="0"/>
+              <a:rPr lang="en-US"/>
               <a:t>Click to edit Master text styles</a:t>
             </a:r>
           </a:p>
@@ -2081,38 +2066,37 @@
           <a:p>
             <a:pPr lvl="0"/>
             <a:r>
-              <a:rPr lang="en-US" smtClean="0"/>
+              <a:rPr lang="en-US"/>
               <a:t>Click to edit Master text styles</a:t>
             </a:r>
           </a:p>
           <a:p>
             <a:pPr lvl="1"/>
             <a:r>
-              <a:rPr lang="en-US" smtClean="0"/>
+              <a:rPr lang="en-US"/>
               <a:t>Second level</a:t>
             </a:r>
           </a:p>
           <a:p>
             <a:pPr lvl="2"/>
             <a:r>
-              <a:rPr lang="en-US" smtClean="0"/>
+              <a:rPr lang="en-US"/>
               <a:t>Third level</a:t>
             </a:r>
           </a:p>
           <a:p>
             <a:pPr lvl="3"/>
             <a:r>
-              <a:rPr lang="en-US" smtClean="0"/>
+              <a:rPr lang="en-US"/>
               <a:t>Fourth level</a:t>
             </a:r>
           </a:p>
           <a:p>
             <a:pPr lvl="4"/>
             <a:r>
-              <a:rPr lang="en-US" smtClean="0"/>
+              <a:rPr lang="en-US"/>
               <a:t>Fifth level</a:t>
             </a:r>
-            <a:endParaRPr lang="en-US"/>
           </a:p>
         </p:txBody>
       </p:sp>
@@ -2133,7 +2117,7 @@
           <a:p>
             <a:fld id="{78C97017-6FC3-485B-9764-EAC9E56C1D49}" type="datetimeFigureOut">
               <a:rPr lang="en-US" smtClean="0"/>
-              <a:t>1/1/18</a:t>
+              <a:t>3/8/2018</a:t>
             </a:fld>
             <a:endParaRPr lang="en-US"/>
           </a:p>
@@ -2227,10 +2211,9 @@
           <a:lstStyle/>
           <a:p>
             <a:r>
-              <a:rPr lang="en-US" smtClean="0"/>
+              <a:rPr lang="en-US"/>
               <a:t>Click to edit Master title style</a:t>
             </a:r>
-            <a:endParaRPr lang="en-US"/>
           </a:p>
         </p:txBody>
       </p:sp>
@@ -2251,7 +2234,7 @@
           <a:p>
             <a:fld id="{78C97017-6FC3-485B-9764-EAC9E56C1D49}" type="datetimeFigureOut">
               <a:rPr lang="en-US" smtClean="0"/>
-              <a:t>1/1/18</a:t>
+              <a:t>3/8/2018</a:t>
             </a:fld>
             <a:endParaRPr lang="en-US"/>
           </a:p>
@@ -2346,7 +2329,7 @@
           <a:p>
             <a:fld id="{78C97017-6FC3-485B-9764-EAC9E56C1D49}" type="datetimeFigureOut">
               <a:rPr lang="en-US" smtClean="0"/>
-              <a:t>1/1/18</a:t>
+              <a:t>3/8/2018</a:t>
             </a:fld>
             <a:endParaRPr lang="en-US"/>
           </a:p>
@@ -2449,10 +2432,9 @@
           </a:lstStyle>
           <a:p>
             <a:r>
-              <a:rPr lang="en-US" smtClean="0"/>
+              <a:rPr lang="en-US"/>
               <a:t>Click to edit Master title style</a:t>
             </a:r>
-            <a:endParaRPr lang="en-US"/>
           </a:p>
         </p:txBody>
       </p:sp>
@@ -2506,38 +2488,37 @@
           <a:p>
             <a:pPr lvl="0"/>
             <a:r>
-              <a:rPr lang="en-US" smtClean="0"/>
+              <a:rPr lang="en-US"/>
               <a:t>Click to edit Master text styles</a:t>
             </a:r>
           </a:p>
           <a:p>
             <a:pPr lvl="1"/>
             <a:r>
-              <a:rPr lang="en-US" smtClean="0"/>
+              <a:rPr lang="en-US"/>
               <a:t>Second level</a:t>
             </a:r>
           </a:p>
           <a:p>
             <a:pPr lvl="2"/>
             <a:r>
-              <a:rPr lang="en-US" smtClean="0"/>
+              <a:rPr lang="en-US"/>
               <a:t>Third level</a:t>
             </a:r>
           </a:p>
           <a:p>
             <a:pPr lvl="3"/>
             <a:r>
-              <a:rPr lang="en-US" smtClean="0"/>
+              <a:rPr lang="en-US"/>
               <a:t>Fourth level</a:t>
             </a:r>
           </a:p>
           <a:p>
             <a:pPr lvl="4"/>
             <a:r>
-              <a:rPr lang="en-US" smtClean="0"/>
+              <a:rPr lang="en-US"/>
               <a:t>Fifth level</a:t>
             </a:r>
-            <a:endParaRPr lang="en-US"/>
           </a:p>
         </p:txBody>
       </p:sp>
@@ -2600,7 +2581,7 @@
           <a:p>
             <a:pPr lvl="0"/>
             <a:r>
-              <a:rPr lang="en-US" smtClean="0"/>
+              <a:rPr lang="en-US"/>
               <a:t>Click to edit Master text styles</a:t>
             </a:r>
           </a:p>
@@ -2623,7 +2604,7 @@
           <a:p>
             <a:fld id="{78C97017-6FC3-485B-9764-EAC9E56C1D49}" type="datetimeFigureOut">
               <a:rPr lang="en-US" smtClean="0"/>
-              <a:t>1/1/18</a:t>
+              <a:t>3/8/2018</a:t>
             </a:fld>
             <a:endParaRPr lang="en-US"/>
           </a:p>
@@ -2726,10 +2707,9 @@
           </a:lstStyle>
           <a:p>
             <a:r>
-              <a:rPr lang="en-US" smtClean="0"/>
+              <a:rPr lang="en-US"/>
               <a:t>Click to edit Master title style</a:t>
             </a:r>
-            <a:endParaRPr lang="en-US"/>
           </a:p>
         </p:txBody>
       </p:sp>
@@ -2853,7 +2833,7 @@
           <a:p>
             <a:pPr lvl="0"/>
             <a:r>
-              <a:rPr lang="en-US" smtClean="0"/>
+              <a:rPr lang="en-US"/>
               <a:t>Click to edit Master text styles</a:t>
             </a:r>
           </a:p>
@@ -2876,7 +2856,7 @@
           <a:p>
             <a:fld id="{78C97017-6FC3-485B-9764-EAC9E56C1D49}" type="datetimeFigureOut">
               <a:rPr lang="en-US" smtClean="0"/>
-              <a:t>1/1/18</a:t>
+              <a:t>3/8/2018</a:t>
             </a:fld>
             <a:endParaRPr lang="en-US"/>
           </a:p>
@@ -2985,10 +2965,9 @@
           <a:lstStyle/>
           <a:p>
             <a:r>
-              <a:rPr lang="en-US" smtClean="0"/>
+              <a:rPr lang="en-US"/>
               <a:t>Click to edit Master title style</a:t>
             </a:r>
-            <a:endParaRPr lang="en-US"/>
           </a:p>
         </p:txBody>
       </p:sp>
@@ -3019,38 +2998,37 @@
           <a:p>
             <a:pPr lvl="0"/>
             <a:r>
-              <a:rPr lang="en-US" smtClean="0"/>
+              <a:rPr lang="en-US"/>
               <a:t>Click to edit Master text styles</a:t>
             </a:r>
           </a:p>
           <a:p>
             <a:pPr lvl="1"/>
             <a:r>
-              <a:rPr lang="en-US" smtClean="0"/>
+              <a:rPr lang="en-US"/>
               <a:t>Second level</a:t>
             </a:r>
           </a:p>
           <a:p>
             <a:pPr lvl="2"/>
             <a:r>
-              <a:rPr lang="en-US" smtClean="0"/>
+              <a:rPr lang="en-US"/>
               <a:t>Third level</a:t>
             </a:r>
           </a:p>
           <a:p>
             <a:pPr lvl="3"/>
             <a:r>
-              <a:rPr lang="en-US" smtClean="0"/>
+              <a:rPr lang="en-US"/>
               <a:t>Fourth level</a:t>
             </a:r>
           </a:p>
           <a:p>
             <a:pPr lvl="4"/>
             <a:r>
-              <a:rPr lang="en-US" smtClean="0"/>
+              <a:rPr lang="en-US"/>
               <a:t>Fifth level</a:t>
             </a:r>
-            <a:endParaRPr lang="en-US"/>
           </a:p>
         </p:txBody>
       </p:sp>
@@ -3089,7 +3067,7 @@
           <a:p>
             <a:fld id="{78C97017-6FC3-485B-9764-EAC9E56C1D49}" type="datetimeFigureOut">
               <a:rPr lang="en-US" smtClean="0"/>
-              <a:t>1/1/18</a:t>
+              <a:t>3/8/2018</a:t>
             </a:fld>
             <a:endParaRPr lang="en-US"/>
           </a:p>
@@ -3510,7 +3488,7 @@
           <a:lstStyle/>
           <a:p>
             <a:r>
-              <a:rPr lang="en-US" sz="1200" b="1" dirty="0" smtClean="0">
+              <a:rPr lang="en-US" sz="1200" b="1" dirty="0">
                 <a:solidFill>
                   <a:srgbClr val="7030A0"/>
                 </a:solidFill>
@@ -3533,7 +3511,7 @@
         </p:nvSpPr>
         <p:spPr>
           <a:xfrm>
-            <a:off x="2877180" y="3158440"/>
+            <a:off x="2877180" y="3463240"/>
             <a:ext cx="1093635" cy="346760"/>
           </a:xfrm>
           <a:prstGeom prst="rect">
@@ -3569,7 +3547,7 @@
           <a:p>
             <a:pPr algn="ctr"/>
             <a:r>
-              <a:rPr lang="en-US" sz="1050" dirty="0" err="1" smtClean="0">
+              <a:rPr lang="en-US" sz="1050" dirty="0" err="1">
                 <a:solidFill>
                   <a:schemeClr val="bg1"/>
                 </a:solidFill>
@@ -3592,7 +3570,7 @@
         </p:nvSpPr>
         <p:spPr>
           <a:xfrm rot="16200000">
-            <a:off x="1683963" y="2868687"/>
+            <a:off x="1661548" y="3097750"/>
             <a:ext cx="1093635" cy="346760"/>
           </a:xfrm>
           <a:prstGeom prst="rect">
@@ -3628,7 +3606,7 @@
           <a:p>
             <a:pPr algn="ctr"/>
             <a:r>
-              <a:rPr lang="en-US" sz="1050" dirty="0" err="1" smtClean="0">
+              <a:rPr lang="en-US" sz="1050" dirty="0" err="1">
                 <a:solidFill>
                   <a:schemeClr val="bg1"/>
                 </a:solidFill>
@@ -3647,19 +3625,20 @@
         <p:nvCxnSpPr>
           <p:cNvPr id="107" name="Elbow Connector 106"/>
           <p:cNvCxnSpPr>
+            <a:cxnSpLocks/>
             <a:stCxn id="9" idx="1"/>
+            <a:endCxn id="62" idx="2"/>
           </p:cNvCxnSpPr>
           <p:nvPr/>
         </p:nvCxnSpPr>
         <p:spPr>
           <a:xfrm rot="5400000" flipH="1" flipV="1">
-            <a:off x="4360065" y="1080909"/>
-            <a:ext cx="378691" cy="4637261"/>
-          </a:xfrm>
-          <a:prstGeom prst="bentConnector4">
+            <a:off x="4131507" y="1281685"/>
+            <a:ext cx="613122" cy="4459404"/>
+          </a:xfrm>
+          <a:prstGeom prst="bentConnector3">
             <a:avLst>
-              <a:gd name="adj1" fmla="val -101829"/>
-              <a:gd name="adj2" fmla="val 99976"/>
+              <a:gd name="adj1" fmla="val -26668"/>
             </a:avLst>
           </a:prstGeom>
           <a:ln w="19050">
@@ -3742,7 +3721,7 @@
           <a:p>
             <a:pPr algn="ctr"/>
             <a:r>
-              <a:rPr lang="en-US" sz="1050" dirty="0" smtClean="0">
+              <a:rPr lang="en-US" sz="1050" dirty="0">
                 <a:solidFill>
                   <a:schemeClr val="bg1"/>
                 </a:solidFill>
@@ -3815,8 +3794,8 @@
         </p:nvCxnSpPr>
         <p:spPr>
           <a:xfrm>
-            <a:off x="2656370" y="3326536"/>
-            <a:ext cx="220810" cy="5284"/>
+            <a:off x="2609828" y="3636620"/>
+            <a:ext cx="267352" cy="0"/>
           </a:xfrm>
           <a:prstGeom prst="straightConnector1">
             <a:avLst/>
@@ -3937,7 +3916,7 @@
         </p:nvSpPr>
         <p:spPr>
           <a:xfrm>
-            <a:off x="2420322" y="3239846"/>
+            <a:off x="2373780" y="3549930"/>
             <a:ext cx="236048" cy="173380"/>
           </a:xfrm>
           <a:prstGeom prst="flowChartDecision">
@@ -3982,7 +3961,7 @@
         </p:nvSpPr>
         <p:spPr>
           <a:xfrm>
-            <a:off x="2879490" y="2627420"/>
+            <a:off x="2873582" y="2831936"/>
             <a:ext cx="1093635" cy="346760"/>
           </a:xfrm>
           <a:prstGeom prst="rect">
@@ -4015,7 +3994,7 @@
           <a:p>
             <a:pPr algn="ctr"/>
             <a:r>
-              <a:rPr lang="en-US" sz="1050" dirty="0" err="1" smtClean="0">
+              <a:rPr lang="en-US" sz="1050" dirty="0" err="1">
                 <a:solidFill>
                   <a:srgbClr val="7030A0"/>
                 </a:solidFill>
@@ -4041,8 +4020,8 @@
         </p:nvCxnSpPr>
         <p:spPr>
           <a:xfrm>
-            <a:off x="2658680" y="2795516"/>
-            <a:ext cx="220810" cy="5284"/>
+            <a:off x="2624360" y="3003033"/>
+            <a:ext cx="249222" cy="2283"/>
           </a:xfrm>
           <a:prstGeom prst="straightConnector1">
             <a:avLst/>
@@ -4079,7 +4058,7 @@
         </p:nvSpPr>
         <p:spPr>
           <a:xfrm>
-            <a:off x="2422632" y="2708826"/>
+            <a:off x="2388312" y="2916343"/>
             <a:ext cx="236048" cy="173380"/>
           </a:xfrm>
           <a:prstGeom prst="flowChartDecision">
@@ -4157,7 +4136,7 @@
           <a:p>
             <a:pPr algn="ctr"/>
             <a:r>
-              <a:rPr lang="en-US" sz="1050" dirty="0" err="1" smtClean="0">
+              <a:rPr lang="en-US" sz="1050" dirty="0" err="1">
                 <a:solidFill>
                   <a:srgbClr val="7030A0"/>
                 </a:solidFill>
@@ -4180,7 +4159,7 @@
         </p:nvSpPr>
         <p:spPr>
           <a:xfrm>
-            <a:off x="3984303" y="2673991"/>
+            <a:off x="3977259" y="2932345"/>
             <a:ext cx="236048" cy="173380"/>
           </a:xfrm>
           <a:prstGeom prst="flowChartDecision">
@@ -4230,8 +4209,8 @@
         </p:nvCxnSpPr>
         <p:spPr>
           <a:xfrm>
-            <a:off x="4220351" y="2760681"/>
-            <a:ext cx="266666" cy="260070"/>
+            <a:off x="4213307" y="3019035"/>
+            <a:ext cx="273710" cy="1716"/>
           </a:xfrm>
           <a:prstGeom prst="bentConnector3">
             <a:avLst/>
@@ -4262,14 +4241,14 @@
       </p:cxnSp>
       <p:sp>
         <p:nvSpPr>
-          <p:cNvPr id="57" name="Rectangle 8"/>
+          <p:cNvPr id="62" name="Rectangle 8"/>
           <p:cNvSpPr/>
           <p:nvPr/>
         </p:nvSpPr>
         <p:spPr>
           <a:xfrm>
-            <a:off x="4477328" y="2280569"/>
-            <a:ext cx="1156969" cy="346760"/>
+            <a:off x="6313677" y="2858066"/>
+            <a:ext cx="708186" cy="346760"/>
           </a:xfrm>
           <a:prstGeom prst="rect">
             <a:avLst/>
@@ -4301,12 +4280,12 @@
           <a:p>
             <a:pPr algn="ctr"/>
             <a:r>
-              <a:rPr lang="en-US" sz="1050" dirty="0" err="1" smtClean="0">
+              <a:rPr lang="en-US" sz="1050" dirty="0">
                 <a:solidFill>
                   <a:srgbClr val="7030A0"/>
                 </a:solidFill>
               </a:rPr>
-              <a:t>UniqueTagList</a:t>
+              <a:t>Person</a:t>
             </a:r>
             <a:endParaRPr lang="en-SG" sz="1050" dirty="0">
               <a:solidFill>
@@ -4316,24 +4295,67 @@
           </a:p>
         </p:txBody>
       </p:sp>
+      <p:sp>
+        <p:nvSpPr>
+          <p:cNvPr id="63" name="Flowchart: Decision 96"/>
+          <p:cNvSpPr/>
+          <p:nvPr/>
+        </p:nvSpPr>
+        <p:spPr>
+          <a:xfrm>
+            <a:off x="5653118" y="2942885"/>
+            <a:ext cx="236048" cy="173380"/>
+          </a:xfrm>
+          <a:prstGeom prst="flowChartDecision">
+            <a:avLst/>
+          </a:prstGeom>
+          <a:noFill/>
+          <a:ln w="19050">
+            <a:solidFill>
+              <a:srgbClr val="7030A0"/>
+            </a:solidFill>
+          </a:ln>
+          <a:effectLst/>
+        </p:spPr>
+        <p:style>
+          <a:lnRef idx="1">
+            <a:schemeClr val="accent6"/>
+          </a:lnRef>
+          <a:fillRef idx="2">
+            <a:schemeClr val="accent6"/>
+          </a:fillRef>
+          <a:effectRef idx="1">
+            <a:schemeClr val="accent6"/>
+          </a:effectRef>
+          <a:fontRef idx="minor">
+            <a:schemeClr val="dk1"/>
+          </a:fontRef>
+        </p:style>
+        <p:txBody>
+          <a:bodyPr rtlCol="0" anchor="ctr"/>
+          <a:lstStyle/>
+          <a:p>
+            <a:pPr algn="ctr"/>
+            <a:endParaRPr lang="en-US" sz="1050"/>
+          </a:p>
+        </p:txBody>
+      </p:sp>
       <p:cxnSp>
         <p:nvCxnSpPr>
-          <p:cNvPr id="59" name="Elbow Connector 58"/>
+          <p:cNvPr id="64" name="Elbow Connector 63"/>
           <p:cNvCxnSpPr>
-            <a:stCxn id="51" idx="3"/>
-            <a:endCxn id="57" idx="1"/>
+            <a:stCxn id="63" idx="3"/>
+            <a:endCxn id="62" idx="1"/>
           </p:cNvCxnSpPr>
           <p:nvPr/>
         </p:nvCxnSpPr>
         <p:spPr>
-          <a:xfrm flipV="1">
-            <a:off x="4220351" y="2453949"/>
-            <a:ext cx="256977" cy="306732"/>
+          <a:xfrm>
+            <a:off x="5889166" y="3029575"/>
+            <a:ext cx="424511" cy="1871"/>
           </a:xfrm>
           <a:prstGeom prst="bentConnector3">
-            <a:avLst>
-              <a:gd name="adj1" fmla="val 50000"/>
-            </a:avLst>
+            <a:avLst/>
           </a:prstGeom>
           <a:ln w="19050">
             <a:solidFill>
@@ -4361,14 +4383,14 @@
       </p:cxnSp>
       <p:sp>
         <p:nvSpPr>
-          <p:cNvPr id="62" name="Rectangle 8"/>
+          <p:cNvPr id="76" name="Rectangle 8"/>
           <p:cNvSpPr/>
           <p:nvPr/>
         </p:nvSpPr>
         <p:spPr>
           <a:xfrm>
-            <a:off x="6313677" y="2858066"/>
-            <a:ext cx="708186" cy="346760"/>
+            <a:off x="7712397" y="2564238"/>
+            <a:ext cx="708186" cy="285783"/>
           </a:xfrm>
           <a:prstGeom prst="rect">
             <a:avLst/>
@@ -4400,12 +4422,12 @@
           <a:p>
             <a:pPr algn="ctr"/>
             <a:r>
-              <a:rPr lang="en-US" sz="1050" dirty="0" smtClean="0">
+              <a:rPr lang="en-US" sz="1050" dirty="0">
                 <a:solidFill>
                   <a:srgbClr val="7030A0"/>
                 </a:solidFill>
               </a:rPr>
-              <a:t>Person</a:t>
+              <a:t>Name</a:t>
             </a:r>
             <a:endParaRPr lang="en-SG" sz="1050" dirty="0">
               <a:solidFill>
@@ -4417,19 +4439,21 @@
       </p:sp>
       <p:sp>
         <p:nvSpPr>
-          <p:cNvPr id="63" name="Flowchart: Decision 96"/>
+          <p:cNvPr id="78" name="Flowchart: Decision 96"/>
           <p:cNvSpPr/>
           <p:nvPr/>
         </p:nvSpPr>
         <p:spPr>
           <a:xfrm>
-            <a:off x="5643227" y="2943979"/>
+            <a:off x="7041947" y="2948201"/>
             <a:ext cx="236048" cy="173380"/>
           </a:xfrm>
           <a:prstGeom prst="flowChartDecision">
             <a:avLst/>
           </a:prstGeom>
-          <a:noFill/>
+          <a:solidFill>
+            <a:srgbClr val="7030A0"/>
+          </a:solidFill>
           <a:ln w="19050">
             <a:solidFill>
               <a:srgbClr val="7030A0"/>
@@ -4462,17 +4486,16 @@
       </p:sp>
       <p:cxnSp>
         <p:nvCxnSpPr>
-          <p:cNvPr id="64" name="Elbow Connector 63"/>
+          <p:cNvPr id="79" name="Elbow Connector 78"/>
           <p:cNvCxnSpPr>
-            <a:stCxn id="63" idx="3"/>
-            <a:endCxn id="62" idx="1"/>
+            <a:cxnSpLocks/>
           </p:cNvCxnSpPr>
           <p:nvPr/>
         </p:nvCxnSpPr>
         <p:spPr>
-          <a:xfrm>
-            <a:off x="5879275" y="3030669"/>
-            <a:ext cx="434402" cy="777"/>
+          <a:xfrm flipV="1">
+            <a:off x="7277995" y="2706821"/>
+            <a:ext cx="434402" cy="327761"/>
           </a:xfrm>
           <a:prstGeom prst="bentConnector3">
             <a:avLst/>
@@ -4503,14 +4526,14 @@
       </p:cxnSp>
       <p:sp>
         <p:nvSpPr>
-          <p:cNvPr id="67" name="Rectangle 8"/>
+          <p:cNvPr id="80" name="Rectangle 8"/>
           <p:cNvSpPr/>
           <p:nvPr/>
         </p:nvSpPr>
         <p:spPr>
           <a:xfrm>
-            <a:off x="5336105" y="1809332"/>
-            <a:ext cx="483700" cy="346760"/>
+            <a:off x="7712397" y="2887216"/>
+            <a:ext cx="708186" cy="285783"/>
           </a:xfrm>
           <a:prstGeom prst="rect">
             <a:avLst/>
@@ -4542,12 +4565,12 @@
           <a:p>
             <a:pPr algn="ctr"/>
             <a:r>
-              <a:rPr lang="en-US" sz="1050" dirty="0" smtClean="0">
+              <a:rPr lang="en-US" sz="1050" dirty="0">
                 <a:solidFill>
                   <a:srgbClr val="7030A0"/>
                 </a:solidFill>
               </a:rPr>
-              <a:t>Tag</a:t>
+              <a:t>Phone</a:t>
             </a:r>
             <a:endParaRPr lang="en-SG" sz="1050" dirty="0">
               <a:solidFill>
@@ -4557,66 +4580,21 @@
           </a:p>
         </p:txBody>
       </p:sp>
-      <p:sp>
-        <p:nvSpPr>
-          <p:cNvPr id="68" name="Flowchart: Decision 96"/>
-          <p:cNvSpPr/>
-          <p:nvPr/>
-        </p:nvSpPr>
-        <p:spPr>
-          <a:xfrm rot="16200000">
-            <a:off x="4921666" y="2066540"/>
-            <a:ext cx="236048" cy="173380"/>
-          </a:xfrm>
-          <a:prstGeom prst="flowChartDecision">
-            <a:avLst/>
-          </a:prstGeom>
-          <a:noFill/>
-          <a:ln w="19050">
-            <a:solidFill>
-              <a:srgbClr val="7030A0"/>
-            </a:solidFill>
-          </a:ln>
-          <a:effectLst/>
-        </p:spPr>
-        <p:style>
-          <a:lnRef idx="1">
-            <a:schemeClr val="accent6"/>
-          </a:lnRef>
-          <a:fillRef idx="2">
-            <a:schemeClr val="accent6"/>
-          </a:fillRef>
-          <a:effectRef idx="1">
-            <a:schemeClr val="accent6"/>
-          </a:effectRef>
-          <a:fontRef idx="minor">
-            <a:schemeClr val="dk1"/>
-          </a:fontRef>
-        </p:style>
-        <p:txBody>
-          <a:bodyPr rtlCol="0" anchor="ctr"/>
-          <a:lstStyle/>
-          <a:p>
-            <a:pPr algn="ctr"/>
-            <a:endParaRPr lang="en-US" sz="1050"/>
-          </a:p>
-        </p:txBody>
-      </p:sp>
       <p:cxnSp>
         <p:nvCxnSpPr>
-          <p:cNvPr id="69" name="Elbow Connector 68"/>
+          <p:cNvPr id="81" name="Elbow Connector 80"/>
           <p:cNvCxnSpPr>
-            <a:stCxn id="68" idx="3"/>
-            <a:endCxn id="67" idx="1"/>
+            <a:stCxn id="78" idx="3"/>
+            <a:endCxn id="80" idx="1"/>
           </p:cNvCxnSpPr>
           <p:nvPr/>
         </p:nvCxnSpPr>
         <p:spPr>
-          <a:xfrm rot="5400000" flipH="1" flipV="1">
-            <a:off x="5161650" y="1860752"/>
-            <a:ext cx="52494" cy="296415"/>
-          </a:xfrm>
-          <a:prstGeom prst="bentConnector2">
+          <a:xfrm flipV="1">
+            <a:off x="7277995" y="3030108"/>
+            <a:ext cx="434402" cy="4783"/>
+          </a:xfrm>
+          <a:prstGeom prst="bentConnector3">
             <a:avLst/>
           </a:prstGeom>
           <a:ln w="19050">
@@ -4645,13 +4623,13 @@
       </p:cxnSp>
       <p:sp>
         <p:nvSpPr>
-          <p:cNvPr id="76" name="Rectangle 8"/>
+          <p:cNvPr id="83" name="Rectangle 8"/>
           <p:cNvSpPr/>
           <p:nvPr/>
         </p:nvSpPr>
         <p:spPr>
           <a:xfrm>
-            <a:off x="7712397" y="2564238"/>
+            <a:off x="7712397" y="3210194"/>
             <a:ext cx="708186" cy="285783"/>
           </a:xfrm>
           <a:prstGeom prst="rect">
@@ -4684,12 +4662,12 @@
           <a:p>
             <a:pPr algn="ctr"/>
             <a:r>
-              <a:rPr lang="en-US" sz="1050" dirty="0" smtClean="0">
+              <a:rPr lang="en-US" sz="1050" dirty="0">
                 <a:solidFill>
                   <a:srgbClr val="7030A0"/>
                 </a:solidFill>
               </a:rPr>
-              <a:t>Name</a:t>
+              <a:t>Email</a:t>
             </a:r>
             <a:endParaRPr lang="en-SG" sz="1050" dirty="0">
               <a:solidFill>
@@ -4699,66 +4677,19 @@
           </a:p>
         </p:txBody>
       </p:sp>
-      <p:sp>
-        <p:nvSpPr>
-          <p:cNvPr id="78" name="Flowchart: Decision 96"/>
-          <p:cNvSpPr/>
-          <p:nvPr/>
-        </p:nvSpPr>
-        <p:spPr>
-          <a:xfrm>
-            <a:off x="7041947" y="2948201"/>
-            <a:ext cx="236048" cy="173380"/>
-          </a:xfrm>
-          <a:prstGeom prst="flowChartDecision">
-            <a:avLst/>
-          </a:prstGeom>
-          <a:solidFill>
-            <a:srgbClr val="7030A0"/>
-          </a:solidFill>
-          <a:ln w="19050">
-            <a:solidFill>
-              <a:srgbClr val="7030A0"/>
-            </a:solidFill>
-          </a:ln>
-          <a:effectLst/>
-        </p:spPr>
-        <p:style>
-          <a:lnRef idx="1">
-            <a:schemeClr val="accent6"/>
-          </a:lnRef>
-          <a:fillRef idx="2">
-            <a:schemeClr val="accent6"/>
-          </a:fillRef>
-          <a:effectRef idx="1">
-            <a:schemeClr val="accent6"/>
-          </a:effectRef>
-          <a:fontRef idx="minor">
-            <a:schemeClr val="dk1"/>
-          </a:fontRef>
-        </p:style>
-        <p:txBody>
-          <a:bodyPr rtlCol="0" anchor="ctr"/>
-          <a:lstStyle/>
-          <a:p>
-            <a:pPr algn="ctr"/>
-            <a:endParaRPr lang="en-US" sz="1050"/>
-          </a:p>
-        </p:txBody>
-      </p:sp>
       <p:cxnSp>
         <p:nvCxnSpPr>
-          <p:cNvPr id="79" name="Elbow Connector 78"/>
+          <p:cNvPr id="84" name="Elbow Connector 83"/>
           <p:cNvCxnSpPr>
             <a:stCxn id="78" idx="3"/>
-            <a:endCxn id="76" idx="1"/>
+            <a:endCxn id="83" idx="1"/>
           </p:cNvCxnSpPr>
           <p:nvPr/>
         </p:nvCxnSpPr>
         <p:spPr>
-          <a:xfrm flipV="1">
-            <a:off x="7277995" y="2707130"/>
-            <a:ext cx="434402" cy="327761"/>
+          <a:xfrm>
+            <a:off x="7277995" y="3034891"/>
+            <a:ext cx="434402" cy="318195"/>
           </a:xfrm>
           <a:prstGeom prst="bentConnector3">
             <a:avLst/>
@@ -4789,13 +4720,13 @@
       </p:cxnSp>
       <p:sp>
         <p:nvSpPr>
-          <p:cNvPr id="80" name="Rectangle 8"/>
+          <p:cNvPr id="85" name="Rectangle 8"/>
           <p:cNvSpPr/>
           <p:nvPr/>
         </p:nvSpPr>
         <p:spPr>
           <a:xfrm>
-            <a:off x="7712397" y="2887216"/>
+            <a:off x="7712397" y="3533171"/>
             <a:ext cx="708186" cy="285783"/>
           </a:xfrm>
           <a:prstGeom prst="rect">
@@ -4828,201 +4759,7 @@
           <a:p>
             <a:pPr algn="ctr"/>
             <a:r>
-              <a:rPr lang="en-US" sz="1050" dirty="0" smtClean="0">
-                <a:solidFill>
-                  <a:srgbClr val="7030A0"/>
-                </a:solidFill>
-              </a:rPr>
-              <a:t>Phone</a:t>
-            </a:r>
-            <a:endParaRPr lang="en-SG" sz="1050" dirty="0">
-              <a:solidFill>
-                <a:srgbClr val="7030A0"/>
-              </a:solidFill>
-            </a:endParaRPr>
-          </a:p>
-        </p:txBody>
-      </p:sp>
-      <p:cxnSp>
-        <p:nvCxnSpPr>
-          <p:cNvPr id="81" name="Elbow Connector 80"/>
-          <p:cNvCxnSpPr>
-            <a:stCxn id="78" idx="3"/>
-            <a:endCxn id="80" idx="1"/>
-          </p:cNvCxnSpPr>
-          <p:nvPr/>
-        </p:nvCxnSpPr>
-        <p:spPr>
-          <a:xfrm flipV="1">
-            <a:off x="7277995" y="3030108"/>
-            <a:ext cx="434402" cy="4783"/>
-          </a:xfrm>
-          <a:prstGeom prst="bentConnector3">
-            <a:avLst/>
-          </a:prstGeom>
-          <a:ln w="19050">
-            <a:solidFill>
-              <a:srgbClr val="7030A0"/>
-            </a:solidFill>
-            <a:headEnd type="none" w="med" len="med"/>
-            <a:tailEnd type="arrow" w="med" len="med"/>
-          </a:ln>
-          <a:effectLst/>
-        </p:spPr>
-        <p:style>
-          <a:lnRef idx="1">
-            <a:schemeClr val="accent2"/>
-          </a:lnRef>
-          <a:fillRef idx="2">
-            <a:schemeClr val="accent2"/>
-          </a:fillRef>
-          <a:effectRef idx="1">
-            <a:schemeClr val="accent2"/>
-          </a:effectRef>
-          <a:fontRef idx="minor">
-            <a:schemeClr val="dk1"/>
-          </a:fontRef>
-        </p:style>
-      </p:cxnSp>
-      <p:sp>
-        <p:nvSpPr>
-          <p:cNvPr id="83" name="Rectangle 8"/>
-          <p:cNvSpPr/>
-          <p:nvPr/>
-        </p:nvSpPr>
-        <p:spPr>
-          <a:xfrm>
-            <a:off x="7712397" y="3210194"/>
-            <a:ext cx="708186" cy="285783"/>
-          </a:xfrm>
-          <a:prstGeom prst="rect">
-            <a:avLst/>
-          </a:prstGeom>
-          <a:ln w="19050">
-            <a:solidFill>
-              <a:srgbClr val="7030A0"/>
-            </a:solidFill>
-          </a:ln>
-          <a:effectLst/>
-        </p:spPr>
-        <p:style>
-          <a:lnRef idx="1">
-            <a:schemeClr val="accent4"/>
-          </a:lnRef>
-          <a:fillRef idx="2">
-            <a:schemeClr val="accent4"/>
-          </a:fillRef>
-          <a:effectRef idx="1">
-            <a:schemeClr val="accent4"/>
-          </a:effectRef>
-          <a:fontRef idx="minor">
-            <a:schemeClr val="dk1"/>
-          </a:fontRef>
-        </p:style>
-        <p:txBody>
-          <a:bodyPr rtlCol="0" anchor="ctr"/>
-          <a:lstStyle/>
-          <a:p>
-            <a:pPr algn="ctr"/>
-            <a:r>
-              <a:rPr lang="en-US" sz="1050" dirty="0" smtClean="0">
-                <a:solidFill>
-                  <a:srgbClr val="7030A0"/>
-                </a:solidFill>
-              </a:rPr>
-              <a:t>Email</a:t>
-            </a:r>
-            <a:endParaRPr lang="en-SG" sz="1050" dirty="0">
-              <a:solidFill>
-                <a:srgbClr val="7030A0"/>
-              </a:solidFill>
-            </a:endParaRPr>
-          </a:p>
-        </p:txBody>
-      </p:sp>
-      <p:cxnSp>
-        <p:nvCxnSpPr>
-          <p:cNvPr id="84" name="Elbow Connector 83"/>
-          <p:cNvCxnSpPr>
-            <a:stCxn id="78" idx="3"/>
-            <a:endCxn id="83" idx="1"/>
-          </p:cNvCxnSpPr>
-          <p:nvPr/>
-        </p:nvCxnSpPr>
-        <p:spPr>
-          <a:xfrm>
-            <a:off x="7277995" y="3034891"/>
-            <a:ext cx="434402" cy="318195"/>
-          </a:xfrm>
-          <a:prstGeom prst="bentConnector3">
-            <a:avLst/>
-          </a:prstGeom>
-          <a:ln w="19050">
-            <a:solidFill>
-              <a:srgbClr val="7030A0"/>
-            </a:solidFill>
-            <a:headEnd type="none" w="med" len="med"/>
-            <a:tailEnd type="arrow" w="med" len="med"/>
-          </a:ln>
-          <a:effectLst/>
-        </p:spPr>
-        <p:style>
-          <a:lnRef idx="1">
-            <a:schemeClr val="accent2"/>
-          </a:lnRef>
-          <a:fillRef idx="2">
-            <a:schemeClr val="accent2"/>
-          </a:fillRef>
-          <a:effectRef idx="1">
-            <a:schemeClr val="accent2"/>
-          </a:effectRef>
-          <a:fontRef idx="minor">
-            <a:schemeClr val="dk1"/>
-          </a:fontRef>
-        </p:style>
-      </p:cxnSp>
-      <p:sp>
-        <p:nvSpPr>
-          <p:cNvPr id="85" name="Rectangle 8"/>
-          <p:cNvSpPr/>
-          <p:nvPr/>
-        </p:nvSpPr>
-        <p:spPr>
-          <a:xfrm>
-            <a:off x="7712397" y="3533171"/>
-            <a:ext cx="708186" cy="285783"/>
-          </a:xfrm>
-          <a:prstGeom prst="rect">
-            <a:avLst/>
-          </a:prstGeom>
-          <a:ln w="19050">
-            <a:solidFill>
-              <a:srgbClr val="7030A0"/>
-            </a:solidFill>
-          </a:ln>
-          <a:effectLst/>
-        </p:spPr>
-        <p:style>
-          <a:lnRef idx="1">
-            <a:schemeClr val="accent4"/>
-          </a:lnRef>
-          <a:fillRef idx="2">
-            <a:schemeClr val="accent4"/>
-          </a:fillRef>
-          <a:effectRef idx="1">
-            <a:schemeClr val="accent4"/>
-          </a:effectRef>
-          <a:fontRef idx="minor">
-            <a:schemeClr val="dk1"/>
-          </a:fontRef>
-        </p:style>
-        <p:txBody>
-          <a:bodyPr rtlCol="0" anchor="ctr"/>
-          <a:lstStyle/>
-          <a:p>
-            <a:pPr algn="ctr"/>
-            <a:r>
-              <a:rPr lang="en-US" sz="1050" dirty="0" smtClean="0">
+              <a:rPr lang="en-US" sz="1050" dirty="0">
                 <a:solidFill>
                   <a:srgbClr val="7030A0"/>
                 </a:solidFill>
@@ -5088,7 +4825,7 @@
         </p:nvCxnSpPr>
         <p:spPr>
           <a:xfrm rot="16200000" flipH="1">
-            <a:off x="3279321" y="2485431"/>
+            <a:off x="3279321" y="2737710"/>
             <a:ext cx="293825" cy="1"/>
           </a:xfrm>
           <a:prstGeom prst="bentConnector3">
@@ -5129,7 +4866,7 @@
         </p:nvSpPr>
         <p:spPr>
           <a:xfrm rot="10800000" flipV="1">
-            <a:off x="3290981" y="2162997"/>
+            <a:off x="3290981" y="2415276"/>
             <a:ext cx="270504" cy="175523"/>
           </a:xfrm>
           <a:prstGeom prst="triangle">
@@ -5177,7 +4914,7 @@
         </p:nvSpPr>
         <p:spPr>
           <a:xfrm>
-            <a:off x="2660303" y="1806470"/>
+            <a:off x="2671139" y="2049107"/>
             <a:ext cx="1539926" cy="346760"/>
           </a:xfrm>
           <a:prstGeom prst="rect">
@@ -5210,7 +4947,7 @@
           <a:p>
             <a:pPr algn="ctr"/>
             <a:r>
-              <a:rPr lang="en-US" sz="1050" dirty="0" smtClean="0">
+              <a:rPr lang="en-US" sz="1050" dirty="0">
                 <a:solidFill>
                   <a:srgbClr val="7030A0"/>
                 </a:solidFill>
@@ -5218,14 +4955,14 @@
               <a:t>&lt;&lt;interface&gt;&gt;</a:t>
             </a:r>
             <a:br>
-              <a:rPr lang="en-US" sz="1050" dirty="0" smtClean="0">
+              <a:rPr lang="en-US" sz="1050" dirty="0">
                 <a:solidFill>
                   <a:srgbClr val="7030A0"/>
                 </a:solidFill>
               </a:rPr>
             </a:br>
             <a:r>
-              <a:rPr lang="en-US" sz="1050" dirty="0" err="1" smtClean="0">
+              <a:rPr lang="en-US" sz="1050" dirty="0" err="1">
                 <a:solidFill>
                   <a:srgbClr val="7030A0"/>
                 </a:solidFill>
@@ -5248,7 +4985,7 @@
         </p:nvSpPr>
         <p:spPr>
           <a:xfrm rot="16200000">
-            <a:off x="6527512" y="3586305"/>
+            <a:off x="6362886" y="3586305"/>
             <a:ext cx="881018" cy="261610"/>
           </a:xfrm>
           <a:prstGeom prst="rect">
@@ -5264,7 +5001,7 @@
           <a:p>
             <a:pPr algn="r"/>
             <a:r>
-              <a:rPr lang="en-US" sz="1100" dirty="0" smtClean="0">
+              <a:rPr lang="en-US" sz="1100" dirty="0">
                 <a:solidFill>
                   <a:srgbClr val="7030A0"/>
                 </a:solidFill>
@@ -5320,20 +5057,12 @@
           <a:p>
             <a:pPr algn="ctr"/>
             <a:r>
-              <a:rPr lang="en-US" sz="1050" dirty="0" smtClean="0">
+              <a:rPr lang="en-US" sz="1050" dirty="0">
                 <a:solidFill>
                   <a:srgbClr val="7030A0"/>
                 </a:solidFill>
               </a:rPr>
               <a:t>&lt;&lt;interface&gt;&gt;</a:t>
-            </a:r>
-            <a:r>
-              <a:rPr lang="en-US" sz="1050">
-                <a:solidFill>
-                  <a:srgbClr val="7030A0"/>
-                </a:solidFill>
-              </a:rPr>
-              <a:t/>
             </a:r>
             <a:br>
               <a:rPr lang="en-US" sz="1050">
@@ -5343,7 +5072,7 @@
               </a:rPr>
             </a:br>
             <a:r>
-              <a:rPr lang="en-US" sz="1050" dirty="0" err="1" smtClean="0">
+              <a:rPr lang="en-US" sz="1050" dirty="0" err="1">
                 <a:solidFill>
                   <a:srgbClr val="7030A0"/>
                 </a:solidFill>
@@ -5400,19 +5129,283 @@
           </a:fontRef>
         </p:style>
       </p:cxnSp>
+      <p:sp>
+        <p:nvSpPr>
+          <p:cNvPr id="54" name="TextBox 53"/>
+          <p:cNvSpPr txBox="1"/>
+          <p:nvPr/>
+        </p:nvSpPr>
+        <p:spPr>
+          <a:xfrm>
+            <a:off x="4324972" y="3058864"/>
+            <a:ext cx="189257" cy="178683"/>
+          </a:xfrm>
+          <a:prstGeom prst="rect">
+            <a:avLst/>
+          </a:prstGeom>
+          <a:noFill/>
+        </p:spPr>
+        <p:txBody>
+          <a:bodyPr wrap="square" lIns="0" tIns="0" rIns="0" bIns="0" rtlCol="0">
+            <a:noAutofit/>
+          </a:bodyPr>
+          <a:lstStyle/>
+          <a:p>
+            <a:pPr algn="ctr"/>
+            <a:r>
+              <a:rPr lang="en-US" sz="1100" dirty="0">
+                <a:solidFill>
+                  <a:srgbClr val="7030A0"/>
+                </a:solidFill>
+              </a:rPr>
+              <a:t>1</a:t>
+            </a:r>
+            <a:endParaRPr lang="en-SG" sz="1100" dirty="0">
+              <a:solidFill>
+                <a:srgbClr val="7030A0"/>
+              </a:solidFill>
+            </a:endParaRPr>
+          </a:p>
+        </p:txBody>
+      </p:sp>
+      <p:sp>
+        <p:nvSpPr>
+          <p:cNvPr id="61" name="TextBox 60"/>
+          <p:cNvSpPr txBox="1"/>
+          <p:nvPr/>
+        </p:nvSpPr>
+        <p:spPr>
+          <a:xfrm>
+            <a:off x="6135256" y="3097917"/>
+            <a:ext cx="189257" cy="178683"/>
+          </a:xfrm>
+          <a:prstGeom prst="rect">
+            <a:avLst/>
+          </a:prstGeom>
+          <a:noFill/>
+        </p:spPr>
+        <p:txBody>
+          <a:bodyPr wrap="square" lIns="0" tIns="0" rIns="0" bIns="0" rtlCol="0">
+            <a:noAutofit/>
+          </a:bodyPr>
+          <a:lstStyle/>
+          <a:p>
+            <a:pPr algn="ctr"/>
+            <a:r>
+              <a:rPr lang="en-US" sz="1100" dirty="0">
+                <a:solidFill>
+                  <a:srgbClr val="7030A0"/>
+                </a:solidFill>
+              </a:rPr>
+              <a:t>*</a:t>
+            </a:r>
+            <a:endParaRPr lang="en-SG" sz="1100" dirty="0">
+              <a:solidFill>
+                <a:srgbClr val="7030A0"/>
+              </a:solidFill>
+            </a:endParaRPr>
+          </a:p>
+        </p:txBody>
+      </p:sp>
+      <p:sp>
+        <p:nvSpPr>
+          <p:cNvPr id="65" name="TextBox 64"/>
+          <p:cNvSpPr txBox="1"/>
+          <p:nvPr/>
+        </p:nvSpPr>
+        <p:spPr>
+          <a:xfrm>
+            <a:off x="2687923" y="2793117"/>
+            <a:ext cx="189257" cy="178683"/>
+          </a:xfrm>
+          <a:prstGeom prst="rect">
+            <a:avLst/>
+          </a:prstGeom>
+          <a:noFill/>
+        </p:spPr>
+        <p:txBody>
+          <a:bodyPr wrap="square" lIns="0" tIns="0" rIns="0" bIns="0" rtlCol="0">
+            <a:noAutofit/>
+          </a:bodyPr>
+          <a:lstStyle/>
+          <a:p>
+            <a:pPr algn="ctr"/>
+            <a:r>
+              <a:rPr lang="en-US" sz="1100" dirty="0">
+                <a:solidFill>
+                  <a:srgbClr val="7030A0"/>
+                </a:solidFill>
+              </a:rPr>
+              <a:t>1</a:t>
+            </a:r>
+            <a:endParaRPr lang="en-SG" sz="1100" dirty="0">
+              <a:solidFill>
+                <a:srgbClr val="7030A0"/>
+              </a:solidFill>
+            </a:endParaRPr>
+          </a:p>
+        </p:txBody>
+      </p:sp>
+      <p:sp>
+        <p:nvSpPr>
+          <p:cNvPr id="66" name="TextBox 65"/>
+          <p:cNvSpPr txBox="1"/>
+          <p:nvPr/>
+        </p:nvSpPr>
+        <p:spPr>
+          <a:xfrm>
+            <a:off x="2707070" y="3667737"/>
+            <a:ext cx="189257" cy="178683"/>
+          </a:xfrm>
+          <a:prstGeom prst="rect">
+            <a:avLst/>
+          </a:prstGeom>
+          <a:noFill/>
+        </p:spPr>
+        <p:txBody>
+          <a:bodyPr wrap="square" lIns="0" tIns="0" rIns="0" bIns="0" rtlCol="0">
+            <a:noAutofit/>
+          </a:bodyPr>
+          <a:lstStyle/>
+          <a:p>
+            <a:pPr algn="ctr"/>
+            <a:r>
+              <a:rPr lang="en-US" sz="1100" dirty="0">
+                <a:solidFill>
+                  <a:srgbClr val="7030A0"/>
+                </a:solidFill>
+              </a:rPr>
+              <a:t>1</a:t>
+            </a:r>
+            <a:endParaRPr lang="en-SG" sz="1100" dirty="0">
+              <a:solidFill>
+                <a:srgbClr val="7030A0"/>
+              </a:solidFill>
+            </a:endParaRPr>
+          </a:p>
+        </p:txBody>
+      </p:sp>
+      <p:sp>
+        <p:nvSpPr>
+          <p:cNvPr id="70" name="TextBox 69"/>
+          <p:cNvSpPr txBox="1"/>
+          <p:nvPr/>
+        </p:nvSpPr>
+        <p:spPr>
+          <a:xfrm>
+            <a:off x="6449896" y="3204826"/>
+            <a:ext cx="189257" cy="178683"/>
+          </a:xfrm>
+          <a:prstGeom prst="rect">
+            <a:avLst/>
+          </a:prstGeom>
+          <a:noFill/>
+        </p:spPr>
+        <p:txBody>
+          <a:bodyPr wrap="square" lIns="0" tIns="0" rIns="0" bIns="0" rtlCol="0">
+            <a:noAutofit/>
+          </a:bodyPr>
+          <a:lstStyle/>
+          <a:p>
+            <a:pPr algn="ctr"/>
+            <a:r>
+              <a:rPr lang="en-US" sz="1100" dirty="0">
+                <a:solidFill>
+                  <a:srgbClr val="7030A0"/>
+                </a:solidFill>
+              </a:rPr>
+              <a:t>1</a:t>
+            </a:r>
+            <a:endParaRPr lang="en-SG" sz="1100" dirty="0">
+              <a:solidFill>
+                <a:srgbClr val="7030A0"/>
+              </a:solidFill>
+            </a:endParaRPr>
+          </a:p>
+        </p:txBody>
+      </p:sp>
+      <p:sp>
+        <p:nvSpPr>
+          <p:cNvPr id="52" name="Rectangle 8">
+            <a:extLst>
+              <a:ext uri="{FF2B5EF4-FFF2-40B4-BE49-F238E27FC236}">
+                <a16:creationId xmlns:a16="http://schemas.microsoft.com/office/drawing/2014/main" id="{ABDCDBD2-131A-4B66-A2F2-43BBEE82C773}"/>
+              </a:ext>
+            </a:extLst>
+          </p:cNvPr>
+          <p:cNvSpPr/>
+          <p:nvPr/>
+        </p:nvSpPr>
+        <p:spPr>
+          <a:xfrm>
+            <a:off x="7712397" y="1981200"/>
+            <a:ext cx="708186" cy="285783"/>
+          </a:xfrm>
+          <a:prstGeom prst="rect">
+            <a:avLst/>
+          </a:prstGeom>
+          <a:ln w="19050">
+            <a:solidFill>
+              <a:srgbClr val="7030A0"/>
+            </a:solidFill>
+          </a:ln>
+          <a:effectLst/>
+        </p:spPr>
+        <p:style>
+          <a:lnRef idx="1">
+            <a:schemeClr val="accent4"/>
+          </a:lnRef>
+          <a:fillRef idx="2">
+            <a:schemeClr val="accent4"/>
+          </a:fillRef>
+          <a:effectRef idx="1">
+            <a:schemeClr val="accent4"/>
+          </a:effectRef>
+          <a:fontRef idx="minor">
+            <a:schemeClr val="dk1"/>
+          </a:fontRef>
+        </p:style>
+        <p:txBody>
+          <a:bodyPr rtlCol="0" anchor="ctr"/>
+          <a:lstStyle/>
+          <a:p>
+            <a:pPr algn="ctr"/>
+            <a:r>
+              <a:rPr lang="en-US" sz="1050" dirty="0">
+                <a:solidFill>
+                  <a:srgbClr val="7030A0"/>
+                </a:solidFill>
+              </a:rPr>
+              <a:t>Tag</a:t>
+            </a:r>
+            <a:endParaRPr lang="en-SG" sz="1050" dirty="0">
+              <a:solidFill>
+                <a:srgbClr val="7030A0"/>
+              </a:solidFill>
+            </a:endParaRPr>
+          </a:p>
+        </p:txBody>
+      </p:sp>
       <p:cxnSp>
         <p:nvCxnSpPr>
-          <p:cNvPr id="50" name="Elbow Connector 49"/>
+          <p:cNvPr id="53" name="Elbow Connector 78">
+            <a:extLst>
+              <a:ext uri="{FF2B5EF4-FFF2-40B4-BE49-F238E27FC236}">
+                <a16:creationId xmlns:a16="http://schemas.microsoft.com/office/drawing/2014/main" id="{B97967F8-618A-448B-81FD-CDFD4AF0EC64}"/>
+              </a:ext>
+            </a:extLst>
+          </p:cNvPr>
           <p:cNvCxnSpPr>
-            <a:stCxn id="62" idx="0"/>
-            <a:endCxn id="57" idx="3"/>
+            <a:cxnSpLocks/>
+            <a:stCxn id="44" idx="3"/>
+            <a:endCxn id="52" idx="1"/>
           </p:cNvCxnSpPr>
           <p:nvPr/>
         </p:nvCxnSpPr>
         <p:spPr>
-          <a:xfrm rot="16200000" flipV="1">
-            <a:off x="5948976" y="2139271"/>
-            <a:ext cx="404117" cy="1033473"/>
+          <a:xfrm rot="5400000" flipH="1" flipV="1">
+            <a:off x="6943794" y="1848069"/>
+            <a:ext cx="492579" cy="1044627"/>
           </a:xfrm>
           <a:prstGeom prst="bentConnector2">
             <a:avLst/>
@@ -5443,13 +5436,70 @@
       </p:cxnSp>
       <p:sp>
         <p:nvSpPr>
-          <p:cNvPr id="11" name="TextBox 10"/>
+          <p:cNvPr id="44" name="Flowchart: Decision 96">
+            <a:extLst>
+              <a:ext uri="{FF2B5EF4-FFF2-40B4-BE49-F238E27FC236}">
+                <a16:creationId xmlns:a16="http://schemas.microsoft.com/office/drawing/2014/main" id="{A8F49AA1-AD12-4E5D-AAFE-3A4F4FB878D9}"/>
+              </a:ext>
+            </a:extLst>
+          </p:cNvPr>
+          <p:cNvSpPr/>
+          <p:nvPr/>
+        </p:nvSpPr>
+        <p:spPr>
+          <a:xfrm rot="16200000">
+            <a:off x="6549746" y="2648005"/>
+            <a:ext cx="236048" cy="173380"/>
+          </a:xfrm>
+          <a:prstGeom prst="flowChartDecision">
+            <a:avLst/>
+          </a:prstGeom>
+          <a:noFill/>
+          <a:ln w="19050">
+            <a:solidFill>
+              <a:srgbClr val="7030A0"/>
+            </a:solidFill>
+          </a:ln>
+          <a:effectLst/>
+        </p:spPr>
+        <p:style>
+          <a:lnRef idx="1">
+            <a:schemeClr val="accent6"/>
+          </a:lnRef>
+          <a:fillRef idx="2">
+            <a:schemeClr val="accent6"/>
+          </a:fillRef>
+          <a:effectRef idx="1">
+            <a:schemeClr val="accent6"/>
+          </a:effectRef>
+          <a:fontRef idx="minor">
+            <a:schemeClr val="dk1"/>
+          </a:fontRef>
+        </p:style>
+        <p:txBody>
+          <a:bodyPr rtlCol="0" anchor="ctr"/>
+          <a:lstStyle/>
+          <a:p>
+            <a:pPr algn="ctr"/>
+            <a:endParaRPr lang="en-US" sz="1050"/>
+          </a:p>
+        </p:txBody>
+      </p:sp>
+      <p:sp>
+        <p:nvSpPr>
+          <p:cNvPr id="50" name="TextBox 49">
+            <a:extLst>
+              <a:ext uri="{FF2B5EF4-FFF2-40B4-BE49-F238E27FC236}">
+                <a16:creationId xmlns:a16="http://schemas.microsoft.com/office/drawing/2014/main" id="{B3FA9D57-880F-49C4-AD0B-A64E30D6F403}"/>
+              </a:ext>
+            </a:extLst>
+          </p:cNvPr>
           <p:cNvSpPr txBox="1"/>
           <p:nvPr/>
         </p:nvSpPr>
         <p:spPr>
           <a:xfrm>
-            <a:off x="4324972" y="2191228"/>
+            <a:off x="7452601" y="2133600"/>
             <a:ext cx="189257" cy="178683"/>
           </a:xfrm>
           <a:prstGeom prst="rect">
@@ -5465,285 +5515,12 @@
           <a:p>
             <a:pPr algn="ctr"/>
             <a:r>
-              <a:rPr lang="en-US" sz="1100" dirty="0" smtClean="0">
-                <a:solidFill>
-                  <a:srgbClr val="7030A0"/>
-                </a:solidFill>
-              </a:rPr>
-              <a:t>1</a:t>
-            </a:r>
-            <a:endParaRPr lang="en-SG" sz="1100" dirty="0">
-              <a:solidFill>
-                <a:srgbClr val="7030A0"/>
-              </a:solidFill>
-            </a:endParaRPr>
-          </a:p>
-        </p:txBody>
-      </p:sp>
-      <p:sp>
-        <p:nvSpPr>
-          <p:cNvPr id="54" name="TextBox 53"/>
-          <p:cNvSpPr txBox="1"/>
-          <p:nvPr/>
-        </p:nvSpPr>
-        <p:spPr>
-          <a:xfrm>
-            <a:off x="4324972" y="3058864"/>
-            <a:ext cx="189257" cy="178683"/>
-          </a:xfrm>
-          <a:prstGeom prst="rect">
-            <a:avLst/>
-          </a:prstGeom>
-          <a:noFill/>
-        </p:spPr>
-        <p:txBody>
-          <a:bodyPr wrap="square" lIns="0" tIns="0" rIns="0" bIns="0" rtlCol="0">
-            <a:noAutofit/>
-          </a:bodyPr>
-          <a:lstStyle/>
-          <a:p>
-            <a:pPr algn="ctr"/>
-            <a:r>
-              <a:rPr lang="en-US" sz="1100" dirty="0" smtClean="0">
-                <a:solidFill>
-                  <a:srgbClr val="7030A0"/>
-                </a:solidFill>
-              </a:rPr>
-              <a:t>1</a:t>
-            </a:r>
-            <a:endParaRPr lang="en-SG" sz="1100" dirty="0">
-              <a:solidFill>
-                <a:srgbClr val="7030A0"/>
-              </a:solidFill>
-            </a:endParaRPr>
-          </a:p>
-        </p:txBody>
-      </p:sp>
-      <p:sp>
-        <p:nvSpPr>
-          <p:cNvPr id="56" name="TextBox 55"/>
-          <p:cNvSpPr txBox="1"/>
-          <p:nvPr/>
-        </p:nvSpPr>
-        <p:spPr>
-          <a:xfrm>
-            <a:off x="5689761" y="2495413"/>
-            <a:ext cx="189257" cy="178683"/>
-          </a:xfrm>
-          <a:prstGeom prst="rect">
-            <a:avLst/>
-          </a:prstGeom>
-          <a:noFill/>
-        </p:spPr>
-        <p:txBody>
-          <a:bodyPr wrap="square" lIns="0" tIns="0" rIns="0" bIns="0" rtlCol="0">
-            <a:noAutofit/>
-          </a:bodyPr>
-          <a:lstStyle/>
-          <a:p>
-            <a:pPr algn="ctr"/>
-            <a:r>
-              <a:rPr lang="en-US" sz="1100" dirty="0" smtClean="0">
-                <a:solidFill>
-                  <a:srgbClr val="7030A0"/>
-                </a:solidFill>
-              </a:rPr>
-              <a:t>1</a:t>
-            </a:r>
-            <a:endParaRPr lang="en-SG" sz="1100" dirty="0">
-              <a:solidFill>
-                <a:srgbClr val="7030A0"/>
-              </a:solidFill>
-            </a:endParaRPr>
-          </a:p>
-        </p:txBody>
-      </p:sp>
-      <p:sp>
-        <p:nvSpPr>
-          <p:cNvPr id="60" name="TextBox 59"/>
-          <p:cNvSpPr txBox="1"/>
-          <p:nvPr/>
-        </p:nvSpPr>
-        <p:spPr>
-          <a:xfrm>
-            <a:off x="5163172" y="1778919"/>
-            <a:ext cx="189257" cy="178683"/>
-          </a:xfrm>
-          <a:prstGeom prst="rect">
-            <a:avLst/>
-          </a:prstGeom>
-          <a:noFill/>
-        </p:spPr>
-        <p:txBody>
-          <a:bodyPr wrap="square" lIns="0" tIns="0" rIns="0" bIns="0" rtlCol="0">
-            <a:noAutofit/>
-          </a:bodyPr>
-          <a:lstStyle/>
-          <a:p>
-            <a:pPr algn="ctr"/>
-            <a:r>
-              <a:rPr lang="en-US" sz="1100" dirty="0" smtClean="0">
+              <a:rPr lang="en-US" sz="1100" dirty="0">
                 <a:solidFill>
                   <a:srgbClr val="7030A0"/>
                 </a:solidFill>
               </a:rPr>
               <a:t>*</a:t>
-            </a:r>
-            <a:endParaRPr lang="en-SG" sz="1100" dirty="0">
-              <a:solidFill>
-                <a:srgbClr val="7030A0"/>
-              </a:solidFill>
-            </a:endParaRPr>
-          </a:p>
-        </p:txBody>
-      </p:sp>
-      <p:sp>
-        <p:nvSpPr>
-          <p:cNvPr id="61" name="TextBox 60"/>
-          <p:cNvSpPr txBox="1"/>
-          <p:nvPr/>
-        </p:nvSpPr>
-        <p:spPr>
-          <a:xfrm>
-            <a:off x="6135256" y="3097917"/>
-            <a:ext cx="189257" cy="178683"/>
-          </a:xfrm>
-          <a:prstGeom prst="rect">
-            <a:avLst/>
-          </a:prstGeom>
-          <a:noFill/>
-        </p:spPr>
-        <p:txBody>
-          <a:bodyPr wrap="square" lIns="0" tIns="0" rIns="0" bIns="0" rtlCol="0">
-            <a:noAutofit/>
-          </a:bodyPr>
-          <a:lstStyle/>
-          <a:p>
-            <a:pPr algn="ctr"/>
-            <a:r>
-              <a:rPr lang="en-US" sz="1100" dirty="0" smtClean="0">
-                <a:solidFill>
-                  <a:srgbClr val="7030A0"/>
-                </a:solidFill>
-              </a:rPr>
-              <a:t>*</a:t>
-            </a:r>
-            <a:endParaRPr lang="en-SG" sz="1100" dirty="0">
-              <a:solidFill>
-                <a:srgbClr val="7030A0"/>
-              </a:solidFill>
-            </a:endParaRPr>
-          </a:p>
-        </p:txBody>
-      </p:sp>
-      <p:sp>
-        <p:nvSpPr>
-          <p:cNvPr id="65" name="TextBox 64"/>
-          <p:cNvSpPr txBox="1"/>
-          <p:nvPr/>
-        </p:nvSpPr>
-        <p:spPr>
-          <a:xfrm>
-            <a:off x="2687923" y="2564238"/>
-            <a:ext cx="189257" cy="178683"/>
-          </a:xfrm>
-          <a:prstGeom prst="rect">
-            <a:avLst/>
-          </a:prstGeom>
-          <a:noFill/>
-        </p:spPr>
-        <p:txBody>
-          <a:bodyPr wrap="square" lIns="0" tIns="0" rIns="0" bIns="0" rtlCol="0">
-            <a:noAutofit/>
-          </a:bodyPr>
-          <a:lstStyle/>
-          <a:p>
-            <a:pPr algn="ctr"/>
-            <a:r>
-              <a:rPr lang="en-US" sz="1100" dirty="0" smtClean="0">
-                <a:solidFill>
-                  <a:srgbClr val="7030A0"/>
-                </a:solidFill>
-              </a:rPr>
-              <a:t>1</a:t>
-            </a:r>
-            <a:endParaRPr lang="en-SG" sz="1100" dirty="0">
-              <a:solidFill>
-                <a:srgbClr val="7030A0"/>
-              </a:solidFill>
-            </a:endParaRPr>
-          </a:p>
-        </p:txBody>
-      </p:sp>
-      <p:sp>
-        <p:nvSpPr>
-          <p:cNvPr id="66" name="TextBox 65"/>
-          <p:cNvSpPr txBox="1"/>
-          <p:nvPr/>
-        </p:nvSpPr>
-        <p:spPr>
-          <a:xfrm>
-            <a:off x="2656370" y="3386050"/>
-            <a:ext cx="189257" cy="178683"/>
-          </a:xfrm>
-          <a:prstGeom prst="rect">
-            <a:avLst/>
-          </a:prstGeom>
-          <a:noFill/>
-        </p:spPr>
-        <p:txBody>
-          <a:bodyPr wrap="square" lIns="0" tIns="0" rIns="0" bIns="0" rtlCol="0">
-            <a:noAutofit/>
-          </a:bodyPr>
-          <a:lstStyle/>
-          <a:p>
-            <a:pPr algn="ctr"/>
-            <a:r>
-              <a:rPr lang="en-US" sz="1100" dirty="0" smtClean="0">
-                <a:solidFill>
-                  <a:srgbClr val="7030A0"/>
-                </a:solidFill>
-              </a:rPr>
-              <a:t>1</a:t>
-            </a:r>
-            <a:endParaRPr lang="en-SG" sz="1100" dirty="0">
-              <a:solidFill>
-                <a:srgbClr val="7030A0"/>
-              </a:solidFill>
-            </a:endParaRPr>
-          </a:p>
-        </p:txBody>
-      </p:sp>
-      <p:sp>
-        <p:nvSpPr>
-          <p:cNvPr id="70" name="TextBox 69"/>
-          <p:cNvSpPr txBox="1"/>
-          <p:nvPr/>
-        </p:nvSpPr>
-        <p:spPr>
-          <a:xfrm>
-            <a:off x="6667770" y="3210194"/>
-            <a:ext cx="189257" cy="178683"/>
-          </a:xfrm>
-          <a:prstGeom prst="rect">
-            <a:avLst/>
-          </a:prstGeom>
-          <a:noFill/>
-        </p:spPr>
-        <p:txBody>
-          <a:bodyPr wrap="square" lIns="0" tIns="0" rIns="0" bIns="0" rtlCol="0">
-            <a:noAutofit/>
-          </a:bodyPr>
-          <a:lstStyle/>
-          <a:p>
-            <a:pPr algn="ctr"/>
-            <a:r>
-              <a:rPr lang="en-US" sz="1100" dirty="0" smtClean="0">
-                <a:solidFill>
-                  <a:srgbClr val="7030A0"/>
-                </a:solidFill>
-              </a:rPr>
-              <a:t>1</a:t>
             </a:r>
             <a:endParaRPr lang="en-SG" sz="1100" dirty="0">
               <a:solidFill>
@@ -5763,13 +5540,6 @@
   <p:clrMapOvr>
     <a:masterClrMapping/>
   </p:clrMapOvr>
-  <p:timing>
-    <p:tnLst>
-      <p:par>
-        <p:cTn id="1" dur="indefinite" restart="never" nodeType="tmRoot"/>
-      </p:par>
-    </p:tnLst>
-  </p:timing>
 </p:sld>
 </file>
 

--- a/docs/diagrams/ModelComponentClassDiagram.pptx
+++ b/docs/diagrams/ModelComponentClassDiagram.pptx
@@ -208,7 +208,7 @@
           <a:p>
             <a:fld id="{F5CC4B3F-88C1-4FFA-B1B6-F41C21DC6924}" type="datetimeFigureOut">
               <a:rPr lang="en-US" smtClean="0"/>
-              <a:t>4/5/2018</a:t>
+              <a:t>4/17/2018</a:t>
             </a:fld>
             <a:endParaRPr lang="en-US"/>
           </a:p>
@@ -654,7 +654,7 @@
           <a:p>
             <a:fld id="{78C97017-6FC3-485B-9764-EAC9E56C1D49}" type="datetimeFigureOut">
               <a:rPr lang="en-US" smtClean="0"/>
-              <a:t>4/5/2018</a:t>
+              <a:t>4/17/2018</a:t>
             </a:fld>
             <a:endParaRPr lang="en-US"/>
           </a:p>
@@ -822,7 +822,7 @@
           <a:p>
             <a:fld id="{78C97017-6FC3-485B-9764-EAC9E56C1D49}" type="datetimeFigureOut">
               <a:rPr lang="en-US" smtClean="0"/>
-              <a:t>4/5/2018</a:t>
+              <a:t>4/17/2018</a:t>
             </a:fld>
             <a:endParaRPr lang="en-US"/>
           </a:p>
@@ -1000,7 +1000,7 @@
           <a:p>
             <a:fld id="{78C97017-6FC3-485B-9764-EAC9E56C1D49}" type="datetimeFigureOut">
               <a:rPr lang="en-US" smtClean="0"/>
-              <a:t>4/5/2018</a:t>
+              <a:t>4/17/2018</a:t>
             </a:fld>
             <a:endParaRPr lang="en-US"/>
           </a:p>
@@ -1168,7 +1168,7 @@
           <a:p>
             <a:fld id="{78C97017-6FC3-485B-9764-EAC9E56C1D49}" type="datetimeFigureOut">
               <a:rPr lang="en-US" smtClean="0"/>
-              <a:t>4/5/2018</a:t>
+              <a:t>4/17/2018</a:t>
             </a:fld>
             <a:endParaRPr lang="en-US"/>
           </a:p>
@@ -1413,7 +1413,7 @@
           <a:p>
             <a:fld id="{78C97017-6FC3-485B-9764-EAC9E56C1D49}" type="datetimeFigureOut">
               <a:rPr lang="en-US" smtClean="0"/>
-              <a:t>4/5/2018</a:t>
+              <a:t>4/17/2018</a:t>
             </a:fld>
             <a:endParaRPr lang="en-US"/>
           </a:p>
@@ -1698,7 +1698,7 @@
           <a:p>
             <a:fld id="{78C97017-6FC3-485B-9764-EAC9E56C1D49}" type="datetimeFigureOut">
               <a:rPr lang="en-US" smtClean="0"/>
-              <a:t>4/5/2018</a:t>
+              <a:t>4/17/2018</a:t>
             </a:fld>
             <a:endParaRPr lang="en-US"/>
           </a:p>
@@ -2117,7 +2117,7 @@
           <a:p>
             <a:fld id="{78C97017-6FC3-485B-9764-EAC9E56C1D49}" type="datetimeFigureOut">
               <a:rPr lang="en-US" smtClean="0"/>
-              <a:t>4/5/2018</a:t>
+              <a:t>4/17/2018</a:t>
             </a:fld>
             <a:endParaRPr lang="en-US"/>
           </a:p>
@@ -2234,7 +2234,7 @@
           <a:p>
             <a:fld id="{78C97017-6FC3-485B-9764-EAC9E56C1D49}" type="datetimeFigureOut">
               <a:rPr lang="en-US" smtClean="0"/>
-              <a:t>4/5/2018</a:t>
+              <a:t>4/17/2018</a:t>
             </a:fld>
             <a:endParaRPr lang="en-US"/>
           </a:p>
@@ -2329,7 +2329,7 @@
           <a:p>
             <a:fld id="{78C97017-6FC3-485B-9764-EAC9E56C1D49}" type="datetimeFigureOut">
               <a:rPr lang="en-US" smtClean="0"/>
-              <a:t>4/5/2018</a:t>
+              <a:t>4/17/2018</a:t>
             </a:fld>
             <a:endParaRPr lang="en-US"/>
           </a:p>
@@ -2604,7 +2604,7 @@
           <a:p>
             <a:fld id="{78C97017-6FC3-485B-9764-EAC9E56C1D49}" type="datetimeFigureOut">
               <a:rPr lang="en-US" smtClean="0"/>
-              <a:t>4/5/2018</a:t>
+              <a:t>4/17/2018</a:t>
             </a:fld>
             <a:endParaRPr lang="en-US"/>
           </a:p>
@@ -2856,7 +2856,7 @@
           <a:p>
             <a:fld id="{78C97017-6FC3-485B-9764-EAC9E56C1D49}" type="datetimeFigureOut">
               <a:rPr lang="en-US" smtClean="0"/>
-              <a:t>4/5/2018</a:t>
+              <a:t>4/17/2018</a:t>
             </a:fld>
             <a:endParaRPr lang="en-US"/>
           </a:p>
@@ -3067,7 +3067,7 @@
           <a:p>
             <a:fld id="{78C97017-6FC3-485B-9764-EAC9E56C1D49}" type="datetimeFigureOut">
               <a:rPr lang="en-US" smtClean="0"/>
-              <a:t>4/5/2018</a:t>
+              <a:t>4/17/2018</a:t>
             </a:fld>
             <a:endParaRPr lang="en-US"/>
           </a:p>
@@ -3450,8 +3450,8 @@
         </p:nvSpPr>
         <p:spPr>
           <a:xfrm>
-            <a:off x="1119865" y="1516065"/>
-            <a:ext cx="7490735" cy="3200400"/>
+            <a:off x="1119865" y="1600200"/>
+            <a:ext cx="7490735" cy="3124200"/>
           </a:xfrm>
           <a:prstGeom prst="roundRect">
             <a:avLst>
@@ -3961,7 +3961,7 @@
         </p:nvSpPr>
         <p:spPr>
           <a:xfrm>
-            <a:off x="2873582" y="2831936"/>
+            <a:off x="3001648" y="2834258"/>
             <a:ext cx="1093635" cy="346760"/>
           </a:xfrm>
           <a:prstGeom prst="rect">
@@ -4021,7 +4021,7 @@
         <p:spPr>
           <a:xfrm>
             <a:off x="2624360" y="3003033"/>
-            <a:ext cx="249222" cy="2283"/>
+            <a:ext cx="377288" cy="4605"/>
           </a:xfrm>
           <a:prstGeom prst="straightConnector1">
             <a:avLst/>
@@ -4159,7 +4159,7 @@
         </p:nvSpPr>
         <p:spPr>
           <a:xfrm>
-            <a:off x="3977259" y="2932345"/>
+            <a:off x="4088924" y="2932852"/>
             <a:ext cx="236048" cy="173380"/>
           </a:xfrm>
           <a:prstGeom prst="flowChartDecision">
@@ -4209,8 +4209,8 @@
         </p:nvCxnSpPr>
         <p:spPr>
           <a:xfrm>
-            <a:off x="4213307" y="3019035"/>
-            <a:ext cx="273710" cy="1716"/>
+            <a:off x="4324972" y="3019542"/>
+            <a:ext cx="162045" cy="1209"/>
           </a:xfrm>
           <a:prstGeom prst="bentConnector3">
             <a:avLst/>
@@ -4825,7 +4825,7 @@
         </p:nvCxnSpPr>
         <p:spPr>
           <a:xfrm rot="16200000" flipH="1">
-            <a:off x="3279321" y="2737710"/>
+            <a:off x="3439753" y="2690527"/>
             <a:ext cx="293825" cy="1"/>
           </a:xfrm>
           <a:prstGeom prst="bentConnector3">
@@ -4866,7 +4866,7 @@
         </p:nvSpPr>
         <p:spPr>
           <a:xfrm rot="10800000" flipV="1">
-            <a:off x="3290981" y="2415276"/>
+            <a:off x="3451413" y="2368093"/>
             <a:ext cx="270504" cy="175523"/>
           </a:xfrm>
           <a:prstGeom prst="triangle">
@@ -4914,8 +4914,8 @@
         </p:nvSpPr>
         <p:spPr>
           <a:xfrm>
-            <a:off x="2722420" y="2011740"/>
-            <a:ext cx="1539926" cy="346760"/>
+            <a:off x="2862685" y="1998350"/>
+            <a:ext cx="1443661" cy="369744"/>
           </a:xfrm>
           <a:prstGeom prst="rect">
             <a:avLst/>
@@ -5489,110 +5489,32 @@
           </a:p>
         </p:txBody>
       </p:sp>
-      <p:sp>
-        <p:nvSpPr>
-          <p:cNvPr id="45" name="Flowchart: Decision 96"/>
-          <p:cNvSpPr/>
-          <p:nvPr/>
-        </p:nvSpPr>
-        <p:spPr>
-          <a:xfrm>
-            <a:off x="2090341" y="2540277"/>
-            <a:ext cx="236048" cy="173380"/>
-          </a:xfrm>
-          <a:prstGeom prst="flowChartDecision">
-            <a:avLst/>
-          </a:prstGeom>
-          <a:noFill/>
-          <a:ln w="19050">
-            <a:solidFill>
-              <a:srgbClr val="7030A0"/>
-            </a:solidFill>
-          </a:ln>
-          <a:effectLst/>
-        </p:spPr>
-        <p:style>
-          <a:lnRef idx="1">
-            <a:schemeClr val="accent6"/>
-          </a:lnRef>
-          <a:fillRef idx="2">
-            <a:schemeClr val="accent6"/>
-          </a:fillRef>
-          <a:effectRef idx="1">
-            <a:schemeClr val="accent6"/>
-          </a:effectRef>
-          <a:fontRef idx="minor">
-            <a:schemeClr val="dk1"/>
-          </a:fontRef>
-        </p:style>
-        <p:txBody>
-          <a:bodyPr rtlCol="0" anchor="ctr"/>
-          <a:lstStyle/>
-          <a:p>
-            <a:pPr algn="ctr"/>
-            <a:endParaRPr lang="en-US" sz="1050"/>
-          </a:p>
-        </p:txBody>
-      </p:sp>
-      <p:sp>
-        <p:nvSpPr>
-          <p:cNvPr id="55" name="TextBox 54"/>
-          <p:cNvSpPr txBox="1"/>
-          <p:nvPr/>
-        </p:nvSpPr>
-        <p:spPr>
-          <a:xfrm>
-            <a:off x="1935864" y="2458369"/>
-            <a:ext cx="189257" cy="178683"/>
-          </a:xfrm>
-          <a:prstGeom prst="rect">
-            <a:avLst/>
-          </a:prstGeom>
-          <a:noFill/>
-        </p:spPr>
-        <p:txBody>
-          <a:bodyPr wrap="square" lIns="0" tIns="0" rIns="0" bIns="0" rtlCol="0">
-            <a:noAutofit/>
-          </a:bodyPr>
-          <a:lstStyle/>
-          <a:p>
-            <a:pPr algn="ctr"/>
-            <a:r>
-              <a:rPr lang="en-US" sz="1100" dirty="0">
-                <a:solidFill>
-                  <a:srgbClr val="7030A0"/>
-                </a:solidFill>
-              </a:rPr>
-              <a:t>1</a:t>
-            </a:r>
-            <a:endParaRPr lang="en-SG" sz="1100" dirty="0">
-              <a:solidFill>
-                <a:srgbClr val="7030A0"/>
-              </a:solidFill>
-            </a:endParaRPr>
-          </a:p>
-        </p:txBody>
-      </p:sp>
       <p:cxnSp>
         <p:nvCxnSpPr>
-          <p:cNvPr id="56" name="Straight Arrow Connector 55"/>
-          <p:cNvCxnSpPr/>
+          <p:cNvPr id="44" name="Elbow Connector 63"/>
+          <p:cNvCxnSpPr>
+            <a:stCxn id="45" idx="3"/>
+            <a:endCxn id="9" idx="3"/>
+          </p:cNvCxnSpPr>
           <p:nvPr/>
         </p:nvCxnSpPr>
         <p:spPr>
-          <a:xfrm flipV="1">
-            <a:off x="2202529" y="2338508"/>
-            <a:ext cx="486" cy="205557"/>
-          </a:xfrm>
-          <a:prstGeom prst="straightConnector1">
-            <a:avLst/>
+          <a:xfrm rot="5400000">
+            <a:off x="2107245" y="2619371"/>
+            <a:ext cx="206064" cy="3821"/>
+          </a:xfrm>
+          <a:prstGeom prst="bentConnector3">
+            <a:avLst>
+              <a:gd name="adj1" fmla="val 50000"/>
+            </a:avLst>
           </a:prstGeom>
           <a:ln w="19050">
             <a:solidFill>
               <a:srgbClr val="7030A0"/>
             </a:solidFill>
+            <a:prstDash val="sysDot"/>
             <a:headEnd type="none" w="med" len="med"/>
-            <a:tailEnd type="arrow" w="med" len="med"/>
+            <a:tailEnd type="none" w="med" len="med"/>
           </a:ln>
           <a:effectLst/>
         </p:spPr>
@@ -5613,16 +5535,16 @@
       </p:cxnSp>
       <p:sp>
         <p:nvSpPr>
-          <p:cNvPr id="57" name="Rectangle 8"/>
+          <p:cNvPr id="45" name="Isosceles Triangle 102"/>
           <p:cNvSpPr/>
           <p:nvPr/>
         </p:nvSpPr>
         <p:spPr>
-          <a:xfrm>
-            <a:off x="1405377" y="2019332"/>
-            <a:ext cx="1063461" cy="346760"/>
-          </a:xfrm>
-          <a:prstGeom prst="rect">
+          <a:xfrm rot="10800000" flipV="1">
+            <a:off x="2110802" y="2342726"/>
+            <a:ext cx="202771" cy="175523"/>
+          </a:xfrm>
+          <a:prstGeom prst="triangle">
             <a:avLst/>
           </a:prstGeom>
           <a:ln w="19050">
@@ -5651,15 +5573,102 @@
           <a:lstStyle/>
           <a:p>
             <a:pPr algn="ctr"/>
-            <a:r>
-              <a:rPr lang="en-US" sz="1050" dirty="0" err="1" smtClean="0">
+            <a:endParaRPr lang="en-SG" sz="1050" b="1">
+              <a:solidFill>
+                <a:srgbClr val="92D050"/>
+              </a:solidFill>
+            </a:endParaRPr>
+          </a:p>
+        </p:txBody>
+      </p:sp>
+      <p:sp>
+        <p:nvSpPr>
+          <p:cNvPr id="55" name="Rectangle 8"/>
+          <p:cNvSpPr/>
+          <p:nvPr/>
+        </p:nvSpPr>
+        <p:spPr>
+          <a:xfrm>
+            <a:off x="1219200" y="1998349"/>
+            <a:ext cx="1387353" cy="338573"/>
+          </a:xfrm>
+          <a:prstGeom prst="rect">
+            <a:avLst/>
+          </a:prstGeom>
+          <a:ln w="19050">
+            <a:solidFill>
+              <a:srgbClr val="7030A0"/>
+            </a:solidFill>
+          </a:ln>
+          <a:effectLst/>
+        </p:spPr>
+        <p:style>
+          <a:lnRef idx="1">
+            <a:schemeClr val="accent4"/>
+          </a:lnRef>
+          <a:fillRef idx="2">
+            <a:schemeClr val="accent4"/>
+          </a:fillRef>
+          <a:effectRef idx="1">
+            <a:schemeClr val="accent4"/>
+          </a:effectRef>
+          <a:fontRef idx="minor">
+            <a:schemeClr val="dk1"/>
+          </a:fontRef>
+        </p:style>
+        <p:txBody>
+          <a:bodyPr rtlCol="0" anchor="ctr"/>
+          <a:lstStyle/>
+          <a:p>
+            <a:pPr algn="ctr"/>
+            <a:r>
+              <a:rPr lang="en-SG" sz="1050" dirty="0" err="1" smtClean="0">
                 <a:solidFill>
                   <a:srgbClr val="7030A0"/>
                 </a:solidFill>
               </a:rPr>
-              <a:t>UndoRedoStack</a:t>
+              <a:t>UndoRedoCareTaker</a:t>
             </a:r>
             <a:endParaRPr lang="en-SG" sz="1050" dirty="0">
+              <a:solidFill>
+                <a:srgbClr val="7030A0"/>
+              </a:solidFill>
+            </a:endParaRPr>
+          </a:p>
+        </p:txBody>
+      </p:sp>
+      <p:sp>
+        <p:nvSpPr>
+          <p:cNvPr id="56" name="TextBox 55"/>
+          <p:cNvSpPr txBox="1"/>
+          <p:nvPr/>
+        </p:nvSpPr>
+        <p:spPr>
+          <a:xfrm>
+            <a:off x="2296461" y="2345884"/>
+            <a:ext cx="189257" cy="178683"/>
+          </a:xfrm>
+          <a:prstGeom prst="rect">
+            <a:avLst/>
+          </a:prstGeom>
+          <a:noFill/>
+        </p:spPr>
+        <p:txBody>
+          <a:bodyPr wrap="square" lIns="0" tIns="0" rIns="0" bIns="0" rtlCol="0">
+            <a:noAutofit/>
+          </a:bodyPr>
+          <a:lstStyle/>
+          <a:p>
+            <a:pPr algn="ctr"/>
+            <a:r>
+              <a:rPr lang="en-US" sz="1100" dirty="0">
+                <a:solidFill>
+                  <a:srgbClr val="7030A0"/>
+                </a:solidFill>
+              </a:rPr>
+              <a:t>1</a:t>
+            </a:r>
+            <a:endParaRPr lang="en-SG" sz="1100" dirty="0">
               <a:solidFill>
                 <a:srgbClr val="7030A0"/>
               </a:solidFill>

--- a/docs/diagrams/ModelComponentClassDiagram.pptx
+++ b/docs/diagrams/ModelComponentClassDiagram.pptx
@@ -208,7 +208,7 @@
           <a:p>
             <a:fld id="{F5CC4B3F-88C1-4FFA-B1B6-F41C21DC6924}" type="datetimeFigureOut">
               <a:rPr lang="en-US" smtClean="0"/>
-              <a:t>3/23/2018</a:t>
+              <a:t>4/5/2018</a:t>
             </a:fld>
             <a:endParaRPr lang="en-US"/>
           </a:p>
@@ -654,7 +654,7 @@
           <a:p>
             <a:fld id="{78C97017-6FC3-485B-9764-EAC9E56C1D49}" type="datetimeFigureOut">
               <a:rPr lang="en-US" smtClean="0"/>
-              <a:t>3/23/2018</a:t>
+              <a:t>4/5/2018</a:t>
             </a:fld>
             <a:endParaRPr lang="en-US"/>
           </a:p>
@@ -822,7 +822,7 @@
           <a:p>
             <a:fld id="{78C97017-6FC3-485B-9764-EAC9E56C1D49}" type="datetimeFigureOut">
               <a:rPr lang="en-US" smtClean="0"/>
-              <a:t>3/23/2018</a:t>
+              <a:t>4/5/2018</a:t>
             </a:fld>
             <a:endParaRPr lang="en-US"/>
           </a:p>
@@ -1000,7 +1000,7 @@
           <a:p>
             <a:fld id="{78C97017-6FC3-485B-9764-EAC9E56C1D49}" type="datetimeFigureOut">
               <a:rPr lang="en-US" smtClean="0"/>
-              <a:t>3/23/2018</a:t>
+              <a:t>4/5/2018</a:t>
             </a:fld>
             <a:endParaRPr lang="en-US"/>
           </a:p>
@@ -1168,7 +1168,7 @@
           <a:p>
             <a:fld id="{78C97017-6FC3-485B-9764-EAC9E56C1D49}" type="datetimeFigureOut">
               <a:rPr lang="en-US" smtClean="0"/>
-              <a:t>3/23/2018</a:t>
+              <a:t>4/5/2018</a:t>
             </a:fld>
             <a:endParaRPr lang="en-US"/>
           </a:p>
@@ -1413,7 +1413,7 @@
           <a:p>
             <a:fld id="{78C97017-6FC3-485B-9764-EAC9E56C1D49}" type="datetimeFigureOut">
               <a:rPr lang="en-US" smtClean="0"/>
-              <a:t>3/23/2018</a:t>
+              <a:t>4/5/2018</a:t>
             </a:fld>
             <a:endParaRPr lang="en-US"/>
           </a:p>
@@ -1698,7 +1698,7 @@
           <a:p>
             <a:fld id="{78C97017-6FC3-485B-9764-EAC9E56C1D49}" type="datetimeFigureOut">
               <a:rPr lang="en-US" smtClean="0"/>
-              <a:t>3/23/2018</a:t>
+              <a:t>4/5/2018</a:t>
             </a:fld>
             <a:endParaRPr lang="en-US"/>
           </a:p>
@@ -2117,7 +2117,7 @@
           <a:p>
             <a:fld id="{78C97017-6FC3-485B-9764-EAC9E56C1D49}" type="datetimeFigureOut">
               <a:rPr lang="en-US" smtClean="0"/>
-              <a:t>3/23/2018</a:t>
+              <a:t>4/5/2018</a:t>
             </a:fld>
             <a:endParaRPr lang="en-US"/>
           </a:p>
@@ -2234,7 +2234,7 @@
           <a:p>
             <a:fld id="{78C97017-6FC3-485B-9764-EAC9E56C1D49}" type="datetimeFigureOut">
               <a:rPr lang="en-US" smtClean="0"/>
-              <a:t>3/23/2018</a:t>
+              <a:t>4/5/2018</a:t>
             </a:fld>
             <a:endParaRPr lang="en-US"/>
           </a:p>
@@ -2329,7 +2329,7 @@
           <a:p>
             <a:fld id="{78C97017-6FC3-485B-9764-EAC9E56C1D49}" type="datetimeFigureOut">
               <a:rPr lang="en-US" smtClean="0"/>
-              <a:t>3/23/2018</a:t>
+              <a:t>4/5/2018</a:t>
             </a:fld>
             <a:endParaRPr lang="en-US"/>
           </a:p>
@@ -2604,7 +2604,7 @@
           <a:p>
             <a:fld id="{78C97017-6FC3-485B-9764-EAC9E56C1D49}" type="datetimeFigureOut">
               <a:rPr lang="en-US" smtClean="0"/>
-              <a:t>3/23/2018</a:t>
+              <a:t>4/5/2018</a:t>
             </a:fld>
             <a:endParaRPr lang="en-US"/>
           </a:p>
@@ -2856,7 +2856,7 @@
           <a:p>
             <a:fld id="{78C97017-6FC3-485B-9764-EAC9E56C1D49}" type="datetimeFigureOut">
               <a:rPr lang="en-US" smtClean="0"/>
-              <a:t>3/23/2018</a:t>
+              <a:t>4/5/2018</a:t>
             </a:fld>
             <a:endParaRPr lang="en-US"/>
           </a:p>
@@ -3067,7 +3067,7 @@
           <a:p>
             <a:fld id="{78C97017-6FC3-485B-9764-EAC9E56C1D49}" type="datetimeFigureOut">
               <a:rPr lang="en-US" smtClean="0"/>
-              <a:t>3/23/2018</a:t>
+              <a:t>4/5/2018</a:t>
             </a:fld>
             <a:endParaRPr lang="en-US"/>
           </a:p>
@@ -3450,8 +3450,8 @@
         </p:nvSpPr>
         <p:spPr>
           <a:xfrm>
-            <a:off x="1119865" y="1727200"/>
-            <a:ext cx="7490735" cy="2997200"/>
+            <a:off x="1119865" y="1516065"/>
+            <a:ext cx="7490735" cy="3200400"/>
           </a:xfrm>
           <a:prstGeom prst="roundRect">
             <a:avLst>
@@ -4914,7 +4914,7 @@
         </p:nvSpPr>
         <p:spPr>
           <a:xfrm>
-            <a:off x="2671139" y="2049107"/>
+            <a:off x="2722420" y="2011740"/>
             <a:ext cx="1539926" cy="346760"/>
           </a:xfrm>
           <a:prstGeom prst="rect">
@@ -5063,6 +5063,14 @@
                 </a:solidFill>
               </a:rPr>
               <a:t>&lt;&lt;interface&gt;&gt;</a:t>
+            </a:r>
+            <a:r>
+              <a:rPr lang="en-US" sz="1050">
+                <a:solidFill>
+                  <a:srgbClr val="7030A0"/>
+                </a:solidFill>
+              </a:rPr>
+              <a:t/>
             </a:r>
             <a:br>
               <a:rPr lang="en-US" sz="1050">
@@ -5474,6 +5482,184 @@
               <a:t>*</a:t>
             </a:r>
             <a:endParaRPr lang="en-SG" sz="1100" dirty="0">
+              <a:solidFill>
+                <a:srgbClr val="7030A0"/>
+              </a:solidFill>
+            </a:endParaRPr>
+          </a:p>
+        </p:txBody>
+      </p:sp>
+      <p:sp>
+        <p:nvSpPr>
+          <p:cNvPr id="45" name="Flowchart: Decision 96"/>
+          <p:cNvSpPr/>
+          <p:nvPr/>
+        </p:nvSpPr>
+        <p:spPr>
+          <a:xfrm>
+            <a:off x="2090341" y="2540277"/>
+            <a:ext cx="236048" cy="173380"/>
+          </a:xfrm>
+          <a:prstGeom prst="flowChartDecision">
+            <a:avLst/>
+          </a:prstGeom>
+          <a:noFill/>
+          <a:ln w="19050">
+            <a:solidFill>
+              <a:srgbClr val="7030A0"/>
+            </a:solidFill>
+          </a:ln>
+          <a:effectLst/>
+        </p:spPr>
+        <p:style>
+          <a:lnRef idx="1">
+            <a:schemeClr val="accent6"/>
+          </a:lnRef>
+          <a:fillRef idx="2">
+            <a:schemeClr val="accent6"/>
+          </a:fillRef>
+          <a:effectRef idx="1">
+            <a:schemeClr val="accent6"/>
+          </a:effectRef>
+          <a:fontRef idx="minor">
+            <a:schemeClr val="dk1"/>
+          </a:fontRef>
+        </p:style>
+        <p:txBody>
+          <a:bodyPr rtlCol="0" anchor="ctr"/>
+          <a:lstStyle/>
+          <a:p>
+            <a:pPr algn="ctr"/>
+            <a:endParaRPr lang="en-US" sz="1050"/>
+          </a:p>
+        </p:txBody>
+      </p:sp>
+      <p:sp>
+        <p:nvSpPr>
+          <p:cNvPr id="55" name="TextBox 54"/>
+          <p:cNvSpPr txBox="1"/>
+          <p:nvPr/>
+        </p:nvSpPr>
+        <p:spPr>
+          <a:xfrm>
+            <a:off x="1935864" y="2458369"/>
+            <a:ext cx="189257" cy="178683"/>
+          </a:xfrm>
+          <a:prstGeom prst="rect">
+            <a:avLst/>
+          </a:prstGeom>
+          <a:noFill/>
+        </p:spPr>
+        <p:txBody>
+          <a:bodyPr wrap="square" lIns="0" tIns="0" rIns="0" bIns="0" rtlCol="0">
+            <a:noAutofit/>
+          </a:bodyPr>
+          <a:lstStyle/>
+          <a:p>
+            <a:pPr algn="ctr"/>
+            <a:r>
+              <a:rPr lang="en-US" sz="1100" dirty="0">
+                <a:solidFill>
+                  <a:srgbClr val="7030A0"/>
+                </a:solidFill>
+              </a:rPr>
+              <a:t>1</a:t>
+            </a:r>
+            <a:endParaRPr lang="en-SG" sz="1100" dirty="0">
+              <a:solidFill>
+                <a:srgbClr val="7030A0"/>
+              </a:solidFill>
+            </a:endParaRPr>
+          </a:p>
+        </p:txBody>
+      </p:sp>
+      <p:cxnSp>
+        <p:nvCxnSpPr>
+          <p:cNvPr id="56" name="Straight Arrow Connector 55"/>
+          <p:cNvCxnSpPr/>
+          <p:nvPr/>
+        </p:nvCxnSpPr>
+        <p:spPr>
+          <a:xfrm flipV="1">
+            <a:off x="2202529" y="2338508"/>
+            <a:ext cx="486" cy="205557"/>
+          </a:xfrm>
+          <a:prstGeom prst="straightConnector1">
+            <a:avLst/>
+          </a:prstGeom>
+          <a:ln w="19050">
+            <a:solidFill>
+              <a:srgbClr val="7030A0"/>
+            </a:solidFill>
+            <a:headEnd type="none" w="med" len="med"/>
+            <a:tailEnd type="arrow" w="med" len="med"/>
+          </a:ln>
+          <a:effectLst/>
+        </p:spPr>
+        <p:style>
+          <a:lnRef idx="1">
+            <a:schemeClr val="accent2"/>
+          </a:lnRef>
+          <a:fillRef idx="2">
+            <a:schemeClr val="accent2"/>
+          </a:fillRef>
+          <a:effectRef idx="1">
+            <a:schemeClr val="accent2"/>
+          </a:effectRef>
+          <a:fontRef idx="minor">
+            <a:schemeClr val="dk1"/>
+          </a:fontRef>
+        </p:style>
+      </p:cxnSp>
+      <p:sp>
+        <p:nvSpPr>
+          <p:cNvPr id="57" name="Rectangle 8"/>
+          <p:cNvSpPr/>
+          <p:nvPr/>
+        </p:nvSpPr>
+        <p:spPr>
+          <a:xfrm>
+            <a:off x="1405377" y="2019332"/>
+            <a:ext cx="1063461" cy="346760"/>
+          </a:xfrm>
+          <a:prstGeom prst="rect">
+            <a:avLst/>
+          </a:prstGeom>
+          <a:ln w="19050">
+            <a:solidFill>
+              <a:srgbClr val="7030A0"/>
+            </a:solidFill>
+          </a:ln>
+          <a:effectLst/>
+        </p:spPr>
+        <p:style>
+          <a:lnRef idx="1">
+            <a:schemeClr val="accent4"/>
+          </a:lnRef>
+          <a:fillRef idx="2">
+            <a:schemeClr val="accent4"/>
+          </a:fillRef>
+          <a:effectRef idx="1">
+            <a:schemeClr val="accent4"/>
+          </a:effectRef>
+          <a:fontRef idx="minor">
+            <a:schemeClr val="dk1"/>
+          </a:fontRef>
+        </p:style>
+        <p:txBody>
+          <a:bodyPr rtlCol="0" anchor="ctr"/>
+          <a:lstStyle/>
+          <a:p>
+            <a:pPr algn="ctr"/>
+            <a:r>
+              <a:rPr lang="en-US" sz="1050" dirty="0" err="1" smtClean="0">
+                <a:solidFill>
+                  <a:srgbClr val="7030A0"/>
+                </a:solidFill>
+              </a:rPr>
+              <a:t>UndoRedoStack</a:t>
+            </a:r>
+            <a:endParaRPr lang="en-SG" sz="1050" dirty="0">
               <a:solidFill>
                 <a:srgbClr val="7030A0"/>
               </a:solidFill>

--- a/docs/diagrams/ModelComponentClassDiagram.pptx
+++ b/docs/diagrams/ModelComponentClassDiagram.pptx
@@ -208,7 +208,7 @@
           <a:p>
             <a:fld id="{F5CC4B3F-88C1-4FFA-B1B6-F41C21DC6924}" type="datetimeFigureOut">
               <a:rPr lang="en-US" smtClean="0"/>
-              <a:t>3/23/2018</a:t>
+              <a:t>4/4/2018</a:t>
             </a:fld>
             <a:endParaRPr lang="en-US"/>
           </a:p>
@@ -272,37 +272,38 @@
           <a:p>
             <a:pPr lvl="0"/>
             <a:r>
-              <a:rPr lang="en-US"/>
+              <a:rPr lang="en-US" smtClean="0"/>
               <a:t>Click to edit Master text styles</a:t>
             </a:r>
           </a:p>
           <a:p>
             <a:pPr lvl="1"/>
             <a:r>
-              <a:rPr lang="en-US"/>
+              <a:rPr lang="en-US" smtClean="0"/>
               <a:t>Second level</a:t>
             </a:r>
           </a:p>
           <a:p>
             <a:pPr lvl="2"/>
             <a:r>
-              <a:rPr lang="en-US"/>
+              <a:rPr lang="en-US" smtClean="0"/>
               <a:t>Third level</a:t>
             </a:r>
           </a:p>
           <a:p>
             <a:pPr lvl="3"/>
             <a:r>
-              <a:rPr lang="en-US"/>
+              <a:rPr lang="en-US" smtClean="0"/>
               <a:t>Fourth level</a:t>
             </a:r>
           </a:p>
           <a:p>
             <a:pPr lvl="4"/>
             <a:r>
-              <a:rPr lang="en-US"/>
+              <a:rPr lang="en-US" smtClean="0"/>
               <a:t>Fifth level</a:t>
             </a:r>
+            <a:endParaRPr lang="en-US"/>
           </a:p>
         </p:txBody>
       </p:sp>
@@ -513,9 +514,10 @@
           <a:lstStyle/>
           <a:p>
             <a:r>
-              <a:rPr lang="en-US"/>
+              <a:rPr lang="en-US" smtClean="0"/>
               <a:t>Click to edit Master title style</a:t>
             </a:r>
+            <a:endParaRPr lang="en-US"/>
           </a:p>
         </p:txBody>
       </p:sp>
@@ -631,9 +633,10 @@
           </a:lstStyle>
           <a:p>
             <a:r>
-              <a:rPr lang="en-US"/>
+              <a:rPr lang="en-US" smtClean="0"/>
               <a:t>Click to edit Master subtitle style</a:t>
             </a:r>
+            <a:endParaRPr lang="en-US"/>
           </a:p>
         </p:txBody>
       </p:sp>
@@ -654,7 +657,7 @@
           <a:p>
             <a:fld id="{78C97017-6FC3-485B-9764-EAC9E56C1D49}" type="datetimeFigureOut">
               <a:rPr lang="en-US" smtClean="0"/>
-              <a:t>3/23/2018</a:t>
+              <a:t>4/4/2018</a:t>
             </a:fld>
             <a:endParaRPr lang="en-US"/>
           </a:p>
@@ -748,9 +751,10 @@
           <a:lstStyle/>
           <a:p>
             <a:r>
-              <a:rPr lang="en-US"/>
+              <a:rPr lang="en-US" smtClean="0"/>
               <a:t>Click to edit Master title style</a:t>
             </a:r>
+            <a:endParaRPr lang="en-US"/>
           </a:p>
         </p:txBody>
       </p:sp>
@@ -771,37 +775,38 @@
           <a:p>
             <a:pPr lvl="0"/>
             <a:r>
-              <a:rPr lang="en-US"/>
+              <a:rPr lang="en-US" smtClean="0"/>
               <a:t>Click to edit Master text styles</a:t>
             </a:r>
           </a:p>
           <a:p>
             <a:pPr lvl="1"/>
             <a:r>
-              <a:rPr lang="en-US"/>
+              <a:rPr lang="en-US" smtClean="0"/>
               <a:t>Second level</a:t>
             </a:r>
           </a:p>
           <a:p>
             <a:pPr lvl="2"/>
             <a:r>
-              <a:rPr lang="en-US"/>
+              <a:rPr lang="en-US" smtClean="0"/>
               <a:t>Third level</a:t>
             </a:r>
           </a:p>
           <a:p>
             <a:pPr lvl="3"/>
             <a:r>
-              <a:rPr lang="en-US"/>
+              <a:rPr lang="en-US" smtClean="0"/>
               <a:t>Fourth level</a:t>
             </a:r>
           </a:p>
           <a:p>
             <a:pPr lvl="4"/>
             <a:r>
-              <a:rPr lang="en-US"/>
+              <a:rPr lang="en-US" smtClean="0"/>
               <a:t>Fifth level</a:t>
             </a:r>
+            <a:endParaRPr lang="en-US"/>
           </a:p>
         </p:txBody>
       </p:sp>
@@ -822,7 +827,7 @@
           <a:p>
             <a:fld id="{78C97017-6FC3-485B-9764-EAC9E56C1D49}" type="datetimeFigureOut">
               <a:rPr lang="en-US" smtClean="0"/>
-              <a:t>3/23/2018</a:t>
+              <a:t>4/4/2018</a:t>
             </a:fld>
             <a:endParaRPr lang="en-US"/>
           </a:p>
@@ -921,9 +926,10 @@
           <a:lstStyle/>
           <a:p>
             <a:r>
-              <a:rPr lang="en-US"/>
+              <a:rPr lang="en-US" smtClean="0"/>
               <a:t>Click to edit Master title style</a:t>
             </a:r>
+            <a:endParaRPr lang="en-US"/>
           </a:p>
         </p:txBody>
       </p:sp>
@@ -949,37 +955,38 @@
           <a:p>
             <a:pPr lvl="0"/>
             <a:r>
-              <a:rPr lang="en-US"/>
+              <a:rPr lang="en-US" smtClean="0"/>
               <a:t>Click to edit Master text styles</a:t>
             </a:r>
           </a:p>
           <a:p>
             <a:pPr lvl="1"/>
             <a:r>
-              <a:rPr lang="en-US"/>
+              <a:rPr lang="en-US" smtClean="0"/>
               <a:t>Second level</a:t>
             </a:r>
           </a:p>
           <a:p>
             <a:pPr lvl="2"/>
             <a:r>
-              <a:rPr lang="en-US"/>
+              <a:rPr lang="en-US" smtClean="0"/>
               <a:t>Third level</a:t>
             </a:r>
           </a:p>
           <a:p>
             <a:pPr lvl="3"/>
             <a:r>
-              <a:rPr lang="en-US"/>
+              <a:rPr lang="en-US" smtClean="0"/>
               <a:t>Fourth level</a:t>
             </a:r>
           </a:p>
           <a:p>
             <a:pPr lvl="4"/>
             <a:r>
-              <a:rPr lang="en-US"/>
+              <a:rPr lang="en-US" smtClean="0"/>
               <a:t>Fifth level</a:t>
             </a:r>
+            <a:endParaRPr lang="en-US"/>
           </a:p>
         </p:txBody>
       </p:sp>
@@ -1000,7 +1007,7 @@
           <a:p>
             <a:fld id="{78C97017-6FC3-485B-9764-EAC9E56C1D49}" type="datetimeFigureOut">
               <a:rPr lang="en-US" smtClean="0"/>
-              <a:t>3/23/2018</a:t>
+              <a:t>4/4/2018</a:t>
             </a:fld>
             <a:endParaRPr lang="en-US"/>
           </a:p>
@@ -1094,9 +1101,10 @@
           <a:lstStyle/>
           <a:p>
             <a:r>
-              <a:rPr lang="en-US"/>
+              <a:rPr lang="en-US" smtClean="0"/>
               <a:t>Click to edit Master title style</a:t>
             </a:r>
+            <a:endParaRPr lang="en-US"/>
           </a:p>
         </p:txBody>
       </p:sp>
@@ -1117,37 +1125,38 @@
           <a:p>
             <a:pPr lvl="0"/>
             <a:r>
-              <a:rPr lang="en-US"/>
+              <a:rPr lang="en-US" smtClean="0"/>
               <a:t>Click to edit Master text styles</a:t>
             </a:r>
           </a:p>
           <a:p>
             <a:pPr lvl="1"/>
             <a:r>
-              <a:rPr lang="en-US"/>
+              <a:rPr lang="en-US" smtClean="0"/>
               <a:t>Second level</a:t>
             </a:r>
           </a:p>
           <a:p>
             <a:pPr lvl="2"/>
             <a:r>
-              <a:rPr lang="en-US"/>
+              <a:rPr lang="en-US" smtClean="0"/>
               <a:t>Third level</a:t>
             </a:r>
           </a:p>
           <a:p>
             <a:pPr lvl="3"/>
             <a:r>
-              <a:rPr lang="en-US"/>
+              <a:rPr lang="en-US" smtClean="0"/>
               <a:t>Fourth level</a:t>
             </a:r>
           </a:p>
           <a:p>
             <a:pPr lvl="4"/>
             <a:r>
-              <a:rPr lang="en-US"/>
+              <a:rPr lang="en-US" smtClean="0"/>
               <a:t>Fifth level</a:t>
             </a:r>
+            <a:endParaRPr lang="en-US"/>
           </a:p>
         </p:txBody>
       </p:sp>
@@ -1168,7 +1177,7 @@
           <a:p>
             <a:fld id="{78C97017-6FC3-485B-9764-EAC9E56C1D49}" type="datetimeFigureOut">
               <a:rPr lang="en-US" smtClean="0"/>
-              <a:t>3/23/2018</a:t>
+              <a:t>4/4/2018</a:t>
             </a:fld>
             <a:endParaRPr lang="en-US"/>
           </a:p>
@@ -1271,9 +1280,10 @@
           </a:lstStyle>
           <a:p>
             <a:r>
-              <a:rPr lang="en-US"/>
+              <a:rPr lang="en-US" smtClean="0"/>
               <a:t>Click to edit Master title style</a:t>
             </a:r>
+            <a:endParaRPr lang="en-US"/>
           </a:p>
         </p:txBody>
       </p:sp>
@@ -1390,7 +1400,7 @@
           <a:p>
             <a:pPr lvl="0"/>
             <a:r>
-              <a:rPr lang="en-US"/>
+              <a:rPr lang="en-US" smtClean="0"/>
               <a:t>Click to edit Master text styles</a:t>
             </a:r>
           </a:p>
@@ -1413,7 +1423,7 @@
           <a:p>
             <a:fld id="{78C97017-6FC3-485B-9764-EAC9E56C1D49}" type="datetimeFigureOut">
               <a:rPr lang="en-US" smtClean="0"/>
-              <a:t>3/23/2018</a:t>
+              <a:t>4/4/2018</a:t>
             </a:fld>
             <a:endParaRPr lang="en-US"/>
           </a:p>
@@ -1507,9 +1517,10 @@
           <a:lstStyle/>
           <a:p>
             <a:r>
-              <a:rPr lang="en-US"/>
+              <a:rPr lang="en-US" smtClean="0"/>
               <a:t>Click to edit Master title style</a:t>
             </a:r>
+            <a:endParaRPr lang="en-US"/>
           </a:p>
         </p:txBody>
       </p:sp>
@@ -1563,37 +1574,38 @@
           <a:p>
             <a:pPr lvl="0"/>
             <a:r>
-              <a:rPr lang="en-US"/>
+              <a:rPr lang="en-US" smtClean="0"/>
               <a:t>Click to edit Master text styles</a:t>
             </a:r>
           </a:p>
           <a:p>
             <a:pPr lvl="1"/>
             <a:r>
-              <a:rPr lang="en-US"/>
+              <a:rPr lang="en-US" smtClean="0"/>
               <a:t>Second level</a:t>
             </a:r>
           </a:p>
           <a:p>
             <a:pPr lvl="2"/>
             <a:r>
-              <a:rPr lang="en-US"/>
+              <a:rPr lang="en-US" smtClean="0"/>
               <a:t>Third level</a:t>
             </a:r>
           </a:p>
           <a:p>
             <a:pPr lvl="3"/>
             <a:r>
-              <a:rPr lang="en-US"/>
+              <a:rPr lang="en-US" smtClean="0"/>
               <a:t>Fourth level</a:t>
             </a:r>
           </a:p>
           <a:p>
             <a:pPr lvl="4"/>
             <a:r>
-              <a:rPr lang="en-US"/>
+              <a:rPr lang="en-US" smtClean="0"/>
               <a:t>Fifth level</a:t>
             </a:r>
+            <a:endParaRPr lang="en-US"/>
           </a:p>
         </p:txBody>
       </p:sp>
@@ -1647,37 +1659,38 @@
           <a:p>
             <a:pPr lvl="0"/>
             <a:r>
-              <a:rPr lang="en-US"/>
+              <a:rPr lang="en-US" smtClean="0"/>
               <a:t>Click to edit Master text styles</a:t>
             </a:r>
           </a:p>
           <a:p>
             <a:pPr lvl="1"/>
             <a:r>
-              <a:rPr lang="en-US"/>
+              <a:rPr lang="en-US" smtClean="0"/>
               <a:t>Second level</a:t>
             </a:r>
           </a:p>
           <a:p>
             <a:pPr lvl="2"/>
             <a:r>
-              <a:rPr lang="en-US"/>
+              <a:rPr lang="en-US" smtClean="0"/>
               <a:t>Third level</a:t>
             </a:r>
           </a:p>
           <a:p>
             <a:pPr lvl="3"/>
             <a:r>
-              <a:rPr lang="en-US"/>
+              <a:rPr lang="en-US" smtClean="0"/>
               <a:t>Fourth level</a:t>
             </a:r>
           </a:p>
           <a:p>
             <a:pPr lvl="4"/>
             <a:r>
-              <a:rPr lang="en-US"/>
+              <a:rPr lang="en-US" smtClean="0"/>
               <a:t>Fifth level</a:t>
             </a:r>
+            <a:endParaRPr lang="en-US"/>
           </a:p>
         </p:txBody>
       </p:sp>
@@ -1698,7 +1711,7 @@
           <a:p>
             <a:fld id="{78C97017-6FC3-485B-9764-EAC9E56C1D49}" type="datetimeFigureOut">
               <a:rPr lang="en-US" smtClean="0"/>
-              <a:t>3/23/2018</a:t>
+              <a:t>4/4/2018</a:t>
             </a:fld>
             <a:endParaRPr lang="en-US"/>
           </a:p>
@@ -1796,9 +1809,10 @@
           </a:lstStyle>
           <a:p>
             <a:r>
-              <a:rPr lang="en-US"/>
+              <a:rPr lang="en-US" smtClean="0"/>
               <a:t>Click to edit Master title style</a:t>
             </a:r>
+            <a:endParaRPr lang="en-US"/>
           </a:p>
         </p:txBody>
       </p:sp>
@@ -1861,7 +1875,7 @@
           <a:p>
             <a:pPr lvl="0"/>
             <a:r>
-              <a:rPr lang="en-US"/>
+              <a:rPr lang="en-US" smtClean="0"/>
               <a:t>Click to edit Master text styles</a:t>
             </a:r>
           </a:p>
@@ -1917,37 +1931,38 @@
           <a:p>
             <a:pPr lvl="0"/>
             <a:r>
-              <a:rPr lang="en-US"/>
+              <a:rPr lang="en-US" smtClean="0"/>
               <a:t>Click to edit Master text styles</a:t>
             </a:r>
           </a:p>
           <a:p>
             <a:pPr lvl="1"/>
             <a:r>
-              <a:rPr lang="en-US"/>
+              <a:rPr lang="en-US" smtClean="0"/>
               <a:t>Second level</a:t>
             </a:r>
           </a:p>
           <a:p>
             <a:pPr lvl="2"/>
             <a:r>
-              <a:rPr lang="en-US"/>
+              <a:rPr lang="en-US" smtClean="0"/>
               <a:t>Third level</a:t>
             </a:r>
           </a:p>
           <a:p>
             <a:pPr lvl="3"/>
             <a:r>
-              <a:rPr lang="en-US"/>
+              <a:rPr lang="en-US" smtClean="0"/>
               <a:t>Fourth level</a:t>
             </a:r>
           </a:p>
           <a:p>
             <a:pPr lvl="4"/>
             <a:r>
-              <a:rPr lang="en-US"/>
+              <a:rPr lang="en-US" smtClean="0"/>
               <a:t>Fifth level</a:t>
             </a:r>
+            <a:endParaRPr lang="en-US"/>
           </a:p>
         </p:txBody>
       </p:sp>
@@ -2010,7 +2025,7 @@
           <a:p>
             <a:pPr lvl="0"/>
             <a:r>
-              <a:rPr lang="en-US"/>
+              <a:rPr lang="en-US" smtClean="0"/>
               <a:t>Click to edit Master text styles</a:t>
             </a:r>
           </a:p>
@@ -2066,37 +2081,38 @@
           <a:p>
             <a:pPr lvl="0"/>
             <a:r>
-              <a:rPr lang="en-US"/>
+              <a:rPr lang="en-US" smtClean="0"/>
               <a:t>Click to edit Master text styles</a:t>
             </a:r>
           </a:p>
           <a:p>
             <a:pPr lvl="1"/>
             <a:r>
-              <a:rPr lang="en-US"/>
+              <a:rPr lang="en-US" smtClean="0"/>
               <a:t>Second level</a:t>
             </a:r>
           </a:p>
           <a:p>
             <a:pPr lvl="2"/>
             <a:r>
-              <a:rPr lang="en-US"/>
+              <a:rPr lang="en-US" smtClean="0"/>
               <a:t>Third level</a:t>
             </a:r>
           </a:p>
           <a:p>
             <a:pPr lvl="3"/>
             <a:r>
-              <a:rPr lang="en-US"/>
+              <a:rPr lang="en-US" smtClean="0"/>
               <a:t>Fourth level</a:t>
             </a:r>
           </a:p>
           <a:p>
             <a:pPr lvl="4"/>
             <a:r>
-              <a:rPr lang="en-US"/>
+              <a:rPr lang="en-US" smtClean="0"/>
               <a:t>Fifth level</a:t>
             </a:r>
+            <a:endParaRPr lang="en-US"/>
           </a:p>
         </p:txBody>
       </p:sp>
@@ -2117,7 +2133,7 @@
           <a:p>
             <a:fld id="{78C97017-6FC3-485B-9764-EAC9E56C1D49}" type="datetimeFigureOut">
               <a:rPr lang="en-US" smtClean="0"/>
-              <a:t>3/23/2018</a:t>
+              <a:t>4/4/2018</a:t>
             </a:fld>
             <a:endParaRPr lang="en-US"/>
           </a:p>
@@ -2211,9 +2227,10 @@
           <a:lstStyle/>
           <a:p>
             <a:r>
-              <a:rPr lang="en-US"/>
+              <a:rPr lang="en-US" smtClean="0"/>
               <a:t>Click to edit Master title style</a:t>
             </a:r>
+            <a:endParaRPr lang="en-US"/>
           </a:p>
         </p:txBody>
       </p:sp>
@@ -2234,7 +2251,7 @@
           <a:p>
             <a:fld id="{78C97017-6FC3-485B-9764-EAC9E56C1D49}" type="datetimeFigureOut">
               <a:rPr lang="en-US" smtClean="0"/>
-              <a:t>3/23/2018</a:t>
+              <a:t>4/4/2018</a:t>
             </a:fld>
             <a:endParaRPr lang="en-US"/>
           </a:p>
@@ -2329,7 +2346,7 @@
           <a:p>
             <a:fld id="{78C97017-6FC3-485B-9764-EAC9E56C1D49}" type="datetimeFigureOut">
               <a:rPr lang="en-US" smtClean="0"/>
-              <a:t>3/23/2018</a:t>
+              <a:t>4/4/2018</a:t>
             </a:fld>
             <a:endParaRPr lang="en-US"/>
           </a:p>
@@ -2432,9 +2449,10 @@
           </a:lstStyle>
           <a:p>
             <a:r>
-              <a:rPr lang="en-US"/>
+              <a:rPr lang="en-US" smtClean="0"/>
               <a:t>Click to edit Master title style</a:t>
             </a:r>
+            <a:endParaRPr lang="en-US"/>
           </a:p>
         </p:txBody>
       </p:sp>
@@ -2488,37 +2506,38 @@
           <a:p>
             <a:pPr lvl="0"/>
             <a:r>
-              <a:rPr lang="en-US"/>
+              <a:rPr lang="en-US" smtClean="0"/>
               <a:t>Click to edit Master text styles</a:t>
             </a:r>
           </a:p>
           <a:p>
             <a:pPr lvl="1"/>
             <a:r>
-              <a:rPr lang="en-US"/>
+              <a:rPr lang="en-US" smtClean="0"/>
               <a:t>Second level</a:t>
             </a:r>
           </a:p>
           <a:p>
             <a:pPr lvl="2"/>
             <a:r>
-              <a:rPr lang="en-US"/>
+              <a:rPr lang="en-US" smtClean="0"/>
               <a:t>Third level</a:t>
             </a:r>
           </a:p>
           <a:p>
             <a:pPr lvl="3"/>
             <a:r>
-              <a:rPr lang="en-US"/>
+              <a:rPr lang="en-US" smtClean="0"/>
               <a:t>Fourth level</a:t>
             </a:r>
           </a:p>
           <a:p>
             <a:pPr lvl="4"/>
             <a:r>
-              <a:rPr lang="en-US"/>
+              <a:rPr lang="en-US" smtClean="0"/>
               <a:t>Fifth level</a:t>
             </a:r>
+            <a:endParaRPr lang="en-US"/>
           </a:p>
         </p:txBody>
       </p:sp>
@@ -2581,7 +2600,7 @@
           <a:p>
             <a:pPr lvl="0"/>
             <a:r>
-              <a:rPr lang="en-US"/>
+              <a:rPr lang="en-US" smtClean="0"/>
               <a:t>Click to edit Master text styles</a:t>
             </a:r>
           </a:p>
@@ -2604,7 +2623,7 @@
           <a:p>
             <a:fld id="{78C97017-6FC3-485B-9764-EAC9E56C1D49}" type="datetimeFigureOut">
               <a:rPr lang="en-US" smtClean="0"/>
-              <a:t>3/23/2018</a:t>
+              <a:t>4/4/2018</a:t>
             </a:fld>
             <a:endParaRPr lang="en-US"/>
           </a:p>
@@ -2707,9 +2726,10 @@
           </a:lstStyle>
           <a:p>
             <a:r>
-              <a:rPr lang="en-US"/>
+              <a:rPr lang="en-US" smtClean="0"/>
               <a:t>Click to edit Master title style</a:t>
             </a:r>
+            <a:endParaRPr lang="en-US"/>
           </a:p>
         </p:txBody>
       </p:sp>
@@ -2833,7 +2853,7 @@
           <a:p>
             <a:pPr lvl="0"/>
             <a:r>
-              <a:rPr lang="en-US"/>
+              <a:rPr lang="en-US" smtClean="0"/>
               <a:t>Click to edit Master text styles</a:t>
             </a:r>
           </a:p>
@@ -2856,7 +2876,7 @@
           <a:p>
             <a:fld id="{78C97017-6FC3-485B-9764-EAC9E56C1D49}" type="datetimeFigureOut">
               <a:rPr lang="en-US" smtClean="0"/>
-              <a:t>3/23/2018</a:t>
+              <a:t>4/4/2018</a:t>
             </a:fld>
             <a:endParaRPr lang="en-US"/>
           </a:p>
@@ -2965,9 +2985,10 @@
           <a:lstStyle/>
           <a:p>
             <a:r>
-              <a:rPr lang="en-US"/>
+              <a:rPr lang="en-US" smtClean="0"/>
               <a:t>Click to edit Master title style</a:t>
             </a:r>
+            <a:endParaRPr lang="en-US"/>
           </a:p>
         </p:txBody>
       </p:sp>
@@ -2998,37 +3019,38 @@
           <a:p>
             <a:pPr lvl="0"/>
             <a:r>
-              <a:rPr lang="en-US"/>
+              <a:rPr lang="en-US" smtClean="0"/>
               <a:t>Click to edit Master text styles</a:t>
             </a:r>
           </a:p>
           <a:p>
             <a:pPr lvl="1"/>
             <a:r>
-              <a:rPr lang="en-US"/>
+              <a:rPr lang="en-US" smtClean="0"/>
               <a:t>Second level</a:t>
             </a:r>
           </a:p>
           <a:p>
             <a:pPr lvl="2"/>
             <a:r>
-              <a:rPr lang="en-US"/>
+              <a:rPr lang="en-US" smtClean="0"/>
               <a:t>Third level</a:t>
             </a:r>
           </a:p>
           <a:p>
             <a:pPr lvl="3"/>
             <a:r>
-              <a:rPr lang="en-US"/>
+              <a:rPr lang="en-US" smtClean="0"/>
               <a:t>Fourth level</a:t>
             </a:r>
           </a:p>
           <a:p>
             <a:pPr lvl="4"/>
             <a:r>
-              <a:rPr lang="en-US"/>
+              <a:rPr lang="en-US" smtClean="0"/>
               <a:t>Fifth level</a:t>
             </a:r>
+            <a:endParaRPr lang="en-US"/>
           </a:p>
         </p:txBody>
       </p:sp>
@@ -3067,7 +3089,7 @@
           <a:p>
             <a:fld id="{78C97017-6FC3-485B-9764-EAC9E56C1D49}" type="datetimeFigureOut">
               <a:rPr lang="en-US" smtClean="0"/>
-              <a:t>3/23/2018</a:t>
+              <a:t>4/4/2018</a:t>
             </a:fld>
             <a:endParaRPr lang="en-US"/>
           </a:p>
@@ -3450,8 +3472,8 @@
         </p:nvSpPr>
         <p:spPr>
           <a:xfrm>
-            <a:off x="1119865" y="1727200"/>
-            <a:ext cx="7490735" cy="2997200"/>
+            <a:off x="1119865" y="1447800"/>
+            <a:ext cx="7490735" cy="3276600"/>
           </a:xfrm>
           <a:prstGeom prst="roundRect">
             <a:avLst>
@@ -3488,7 +3510,7 @@
           <a:lstStyle/>
           <a:p>
             <a:r>
-              <a:rPr lang="en-US" sz="1200" b="1" dirty="0">
+              <a:rPr lang="en-US" sz="1200" b="1" dirty="0" smtClean="0">
                 <a:solidFill>
                   <a:srgbClr val="7030A0"/>
                 </a:solidFill>
@@ -3511,7 +3533,7 @@
         </p:nvSpPr>
         <p:spPr>
           <a:xfrm>
-            <a:off x="2877180" y="3463240"/>
+            <a:off x="2877180" y="3158440"/>
             <a:ext cx="1093635" cy="346760"/>
           </a:xfrm>
           <a:prstGeom prst="rect">
@@ -3547,7 +3569,7 @@
           <a:p>
             <a:pPr algn="ctr"/>
             <a:r>
-              <a:rPr lang="en-US" sz="1050" dirty="0" err="1">
+              <a:rPr lang="en-US" sz="1050" dirty="0" err="1" smtClean="0">
                 <a:solidFill>
                   <a:schemeClr val="bg1"/>
                 </a:solidFill>
@@ -3570,7 +3592,7 @@
         </p:nvSpPr>
         <p:spPr>
           <a:xfrm rot="16200000">
-            <a:off x="1661548" y="3097750"/>
+            <a:off x="1683963" y="2868687"/>
             <a:ext cx="1093635" cy="346760"/>
           </a:xfrm>
           <a:prstGeom prst="rect">
@@ -3606,7 +3628,7 @@
           <a:p>
             <a:pPr algn="ctr"/>
             <a:r>
-              <a:rPr lang="en-US" sz="1050" dirty="0" err="1">
+              <a:rPr lang="en-US" sz="1050" dirty="0" err="1" smtClean="0">
                 <a:solidFill>
                   <a:schemeClr val="bg1"/>
                 </a:solidFill>
@@ -3625,20 +3647,19 @@
         <p:nvCxnSpPr>
           <p:cNvPr id="107" name="Elbow Connector 106"/>
           <p:cNvCxnSpPr>
-            <a:cxnSpLocks/>
             <a:stCxn id="9" idx="1"/>
-            <a:endCxn id="62" idx="2"/>
           </p:cNvCxnSpPr>
           <p:nvPr/>
         </p:nvCxnSpPr>
         <p:spPr>
           <a:xfrm rot="5400000" flipH="1" flipV="1">
-            <a:off x="4131507" y="1281685"/>
-            <a:ext cx="613122" cy="4459404"/>
-          </a:xfrm>
-          <a:prstGeom prst="bentConnector3">
+            <a:off x="4360065" y="1080909"/>
+            <a:ext cx="378691" cy="4637261"/>
+          </a:xfrm>
+          <a:prstGeom prst="bentConnector4">
             <a:avLst>
-              <a:gd name="adj1" fmla="val -26668"/>
+              <a:gd name="adj1" fmla="val -101829"/>
+              <a:gd name="adj2" fmla="val 99976"/>
             </a:avLst>
           </a:prstGeom>
           <a:ln w="19050">
@@ -3721,7 +3742,7 @@
           <a:p>
             <a:pPr algn="ctr"/>
             <a:r>
-              <a:rPr lang="en-US" sz="1050" dirty="0">
+              <a:rPr lang="en-US" sz="1050" dirty="0" smtClean="0">
                 <a:solidFill>
                   <a:schemeClr val="bg1"/>
                 </a:solidFill>
@@ -3794,8 +3815,8 @@
         </p:nvCxnSpPr>
         <p:spPr>
           <a:xfrm>
-            <a:off x="2609828" y="3636620"/>
-            <a:ext cx="267352" cy="0"/>
+            <a:off x="2656370" y="3326536"/>
+            <a:ext cx="220810" cy="5284"/>
           </a:xfrm>
           <a:prstGeom prst="straightConnector1">
             <a:avLst/>
@@ -3916,7 +3937,7 @@
         </p:nvSpPr>
         <p:spPr>
           <a:xfrm>
-            <a:off x="2373780" y="3549930"/>
+            <a:off x="2420322" y="3239846"/>
             <a:ext cx="236048" cy="173380"/>
           </a:xfrm>
           <a:prstGeom prst="flowChartDecision">
@@ -3961,7 +3982,7 @@
         </p:nvSpPr>
         <p:spPr>
           <a:xfrm>
-            <a:off x="2873582" y="2831936"/>
+            <a:off x="2879490" y="2627420"/>
             <a:ext cx="1093635" cy="346760"/>
           </a:xfrm>
           <a:prstGeom prst="rect">
@@ -3994,7 +4015,7 @@
           <a:p>
             <a:pPr algn="ctr"/>
             <a:r>
-              <a:rPr lang="en-US" sz="1050" dirty="0" err="1">
+              <a:rPr lang="en-US" sz="1050" dirty="0" err="1" smtClean="0">
                 <a:solidFill>
                   <a:srgbClr val="7030A0"/>
                 </a:solidFill>
@@ -4020,8 +4041,8 @@
         </p:nvCxnSpPr>
         <p:spPr>
           <a:xfrm>
-            <a:off x="2624360" y="3003033"/>
-            <a:ext cx="249222" cy="2283"/>
+            <a:off x="2658680" y="2795516"/>
+            <a:ext cx="220810" cy="5284"/>
           </a:xfrm>
           <a:prstGeom prst="straightConnector1">
             <a:avLst/>
@@ -4058,7 +4079,7 @@
         </p:nvSpPr>
         <p:spPr>
           <a:xfrm>
-            <a:off x="2388312" y="2916343"/>
+            <a:off x="2422632" y="2708826"/>
             <a:ext cx="236048" cy="173380"/>
           </a:xfrm>
           <a:prstGeom prst="flowChartDecision">
@@ -4136,7 +4157,7 @@
           <a:p>
             <a:pPr algn="ctr"/>
             <a:r>
-              <a:rPr lang="en-US" sz="1050" dirty="0" err="1">
+              <a:rPr lang="en-US" sz="1050" dirty="0" err="1" smtClean="0">
                 <a:solidFill>
                   <a:srgbClr val="7030A0"/>
                 </a:solidFill>
@@ -4159,7 +4180,7 @@
         </p:nvSpPr>
         <p:spPr>
           <a:xfrm>
-            <a:off x="3977259" y="2932345"/>
+            <a:off x="3984303" y="2673991"/>
             <a:ext cx="236048" cy="173380"/>
           </a:xfrm>
           <a:prstGeom prst="flowChartDecision">
@@ -4209,8 +4230,8 @@
         </p:nvCxnSpPr>
         <p:spPr>
           <a:xfrm>
-            <a:off x="4213307" y="3019035"/>
-            <a:ext cx="273710" cy="1716"/>
+            <a:off x="4220351" y="2760681"/>
+            <a:ext cx="266666" cy="260070"/>
           </a:xfrm>
           <a:prstGeom prst="bentConnector3">
             <a:avLst/>
@@ -4241,14 +4262,14 @@
       </p:cxnSp>
       <p:sp>
         <p:nvSpPr>
-          <p:cNvPr id="62" name="Rectangle 8"/>
+          <p:cNvPr id="57" name="Rectangle 8"/>
           <p:cNvSpPr/>
           <p:nvPr/>
         </p:nvSpPr>
         <p:spPr>
           <a:xfrm>
-            <a:off x="6313677" y="2858066"/>
-            <a:ext cx="708186" cy="346760"/>
+            <a:off x="4477328" y="2280569"/>
+            <a:ext cx="1156969" cy="346760"/>
           </a:xfrm>
           <a:prstGeom prst="rect">
             <a:avLst/>
@@ -4280,12 +4301,12 @@
           <a:p>
             <a:pPr algn="ctr"/>
             <a:r>
-              <a:rPr lang="en-US" sz="1050" dirty="0">
+              <a:rPr lang="en-US" sz="1050" dirty="0" err="1" smtClean="0">
                 <a:solidFill>
                   <a:srgbClr val="7030A0"/>
                 </a:solidFill>
               </a:rPr>
-              <a:t>Person</a:t>
+              <a:t>UniqueTagList</a:t>
             </a:r>
             <a:endParaRPr lang="en-SG" sz="1050" dirty="0">
               <a:solidFill>
@@ -4295,67 +4316,24 @@
           </a:p>
         </p:txBody>
       </p:sp>
-      <p:sp>
-        <p:nvSpPr>
-          <p:cNvPr id="63" name="Flowchart: Decision 96"/>
-          <p:cNvSpPr/>
-          <p:nvPr/>
-        </p:nvSpPr>
-        <p:spPr>
-          <a:xfrm>
-            <a:off x="5653118" y="2942885"/>
-            <a:ext cx="236048" cy="173380"/>
-          </a:xfrm>
-          <a:prstGeom prst="flowChartDecision">
-            <a:avLst/>
-          </a:prstGeom>
-          <a:noFill/>
-          <a:ln w="19050">
-            <a:solidFill>
-              <a:srgbClr val="7030A0"/>
-            </a:solidFill>
-          </a:ln>
-          <a:effectLst/>
-        </p:spPr>
-        <p:style>
-          <a:lnRef idx="1">
-            <a:schemeClr val="accent6"/>
-          </a:lnRef>
-          <a:fillRef idx="2">
-            <a:schemeClr val="accent6"/>
-          </a:fillRef>
-          <a:effectRef idx="1">
-            <a:schemeClr val="accent6"/>
-          </a:effectRef>
-          <a:fontRef idx="minor">
-            <a:schemeClr val="dk1"/>
-          </a:fontRef>
-        </p:style>
-        <p:txBody>
-          <a:bodyPr rtlCol="0" anchor="ctr"/>
-          <a:lstStyle/>
-          <a:p>
-            <a:pPr algn="ctr"/>
-            <a:endParaRPr lang="en-US" sz="1050"/>
-          </a:p>
-        </p:txBody>
-      </p:sp>
       <p:cxnSp>
         <p:nvCxnSpPr>
-          <p:cNvPr id="64" name="Elbow Connector 63"/>
+          <p:cNvPr id="59" name="Elbow Connector 58"/>
           <p:cNvCxnSpPr>
-            <a:stCxn id="63" idx="3"/>
-            <a:endCxn id="62" idx="1"/>
+            <a:stCxn id="51" idx="3"/>
+            <a:endCxn id="57" idx="1"/>
           </p:cNvCxnSpPr>
           <p:nvPr/>
         </p:nvCxnSpPr>
         <p:spPr>
-          <a:xfrm>
-            <a:off x="5889166" y="3029575"/>
-            <a:ext cx="424511" cy="1871"/>
+          <a:xfrm flipV="1">
+            <a:off x="4220351" y="2453949"/>
+            <a:ext cx="256977" cy="306732"/>
           </a:xfrm>
           <a:prstGeom prst="bentConnector3">
-            <a:avLst/>
+            <a:avLst>
+              <a:gd name="adj1" fmla="val 50000"/>
+            </a:avLst>
           </a:prstGeom>
           <a:ln w="19050">
             <a:solidFill>
@@ -4383,14 +4361,14 @@
       </p:cxnSp>
       <p:sp>
         <p:nvSpPr>
-          <p:cNvPr id="76" name="Rectangle 8"/>
+          <p:cNvPr id="62" name="Rectangle 8"/>
           <p:cNvSpPr/>
           <p:nvPr/>
         </p:nvSpPr>
         <p:spPr>
           <a:xfrm>
-            <a:off x="7712397" y="2564238"/>
-            <a:ext cx="708186" cy="285783"/>
+            <a:off x="6313677" y="2858066"/>
+            <a:ext cx="708186" cy="346760"/>
           </a:xfrm>
           <a:prstGeom prst="rect">
             <a:avLst/>
@@ -4422,12 +4400,12 @@
           <a:p>
             <a:pPr algn="ctr"/>
             <a:r>
-              <a:rPr lang="en-US" sz="1050" dirty="0">
+              <a:rPr lang="en-US" sz="1050" dirty="0" smtClean="0">
                 <a:solidFill>
                   <a:srgbClr val="7030A0"/>
                 </a:solidFill>
               </a:rPr>
-              <a:t>Name</a:t>
+              <a:t>Person</a:t>
             </a:r>
             <a:endParaRPr lang="en-SG" sz="1050" dirty="0">
               <a:solidFill>
@@ -4439,21 +4417,19 @@
       </p:sp>
       <p:sp>
         <p:nvSpPr>
-          <p:cNvPr id="78" name="Flowchart: Decision 96"/>
+          <p:cNvPr id="63" name="Flowchart: Decision 96"/>
           <p:cNvSpPr/>
           <p:nvPr/>
         </p:nvSpPr>
         <p:spPr>
           <a:xfrm>
-            <a:off x="7041947" y="2948201"/>
+            <a:off x="5643227" y="2943979"/>
             <a:ext cx="236048" cy="173380"/>
           </a:xfrm>
           <a:prstGeom prst="flowChartDecision">
             <a:avLst/>
           </a:prstGeom>
-          <a:solidFill>
-            <a:srgbClr val="7030A0"/>
-          </a:solidFill>
+          <a:noFill/>
           <a:ln w="19050">
             <a:solidFill>
               <a:srgbClr val="7030A0"/>
@@ -4486,16 +4462,17 @@
       </p:sp>
       <p:cxnSp>
         <p:nvCxnSpPr>
-          <p:cNvPr id="79" name="Elbow Connector 78"/>
+          <p:cNvPr id="64" name="Elbow Connector 63"/>
           <p:cNvCxnSpPr>
-            <a:cxnSpLocks/>
+            <a:stCxn id="63" idx="3"/>
+            <a:endCxn id="62" idx="1"/>
           </p:cNvCxnSpPr>
           <p:nvPr/>
         </p:nvCxnSpPr>
         <p:spPr>
-          <a:xfrm flipV="1">
-            <a:off x="7277995" y="2706821"/>
-            <a:ext cx="434402" cy="327761"/>
+          <a:xfrm>
+            <a:off x="5879275" y="3030669"/>
+            <a:ext cx="434402" cy="777"/>
           </a:xfrm>
           <a:prstGeom prst="bentConnector3">
             <a:avLst/>
@@ -4526,14 +4503,14 @@
       </p:cxnSp>
       <p:sp>
         <p:nvSpPr>
-          <p:cNvPr id="80" name="Rectangle 8"/>
+          <p:cNvPr id="67" name="Rectangle 8"/>
           <p:cNvSpPr/>
           <p:nvPr/>
         </p:nvSpPr>
         <p:spPr>
           <a:xfrm>
-            <a:off x="7712397" y="2887216"/>
-            <a:ext cx="708186" cy="285783"/>
+            <a:off x="5300689" y="1784222"/>
+            <a:ext cx="483700" cy="346760"/>
           </a:xfrm>
           <a:prstGeom prst="rect">
             <a:avLst/>
@@ -4565,12 +4542,12 @@
           <a:p>
             <a:pPr algn="ctr"/>
             <a:r>
-              <a:rPr lang="en-US" sz="1050" dirty="0">
+              <a:rPr lang="en-US" sz="1050" dirty="0" smtClean="0">
                 <a:solidFill>
                   <a:srgbClr val="7030A0"/>
                 </a:solidFill>
               </a:rPr>
-              <a:t>Phone</a:t>
+              <a:t>Tag</a:t>
             </a:r>
             <a:endParaRPr lang="en-SG" sz="1050" dirty="0">
               <a:solidFill>
@@ -4580,21 +4557,66 @@
           </a:p>
         </p:txBody>
       </p:sp>
+      <p:sp>
+        <p:nvSpPr>
+          <p:cNvPr id="68" name="Flowchart: Decision 96"/>
+          <p:cNvSpPr/>
+          <p:nvPr/>
+        </p:nvSpPr>
+        <p:spPr>
+          <a:xfrm rot="16200000">
+            <a:off x="4921666" y="2066540"/>
+            <a:ext cx="236048" cy="173380"/>
+          </a:xfrm>
+          <a:prstGeom prst="flowChartDecision">
+            <a:avLst/>
+          </a:prstGeom>
+          <a:noFill/>
+          <a:ln w="19050">
+            <a:solidFill>
+              <a:srgbClr val="7030A0"/>
+            </a:solidFill>
+          </a:ln>
+          <a:effectLst/>
+        </p:spPr>
+        <p:style>
+          <a:lnRef idx="1">
+            <a:schemeClr val="accent6"/>
+          </a:lnRef>
+          <a:fillRef idx="2">
+            <a:schemeClr val="accent6"/>
+          </a:fillRef>
+          <a:effectRef idx="1">
+            <a:schemeClr val="accent6"/>
+          </a:effectRef>
+          <a:fontRef idx="minor">
+            <a:schemeClr val="dk1"/>
+          </a:fontRef>
+        </p:style>
+        <p:txBody>
+          <a:bodyPr rtlCol="0" anchor="ctr"/>
+          <a:lstStyle/>
+          <a:p>
+            <a:pPr algn="ctr"/>
+            <a:endParaRPr lang="en-US" sz="1050"/>
+          </a:p>
+        </p:txBody>
+      </p:sp>
       <p:cxnSp>
         <p:nvCxnSpPr>
-          <p:cNvPr id="81" name="Elbow Connector 80"/>
+          <p:cNvPr id="69" name="Elbow Connector 68"/>
           <p:cNvCxnSpPr>
-            <a:stCxn id="78" idx="3"/>
-            <a:endCxn id="80" idx="1"/>
+            <a:stCxn id="68" idx="3"/>
+            <a:endCxn id="67" idx="1"/>
           </p:cNvCxnSpPr>
           <p:nvPr/>
         </p:nvCxnSpPr>
         <p:spPr>
-          <a:xfrm flipV="1">
-            <a:off x="7277995" y="3030108"/>
-            <a:ext cx="434402" cy="4783"/>
-          </a:xfrm>
-          <a:prstGeom prst="bentConnector3">
+          <a:xfrm rot="5400000" flipH="1" flipV="1">
+            <a:off x="5131387" y="1865905"/>
+            <a:ext cx="77604" cy="260999"/>
+          </a:xfrm>
+          <a:prstGeom prst="bentConnector2">
             <a:avLst/>
           </a:prstGeom>
           <a:ln w="19050">
@@ -4623,13 +4645,13 @@
       </p:cxnSp>
       <p:sp>
         <p:nvSpPr>
-          <p:cNvPr id="83" name="Rectangle 8"/>
+          <p:cNvPr id="76" name="Rectangle 8"/>
           <p:cNvSpPr/>
           <p:nvPr/>
         </p:nvSpPr>
         <p:spPr>
           <a:xfrm>
-            <a:off x="7712397" y="3210194"/>
+            <a:off x="7712397" y="2564238"/>
             <a:ext cx="708186" cy="285783"/>
           </a:xfrm>
           <a:prstGeom prst="rect">
@@ -4662,12 +4684,12 @@
           <a:p>
             <a:pPr algn="ctr"/>
             <a:r>
-              <a:rPr lang="en-US" sz="1050" dirty="0">
+              <a:rPr lang="en-US" sz="1050" dirty="0" smtClean="0">
                 <a:solidFill>
                   <a:srgbClr val="7030A0"/>
                 </a:solidFill>
               </a:rPr>
-              <a:t>Email</a:t>
+              <a:t>Name</a:t>
             </a:r>
             <a:endParaRPr lang="en-SG" sz="1050" dirty="0">
               <a:solidFill>
@@ -4677,19 +4699,66 @@
           </a:p>
         </p:txBody>
       </p:sp>
+      <p:sp>
+        <p:nvSpPr>
+          <p:cNvPr id="78" name="Flowchart: Decision 96"/>
+          <p:cNvSpPr/>
+          <p:nvPr/>
+        </p:nvSpPr>
+        <p:spPr>
+          <a:xfrm>
+            <a:off x="7041947" y="2948201"/>
+            <a:ext cx="236048" cy="173380"/>
+          </a:xfrm>
+          <a:prstGeom prst="flowChartDecision">
+            <a:avLst/>
+          </a:prstGeom>
+          <a:solidFill>
+            <a:srgbClr val="7030A0"/>
+          </a:solidFill>
+          <a:ln w="19050">
+            <a:solidFill>
+              <a:srgbClr val="7030A0"/>
+            </a:solidFill>
+          </a:ln>
+          <a:effectLst/>
+        </p:spPr>
+        <p:style>
+          <a:lnRef idx="1">
+            <a:schemeClr val="accent6"/>
+          </a:lnRef>
+          <a:fillRef idx="2">
+            <a:schemeClr val="accent6"/>
+          </a:fillRef>
+          <a:effectRef idx="1">
+            <a:schemeClr val="accent6"/>
+          </a:effectRef>
+          <a:fontRef idx="minor">
+            <a:schemeClr val="dk1"/>
+          </a:fontRef>
+        </p:style>
+        <p:txBody>
+          <a:bodyPr rtlCol="0" anchor="ctr"/>
+          <a:lstStyle/>
+          <a:p>
+            <a:pPr algn="ctr"/>
+            <a:endParaRPr lang="en-US" sz="1050"/>
+          </a:p>
+        </p:txBody>
+      </p:sp>
       <p:cxnSp>
         <p:nvCxnSpPr>
-          <p:cNvPr id="84" name="Elbow Connector 83"/>
+          <p:cNvPr id="79" name="Elbow Connector 78"/>
           <p:cNvCxnSpPr>
             <a:stCxn id="78" idx="3"/>
-            <a:endCxn id="83" idx="1"/>
+            <a:endCxn id="76" idx="1"/>
           </p:cNvCxnSpPr>
           <p:nvPr/>
         </p:nvCxnSpPr>
         <p:spPr>
-          <a:xfrm>
-            <a:off x="7277995" y="3034891"/>
-            <a:ext cx="434402" cy="318195"/>
+          <a:xfrm flipV="1">
+            <a:off x="7277995" y="2707130"/>
+            <a:ext cx="434402" cy="327761"/>
           </a:xfrm>
           <a:prstGeom prst="bentConnector3">
             <a:avLst/>
@@ -4720,13 +4789,13 @@
       </p:cxnSp>
       <p:sp>
         <p:nvSpPr>
-          <p:cNvPr id="85" name="Rectangle 8"/>
+          <p:cNvPr id="80" name="Rectangle 8"/>
           <p:cNvSpPr/>
           <p:nvPr/>
         </p:nvSpPr>
         <p:spPr>
           <a:xfrm>
-            <a:off x="7712397" y="3533171"/>
+            <a:off x="7712397" y="2887216"/>
             <a:ext cx="708186" cy="285783"/>
           </a:xfrm>
           <a:prstGeom prst="rect">
@@ -4759,7 +4828,201 @@
           <a:p>
             <a:pPr algn="ctr"/>
             <a:r>
-              <a:rPr lang="en-US" sz="1050" dirty="0">
+              <a:rPr lang="en-US" sz="1050" dirty="0" smtClean="0">
+                <a:solidFill>
+                  <a:srgbClr val="7030A0"/>
+                </a:solidFill>
+              </a:rPr>
+              <a:t>Phone</a:t>
+            </a:r>
+            <a:endParaRPr lang="en-SG" sz="1050" dirty="0">
+              <a:solidFill>
+                <a:srgbClr val="7030A0"/>
+              </a:solidFill>
+            </a:endParaRPr>
+          </a:p>
+        </p:txBody>
+      </p:sp>
+      <p:cxnSp>
+        <p:nvCxnSpPr>
+          <p:cNvPr id="81" name="Elbow Connector 80"/>
+          <p:cNvCxnSpPr>
+            <a:stCxn id="78" idx="3"/>
+            <a:endCxn id="80" idx="1"/>
+          </p:cNvCxnSpPr>
+          <p:nvPr/>
+        </p:nvCxnSpPr>
+        <p:spPr>
+          <a:xfrm flipV="1">
+            <a:off x="7277995" y="3030108"/>
+            <a:ext cx="434402" cy="4783"/>
+          </a:xfrm>
+          <a:prstGeom prst="bentConnector3">
+            <a:avLst/>
+          </a:prstGeom>
+          <a:ln w="19050">
+            <a:solidFill>
+              <a:srgbClr val="7030A0"/>
+            </a:solidFill>
+            <a:headEnd type="none" w="med" len="med"/>
+            <a:tailEnd type="arrow" w="med" len="med"/>
+          </a:ln>
+          <a:effectLst/>
+        </p:spPr>
+        <p:style>
+          <a:lnRef idx="1">
+            <a:schemeClr val="accent2"/>
+          </a:lnRef>
+          <a:fillRef idx="2">
+            <a:schemeClr val="accent2"/>
+          </a:fillRef>
+          <a:effectRef idx="1">
+            <a:schemeClr val="accent2"/>
+          </a:effectRef>
+          <a:fontRef idx="minor">
+            <a:schemeClr val="dk1"/>
+          </a:fontRef>
+        </p:style>
+      </p:cxnSp>
+      <p:sp>
+        <p:nvSpPr>
+          <p:cNvPr id="83" name="Rectangle 8"/>
+          <p:cNvSpPr/>
+          <p:nvPr/>
+        </p:nvSpPr>
+        <p:spPr>
+          <a:xfrm>
+            <a:off x="7712397" y="3210194"/>
+            <a:ext cx="708186" cy="285783"/>
+          </a:xfrm>
+          <a:prstGeom prst="rect">
+            <a:avLst/>
+          </a:prstGeom>
+          <a:ln w="19050">
+            <a:solidFill>
+              <a:srgbClr val="7030A0"/>
+            </a:solidFill>
+          </a:ln>
+          <a:effectLst/>
+        </p:spPr>
+        <p:style>
+          <a:lnRef idx="1">
+            <a:schemeClr val="accent4"/>
+          </a:lnRef>
+          <a:fillRef idx="2">
+            <a:schemeClr val="accent4"/>
+          </a:fillRef>
+          <a:effectRef idx="1">
+            <a:schemeClr val="accent4"/>
+          </a:effectRef>
+          <a:fontRef idx="minor">
+            <a:schemeClr val="dk1"/>
+          </a:fontRef>
+        </p:style>
+        <p:txBody>
+          <a:bodyPr rtlCol="0" anchor="ctr"/>
+          <a:lstStyle/>
+          <a:p>
+            <a:pPr algn="ctr"/>
+            <a:r>
+              <a:rPr lang="en-US" sz="1050" dirty="0" smtClean="0">
+                <a:solidFill>
+                  <a:srgbClr val="7030A0"/>
+                </a:solidFill>
+              </a:rPr>
+              <a:t>Email</a:t>
+            </a:r>
+            <a:endParaRPr lang="en-SG" sz="1050" dirty="0">
+              <a:solidFill>
+                <a:srgbClr val="7030A0"/>
+              </a:solidFill>
+            </a:endParaRPr>
+          </a:p>
+        </p:txBody>
+      </p:sp>
+      <p:cxnSp>
+        <p:nvCxnSpPr>
+          <p:cNvPr id="84" name="Elbow Connector 83"/>
+          <p:cNvCxnSpPr>
+            <a:stCxn id="78" idx="3"/>
+            <a:endCxn id="83" idx="1"/>
+          </p:cNvCxnSpPr>
+          <p:nvPr/>
+        </p:nvCxnSpPr>
+        <p:spPr>
+          <a:xfrm>
+            <a:off x="7277995" y="3034891"/>
+            <a:ext cx="434402" cy="318195"/>
+          </a:xfrm>
+          <a:prstGeom prst="bentConnector3">
+            <a:avLst/>
+          </a:prstGeom>
+          <a:ln w="19050">
+            <a:solidFill>
+              <a:srgbClr val="7030A0"/>
+            </a:solidFill>
+            <a:headEnd type="none" w="med" len="med"/>
+            <a:tailEnd type="arrow" w="med" len="med"/>
+          </a:ln>
+          <a:effectLst/>
+        </p:spPr>
+        <p:style>
+          <a:lnRef idx="1">
+            <a:schemeClr val="accent2"/>
+          </a:lnRef>
+          <a:fillRef idx="2">
+            <a:schemeClr val="accent2"/>
+          </a:fillRef>
+          <a:effectRef idx="1">
+            <a:schemeClr val="accent2"/>
+          </a:effectRef>
+          <a:fontRef idx="minor">
+            <a:schemeClr val="dk1"/>
+          </a:fontRef>
+        </p:style>
+      </p:cxnSp>
+      <p:sp>
+        <p:nvSpPr>
+          <p:cNvPr id="85" name="Rectangle 8"/>
+          <p:cNvSpPr/>
+          <p:nvPr/>
+        </p:nvSpPr>
+        <p:spPr>
+          <a:xfrm>
+            <a:off x="7712397" y="3533171"/>
+            <a:ext cx="708186" cy="285783"/>
+          </a:xfrm>
+          <a:prstGeom prst="rect">
+            <a:avLst/>
+          </a:prstGeom>
+          <a:ln w="19050">
+            <a:solidFill>
+              <a:srgbClr val="7030A0"/>
+            </a:solidFill>
+          </a:ln>
+          <a:effectLst/>
+        </p:spPr>
+        <p:style>
+          <a:lnRef idx="1">
+            <a:schemeClr val="accent4"/>
+          </a:lnRef>
+          <a:fillRef idx="2">
+            <a:schemeClr val="accent4"/>
+          </a:fillRef>
+          <a:effectRef idx="1">
+            <a:schemeClr val="accent4"/>
+          </a:effectRef>
+          <a:fontRef idx="minor">
+            <a:schemeClr val="dk1"/>
+          </a:fontRef>
+        </p:style>
+        <p:txBody>
+          <a:bodyPr rtlCol="0" anchor="ctr"/>
+          <a:lstStyle/>
+          <a:p>
+            <a:pPr algn="ctr"/>
+            <a:r>
+              <a:rPr lang="en-US" sz="1050" dirty="0" smtClean="0">
                 <a:solidFill>
                   <a:srgbClr val="7030A0"/>
                 </a:solidFill>
@@ -4825,7 +5088,7 @@
         </p:nvCxnSpPr>
         <p:spPr>
           <a:xfrm rot="16200000" flipH="1">
-            <a:off x="3279321" y="2737710"/>
+            <a:off x="3279321" y="2485431"/>
             <a:ext cx="293825" cy="1"/>
           </a:xfrm>
           <a:prstGeom prst="bentConnector3">
@@ -4866,7 +5129,7 @@
         </p:nvSpPr>
         <p:spPr>
           <a:xfrm rot="10800000" flipV="1">
-            <a:off x="3290981" y="2415276"/>
+            <a:off x="3290981" y="2162997"/>
             <a:ext cx="270504" cy="175523"/>
           </a:xfrm>
           <a:prstGeom prst="triangle">
@@ -4914,7 +5177,7 @@
         </p:nvSpPr>
         <p:spPr>
           <a:xfrm>
-            <a:off x="2671139" y="2049107"/>
+            <a:off x="2642513" y="1790346"/>
             <a:ext cx="1539926" cy="346760"/>
           </a:xfrm>
           <a:prstGeom prst="rect">
@@ -4947,7 +5210,7 @@
           <a:p>
             <a:pPr algn="ctr"/>
             <a:r>
-              <a:rPr lang="en-US" sz="1050" dirty="0">
+              <a:rPr lang="en-US" sz="1050" dirty="0" smtClean="0">
                 <a:solidFill>
                   <a:srgbClr val="7030A0"/>
                 </a:solidFill>
@@ -4955,14 +5218,14 @@
               <a:t>&lt;&lt;interface&gt;&gt;</a:t>
             </a:r>
             <a:br>
-              <a:rPr lang="en-US" sz="1050" dirty="0">
+              <a:rPr lang="en-US" sz="1050" dirty="0" smtClean="0">
                 <a:solidFill>
                   <a:srgbClr val="7030A0"/>
                 </a:solidFill>
               </a:rPr>
             </a:br>
             <a:r>
-              <a:rPr lang="en-US" sz="1050" dirty="0" err="1">
+              <a:rPr lang="en-US" sz="1050" dirty="0" err="1" smtClean="0">
                 <a:solidFill>
                   <a:srgbClr val="7030A0"/>
                 </a:solidFill>
@@ -4985,7 +5248,7 @@
         </p:nvSpPr>
         <p:spPr>
           <a:xfrm rot="16200000">
-            <a:off x="6362886" y="3586305"/>
+            <a:off x="6527512" y="3586305"/>
             <a:ext cx="881018" cy="261610"/>
           </a:xfrm>
           <a:prstGeom prst="rect">
@@ -5001,7 +5264,7 @@
           <a:p>
             <a:pPr algn="r"/>
             <a:r>
-              <a:rPr lang="en-US" sz="1100" dirty="0">
+              <a:rPr lang="en-US" sz="1100" dirty="0" smtClean="0">
                 <a:solidFill>
                   <a:srgbClr val="7030A0"/>
                 </a:solidFill>
@@ -5057,12 +5320,20 @@
           <a:p>
             <a:pPr algn="ctr"/>
             <a:r>
-              <a:rPr lang="en-US" sz="1050" dirty="0">
+              <a:rPr lang="en-US" sz="1050" dirty="0" smtClean="0">
                 <a:solidFill>
                   <a:srgbClr val="7030A0"/>
                 </a:solidFill>
               </a:rPr>
               <a:t>&lt;&lt;interface&gt;&gt;</a:t>
+            </a:r>
+            <a:r>
+              <a:rPr lang="en-US" sz="1050">
+                <a:solidFill>
+                  <a:srgbClr val="7030A0"/>
+                </a:solidFill>
+              </a:rPr>
+              <a:t/>
             </a:r>
             <a:br>
               <a:rPr lang="en-US" sz="1050">
@@ -5072,7 +5343,7 @@
               </a:rPr>
             </a:br>
             <a:r>
-              <a:rPr lang="en-US" sz="1050" dirty="0" err="1">
+              <a:rPr lang="en-US" sz="1050" dirty="0" err="1" smtClean="0">
                 <a:solidFill>
                   <a:srgbClr val="7030A0"/>
                 </a:solidFill>
@@ -5129,288 +5400,22 @@
           </a:fontRef>
         </p:style>
       </p:cxnSp>
-      <p:sp>
-        <p:nvSpPr>
-          <p:cNvPr id="54" name="TextBox 53"/>
-          <p:cNvSpPr txBox="1"/>
-          <p:nvPr/>
-        </p:nvSpPr>
-        <p:spPr>
-          <a:xfrm>
-            <a:off x="4324972" y="3058864"/>
-            <a:ext cx="189257" cy="178683"/>
-          </a:xfrm>
-          <a:prstGeom prst="rect">
-            <a:avLst/>
-          </a:prstGeom>
-          <a:noFill/>
-        </p:spPr>
-        <p:txBody>
-          <a:bodyPr wrap="square" lIns="0" tIns="0" rIns="0" bIns="0" rtlCol="0">
-            <a:noAutofit/>
-          </a:bodyPr>
-          <a:lstStyle/>
-          <a:p>
-            <a:pPr algn="ctr"/>
-            <a:r>
-              <a:rPr lang="en-US" sz="1100" dirty="0">
-                <a:solidFill>
-                  <a:srgbClr val="7030A0"/>
-                </a:solidFill>
-              </a:rPr>
-              <a:t>1</a:t>
-            </a:r>
-            <a:endParaRPr lang="en-SG" sz="1100" dirty="0">
-              <a:solidFill>
-                <a:srgbClr val="7030A0"/>
-              </a:solidFill>
-            </a:endParaRPr>
-          </a:p>
-        </p:txBody>
-      </p:sp>
-      <p:sp>
-        <p:nvSpPr>
-          <p:cNvPr id="61" name="TextBox 60"/>
-          <p:cNvSpPr txBox="1"/>
-          <p:nvPr/>
-        </p:nvSpPr>
-        <p:spPr>
-          <a:xfrm>
-            <a:off x="6135256" y="3097917"/>
-            <a:ext cx="189257" cy="178683"/>
-          </a:xfrm>
-          <a:prstGeom prst="rect">
-            <a:avLst/>
-          </a:prstGeom>
-          <a:noFill/>
-        </p:spPr>
-        <p:txBody>
-          <a:bodyPr wrap="square" lIns="0" tIns="0" rIns="0" bIns="0" rtlCol="0">
-            <a:noAutofit/>
-          </a:bodyPr>
-          <a:lstStyle/>
-          <a:p>
-            <a:pPr algn="ctr"/>
-            <a:r>
-              <a:rPr lang="en-US" sz="1100" dirty="0">
-                <a:solidFill>
-                  <a:srgbClr val="7030A0"/>
-                </a:solidFill>
-              </a:rPr>
-              <a:t>*</a:t>
-            </a:r>
-            <a:endParaRPr lang="en-SG" sz="1100" dirty="0">
-              <a:solidFill>
-                <a:srgbClr val="7030A0"/>
-              </a:solidFill>
-            </a:endParaRPr>
-          </a:p>
-        </p:txBody>
-      </p:sp>
-      <p:sp>
-        <p:nvSpPr>
-          <p:cNvPr id="65" name="TextBox 64"/>
-          <p:cNvSpPr txBox="1"/>
-          <p:nvPr/>
-        </p:nvSpPr>
-        <p:spPr>
-          <a:xfrm>
-            <a:off x="2687923" y="2793117"/>
-            <a:ext cx="189257" cy="178683"/>
-          </a:xfrm>
-          <a:prstGeom prst="rect">
-            <a:avLst/>
-          </a:prstGeom>
-          <a:noFill/>
-        </p:spPr>
-        <p:txBody>
-          <a:bodyPr wrap="square" lIns="0" tIns="0" rIns="0" bIns="0" rtlCol="0">
-            <a:noAutofit/>
-          </a:bodyPr>
-          <a:lstStyle/>
-          <a:p>
-            <a:pPr algn="ctr"/>
-            <a:r>
-              <a:rPr lang="en-US" sz="1100" dirty="0">
-                <a:solidFill>
-                  <a:srgbClr val="7030A0"/>
-                </a:solidFill>
-              </a:rPr>
-              <a:t>1</a:t>
-            </a:r>
-            <a:endParaRPr lang="en-SG" sz="1100" dirty="0">
-              <a:solidFill>
-                <a:srgbClr val="7030A0"/>
-              </a:solidFill>
-            </a:endParaRPr>
-          </a:p>
-        </p:txBody>
-      </p:sp>
-      <p:sp>
-        <p:nvSpPr>
-          <p:cNvPr id="66" name="TextBox 65"/>
-          <p:cNvSpPr txBox="1"/>
-          <p:nvPr/>
-        </p:nvSpPr>
-        <p:spPr>
-          <a:xfrm>
-            <a:off x="2707070" y="3667737"/>
-            <a:ext cx="189257" cy="178683"/>
-          </a:xfrm>
-          <a:prstGeom prst="rect">
-            <a:avLst/>
-          </a:prstGeom>
-          <a:noFill/>
-        </p:spPr>
-        <p:txBody>
-          <a:bodyPr wrap="square" lIns="0" tIns="0" rIns="0" bIns="0" rtlCol="0">
-            <a:noAutofit/>
-          </a:bodyPr>
-          <a:lstStyle/>
-          <a:p>
-            <a:pPr algn="ctr"/>
-            <a:r>
-              <a:rPr lang="en-US" sz="1100" dirty="0">
-                <a:solidFill>
-                  <a:srgbClr val="7030A0"/>
-                </a:solidFill>
-              </a:rPr>
-              <a:t>1</a:t>
-            </a:r>
-            <a:endParaRPr lang="en-SG" sz="1100" dirty="0">
-              <a:solidFill>
-                <a:srgbClr val="7030A0"/>
-              </a:solidFill>
-            </a:endParaRPr>
-          </a:p>
-        </p:txBody>
-      </p:sp>
-      <p:sp>
-        <p:nvSpPr>
-          <p:cNvPr id="70" name="TextBox 69"/>
-          <p:cNvSpPr txBox="1"/>
-          <p:nvPr/>
-        </p:nvSpPr>
-        <p:spPr>
-          <a:xfrm>
-            <a:off x="6449896" y="3204826"/>
-            <a:ext cx="189257" cy="178683"/>
-          </a:xfrm>
-          <a:prstGeom prst="rect">
-            <a:avLst/>
-          </a:prstGeom>
-          <a:noFill/>
-        </p:spPr>
-        <p:txBody>
-          <a:bodyPr wrap="square" lIns="0" tIns="0" rIns="0" bIns="0" rtlCol="0">
-            <a:noAutofit/>
-          </a:bodyPr>
-          <a:lstStyle/>
-          <a:p>
-            <a:pPr algn="ctr"/>
-            <a:r>
-              <a:rPr lang="en-US" sz="1100" dirty="0">
-                <a:solidFill>
-                  <a:srgbClr val="7030A0"/>
-                </a:solidFill>
-              </a:rPr>
-              <a:t>1</a:t>
-            </a:r>
-            <a:endParaRPr lang="en-SG" sz="1100" dirty="0">
-              <a:solidFill>
-                <a:srgbClr val="7030A0"/>
-              </a:solidFill>
-            </a:endParaRPr>
-          </a:p>
-        </p:txBody>
-      </p:sp>
-      <p:sp>
-        <p:nvSpPr>
-          <p:cNvPr id="52" name="Rectangle 8">
-            <a:extLst>
-              <a:ext uri="{FF2B5EF4-FFF2-40B4-BE49-F238E27FC236}">
-                <a16:creationId xmlns:a16="http://schemas.microsoft.com/office/drawing/2014/main" id="{ABDCDBD2-131A-4B66-A2F2-43BBEE82C773}"/>
-              </a:ext>
-            </a:extLst>
-          </p:cNvPr>
-          <p:cNvSpPr/>
-          <p:nvPr/>
-        </p:nvSpPr>
-        <p:spPr>
-          <a:xfrm>
-            <a:off x="7712397" y="2228817"/>
-            <a:ext cx="708186" cy="285783"/>
-          </a:xfrm>
-          <a:prstGeom prst="rect">
-            <a:avLst/>
-          </a:prstGeom>
-          <a:ln w="19050">
-            <a:solidFill>
-              <a:srgbClr val="7030A0"/>
-            </a:solidFill>
-          </a:ln>
-          <a:effectLst/>
-        </p:spPr>
-        <p:style>
-          <a:lnRef idx="1">
-            <a:schemeClr val="accent4"/>
-          </a:lnRef>
-          <a:fillRef idx="2">
-            <a:schemeClr val="accent4"/>
-          </a:fillRef>
-          <a:effectRef idx="1">
-            <a:schemeClr val="accent4"/>
-          </a:effectRef>
-          <a:fontRef idx="minor">
-            <a:schemeClr val="dk1"/>
-          </a:fontRef>
-        </p:style>
-        <p:txBody>
-          <a:bodyPr rtlCol="0" anchor="ctr"/>
-          <a:lstStyle/>
-          <a:p>
-            <a:pPr algn="ctr"/>
-            <a:r>
-              <a:rPr lang="en-US" sz="1050" dirty="0">
-                <a:solidFill>
-                  <a:srgbClr val="7030A0"/>
-                </a:solidFill>
-              </a:rPr>
-              <a:t>Tag</a:t>
-            </a:r>
-            <a:endParaRPr lang="en-SG" sz="1050" dirty="0">
-              <a:solidFill>
-                <a:srgbClr val="7030A0"/>
-              </a:solidFill>
-            </a:endParaRPr>
-          </a:p>
-        </p:txBody>
-      </p:sp>
       <p:cxnSp>
         <p:nvCxnSpPr>
-          <p:cNvPr id="53" name="Elbow Connector 78">
-            <a:extLst>
-              <a:ext uri="{FF2B5EF4-FFF2-40B4-BE49-F238E27FC236}">
-                <a16:creationId xmlns:a16="http://schemas.microsoft.com/office/drawing/2014/main" id="{B97967F8-618A-448B-81FD-CDFD4AF0EC64}"/>
-              </a:ext>
-            </a:extLst>
-          </p:cNvPr>
+          <p:cNvPr id="50" name="Elbow Connector 49"/>
           <p:cNvCxnSpPr>
-            <a:cxnSpLocks/>
-            <a:stCxn id="78" idx="3"/>
-            <a:endCxn id="52" idx="1"/>
+            <a:stCxn id="62" idx="0"/>
+            <a:endCxn id="57" idx="3"/>
           </p:cNvCxnSpPr>
           <p:nvPr/>
         </p:nvCxnSpPr>
         <p:spPr>
-          <a:xfrm flipV="1">
-            <a:off x="7277995" y="2371709"/>
-            <a:ext cx="434402" cy="663182"/>
-          </a:xfrm>
-          <a:prstGeom prst="bentConnector3">
-            <a:avLst>
-              <a:gd name="adj1" fmla="val 50000"/>
-            </a:avLst>
+          <a:xfrm rot="16200000" flipV="1">
+            <a:off x="5948976" y="2139271"/>
+            <a:ext cx="404117" cy="1033473"/>
+          </a:xfrm>
+          <a:prstGeom prst="bentConnector2">
+            <a:avLst/>
           </a:prstGeom>
           <a:ln w="19050">
             <a:solidFill>
@@ -5438,19 +5443,13 @@
       </p:cxnSp>
       <p:sp>
         <p:nvSpPr>
-          <p:cNvPr id="50" name="TextBox 49">
-            <a:extLst>
-              <a:ext uri="{FF2B5EF4-FFF2-40B4-BE49-F238E27FC236}">
-                <a16:creationId xmlns:a16="http://schemas.microsoft.com/office/drawing/2014/main" id="{B3FA9D57-880F-49C4-AD0B-A64E30D6F403}"/>
-              </a:ext>
-            </a:extLst>
-          </p:cNvPr>
+          <p:cNvPr id="11" name="TextBox 10"/>
           <p:cNvSpPr txBox="1"/>
           <p:nvPr/>
         </p:nvSpPr>
         <p:spPr>
           <a:xfrm>
-            <a:off x="7466243" y="2255711"/>
+            <a:off x="4324972" y="2191228"/>
             <a:ext cx="189257" cy="178683"/>
           </a:xfrm>
           <a:prstGeom prst="rect">
@@ -5466,12 +5465,465 @@
           <a:p>
             <a:pPr algn="ctr"/>
             <a:r>
-              <a:rPr lang="en-US" sz="1100" dirty="0">
+              <a:rPr lang="en-US" sz="1100" dirty="0" smtClean="0">
+                <a:solidFill>
+                  <a:srgbClr val="7030A0"/>
+                </a:solidFill>
+              </a:rPr>
+              <a:t>1</a:t>
+            </a:r>
+            <a:endParaRPr lang="en-SG" sz="1100" dirty="0">
+              <a:solidFill>
+                <a:srgbClr val="7030A0"/>
+              </a:solidFill>
+            </a:endParaRPr>
+          </a:p>
+        </p:txBody>
+      </p:sp>
+      <p:sp>
+        <p:nvSpPr>
+          <p:cNvPr id="54" name="TextBox 53"/>
+          <p:cNvSpPr txBox="1"/>
+          <p:nvPr/>
+        </p:nvSpPr>
+        <p:spPr>
+          <a:xfrm>
+            <a:off x="4324972" y="3058864"/>
+            <a:ext cx="189257" cy="178683"/>
+          </a:xfrm>
+          <a:prstGeom prst="rect">
+            <a:avLst/>
+          </a:prstGeom>
+          <a:noFill/>
+        </p:spPr>
+        <p:txBody>
+          <a:bodyPr wrap="square" lIns="0" tIns="0" rIns="0" bIns="0" rtlCol="0">
+            <a:noAutofit/>
+          </a:bodyPr>
+          <a:lstStyle/>
+          <a:p>
+            <a:pPr algn="ctr"/>
+            <a:r>
+              <a:rPr lang="en-US" sz="1100" dirty="0" smtClean="0">
+                <a:solidFill>
+                  <a:srgbClr val="7030A0"/>
+                </a:solidFill>
+              </a:rPr>
+              <a:t>1</a:t>
+            </a:r>
+            <a:endParaRPr lang="en-SG" sz="1100" dirty="0">
+              <a:solidFill>
+                <a:srgbClr val="7030A0"/>
+              </a:solidFill>
+            </a:endParaRPr>
+          </a:p>
+        </p:txBody>
+      </p:sp>
+      <p:sp>
+        <p:nvSpPr>
+          <p:cNvPr id="56" name="TextBox 55"/>
+          <p:cNvSpPr txBox="1"/>
+          <p:nvPr/>
+        </p:nvSpPr>
+        <p:spPr>
+          <a:xfrm>
+            <a:off x="5689761" y="2495413"/>
+            <a:ext cx="189257" cy="178683"/>
+          </a:xfrm>
+          <a:prstGeom prst="rect">
+            <a:avLst/>
+          </a:prstGeom>
+          <a:noFill/>
+        </p:spPr>
+        <p:txBody>
+          <a:bodyPr wrap="square" lIns="0" tIns="0" rIns="0" bIns="0" rtlCol="0">
+            <a:noAutofit/>
+          </a:bodyPr>
+          <a:lstStyle/>
+          <a:p>
+            <a:pPr algn="ctr"/>
+            <a:r>
+              <a:rPr lang="en-US" sz="1100" dirty="0" smtClean="0">
+                <a:solidFill>
+                  <a:srgbClr val="7030A0"/>
+                </a:solidFill>
+              </a:rPr>
+              <a:t>1</a:t>
+            </a:r>
+            <a:endParaRPr lang="en-SG" sz="1100" dirty="0">
+              <a:solidFill>
+                <a:srgbClr val="7030A0"/>
+              </a:solidFill>
+            </a:endParaRPr>
+          </a:p>
+        </p:txBody>
+      </p:sp>
+      <p:sp>
+        <p:nvSpPr>
+          <p:cNvPr id="60" name="TextBox 59"/>
+          <p:cNvSpPr txBox="1"/>
+          <p:nvPr/>
+        </p:nvSpPr>
+        <p:spPr>
+          <a:xfrm>
+            <a:off x="5163172" y="1778919"/>
+            <a:ext cx="189257" cy="178683"/>
+          </a:xfrm>
+          <a:prstGeom prst="rect">
+            <a:avLst/>
+          </a:prstGeom>
+          <a:noFill/>
+        </p:spPr>
+        <p:txBody>
+          <a:bodyPr wrap="square" lIns="0" tIns="0" rIns="0" bIns="0" rtlCol="0">
+            <a:noAutofit/>
+          </a:bodyPr>
+          <a:lstStyle/>
+          <a:p>
+            <a:pPr algn="ctr"/>
+            <a:r>
+              <a:rPr lang="en-US" sz="1100" dirty="0" smtClean="0">
                 <a:solidFill>
                   <a:srgbClr val="7030A0"/>
                 </a:solidFill>
               </a:rPr>
               <a:t>*</a:t>
+            </a:r>
+            <a:endParaRPr lang="en-SG" sz="1100" dirty="0">
+              <a:solidFill>
+                <a:srgbClr val="7030A0"/>
+              </a:solidFill>
+            </a:endParaRPr>
+          </a:p>
+        </p:txBody>
+      </p:sp>
+      <p:sp>
+        <p:nvSpPr>
+          <p:cNvPr id="61" name="TextBox 60"/>
+          <p:cNvSpPr txBox="1"/>
+          <p:nvPr/>
+        </p:nvSpPr>
+        <p:spPr>
+          <a:xfrm>
+            <a:off x="6135256" y="3097917"/>
+            <a:ext cx="189257" cy="178683"/>
+          </a:xfrm>
+          <a:prstGeom prst="rect">
+            <a:avLst/>
+          </a:prstGeom>
+          <a:noFill/>
+        </p:spPr>
+        <p:txBody>
+          <a:bodyPr wrap="square" lIns="0" tIns="0" rIns="0" bIns="0" rtlCol="0">
+            <a:noAutofit/>
+          </a:bodyPr>
+          <a:lstStyle/>
+          <a:p>
+            <a:pPr algn="ctr"/>
+            <a:r>
+              <a:rPr lang="en-US" sz="1100" dirty="0" smtClean="0">
+                <a:solidFill>
+                  <a:srgbClr val="7030A0"/>
+                </a:solidFill>
+              </a:rPr>
+              <a:t>*</a:t>
+            </a:r>
+            <a:endParaRPr lang="en-SG" sz="1100" dirty="0">
+              <a:solidFill>
+                <a:srgbClr val="7030A0"/>
+              </a:solidFill>
+            </a:endParaRPr>
+          </a:p>
+        </p:txBody>
+      </p:sp>
+      <p:sp>
+        <p:nvSpPr>
+          <p:cNvPr id="65" name="TextBox 64"/>
+          <p:cNvSpPr txBox="1"/>
+          <p:nvPr/>
+        </p:nvSpPr>
+        <p:spPr>
+          <a:xfrm>
+            <a:off x="2687923" y="2564238"/>
+            <a:ext cx="189257" cy="178683"/>
+          </a:xfrm>
+          <a:prstGeom prst="rect">
+            <a:avLst/>
+          </a:prstGeom>
+          <a:noFill/>
+        </p:spPr>
+        <p:txBody>
+          <a:bodyPr wrap="square" lIns="0" tIns="0" rIns="0" bIns="0" rtlCol="0">
+            <a:noAutofit/>
+          </a:bodyPr>
+          <a:lstStyle/>
+          <a:p>
+            <a:pPr algn="ctr"/>
+            <a:r>
+              <a:rPr lang="en-US" sz="1100" dirty="0" smtClean="0">
+                <a:solidFill>
+                  <a:srgbClr val="7030A0"/>
+                </a:solidFill>
+              </a:rPr>
+              <a:t>1</a:t>
+            </a:r>
+            <a:endParaRPr lang="en-SG" sz="1100" dirty="0">
+              <a:solidFill>
+                <a:srgbClr val="7030A0"/>
+              </a:solidFill>
+            </a:endParaRPr>
+          </a:p>
+        </p:txBody>
+      </p:sp>
+      <p:sp>
+        <p:nvSpPr>
+          <p:cNvPr id="66" name="TextBox 65"/>
+          <p:cNvSpPr txBox="1"/>
+          <p:nvPr/>
+        </p:nvSpPr>
+        <p:spPr>
+          <a:xfrm>
+            <a:off x="2656370" y="3386050"/>
+            <a:ext cx="189257" cy="178683"/>
+          </a:xfrm>
+          <a:prstGeom prst="rect">
+            <a:avLst/>
+          </a:prstGeom>
+          <a:noFill/>
+        </p:spPr>
+        <p:txBody>
+          <a:bodyPr wrap="square" lIns="0" tIns="0" rIns="0" bIns="0" rtlCol="0">
+            <a:noAutofit/>
+          </a:bodyPr>
+          <a:lstStyle/>
+          <a:p>
+            <a:pPr algn="ctr"/>
+            <a:r>
+              <a:rPr lang="en-US" sz="1100" dirty="0" smtClean="0">
+                <a:solidFill>
+                  <a:srgbClr val="7030A0"/>
+                </a:solidFill>
+              </a:rPr>
+              <a:t>1</a:t>
+            </a:r>
+            <a:endParaRPr lang="en-SG" sz="1100" dirty="0">
+              <a:solidFill>
+                <a:srgbClr val="7030A0"/>
+              </a:solidFill>
+            </a:endParaRPr>
+          </a:p>
+        </p:txBody>
+      </p:sp>
+      <p:sp>
+        <p:nvSpPr>
+          <p:cNvPr id="70" name="TextBox 69"/>
+          <p:cNvSpPr txBox="1"/>
+          <p:nvPr/>
+        </p:nvSpPr>
+        <p:spPr>
+          <a:xfrm>
+            <a:off x="6667770" y="3210194"/>
+            <a:ext cx="189257" cy="178683"/>
+          </a:xfrm>
+          <a:prstGeom prst="rect">
+            <a:avLst/>
+          </a:prstGeom>
+          <a:noFill/>
+        </p:spPr>
+        <p:txBody>
+          <a:bodyPr wrap="square" lIns="0" tIns="0" rIns="0" bIns="0" rtlCol="0">
+            <a:noAutofit/>
+          </a:bodyPr>
+          <a:lstStyle/>
+          <a:p>
+            <a:pPr algn="ctr"/>
+            <a:r>
+              <a:rPr lang="en-US" sz="1100" dirty="0" smtClean="0">
+                <a:solidFill>
+                  <a:srgbClr val="7030A0"/>
+                </a:solidFill>
+              </a:rPr>
+              <a:t>1</a:t>
+            </a:r>
+            <a:endParaRPr lang="en-SG" sz="1100" dirty="0">
+              <a:solidFill>
+                <a:srgbClr val="7030A0"/>
+              </a:solidFill>
+            </a:endParaRPr>
+          </a:p>
+        </p:txBody>
+      </p:sp>
+      <p:sp>
+        <p:nvSpPr>
+          <p:cNvPr id="52" name="Rectangle 8"/>
+          <p:cNvSpPr/>
+          <p:nvPr/>
+        </p:nvSpPr>
+        <p:spPr>
+          <a:xfrm>
+            <a:off x="1278742" y="1793387"/>
+            <a:ext cx="1093635" cy="346760"/>
+          </a:xfrm>
+          <a:prstGeom prst="rect">
+            <a:avLst/>
+          </a:prstGeom>
+          <a:ln w="19050">
+            <a:solidFill>
+              <a:srgbClr val="7030A0"/>
+            </a:solidFill>
+          </a:ln>
+          <a:effectLst/>
+        </p:spPr>
+        <p:style>
+          <a:lnRef idx="1">
+            <a:schemeClr val="accent4"/>
+          </a:lnRef>
+          <a:fillRef idx="2">
+            <a:schemeClr val="accent4"/>
+          </a:fillRef>
+          <a:effectRef idx="1">
+            <a:schemeClr val="accent4"/>
+          </a:effectRef>
+          <a:fontRef idx="minor">
+            <a:schemeClr val="dk1"/>
+          </a:fontRef>
+        </p:style>
+        <p:txBody>
+          <a:bodyPr rtlCol="0" anchor="ctr"/>
+          <a:lstStyle/>
+          <a:p>
+            <a:pPr algn="ctr"/>
+            <a:r>
+              <a:rPr lang="en-US" sz="1050" dirty="0" err="1" smtClean="0">
+                <a:solidFill>
+                  <a:srgbClr val="7030A0"/>
+                </a:solidFill>
+              </a:rPr>
+              <a:t>UndoRedoStack</a:t>
+            </a:r>
+            <a:endParaRPr lang="en-SG" sz="1050" dirty="0">
+              <a:solidFill>
+                <a:srgbClr val="7030A0"/>
+              </a:solidFill>
+            </a:endParaRPr>
+          </a:p>
+        </p:txBody>
+      </p:sp>
+      <p:sp>
+        <p:nvSpPr>
+          <p:cNvPr id="53" name="Flowchart: Decision 96"/>
+          <p:cNvSpPr/>
+          <p:nvPr/>
+        </p:nvSpPr>
+        <p:spPr>
+          <a:xfrm>
+            <a:off x="2087399" y="2325303"/>
+            <a:ext cx="236048" cy="173380"/>
+          </a:xfrm>
+          <a:prstGeom prst="flowChartDecision">
+            <a:avLst/>
+          </a:prstGeom>
+          <a:noFill/>
+          <a:ln w="19050">
+            <a:solidFill>
+              <a:srgbClr val="7030A0"/>
+            </a:solidFill>
+          </a:ln>
+          <a:effectLst/>
+        </p:spPr>
+        <p:style>
+          <a:lnRef idx="1">
+            <a:schemeClr val="accent6"/>
+          </a:lnRef>
+          <a:fillRef idx="2">
+            <a:schemeClr val="accent6"/>
+          </a:fillRef>
+          <a:effectRef idx="1">
+            <a:schemeClr val="accent6"/>
+          </a:effectRef>
+          <a:fontRef idx="minor">
+            <a:schemeClr val="dk1"/>
+          </a:fontRef>
+        </p:style>
+        <p:txBody>
+          <a:bodyPr rtlCol="0" anchor="ctr"/>
+          <a:lstStyle/>
+          <a:p>
+            <a:pPr algn="ctr"/>
+            <a:endParaRPr lang="en-US" sz="1050"/>
+          </a:p>
+        </p:txBody>
+      </p:sp>
+      <p:cxnSp>
+        <p:nvCxnSpPr>
+          <p:cNvPr id="55" name="Straight Arrow Connector 54"/>
+          <p:cNvCxnSpPr>
+            <a:stCxn id="53" idx="0"/>
+          </p:cNvCxnSpPr>
+          <p:nvPr/>
+        </p:nvCxnSpPr>
+        <p:spPr>
+          <a:xfrm flipH="1" flipV="1">
+            <a:off x="2203742" y="2130982"/>
+            <a:ext cx="1681" cy="194321"/>
+          </a:xfrm>
+          <a:prstGeom prst="straightConnector1">
+            <a:avLst/>
+          </a:prstGeom>
+          <a:ln w="19050">
+            <a:solidFill>
+              <a:srgbClr val="7030A0"/>
+            </a:solidFill>
+            <a:headEnd type="none" w="med" len="med"/>
+            <a:tailEnd type="arrow" w="med" len="med"/>
+          </a:ln>
+          <a:effectLst/>
+        </p:spPr>
+        <p:style>
+          <a:lnRef idx="1">
+            <a:schemeClr val="accent2"/>
+          </a:lnRef>
+          <a:fillRef idx="2">
+            <a:schemeClr val="accent2"/>
+          </a:fillRef>
+          <a:effectRef idx="1">
+            <a:schemeClr val="accent2"/>
+          </a:effectRef>
+          <a:fontRef idx="minor">
+            <a:schemeClr val="dk1"/>
+          </a:fontRef>
+        </p:style>
+      </p:cxnSp>
+      <p:sp>
+        <p:nvSpPr>
+          <p:cNvPr id="72" name="TextBox 71"/>
+          <p:cNvSpPr txBox="1"/>
+          <p:nvPr/>
+        </p:nvSpPr>
+        <p:spPr>
+          <a:xfrm>
+            <a:off x="2253194" y="2125118"/>
+            <a:ext cx="189257" cy="178683"/>
+          </a:xfrm>
+          <a:prstGeom prst="rect">
+            <a:avLst/>
+          </a:prstGeom>
+          <a:noFill/>
+        </p:spPr>
+        <p:txBody>
+          <a:bodyPr wrap="square" lIns="0" tIns="0" rIns="0" bIns="0" rtlCol="0">
+            <a:noAutofit/>
+          </a:bodyPr>
+          <a:lstStyle/>
+          <a:p>
+            <a:pPr algn="ctr"/>
+            <a:r>
+              <a:rPr lang="en-US" sz="1100" dirty="0" smtClean="0">
+                <a:solidFill>
+                  <a:srgbClr val="7030A0"/>
+                </a:solidFill>
+              </a:rPr>
+              <a:t>1</a:t>
             </a:r>
             <a:endParaRPr lang="en-SG" sz="1100" dirty="0">
               <a:solidFill>
@@ -5491,6 +5943,13 @@
   <p:clrMapOvr>
     <a:masterClrMapping/>
   </p:clrMapOvr>
+  <p:timing>
+    <p:tnLst>
+      <p:par>
+        <p:cTn id="1" dur="indefinite" restart="never" nodeType="tmRoot"/>
+      </p:par>
+    </p:tnLst>
+  </p:timing>
 </p:sld>
 </file>
 

--- a/docs/diagrams/ModelComponentClassDiagram.pptx
+++ b/docs/diagrams/ModelComponentClassDiagram.pptx
@@ -208,7 +208,7 @@
           <a:p>
             <a:fld id="{F5CC4B3F-88C1-4FFA-B1B6-F41C21DC6924}" type="datetimeFigureOut">
               <a:rPr lang="en-US" smtClean="0"/>
-              <a:t>1/1/18</a:t>
+              <a:t>4/4/2018</a:t>
             </a:fld>
             <a:endParaRPr lang="en-US"/>
           </a:p>
@@ -657,7 +657,7 @@
           <a:p>
             <a:fld id="{78C97017-6FC3-485B-9764-EAC9E56C1D49}" type="datetimeFigureOut">
               <a:rPr lang="en-US" smtClean="0"/>
-              <a:t>1/1/18</a:t>
+              <a:t>4/4/2018</a:t>
             </a:fld>
             <a:endParaRPr lang="en-US"/>
           </a:p>
@@ -827,7 +827,7 @@
           <a:p>
             <a:fld id="{78C97017-6FC3-485B-9764-EAC9E56C1D49}" type="datetimeFigureOut">
               <a:rPr lang="en-US" smtClean="0"/>
-              <a:t>1/1/18</a:t>
+              <a:t>4/4/2018</a:t>
             </a:fld>
             <a:endParaRPr lang="en-US"/>
           </a:p>
@@ -1007,7 +1007,7 @@
           <a:p>
             <a:fld id="{78C97017-6FC3-485B-9764-EAC9E56C1D49}" type="datetimeFigureOut">
               <a:rPr lang="en-US" smtClean="0"/>
-              <a:t>1/1/18</a:t>
+              <a:t>4/4/2018</a:t>
             </a:fld>
             <a:endParaRPr lang="en-US"/>
           </a:p>
@@ -1177,7 +1177,7 @@
           <a:p>
             <a:fld id="{78C97017-6FC3-485B-9764-EAC9E56C1D49}" type="datetimeFigureOut">
               <a:rPr lang="en-US" smtClean="0"/>
-              <a:t>1/1/18</a:t>
+              <a:t>4/4/2018</a:t>
             </a:fld>
             <a:endParaRPr lang="en-US"/>
           </a:p>
@@ -1423,7 +1423,7 @@
           <a:p>
             <a:fld id="{78C97017-6FC3-485B-9764-EAC9E56C1D49}" type="datetimeFigureOut">
               <a:rPr lang="en-US" smtClean="0"/>
-              <a:t>1/1/18</a:t>
+              <a:t>4/4/2018</a:t>
             </a:fld>
             <a:endParaRPr lang="en-US"/>
           </a:p>
@@ -1711,7 +1711,7 @@
           <a:p>
             <a:fld id="{78C97017-6FC3-485B-9764-EAC9E56C1D49}" type="datetimeFigureOut">
               <a:rPr lang="en-US" smtClean="0"/>
-              <a:t>1/1/18</a:t>
+              <a:t>4/4/2018</a:t>
             </a:fld>
             <a:endParaRPr lang="en-US"/>
           </a:p>
@@ -2133,7 +2133,7 @@
           <a:p>
             <a:fld id="{78C97017-6FC3-485B-9764-EAC9E56C1D49}" type="datetimeFigureOut">
               <a:rPr lang="en-US" smtClean="0"/>
-              <a:t>1/1/18</a:t>
+              <a:t>4/4/2018</a:t>
             </a:fld>
             <a:endParaRPr lang="en-US"/>
           </a:p>
@@ -2251,7 +2251,7 @@
           <a:p>
             <a:fld id="{78C97017-6FC3-485B-9764-EAC9E56C1D49}" type="datetimeFigureOut">
               <a:rPr lang="en-US" smtClean="0"/>
-              <a:t>1/1/18</a:t>
+              <a:t>4/4/2018</a:t>
             </a:fld>
             <a:endParaRPr lang="en-US"/>
           </a:p>
@@ -2346,7 +2346,7 @@
           <a:p>
             <a:fld id="{78C97017-6FC3-485B-9764-EAC9E56C1D49}" type="datetimeFigureOut">
               <a:rPr lang="en-US" smtClean="0"/>
-              <a:t>1/1/18</a:t>
+              <a:t>4/4/2018</a:t>
             </a:fld>
             <a:endParaRPr lang="en-US"/>
           </a:p>
@@ -2623,7 +2623,7 @@
           <a:p>
             <a:fld id="{78C97017-6FC3-485B-9764-EAC9E56C1D49}" type="datetimeFigureOut">
               <a:rPr lang="en-US" smtClean="0"/>
-              <a:t>1/1/18</a:t>
+              <a:t>4/4/2018</a:t>
             </a:fld>
             <a:endParaRPr lang="en-US"/>
           </a:p>
@@ -2876,7 +2876,7 @@
           <a:p>
             <a:fld id="{78C97017-6FC3-485B-9764-EAC9E56C1D49}" type="datetimeFigureOut">
               <a:rPr lang="en-US" smtClean="0"/>
-              <a:t>1/1/18</a:t>
+              <a:t>4/4/2018</a:t>
             </a:fld>
             <a:endParaRPr lang="en-US"/>
           </a:p>
@@ -3089,7 +3089,7 @@
           <a:p>
             <a:fld id="{78C97017-6FC3-485B-9764-EAC9E56C1D49}" type="datetimeFigureOut">
               <a:rPr lang="en-US" smtClean="0"/>
-              <a:t>1/1/18</a:t>
+              <a:t>4/4/2018</a:t>
             </a:fld>
             <a:endParaRPr lang="en-US"/>
           </a:p>
@@ -3472,8 +3472,8 @@
         </p:nvSpPr>
         <p:spPr>
           <a:xfrm>
-            <a:off x="1119865" y="1727200"/>
-            <a:ext cx="7490735" cy="2997200"/>
+            <a:off x="1119865" y="1447800"/>
+            <a:ext cx="7490735" cy="3276600"/>
           </a:xfrm>
           <a:prstGeom prst="roundRect">
             <a:avLst>
@@ -4509,7 +4509,7 @@
         </p:nvSpPr>
         <p:spPr>
           <a:xfrm>
-            <a:off x="5336105" y="1809332"/>
+            <a:off x="5300689" y="1784222"/>
             <a:ext cx="483700" cy="346760"/>
           </a:xfrm>
           <a:prstGeom prst="rect">
@@ -4613,8 +4613,8 @@
         </p:nvCxnSpPr>
         <p:spPr>
           <a:xfrm rot="5400000" flipH="1" flipV="1">
-            <a:off x="5161650" y="1860752"/>
-            <a:ext cx="52494" cy="296415"/>
+            <a:off x="5131387" y="1865905"/>
+            <a:ext cx="77604" cy="260999"/>
           </a:xfrm>
           <a:prstGeom prst="bentConnector2">
             <a:avLst/>
@@ -5177,7 +5177,7 @@
         </p:nvSpPr>
         <p:spPr>
           <a:xfrm>
-            <a:off x="2660303" y="1806470"/>
+            <a:off x="2642513" y="1790346"/>
             <a:ext cx="1539926" cy="346760"/>
           </a:xfrm>
           <a:prstGeom prst="rect">
@@ -5723,6 +5723,186 @@
         <p:spPr>
           <a:xfrm>
             <a:off x="6667770" y="3210194"/>
+            <a:ext cx="189257" cy="178683"/>
+          </a:xfrm>
+          <a:prstGeom prst="rect">
+            <a:avLst/>
+          </a:prstGeom>
+          <a:noFill/>
+        </p:spPr>
+        <p:txBody>
+          <a:bodyPr wrap="square" lIns="0" tIns="0" rIns="0" bIns="0" rtlCol="0">
+            <a:noAutofit/>
+          </a:bodyPr>
+          <a:lstStyle/>
+          <a:p>
+            <a:pPr algn="ctr"/>
+            <a:r>
+              <a:rPr lang="en-US" sz="1100" dirty="0" smtClean="0">
+                <a:solidFill>
+                  <a:srgbClr val="7030A0"/>
+                </a:solidFill>
+              </a:rPr>
+              <a:t>1</a:t>
+            </a:r>
+            <a:endParaRPr lang="en-SG" sz="1100" dirty="0">
+              <a:solidFill>
+                <a:srgbClr val="7030A0"/>
+              </a:solidFill>
+            </a:endParaRPr>
+          </a:p>
+        </p:txBody>
+      </p:sp>
+      <p:sp>
+        <p:nvSpPr>
+          <p:cNvPr id="52" name="Rectangle 8"/>
+          <p:cNvSpPr/>
+          <p:nvPr/>
+        </p:nvSpPr>
+        <p:spPr>
+          <a:xfrm>
+            <a:off x="1278742" y="1793387"/>
+            <a:ext cx="1093635" cy="346760"/>
+          </a:xfrm>
+          <a:prstGeom prst="rect">
+            <a:avLst/>
+          </a:prstGeom>
+          <a:ln w="19050">
+            <a:solidFill>
+              <a:srgbClr val="7030A0"/>
+            </a:solidFill>
+          </a:ln>
+          <a:effectLst/>
+        </p:spPr>
+        <p:style>
+          <a:lnRef idx="1">
+            <a:schemeClr val="accent4"/>
+          </a:lnRef>
+          <a:fillRef idx="2">
+            <a:schemeClr val="accent4"/>
+          </a:fillRef>
+          <a:effectRef idx="1">
+            <a:schemeClr val="accent4"/>
+          </a:effectRef>
+          <a:fontRef idx="minor">
+            <a:schemeClr val="dk1"/>
+          </a:fontRef>
+        </p:style>
+        <p:txBody>
+          <a:bodyPr rtlCol="0" anchor="ctr"/>
+          <a:lstStyle/>
+          <a:p>
+            <a:pPr algn="ctr"/>
+            <a:r>
+              <a:rPr lang="en-US" sz="1050" dirty="0" err="1" smtClean="0">
+                <a:solidFill>
+                  <a:srgbClr val="7030A0"/>
+                </a:solidFill>
+              </a:rPr>
+              <a:t>UndoRedoStack</a:t>
+            </a:r>
+            <a:endParaRPr lang="en-SG" sz="1050" dirty="0">
+              <a:solidFill>
+                <a:srgbClr val="7030A0"/>
+              </a:solidFill>
+            </a:endParaRPr>
+          </a:p>
+        </p:txBody>
+      </p:sp>
+      <p:sp>
+        <p:nvSpPr>
+          <p:cNvPr id="53" name="Flowchart: Decision 96"/>
+          <p:cNvSpPr/>
+          <p:nvPr/>
+        </p:nvSpPr>
+        <p:spPr>
+          <a:xfrm>
+            <a:off x="2087399" y="2325303"/>
+            <a:ext cx="236048" cy="173380"/>
+          </a:xfrm>
+          <a:prstGeom prst="flowChartDecision">
+            <a:avLst/>
+          </a:prstGeom>
+          <a:noFill/>
+          <a:ln w="19050">
+            <a:solidFill>
+              <a:srgbClr val="7030A0"/>
+            </a:solidFill>
+          </a:ln>
+          <a:effectLst/>
+        </p:spPr>
+        <p:style>
+          <a:lnRef idx="1">
+            <a:schemeClr val="accent6"/>
+          </a:lnRef>
+          <a:fillRef idx="2">
+            <a:schemeClr val="accent6"/>
+          </a:fillRef>
+          <a:effectRef idx="1">
+            <a:schemeClr val="accent6"/>
+          </a:effectRef>
+          <a:fontRef idx="minor">
+            <a:schemeClr val="dk1"/>
+          </a:fontRef>
+        </p:style>
+        <p:txBody>
+          <a:bodyPr rtlCol="0" anchor="ctr"/>
+          <a:lstStyle/>
+          <a:p>
+            <a:pPr algn="ctr"/>
+            <a:endParaRPr lang="en-US" sz="1050"/>
+          </a:p>
+        </p:txBody>
+      </p:sp>
+      <p:cxnSp>
+        <p:nvCxnSpPr>
+          <p:cNvPr id="55" name="Straight Arrow Connector 54"/>
+          <p:cNvCxnSpPr>
+            <a:stCxn id="53" idx="0"/>
+          </p:cNvCxnSpPr>
+          <p:nvPr/>
+        </p:nvCxnSpPr>
+        <p:spPr>
+          <a:xfrm flipH="1" flipV="1">
+            <a:off x="2203742" y="2130982"/>
+            <a:ext cx="1681" cy="194321"/>
+          </a:xfrm>
+          <a:prstGeom prst="straightConnector1">
+            <a:avLst/>
+          </a:prstGeom>
+          <a:ln w="19050">
+            <a:solidFill>
+              <a:srgbClr val="7030A0"/>
+            </a:solidFill>
+            <a:headEnd type="none" w="med" len="med"/>
+            <a:tailEnd type="arrow" w="med" len="med"/>
+          </a:ln>
+          <a:effectLst/>
+        </p:spPr>
+        <p:style>
+          <a:lnRef idx="1">
+            <a:schemeClr val="accent2"/>
+          </a:lnRef>
+          <a:fillRef idx="2">
+            <a:schemeClr val="accent2"/>
+          </a:fillRef>
+          <a:effectRef idx="1">
+            <a:schemeClr val="accent2"/>
+          </a:effectRef>
+          <a:fontRef idx="minor">
+            <a:schemeClr val="dk1"/>
+          </a:fontRef>
+        </p:style>
+      </p:cxnSp>
+      <p:sp>
+        <p:nvSpPr>
+          <p:cNvPr id="72" name="TextBox 71"/>
+          <p:cNvSpPr txBox="1"/>
+          <p:nvPr/>
+        </p:nvSpPr>
+        <p:spPr>
+          <a:xfrm>
+            <a:off x="2253194" y="2125118"/>
             <a:ext cx="189257" cy="178683"/>
           </a:xfrm>
           <a:prstGeom prst="rect">

--- a/docs/diagrams/ModelComponentClassDiagram.pptx
+++ b/docs/diagrams/ModelComponentClassDiagram.pptx
@@ -208,7 +208,7 @@
           <a:p>
             <a:fld id="{F5CC4B3F-88C1-4FFA-B1B6-F41C21DC6924}" type="datetimeFigureOut">
               <a:rPr lang="en-US" smtClean="0"/>
-              <a:t>4/4/2018</a:t>
+              <a:t>4/5/2018</a:t>
             </a:fld>
             <a:endParaRPr lang="en-US"/>
           </a:p>
@@ -272,38 +272,37 @@
           <a:p>
             <a:pPr lvl="0"/>
             <a:r>
-              <a:rPr lang="en-US" smtClean="0"/>
+              <a:rPr lang="en-US"/>
               <a:t>Click to edit Master text styles</a:t>
             </a:r>
           </a:p>
           <a:p>
             <a:pPr lvl="1"/>
             <a:r>
-              <a:rPr lang="en-US" smtClean="0"/>
+              <a:rPr lang="en-US"/>
               <a:t>Second level</a:t>
             </a:r>
           </a:p>
           <a:p>
             <a:pPr lvl="2"/>
             <a:r>
-              <a:rPr lang="en-US" smtClean="0"/>
+              <a:rPr lang="en-US"/>
               <a:t>Third level</a:t>
             </a:r>
           </a:p>
           <a:p>
             <a:pPr lvl="3"/>
             <a:r>
-              <a:rPr lang="en-US" smtClean="0"/>
+              <a:rPr lang="en-US"/>
               <a:t>Fourth level</a:t>
             </a:r>
           </a:p>
           <a:p>
             <a:pPr lvl="4"/>
             <a:r>
-              <a:rPr lang="en-US" smtClean="0"/>
+              <a:rPr lang="en-US"/>
               <a:t>Fifth level</a:t>
             </a:r>
-            <a:endParaRPr lang="en-US"/>
           </a:p>
         </p:txBody>
       </p:sp>
@@ -514,10 +513,9 @@
           <a:lstStyle/>
           <a:p>
             <a:r>
-              <a:rPr lang="en-US" smtClean="0"/>
+              <a:rPr lang="en-US"/>
               <a:t>Click to edit Master title style</a:t>
             </a:r>
-            <a:endParaRPr lang="en-US"/>
           </a:p>
         </p:txBody>
       </p:sp>
@@ -633,10 +631,9 @@
           </a:lstStyle>
           <a:p>
             <a:r>
-              <a:rPr lang="en-US" smtClean="0"/>
+              <a:rPr lang="en-US"/>
               <a:t>Click to edit Master subtitle style</a:t>
             </a:r>
-            <a:endParaRPr lang="en-US"/>
           </a:p>
         </p:txBody>
       </p:sp>
@@ -657,7 +654,7 @@
           <a:p>
             <a:fld id="{78C97017-6FC3-485B-9764-EAC9E56C1D49}" type="datetimeFigureOut">
               <a:rPr lang="en-US" smtClean="0"/>
-              <a:t>4/4/2018</a:t>
+              <a:t>4/5/2018</a:t>
             </a:fld>
             <a:endParaRPr lang="en-US"/>
           </a:p>
@@ -751,10 +748,9 @@
           <a:lstStyle/>
           <a:p>
             <a:r>
-              <a:rPr lang="en-US" smtClean="0"/>
+              <a:rPr lang="en-US"/>
               <a:t>Click to edit Master title style</a:t>
             </a:r>
-            <a:endParaRPr lang="en-US"/>
           </a:p>
         </p:txBody>
       </p:sp>
@@ -775,38 +771,37 @@
           <a:p>
             <a:pPr lvl="0"/>
             <a:r>
-              <a:rPr lang="en-US" smtClean="0"/>
+              <a:rPr lang="en-US"/>
               <a:t>Click to edit Master text styles</a:t>
             </a:r>
           </a:p>
           <a:p>
             <a:pPr lvl="1"/>
             <a:r>
-              <a:rPr lang="en-US" smtClean="0"/>
+              <a:rPr lang="en-US"/>
               <a:t>Second level</a:t>
             </a:r>
           </a:p>
           <a:p>
             <a:pPr lvl="2"/>
             <a:r>
-              <a:rPr lang="en-US" smtClean="0"/>
+              <a:rPr lang="en-US"/>
               <a:t>Third level</a:t>
             </a:r>
           </a:p>
           <a:p>
             <a:pPr lvl="3"/>
             <a:r>
-              <a:rPr lang="en-US" smtClean="0"/>
+              <a:rPr lang="en-US"/>
               <a:t>Fourth level</a:t>
             </a:r>
           </a:p>
           <a:p>
             <a:pPr lvl="4"/>
             <a:r>
-              <a:rPr lang="en-US" smtClean="0"/>
+              <a:rPr lang="en-US"/>
               <a:t>Fifth level</a:t>
             </a:r>
-            <a:endParaRPr lang="en-US"/>
           </a:p>
         </p:txBody>
       </p:sp>
@@ -827,7 +822,7 @@
           <a:p>
             <a:fld id="{78C97017-6FC3-485B-9764-EAC9E56C1D49}" type="datetimeFigureOut">
               <a:rPr lang="en-US" smtClean="0"/>
-              <a:t>4/4/2018</a:t>
+              <a:t>4/5/2018</a:t>
             </a:fld>
             <a:endParaRPr lang="en-US"/>
           </a:p>
@@ -926,10 +921,9 @@
           <a:lstStyle/>
           <a:p>
             <a:r>
-              <a:rPr lang="en-US" smtClean="0"/>
+              <a:rPr lang="en-US"/>
               <a:t>Click to edit Master title style</a:t>
             </a:r>
-            <a:endParaRPr lang="en-US"/>
           </a:p>
         </p:txBody>
       </p:sp>
@@ -955,38 +949,37 @@
           <a:p>
             <a:pPr lvl="0"/>
             <a:r>
-              <a:rPr lang="en-US" smtClean="0"/>
+              <a:rPr lang="en-US"/>
               <a:t>Click to edit Master text styles</a:t>
             </a:r>
           </a:p>
           <a:p>
             <a:pPr lvl="1"/>
             <a:r>
-              <a:rPr lang="en-US" smtClean="0"/>
+              <a:rPr lang="en-US"/>
               <a:t>Second level</a:t>
             </a:r>
           </a:p>
           <a:p>
             <a:pPr lvl="2"/>
             <a:r>
-              <a:rPr lang="en-US" smtClean="0"/>
+              <a:rPr lang="en-US"/>
               <a:t>Third level</a:t>
             </a:r>
           </a:p>
           <a:p>
             <a:pPr lvl="3"/>
             <a:r>
-              <a:rPr lang="en-US" smtClean="0"/>
+              <a:rPr lang="en-US"/>
               <a:t>Fourth level</a:t>
             </a:r>
           </a:p>
           <a:p>
             <a:pPr lvl="4"/>
             <a:r>
-              <a:rPr lang="en-US" smtClean="0"/>
+              <a:rPr lang="en-US"/>
               <a:t>Fifth level</a:t>
             </a:r>
-            <a:endParaRPr lang="en-US"/>
           </a:p>
         </p:txBody>
       </p:sp>
@@ -1007,7 +1000,7 @@
           <a:p>
             <a:fld id="{78C97017-6FC3-485B-9764-EAC9E56C1D49}" type="datetimeFigureOut">
               <a:rPr lang="en-US" smtClean="0"/>
-              <a:t>4/4/2018</a:t>
+              <a:t>4/5/2018</a:t>
             </a:fld>
             <a:endParaRPr lang="en-US"/>
           </a:p>
@@ -1101,10 +1094,9 @@
           <a:lstStyle/>
           <a:p>
             <a:r>
-              <a:rPr lang="en-US" smtClean="0"/>
+              <a:rPr lang="en-US"/>
               <a:t>Click to edit Master title style</a:t>
             </a:r>
-            <a:endParaRPr lang="en-US"/>
           </a:p>
         </p:txBody>
       </p:sp>
@@ -1125,38 +1117,37 @@
           <a:p>
             <a:pPr lvl="0"/>
             <a:r>
-              <a:rPr lang="en-US" smtClean="0"/>
+              <a:rPr lang="en-US"/>
               <a:t>Click to edit Master text styles</a:t>
             </a:r>
           </a:p>
           <a:p>
             <a:pPr lvl="1"/>
             <a:r>
-              <a:rPr lang="en-US" smtClean="0"/>
+              <a:rPr lang="en-US"/>
               <a:t>Second level</a:t>
             </a:r>
           </a:p>
           <a:p>
             <a:pPr lvl="2"/>
             <a:r>
-              <a:rPr lang="en-US" smtClean="0"/>
+              <a:rPr lang="en-US"/>
               <a:t>Third level</a:t>
             </a:r>
           </a:p>
           <a:p>
             <a:pPr lvl="3"/>
             <a:r>
-              <a:rPr lang="en-US" smtClean="0"/>
+              <a:rPr lang="en-US"/>
               <a:t>Fourth level</a:t>
             </a:r>
           </a:p>
           <a:p>
             <a:pPr lvl="4"/>
             <a:r>
-              <a:rPr lang="en-US" smtClean="0"/>
+              <a:rPr lang="en-US"/>
               <a:t>Fifth level</a:t>
             </a:r>
-            <a:endParaRPr lang="en-US"/>
           </a:p>
         </p:txBody>
       </p:sp>
@@ -1177,7 +1168,7 @@
           <a:p>
             <a:fld id="{78C97017-6FC3-485B-9764-EAC9E56C1D49}" type="datetimeFigureOut">
               <a:rPr lang="en-US" smtClean="0"/>
-              <a:t>4/4/2018</a:t>
+              <a:t>4/5/2018</a:t>
             </a:fld>
             <a:endParaRPr lang="en-US"/>
           </a:p>
@@ -1280,10 +1271,9 @@
           </a:lstStyle>
           <a:p>
             <a:r>
-              <a:rPr lang="en-US" smtClean="0"/>
+              <a:rPr lang="en-US"/>
               <a:t>Click to edit Master title style</a:t>
             </a:r>
-            <a:endParaRPr lang="en-US"/>
           </a:p>
         </p:txBody>
       </p:sp>
@@ -1400,7 +1390,7 @@
           <a:p>
             <a:pPr lvl="0"/>
             <a:r>
-              <a:rPr lang="en-US" smtClean="0"/>
+              <a:rPr lang="en-US"/>
               <a:t>Click to edit Master text styles</a:t>
             </a:r>
           </a:p>
@@ -1423,7 +1413,7 @@
           <a:p>
             <a:fld id="{78C97017-6FC3-485B-9764-EAC9E56C1D49}" type="datetimeFigureOut">
               <a:rPr lang="en-US" smtClean="0"/>
-              <a:t>4/4/2018</a:t>
+              <a:t>4/5/2018</a:t>
             </a:fld>
             <a:endParaRPr lang="en-US"/>
           </a:p>
@@ -1517,10 +1507,9 @@
           <a:lstStyle/>
           <a:p>
             <a:r>
-              <a:rPr lang="en-US" smtClean="0"/>
+              <a:rPr lang="en-US"/>
               <a:t>Click to edit Master title style</a:t>
             </a:r>
-            <a:endParaRPr lang="en-US"/>
           </a:p>
         </p:txBody>
       </p:sp>
@@ -1574,38 +1563,37 @@
           <a:p>
             <a:pPr lvl="0"/>
             <a:r>
-              <a:rPr lang="en-US" smtClean="0"/>
+              <a:rPr lang="en-US"/>
               <a:t>Click to edit Master text styles</a:t>
             </a:r>
           </a:p>
           <a:p>
             <a:pPr lvl="1"/>
             <a:r>
-              <a:rPr lang="en-US" smtClean="0"/>
+              <a:rPr lang="en-US"/>
               <a:t>Second level</a:t>
             </a:r>
           </a:p>
           <a:p>
             <a:pPr lvl="2"/>
             <a:r>
-              <a:rPr lang="en-US" smtClean="0"/>
+              <a:rPr lang="en-US"/>
               <a:t>Third level</a:t>
             </a:r>
           </a:p>
           <a:p>
             <a:pPr lvl="3"/>
             <a:r>
-              <a:rPr lang="en-US" smtClean="0"/>
+              <a:rPr lang="en-US"/>
               <a:t>Fourth level</a:t>
             </a:r>
           </a:p>
           <a:p>
             <a:pPr lvl="4"/>
             <a:r>
-              <a:rPr lang="en-US" smtClean="0"/>
+              <a:rPr lang="en-US"/>
               <a:t>Fifth level</a:t>
             </a:r>
-            <a:endParaRPr lang="en-US"/>
           </a:p>
         </p:txBody>
       </p:sp>
@@ -1659,38 +1647,37 @@
           <a:p>
             <a:pPr lvl="0"/>
             <a:r>
-              <a:rPr lang="en-US" smtClean="0"/>
+              <a:rPr lang="en-US"/>
               <a:t>Click to edit Master text styles</a:t>
             </a:r>
           </a:p>
           <a:p>
             <a:pPr lvl="1"/>
             <a:r>
-              <a:rPr lang="en-US" smtClean="0"/>
+              <a:rPr lang="en-US"/>
               <a:t>Second level</a:t>
             </a:r>
           </a:p>
           <a:p>
             <a:pPr lvl="2"/>
             <a:r>
-              <a:rPr lang="en-US" smtClean="0"/>
+              <a:rPr lang="en-US"/>
               <a:t>Third level</a:t>
             </a:r>
           </a:p>
           <a:p>
             <a:pPr lvl="3"/>
             <a:r>
-              <a:rPr lang="en-US" smtClean="0"/>
+              <a:rPr lang="en-US"/>
               <a:t>Fourth level</a:t>
             </a:r>
           </a:p>
           <a:p>
             <a:pPr lvl="4"/>
             <a:r>
-              <a:rPr lang="en-US" smtClean="0"/>
+              <a:rPr lang="en-US"/>
               <a:t>Fifth level</a:t>
             </a:r>
-            <a:endParaRPr lang="en-US"/>
           </a:p>
         </p:txBody>
       </p:sp>
@@ -1711,7 +1698,7 @@
           <a:p>
             <a:fld id="{78C97017-6FC3-485B-9764-EAC9E56C1D49}" type="datetimeFigureOut">
               <a:rPr lang="en-US" smtClean="0"/>
-              <a:t>4/4/2018</a:t>
+              <a:t>4/5/2018</a:t>
             </a:fld>
             <a:endParaRPr lang="en-US"/>
           </a:p>
@@ -1809,10 +1796,9 @@
           </a:lstStyle>
           <a:p>
             <a:r>
-              <a:rPr lang="en-US" smtClean="0"/>
+              <a:rPr lang="en-US"/>
               <a:t>Click to edit Master title style</a:t>
             </a:r>
-            <a:endParaRPr lang="en-US"/>
           </a:p>
         </p:txBody>
       </p:sp>
@@ -1875,7 +1861,7 @@
           <a:p>
             <a:pPr lvl="0"/>
             <a:r>
-              <a:rPr lang="en-US" smtClean="0"/>
+              <a:rPr lang="en-US"/>
               <a:t>Click to edit Master text styles</a:t>
             </a:r>
           </a:p>
@@ -1931,38 +1917,37 @@
           <a:p>
             <a:pPr lvl="0"/>
             <a:r>
-              <a:rPr lang="en-US" smtClean="0"/>
+              <a:rPr lang="en-US"/>
               <a:t>Click to edit Master text styles</a:t>
             </a:r>
           </a:p>
           <a:p>
             <a:pPr lvl="1"/>
             <a:r>
-              <a:rPr lang="en-US" smtClean="0"/>
+              <a:rPr lang="en-US"/>
               <a:t>Second level</a:t>
             </a:r>
           </a:p>
           <a:p>
             <a:pPr lvl="2"/>
             <a:r>
-              <a:rPr lang="en-US" smtClean="0"/>
+              <a:rPr lang="en-US"/>
               <a:t>Third level</a:t>
             </a:r>
           </a:p>
           <a:p>
             <a:pPr lvl="3"/>
             <a:r>
-              <a:rPr lang="en-US" smtClean="0"/>
+              <a:rPr lang="en-US"/>
               <a:t>Fourth level</a:t>
             </a:r>
           </a:p>
           <a:p>
             <a:pPr lvl="4"/>
             <a:r>
-              <a:rPr lang="en-US" smtClean="0"/>
+              <a:rPr lang="en-US"/>
               <a:t>Fifth level</a:t>
             </a:r>
-            <a:endParaRPr lang="en-US"/>
           </a:p>
         </p:txBody>
       </p:sp>
@@ -2025,7 +2010,7 @@
           <a:p>
             <a:pPr lvl="0"/>
             <a:r>
-              <a:rPr lang="en-US" smtClean="0"/>
+              <a:rPr lang="en-US"/>
               <a:t>Click to edit Master text styles</a:t>
             </a:r>
           </a:p>
@@ -2081,38 +2066,37 @@
           <a:p>
             <a:pPr lvl="0"/>
             <a:r>
-              <a:rPr lang="en-US" smtClean="0"/>
+              <a:rPr lang="en-US"/>
               <a:t>Click to edit Master text styles</a:t>
             </a:r>
           </a:p>
           <a:p>
             <a:pPr lvl="1"/>
             <a:r>
-              <a:rPr lang="en-US" smtClean="0"/>
+              <a:rPr lang="en-US"/>
               <a:t>Second level</a:t>
             </a:r>
           </a:p>
           <a:p>
             <a:pPr lvl="2"/>
             <a:r>
-              <a:rPr lang="en-US" smtClean="0"/>
+              <a:rPr lang="en-US"/>
               <a:t>Third level</a:t>
             </a:r>
           </a:p>
           <a:p>
             <a:pPr lvl="3"/>
             <a:r>
-              <a:rPr lang="en-US" smtClean="0"/>
+              <a:rPr lang="en-US"/>
               <a:t>Fourth level</a:t>
             </a:r>
           </a:p>
           <a:p>
             <a:pPr lvl="4"/>
             <a:r>
-              <a:rPr lang="en-US" smtClean="0"/>
+              <a:rPr lang="en-US"/>
               <a:t>Fifth level</a:t>
             </a:r>
-            <a:endParaRPr lang="en-US"/>
           </a:p>
         </p:txBody>
       </p:sp>
@@ -2133,7 +2117,7 @@
           <a:p>
             <a:fld id="{78C97017-6FC3-485B-9764-EAC9E56C1D49}" type="datetimeFigureOut">
               <a:rPr lang="en-US" smtClean="0"/>
-              <a:t>4/4/2018</a:t>
+              <a:t>4/5/2018</a:t>
             </a:fld>
             <a:endParaRPr lang="en-US"/>
           </a:p>
@@ -2227,10 +2211,9 @@
           <a:lstStyle/>
           <a:p>
             <a:r>
-              <a:rPr lang="en-US" smtClean="0"/>
+              <a:rPr lang="en-US"/>
               <a:t>Click to edit Master title style</a:t>
             </a:r>
-            <a:endParaRPr lang="en-US"/>
           </a:p>
         </p:txBody>
       </p:sp>
@@ -2251,7 +2234,7 @@
           <a:p>
             <a:fld id="{78C97017-6FC3-485B-9764-EAC9E56C1D49}" type="datetimeFigureOut">
               <a:rPr lang="en-US" smtClean="0"/>
-              <a:t>4/4/2018</a:t>
+              <a:t>4/5/2018</a:t>
             </a:fld>
             <a:endParaRPr lang="en-US"/>
           </a:p>
@@ -2346,7 +2329,7 @@
           <a:p>
             <a:fld id="{78C97017-6FC3-485B-9764-EAC9E56C1D49}" type="datetimeFigureOut">
               <a:rPr lang="en-US" smtClean="0"/>
-              <a:t>4/4/2018</a:t>
+              <a:t>4/5/2018</a:t>
             </a:fld>
             <a:endParaRPr lang="en-US"/>
           </a:p>
@@ -2449,10 +2432,9 @@
           </a:lstStyle>
           <a:p>
             <a:r>
-              <a:rPr lang="en-US" smtClean="0"/>
+              <a:rPr lang="en-US"/>
               <a:t>Click to edit Master title style</a:t>
             </a:r>
-            <a:endParaRPr lang="en-US"/>
           </a:p>
         </p:txBody>
       </p:sp>
@@ -2506,38 +2488,37 @@
           <a:p>
             <a:pPr lvl="0"/>
             <a:r>
-              <a:rPr lang="en-US" smtClean="0"/>
+              <a:rPr lang="en-US"/>
               <a:t>Click to edit Master text styles</a:t>
             </a:r>
           </a:p>
           <a:p>
             <a:pPr lvl="1"/>
             <a:r>
-              <a:rPr lang="en-US" smtClean="0"/>
+              <a:rPr lang="en-US"/>
               <a:t>Second level</a:t>
             </a:r>
           </a:p>
           <a:p>
             <a:pPr lvl="2"/>
             <a:r>
-              <a:rPr lang="en-US" smtClean="0"/>
+              <a:rPr lang="en-US"/>
               <a:t>Third level</a:t>
             </a:r>
           </a:p>
           <a:p>
             <a:pPr lvl="3"/>
             <a:r>
-              <a:rPr lang="en-US" smtClean="0"/>
+              <a:rPr lang="en-US"/>
               <a:t>Fourth level</a:t>
             </a:r>
           </a:p>
           <a:p>
             <a:pPr lvl="4"/>
             <a:r>
-              <a:rPr lang="en-US" smtClean="0"/>
+              <a:rPr lang="en-US"/>
               <a:t>Fifth level</a:t>
             </a:r>
-            <a:endParaRPr lang="en-US"/>
           </a:p>
         </p:txBody>
       </p:sp>
@@ -2600,7 +2581,7 @@
           <a:p>
             <a:pPr lvl="0"/>
             <a:r>
-              <a:rPr lang="en-US" smtClean="0"/>
+              <a:rPr lang="en-US"/>
               <a:t>Click to edit Master text styles</a:t>
             </a:r>
           </a:p>
@@ -2623,7 +2604,7 @@
           <a:p>
             <a:fld id="{78C97017-6FC3-485B-9764-EAC9E56C1D49}" type="datetimeFigureOut">
               <a:rPr lang="en-US" smtClean="0"/>
-              <a:t>4/4/2018</a:t>
+              <a:t>4/5/2018</a:t>
             </a:fld>
             <a:endParaRPr lang="en-US"/>
           </a:p>
@@ -2726,10 +2707,9 @@
           </a:lstStyle>
           <a:p>
             <a:r>
-              <a:rPr lang="en-US" smtClean="0"/>
+              <a:rPr lang="en-US"/>
               <a:t>Click to edit Master title style</a:t>
             </a:r>
-            <a:endParaRPr lang="en-US"/>
           </a:p>
         </p:txBody>
       </p:sp>
@@ -2853,7 +2833,7 @@
           <a:p>
             <a:pPr lvl="0"/>
             <a:r>
-              <a:rPr lang="en-US" smtClean="0"/>
+              <a:rPr lang="en-US"/>
               <a:t>Click to edit Master text styles</a:t>
             </a:r>
           </a:p>
@@ -2876,7 +2856,7 @@
           <a:p>
             <a:fld id="{78C97017-6FC3-485B-9764-EAC9E56C1D49}" type="datetimeFigureOut">
               <a:rPr lang="en-US" smtClean="0"/>
-              <a:t>4/4/2018</a:t>
+              <a:t>4/5/2018</a:t>
             </a:fld>
             <a:endParaRPr lang="en-US"/>
           </a:p>
@@ -2985,10 +2965,9 @@
           <a:lstStyle/>
           <a:p>
             <a:r>
-              <a:rPr lang="en-US" smtClean="0"/>
+              <a:rPr lang="en-US"/>
               <a:t>Click to edit Master title style</a:t>
             </a:r>
-            <a:endParaRPr lang="en-US"/>
           </a:p>
         </p:txBody>
       </p:sp>
@@ -3019,38 +2998,37 @@
           <a:p>
             <a:pPr lvl="0"/>
             <a:r>
-              <a:rPr lang="en-US" smtClean="0"/>
+              <a:rPr lang="en-US"/>
               <a:t>Click to edit Master text styles</a:t>
             </a:r>
           </a:p>
           <a:p>
             <a:pPr lvl="1"/>
             <a:r>
-              <a:rPr lang="en-US" smtClean="0"/>
+              <a:rPr lang="en-US"/>
               <a:t>Second level</a:t>
             </a:r>
           </a:p>
           <a:p>
             <a:pPr lvl="2"/>
             <a:r>
-              <a:rPr lang="en-US" smtClean="0"/>
+              <a:rPr lang="en-US"/>
               <a:t>Third level</a:t>
             </a:r>
           </a:p>
           <a:p>
             <a:pPr lvl="3"/>
             <a:r>
-              <a:rPr lang="en-US" smtClean="0"/>
+              <a:rPr lang="en-US"/>
               <a:t>Fourth level</a:t>
             </a:r>
           </a:p>
           <a:p>
             <a:pPr lvl="4"/>
             <a:r>
-              <a:rPr lang="en-US" smtClean="0"/>
+              <a:rPr lang="en-US"/>
               <a:t>Fifth level</a:t>
             </a:r>
-            <a:endParaRPr lang="en-US"/>
           </a:p>
         </p:txBody>
       </p:sp>
@@ -3089,7 +3067,7 @@
           <a:p>
             <a:fld id="{78C97017-6FC3-485B-9764-EAC9E56C1D49}" type="datetimeFigureOut">
               <a:rPr lang="en-US" smtClean="0"/>
-              <a:t>4/4/2018</a:t>
+              <a:t>4/5/2018</a:t>
             </a:fld>
             <a:endParaRPr lang="en-US"/>
           </a:p>
@@ -3472,8 +3450,8 @@
         </p:nvSpPr>
         <p:spPr>
           <a:xfrm>
-            <a:off x="1119865" y="1447800"/>
-            <a:ext cx="7490735" cy="3276600"/>
+            <a:off x="1119865" y="1516065"/>
+            <a:ext cx="7490735" cy="3200400"/>
           </a:xfrm>
           <a:prstGeom prst="roundRect">
             <a:avLst>
@@ -3510,7 +3488,7 @@
           <a:lstStyle/>
           <a:p>
             <a:r>
-              <a:rPr lang="en-US" sz="1200" b="1" dirty="0" smtClean="0">
+              <a:rPr lang="en-US" sz="1200" b="1" dirty="0">
                 <a:solidFill>
                   <a:srgbClr val="7030A0"/>
                 </a:solidFill>
@@ -3533,7 +3511,7 @@
         </p:nvSpPr>
         <p:spPr>
           <a:xfrm>
-            <a:off x="2877180" y="3158440"/>
+            <a:off x="2877180" y="3463240"/>
             <a:ext cx="1093635" cy="346760"/>
           </a:xfrm>
           <a:prstGeom prst="rect">
@@ -3569,7 +3547,7 @@
           <a:p>
             <a:pPr algn="ctr"/>
             <a:r>
-              <a:rPr lang="en-US" sz="1050" dirty="0" err="1" smtClean="0">
+              <a:rPr lang="en-US" sz="1050" dirty="0" err="1">
                 <a:solidFill>
                   <a:schemeClr val="bg1"/>
                 </a:solidFill>
@@ -3592,7 +3570,7 @@
         </p:nvSpPr>
         <p:spPr>
           <a:xfrm rot="16200000">
-            <a:off x="1683963" y="2868687"/>
+            <a:off x="1661548" y="3097750"/>
             <a:ext cx="1093635" cy="346760"/>
           </a:xfrm>
           <a:prstGeom prst="rect">
@@ -3628,7 +3606,7 @@
           <a:p>
             <a:pPr algn="ctr"/>
             <a:r>
-              <a:rPr lang="en-US" sz="1050" dirty="0" err="1" smtClean="0">
+              <a:rPr lang="en-US" sz="1050" dirty="0" err="1">
                 <a:solidFill>
                   <a:schemeClr val="bg1"/>
                 </a:solidFill>
@@ -3647,19 +3625,20 @@
         <p:nvCxnSpPr>
           <p:cNvPr id="107" name="Elbow Connector 106"/>
           <p:cNvCxnSpPr>
+            <a:cxnSpLocks/>
             <a:stCxn id="9" idx="1"/>
+            <a:endCxn id="62" idx="2"/>
           </p:cNvCxnSpPr>
           <p:nvPr/>
         </p:nvCxnSpPr>
         <p:spPr>
           <a:xfrm rot="5400000" flipH="1" flipV="1">
-            <a:off x="4360065" y="1080909"/>
-            <a:ext cx="378691" cy="4637261"/>
-          </a:xfrm>
-          <a:prstGeom prst="bentConnector4">
+            <a:off x="4131507" y="1281685"/>
+            <a:ext cx="613122" cy="4459404"/>
+          </a:xfrm>
+          <a:prstGeom prst="bentConnector3">
             <a:avLst>
-              <a:gd name="adj1" fmla="val -101829"/>
-              <a:gd name="adj2" fmla="val 99976"/>
+              <a:gd name="adj1" fmla="val -26668"/>
             </a:avLst>
           </a:prstGeom>
           <a:ln w="19050">
@@ -3742,7 +3721,7 @@
           <a:p>
             <a:pPr algn="ctr"/>
             <a:r>
-              <a:rPr lang="en-US" sz="1050" dirty="0" smtClean="0">
+              <a:rPr lang="en-US" sz="1050" dirty="0">
                 <a:solidFill>
                   <a:schemeClr val="bg1"/>
                 </a:solidFill>
@@ -3815,8 +3794,8 @@
         </p:nvCxnSpPr>
         <p:spPr>
           <a:xfrm>
-            <a:off x="2656370" y="3326536"/>
-            <a:ext cx="220810" cy="5284"/>
+            <a:off x="2609828" y="3636620"/>
+            <a:ext cx="267352" cy="0"/>
           </a:xfrm>
           <a:prstGeom prst="straightConnector1">
             <a:avLst/>
@@ -3937,7 +3916,7 @@
         </p:nvSpPr>
         <p:spPr>
           <a:xfrm>
-            <a:off x="2420322" y="3239846"/>
+            <a:off x="2373780" y="3549930"/>
             <a:ext cx="236048" cy="173380"/>
           </a:xfrm>
           <a:prstGeom prst="flowChartDecision">
@@ -3982,7 +3961,7 @@
         </p:nvSpPr>
         <p:spPr>
           <a:xfrm>
-            <a:off x="2879490" y="2627420"/>
+            <a:off x="2873582" y="2831936"/>
             <a:ext cx="1093635" cy="346760"/>
           </a:xfrm>
           <a:prstGeom prst="rect">
@@ -4015,7 +3994,7 @@
           <a:p>
             <a:pPr algn="ctr"/>
             <a:r>
-              <a:rPr lang="en-US" sz="1050" dirty="0" err="1" smtClean="0">
+              <a:rPr lang="en-US" sz="1050" dirty="0" err="1">
                 <a:solidFill>
                   <a:srgbClr val="7030A0"/>
                 </a:solidFill>
@@ -4041,8 +4020,8 @@
         </p:nvCxnSpPr>
         <p:spPr>
           <a:xfrm>
-            <a:off x="2658680" y="2795516"/>
-            <a:ext cx="220810" cy="5284"/>
+            <a:off x="2624360" y="3003033"/>
+            <a:ext cx="249222" cy="2283"/>
           </a:xfrm>
           <a:prstGeom prst="straightConnector1">
             <a:avLst/>
@@ -4079,7 +4058,7 @@
         </p:nvSpPr>
         <p:spPr>
           <a:xfrm>
-            <a:off x="2422632" y="2708826"/>
+            <a:off x="2388312" y="2916343"/>
             <a:ext cx="236048" cy="173380"/>
           </a:xfrm>
           <a:prstGeom prst="flowChartDecision">
@@ -4157,7 +4136,7 @@
           <a:p>
             <a:pPr algn="ctr"/>
             <a:r>
-              <a:rPr lang="en-US" sz="1050" dirty="0" err="1" smtClean="0">
+              <a:rPr lang="en-US" sz="1050" dirty="0" err="1">
                 <a:solidFill>
                   <a:srgbClr val="7030A0"/>
                 </a:solidFill>
@@ -4180,7 +4159,7 @@
         </p:nvSpPr>
         <p:spPr>
           <a:xfrm>
-            <a:off x="3984303" y="2673991"/>
+            <a:off x="3977259" y="2932345"/>
             <a:ext cx="236048" cy="173380"/>
           </a:xfrm>
           <a:prstGeom prst="flowChartDecision">
@@ -4230,8 +4209,8 @@
         </p:nvCxnSpPr>
         <p:spPr>
           <a:xfrm>
-            <a:off x="4220351" y="2760681"/>
-            <a:ext cx="266666" cy="260070"/>
+            <a:off x="4213307" y="3019035"/>
+            <a:ext cx="273710" cy="1716"/>
           </a:xfrm>
           <a:prstGeom prst="bentConnector3">
             <a:avLst/>
@@ -4262,14 +4241,14 @@
       </p:cxnSp>
       <p:sp>
         <p:nvSpPr>
-          <p:cNvPr id="57" name="Rectangle 8"/>
+          <p:cNvPr id="62" name="Rectangle 8"/>
           <p:cNvSpPr/>
           <p:nvPr/>
         </p:nvSpPr>
         <p:spPr>
           <a:xfrm>
-            <a:off x="4477328" y="2280569"/>
-            <a:ext cx="1156969" cy="346760"/>
+            <a:off x="6313677" y="2858066"/>
+            <a:ext cx="708186" cy="346760"/>
           </a:xfrm>
           <a:prstGeom prst="rect">
             <a:avLst/>
@@ -4301,12 +4280,12 @@
           <a:p>
             <a:pPr algn="ctr"/>
             <a:r>
-              <a:rPr lang="en-US" sz="1050" dirty="0" err="1" smtClean="0">
+              <a:rPr lang="en-US" sz="1050" dirty="0">
                 <a:solidFill>
                   <a:srgbClr val="7030A0"/>
                 </a:solidFill>
               </a:rPr>
-              <a:t>UniqueTagList</a:t>
+              <a:t>Person</a:t>
             </a:r>
             <a:endParaRPr lang="en-SG" sz="1050" dirty="0">
               <a:solidFill>
@@ -4316,24 +4295,67 @@
           </a:p>
         </p:txBody>
       </p:sp>
+      <p:sp>
+        <p:nvSpPr>
+          <p:cNvPr id="63" name="Flowchart: Decision 96"/>
+          <p:cNvSpPr/>
+          <p:nvPr/>
+        </p:nvSpPr>
+        <p:spPr>
+          <a:xfrm>
+            <a:off x="5653118" y="2942885"/>
+            <a:ext cx="236048" cy="173380"/>
+          </a:xfrm>
+          <a:prstGeom prst="flowChartDecision">
+            <a:avLst/>
+          </a:prstGeom>
+          <a:noFill/>
+          <a:ln w="19050">
+            <a:solidFill>
+              <a:srgbClr val="7030A0"/>
+            </a:solidFill>
+          </a:ln>
+          <a:effectLst/>
+        </p:spPr>
+        <p:style>
+          <a:lnRef idx="1">
+            <a:schemeClr val="accent6"/>
+          </a:lnRef>
+          <a:fillRef idx="2">
+            <a:schemeClr val="accent6"/>
+          </a:fillRef>
+          <a:effectRef idx="1">
+            <a:schemeClr val="accent6"/>
+          </a:effectRef>
+          <a:fontRef idx="minor">
+            <a:schemeClr val="dk1"/>
+          </a:fontRef>
+        </p:style>
+        <p:txBody>
+          <a:bodyPr rtlCol="0" anchor="ctr"/>
+          <a:lstStyle/>
+          <a:p>
+            <a:pPr algn="ctr"/>
+            <a:endParaRPr lang="en-US" sz="1050"/>
+          </a:p>
+        </p:txBody>
+      </p:sp>
       <p:cxnSp>
         <p:nvCxnSpPr>
-          <p:cNvPr id="59" name="Elbow Connector 58"/>
+          <p:cNvPr id="64" name="Elbow Connector 63"/>
           <p:cNvCxnSpPr>
-            <a:stCxn id="51" idx="3"/>
-            <a:endCxn id="57" idx="1"/>
+            <a:stCxn id="63" idx="3"/>
+            <a:endCxn id="62" idx="1"/>
           </p:cNvCxnSpPr>
           <p:nvPr/>
         </p:nvCxnSpPr>
         <p:spPr>
-          <a:xfrm flipV="1">
-            <a:off x="4220351" y="2453949"/>
-            <a:ext cx="256977" cy="306732"/>
+          <a:xfrm>
+            <a:off x="5889166" y="3029575"/>
+            <a:ext cx="424511" cy="1871"/>
           </a:xfrm>
           <a:prstGeom prst="bentConnector3">
-            <a:avLst>
-              <a:gd name="adj1" fmla="val 50000"/>
-            </a:avLst>
+            <a:avLst/>
           </a:prstGeom>
           <a:ln w="19050">
             <a:solidFill>
@@ -4361,14 +4383,14 @@
       </p:cxnSp>
       <p:sp>
         <p:nvSpPr>
-          <p:cNvPr id="62" name="Rectangle 8"/>
+          <p:cNvPr id="76" name="Rectangle 8"/>
           <p:cNvSpPr/>
           <p:nvPr/>
         </p:nvSpPr>
         <p:spPr>
           <a:xfrm>
-            <a:off x="6313677" y="2858066"/>
-            <a:ext cx="708186" cy="346760"/>
+            <a:off x="7712397" y="2564238"/>
+            <a:ext cx="708186" cy="285783"/>
           </a:xfrm>
           <a:prstGeom prst="rect">
             <a:avLst/>
@@ -4400,12 +4422,12 @@
           <a:p>
             <a:pPr algn="ctr"/>
             <a:r>
-              <a:rPr lang="en-US" sz="1050" dirty="0" smtClean="0">
+              <a:rPr lang="en-US" sz="1050" dirty="0">
                 <a:solidFill>
                   <a:srgbClr val="7030A0"/>
                 </a:solidFill>
               </a:rPr>
-              <a:t>Person</a:t>
+              <a:t>Name</a:t>
             </a:r>
             <a:endParaRPr lang="en-SG" sz="1050" dirty="0">
               <a:solidFill>
@@ -4417,19 +4439,21 @@
       </p:sp>
       <p:sp>
         <p:nvSpPr>
-          <p:cNvPr id="63" name="Flowchart: Decision 96"/>
+          <p:cNvPr id="78" name="Flowchart: Decision 96"/>
           <p:cNvSpPr/>
           <p:nvPr/>
         </p:nvSpPr>
         <p:spPr>
           <a:xfrm>
-            <a:off x="5643227" y="2943979"/>
+            <a:off x="7041947" y="2948201"/>
             <a:ext cx="236048" cy="173380"/>
           </a:xfrm>
           <a:prstGeom prst="flowChartDecision">
             <a:avLst/>
           </a:prstGeom>
-          <a:noFill/>
+          <a:solidFill>
+            <a:srgbClr val="7030A0"/>
+          </a:solidFill>
           <a:ln w="19050">
             <a:solidFill>
               <a:srgbClr val="7030A0"/>
@@ -4462,17 +4486,16 @@
       </p:sp>
       <p:cxnSp>
         <p:nvCxnSpPr>
-          <p:cNvPr id="64" name="Elbow Connector 63"/>
+          <p:cNvPr id="79" name="Elbow Connector 78"/>
           <p:cNvCxnSpPr>
-            <a:stCxn id="63" idx="3"/>
-            <a:endCxn id="62" idx="1"/>
+            <a:cxnSpLocks/>
           </p:cNvCxnSpPr>
           <p:nvPr/>
         </p:nvCxnSpPr>
         <p:spPr>
-          <a:xfrm>
-            <a:off x="5879275" y="3030669"/>
-            <a:ext cx="434402" cy="777"/>
+          <a:xfrm flipV="1">
+            <a:off x="7277995" y="2706821"/>
+            <a:ext cx="434402" cy="327761"/>
           </a:xfrm>
           <a:prstGeom prst="bentConnector3">
             <a:avLst/>
@@ -4503,14 +4526,14 @@
       </p:cxnSp>
       <p:sp>
         <p:nvSpPr>
-          <p:cNvPr id="67" name="Rectangle 8"/>
+          <p:cNvPr id="80" name="Rectangle 8"/>
           <p:cNvSpPr/>
           <p:nvPr/>
         </p:nvSpPr>
         <p:spPr>
           <a:xfrm>
-            <a:off x="5300689" y="1784222"/>
-            <a:ext cx="483700" cy="346760"/>
+            <a:off x="7712397" y="2887216"/>
+            <a:ext cx="708186" cy="285783"/>
           </a:xfrm>
           <a:prstGeom prst="rect">
             <a:avLst/>
@@ -4542,12 +4565,12 @@
           <a:p>
             <a:pPr algn="ctr"/>
             <a:r>
-              <a:rPr lang="en-US" sz="1050" dirty="0" smtClean="0">
+              <a:rPr lang="en-US" sz="1050" dirty="0">
                 <a:solidFill>
                   <a:srgbClr val="7030A0"/>
                 </a:solidFill>
               </a:rPr>
-              <a:t>Tag</a:t>
+              <a:t>Phone</a:t>
             </a:r>
             <a:endParaRPr lang="en-SG" sz="1050" dirty="0">
               <a:solidFill>
@@ -4557,66 +4580,21 @@
           </a:p>
         </p:txBody>
       </p:sp>
-      <p:sp>
-        <p:nvSpPr>
-          <p:cNvPr id="68" name="Flowchart: Decision 96"/>
-          <p:cNvSpPr/>
-          <p:nvPr/>
-        </p:nvSpPr>
-        <p:spPr>
-          <a:xfrm rot="16200000">
-            <a:off x="4921666" y="2066540"/>
-            <a:ext cx="236048" cy="173380"/>
-          </a:xfrm>
-          <a:prstGeom prst="flowChartDecision">
-            <a:avLst/>
-          </a:prstGeom>
-          <a:noFill/>
-          <a:ln w="19050">
-            <a:solidFill>
-              <a:srgbClr val="7030A0"/>
-            </a:solidFill>
-          </a:ln>
-          <a:effectLst/>
-        </p:spPr>
-        <p:style>
-          <a:lnRef idx="1">
-            <a:schemeClr val="accent6"/>
-          </a:lnRef>
-          <a:fillRef idx="2">
-            <a:schemeClr val="accent6"/>
-          </a:fillRef>
-          <a:effectRef idx="1">
-            <a:schemeClr val="accent6"/>
-          </a:effectRef>
-          <a:fontRef idx="minor">
-            <a:schemeClr val="dk1"/>
-          </a:fontRef>
-        </p:style>
-        <p:txBody>
-          <a:bodyPr rtlCol="0" anchor="ctr"/>
-          <a:lstStyle/>
-          <a:p>
-            <a:pPr algn="ctr"/>
-            <a:endParaRPr lang="en-US" sz="1050"/>
-          </a:p>
-        </p:txBody>
-      </p:sp>
       <p:cxnSp>
         <p:nvCxnSpPr>
-          <p:cNvPr id="69" name="Elbow Connector 68"/>
+          <p:cNvPr id="81" name="Elbow Connector 80"/>
           <p:cNvCxnSpPr>
-            <a:stCxn id="68" idx="3"/>
-            <a:endCxn id="67" idx="1"/>
+            <a:stCxn id="78" idx="3"/>
+            <a:endCxn id="80" idx="1"/>
           </p:cNvCxnSpPr>
           <p:nvPr/>
         </p:nvCxnSpPr>
         <p:spPr>
-          <a:xfrm rot="5400000" flipH="1" flipV="1">
-            <a:off x="5131387" y="1865905"/>
-            <a:ext cx="77604" cy="260999"/>
-          </a:xfrm>
-          <a:prstGeom prst="bentConnector2">
+          <a:xfrm flipV="1">
+            <a:off x="7277995" y="3030108"/>
+            <a:ext cx="434402" cy="4783"/>
+          </a:xfrm>
+          <a:prstGeom prst="bentConnector3">
             <a:avLst/>
           </a:prstGeom>
           <a:ln w="19050">
@@ -4645,13 +4623,13 @@
       </p:cxnSp>
       <p:sp>
         <p:nvSpPr>
-          <p:cNvPr id="76" name="Rectangle 8"/>
+          <p:cNvPr id="83" name="Rectangle 8"/>
           <p:cNvSpPr/>
           <p:nvPr/>
         </p:nvSpPr>
         <p:spPr>
           <a:xfrm>
-            <a:off x="7712397" y="2564238"/>
+            <a:off x="7712397" y="3210194"/>
             <a:ext cx="708186" cy="285783"/>
           </a:xfrm>
           <a:prstGeom prst="rect">
@@ -4684,12 +4662,12 @@
           <a:p>
             <a:pPr algn="ctr"/>
             <a:r>
-              <a:rPr lang="en-US" sz="1050" dirty="0" smtClean="0">
+              <a:rPr lang="en-US" sz="1050" dirty="0">
                 <a:solidFill>
                   <a:srgbClr val="7030A0"/>
                 </a:solidFill>
               </a:rPr>
-              <a:t>Name</a:t>
+              <a:t>Email</a:t>
             </a:r>
             <a:endParaRPr lang="en-SG" sz="1050" dirty="0">
               <a:solidFill>
@@ -4699,66 +4677,19 @@
           </a:p>
         </p:txBody>
       </p:sp>
-      <p:sp>
-        <p:nvSpPr>
-          <p:cNvPr id="78" name="Flowchart: Decision 96"/>
-          <p:cNvSpPr/>
-          <p:nvPr/>
-        </p:nvSpPr>
-        <p:spPr>
-          <a:xfrm>
-            <a:off x="7041947" y="2948201"/>
-            <a:ext cx="236048" cy="173380"/>
-          </a:xfrm>
-          <a:prstGeom prst="flowChartDecision">
-            <a:avLst/>
-          </a:prstGeom>
-          <a:solidFill>
-            <a:srgbClr val="7030A0"/>
-          </a:solidFill>
-          <a:ln w="19050">
-            <a:solidFill>
-              <a:srgbClr val="7030A0"/>
-            </a:solidFill>
-          </a:ln>
-          <a:effectLst/>
-        </p:spPr>
-        <p:style>
-          <a:lnRef idx="1">
-            <a:schemeClr val="accent6"/>
-          </a:lnRef>
-          <a:fillRef idx="2">
-            <a:schemeClr val="accent6"/>
-          </a:fillRef>
-          <a:effectRef idx="1">
-            <a:schemeClr val="accent6"/>
-          </a:effectRef>
-          <a:fontRef idx="minor">
-            <a:schemeClr val="dk1"/>
-          </a:fontRef>
-        </p:style>
-        <p:txBody>
-          <a:bodyPr rtlCol="0" anchor="ctr"/>
-          <a:lstStyle/>
-          <a:p>
-            <a:pPr algn="ctr"/>
-            <a:endParaRPr lang="en-US" sz="1050"/>
-          </a:p>
-        </p:txBody>
-      </p:sp>
       <p:cxnSp>
         <p:nvCxnSpPr>
-          <p:cNvPr id="79" name="Elbow Connector 78"/>
+          <p:cNvPr id="84" name="Elbow Connector 83"/>
           <p:cNvCxnSpPr>
             <a:stCxn id="78" idx="3"/>
-            <a:endCxn id="76" idx="1"/>
+            <a:endCxn id="83" idx="1"/>
           </p:cNvCxnSpPr>
           <p:nvPr/>
         </p:nvCxnSpPr>
         <p:spPr>
-          <a:xfrm flipV="1">
-            <a:off x="7277995" y="2707130"/>
-            <a:ext cx="434402" cy="327761"/>
+          <a:xfrm>
+            <a:off x="7277995" y="3034891"/>
+            <a:ext cx="434402" cy="318195"/>
           </a:xfrm>
           <a:prstGeom prst="bentConnector3">
             <a:avLst/>
@@ -4789,13 +4720,13 @@
       </p:cxnSp>
       <p:sp>
         <p:nvSpPr>
-          <p:cNvPr id="80" name="Rectangle 8"/>
+          <p:cNvPr id="85" name="Rectangle 8"/>
           <p:cNvSpPr/>
           <p:nvPr/>
         </p:nvSpPr>
         <p:spPr>
           <a:xfrm>
-            <a:off x="7712397" y="2887216"/>
+            <a:off x="7712397" y="3533171"/>
             <a:ext cx="708186" cy="285783"/>
           </a:xfrm>
           <a:prstGeom prst="rect">
@@ -4828,201 +4759,7 @@
           <a:p>
             <a:pPr algn="ctr"/>
             <a:r>
-              <a:rPr lang="en-US" sz="1050" dirty="0" smtClean="0">
-                <a:solidFill>
-                  <a:srgbClr val="7030A0"/>
-                </a:solidFill>
-              </a:rPr>
-              <a:t>Phone</a:t>
-            </a:r>
-            <a:endParaRPr lang="en-SG" sz="1050" dirty="0">
-              <a:solidFill>
-                <a:srgbClr val="7030A0"/>
-              </a:solidFill>
-            </a:endParaRPr>
-          </a:p>
-        </p:txBody>
-      </p:sp>
-      <p:cxnSp>
-        <p:nvCxnSpPr>
-          <p:cNvPr id="81" name="Elbow Connector 80"/>
-          <p:cNvCxnSpPr>
-            <a:stCxn id="78" idx="3"/>
-            <a:endCxn id="80" idx="1"/>
-          </p:cNvCxnSpPr>
-          <p:nvPr/>
-        </p:nvCxnSpPr>
-        <p:spPr>
-          <a:xfrm flipV="1">
-            <a:off x="7277995" y="3030108"/>
-            <a:ext cx="434402" cy="4783"/>
-          </a:xfrm>
-          <a:prstGeom prst="bentConnector3">
-            <a:avLst/>
-          </a:prstGeom>
-          <a:ln w="19050">
-            <a:solidFill>
-              <a:srgbClr val="7030A0"/>
-            </a:solidFill>
-            <a:headEnd type="none" w="med" len="med"/>
-            <a:tailEnd type="arrow" w="med" len="med"/>
-          </a:ln>
-          <a:effectLst/>
-        </p:spPr>
-        <p:style>
-          <a:lnRef idx="1">
-            <a:schemeClr val="accent2"/>
-          </a:lnRef>
-          <a:fillRef idx="2">
-            <a:schemeClr val="accent2"/>
-          </a:fillRef>
-          <a:effectRef idx="1">
-            <a:schemeClr val="accent2"/>
-          </a:effectRef>
-          <a:fontRef idx="minor">
-            <a:schemeClr val="dk1"/>
-          </a:fontRef>
-        </p:style>
-      </p:cxnSp>
-      <p:sp>
-        <p:nvSpPr>
-          <p:cNvPr id="83" name="Rectangle 8"/>
-          <p:cNvSpPr/>
-          <p:nvPr/>
-        </p:nvSpPr>
-        <p:spPr>
-          <a:xfrm>
-            <a:off x="7712397" y="3210194"/>
-            <a:ext cx="708186" cy="285783"/>
-          </a:xfrm>
-          <a:prstGeom prst="rect">
-            <a:avLst/>
-          </a:prstGeom>
-          <a:ln w="19050">
-            <a:solidFill>
-              <a:srgbClr val="7030A0"/>
-            </a:solidFill>
-          </a:ln>
-          <a:effectLst/>
-        </p:spPr>
-        <p:style>
-          <a:lnRef idx="1">
-            <a:schemeClr val="accent4"/>
-          </a:lnRef>
-          <a:fillRef idx="2">
-            <a:schemeClr val="accent4"/>
-          </a:fillRef>
-          <a:effectRef idx="1">
-            <a:schemeClr val="accent4"/>
-          </a:effectRef>
-          <a:fontRef idx="minor">
-            <a:schemeClr val="dk1"/>
-          </a:fontRef>
-        </p:style>
-        <p:txBody>
-          <a:bodyPr rtlCol="0" anchor="ctr"/>
-          <a:lstStyle/>
-          <a:p>
-            <a:pPr algn="ctr"/>
-            <a:r>
-              <a:rPr lang="en-US" sz="1050" dirty="0" smtClean="0">
-                <a:solidFill>
-                  <a:srgbClr val="7030A0"/>
-                </a:solidFill>
-              </a:rPr>
-              <a:t>Email</a:t>
-            </a:r>
-            <a:endParaRPr lang="en-SG" sz="1050" dirty="0">
-              <a:solidFill>
-                <a:srgbClr val="7030A0"/>
-              </a:solidFill>
-            </a:endParaRPr>
-          </a:p>
-        </p:txBody>
-      </p:sp>
-      <p:cxnSp>
-        <p:nvCxnSpPr>
-          <p:cNvPr id="84" name="Elbow Connector 83"/>
-          <p:cNvCxnSpPr>
-            <a:stCxn id="78" idx="3"/>
-            <a:endCxn id="83" idx="1"/>
-          </p:cNvCxnSpPr>
-          <p:nvPr/>
-        </p:nvCxnSpPr>
-        <p:spPr>
-          <a:xfrm>
-            <a:off x="7277995" y="3034891"/>
-            <a:ext cx="434402" cy="318195"/>
-          </a:xfrm>
-          <a:prstGeom prst="bentConnector3">
-            <a:avLst/>
-          </a:prstGeom>
-          <a:ln w="19050">
-            <a:solidFill>
-              <a:srgbClr val="7030A0"/>
-            </a:solidFill>
-            <a:headEnd type="none" w="med" len="med"/>
-            <a:tailEnd type="arrow" w="med" len="med"/>
-          </a:ln>
-          <a:effectLst/>
-        </p:spPr>
-        <p:style>
-          <a:lnRef idx="1">
-            <a:schemeClr val="accent2"/>
-          </a:lnRef>
-          <a:fillRef idx="2">
-            <a:schemeClr val="accent2"/>
-          </a:fillRef>
-          <a:effectRef idx="1">
-            <a:schemeClr val="accent2"/>
-          </a:effectRef>
-          <a:fontRef idx="minor">
-            <a:schemeClr val="dk1"/>
-          </a:fontRef>
-        </p:style>
-      </p:cxnSp>
-      <p:sp>
-        <p:nvSpPr>
-          <p:cNvPr id="85" name="Rectangle 8"/>
-          <p:cNvSpPr/>
-          <p:nvPr/>
-        </p:nvSpPr>
-        <p:spPr>
-          <a:xfrm>
-            <a:off x="7712397" y="3533171"/>
-            <a:ext cx="708186" cy="285783"/>
-          </a:xfrm>
-          <a:prstGeom prst="rect">
-            <a:avLst/>
-          </a:prstGeom>
-          <a:ln w="19050">
-            <a:solidFill>
-              <a:srgbClr val="7030A0"/>
-            </a:solidFill>
-          </a:ln>
-          <a:effectLst/>
-        </p:spPr>
-        <p:style>
-          <a:lnRef idx="1">
-            <a:schemeClr val="accent4"/>
-          </a:lnRef>
-          <a:fillRef idx="2">
-            <a:schemeClr val="accent4"/>
-          </a:fillRef>
-          <a:effectRef idx="1">
-            <a:schemeClr val="accent4"/>
-          </a:effectRef>
-          <a:fontRef idx="minor">
-            <a:schemeClr val="dk1"/>
-          </a:fontRef>
-        </p:style>
-        <p:txBody>
-          <a:bodyPr rtlCol="0" anchor="ctr"/>
-          <a:lstStyle/>
-          <a:p>
-            <a:pPr algn="ctr"/>
-            <a:r>
-              <a:rPr lang="en-US" sz="1050" dirty="0" smtClean="0">
+              <a:rPr lang="en-US" sz="1050" dirty="0">
                 <a:solidFill>
                   <a:srgbClr val="7030A0"/>
                 </a:solidFill>
@@ -5088,7 +4825,7 @@
         </p:nvCxnSpPr>
         <p:spPr>
           <a:xfrm rot="16200000" flipH="1">
-            <a:off x="3279321" y="2485431"/>
+            <a:off x="3279321" y="2737710"/>
             <a:ext cx="293825" cy="1"/>
           </a:xfrm>
           <a:prstGeom prst="bentConnector3">
@@ -5129,7 +4866,7 @@
         </p:nvSpPr>
         <p:spPr>
           <a:xfrm rot="10800000" flipV="1">
-            <a:off x="3290981" y="2162997"/>
+            <a:off x="3290981" y="2415276"/>
             <a:ext cx="270504" cy="175523"/>
           </a:xfrm>
           <a:prstGeom prst="triangle">
@@ -5177,7 +4914,7 @@
         </p:nvSpPr>
         <p:spPr>
           <a:xfrm>
-            <a:off x="2642513" y="1790346"/>
+            <a:off x="2722420" y="2011740"/>
             <a:ext cx="1539926" cy="346760"/>
           </a:xfrm>
           <a:prstGeom prst="rect">
@@ -5210,7 +4947,7 @@
           <a:p>
             <a:pPr algn="ctr"/>
             <a:r>
-              <a:rPr lang="en-US" sz="1050" dirty="0" smtClean="0">
+              <a:rPr lang="en-US" sz="1050" dirty="0">
                 <a:solidFill>
                   <a:srgbClr val="7030A0"/>
                 </a:solidFill>
@@ -5218,14 +4955,14 @@
               <a:t>&lt;&lt;interface&gt;&gt;</a:t>
             </a:r>
             <a:br>
-              <a:rPr lang="en-US" sz="1050" dirty="0" smtClean="0">
+              <a:rPr lang="en-US" sz="1050" dirty="0">
                 <a:solidFill>
                   <a:srgbClr val="7030A0"/>
                 </a:solidFill>
               </a:rPr>
             </a:br>
             <a:r>
-              <a:rPr lang="en-US" sz="1050" dirty="0" err="1" smtClean="0">
+              <a:rPr lang="en-US" sz="1050" dirty="0" err="1">
                 <a:solidFill>
                   <a:srgbClr val="7030A0"/>
                 </a:solidFill>
@@ -5248,7 +4985,7 @@
         </p:nvSpPr>
         <p:spPr>
           <a:xfrm rot="16200000">
-            <a:off x="6527512" y="3586305"/>
+            <a:off x="6362886" y="3586305"/>
             <a:ext cx="881018" cy="261610"/>
           </a:xfrm>
           <a:prstGeom prst="rect">
@@ -5264,7 +5001,7 @@
           <a:p>
             <a:pPr algn="r"/>
             <a:r>
-              <a:rPr lang="en-US" sz="1100" dirty="0" smtClean="0">
+              <a:rPr lang="en-US" sz="1100" dirty="0">
                 <a:solidFill>
                   <a:srgbClr val="7030A0"/>
                 </a:solidFill>
@@ -5320,7 +5057,7 @@
           <a:p>
             <a:pPr algn="ctr"/>
             <a:r>
-              <a:rPr lang="en-US" sz="1050" dirty="0" smtClean="0">
+              <a:rPr lang="en-US" sz="1050" dirty="0">
                 <a:solidFill>
                   <a:srgbClr val="7030A0"/>
                 </a:solidFill>
@@ -5343,7 +5080,7 @@
               </a:rPr>
             </a:br>
             <a:r>
-              <a:rPr lang="en-US" sz="1050" dirty="0" err="1" smtClean="0">
+              <a:rPr lang="en-US" sz="1050" dirty="0" err="1">
                 <a:solidFill>
                   <a:srgbClr val="7030A0"/>
                 </a:solidFill>
@@ -5400,22 +5137,288 @@
           </a:fontRef>
         </p:style>
       </p:cxnSp>
+      <p:sp>
+        <p:nvSpPr>
+          <p:cNvPr id="54" name="TextBox 53"/>
+          <p:cNvSpPr txBox="1"/>
+          <p:nvPr/>
+        </p:nvSpPr>
+        <p:spPr>
+          <a:xfrm>
+            <a:off x="4324972" y="3058864"/>
+            <a:ext cx="189257" cy="178683"/>
+          </a:xfrm>
+          <a:prstGeom prst="rect">
+            <a:avLst/>
+          </a:prstGeom>
+          <a:noFill/>
+        </p:spPr>
+        <p:txBody>
+          <a:bodyPr wrap="square" lIns="0" tIns="0" rIns="0" bIns="0" rtlCol="0">
+            <a:noAutofit/>
+          </a:bodyPr>
+          <a:lstStyle/>
+          <a:p>
+            <a:pPr algn="ctr"/>
+            <a:r>
+              <a:rPr lang="en-US" sz="1100" dirty="0">
+                <a:solidFill>
+                  <a:srgbClr val="7030A0"/>
+                </a:solidFill>
+              </a:rPr>
+              <a:t>1</a:t>
+            </a:r>
+            <a:endParaRPr lang="en-SG" sz="1100" dirty="0">
+              <a:solidFill>
+                <a:srgbClr val="7030A0"/>
+              </a:solidFill>
+            </a:endParaRPr>
+          </a:p>
+        </p:txBody>
+      </p:sp>
+      <p:sp>
+        <p:nvSpPr>
+          <p:cNvPr id="61" name="TextBox 60"/>
+          <p:cNvSpPr txBox="1"/>
+          <p:nvPr/>
+        </p:nvSpPr>
+        <p:spPr>
+          <a:xfrm>
+            <a:off x="6135256" y="3097917"/>
+            <a:ext cx="189257" cy="178683"/>
+          </a:xfrm>
+          <a:prstGeom prst="rect">
+            <a:avLst/>
+          </a:prstGeom>
+          <a:noFill/>
+        </p:spPr>
+        <p:txBody>
+          <a:bodyPr wrap="square" lIns="0" tIns="0" rIns="0" bIns="0" rtlCol="0">
+            <a:noAutofit/>
+          </a:bodyPr>
+          <a:lstStyle/>
+          <a:p>
+            <a:pPr algn="ctr"/>
+            <a:r>
+              <a:rPr lang="en-US" sz="1100" dirty="0">
+                <a:solidFill>
+                  <a:srgbClr val="7030A0"/>
+                </a:solidFill>
+              </a:rPr>
+              <a:t>*</a:t>
+            </a:r>
+            <a:endParaRPr lang="en-SG" sz="1100" dirty="0">
+              <a:solidFill>
+                <a:srgbClr val="7030A0"/>
+              </a:solidFill>
+            </a:endParaRPr>
+          </a:p>
+        </p:txBody>
+      </p:sp>
+      <p:sp>
+        <p:nvSpPr>
+          <p:cNvPr id="65" name="TextBox 64"/>
+          <p:cNvSpPr txBox="1"/>
+          <p:nvPr/>
+        </p:nvSpPr>
+        <p:spPr>
+          <a:xfrm>
+            <a:off x="2687923" y="2793117"/>
+            <a:ext cx="189257" cy="178683"/>
+          </a:xfrm>
+          <a:prstGeom prst="rect">
+            <a:avLst/>
+          </a:prstGeom>
+          <a:noFill/>
+        </p:spPr>
+        <p:txBody>
+          <a:bodyPr wrap="square" lIns="0" tIns="0" rIns="0" bIns="0" rtlCol="0">
+            <a:noAutofit/>
+          </a:bodyPr>
+          <a:lstStyle/>
+          <a:p>
+            <a:pPr algn="ctr"/>
+            <a:r>
+              <a:rPr lang="en-US" sz="1100" dirty="0">
+                <a:solidFill>
+                  <a:srgbClr val="7030A0"/>
+                </a:solidFill>
+              </a:rPr>
+              <a:t>1</a:t>
+            </a:r>
+            <a:endParaRPr lang="en-SG" sz="1100" dirty="0">
+              <a:solidFill>
+                <a:srgbClr val="7030A0"/>
+              </a:solidFill>
+            </a:endParaRPr>
+          </a:p>
+        </p:txBody>
+      </p:sp>
+      <p:sp>
+        <p:nvSpPr>
+          <p:cNvPr id="66" name="TextBox 65"/>
+          <p:cNvSpPr txBox="1"/>
+          <p:nvPr/>
+        </p:nvSpPr>
+        <p:spPr>
+          <a:xfrm>
+            <a:off x="2707070" y="3667737"/>
+            <a:ext cx="189257" cy="178683"/>
+          </a:xfrm>
+          <a:prstGeom prst="rect">
+            <a:avLst/>
+          </a:prstGeom>
+          <a:noFill/>
+        </p:spPr>
+        <p:txBody>
+          <a:bodyPr wrap="square" lIns="0" tIns="0" rIns="0" bIns="0" rtlCol="0">
+            <a:noAutofit/>
+          </a:bodyPr>
+          <a:lstStyle/>
+          <a:p>
+            <a:pPr algn="ctr"/>
+            <a:r>
+              <a:rPr lang="en-US" sz="1100" dirty="0">
+                <a:solidFill>
+                  <a:srgbClr val="7030A0"/>
+                </a:solidFill>
+              </a:rPr>
+              <a:t>1</a:t>
+            </a:r>
+            <a:endParaRPr lang="en-SG" sz="1100" dirty="0">
+              <a:solidFill>
+                <a:srgbClr val="7030A0"/>
+              </a:solidFill>
+            </a:endParaRPr>
+          </a:p>
+        </p:txBody>
+      </p:sp>
+      <p:sp>
+        <p:nvSpPr>
+          <p:cNvPr id="70" name="TextBox 69"/>
+          <p:cNvSpPr txBox="1"/>
+          <p:nvPr/>
+        </p:nvSpPr>
+        <p:spPr>
+          <a:xfrm>
+            <a:off x="6449896" y="3204826"/>
+            <a:ext cx="189257" cy="178683"/>
+          </a:xfrm>
+          <a:prstGeom prst="rect">
+            <a:avLst/>
+          </a:prstGeom>
+          <a:noFill/>
+        </p:spPr>
+        <p:txBody>
+          <a:bodyPr wrap="square" lIns="0" tIns="0" rIns="0" bIns="0" rtlCol="0">
+            <a:noAutofit/>
+          </a:bodyPr>
+          <a:lstStyle/>
+          <a:p>
+            <a:pPr algn="ctr"/>
+            <a:r>
+              <a:rPr lang="en-US" sz="1100" dirty="0">
+                <a:solidFill>
+                  <a:srgbClr val="7030A0"/>
+                </a:solidFill>
+              </a:rPr>
+              <a:t>1</a:t>
+            </a:r>
+            <a:endParaRPr lang="en-SG" sz="1100" dirty="0">
+              <a:solidFill>
+                <a:srgbClr val="7030A0"/>
+              </a:solidFill>
+            </a:endParaRPr>
+          </a:p>
+        </p:txBody>
+      </p:sp>
+      <p:sp>
+        <p:nvSpPr>
+          <p:cNvPr id="52" name="Rectangle 8">
+            <a:extLst>
+              <a:ext uri="{FF2B5EF4-FFF2-40B4-BE49-F238E27FC236}">
+                <a16:creationId xmlns:a16="http://schemas.microsoft.com/office/drawing/2014/main" id="{ABDCDBD2-131A-4B66-A2F2-43BBEE82C773}"/>
+              </a:ext>
+            </a:extLst>
+          </p:cNvPr>
+          <p:cNvSpPr/>
+          <p:nvPr/>
+        </p:nvSpPr>
+        <p:spPr>
+          <a:xfrm>
+            <a:off x="7712397" y="2228817"/>
+            <a:ext cx="708186" cy="285783"/>
+          </a:xfrm>
+          <a:prstGeom prst="rect">
+            <a:avLst/>
+          </a:prstGeom>
+          <a:ln w="19050">
+            <a:solidFill>
+              <a:srgbClr val="7030A0"/>
+            </a:solidFill>
+          </a:ln>
+          <a:effectLst/>
+        </p:spPr>
+        <p:style>
+          <a:lnRef idx="1">
+            <a:schemeClr val="accent4"/>
+          </a:lnRef>
+          <a:fillRef idx="2">
+            <a:schemeClr val="accent4"/>
+          </a:fillRef>
+          <a:effectRef idx="1">
+            <a:schemeClr val="accent4"/>
+          </a:effectRef>
+          <a:fontRef idx="minor">
+            <a:schemeClr val="dk1"/>
+          </a:fontRef>
+        </p:style>
+        <p:txBody>
+          <a:bodyPr rtlCol="0" anchor="ctr"/>
+          <a:lstStyle/>
+          <a:p>
+            <a:pPr algn="ctr"/>
+            <a:r>
+              <a:rPr lang="en-US" sz="1050" dirty="0">
+                <a:solidFill>
+                  <a:srgbClr val="7030A0"/>
+                </a:solidFill>
+              </a:rPr>
+              <a:t>Tag</a:t>
+            </a:r>
+            <a:endParaRPr lang="en-SG" sz="1050" dirty="0">
+              <a:solidFill>
+                <a:srgbClr val="7030A0"/>
+              </a:solidFill>
+            </a:endParaRPr>
+          </a:p>
+        </p:txBody>
+      </p:sp>
       <p:cxnSp>
         <p:nvCxnSpPr>
-          <p:cNvPr id="50" name="Elbow Connector 49"/>
+          <p:cNvPr id="53" name="Elbow Connector 78">
+            <a:extLst>
+              <a:ext uri="{FF2B5EF4-FFF2-40B4-BE49-F238E27FC236}">
+                <a16:creationId xmlns:a16="http://schemas.microsoft.com/office/drawing/2014/main" id="{B97967F8-618A-448B-81FD-CDFD4AF0EC64}"/>
+              </a:ext>
+            </a:extLst>
+          </p:cNvPr>
           <p:cNvCxnSpPr>
-            <a:stCxn id="62" idx="0"/>
-            <a:endCxn id="57" idx="3"/>
+            <a:cxnSpLocks/>
+            <a:stCxn id="78" idx="3"/>
+            <a:endCxn id="52" idx="1"/>
           </p:cNvCxnSpPr>
           <p:nvPr/>
         </p:nvCxnSpPr>
         <p:spPr>
-          <a:xfrm rot="16200000" flipV="1">
-            <a:off x="5948976" y="2139271"/>
-            <a:ext cx="404117" cy="1033473"/>
-          </a:xfrm>
-          <a:prstGeom prst="bentConnector2">
-            <a:avLst/>
+          <a:xfrm flipV="1">
+            <a:off x="7277995" y="2371709"/>
+            <a:ext cx="434402" cy="663182"/>
+          </a:xfrm>
+          <a:prstGeom prst="bentConnector3">
+            <a:avLst>
+              <a:gd name="adj1" fmla="val 50000"/>
+            </a:avLst>
           </a:prstGeom>
           <a:ln w="19050">
             <a:solidFill>
@@ -5443,13 +5446,19 @@
       </p:cxnSp>
       <p:sp>
         <p:nvSpPr>
-          <p:cNvPr id="11" name="TextBox 10"/>
+          <p:cNvPr id="50" name="TextBox 49">
+            <a:extLst>
+              <a:ext uri="{FF2B5EF4-FFF2-40B4-BE49-F238E27FC236}">
+                <a16:creationId xmlns:a16="http://schemas.microsoft.com/office/drawing/2014/main" id="{B3FA9D57-880F-49C4-AD0B-A64E30D6F403}"/>
+              </a:ext>
+            </a:extLst>
+          </p:cNvPr>
           <p:cNvSpPr txBox="1"/>
           <p:nvPr/>
         </p:nvSpPr>
         <p:spPr>
           <a:xfrm>
-            <a:off x="4324972" y="2191228"/>
+            <a:off x="7466243" y="2255711"/>
             <a:ext cx="189257" cy="178683"/>
           </a:xfrm>
           <a:prstGeom prst="rect">
@@ -5465,12 +5474,12 @@
           <a:p>
             <a:pPr algn="ctr"/>
             <a:r>
-              <a:rPr lang="en-US" sz="1100" dirty="0" smtClean="0">
+              <a:rPr lang="en-US" sz="1100" dirty="0">
                 <a:solidFill>
                   <a:srgbClr val="7030A0"/>
                 </a:solidFill>
               </a:rPr>
-              <a:t>1</a:t>
+              <a:t>*</a:t>
             </a:r>
             <a:endParaRPr lang="en-SG" sz="1100" dirty="0">
               <a:solidFill>
@@ -5482,342 +5491,13 @@
       </p:sp>
       <p:sp>
         <p:nvSpPr>
-          <p:cNvPr id="54" name="TextBox 53"/>
-          <p:cNvSpPr txBox="1"/>
-          <p:nvPr/>
-        </p:nvSpPr>
-        <p:spPr>
-          <a:xfrm>
-            <a:off x="4324972" y="3058864"/>
-            <a:ext cx="189257" cy="178683"/>
-          </a:xfrm>
-          <a:prstGeom prst="rect">
-            <a:avLst/>
-          </a:prstGeom>
-          <a:noFill/>
-        </p:spPr>
-        <p:txBody>
-          <a:bodyPr wrap="square" lIns="0" tIns="0" rIns="0" bIns="0" rtlCol="0">
-            <a:noAutofit/>
-          </a:bodyPr>
-          <a:lstStyle/>
-          <a:p>
-            <a:pPr algn="ctr"/>
-            <a:r>
-              <a:rPr lang="en-US" sz="1100" dirty="0" smtClean="0">
-                <a:solidFill>
-                  <a:srgbClr val="7030A0"/>
-                </a:solidFill>
-              </a:rPr>
-              <a:t>1</a:t>
-            </a:r>
-            <a:endParaRPr lang="en-SG" sz="1100" dirty="0">
-              <a:solidFill>
-                <a:srgbClr val="7030A0"/>
-              </a:solidFill>
-            </a:endParaRPr>
-          </a:p>
-        </p:txBody>
-      </p:sp>
-      <p:sp>
-        <p:nvSpPr>
-          <p:cNvPr id="56" name="TextBox 55"/>
-          <p:cNvSpPr txBox="1"/>
-          <p:nvPr/>
-        </p:nvSpPr>
-        <p:spPr>
-          <a:xfrm>
-            <a:off x="5689761" y="2495413"/>
-            <a:ext cx="189257" cy="178683"/>
-          </a:xfrm>
-          <a:prstGeom prst="rect">
-            <a:avLst/>
-          </a:prstGeom>
-          <a:noFill/>
-        </p:spPr>
-        <p:txBody>
-          <a:bodyPr wrap="square" lIns="0" tIns="0" rIns="0" bIns="0" rtlCol="0">
-            <a:noAutofit/>
-          </a:bodyPr>
-          <a:lstStyle/>
-          <a:p>
-            <a:pPr algn="ctr"/>
-            <a:r>
-              <a:rPr lang="en-US" sz="1100" dirty="0" smtClean="0">
-                <a:solidFill>
-                  <a:srgbClr val="7030A0"/>
-                </a:solidFill>
-              </a:rPr>
-              <a:t>1</a:t>
-            </a:r>
-            <a:endParaRPr lang="en-SG" sz="1100" dirty="0">
-              <a:solidFill>
-                <a:srgbClr val="7030A0"/>
-              </a:solidFill>
-            </a:endParaRPr>
-          </a:p>
-        </p:txBody>
-      </p:sp>
-      <p:sp>
-        <p:nvSpPr>
-          <p:cNvPr id="60" name="TextBox 59"/>
-          <p:cNvSpPr txBox="1"/>
-          <p:nvPr/>
-        </p:nvSpPr>
-        <p:spPr>
-          <a:xfrm>
-            <a:off x="5163172" y="1778919"/>
-            <a:ext cx="189257" cy="178683"/>
-          </a:xfrm>
-          <a:prstGeom prst="rect">
-            <a:avLst/>
-          </a:prstGeom>
-          <a:noFill/>
-        </p:spPr>
-        <p:txBody>
-          <a:bodyPr wrap="square" lIns="0" tIns="0" rIns="0" bIns="0" rtlCol="0">
-            <a:noAutofit/>
-          </a:bodyPr>
-          <a:lstStyle/>
-          <a:p>
-            <a:pPr algn="ctr"/>
-            <a:r>
-              <a:rPr lang="en-US" sz="1100" dirty="0" smtClean="0">
-                <a:solidFill>
-                  <a:srgbClr val="7030A0"/>
-                </a:solidFill>
-              </a:rPr>
-              <a:t>*</a:t>
-            </a:r>
-            <a:endParaRPr lang="en-SG" sz="1100" dirty="0">
-              <a:solidFill>
-                <a:srgbClr val="7030A0"/>
-              </a:solidFill>
-            </a:endParaRPr>
-          </a:p>
-        </p:txBody>
-      </p:sp>
-      <p:sp>
-        <p:nvSpPr>
-          <p:cNvPr id="61" name="TextBox 60"/>
-          <p:cNvSpPr txBox="1"/>
-          <p:nvPr/>
-        </p:nvSpPr>
-        <p:spPr>
-          <a:xfrm>
-            <a:off x="6135256" y="3097917"/>
-            <a:ext cx="189257" cy="178683"/>
-          </a:xfrm>
-          <a:prstGeom prst="rect">
-            <a:avLst/>
-          </a:prstGeom>
-          <a:noFill/>
-        </p:spPr>
-        <p:txBody>
-          <a:bodyPr wrap="square" lIns="0" tIns="0" rIns="0" bIns="0" rtlCol="0">
-            <a:noAutofit/>
-          </a:bodyPr>
-          <a:lstStyle/>
-          <a:p>
-            <a:pPr algn="ctr"/>
-            <a:r>
-              <a:rPr lang="en-US" sz="1100" dirty="0" smtClean="0">
-                <a:solidFill>
-                  <a:srgbClr val="7030A0"/>
-                </a:solidFill>
-              </a:rPr>
-              <a:t>*</a:t>
-            </a:r>
-            <a:endParaRPr lang="en-SG" sz="1100" dirty="0">
-              <a:solidFill>
-                <a:srgbClr val="7030A0"/>
-              </a:solidFill>
-            </a:endParaRPr>
-          </a:p>
-        </p:txBody>
-      </p:sp>
-      <p:sp>
-        <p:nvSpPr>
-          <p:cNvPr id="65" name="TextBox 64"/>
-          <p:cNvSpPr txBox="1"/>
-          <p:nvPr/>
-        </p:nvSpPr>
-        <p:spPr>
-          <a:xfrm>
-            <a:off x="2687923" y="2564238"/>
-            <a:ext cx="189257" cy="178683"/>
-          </a:xfrm>
-          <a:prstGeom prst="rect">
-            <a:avLst/>
-          </a:prstGeom>
-          <a:noFill/>
-        </p:spPr>
-        <p:txBody>
-          <a:bodyPr wrap="square" lIns="0" tIns="0" rIns="0" bIns="0" rtlCol="0">
-            <a:noAutofit/>
-          </a:bodyPr>
-          <a:lstStyle/>
-          <a:p>
-            <a:pPr algn="ctr"/>
-            <a:r>
-              <a:rPr lang="en-US" sz="1100" dirty="0" smtClean="0">
-                <a:solidFill>
-                  <a:srgbClr val="7030A0"/>
-                </a:solidFill>
-              </a:rPr>
-              <a:t>1</a:t>
-            </a:r>
-            <a:endParaRPr lang="en-SG" sz="1100" dirty="0">
-              <a:solidFill>
-                <a:srgbClr val="7030A0"/>
-              </a:solidFill>
-            </a:endParaRPr>
-          </a:p>
-        </p:txBody>
-      </p:sp>
-      <p:sp>
-        <p:nvSpPr>
-          <p:cNvPr id="66" name="TextBox 65"/>
-          <p:cNvSpPr txBox="1"/>
-          <p:nvPr/>
-        </p:nvSpPr>
-        <p:spPr>
-          <a:xfrm>
-            <a:off x="2656370" y="3386050"/>
-            <a:ext cx="189257" cy="178683"/>
-          </a:xfrm>
-          <a:prstGeom prst="rect">
-            <a:avLst/>
-          </a:prstGeom>
-          <a:noFill/>
-        </p:spPr>
-        <p:txBody>
-          <a:bodyPr wrap="square" lIns="0" tIns="0" rIns="0" bIns="0" rtlCol="0">
-            <a:noAutofit/>
-          </a:bodyPr>
-          <a:lstStyle/>
-          <a:p>
-            <a:pPr algn="ctr"/>
-            <a:r>
-              <a:rPr lang="en-US" sz="1100" dirty="0" smtClean="0">
-                <a:solidFill>
-                  <a:srgbClr val="7030A0"/>
-                </a:solidFill>
-              </a:rPr>
-              <a:t>1</a:t>
-            </a:r>
-            <a:endParaRPr lang="en-SG" sz="1100" dirty="0">
-              <a:solidFill>
-                <a:srgbClr val="7030A0"/>
-              </a:solidFill>
-            </a:endParaRPr>
-          </a:p>
-        </p:txBody>
-      </p:sp>
-      <p:sp>
-        <p:nvSpPr>
-          <p:cNvPr id="70" name="TextBox 69"/>
-          <p:cNvSpPr txBox="1"/>
-          <p:nvPr/>
-        </p:nvSpPr>
-        <p:spPr>
-          <a:xfrm>
-            <a:off x="6667770" y="3210194"/>
-            <a:ext cx="189257" cy="178683"/>
-          </a:xfrm>
-          <a:prstGeom prst="rect">
-            <a:avLst/>
-          </a:prstGeom>
-          <a:noFill/>
-        </p:spPr>
-        <p:txBody>
-          <a:bodyPr wrap="square" lIns="0" tIns="0" rIns="0" bIns="0" rtlCol="0">
-            <a:noAutofit/>
-          </a:bodyPr>
-          <a:lstStyle/>
-          <a:p>
-            <a:pPr algn="ctr"/>
-            <a:r>
-              <a:rPr lang="en-US" sz="1100" dirty="0" smtClean="0">
-                <a:solidFill>
-                  <a:srgbClr val="7030A0"/>
-                </a:solidFill>
-              </a:rPr>
-              <a:t>1</a:t>
-            </a:r>
-            <a:endParaRPr lang="en-SG" sz="1100" dirty="0">
-              <a:solidFill>
-                <a:srgbClr val="7030A0"/>
-              </a:solidFill>
-            </a:endParaRPr>
-          </a:p>
-        </p:txBody>
-      </p:sp>
-      <p:sp>
-        <p:nvSpPr>
-          <p:cNvPr id="52" name="Rectangle 8"/>
+          <p:cNvPr id="45" name="Flowchart: Decision 96"/>
           <p:cNvSpPr/>
           <p:nvPr/>
         </p:nvSpPr>
         <p:spPr>
           <a:xfrm>
-            <a:off x="1278742" y="1793387"/>
-            <a:ext cx="1093635" cy="346760"/>
-          </a:xfrm>
-          <a:prstGeom prst="rect">
-            <a:avLst/>
-          </a:prstGeom>
-          <a:ln w="19050">
-            <a:solidFill>
-              <a:srgbClr val="7030A0"/>
-            </a:solidFill>
-          </a:ln>
-          <a:effectLst/>
-        </p:spPr>
-        <p:style>
-          <a:lnRef idx="1">
-            <a:schemeClr val="accent4"/>
-          </a:lnRef>
-          <a:fillRef idx="2">
-            <a:schemeClr val="accent4"/>
-          </a:fillRef>
-          <a:effectRef idx="1">
-            <a:schemeClr val="accent4"/>
-          </a:effectRef>
-          <a:fontRef idx="minor">
-            <a:schemeClr val="dk1"/>
-          </a:fontRef>
-        </p:style>
-        <p:txBody>
-          <a:bodyPr rtlCol="0" anchor="ctr"/>
-          <a:lstStyle/>
-          <a:p>
-            <a:pPr algn="ctr"/>
-            <a:r>
-              <a:rPr lang="en-US" sz="1050" dirty="0" err="1" smtClean="0">
-                <a:solidFill>
-                  <a:srgbClr val="7030A0"/>
-                </a:solidFill>
-              </a:rPr>
-              <a:t>UndoRedoStack</a:t>
-            </a:r>
-            <a:endParaRPr lang="en-SG" sz="1050" dirty="0">
-              <a:solidFill>
-                <a:srgbClr val="7030A0"/>
-              </a:solidFill>
-            </a:endParaRPr>
-          </a:p>
-        </p:txBody>
-      </p:sp>
-      <p:sp>
-        <p:nvSpPr>
-          <p:cNvPr id="53" name="Flowchart: Decision 96"/>
-          <p:cNvSpPr/>
-          <p:nvPr/>
-        </p:nvSpPr>
-        <p:spPr>
-          <a:xfrm>
-            <a:off x="2087399" y="2325303"/>
+            <a:off x="2090341" y="2540277"/>
             <a:ext cx="236048" cy="173380"/>
           </a:xfrm>
           <a:prstGeom prst="flowChartDecision">
@@ -5854,18 +5534,55 @@
           </a:p>
         </p:txBody>
       </p:sp>
+      <p:sp>
+        <p:nvSpPr>
+          <p:cNvPr id="55" name="TextBox 54"/>
+          <p:cNvSpPr txBox="1"/>
+          <p:nvPr/>
+        </p:nvSpPr>
+        <p:spPr>
+          <a:xfrm>
+            <a:off x="1935864" y="2458369"/>
+            <a:ext cx="189257" cy="178683"/>
+          </a:xfrm>
+          <a:prstGeom prst="rect">
+            <a:avLst/>
+          </a:prstGeom>
+          <a:noFill/>
+        </p:spPr>
+        <p:txBody>
+          <a:bodyPr wrap="square" lIns="0" tIns="0" rIns="0" bIns="0" rtlCol="0">
+            <a:noAutofit/>
+          </a:bodyPr>
+          <a:lstStyle/>
+          <a:p>
+            <a:pPr algn="ctr"/>
+            <a:r>
+              <a:rPr lang="en-US" sz="1100" dirty="0">
+                <a:solidFill>
+                  <a:srgbClr val="7030A0"/>
+                </a:solidFill>
+              </a:rPr>
+              <a:t>1</a:t>
+            </a:r>
+            <a:endParaRPr lang="en-SG" sz="1100" dirty="0">
+              <a:solidFill>
+                <a:srgbClr val="7030A0"/>
+              </a:solidFill>
+            </a:endParaRPr>
+          </a:p>
+        </p:txBody>
+      </p:sp>
       <p:cxnSp>
         <p:nvCxnSpPr>
-          <p:cNvPr id="55" name="Straight Arrow Connector 54"/>
-          <p:cNvCxnSpPr>
-            <a:stCxn id="53" idx="0"/>
-          </p:cNvCxnSpPr>
+          <p:cNvPr id="56" name="Straight Arrow Connector 55"/>
+          <p:cNvCxnSpPr/>
           <p:nvPr/>
         </p:nvCxnSpPr>
         <p:spPr>
-          <a:xfrm flipH="1" flipV="1">
-            <a:off x="2203742" y="2130982"/>
-            <a:ext cx="1681" cy="194321"/>
+          <a:xfrm flipV="1">
+            <a:off x="2202529" y="2338508"/>
+            <a:ext cx="486" cy="205557"/>
           </a:xfrm>
           <a:prstGeom prst="straightConnector1">
             <a:avLst/>
@@ -5896,36 +5613,53 @@
       </p:cxnSp>
       <p:sp>
         <p:nvSpPr>
-          <p:cNvPr id="72" name="TextBox 71"/>
-          <p:cNvSpPr txBox="1"/>
+          <p:cNvPr id="57" name="Rectangle 8"/>
+          <p:cNvSpPr/>
           <p:nvPr/>
         </p:nvSpPr>
         <p:spPr>
           <a:xfrm>
-            <a:off x="2253194" y="2125118"/>
-            <a:ext cx="189257" cy="178683"/>
+            <a:off x="1405377" y="2019332"/>
+            <a:ext cx="1063461" cy="346760"/>
           </a:xfrm>
           <a:prstGeom prst="rect">
             <a:avLst/>
           </a:prstGeom>
-          <a:noFill/>
-        </p:spPr>
-        <p:txBody>
-          <a:bodyPr wrap="square" lIns="0" tIns="0" rIns="0" bIns="0" rtlCol="0">
-            <a:noAutofit/>
-          </a:bodyPr>
+          <a:ln w="19050">
+            <a:solidFill>
+              <a:srgbClr val="7030A0"/>
+            </a:solidFill>
+          </a:ln>
+          <a:effectLst/>
+        </p:spPr>
+        <p:style>
+          <a:lnRef idx="1">
+            <a:schemeClr val="accent4"/>
+          </a:lnRef>
+          <a:fillRef idx="2">
+            <a:schemeClr val="accent4"/>
+          </a:fillRef>
+          <a:effectRef idx="1">
+            <a:schemeClr val="accent4"/>
+          </a:effectRef>
+          <a:fontRef idx="minor">
+            <a:schemeClr val="dk1"/>
+          </a:fontRef>
+        </p:style>
+        <p:txBody>
+          <a:bodyPr rtlCol="0" anchor="ctr"/>
           <a:lstStyle/>
           <a:p>
             <a:pPr algn="ctr"/>
             <a:r>
-              <a:rPr lang="en-US" sz="1100" dirty="0" smtClean="0">
+              <a:rPr lang="en-US" sz="1050" dirty="0" err="1" smtClean="0">
                 <a:solidFill>
                   <a:srgbClr val="7030A0"/>
                 </a:solidFill>
               </a:rPr>
-              <a:t>1</a:t>
-            </a:r>
-            <a:endParaRPr lang="en-SG" sz="1100" dirty="0">
+              <a:t>UndoRedoStack</a:t>
+            </a:r>
+            <a:endParaRPr lang="en-SG" sz="1050" dirty="0">
               <a:solidFill>
                 <a:srgbClr val="7030A0"/>
               </a:solidFill>
@@ -5943,13 +5677,6 @@
   <p:clrMapOvr>
     <a:masterClrMapping/>
   </p:clrMapOvr>
-  <p:timing>
-    <p:tnLst>
-      <p:par>
-        <p:cTn id="1" dur="indefinite" restart="never" nodeType="tmRoot"/>
-      </p:par>
-    </p:tnLst>
-  </p:timing>
 </p:sld>
 </file>
 

--- a/docs/diagrams/ModelComponentClassDiagram.pptx
+++ b/docs/diagrams/ModelComponentClassDiagram.pptx
@@ -208,7 +208,7 @@
           <a:p>
             <a:fld id="{F5CC4B3F-88C1-4FFA-B1B6-F41C21DC6924}" type="datetimeFigureOut">
               <a:rPr lang="en-US" smtClean="0"/>
-              <a:t>3/8/2018</a:t>
+              <a:t>3/23/2018</a:t>
             </a:fld>
             <a:endParaRPr lang="en-US"/>
           </a:p>
@@ -654,7 +654,7 @@
           <a:p>
             <a:fld id="{78C97017-6FC3-485B-9764-EAC9E56C1D49}" type="datetimeFigureOut">
               <a:rPr lang="en-US" smtClean="0"/>
-              <a:t>3/8/2018</a:t>
+              <a:t>3/23/2018</a:t>
             </a:fld>
             <a:endParaRPr lang="en-US"/>
           </a:p>
@@ -822,7 +822,7 @@
           <a:p>
             <a:fld id="{78C97017-6FC3-485B-9764-EAC9E56C1D49}" type="datetimeFigureOut">
               <a:rPr lang="en-US" smtClean="0"/>
-              <a:t>3/8/2018</a:t>
+              <a:t>3/23/2018</a:t>
             </a:fld>
             <a:endParaRPr lang="en-US"/>
           </a:p>
@@ -1000,7 +1000,7 @@
           <a:p>
             <a:fld id="{78C97017-6FC3-485B-9764-EAC9E56C1D49}" type="datetimeFigureOut">
               <a:rPr lang="en-US" smtClean="0"/>
-              <a:t>3/8/2018</a:t>
+              <a:t>3/23/2018</a:t>
             </a:fld>
             <a:endParaRPr lang="en-US"/>
           </a:p>
@@ -1168,7 +1168,7 @@
           <a:p>
             <a:fld id="{78C97017-6FC3-485B-9764-EAC9E56C1D49}" type="datetimeFigureOut">
               <a:rPr lang="en-US" smtClean="0"/>
-              <a:t>3/8/2018</a:t>
+              <a:t>3/23/2018</a:t>
             </a:fld>
             <a:endParaRPr lang="en-US"/>
           </a:p>
@@ -1413,7 +1413,7 @@
           <a:p>
             <a:fld id="{78C97017-6FC3-485B-9764-EAC9E56C1D49}" type="datetimeFigureOut">
               <a:rPr lang="en-US" smtClean="0"/>
-              <a:t>3/8/2018</a:t>
+              <a:t>3/23/2018</a:t>
             </a:fld>
             <a:endParaRPr lang="en-US"/>
           </a:p>
@@ -1698,7 +1698,7 @@
           <a:p>
             <a:fld id="{78C97017-6FC3-485B-9764-EAC9E56C1D49}" type="datetimeFigureOut">
               <a:rPr lang="en-US" smtClean="0"/>
-              <a:t>3/8/2018</a:t>
+              <a:t>3/23/2018</a:t>
             </a:fld>
             <a:endParaRPr lang="en-US"/>
           </a:p>
@@ -2117,7 +2117,7 @@
           <a:p>
             <a:fld id="{78C97017-6FC3-485B-9764-EAC9E56C1D49}" type="datetimeFigureOut">
               <a:rPr lang="en-US" smtClean="0"/>
-              <a:t>3/8/2018</a:t>
+              <a:t>3/23/2018</a:t>
             </a:fld>
             <a:endParaRPr lang="en-US"/>
           </a:p>
@@ -2234,7 +2234,7 @@
           <a:p>
             <a:fld id="{78C97017-6FC3-485B-9764-EAC9E56C1D49}" type="datetimeFigureOut">
               <a:rPr lang="en-US" smtClean="0"/>
-              <a:t>3/8/2018</a:t>
+              <a:t>3/23/2018</a:t>
             </a:fld>
             <a:endParaRPr lang="en-US"/>
           </a:p>
@@ -2329,7 +2329,7 @@
           <a:p>
             <a:fld id="{78C97017-6FC3-485B-9764-EAC9E56C1D49}" type="datetimeFigureOut">
               <a:rPr lang="en-US" smtClean="0"/>
-              <a:t>3/8/2018</a:t>
+              <a:t>3/23/2018</a:t>
             </a:fld>
             <a:endParaRPr lang="en-US"/>
           </a:p>
@@ -2604,7 +2604,7 @@
           <a:p>
             <a:fld id="{78C97017-6FC3-485B-9764-EAC9E56C1D49}" type="datetimeFigureOut">
               <a:rPr lang="en-US" smtClean="0"/>
-              <a:t>3/8/2018</a:t>
+              <a:t>3/23/2018</a:t>
             </a:fld>
             <a:endParaRPr lang="en-US"/>
           </a:p>
@@ -2856,7 +2856,7 @@
           <a:p>
             <a:fld id="{78C97017-6FC3-485B-9764-EAC9E56C1D49}" type="datetimeFigureOut">
               <a:rPr lang="en-US" smtClean="0"/>
-              <a:t>3/8/2018</a:t>
+              <a:t>3/23/2018</a:t>
             </a:fld>
             <a:endParaRPr lang="en-US"/>
           </a:p>
@@ -3067,7 +3067,7 @@
           <a:p>
             <a:fld id="{78C97017-6FC3-485B-9764-EAC9E56C1D49}" type="datetimeFigureOut">
               <a:rPr lang="en-US" smtClean="0"/>
-              <a:t>3/8/2018</a:t>
+              <a:t>3/23/2018</a:t>
             </a:fld>
             <a:endParaRPr lang="en-US"/>
           </a:p>
@@ -5338,7 +5338,7 @@
         </p:nvSpPr>
         <p:spPr>
           <a:xfrm>
-            <a:off x="7712397" y="1981200"/>
+            <a:off x="7712397" y="2228817"/>
             <a:ext cx="708186" cy="285783"/>
           </a:xfrm>
           <a:prstGeom prst="rect">
@@ -5397,18 +5397,20 @@
           </p:cNvPr>
           <p:cNvCxnSpPr>
             <a:cxnSpLocks/>
-            <a:stCxn id="44" idx="3"/>
+            <a:stCxn id="78" idx="3"/>
             <a:endCxn id="52" idx="1"/>
           </p:cNvCxnSpPr>
           <p:nvPr/>
         </p:nvCxnSpPr>
         <p:spPr>
-          <a:xfrm rot="5400000" flipH="1" flipV="1">
-            <a:off x="6943794" y="1848069"/>
-            <a:ext cx="492579" cy="1044627"/>
-          </a:xfrm>
-          <a:prstGeom prst="bentConnector2">
-            <a:avLst/>
+          <a:xfrm flipV="1">
+            <a:off x="7277995" y="2371709"/>
+            <a:ext cx="434402" cy="663182"/>
+          </a:xfrm>
+          <a:prstGeom prst="bentConnector3">
+            <a:avLst>
+              <a:gd name="adj1" fmla="val 50000"/>
+            </a:avLst>
           </a:prstGeom>
           <a:ln w="19050">
             <a:solidFill>
@@ -5436,57 +5438,6 @@
       </p:cxnSp>
       <p:sp>
         <p:nvSpPr>
-          <p:cNvPr id="44" name="Flowchart: Decision 96">
-            <a:extLst>
-              <a:ext uri="{FF2B5EF4-FFF2-40B4-BE49-F238E27FC236}">
-                <a16:creationId xmlns:a16="http://schemas.microsoft.com/office/drawing/2014/main" id="{A8F49AA1-AD12-4E5D-AAFE-3A4F4FB878D9}"/>
-              </a:ext>
-            </a:extLst>
-          </p:cNvPr>
-          <p:cNvSpPr/>
-          <p:nvPr/>
-        </p:nvSpPr>
-        <p:spPr>
-          <a:xfrm rot="16200000">
-            <a:off x="6549746" y="2648005"/>
-            <a:ext cx="236048" cy="173380"/>
-          </a:xfrm>
-          <a:prstGeom prst="flowChartDecision">
-            <a:avLst/>
-          </a:prstGeom>
-          <a:noFill/>
-          <a:ln w="19050">
-            <a:solidFill>
-              <a:srgbClr val="7030A0"/>
-            </a:solidFill>
-          </a:ln>
-          <a:effectLst/>
-        </p:spPr>
-        <p:style>
-          <a:lnRef idx="1">
-            <a:schemeClr val="accent6"/>
-          </a:lnRef>
-          <a:fillRef idx="2">
-            <a:schemeClr val="accent6"/>
-          </a:fillRef>
-          <a:effectRef idx="1">
-            <a:schemeClr val="accent6"/>
-          </a:effectRef>
-          <a:fontRef idx="minor">
-            <a:schemeClr val="dk1"/>
-          </a:fontRef>
-        </p:style>
-        <p:txBody>
-          <a:bodyPr rtlCol="0" anchor="ctr"/>
-          <a:lstStyle/>
-          <a:p>
-            <a:pPr algn="ctr"/>
-            <a:endParaRPr lang="en-US" sz="1050"/>
-          </a:p>
-        </p:txBody>
-      </p:sp>
-      <p:sp>
-        <p:nvSpPr>
           <p:cNvPr id="50" name="TextBox 49">
             <a:extLst>
               <a:ext uri="{FF2B5EF4-FFF2-40B4-BE49-F238E27FC236}">
@@ -5499,7 +5450,7 @@
         </p:nvSpPr>
         <p:spPr>
           <a:xfrm>
-            <a:off x="7452601" y="2133600"/>
+            <a:off x="7466243" y="2255711"/>
             <a:ext cx="189257" cy="178683"/>
           </a:xfrm>
           <a:prstGeom prst="rect">

--- a/docs/diagrams/ModelComponentClassDiagram.pptx
+++ b/docs/diagrams/ModelComponentClassDiagram.pptx
@@ -208,7 +208,7 @@
           <a:p>
             <a:fld id="{F5CC4B3F-88C1-4FFA-B1B6-F41C21DC6924}" type="datetimeFigureOut">
               <a:rPr lang="en-US" smtClean="0"/>
-              <a:t>3/23/2018</a:t>
+              <a:t>4/16/2018</a:t>
             </a:fld>
             <a:endParaRPr lang="en-US"/>
           </a:p>
@@ -654,7 +654,7 @@
           <a:p>
             <a:fld id="{78C97017-6FC3-485B-9764-EAC9E56C1D49}" type="datetimeFigureOut">
               <a:rPr lang="en-US" smtClean="0"/>
-              <a:t>3/23/2018</a:t>
+              <a:t>4/16/2018</a:t>
             </a:fld>
             <a:endParaRPr lang="en-US"/>
           </a:p>
@@ -822,7 +822,7 @@
           <a:p>
             <a:fld id="{78C97017-6FC3-485B-9764-EAC9E56C1D49}" type="datetimeFigureOut">
               <a:rPr lang="en-US" smtClean="0"/>
-              <a:t>3/23/2018</a:t>
+              <a:t>4/16/2018</a:t>
             </a:fld>
             <a:endParaRPr lang="en-US"/>
           </a:p>
@@ -1000,7 +1000,7 @@
           <a:p>
             <a:fld id="{78C97017-6FC3-485B-9764-EAC9E56C1D49}" type="datetimeFigureOut">
               <a:rPr lang="en-US" smtClean="0"/>
-              <a:t>3/23/2018</a:t>
+              <a:t>4/16/2018</a:t>
             </a:fld>
             <a:endParaRPr lang="en-US"/>
           </a:p>
@@ -1168,7 +1168,7 @@
           <a:p>
             <a:fld id="{78C97017-6FC3-485B-9764-EAC9E56C1D49}" type="datetimeFigureOut">
               <a:rPr lang="en-US" smtClean="0"/>
-              <a:t>3/23/2018</a:t>
+              <a:t>4/16/2018</a:t>
             </a:fld>
             <a:endParaRPr lang="en-US"/>
           </a:p>
@@ -1413,7 +1413,7 @@
           <a:p>
             <a:fld id="{78C97017-6FC3-485B-9764-EAC9E56C1D49}" type="datetimeFigureOut">
               <a:rPr lang="en-US" smtClean="0"/>
-              <a:t>3/23/2018</a:t>
+              <a:t>4/16/2018</a:t>
             </a:fld>
             <a:endParaRPr lang="en-US"/>
           </a:p>
@@ -1698,7 +1698,7 @@
           <a:p>
             <a:fld id="{78C97017-6FC3-485B-9764-EAC9E56C1D49}" type="datetimeFigureOut">
               <a:rPr lang="en-US" smtClean="0"/>
-              <a:t>3/23/2018</a:t>
+              <a:t>4/16/2018</a:t>
             </a:fld>
             <a:endParaRPr lang="en-US"/>
           </a:p>
@@ -2117,7 +2117,7 @@
           <a:p>
             <a:fld id="{78C97017-6FC3-485B-9764-EAC9E56C1D49}" type="datetimeFigureOut">
               <a:rPr lang="en-US" smtClean="0"/>
-              <a:t>3/23/2018</a:t>
+              <a:t>4/16/2018</a:t>
             </a:fld>
             <a:endParaRPr lang="en-US"/>
           </a:p>
@@ -2234,7 +2234,7 @@
           <a:p>
             <a:fld id="{78C97017-6FC3-485B-9764-EAC9E56C1D49}" type="datetimeFigureOut">
               <a:rPr lang="en-US" smtClean="0"/>
-              <a:t>3/23/2018</a:t>
+              <a:t>4/16/2018</a:t>
             </a:fld>
             <a:endParaRPr lang="en-US"/>
           </a:p>
@@ -2329,7 +2329,7 @@
           <a:p>
             <a:fld id="{78C97017-6FC3-485B-9764-EAC9E56C1D49}" type="datetimeFigureOut">
               <a:rPr lang="en-US" smtClean="0"/>
-              <a:t>3/23/2018</a:t>
+              <a:t>4/16/2018</a:t>
             </a:fld>
             <a:endParaRPr lang="en-US"/>
           </a:p>
@@ -2604,7 +2604,7 @@
           <a:p>
             <a:fld id="{78C97017-6FC3-485B-9764-EAC9E56C1D49}" type="datetimeFigureOut">
               <a:rPr lang="en-US" smtClean="0"/>
-              <a:t>3/23/2018</a:t>
+              <a:t>4/16/2018</a:t>
             </a:fld>
             <a:endParaRPr lang="en-US"/>
           </a:p>
@@ -2856,7 +2856,7 @@
           <a:p>
             <a:fld id="{78C97017-6FC3-485B-9764-EAC9E56C1D49}" type="datetimeFigureOut">
               <a:rPr lang="en-US" smtClean="0"/>
-              <a:t>3/23/2018</a:t>
+              <a:t>4/16/2018</a:t>
             </a:fld>
             <a:endParaRPr lang="en-US"/>
           </a:p>
@@ -3067,7 +3067,7 @@
           <a:p>
             <a:fld id="{78C97017-6FC3-485B-9764-EAC9E56C1D49}" type="datetimeFigureOut">
               <a:rPr lang="en-US" smtClean="0"/>
-              <a:t>3/23/2018</a:t>
+              <a:t>4/16/2018</a:t>
             </a:fld>
             <a:endParaRPr lang="en-US"/>
           </a:p>
@@ -3450,8 +3450,8 @@
         </p:nvSpPr>
         <p:spPr>
           <a:xfrm>
-            <a:off x="1119865" y="1727200"/>
-            <a:ext cx="7490735" cy="2997200"/>
+            <a:off x="1119865" y="1600200"/>
+            <a:ext cx="7490735" cy="3124200"/>
           </a:xfrm>
           <a:prstGeom prst="roundRect">
             <a:avLst>
@@ -3961,7 +3961,7 @@
         </p:nvSpPr>
         <p:spPr>
           <a:xfrm>
-            <a:off x="2873582" y="2831936"/>
+            <a:off x="3001648" y="2834258"/>
             <a:ext cx="1093635" cy="346760"/>
           </a:xfrm>
           <a:prstGeom prst="rect">
@@ -4021,7 +4021,7 @@
         <p:spPr>
           <a:xfrm>
             <a:off x="2624360" y="3003033"/>
-            <a:ext cx="249222" cy="2283"/>
+            <a:ext cx="377288" cy="4605"/>
           </a:xfrm>
           <a:prstGeom prst="straightConnector1">
             <a:avLst/>
@@ -4159,7 +4159,7 @@
         </p:nvSpPr>
         <p:spPr>
           <a:xfrm>
-            <a:off x="3977259" y="2932345"/>
+            <a:off x="4088924" y="2932852"/>
             <a:ext cx="236048" cy="173380"/>
           </a:xfrm>
           <a:prstGeom prst="flowChartDecision">
@@ -4209,8 +4209,8 @@
         </p:nvCxnSpPr>
         <p:spPr>
           <a:xfrm>
-            <a:off x="4213307" y="3019035"/>
-            <a:ext cx="273710" cy="1716"/>
+            <a:off x="4324972" y="3019542"/>
+            <a:ext cx="162045" cy="1209"/>
           </a:xfrm>
           <a:prstGeom prst="bentConnector3">
             <a:avLst/>
@@ -4825,7 +4825,7 @@
         </p:nvCxnSpPr>
         <p:spPr>
           <a:xfrm rot="16200000" flipH="1">
-            <a:off x="3279321" y="2737710"/>
+            <a:off x="3439753" y="2690527"/>
             <a:ext cx="293825" cy="1"/>
           </a:xfrm>
           <a:prstGeom prst="bentConnector3">
@@ -4866,7 +4866,7 @@
         </p:nvSpPr>
         <p:spPr>
           <a:xfrm rot="10800000" flipV="1">
-            <a:off x="3290981" y="2415276"/>
+            <a:off x="3451413" y="2368093"/>
             <a:ext cx="270504" cy="175523"/>
           </a:xfrm>
           <a:prstGeom prst="triangle">
@@ -4914,8 +4914,8 @@
         </p:nvSpPr>
         <p:spPr>
           <a:xfrm>
-            <a:off x="2671139" y="2049107"/>
-            <a:ext cx="1539926" cy="346760"/>
+            <a:off x="2862685" y="1998350"/>
+            <a:ext cx="1443661" cy="369744"/>
           </a:xfrm>
           <a:prstGeom prst="rect">
             <a:avLst/>
@@ -5063,6 +5063,14 @@
                 </a:solidFill>
               </a:rPr>
               <a:t>&lt;&lt;interface&gt;&gt;</a:t>
+            </a:r>
+            <a:r>
+              <a:rPr lang="en-US" sz="1050">
+                <a:solidFill>
+                  <a:srgbClr val="7030A0"/>
+                </a:solidFill>
+              </a:rPr>
+              <a:t/>
             </a:r>
             <a:br>
               <a:rPr lang="en-US" sz="1050">
@@ -5472,6 +5480,193 @@
                 </a:solidFill>
               </a:rPr>
               <a:t>*</a:t>
+            </a:r>
+            <a:endParaRPr lang="en-SG" sz="1100" dirty="0">
+              <a:solidFill>
+                <a:srgbClr val="7030A0"/>
+              </a:solidFill>
+            </a:endParaRPr>
+          </a:p>
+        </p:txBody>
+      </p:sp>
+      <p:cxnSp>
+        <p:nvCxnSpPr>
+          <p:cNvPr id="44" name="Elbow Connector 63"/>
+          <p:cNvCxnSpPr>
+            <a:stCxn id="45" idx="3"/>
+            <a:endCxn id="9" idx="3"/>
+          </p:cNvCxnSpPr>
+          <p:nvPr/>
+        </p:nvCxnSpPr>
+        <p:spPr>
+          <a:xfrm rot="5400000">
+            <a:off x="2107245" y="2619371"/>
+            <a:ext cx="206064" cy="3821"/>
+          </a:xfrm>
+          <a:prstGeom prst="bentConnector3">
+            <a:avLst>
+              <a:gd name="adj1" fmla="val 50000"/>
+            </a:avLst>
+          </a:prstGeom>
+          <a:ln w="19050">
+            <a:solidFill>
+              <a:srgbClr val="7030A0"/>
+            </a:solidFill>
+            <a:prstDash val="sysDot"/>
+            <a:headEnd type="none" w="med" len="med"/>
+            <a:tailEnd type="none" w="med" len="med"/>
+          </a:ln>
+          <a:effectLst/>
+        </p:spPr>
+        <p:style>
+          <a:lnRef idx="1">
+            <a:schemeClr val="accent2"/>
+          </a:lnRef>
+          <a:fillRef idx="2">
+            <a:schemeClr val="accent2"/>
+          </a:fillRef>
+          <a:effectRef idx="1">
+            <a:schemeClr val="accent2"/>
+          </a:effectRef>
+          <a:fontRef idx="minor">
+            <a:schemeClr val="dk1"/>
+          </a:fontRef>
+        </p:style>
+      </p:cxnSp>
+      <p:sp>
+        <p:nvSpPr>
+          <p:cNvPr id="45" name="Isosceles Triangle 102"/>
+          <p:cNvSpPr/>
+          <p:nvPr/>
+        </p:nvSpPr>
+        <p:spPr>
+          <a:xfrm rot="10800000" flipV="1">
+            <a:off x="2110802" y="2342726"/>
+            <a:ext cx="202771" cy="175523"/>
+          </a:xfrm>
+          <a:prstGeom prst="triangle">
+            <a:avLst/>
+          </a:prstGeom>
+          <a:ln w="19050">
+            <a:solidFill>
+              <a:srgbClr val="7030A0"/>
+            </a:solidFill>
+          </a:ln>
+          <a:effectLst/>
+        </p:spPr>
+        <p:style>
+          <a:lnRef idx="1">
+            <a:schemeClr val="accent4"/>
+          </a:lnRef>
+          <a:fillRef idx="2">
+            <a:schemeClr val="accent4"/>
+          </a:fillRef>
+          <a:effectRef idx="1">
+            <a:schemeClr val="accent4"/>
+          </a:effectRef>
+          <a:fontRef idx="minor">
+            <a:schemeClr val="dk1"/>
+          </a:fontRef>
+        </p:style>
+        <p:txBody>
+          <a:bodyPr rtlCol="0" anchor="ctr"/>
+          <a:lstStyle/>
+          <a:p>
+            <a:pPr algn="ctr"/>
+            <a:endParaRPr lang="en-SG" sz="1050" b="1">
+              <a:solidFill>
+                <a:srgbClr val="92D050"/>
+              </a:solidFill>
+            </a:endParaRPr>
+          </a:p>
+        </p:txBody>
+      </p:sp>
+      <p:sp>
+        <p:nvSpPr>
+          <p:cNvPr id="55" name="Rectangle 8"/>
+          <p:cNvSpPr/>
+          <p:nvPr/>
+        </p:nvSpPr>
+        <p:spPr>
+          <a:xfrm>
+            <a:off x="1452215" y="1998349"/>
+            <a:ext cx="1154338" cy="338573"/>
+          </a:xfrm>
+          <a:prstGeom prst="rect">
+            <a:avLst/>
+          </a:prstGeom>
+          <a:ln w="19050">
+            <a:solidFill>
+              <a:srgbClr val="7030A0"/>
+            </a:solidFill>
+          </a:ln>
+          <a:effectLst/>
+        </p:spPr>
+        <p:style>
+          <a:lnRef idx="1">
+            <a:schemeClr val="accent4"/>
+          </a:lnRef>
+          <a:fillRef idx="2">
+            <a:schemeClr val="accent4"/>
+          </a:fillRef>
+          <a:effectRef idx="1">
+            <a:schemeClr val="accent4"/>
+          </a:effectRef>
+          <a:fontRef idx="minor">
+            <a:schemeClr val="dk1"/>
+          </a:fontRef>
+        </p:style>
+        <p:txBody>
+          <a:bodyPr rtlCol="0" anchor="ctr"/>
+          <a:lstStyle/>
+          <a:p>
+            <a:pPr algn="ctr"/>
+            <a:r>
+              <a:rPr lang="en-SG" sz="1050" dirty="0" err="1" smtClean="0">
+                <a:solidFill>
+                  <a:srgbClr val="7030A0"/>
+                </a:solidFill>
+              </a:rPr>
+              <a:t>UndoRedoStack</a:t>
+            </a:r>
+            <a:endParaRPr lang="en-SG" sz="1050" dirty="0">
+              <a:solidFill>
+                <a:srgbClr val="7030A0"/>
+              </a:solidFill>
+            </a:endParaRPr>
+          </a:p>
+        </p:txBody>
+      </p:sp>
+      <p:sp>
+        <p:nvSpPr>
+          <p:cNvPr id="56" name="TextBox 55"/>
+          <p:cNvSpPr txBox="1"/>
+          <p:nvPr/>
+        </p:nvSpPr>
+        <p:spPr>
+          <a:xfrm>
+            <a:off x="2296461" y="2345884"/>
+            <a:ext cx="189257" cy="178683"/>
+          </a:xfrm>
+          <a:prstGeom prst="rect">
+            <a:avLst/>
+          </a:prstGeom>
+          <a:noFill/>
+        </p:spPr>
+        <p:txBody>
+          <a:bodyPr wrap="square" lIns="0" tIns="0" rIns="0" bIns="0" rtlCol="0">
+            <a:noAutofit/>
+          </a:bodyPr>
+          <a:lstStyle/>
+          <a:p>
+            <a:pPr algn="ctr"/>
+            <a:r>
+              <a:rPr lang="en-US" sz="1100" dirty="0">
+                <a:solidFill>
+                  <a:srgbClr val="7030A0"/>
+                </a:solidFill>
+              </a:rPr>
+              <a:t>1</a:t>
             </a:r>
             <a:endParaRPr lang="en-SG" sz="1100" dirty="0">
               <a:solidFill>

--- a/docs/diagrams/ModelComponentClassDiagram.pptx
+++ b/docs/diagrams/ModelComponentClassDiagram.pptx
@@ -208,7 +208,7 @@
           <a:p>
             <a:fld id="{F5CC4B3F-88C1-4FFA-B1B6-F41C21DC6924}" type="datetimeFigureOut">
               <a:rPr lang="en-US" smtClean="0"/>
-              <a:t>4/16/2018</a:t>
+              <a:t>4/17/2018</a:t>
             </a:fld>
             <a:endParaRPr lang="en-US"/>
           </a:p>
@@ -654,7 +654,7 @@
           <a:p>
             <a:fld id="{78C97017-6FC3-485B-9764-EAC9E56C1D49}" type="datetimeFigureOut">
               <a:rPr lang="en-US" smtClean="0"/>
-              <a:t>4/16/2018</a:t>
+              <a:t>4/17/2018</a:t>
             </a:fld>
             <a:endParaRPr lang="en-US"/>
           </a:p>
@@ -822,7 +822,7 @@
           <a:p>
             <a:fld id="{78C97017-6FC3-485B-9764-EAC9E56C1D49}" type="datetimeFigureOut">
               <a:rPr lang="en-US" smtClean="0"/>
-              <a:t>4/16/2018</a:t>
+              <a:t>4/17/2018</a:t>
             </a:fld>
             <a:endParaRPr lang="en-US"/>
           </a:p>
@@ -1000,7 +1000,7 @@
           <a:p>
             <a:fld id="{78C97017-6FC3-485B-9764-EAC9E56C1D49}" type="datetimeFigureOut">
               <a:rPr lang="en-US" smtClean="0"/>
-              <a:t>4/16/2018</a:t>
+              <a:t>4/17/2018</a:t>
             </a:fld>
             <a:endParaRPr lang="en-US"/>
           </a:p>
@@ -1168,7 +1168,7 @@
           <a:p>
             <a:fld id="{78C97017-6FC3-485B-9764-EAC9E56C1D49}" type="datetimeFigureOut">
               <a:rPr lang="en-US" smtClean="0"/>
-              <a:t>4/16/2018</a:t>
+              <a:t>4/17/2018</a:t>
             </a:fld>
             <a:endParaRPr lang="en-US"/>
           </a:p>
@@ -1413,7 +1413,7 @@
           <a:p>
             <a:fld id="{78C97017-6FC3-485B-9764-EAC9E56C1D49}" type="datetimeFigureOut">
               <a:rPr lang="en-US" smtClean="0"/>
-              <a:t>4/16/2018</a:t>
+              <a:t>4/17/2018</a:t>
             </a:fld>
             <a:endParaRPr lang="en-US"/>
           </a:p>
@@ -1698,7 +1698,7 @@
           <a:p>
             <a:fld id="{78C97017-6FC3-485B-9764-EAC9E56C1D49}" type="datetimeFigureOut">
               <a:rPr lang="en-US" smtClean="0"/>
-              <a:t>4/16/2018</a:t>
+              <a:t>4/17/2018</a:t>
             </a:fld>
             <a:endParaRPr lang="en-US"/>
           </a:p>
@@ -2117,7 +2117,7 @@
           <a:p>
             <a:fld id="{78C97017-6FC3-485B-9764-EAC9E56C1D49}" type="datetimeFigureOut">
               <a:rPr lang="en-US" smtClean="0"/>
-              <a:t>4/16/2018</a:t>
+              <a:t>4/17/2018</a:t>
             </a:fld>
             <a:endParaRPr lang="en-US"/>
           </a:p>
@@ -2234,7 +2234,7 @@
           <a:p>
             <a:fld id="{78C97017-6FC3-485B-9764-EAC9E56C1D49}" type="datetimeFigureOut">
               <a:rPr lang="en-US" smtClean="0"/>
-              <a:t>4/16/2018</a:t>
+              <a:t>4/17/2018</a:t>
             </a:fld>
             <a:endParaRPr lang="en-US"/>
           </a:p>
@@ -2329,7 +2329,7 @@
           <a:p>
             <a:fld id="{78C97017-6FC3-485B-9764-EAC9E56C1D49}" type="datetimeFigureOut">
               <a:rPr lang="en-US" smtClean="0"/>
-              <a:t>4/16/2018</a:t>
+              <a:t>4/17/2018</a:t>
             </a:fld>
             <a:endParaRPr lang="en-US"/>
           </a:p>
@@ -2604,7 +2604,7 @@
           <a:p>
             <a:fld id="{78C97017-6FC3-485B-9764-EAC9E56C1D49}" type="datetimeFigureOut">
               <a:rPr lang="en-US" smtClean="0"/>
-              <a:t>4/16/2018</a:t>
+              <a:t>4/17/2018</a:t>
             </a:fld>
             <a:endParaRPr lang="en-US"/>
           </a:p>
@@ -2856,7 +2856,7 @@
           <a:p>
             <a:fld id="{78C97017-6FC3-485B-9764-EAC9E56C1D49}" type="datetimeFigureOut">
               <a:rPr lang="en-US" smtClean="0"/>
-              <a:t>4/16/2018</a:t>
+              <a:t>4/17/2018</a:t>
             </a:fld>
             <a:endParaRPr lang="en-US"/>
           </a:p>
@@ -3067,7 +3067,7 @@
           <a:p>
             <a:fld id="{78C97017-6FC3-485B-9764-EAC9E56C1D49}" type="datetimeFigureOut">
               <a:rPr lang="en-US" smtClean="0"/>
-              <a:t>4/16/2018</a:t>
+              <a:t>4/17/2018</a:t>
             </a:fld>
             <a:endParaRPr lang="en-US"/>
           </a:p>
@@ -5589,8 +5589,8 @@
         </p:nvSpPr>
         <p:spPr>
           <a:xfrm>
-            <a:off x="1452215" y="1998349"/>
-            <a:ext cx="1154338" cy="338573"/>
+            <a:off x="1219200" y="1998349"/>
+            <a:ext cx="1387353" cy="338573"/>
           </a:xfrm>
           <a:prstGeom prst="rect">
             <a:avLst/>
@@ -5627,7 +5627,7 @@
                   <a:srgbClr val="7030A0"/>
                 </a:solidFill>
               </a:rPr>
-              <a:t>UndoRedoStack</a:t>
+              <a:t>UndoRedoCareTaker</a:t>
             </a:r>
             <a:endParaRPr lang="en-SG" sz="1050" dirty="0">
               <a:solidFill>

--- a/docs/diagrams/ModelComponentClassDiagram.pptx
+++ b/docs/diagrams/ModelComponentClassDiagram.pptx
@@ -208,7 +208,7 @@
           <a:p>
             <a:fld id="{F5CC4B3F-88C1-4FFA-B1B6-F41C21DC6924}" type="datetimeFigureOut">
               <a:rPr lang="en-US" smtClean="0"/>
-              <a:t>3/23/2018</a:t>
+              <a:t>4/17/2018</a:t>
             </a:fld>
             <a:endParaRPr lang="en-US"/>
           </a:p>
@@ -654,7 +654,7 @@
           <a:p>
             <a:fld id="{78C97017-6FC3-485B-9764-EAC9E56C1D49}" type="datetimeFigureOut">
               <a:rPr lang="en-US" smtClean="0"/>
-              <a:t>3/23/2018</a:t>
+              <a:t>4/17/2018</a:t>
             </a:fld>
             <a:endParaRPr lang="en-US"/>
           </a:p>
@@ -822,7 +822,7 @@
           <a:p>
             <a:fld id="{78C97017-6FC3-485B-9764-EAC9E56C1D49}" type="datetimeFigureOut">
               <a:rPr lang="en-US" smtClean="0"/>
-              <a:t>3/23/2018</a:t>
+              <a:t>4/17/2018</a:t>
             </a:fld>
             <a:endParaRPr lang="en-US"/>
           </a:p>
@@ -1000,7 +1000,7 @@
           <a:p>
             <a:fld id="{78C97017-6FC3-485B-9764-EAC9E56C1D49}" type="datetimeFigureOut">
               <a:rPr lang="en-US" smtClean="0"/>
-              <a:t>3/23/2018</a:t>
+              <a:t>4/17/2018</a:t>
             </a:fld>
             <a:endParaRPr lang="en-US"/>
           </a:p>
@@ -1168,7 +1168,7 @@
           <a:p>
             <a:fld id="{78C97017-6FC3-485B-9764-EAC9E56C1D49}" type="datetimeFigureOut">
               <a:rPr lang="en-US" smtClean="0"/>
-              <a:t>3/23/2018</a:t>
+              <a:t>4/17/2018</a:t>
             </a:fld>
             <a:endParaRPr lang="en-US"/>
           </a:p>
@@ -1413,7 +1413,7 @@
           <a:p>
             <a:fld id="{78C97017-6FC3-485B-9764-EAC9E56C1D49}" type="datetimeFigureOut">
               <a:rPr lang="en-US" smtClean="0"/>
-              <a:t>3/23/2018</a:t>
+              <a:t>4/17/2018</a:t>
             </a:fld>
             <a:endParaRPr lang="en-US"/>
           </a:p>
@@ -1698,7 +1698,7 @@
           <a:p>
             <a:fld id="{78C97017-6FC3-485B-9764-EAC9E56C1D49}" type="datetimeFigureOut">
               <a:rPr lang="en-US" smtClean="0"/>
-              <a:t>3/23/2018</a:t>
+              <a:t>4/17/2018</a:t>
             </a:fld>
             <a:endParaRPr lang="en-US"/>
           </a:p>
@@ -2117,7 +2117,7 @@
           <a:p>
             <a:fld id="{78C97017-6FC3-485B-9764-EAC9E56C1D49}" type="datetimeFigureOut">
               <a:rPr lang="en-US" smtClean="0"/>
-              <a:t>3/23/2018</a:t>
+              <a:t>4/17/2018</a:t>
             </a:fld>
             <a:endParaRPr lang="en-US"/>
           </a:p>
@@ -2234,7 +2234,7 @@
           <a:p>
             <a:fld id="{78C97017-6FC3-485B-9764-EAC9E56C1D49}" type="datetimeFigureOut">
               <a:rPr lang="en-US" smtClean="0"/>
-              <a:t>3/23/2018</a:t>
+              <a:t>4/17/2018</a:t>
             </a:fld>
             <a:endParaRPr lang="en-US"/>
           </a:p>
@@ -2329,7 +2329,7 @@
           <a:p>
             <a:fld id="{78C97017-6FC3-485B-9764-EAC9E56C1D49}" type="datetimeFigureOut">
               <a:rPr lang="en-US" smtClean="0"/>
-              <a:t>3/23/2018</a:t>
+              <a:t>4/17/2018</a:t>
             </a:fld>
             <a:endParaRPr lang="en-US"/>
           </a:p>
@@ -2604,7 +2604,7 @@
           <a:p>
             <a:fld id="{78C97017-6FC3-485B-9764-EAC9E56C1D49}" type="datetimeFigureOut">
               <a:rPr lang="en-US" smtClean="0"/>
-              <a:t>3/23/2018</a:t>
+              <a:t>4/17/2018</a:t>
             </a:fld>
             <a:endParaRPr lang="en-US"/>
           </a:p>
@@ -2856,7 +2856,7 @@
           <a:p>
             <a:fld id="{78C97017-6FC3-485B-9764-EAC9E56C1D49}" type="datetimeFigureOut">
               <a:rPr lang="en-US" smtClean="0"/>
-              <a:t>3/23/2018</a:t>
+              <a:t>4/17/2018</a:t>
             </a:fld>
             <a:endParaRPr lang="en-US"/>
           </a:p>
@@ -3067,7 +3067,7 @@
           <a:p>
             <a:fld id="{78C97017-6FC3-485B-9764-EAC9E56C1D49}" type="datetimeFigureOut">
               <a:rPr lang="en-US" smtClean="0"/>
-              <a:t>3/23/2018</a:t>
+              <a:t>4/17/2018</a:t>
             </a:fld>
             <a:endParaRPr lang="en-US"/>
           </a:p>
@@ -3450,8 +3450,8 @@
         </p:nvSpPr>
         <p:spPr>
           <a:xfrm>
-            <a:off x="1119865" y="1727200"/>
-            <a:ext cx="7490735" cy="2997200"/>
+            <a:off x="1119865" y="1600200"/>
+            <a:ext cx="7490735" cy="3124200"/>
           </a:xfrm>
           <a:prstGeom prst="roundRect">
             <a:avLst>
@@ -3961,7 +3961,7 @@
         </p:nvSpPr>
         <p:spPr>
           <a:xfrm>
-            <a:off x="2873582" y="2831936"/>
+            <a:off x="3001648" y="2834258"/>
             <a:ext cx="1093635" cy="346760"/>
           </a:xfrm>
           <a:prstGeom prst="rect">
@@ -4021,7 +4021,7 @@
         <p:spPr>
           <a:xfrm>
             <a:off x="2624360" y="3003033"/>
-            <a:ext cx="249222" cy="2283"/>
+            <a:ext cx="377288" cy="4605"/>
           </a:xfrm>
           <a:prstGeom prst="straightConnector1">
             <a:avLst/>
@@ -4159,7 +4159,7 @@
         </p:nvSpPr>
         <p:spPr>
           <a:xfrm>
-            <a:off x="3977259" y="2932345"/>
+            <a:off x="4088924" y="2932852"/>
             <a:ext cx="236048" cy="173380"/>
           </a:xfrm>
           <a:prstGeom prst="flowChartDecision">
@@ -4209,8 +4209,8 @@
         </p:nvCxnSpPr>
         <p:spPr>
           <a:xfrm>
-            <a:off x="4213307" y="3019035"/>
-            <a:ext cx="273710" cy="1716"/>
+            <a:off x="4324972" y="3019542"/>
+            <a:ext cx="162045" cy="1209"/>
           </a:xfrm>
           <a:prstGeom prst="bentConnector3">
             <a:avLst/>
@@ -4825,7 +4825,7 @@
         </p:nvCxnSpPr>
         <p:spPr>
           <a:xfrm rot="16200000" flipH="1">
-            <a:off x="3279321" y="2737710"/>
+            <a:off x="3439753" y="2690527"/>
             <a:ext cx="293825" cy="1"/>
           </a:xfrm>
           <a:prstGeom prst="bentConnector3">
@@ -4866,7 +4866,7 @@
         </p:nvSpPr>
         <p:spPr>
           <a:xfrm rot="10800000" flipV="1">
-            <a:off x="3290981" y="2415276"/>
+            <a:off x="3451413" y="2368093"/>
             <a:ext cx="270504" cy="175523"/>
           </a:xfrm>
           <a:prstGeom prst="triangle">
@@ -4914,8 +4914,8 @@
         </p:nvSpPr>
         <p:spPr>
           <a:xfrm>
-            <a:off x="2671139" y="2049107"/>
-            <a:ext cx="1539926" cy="346760"/>
+            <a:off x="2862685" y="1998350"/>
+            <a:ext cx="1443661" cy="369744"/>
           </a:xfrm>
           <a:prstGeom prst="rect">
             <a:avLst/>
@@ -5063,6 +5063,14 @@
                 </a:solidFill>
               </a:rPr>
               <a:t>&lt;&lt;interface&gt;&gt;</a:t>
+            </a:r>
+            <a:r>
+              <a:rPr lang="en-US" sz="1050">
+                <a:solidFill>
+                  <a:srgbClr val="7030A0"/>
+                </a:solidFill>
+              </a:rPr>
+              <a:t/>
             </a:r>
             <a:br>
               <a:rPr lang="en-US" sz="1050">
@@ -5472,6 +5480,193 @@
                 </a:solidFill>
               </a:rPr>
               <a:t>*</a:t>
+            </a:r>
+            <a:endParaRPr lang="en-SG" sz="1100" dirty="0">
+              <a:solidFill>
+                <a:srgbClr val="7030A0"/>
+              </a:solidFill>
+            </a:endParaRPr>
+          </a:p>
+        </p:txBody>
+      </p:sp>
+      <p:cxnSp>
+        <p:nvCxnSpPr>
+          <p:cNvPr id="44" name="Elbow Connector 63"/>
+          <p:cNvCxnSpPr>
+            <a:stCxn id="45" idx="3"/>
+            <a:endCxn id="9" idx="3"/>
+          </p:cNvCxnSpPr>
+          <p:nvPr/>
+        </p:nvCxnSpPr>
+        <p:spPr>
+          <a:xfrm rot="5400000">
+            <a:off x="2107245" y="2619371"/>
+            <a:ext cx="206064" cy="3821"/>
+          </a:xfrm>
+          <a:prstGeom prst="bentConnector3">
+            <a:avLst>
+              <a:gd name="adj1" fmla="val 50000"/>
+            </a:avLst>
+          </a:prstGeom>
+          <a:ln w="19050">
+            <a:solidFill>
+              <a:srgbClr val="7030A0"/>
+            </a:solidFill>
+            <a:prstDash val="sysDot"/>
+            <a:headEnd type="none" w="med" len="med"/>
+            <a:tailEnd type="none" w="med" len="med"/>
+          </a:ln>
+          <a:effectLst/>
+        </p:spPr>
+        <p:style>
+          <a:lnRef idx="1">
+            <a:schemeClr val="accent2"/>
+          </a:lnRef>
+          <a:fillRef idx="2">
+            <a:schemeClr val="accent2"/>
+          </a:fillRef>
+          <a:effectRef idx="1">
+            <a:schemeClr val="accent2"/>
+          </a:effectRef>
+          <a:fontRef idx="minor">
+            <a:schemeClr val="dk1"/>
+          </a:fontRef>
+        </p:style>
+      </p:cxnSp>
+      <p:sp>
+        <p:nvSpPr>
+          <p:cNvPr id="45" name="Isosceles Triangle 102"/>
+          <p:cNvSpPr/>
+          <p:nvPr/>
+        </p:nvSpPr>
+        <p:spPr>
+          <a:xfrm rot="10800000" flipV="1">
+            <a:off x="2110802" y="2342726"/>
+            <a:ext cx="202771" cy="175523"/>
+          </a:xfrm>
+          <a:prstGeom prst="triangle">
+            <a:avLst/>
+          </a:prstGeom>
+          <a:ln w="19050">
+            <a:solidFill>
+              <a:srgbClr val="7030A0"/>
+            </a:solidFill>
+          </a:ln>
+          <a:effectLst/>
+        </p:spPr>
+        <p:style>
+          <a:lnRef idx="1">
+            <a:schemeClr val="accent4"/>
+          </a:lnRef>
+          <a:fillRef idx="2">
+            <a:schemeClr val="accent4"/>
+          </a:fillRef>
+          <a:effectRef idx="1">
+            <a:schemeClr val="accent4"/>
+          </a:effectRef>
+          <a:fontRef idx="minor">
+            <a:schemeClr val="dk1"/>
+          </a:fontRef>
+        </p:style>
+        <p:txBody>
+          <a:bodyPr rtlCol="0" anchor="ctr"/>
+          <a:lstStyle/>
+          <a:p>
+            <a:pPr algn="ctr"/>
+            <a:endParaRPr lang="en-SG" sz="1050" b="1">
+              <a:solidFill>
+                <a:srgbClr val="92D050"/>
+              </a:solidFill>
+            </a:endParaRPr>
+          </a:p>
+        </p:txBody>
+      </p:sp>
+      <p:sp>
+        <p:nvSpPr>
+          <p:cNvPr id="55" name="Rectangle 8"/>
+          <p:cNvSpPr/>
+          <p:nvPr/>
+        </p:nvSpPr>
+        <p:spPr>
+          <a:xfrm>
+            <a:off x="1219200" y="1998349"/>
+            <a:ext cx="1387353" cy="338573"/>
+          </a:xfrm>
+          <a:prstGeom prst="rect">
+            <a:avLst/>
+          </a:prstGeom>
+          <a:ln w="19050">
+            <a:solidFill>
+              <a:srgbClr val="7030A0"/>
+            </a:solidFill>
+          </a:ln>
+          <a:effectLst/>
+        </p:spPr>
+        <p:style>
+          <a:lnRef idx="1">
+            <a:schemeClr val="accent4"/>
+          </a:lnRef>
+          <a:fillRef idx="2">
+            <a:schemeClr val="accent4"/>
+          </a:fillRef>
+          <a:effectRef idx="1">
+            <a:schemeClr val="accent4"/>
+          </a:effectRef>
+          <a:fontRef idx="minor">
+            <a:schemeClr val="dk1"/>
+          </a:fontRef>
+        </p:style>
+        <p:txBody>
+          <a:bodyPr rtlCol="0" anchor="ctr"/>
+          <a:lstStyle/>
+          <a:p>
+            <a:pPr algn="ctr"/>
+            <a:r>
+              <a:rPr lang="en-SG" sz="1050" dirty="0" err="1" smtClean="0">
+                <a:solidFill>
+                  <a:srgbClr val="7030A0"/>
+                </a:solidFill>
+              </a:rPr>
+              <a:t>UndoRedoCareTaker</a:t>
+            </a:r>
+            <a:endParaRPr lang="en-SG" sz="1050" dirty="0">
+              <a:solidFill>
+                <a:srgbClr val="7030A0"/>
+              </a:solidFill>
+            </a:endParaRPr>
+          </a:p>
+        </p:txBody>
+      </p:sp>
+      <p:sp>
+        <p:nvSpPr>
+          <p:cNvPr id="56" name="TextBox 55"/>
+          <p:cNvSpPr txBox="1"/>
+          <p:nvPr/>
+        </p:nvSpPr>
+        <p:spPr>
+          <a:xfrm>
+            <a:off x="2296461" y="2345884"/>
+            <a:ext cx="189257" cy="178683"/>
+          </a:xfrm>
+          <a:prstGeom prst="rect">
+            <a:avLst/>
+          </a:prstGeom>
+          <a:noFill/>
+        </p:spPr>
+        <p:txBody>
+          <a:bodyPr wrap="square" lIns="0" tIns="0" rIns="0" bIns="0" rtlCol="0">
+            <a:noAutofit/>
+          </a:bodyPr>
+          <a:lstStyle/>
+          <a:p>
+            <a:pPr algn="ctr"/>
+            <a:r>
+              <a:rPr lang="en-US" sz="1100" dirty="0">
+                <a:solidFill>
+                  <a:srgbClr val="7030A0"/>
+                </a:solidFill>
+              </a:rPr>
+              <a:t>1</a:t>
             </a:r>
             <a:endParaRPr lang="en-SG" sz="1100" dirty="0">
               <a:solidFill>

--- a/docs/diagrams/ModelComponentClassDiagram.pptx
+++ b/docs/diagrams/ModelComponentClassDiagram.pptx
@@ -208,7 +208,7 @@
           <a:p>
             <a:fld id="{F5CC4B3F-88C1-4FFA-B1B6-F41C21DC6924}" type="datetimeFigureOut">
               <a:rPr lang="en-US" smtClean="0"/>
-              <a:t>4/17/2018</a:t>
+              <a:t>6/27/2018</a:t>
             </a:fld>
             <a:endParaRPr lang="en-US"/>
           </a:p>
@@ -654,7 +654,7 @@
           <a:p>
             <a:fld id="{78C97017-6FC3-485B-9764-EAC9E56C1D49}" type="datetimeFigureOut">
               <a:rPr lang="en-US" smtClean="0"/>
-              <a:t>4/17/2018</a:t>
+              <a:t>6/27/2018</a:t>
             </a:fld>
             <a:endParaRPr lang="en-US"/>
           </a:p>
@@ -822,7 +822,7 @@
           <a:p>
             <a:fld id="{78C97017-6FC3-485B-9764-EAC9E56C1D49}" type="datetimeFigureOut">
               <a:rPr lang="en-US" smtClean="0"/>
-              <a:t>4/17/2018</a:t>
+              <a:t>6/27/2018</a:t>
             </a:fld>
             <a:endParaRPr lang="en-US"/>
           </a:p>
@@ -1000,7 +1000,7 @@
           <a:p>
             <a:fld id="{78C97017-6FC3-485B-9764-EAC9E56C1D49}" type="datetimeFigureOut">
               <a:rPr lang="en-US" smtClean="0"/>
-              <a:t>4/17/2018</a:t>
+              <a:t>6/27/2018</a:t>
             </a:fld>
             <a:endParaRPr lang="en-US"/>
           </a:p>
@@ -1168,7 +1168,7 @@
           <a:p>
             <a:fld id="{78C97017-6FC3-485B-9764-EAC9E56C1D49}" type="datetimeFigureOut">
               <a:rPr lang="en-US" smtClean="0"/>
-              <a:t>4/17/2018</a:t>
+              <a:t>6/27/2018</a:t>
             </a:fld>
             <a:endParaRPr lang="en-US"/>
           </a:p>
@@ -1413,7 +1413,7 @@
           <a:p>
             <a:fld id="{78C97017-6FC3-485B-9764-EAC9E56C1D49}" type="datetimeFigureOut">
               <a:rPr lang="en-US" smtClean="0"/>
-              <a:t>4/17/2018</a:t>
+              <a:t>6/27/2018</a:t>
             </a:fld>
             <a:endParaRPr lang="en-US"/>
           </a:p>
@@ -1698,7 +1698,7 @@
           <a:p>
             <a:fld id="{78C97017-6FC3-485B-9764-EAC9E56C1D49}" type="datetimeFigureOut">
               <a:rPr lang="en-US" smtClean="0"/>
-              <a:t>4/17/2018</a:t>
+              <a:t>6/27/2018</a:t>
             </a:fld>
             <a:endParaRPr lang="en-US"/>
           </a:p>
@@ -2117,7 +2117,7 @@
           <a:p>
             <a:fld id="{78C97017-6FC3-485B-9764-EAC9E56C1D49}" type="datetimeFigureOut">
               <a:rPr lang="en-US" smtClean="0"/>
-              <a:t>4/17/2018</a:t>
+              <a:t>6/27/2018</a:t>
             </a:fld>
             <a:endParaRPr lang="en-US"/>
           </a:p>
@@ -2234,7 +2234,7 @@
           <a:p>
             <a:fld id="{78C97017-6FC3-485B-9764-EAC9E56C1D49}" type="datetimeFigureOut">
               <a:rPr lang="en-US" smtClean="0"/>
-              <a:t>4/17/2018</a:t>
+              <a:t>6/27/2018</a:t>
             </a:fld>
             <a:endParaRPr lang="en-US"/>
           </a:p>
@@ -2329,7 +2329,7 @@
           <a:p>
             <a:fld id="{78C97017-6FC3-485B-9764-EAC9E56C1D49}" type="datetimeFigureOut">
               <a:rPr lang="en-US" smtClean="0"/>
-              <a:t>4/17/2018</a:t>
+              <a:t>6/27/2018</a:t>
             </a:fld>
             <a:endParaRPr lang="en-US"/>
           </a:p>
@@ -2604,7 +2604,7 @@
           <a:p>
             <a:fld id="{78C97017-6FC3-485B-9764-EAC9E56C1D49}" type="datetimeFigureOut">
               <a:rPr lang="en-US" smtClean="0"/>
-              <a:t>4/17/2018</a:t>
+              <a:t>6/27/2018</a:t>
             </a:fld>
             <a:endParaRPr lang="en-US"/>
           </a:p>
@@ -2856,7 +2856,7 @@
           <a:p>
             <a:fld id="{78C97017-6FC3-485B-9764-EAC9E56C1D49}" type="datetimeFigureOut">
               <a:rPr lang="en-US" smtClean="0"/>
-              <a:t>4/17/2018</a:t>
+              <a:t>6/27/2018</a:t>
             </a:fld>
             <a:endParaRPr lang="en-US"/>
           </a:p>
@@ -3067,7 +3067,7 @@
           <a:p>
             <a:fld id="{78C97017-6FC3-485B-9764-EAC9E56C1D49}" type="datetimeFigureOut">
               <a:rPr lang="en-US" smtClean="0"/>
-              <a:t>4/17/2018</a:t>
+              <a:t>6/27/2018</a:t>
             </a:fld>
             <a:endParaRPr lang="en-US"/>
           </a:p>
@@ -3961,8 +3961,8 @@
         </p:nvSpPr>
         <p:spPr>
           <a:xfrm>
-            <a:off x="3001648" y="2834258"/>
-            <a:ext cx="1093635" cy="346760"/>
+            <a:off x="2825280" y="2846162"/>
+            <a:ext cx="1490560" cy="334856"/>
           </a:xfrm>
           <a:prstGeom prst="rect">
             <a:avLst/>
@@ -3994,12 +3994,12 @@
           <a:p>
             <a:pPr algn="ctr"/>
             <a:r>
-              <a:rPr lang="en-US" sz="1050" dirty="0" err="1">
+              <a:rPr lang="en-US" sz="1050" dirty="0" err="1" smtClean="0">
                 <a:solidFill>
                   <a:srgbClr val="7030A0"/>
                 </a:solidFill>
               </a:rPr>
-              <a:t>AddressBook</a:t>
+              <a:t>VersionedAddressBook</a:t>
             </a:r>
             <a:endParaRPr lang="en-SG" sz="1050" dirty="0">
               <a:solidFill>
@@ -4021,7 +4021,7 @@
         <p:spPr>
           <a:xfrm>
             <a:off x="2624360" y="3003033"/>
-            <a:ext cx="377288" cy="4605"/>
+            <a:ext cx="200920" cy="10557"/>
           </a:xfrm>
           <a:prstGeom prst="straightConnector1">
             <a:avLst/>
@@ -4103,7 +4103,7 @@
         </p:nvSpPr>
         <p:spPr>
           <a:xfrm>
-            <a:off x="4487017" y="2847371"/>
+            <a:off x="4692650" y="2846162"/>
             <a:ext cx="1156969" cy="346760"/>
           </a:xfrm>
           <a:prstGeom prst="rect">
@@ -4159,7 +4159,7 @@
         </p:nvSpPr>
         <p:spPr>
           <a:xfrm>
-            <a:off x="4088924" y="2932852"/>
+            <a:off x="4324972" y="2920532"/>
             <a:ext cx="236048" cy="173380"/>
           </a:xfrm>
           <a:prstGeom prst="flowChartDecision">
@@ -4198,47 +4198,6 @@
           </a:p>
         </p:txBody>
       </p:sp>
-      <p:cxnSp>
-        <p:nvCxnSpPr>
-          <p:cNvPr id="30" name="Elbow Connector 29"/>
-          <p:cNvCxnSpPr>
-            <a:stCxn id="51" idx="3"/>
-            <a:endCxn id="49" idx="1"/>
-          </p:cNvCxnSpPr>
-          <p:nvPr/>
-        </p:nvCxnSpPr>
-        <p:spPr>
-          <a:xfrm>
-            <a:off x="4324972" y="3019542"/>
-            <a:ext cx="162045" cy="1209"/>
-          </a:xfrm>
-          <a:prstGeom prst="bentConnector3">
-            <a:avLst/>
-          </a:prstGeom>
-          <a:ln w="19050">
-            <a:solidFill>
-              <a:srgbClr val="7030A0"/>
-            </a:solidFill>
-            <a:headEnd type="none" w="med" len="med"/>
-            <a:tailEnd type="arrow" w="med" len="med"/>
-          </a:ln>
-          <a:effectLst/>
-        </p:spPr>
-        <p:style>
-          <a:lnRef idx="1">
-            <a:schemeClr val="accent2"/>
-          </a:lnRef>
-          <a:fillRef idx="2">
-            <a:schemeClr val="accent2"/>
-          </a:fillRef>
-          <a:effectRef idx="1">
-            <a:schemeClr val="accent2"/>
-          </a:effectRef>
-          <a:fontRef idx="minor">
-            <a:schemeClr val="dk1"/>
-          </a:fontRef>
-        </p:style>
-      </p:cxnSp>
       <p:sp>
         <p:nvSpPr>
           <p:cNvPr id="62" name="Rectangle 8"/>
@@ -4303,7 +4262,7 @@
         </p:nvSpPr>
         <p:spPr>
           <a:xfrm>
-            <a:off x="5653118" y="2942885"/>
+            <a:off x="5858751" y="2941676"/>
             <a:ext cx="236048" cy="173380"/>
           </a:xfrm>
           <a:prstGeom prst="flowChartDecision">
@@ -4351,8 +4310,8 @@
         </p:nvCxnSpPr>
         <p:spPr>
           <a:xfrm>
-            <a:off x="5889166" y="3029575"/>
-            <a:ext cx="424511" cy="1871"/>
+            <a:off x="6094799" y="3028366"/>
+            <a:ext cx="218878" cy="3080"/>
           </a:xfrm>
           <a:prstGeom prst="bentConnector3">
             <a:avLst/>
@@ -4824,9 +4783,9 @@
           <p:nvPr/>
         </p:nvCxnSpPr>
         <p:spPr>
-          <a:xfrm rot="16200000" flipH="1">
-            <a:off x="3439753" y="2690527"/>
-            <a:ext cx="293825" cy="1"/>
+          <a:xfrm rot="5400000">
+            <a:off x="3553611" y="2687559"/>
+            <a:ext cx="293825" cy="5938"/>
           </a:xfrm>
           <a:prstGeom prst="bentConnector3">
             <a:avLst>
@@ -4866,8 +4825,8 @@
         </p:nvSpPr>
         <p:spPr>
           <a:xfrm rot="10800000" flipV="1">
-            <a:off x="3451413" y="2368093"/>
-            <a:ext cx="270504" cy="175523"/>
+            <a:off x="3562299" y="2386554"/>
+            <a:ext cx="282387" cy="157062"/>
           </a:xfrm>
           <a:prstGeom prst="triangle">
             <a:avLst/>
@@ -4914,8 +4873,8 @@
         </p:nvSpPr>
         <p:spPr>
           <a:xfrm>
-            <a:off x="2862685" y="1998350"/>
-            <a:ext cx="1443661" cy="369744"/>
+            <a:off x="1260922" y="1998350"/>
+            <a:ext cx="1443661" cy="364396"/>
           </a:xfrm>
           <a:prstGeom prst="rect">
             <a:avLst/>
@@ -5145,7 +5104,7 @@
         </p:nvSpPr>
         <p:spPr>
           <a:xfrm>
-            <a:off x="4324972" y="3058864"/>
+            <a:off x="4429979" y="3111479"/>
             <a:ext cx="189257" cy="178683"/>
           </a:xfrm>
           <a:prstGeom prst="rect">
@@ -5223,8 +5182,8 @@
         </p:nvSpPr>
         <p:spPr>
           <a:xfrm>
-            <a:off x="2687923" y="2793117"/>
-            <a:ext cx="189257" cy="178683"/>
+            <a:off x="2573394" y="2756715"/>
+            <a:ext cx="170110" cy="137542"/>
           </a:xfrm>
           <a:prstGeom prst="rect">
             <a:avLst/>
@@ -5489,32 +5448,85 @@
           </a:p>
         </p:txBody>
       </p:sp>
-      <p:cxnSp>
-        <p:nvCxnSpPr>
-          <p:cNvPr id="44" name="Elbow Connector 63"/>
-          <p:cNvCxnSpPr>
-            <a:stCxn id="45" idx="3"/>
-            <a:endCxn id="9" idx="3"/>
-          </p:cNvCxnSpPr>
+      <p:sp>
+        <p:nvSpPr>
+          <p:cNvPr id="55" name="Rectangle 8"/>
+          <p:cNvSpPr/>
           <p:nvPr/>
-        </p:nvCxnSpPr>
-        <p:spPr>
-          <a:xfrm rot="5400000">
-            <a:off x="2107245" y="2619371"/>
-            <a:ext cx="206064" cy="3821"/>
-          </a:xfrm>
-          <a:prstGeom prst="bentConnector3">
-            <a:avLst>
-              <a:gd name="adj1" fmla="val 50000"/>
-            </a:avLst>
+        </p:nvSpPr>
+        <p:spPr>
+          <a:xfrm>
+            <a:off x="3170181" y="1998350"/>
+            <a:ext cx="1060683" cy="364396"/>
+          </a:xfrm>
+          <a:prstGeom prst="rect">
+            <a:avLst/>
           </a:prstGeom>
           <a:ln w="19050">
             <a:solidFill>
               <a:srgbClr val="7030A0"/>
             </a:solidFill>
-            <a:prstDash val="sysDot"/>
+          </a:ln>
+          <a:effectLst/>
+        </p:spPr>
+        <p:style>
+          <a:lnRef idx="1">
+            <a:schemeClr val="accent4"/>
+          </a:lnRef>
+          <a:fillRef idx="2">
+            <a:schemeClr val="accent4"/>
+          </a:fillRef>
+          <a:effectRef idx="1">
+            <a:schemeClr val="accent4"/>
+          </a:effectRef>
+          <a:fontRef idx="minor">
+            <a:schemeClr val="dk1"/>
+          </a:fontRef>
+        </p:style>
+        <p:txBody>
+          <a:bodyPr rtlCol="0" anchor="ctr"/>
+          <a:lstStyle/>
+          <a:p>
+            <a:pPr algn="ctr"/>
+            <a:r>
+              <a:rPr lang="en-US" sz="1050" dirty="0" err="1">
+                <a:solidFill>
+                  <a:srgbClr val="7030A0"/>
+                </a:solidFill>
+              </a:rPr>
+              <a:t>AddressBook</a:t>
+            </a:r>
+            <a:endParaRPr lang="en-SG" sz="1050" dirty="0">
+              <a:solidFill>
+                <a:srgbClr val="7030A0"/>
+              </a:solidFill>
+            </a:endParaRPr>
+          </a:p>
+        </p:txBody>
+      </p:sp>
+      <p:cxnSp>
+        <p:nvCxnSpPr>
+          <p:cNvPr id="60" name="Straight Arrow Connector 59"/>
+          <p:cNvCxnSpPr>
+            <a:stCxn id="51" idx="1"/>
+            <a:endCxn id="49" idx="1"/>
+          </p:cNvCxnSpPr>
+          <p:nvPr/>
+        </p:nvCxnSpPr>
+        <p:spPr>
+          <a:xfrm>
+            <a:off x="4324972" y="3007222"/>
+            <a:ext cx="367678" cy="12320"/>
+          </a:xfrm>
+          <a:prstGeom prst="straightConnector1">
+            <a:avLst/>
+          </a:prstGeom>
+          <a:ln w="19050">
+            <a:solidFill>
+              <a:srgbClr val="7030A0"/>
+            </a:solidFill>
             <a:headEnd type="none" w="med" len="med"/>
-            <a:tailEnd type="none" w="med" len="med"/>
+            <a:tailEnd type="arrow" w="med" len="med"/>
           </a:ln>
           <a:effectLst/>
         </p:spPr>
@@ -5535,18 +5547,26 @@
       </p:cxnSp>
       <p:sp>
         <p:nvSpPr>
-          <p:cNvPr id="45" name="Isosceles Triangle 102"/>
+          <p:cNvPr id="68" name="Isosceles Triangle 102"/>
           <p:cNvSpPr/>
           <p:nvPr/>
         </p:nvSpPr>
         <p:spPr>
-          <a:xfrm rot="10800000" flipV="1">
-            <a:off x="2110802" y="2342726"/>
-            <a:ext cx="202771" cy="175523"/>
+          <a:xfrm rot="16200000">
+            <a:off x="2669073" y="2069158"/>
+            <a:ext cx="271014" cy="187417"/>
           </a:xfrm>
           <a:prstGeom prst="triangle">
-            <a:avLst/>
+            <a:avLst>
+              <a:gd name="adj" fmla="val 44517"/>
+            </a:avLst>
           </a:prstGeom>
+          <a:solidFill>
+            <a:schemeClr val="accent4">
+              <a:lumMod val="20000"/>
+              <a:lumOff val="80000"/>
+            </a:schemeClr>
+          </a:solidFill>
           <a:ln w="19050">
             <a:solidFill>
               <a:srgbClr val="7030A0"/>
@@ -5556,13 +5576,13 @@
         </p:spPr>
         <p:style>
           <a:lnRef idx="1">
-            <a:schemeClr val="accent4"/>
+            <a:schemeClr val="accent6"/>
           </a:lnRef>
           <a:fillRef idx="2">
-            <a:schemeClr val="accent4"/>
+            <a:schemeClr val="accent6"/>
           </a:fillRef>
           <a:effectRef idx="1">
-            <a:schemeClr val="accent4"/>
+            <a:schemeClr val="accent6"/>
           </a:effectRef>
           <a:fontRef idx="minor">
             <a:schemeClr val="dk1"/>
@@ -5573,109 +5593,54 @@
           <a:lstStyle/>
           <a:p>
             <a:pPr algn="ctr"/>
-            <a:endParaRPr lang="en-SG" sz="1050" b="1">
-              <a:solidFill>
-                <a:srgbClr val="92D050"/>
-              </a:solidFill>
-            </a:endParaRPr>
-          </a:p>
-        </p:txBody>
-      </p:sp>
-      <p:sp>
-        <p:nvSpPr>
-          <p:cNvPr id="55" name="Rectangle 8"/>
-          <p:cNvSpPr/>
+            <a:endParaRPr lang="en-SG" sz="1050"/>
+          </a:p>
+        </p:txBody>
+      </p:sp>
+      <p:cxnSp>
+        <p:nvCxnSpPr>
+          <p:cNvPr id="69" name="Elbow Connector 63"/>
+          <p:cNvCxnSpPr>
+            <a:stCxn id="68" idx="3"/>
+            <a:endCxn id="55" idx="1"/>
+          </p:cNvCxnSpPr>
           <p:nvPr/>
-        </p:nvSpPr>
+        </p:nvCxnSpPr>
         <p:spPr>
           <a:xfrm>
-            <a:off x="1219200" y="1998349"/>
-            <a:ext cx="1387353" cy="338573"/>
-          </a:xfrm>
-          <a:prstGeom prst="rect">
-            <a:avLst/>
+            <a:off x="2898289" y="2177727"/>
+            <a:ext cx="271892" cy="2821"/>
+          </a:xfrm>
+          <a:prstGeom prst="bentConnector3">
+            <a:avLst>
+              <a:gd name="adj1" fmla="val 50000"/>
+            </a:avLst>
           </a:prstGeom>
           <a:ln w="19050">
             <a:solidFill>
               <a:srgbClr val="7030A0"/>
             </a:solidFill>
+            <a:prstDash val="sysDot"/>
+            <a:headEnd type="none" w="med" len="med"/>
+            <a:tailEnd type="none" w="med" len="med"/>
           </a:ln>
           <a:effectLst/>
         </p:spPr>
         <p:style>
           <a:lnRef idx="1">
-            <a:schemeClr val="accent4"/>
+            <a:schemeClr val="accent2"/>
           </a:lnRef>
           <a:fillRef idx="2">
-            <a:schemeClr val="accent4"/>
+            <a:schemeClr val="accent2"/>
           </a:fillRef>
           <a:effectRef idx="1">
-            <a:schemeClr val="accent4"/>
+            <a:schemeClr val="accent2"/>
           </a:effectRef>
           <a:fontRef idx="minor">
             <a:schemeClr val="dk1"/>
           </a:fontRef>
         </p:style>
-        <p:txBody>
-          <a:bodyPr rtlCol="0" anchor="ctr"/>
-          <a:lstStyle/>
-          <a:p>
-            <a:pPr algn="ctr"/>
-            <a:r>
-              <a:rPr lang="en-SG" sz="1050" dirty="0" err="1" smtClean="0">
-                <a:solidFill>
-                  <a:srgbClr val="7030A0"/>
-                </a:solidFill>
-              </a:rPr>
-              <a:t>UndoRedoCareTaker</a:t>
-            </a:r>
-            <a:endParaRPr lang="en-SG" sz="1050" dirty="0">
-              <a:solidFill>
-                <a:srgbClr val="7030A0"/>
-              </a:solidFill>
-            </a:endParaRPr>
-          </a:p>
-        </p:txBody>
-      </p:sp>
-      <p:sp>
-        <p:nvSpPr>
-          <p:cNvPr id="56" name="TextBox 55"/>
-          <p:cNvSpPr txBox="1"/>
-          <p:nvPr/>
-        </p:nvSpPr>
-        <p:spPr>
-          <a:xfrm>
-            <a:off x="2296461" y="2345884"/>
-            <a:ext cx="189257" cy="178683"/>
-          </a:xfrm>
-          <a:prstGeom prst="rect">
-            <a:avLst/>
-          </a:prstGeom>
-          <a:noFill/>
-        </p:spPr>
-        <p:txBody>
-          <a:bodyPr wrap="square" lIns="0" tIns="0" rIns="0" bIns="0" rtlCol="0">
-            <a:noAutofit/>
-          </a:bodyPr>
-          <a:lstStyle/>
-          <a:p>
-            <a:pPr algn="ctr"/>
-            <a:r>
-              <a:rPr lang="en-US" sz="1100" dirty="0">
-                <a:solidFill>
-                  <a:srgbClr val="7030A0"/>
-                </a:solidFill>
-              </a:rPr>
-              <a:t>1</a:t>
-            </a:r>
-            <a:endParaRPr lang="en-SG" sz="1100" dirty="0">
-              <a:solidFill>
-                <a:srgbClr val="7030A0"/>
-              </a:solidFill>
-            </a:endParaRPr>
-          </a:p>
-        </p:txBody>
-      </p:sp>
+      </p:cxnSp>
     </p:spTree>
     <p:extLst>
       <p:ext uri="{BB962C8B-B14F-4D97-AF65-F5344CB8AC3E}">

--- a/docs/diagrams/ModelComponentClassDiagram.pptx
+++ b/docs/diagrams/ModelComponentClassDiagram.pptx
@@ -208,7 +208,7 @@
           <a:p>
             <a:fld id="{F5CC4B3F-88C1-4FFA-B1B6-F41C21DC6924}" type="datetimeFigureOut">
               <a:rPr lang="en-US" smtClean="0"/>
-              <a:t>12/5/2018</a:t>
+              <a:t>4/11/2019</a:t>
             </a:fld>
             <a:endParaRPr lang="en-US"/>
           </a:p>
@@ -475,6 +475,90 @@
 </p:notesMaster>
 </file>
 
+<file path=ppt/notesSlides/notesSlide1.xml><?xml version="1.0" encoding="utf-8"?>
+<p:notes xmlns:a="http://schemas.openxmlformats.org/drawingml/2006/main" xmlns:r="http://schemas.openxmlformats.org/officeDocument/2006/relationships" xmlns:p="http://schemas.openxmlformats.org/presentationml/2006/main">
+  <p:cSld>
+    <p:spTree>
+      <p:nvGrpSpPr>
+        <p:cNvPr id="1" name=""/>
+        <p:cNvGrpSpPr/>
+        <p:nvPr/>
+      </p:nvGrpSpPr>
+      <p:grpSpPr>
+        <a:xfrm>
+          <a:off x="0" y="0"/>
+          <a:ext cx="0" cy="0"/>
+          <a:chOff x="0" y="0"/>
+          <a:chExt cx="0" cy="0"/>
+        </a:xfrm>
+      </p:grpSpPr>
+      <p:sp>
+        <p:nvSpPr>
+          <p:cNvPr id="2" name="Slide Image Placeholder 1"/>
+          <p:cNvSpPr>
+            <a:spLocks noGrp="1" noRot="1" noChangeAspect="1"/>
+          </p:cNvSpPr>
+          <p:nvPr>
+            <p:ph type="sldImg"/>
+          </p:nvPr>
+        </p:nvSpPr>
+        <p:spPr/>
+      </p:sp>
+      <p:sp>
+        <p:nvSpPr>
+          <p:cNvPr id="3" name="Notes Placeholder 2"/>
+          <p:cNvSpPr>
+            <a:spLocks noGrp="1"/>
+          </p:cNvSpPr>
+          <p:nvPr>
+            <p:ph type="body" idx="1"/>
+          </p:nvPr>
+        </p:nvSpPr>
+        <p:spPr/>
+        <p:txBody>
+          <a:bodyPr/>
+          <a:lstStyle/>
+          <a:p>
+            <a:endParaRPr lang="en-SG" dirty="0"/>
+          </a:p>
+        </p:txBody>
+      </p:sp>
+      <p:sp>
+        <p:nvSpPr>
+          <p:cNvPr id="4" name="Slide Number Placeholder 3"/>
+          <p:cNvSpPr>
+            <a:spLocks noGrp="1"/>
+          </p:cNvSpPr>
+          <p:nvPr>
+            <p:ph type="sldNum" sz="quarter" idx="5"/>
+          </p:nvPr>
+        </p:nvSpPr>
+        <p:spPr/>
+        <p:txBody>
+          <a:bodyPr/>
+          <a:lstStyle/>
+          <a:p>
+            <a:fld id="{5A7AB025-77E3-4BD1-A2FD-B3183DBA47A3}" type="slidenum">
+              <a:rPr lang="en-US" smtClean="0"/>
+              <a:t>1</a:t>
+            </a:fld>
+            <a:endParaRPr lang="en-US"/>
+          </a:p>
+        </p:txBody>
+      </p:sp>
+    </p:spTree>
+    <p:extLst>
+      <p:ext uri="{BB962C8B-B14F-4D97-AF65-F5344CB8AC3E}">
+        <p14:creationId xmlns:p14="http://schemas.microsoft.com/office/powerpoint/2010/main" val="1843188319"/>
+      </p:ext>
+    </p:extLst>
+  </p:cSld>
+  <p:clrMapOvr>
+    <a:masterClrMapping/>
+  </p:clrMapOvr>
+</p:notes>
+</file>
+
 <file path=ppt/slideLayouts/slideLayout1.xml><?xml version="1.0" encoding="utf-8"?>
 <p:sldLayout xmlns:a="http://schemas.openxmlformats.org/drawingml/2006/main" xmlns:r="http://schemas.openxmlformats.org/officeDocument/2006/relationships" xmlns:p="http://schemas.openxmlformats.org/presentationml/2006/main" type="title" preserve="1">
   <p:cSld name="Title Slide">
@@ -654,7 +738,7 @@
           <a:p>
             <a:fld id="{78C97017-6FC3-485B-9764-EAC9E56C1D49}" type="datetimeFigureOut">
               <a:rPr lang="en-US" smtClean="0"/>
-              <a:t>12/5/2018</a:t>
+              <a:t>4/11/2019</a:t>
             </a:fld>
             <a:endParaRPr lang="en-US"/>
           </a:p>
@@ -822,7 +906,7 @@
           <a:p>
             <a:fld id="{78C97017-6FC3-485B-9764-EAC9E56C1D49}" type="datetimeFigureOut">
               <a:rPr lang="en-US" smtClean="0"/>
-              <a:t>12/5/2018</a:t>
+              <a:t>4/11/2019</a:t>
             </a:fld>
             <a:endParaRPr lang="en-US"/>
           </a:p>
@@ -1000,7 +1084,7 @@
           <a:p>
             <a:fld id="{78C97017-6FC3-485B-9764-EAC9E56C1D49}" type="datetimeFigureOut">
               <a:rPr lang="en-US" smtClean="0"/>
-              <a:t>12/5/2018</a:t>
+              <a:t>4/11/2019</a:t>
             </a:fld>
             <a:endParaRPr lang="en-US"/>
           </a:p>
@@ -1168,7 +1252,7 @@
           <a:p>
             <a:fld id="{78C97017-6FC3-485B-9764-EAC9E56C1D49}" type="datetimeFigureOut">
               <a:rPr lang="en-US" smtClean="0"/>
-              <a:t>12/5/2018</a:t>
+              <a:t>4/11/2019</a:t>
             </a:fld>
             <a:endParaRPr lang="en-US"/>
           </a:p>
@@ -1413,7 +1497,7 @@
           <a:p>
             <a:fld id="{78C97017-6FC3-485B-9764-EAC9E56C1D49}" type="datetimeFigureOut">
               <a:rPr lang="en-US" smtClean="0"/>
-              <a:t>12/5/2018</a:t>
+              <a:t>4/11/2019</a:t>
             </a:fld>
             <a:endParaRPr lang="en-US"/>
           </a:p>
@@ -1698,7 +1782,7 @@
           <a:p>
             <a:fld id="{78C97017-6FC3-485B-9764-EAC9E56C1D49}" type="datetimeFigureOut">
               <a:rPr lang="en-US" smtClean="0"/>
-              <a:t>12/5/2018</a:t>
+              <a:t>4/11/2019</a:t>
             </a:fld>
             <a:endParaRPr lang="en-US"/>
           </a:p>
@@ -2117,7 +2201,7 @@
           <a:p>
             <a:fld id="{78C97017-6FC3-485B-9764-EAC9E56C1D49}" type="datetimeFigureOut">
               <a:rPr lang="en-US" smtClean="0"/>
-              <a:t>12/5/2018</a:t>
+              <a:t>4/11/2019</a:t>
             </a:fld>
             <a:endParaRPr lang="en-US"/>
           </a:p>
@@ -2234,7 +2318,7 @@
           <a:p>
             <a:fld id="{78C97017-6FC3-485B-9764-EAC9E56C1D49}" type="datetimeFigureOut">
               <a:rPr lang="en-US" smtClean="0"/>
-              <a:t>12/5/2018</a:t>
+              <a:t>4/11/2019</a:t>
             </a:fld>
             <a:endParaRPr lang="en-US"/>
           </a:p>
@@ -2329,7 +2413,7 @@
           <a:p>
             <a:fld id="{78C97017-6FC3-485B-9764-EAC9E56C1D49}" type="datetimeFigureOut">
               <a:rPr lang="en-US" smtClean="0"/>
-              <a:t>12/5/2018</a:t>
+              <a:t>4/11/2019</a:t>
             </a:fld>
             <a:endParaRPr lang="en-US"/>
           </a:p>
@@ -2604,7 +2688,7 @@
           <a:p>
             <a:fld id="{78C97017-6FC3-485B-9764-EAC9E56C1D49}" type="datetimeFigureOut">
               <a:rPr lang="en-US" smtClean="0"/>
-              <a:t>12/5/2018</a:t>
+              <a:t>4/11/2019</a:t>
             </a:fld>
             <a:endParaRPr lang="en-US"/>
           </a:p>
@@ -2856,7 +2940,7 @@
           <a:p>
             <a:fld id="{78C97017-6FC3-485B-9764-EAC9E56C1D49}" type="datetimeFigureOut">
               <a:rPr lang="en-US" smtClean="0"/>
-              <a:t>12/5/2018</a:t>
+              <a:t>4/11/2019</a:t>
             </a:fld>
             <a:endParaRPr lang="en-US"/>
           </a:p>
@@ -3067,7 +3151,7 @@
           <a:p>
             <a:fld id="{78C97017-6FC3-485B-9764-EAC9E56C1D49}" type="datetimeFigureOut">
               <a:rPr lang="en-US" smtClean="0"/>
-              <a:t>12/5/2018</a:t>
+              <a:t>4/11/2019</a:t>
             </a:fld>
             <a:endParaRPr lang="en-US"/>
           </a:p>
@@ -3450,8 +3534,8 @@
         </p:nvSpPr>
         <p:spPr>
           <a:xfrm>
-            <a:off x="1119865" y="1600200"/>
-            <a:ext cx="7490735" cy="3124200"/>
+            <a:off x="694922" y="1433292"/>
+            <a:ext cx="11497077" cy="6872507"/>
           </a:xfrm>
           <a:prstGeom prst="roundRect">
             <a:avLst>
@@ -3567,8 +3651,8 @@
         </p:nvSpPr>
         <p:spPr>
           <a:xfrm rot="16200000">
-            <a:off x="1661548" y="3097750"/>
-            <a:ext cx="1093635" cy="346760"/>
+            <a:off x="-378709" y="5138006"/>
+            <a:ext cx="5200486" cy="373097"/>
           </a:xfrm>
           <a:prstGeom prst="rect">
             <a:avLst/>
@@ -3623,19 +3707,19 @@
           <p:cNvPr id="107" name="Elbow Connector 106"/>
           <p:cNvCxnSpPr>
             <a:cxnSpLocks/>
-            <a:stCxn id="9" idx="1"/>
-            <a:endCxn id="62" idx="2"/>
+            <a:stCxn id="9" idx="3"/>
+            <a:endCxn id="62" idx="0"/>
           </p:cNvCxnSpPr>
           <p:nvPr/>
         </p:nvCxnSpPr>
         <p:spPr>
-          <a:xfrm rot="5400000" flipH="1" flipV="1">
-            <a:off x="4131507" y="1281685"/>
-            <a:ext cx="613122" cy="4459404"/>
+          <a:xfrm rot="16200000" flipH="1">
+            <a:off x="4377775" y="568071"/>
+            <a:ext cx="133754" cy="4446236"/>
           </a:xfrm>
           <a:prstGeom prst="bentConnector3">
             <a:avLst>
-              <a:gd name="adj1" fmla="val -26668"/>
+              <a:gd name="adj1" fmla="val -70911"/>
             </a:avLst>
           </a:prstGeom>
           <a:ln w="19050">
@@ -3997,7 +4081,7 @@
                   <a:srgbClr val="7030A0"/>
                 </a:solidFill>
               </a:rPr>
-              <a:t>VersionedAddressBook</a:t>
+              <a:t>VersionedContactList</a:t>
             </a:r>
             <a:endParaRPr lang="en-SG" sz="1050" dirty="0">
               <a:solidFill>
@@ -4931,7 +5015,7 @@
                   <a:srgbClr val="7030A0"/>
                 </a:solidFill>
               </a:rPr>
-              <a:t>ReadOnlyAddressBook</a:t>
+              <a:t>ReadOnlyContactList</a:t>
             </a:r>
             <a:endParaRPr lang="en-SG" sz="1050" dirty="0">
               <a:solidFill>
@@ -4943,52 +5027,13 @@
       </p:sp>
       <p:sp>
         <p:nvSpPr>
-          <p:cNvPr id="114" name="TextBox 113"/>
-          <p:cNvSpPr txBox="1"/>
-          <p:nvPr/>
-        </p:nvSpPr>
-        <p:spPr>
-          <a:xfrm rot="16200000">
-            <a:off x="6362886" y="3586305"/>
-            <a:ext cx="881018" cy="261610"/>
-          </a:xfrm>
-          <a:prstGeom prst="rect">
-            <a:avLst/>
-          </a:prstGeom>
-          <a:noFill/>
-        </p:spPr>
-        <p:txBody>
-          <a:bodyPr wrap="square" rtlCol="0">
-            <a:spAutoFit/>
-          </a:bodyPr>
-          <a:lstStyle/>
-          <a:p>
-            <a:pPr algn="r"/>
-            <a:r>
-              <a:rPr lang="en-US" sz="1100" dirty="0">
-                <a:solidFill>
-                  <a:srgbClr val="7030A0"/>
-                </a:solidFill>
-              </a:rPr>
-              <a:t>filtered list</a:t>
-            </a:r>
-            <a:endParaRPr lang="en-SG" sz="1100" dirty="0">
-              <a:solidFill>
-                <a:srgbClr val="7030A0"/>
-              </a:solidFill>
-            </a:endParaRPr>
-          </a:p>
-        </p:txBody>
-      </p:sp>
-      <p:sp>
-        <p:nvSpPr>
           <p:cNvPr id="122" name="Rectangle 8"/>
           <p:cNvSpPr/>
           <p:nvPr/>
         </p:nvSpPr>
         <p:spPr>
           <a:xfrm>
-            <a:off x="2057401" y="4239491"/>
+            <a:off x="965891" y="7164252"/>
             <a:ext cx="1066800" cy="346760"/>
           </a:xfrm>
           <a:prstGeom prst="rect">
@@ -5029,7 +5074,7 @@
               <a:t>&lt;&lt;interface&gt;&gt;</a:t>
             </a:r>
             <a:br>
-              <a:rPr lang="en-US" sz="1050">
+              <a:rPr lang="en-US" sz="1050" dirty="0">
                 <a:solidFill>
                   <a:srgbClr val="7030A0"/>
                 </a:solidFill>
@@ -5055,18 +5100,21 @@
         <p:nvCxnSpPr>
           <p:cNvPr id="124" name="Elbow Connector 122"/>
           <p:cNvCxnSpPr>
+            <a:cxnSpLocks/>
             <a:stCxn id="119" idx="1"/>
-            <a:endCxn id="122" idx="1"/>
+            <a:endCxn id="122" idx="0"/>
           </p:cNvCxnSpPr>
           <p:nvPr/>
         </p:nvCxnSpPr>
         <p:spPr>
-          <a:xfrm rot="16200000" flipH="1">
-            <a:off x="1364475" y="3719944"/>
-            <a:ext cx="831471" cy="554381"/>
-          </a:xfrm>
-          <a:prstGeom prst="bentConnector2">
-            <a:avLst/>
+          <a:xfrm rot="5400000">
+            <a:off x="-290270" y="5370962"/>
+            <a:ext cx="3582852" cy="3729"/>
+          </a:xfrm>
+          <a:prstGeom prst="bentConnector3">
+            <a:avLst>
+              <a:gd name="adj1" fmla="val 50000"/>
+            </a:avLst>
           </a:prstGeom>
           <a:ln w="19050">
             <a:solidFill>
@@ -5491,7 +5539,7 @@
                   <a:srgbClr val="7030A0"/>
                 </a:solidFill>
               </a:rPr>
-              <a:t>AddressBook</a:t>
+              <a:t>ContactList</a:t>
             </a:r>
             <a:endParaRPr lang="en-SG" sz="1050" dirty="0">
               <a:solidFill>
@@ -5820,6 +5868,5462 @@
           </a:fontRef>
         </p:style>
       </p:cxnSp>
+      <p:sp>
+        <p:nvSpPr>
+          <p:cNvPr id="56" name="Flowchart: Decision 96">
+            <a:extLst>
+              <a:ext uri="{FF2B5EF4-FFF2-40B4-BE49-F238E27FC236}">
+                <a16:creationId xmlns:a16="http://schemas.microsoft.com/office/drawing/2014/main" id="{A9AE4769-725C-4D04-A605-7309F0CF0926}"/>
+              </a:ext>
+            </a:extLst>
+          </p:cNvPr>
+          <p:cNvSpPr/>
+          <p:nvPr/>
+        </p:nvSpPr>
+        <p:spPr>
+          <a:xfrm>
+            <a:off x="2381746" y="4172960"/>
+            <a:ext cx="236048" cy="173380"/>
+          </a:xfrm>
+          <a:prstGeom prst="flowChartDecision">
+            <a:avLst/>
+          </a:prstGeom>
+          <a:noFill/>
+          <a:ln w="19050">
+            <a:solidFill>
+              <a:srgbClr val="7030A0"/>
+            </a:solidFill>
+          </a:ln>
+          <a:effectLst/>
+        </p:spPr>
+        <p:style>
+          <a:lnRef idx="1">
+            <a:schemeClr val="accent6"/>
+          </a:lnRef>
+          <a:fillRef idx="2">
+            <a:schemeClr val="accent6"/>
+          </a:fillRef>
+          <a:effectRef idx="1">
+            <a:schemeClr val="accent6"/>
+          </a:effectRef>
+          <a:fontRef idx="minor">
+            <a:schemeClr val="dk1"/>
+          </a:fontRef>
+        </p:style>
+        <p:txBody>
+          <a:bodyPr rtlCol="0" anchor="ctr"/>
+          <a:lstStyle/>
+          <a:p>
+            <a:pPr algn="ctr"/>
+            <a:endParaRPr lang="en-US" sz="1050"/>
+          </a:p>
+        </p:txBody>
+      </p:sp>
+      <p:sp>
+        <p:nvSpPr>
+          <p:cNvPr id="71" name="Flowchart: Decision 96">
+            <a:extLst>
+              <a:ext uri="{FF2B5EF4-FFF2-40B4-BE49-F238E27FC236}">
+                <a16:creationId xmlns:a16="http://schemas.microsoft.com/office/drawing/2014/main" id="{1792FD5C-99D7-4DB1-A2CC-914E76E253C6}"/>
+              </a:ext>
+            </a:extLst>
+          </p:cNvPr>
+          <p:cNvSpPr/>
+          <p:nvPr/>
+        </p:nvSpPr>
+        <p:spPr>
+          <a:xfrm>
+            <a:off x="2417071" y="5204258"/>
+            <a:ext cx="236048" cy="173380"/>
+          </a:xfrm>
+          <a:prstGeom prst="flowChartDecision">
+            <a:avLst/>
+          </a:prstGeom>
+          <a:noFill/>
+          <a:ln w="19050">
+            <a:solidFill>
+              <a:srgbClr val="7030A0"/>
+            </a:solidFill>
+          </a:ln>
+          <a:effectLst/>
+        </p:spPr>
+        <p:style>
+          <a:lnRef idx="1">
+            <a:schemeClr val="accent6"/>
+          </a:lnRef>
+          <a:fillRef idx="2">
+            <a:schemeClr val="accent6"/>
+          </a:fillRef>
+          <a:effectRef idx="1">
+            <a:schemeClr val="accent6"/>
+          </a:effectRef>
+          <a:fontRef idx="minor">
+            <a:schemeClr val="dk1"/>
+          </a:fontRef>
+        </p:style>
+        <p:txBody>
+          <a:bodyPr rtlCol="0" anchor="ctr"/>
+          <a:lstStyle/>
+          <a:p>
+            <a:pPr algn="ctr"/>
+            <a:endParaRPr lang="en-US" sz="1050"/>
+          </a:p>
+        </p:txBody>
+      </p:sp>
+      <p:sp>
+        <p:nvSpPr>
+          <p:cNvPr id="72" name="Flowchart: Decision 96">
+            <a:extLst>
+              <a:ext uri="{FF2B5EF4-FFF2-40B4-BE49-F238E27FC236}">
+                <a16:creationId xmlns:a16="http://schemas.microsoft.com/office/drawing/2014/main" id="{68849828-DCBA-4C03-AA43-65F3D4D853FD}"/>
+              </a:ext>
+            </a:extLst>
+          </p:cNvPr>
+          <p:cNvSpPr/>
+          <p:nvPr/>
+        </p:nvSpPr>
+        <p:spPr>
+          <a:xfrm>
+            <a:off x="2409327" y="6245989"/>
+            <a:ext cx="236048" cy="173380"/>
+          </a:xfrm>
+          <a:prstGeom prst="flowChartDecision">
+            <a:avLst/>
+          </a:prstGeom>
+          <a:noFill/>
+          <a:ln w="19050">
+            <a:solidFill>
+              <a:srgbClr val="7030A0"/>
+            </a:solidFill>
+          </a:ln>
+          <a:effectLst/>
+        </p:spPr>
+        <p:style>
+          <a:lnRef idx="1">
+            <a:schemeClr val="accent6"/>
+          </a:lnRef>
+          <a:fillRef idx="2">
+            <a:schemeClr val="accent6"/>
+          </a:fillRef>
+          <a:effectRef idx="1">
+            <a:schemeClr val="accent6"/>
+          </a:effectRef>
+          <a:fontRef idx="minor">
+            <a:schemeClr val="dk1"/>
+          </a:fontRef>
+        </p:style>
+        <p:txBody>
+          <a:bodyPr rtlCol="0" anchor="ctr"/>
+          <a:lstStyle/>
+          <a:p>
+            <a:pPr algn="ctr"/>
+            <a:endParaRPr lang="en-US" sz="1050" dirty="0"/>
+          </a:p>
+        </p:txBody>
+      </p:sp>
+      <p:cxnSp>
+        <p:nvCxnSpPr>
+          <p:cNvPr id="73" name="Straight Arrow Connector 72">
+            <a:extLst>
+              <a:ext uri="{FF2B5EF4-FFF2-40B4-BE49-F238E27FC236}">
+                <a16:creationId xmlns:a16="http://schemas.microsoft.com/office/drawing/2014/main" id="{3EBA7797-5CB2-4F0E-8A94-2F02B17BA70C}"/>
+              </a:ext>
+            </a:extLst>
+          </p:cNvPr>
+          <p:cNvCxnSpPr>
+            <a:cxnSpLocks/>
+          </p:cNvCxnSpPr>
+          <p:nvPr/>
+        </p:nvCxnSpPr>
+        <p:spPr>
+          <a:xfrm>
+            <a:off x="2597844" y="4259650"/>
+            <a:ext cx="221604" cy="0"/>
+          </a:xfrm>
+          <a:prstGeom prst="straightConnector1">
+            <a:avLst/>
+          </a:prstGeom>
+          <a:ln w="19050">
+            <a:solidFill>
+              <a:srgbClr val="7030A0"/>
+            </a:solidFill>
+            <a:headEnd type="none" w="med" len="med"/>
+            <a:tailEnd type="arrow" w="med" len="med"/>
+          </a:ln>
+          <a:effectLst/>
+        </p:spPr>
+        <p:style>
+          <a:lnRef idx="1">
+            <a:schemeClr val="accent2"/>
+          </a:lnRef>
+          <a:fillRef idx="2">
+            <a:schemeClr val="accent2"/>
+          </a:fillRef>
+          <a:effectRef idx="1">
+            <a:schemeClr val="accent2"/>
+          </a:effectRef>
+          <a:fontRef idx="minor">
+            <a:schemeClr val="dk1"/>
+          </a:fontRef>
+        </p:style>
+      </p:cxnSp>
+      <p:cxnSp>
+        <p:nvCxnSpPr>
+          <p:cNvPr id="74" name="Straight Arrow Connector 73">
+            <a:extLst>
+              <a:ext uri="{FF2B5EF4-FFF2-40B4-BE49-F238E27FC236}">
+                <a16:creationId xmlns:a16="http://schemas.microsoft.com/office/drawing/2014/main" id="{17538495-11B2-4A9B-A070-75191A67C645}"/>
+              </a:ext>
+            </a:extLst>
+          </p:cNvPr>
+          <p:cNvCxnSpPr>
+            <a:cxnSpLocks/>
+          </p:cNvCxnSpPr>
+          <p:nvPr/>
+        </p:nvCxnSpPr>
+        <p:spPr>
+          <a:xfrm>
+            <a:off x="2627444" y="5293472"/>
+            <a:ext cx="180220" cy="0"/>
+          </a:xfrm>
+          <a:prstGeom prst="straightConnector1">
+            <a:avLst/>
+          </a:prstGeom>
+          <a:ln w="19050">
+            <a:solidFill>
+              <a:srgbClr val="7030A0"/>
+            </a:solidFill>
+            <a:headEnd type="none" w="med" len="med"/>
+            <a:tailEnd type="arrow" w="med" len="med"/>
+          </a:ln>
+          <a:effectLst/>
+        </p:spPr>
+        <p:style>
+          <a:lnRef idx="1">
+            <a:schemeClr val="accent2"/>
+          </a:lnRef>
+          <a:fillRef idx="2">
+            <a:schemeClr val="accent2"/>
+          </a:fillRef>
+          <a:effectRef idx="1">
+            <a:schemeClr val="accent2"/>
+          </a:effectRef>
+          <a:fontRef idx="minor">
+            <a:schemeClr val="dk1"/>
+          </a:fontRef>
+        </p:style>
+      </p:cxnSp>
+      <p:sp>
+        <p:nvSpPr>
+          <p:cNvPr id="77" name="Rectangle 8">
+            <a:extLst>
+              <a:ext uri="{FF2B5EF4-FFF2-40B4-BE49-F238E27FC236}">
+                <a16:creationId xmlns:a16="http://schemas.microsoft.com/office/drawing/2014/main" id="{3CC34660-2AE4-436A-A470-5CB7CAF46340}"/>
+              </a:ext>
+            </a:extLst>
+          </p:cNvPr>
+          <p:cNvSpPr/>
+          <p:nvPr/>
+        </p:nvSpPr>
+        <p:spPr>
+          <a:xfrm>
+            <a:off x="2833892" y="4075051"/>
+            <a:ext cx="1183502" cy="346760"/>
+          </a:xfrm>
+          <a:prstGeom prst="rect">
+            <a:avLst/>
+          </a:prstGeom>
+          <a:ln w="19050">
+            <a:solidFill>
+              <a:srgbClr val="7030A0"/>
+            </a:solidFill>
+          </a:ln>
+          <a:effectLst/>
+        </p:spPr>
+        <p:style>
+          <a:lnRef idx="1">
+            <a:schemeClr val="accent4"/>
+          </a:lnRef>
+          <a:fillRef idx="2">
+            <a:schemeClr val="accent4"/>
+          </a:fillRef>
+          <a:effectRef idx="1">
+            <a:schemeClr val="accent4"/>
+          </a:effectRef>
+          <a:fontRef idx="minor">
+            <a:schemeClr val="dk1"/>
+          </a:fontRef>
+        </p:style>
+        <p:txBody>
+          <a:bodyPr rtlCol="0" anchor="ctr"/>
+          <a:lstStyle/>
+          <a:p>
+            <a:pPr algn="ctr"/>
+            <a:r>
+              <a:rPr lang="en-US" sz="1050" dirty="0" err="1">
+                <a:solidFill>
+                  <a:srgbClr val="7030A0"/>
+                </a:solidFill>
+              </a:rPr>
+              <a:t>VersionedTaskList</a:t>
+            </a:r>
+            <a:endParaRPr lang="en-SG" sz="1050" dirty="0">
+              <a:solidFill>
+                <a:srgbClr val="7030A0"/>
+              </a:solidFill>
+            </a:endParaRPr>
+          </a:p>
+        </p:txBody>
+      </p:sp>
+      <p:sp>
+        <p:nvSpPr>
+          <p:cNvPr id="82" name="Rectangle 8">
+            <a:extLst>
+              <a:ext uri="{FF2B5EF4-FFF2-40B4-BE49-F238E27FC236}">
+                <a16:creationId xmlns:a16="http://schemas.microsoft.com/office/drawing/2014/main" id="{71E54E9D-9FD4-4D63-B336-BDCD5FFC6D0D}"/>
+              </a:ext>
+            </a:extLst>
+          </p:cNvPr>
+          <p:cNvSpPr/>
+          <p:nvPr/>
+        </p:nvSpPr>
+        <p:spPr>
+          <a:xfrm>
+            <a:off x="2804580" y="5104554"/>
+            <a:ext cx="1625399" cy="346760"/>
+          </a:xfrm>
+          <a:prstGeom prst="rect">
+            <a:avLst/>
+          </a:prstGeom>
+          <a:ln w="19050">
+            <a:solidFill>
+              <a:srgbClr val="7030A0"/>
+            </a:solidFill>
+          </a:ln>
+          <a:effectLst/>
+        </p:spPr>
+        <p:style>
+          <a:lnRef idx="1">
+            <a:schemeClr val="accent4"/>
+          </a:lnRef>
+          <a:fillRef idx="2">
+            <a:schemeClr val="accent4"/>
+          </a:fillRef>
+          <a:effectRef idx="1">
+            <a:schemeClr val="accent4"/>
+          </a:effectRef>
+          <a:fontRef idx="minor">
+            <a:schemeClr val="dk1"/>
+          </a:fontRef>
+        </p:style>
+        <p:txBody>
+          <a:bodyPr rtlCol="0" anchor="ctr"/>
+          <a:lstStyle/>
+          <a:p>
+            <a:pPr algn="ctr"/>
+            <a:r>
+              <a:rPr lang="en-US" sz="1050" dirty="0" err="1">
+                <a:solidFill>
+                  <a:srgbClr val="7030A0"/>
+                </a:solidFill>
+              </a:rPr>
+              <a:t>VersionedPurchaseList</a:t>
+            </a:r>
+            <a:endParaRPr lang="en-SG" sz="1050" dirty="0">
+              <a:solidFill>
+                <a:srgbClr val="7030A0"/>
+              </a:solidFill>
+            </a:endParaRPr>
+          </a:p>
+        </p:txBody>
+      </p:sp>
+      <p:sp>
+        <p:nvSpPr>
+          <p:cNvPr id="87" name="Rectangle 8">
+            <a:extLst>
+              <a:ext uri="{FF2B5EF4-FFF2-40B4-BE49-F238E27FC236}">
+                <a16:creationId xmlns:a16="http://schemas.microsoft.com/office/drawing/2014/main" id="{400A92F1-1E1B-4746-8FCF-2E17262FE519}"/>
+              </a:ext>
+            </a:extLst>
+          </p:cNvPr>
+          <p:cNvSpPr/>
+          <p:nvPr/>
+        </p:nvSpPr>
+        <p:spPr>
+          <a:xfrm>
+            <a:off x="2784780" y="6159299"/>
+            <a:ext cx="1575265" cy="346760"/>
+          </a:xfrm>
+          <a:prstGeom prst="rect">
+            <a:avLst/>
+          </a:prstGeom>
+          <a:ln w="19050">
+            <a:solidFill>
+              <a:srgbClr val="7030A0"/>
+            </a:solidFill>
+          </a:ln>
+          <a:effectLst/>
+        </p:spPr>
+        <p:style>
+          <a:lnRef idx="1">
+            <a:schemeClr val="accent4"/>
+          </a:lnRef>
+          <a:fillRef idx="2">
+            <a:schemeClr val="accent4"/>
+          </a:fillRef>
+          <a:effectRef idx="1">
+            <a:schemeClr val="accent4"/>
+          </a:effectRef>
+          <a:fontRef idx="minor">
+            <a:schemeClr val="dk1"/>
+          </a:fontRef>
+        </p:style>
+        <p:txBody>
+          <a:bodyPr rtlCol="0" anchor="ctr"/>
+          <a:lstStyle/>
+          <a:p>
+            <a:pPr algn="ctr"/>
+            <a:r>
+              <a:rPr lang="en-US" sz="1000" dirty="0" err="1">
+                <a:solidFill>
+                  <a:srgbClr val="7030A0"/>
+                </a:solidFill>
+              </a:rPr>
+              <a:t>VersionedHabitTrackerList</a:t>
+            </a:r>
+            <a:endParaRPr lang="en-SG" sz="1000" dirty="0">
+              <a:solidFill>
+                <a:srgbClr val="7030A0"/>
+              </a:solidFill>
+            </a:endParaRPr>
+          </a:p>
+        </p:txBody>
+      </p:sp>
+      <p:cxnSp>
+        <p:nvCxnSpPr>
+          <p:cNvPr id="88" name="Straight Arrow Connector 87">
+            <a:extLst>
+              <a:ext uri="{FF2B5EF4-FFF2-40B4-BE49-F238E27FC236}">
+                <a16:creationId xmlns:a16="http://schemas.microsoft.com/office/drawing/2014/main" id="{9906714C-91D9-4789-B12B-8FC513B410BC}"/>
+              </a:ext>
+            </a:extLst>
+          </p:cNvPr>
+          <p:cNvCxnSpPr>
+            <a:cxnSpLocks/>
+          </p:cNvCxnSpPr>
+          <p:nvPr/>
+        </p:nvCxnSpPr>
+        <p:spPr>
+          <a:xfrm>
+            <a:off x="2617794" y="6332679"/>
+            <a:ext cx="180220" cy="0"/>
+          </a:xfrm>
+          <a:prstGeom prst="straightConnector1">
+            <a:avLst/>
+          </a:prstGeom>
+          <a:ln w="19050">
+            <a:solidFill>
+              <a:srgbClr val="7030A0"/>
+            </a:solidFill>
+            <a:headEnd type="none" w="med" len="med"/>
+            <a:tailEnd type="arrow" w="med" len="med"/>
+          </a:ln>
+          <a:effectLst/>
+        </p:spPr>
+        <p:style>
+          <a:lnRef idx="1">
+            <a:schemeClr val="accent2"/>
+          </a:lnRef>
+          <a:fillRef idx="2">
+            <a:schemeClr val="accent2"/>
+          </a:fillRef>
+          <a:effectRef idx="1">
+            <a:schemeClr val="accent2"/>
+          </a:effectRef>
+          <a:fontRef idx="minor">
+            <a:schemeClr val="dk1"/>
+          </a:fontRef>
+        </p:style>
+      </p:cxnSp>
+      <p:sp>
+        <p:nvSpPr>
+          <p:cNvPr id="89" name="Flowchart: Decision 96">
+            <a:extLst>
+              <a:ext uri="{FF2B5EF4-FFF2-40B4-BE49-F238E27FC236}">
+                <a16:creationId xmlns:a16="http://schemas.microsoft.com/office/drawing/2014/main" id="{25C58004-6B40-4562-8A50-CADDCFF9D508}"/>
+              </a:ext>
+            </a:extLst>
+          </p:cNvPr>
+          <p:cNvSpPr/>
+          <p:nvPr/>
+        </p:nvSpPr>
+        <p:spPr>
+          <a:xfrm>
+            <a:off x="2422401" y="7315200"/>
+            <a:ext cx="236048" cy="173380"/>
+          </a:xfrm>
+          <a:prstGeom prst="flowChartDecision">
+            <a:avLst/>
+          </a:prstGeom>
+          <a:noFill/>
+          <a:ln w="19050">
+            <a:solidFill>
+              <a:srgbClr val="7030A0"/>
+            </a:solidFill>
+          </a:ln>
+          <a:effectLst/>
+        </p:spPr>
+        <p:style>
+          <a:lnRef idx="1">
+            <a:schemeClr val="accent6"/>
+          </a:lnRef>
+          <a:fillRef idx="2">
+            <a:schemeClr val="accent6"/>
+          </a:fillRef>
+          <a:effectRef idx="1">
+            <a:schemeClr val="accent6"/>
+          </a:effectRef>
+          <a:fontRef idx="minor">
+            <a:schemeClr val="dk1"/>
+          </a:fontRef>
+        </p:style>
+        <p:txBody>
+          <a:bodyPr rtlCol="0" anchor="ctr"/>
+          <a:lstStyle/>
+          <a:p>
+            <a:pPr algn="ctr"/>
+            <a:endParaRPr lang="en-US" sz="1050"/>
+          </a:p>
+        </p:txBody>
+      </p:sp>
+      <p:cxnSp>
+        <p:nvCxnSpPr>
+          <p:cNvPr id="90" name="Straight Arrow Connector 89">
+            <a:extLst>
+              <a:ext uri="{FF2B5EF4-FFF2-40B4-BE49-F238E27FC236}">
+                <a16:creationId xmlns:a16="http://schemas.microsoft.com/office/drawing/2014/main" id="{63CA41F9-458D-4535-BA93-852E88946818}"/>
+              </a:ext>
+            </a:extLst>
+          </p:cNvPr>
+          <p:cNvCxnSpPr>
+            <a:cxnSpLocks/>
+          </p:cNvCxnSpPr>
+          <p:nvPr/>
+        </p:nvCxnSpPr>
+        <p:spPr>
+          <a:xfrm>
+            <a:off x="2634709" y="7401890"/>
+            <a:ext cx="180220" cy="0"/>
+          </a:xfrm>
+          <a:prstGeom prst="straightConnector1">
+            <a:avLst/>
+          </a:prstGeom>
+          <a:ln w="19050">
+            <a:solidFill>
+              <a:srgbClr val="7030A0"/>
+            </a:solidFill>
+            <a:headEnd type="none" w="med" len="med"/>
+            <a:tailEnd type="arrow" w="med" len="med"/>
+          </a:ln>
+          <a:effectLst/>
+        </p:spPr>
+        <p:style>
+          <a:lnRef idx="1">
+            <a:schemeClr val="accent2"/>
+          </a:lnRef>
+          <a:fillRef idx="2">
+            <a:schemeClr val="accent2"/>
+          </a:fillRef>
+          <a:effectRef idx="1">
+            <a:schemeClr val="accent2"/>
+          </a:effectRef>
+          <a:fontRef idx="minor">
+            <a:schemeClr val="dk1"/>
+          </a:fontRef>
+        </p:style>
+      </p:cxnSp>
+      <p:sp>
+        <p:nvSpPr>
+          <p:cNvPr id="91" name="Rectangle 8">
+            <a:extLst>
+              <a:ext uri="{FF2B5EF4-FFF2-40B4-BE49-F238E27FC236}">
+                <a16:creationId xmlns:a16="http://schemas.microsoft.com/office/drawing/2014/main" id="{6F406C6A-5C2A-4CA1-8C46-E2B4F4EADB3E}"/>
+              </a:ext>
+            </a:extLst>
+          </p:cNvPr>
+          <p:cNvSpPr/>
+          <p:nvPr/>
+        </p:nvSpPr>
+        <p:spPr>
+          <a:xfrm>
+            <a:off x="2818961" y="7228510"/>
+            <a:ext cx="1516991" cy="346760"/>
+          </a:xfrm>
+          <a:prstGeom prst="rect">
+            <a:avLst/>
+          </a:prstGeom>
+          <a:ln w="19050">
+            <a:solidFill>
+              <a:srgbClr val="7030A0"/>
+            </a:solidFill>
+          </a:ln>
+          <a:effectLst/>
+        </p:spPr>
+        <p:style>
+          <a:lnRef idx="1">
+            <a:schemeClr val="accent4"/>
+          </a:lnRef>
+          <a:fillRef idx="2">
+            <a:schemeClr val="accent4"/>
+          </a:fillRef>
+          <a:effectRef idx="1">
+            <a:schemeClr val="accent4"/>
+          </a:effectRef>
+          <a:fontRef idx="minor">
+            <a:schemeClr val="dk1"/>
+          </a:fontRef>
+        </p:style>
+        <p:txBody>
+          <a:bodyPr rtlCol="0" anchor="ctr"/>
+          <a:lstStyle/>
+          <a:p>
+            <a:pPr algn="ctr"/>
+            <a:r>
+              <a:rPr lang="en-US" sz="1050" dirty="0" err="1">
+                <a:solidFill>
+                  <a:srgbClr val="7030A0"/>
+                </a:solidFill>
+              </a:rPr>
+              <a:t>VersionedWorkoutBook</a:t>
+            </a:r>
+            <a:endParaRPr lang="en-SG" sz="1050" dirty="0">
+              <a:solidFill>
+                <a:srgbClr val="7030A0"/>
+              </a:solidFill>
+            </a:endParaRPr>
+          </a:p>
+        </p:txBody>
+      </p:sp>
+      <p:cxnSp>
+        <p:nvCxnSpPr>
+          <p:cNvPr id="92" name="Straight Arrow Connector 91">
+            <a:extLst>
+              <a:ext uri="{FF2B5EF4-FFF2-40B4-BE49-F238E27FC236}">
+                <a16:creationId xmlns:a16="http://schemas.microsoft.com/office/drawing/2014/main" id="{1680ADFA-4660-4B51-84D0-B9A1494EE380}"/>
+              </a:ext>
+            </a:extLst>
+          </p:cNvPr>
+          <p:cNvCxnSpPr>
+            <a:cxnSpLocks/>
+          </p:cNvCxnSpPr>
+          <p:nvPr/>
+        </p:nvCxnSpPr>
+        <p:spPr>
+          <a:xfrm>
+            <a:off x="4190010" y="4247330"/>
+            <a:ext cx="318801" cy="1101"/>
+          </a:xfrm>
+          <a:prstGeom prst="straightConnector1">
+            <a:avLst/>
+          </a:prstGeom>
+          <a:ln w="19050">
+            <a:solidFill>
+              <a:srgbClr val="7030A0"/>
+            </a:solidFill>
+            <a:headEnd type="none" w="med" len="med"/>
+            <a:tailEnd type="arrow" w="med" len="med"/>
+          </a:ln>
+          <a:effectLst/>
+        </p:spPr>
+        <p:style>
+          <a:lnRef idx="1">
+            <a:schemeClr val="accent2"/>
+          </a:lnRef>
+          <a:fillRef idx="2">
+            <a:schemeClr val="accent2"/>
+          </a:fillRef>
+          <a:effectRef idx="1">
+            <a:schemeClr val="accent2"/>
+          </a:effectRef>
+          <a:fontRef idx="minor">
+            <a:schemeClr val="dk1"/>
+          </a:fontRef>
+        </p:style>
+      </p:cxnSp>
+      <p:cxnSp>
+        <p:nvCxnSpPr>
+          <p:cNvPr id="93" name="Straight Arrow Connector 92">
+            <a:extLst>
+              <a:ext uri="{FF2B5EF4-FFF2-40B4-BE49-F238E27FC236}">
+                <a16:creationId xmlns:a16="http://schemas.microsoft.com/office/drawing/2014/main" id="{FF70078C-1938-4A7A-8899-5C6844C01F43}"/>
+              </a:ext>
+            </a:extLst>
+          </p:cNvPr>
+          <p:cNvCxnSpPr/>
+          <p:nvPr/>
+        </p:nvCxnSpPr>
+        <p:spPr>
+          <a:xfrm>
+            <a:off x="4479918" y="5279376"/>
+            <a:ext cx="367678" cy="12320"/>
+          </a:xfrm>
+          <a:prstGeom prst="straightConnector1">
+            <a:avLst/>
+          </a:prstGeom>
+          <a:ln w="19050">
+            <a:solidFill>
+              <a:srgbClr val="7030A0"/>
+            </a:solidFill>
+            <a:headEnd type="none" w="med" len="med"/>
+            <a:tailEnd type="arrow" w="med" len="med"/>
+          </a:ln>
+          <a:effectLst/>
+        </p:spPr>
+        <p:style>
+          <a:lnRef idx="1">
+            <a:schemeClr val="accent2"/>
+          </a:lnRef>
+          <a:fillRef idx="2">
+            <a:schemeClr val="accent2"/>
+          </a:fillRef>
+          <a:effectRef idx="1">
+            <a:schemeClr val="accent2"/>
+          </a:effectRef>
+          <a:fontRef idx="minor">
+            <a:schemeClr val="dk1"/>
+          </a:fontRef>
+        </p:style>
+      </p:cxnSp>
+      <p:cxnSp>
+        <p:nvCxnSpPr>
+          <p:cNvPr id="94" name="Straight Arrow Connector 93">
+            <a:extLst>
+              <a:ext uri="{FF2B5EF4-FFF2-40B4-BE49-F238E27FC236}">
+                <a16:creationId xmlns:a16="http://schemas.microsoft.com/office/drawing/2014/main" id="{402B43AB-F588-492E-93D5-08FFD5569922}"/>
+              </a:ext>
+            </a:extLst>
+          </p:cNvPr>
+          <p:cNvCxnSpPr/>
+          <p:nvPr/>
+        </p:nvCxnSpPr>
+        <p:spPr>
+          <a:xfrm>
+            <a:off x="4345808" y="6337904"/>
+            <a:ext cx="367678" cy="12320"/>
+          </a:xfrm>
+          <a:prstGeom prst="straightConnector1">
+            <a:avLst/>
+          </a:prstGeom>
+          <a:ln w="19050">
+            <a:solidFill>
+              <a:srgbClr val="7030A0"/>
+            </a:solidFill>
+            <a:headEnd type="none" w="med" len="med"/>
+            <a:tailEnd type="arrow" w="med" len="med"/>
+          </a:ln>
+          <a:effectLst/>
+        </p:spPr>
+        <p:style>
+          <a:lnRef idx="1">
+            <a:schemeClr val="accent2"/>
+          </a:lnRef>
+          <a:fillRef idx="2">
+            <a:schemeClr val="accent2"/>
+          </a:fillRef>
+          <a:effectRef idx="1">
+            <a:schemeClr val="accent2"/>
+          </a:effectRef>
+          <a:fontRef idx="minor">
+            <a:schemeClr val="dk1"/>
+          </a:fontRef>
+        </p:style>
+      </p:cxnSp>
+      <p:cxnSp>
+        <p:nvCxnSpPr>
+          <p:cNvPr id="95" name="Straight Arrow Connector 94">
+            <a:extLst>
+              <a:ext uri="{FF2B5EF4-FFF2-40B4-BE49-F238E27FC236}">
+                <a16:creationId xmlns:a16="http://schemas.microsoft.com/office/drawing/2014/main" id="{04CC790C-D70F-474A-8E90-B613809F9227}"/>
+              </a:ext>
+            </a:extLst>
+          </p:cNvPr>
+          <p:cNvCxnSpPr/>
+          <p:nvPr/>
+        </p:nvCxnSpPr>
+        <p:spPr>
+          <a:xfrm>
+            <a:off x="4387292" y="7401890"/>
+            <a:ext cx="367678" cy="12320"/>
+          </a:xfrm>
+          <a:prstGeom prst="straightConnector1">
+            <a:avLst/>
+          </a:prstGeom>
+          <a:ln w="19050">
+            <a:solidFill>
+              <a:srgbClr val="7030A0"/>
+            </a:solidFill>
+            <a:headEnd type="none" w="med" len="med"/>
+            <a:tailEnd type="arrow" w="med" len="med"/>
+          </a:ln>
+          <a:effectLst/>
+        </p:spPr>
+        <p:style>
+          <a:lnRef idx="1">
+            <a:schemeClr val="accent2"/>
+          </a:lnRef>
+          <a:fillRef idx="2">
+            <a:schemeClr val="accent2"/>
+          </a:fillRef>
+          <a:effectRef idx="1">
+            <a:schemeClr val="accent2"/>
+          </a:effectRef>
+          <a:fontRef idx="minor">
+            <a:schemeClr val="dk1"/>
+          </a:fontRef>
+        </p:style>
+      </p:cxnSp>
+      <p:sp>
+        <p:nvSpPr>
+          <p:cNvPr id="96" name="Flowchart: Decision 96">
+            <a:extLst>
+              <a:ext uri="{FF2B5EF4-FFF2-40B4-BE49-F238E27FC236}">
+                <a16:creationId xmlns:a16="http://schemas.microsoft.com/office/drawing/2014/main" id="{C03AA80A-4CB2-4A06-8F8A-A0B2C3028AE6}"/>
+              </a:ext>
+            </a:extLst>
+          </p:cNvPr>
+          <p:cNvSpPr/>
+          <p:nvPr/>
+        </p:nvSpPr>
+        <p:spPr>
+          <a:xfrm>
+            <a:off x="4021082" y="4164316"/>
+            <a:ext cx="236048" cy="173380"/>
+          </a:xfrm>
+          <a:prstGeom prst="flowChartDecision">
+            <a:avLst/>
+          </a:prstGeom>
+          <a:solidFill>
+            <a:srgbClr val="7030A0"/>
+          </a:solidFill>
+          <a:ln w="19050">
+            <a:solidFill>
+              <a:srgbClr val="7030A0"/>
+            </a:solidFill>
+          </a:ln>
+          <a:effectLst/>
+        </p:spPr>
+        <p:style>
+          <a:lnRef idx="1">
+            <a:schemeClr val="accent6"/>
+          </a:lnRef>
+          <a:fillRef idx="2">
+            <a:schemeClr val="accent6"/>
+          </a:fillRef>
+          <a:effectRef idx="1">
+            <a:schemeClr val="accent6"/>
+          </a:effectRef>
+          <a:fontRef idx="minor">
+            <a:schemeClr val="dk1"/>
+          </a:fontRef>
+        </p:style>
+        <p:txBody>
+          <a:bodyPr rtlCol="0" anchor="ctr"/>
+          <a:lstStyle/>
+          <a:p>
+            <a:pPr algn="ctr"/>
+            <a:endParaRPr lang="en-US" sz="1050"/>
+          </a:p>
+        </p:txBody>
+      </p:sp>
+      <p:sp>
+        <p:nvSpPr>
+          <p:cNvPr id="98" name="Flowchart: Decision 96">
+            <a:extLst>
+              <a:ext uri="{FF2B5EF4-FFF2-40B4-BE49-F238E27FC236}">
+                <a16:creationId xmlns:a16="http://schemas.microsoft.com/office/drawing/2014/main" id="{6C0761ED-449F-4768-817A-B43DCCE26513}"/>
+              </a:ext>
+            </a:extLst>
+          </p:cNvPr>
+          <p:cNvSpPr/>
+          <p:nvPr/>
+        </p:nvSpPr>
+        <p:spPr>
+          <a:xfrm>
+            <a:off x="4438912" y="5197952"/>
+            <a:ext cx="236048" cy="173380"/>
+          </a:xfrm>
+          <a:prstGeom prst="flowChartDecision">
+            <a:avLst/>
+          </a:prstGeom>
+          <a:solidFill>
+            <a:srgbClr val="7030A0"/>
+          </a:solidFill>
+          <a:ln w="19050">
+            <a:solidFill>
+              <a:srgbClr val="7030A0"/>
+            </a:solidFill>
+          </a:ln>
+          <a:effectLst/>
+        </p:spPr>
+        <p:style>
+          <a:lnRef idx="1">
+            <a:schemeClr val="accent6"/>
+          </a:lnRef>
+          <a:fillRef idx="2">
+            <a:schemeClr val="accent6"/>
+          </a:fillRef>
+          <a:effectRef idx="1">
+            <a:schemeClr val="accent6"/>
+          </a:effectRef>
+          <a:fontRef idx="minor">
+            <a:schemeClr val="dk1"/>
+          </a:fontRef>
+        </p:style>
+        <p:txBody>
+          <a:bodyPr rtlCol="0" anchor="ctr"/>
+          <a:lstStyle/>
+          <a:p>
+            <a:pPr algn="ctr"/>
+            <a:endParaRPr lang="en-US" sz="1050"/>
+          </a:p>
+        </p:txBody>
+      </p:sp>
+      <p:sp>
+        <p:nvSpPr>
+          <p:cNvPr id="101" name="Flowchart: Decision 96">
+            <a:extLst>
+              <a:ext uri="{FF2B5EF4-FFF2-40B4-BE49-F238E27FC236}">
+                <a16:creationId xmlns:a16="http://schemas.microsoft.com/office/drawing/2014/main" id="{69271066-F920-4B4A-B141-B059B3C89A5C}"/>
+              </a:ext>
+            </a:extLst>
+          </p:cNvPr>
+          <p:cNvSpPr/>
+          <p:nvPr/>
+        </p:nvSpPr>
+        <p:spPr>
+          <a:xfrm>
+            <a:off x="4359041" y="6254937"/>
+            <a:ext cx="224861" cy="173380"/>
+          </a:xfrm>
+          <a:prstGeom prst="flowChartDecision">
+            <a:avLst/>
+          </a:prstGeom>
+          <a:solidFill>
+            <a:srgbClr val="7030A0"/>
+          </a:solidFill>
+          <a:ln w="19050">
+            <a:solidFill>
+              <a:srgbClr val="7030A0"/>
+            </a:solidFill>
+          </a:ln>
+          <a:effectLst/>
+        </p:spPr>
+        <p:style>
+          <a:lnRef idx="1">
+            <a:schemeClr val="accent6"/>
+          </a:lnRef>
+          <a:fillRef idx="2">
+            <a:schemeClr val="accent6"/>
+          </a:fillRef>
+          <a:effectRef idx="1">
+            <a:schemeClr val="accent6"/>
+          </a:effectRef>
+          <a:fontRef idx="minor">
+            <a:schemeClr val="dk1"/>
+          </a:fontRef>
+        </p:style>
+        <p:txBody>
+          <a:bodyPr rtlCol="0" anchor="ctr"/>
+          <a:lstStyle/>
+          <a:p>
+            <a:pPr algn="ctr"/>
+            <a:endParaRPr lang="en-US" sz="1050"/>
+          </a:p>
+        </p:txBody>
+      </p:sp>
+      <p:sp>
+        <p:nvSpPr>
+          <p:cNvPr id="102" name="Flowchart: Decision 96">
+            <a:extLst>
+              <a:ext uri="{FF2B5EF4-FFF2-40B4-BE49-F238E27FC236}">
+                <a16:creationId xmlns:a16="http://schemas.microsoft.com/office/drawing/2014/main" id="{082CDBD4-4C90-4653-B1EA-8BE3469DF97D}"/>
+              </a:ext>
+            </a:extLst>
+          </p:cNvPr>
+          <p:cNvSpPr/>
+          <p:nvPr/>
+        </p:nvSpPr>
+        <p:spPr>
+          <a:xfrm>
+            <a:off x="4347854" y="7315200"/>
+            <a:ext cx="236048" cy="173380"/>
+          </a:xfrm>
+          <a:prstGeom prst="flowChartDecision">
+            <a:avLst/>
+          </a:prstGeom>
+          <a:solidFill>
+            <a:srgbClr val="7030A0"/>
+          </a:solidFill>
+          <a:ln w="19050">
+            <a:solidFill>
+              <a:srgbClr val="7030A0"/>
+            </a:solidFill>
+          </a:ln>
+          <a:effectLst/>
+        </p:spPr>
+        <p:style>
+          <a:lnRef idx="1">
+            <a:schemeClr val="accent6"/>
+          </a:lnRef>
+          <a:fillRef idx="2">
+            <a:schemeClr val="accent6"/>
+          </a:fillRef>
+          <a:effectRef idx="1">
+            <a:schemeClr val="accent6"/>
+          </a:effectRef>
+          <a:fontRef idx="minor">
+            <a:schemeClr val="dk1"/>
+          </a:fontRef>
+        </p:style>
+        <p:txBody>
+          <a:bodyPr rtlCol="0" anchor="ctr"/>
+          <a:lstStyle/>
+          <a:p>
+            <a:pPr algn="ctr"/>
+            <a:endParaRPr lang="en-US" sz="1050"/>
+          </a:p>
+        </p:txBody>
+      </p:sp>
+      <p:sp>
+        <p:nvSpPr>
+          <p:cNvPr id="103" name="Rectangle 8">
+            <a:extLst>
+              <a:ext uri="{FF2B5EF4-FFF2-40B4-BE49-F238E27FC236}">
+                <a16:creationId xmlns:a16="http://schemas.microsoft.com/office/drawing/2014/main" id="{714F2561-D989-4687-8278-BE433FBC6A78}"/>
+              </a:ext>
+            </a:extLst>
+          </p:cNvPr>
+          <p:cNvSpPr/>
+          <p:nvPr/>
+        </p:nvSpPr>
+        <p:spPr>
+          <a:xfrm>
+            <a:off x="4514165" y="4071328"/>
+            <a:ext cx="1156969" cy="346760"/>
+          </a:xfrm>
+          <a:prstGeom prst="rect">
+            <a:avLst/>
+          </a:prstGeom>
+          <a:ln w="19050">
+            <a:solidFill>
+              <a:srgbClr val="7030A0"/>
+            </a:solidFill>
+          </a:ln>
+          <a:effectLst/>
+        </p:spPr>
+        <p:style>
+          <a:lnRef idx="1">
+            <a:schemeClr val="accent4"/>
+          </a:lnRef>
+          <a:fillRef idx="2">
+            <a:schemeClr val="accent4"/>
+          </a:fillRef>
+          <a:effectRef idx="1">
+            <a:schemeClr val="accent4"/>
+          </a:effectRef>
+          <a:fontRef idx="minor">
+            <a:schemeClr val="dk1"/>
+          </a:fontRef>
+        </p:style>
+        <p:txBody>
+          <a:bodyPr rtlCol="0" anchor="ctr"/>
+          <a:lstStyle/>
+          <a:p>
+            <a:pPr algn="ctr"/>
+            <a:r>
+              <a:rPr lang="en-US" sz="1050" dirty="0" err="1">
+                <a:solidFill>
+                  <a:srgbClr val="7030A0"/>
+                </a:solidFill>
+              </a:rPr>
+              <a:t>UniqueTaskList</a:t>
+            </a:r>
+            <a:endParaRPr lang="en-SG" sz="1050" dirty="0">
+              <a:solidFill>
+                <a:srgbClr val="7030A0"/>
+              </a:solidFill>
+            </a:endParaRPr>
+          </a:p>
+        </p:txBody>
+      </p:sp>
+      <p:sp>
+        <p:nvSpPr>
+          <p:cNvPr id="104" name="Rectangle 8">
+            <a:extLst>
+              <a:ext uri="{FF2B5EF4-FFF2-40B4-BE49-F238E27FC236}">
+                <a16:creationId xmlns:a16="http://schemas.microsoft.com/office/drawing/2014/main" id="{39F6223D-891D-4F90-A53C-C9FF611988B7}"/>
+              </a:ext>
+            </a:extLst>
+          </p:cNvPr>
+          <p:cNvSpPr/>
+          <p:nvPr/>
+        </p:nvSpPr>
+        <p:spPr>
+          <a:xfrm>
+            <a:off x="4700046" y="6170342"/>
+            <a:ext cx="1514299" cy="346760"/>
+          </a:xfrm>
+          <a:prstGeom prst="rect">
+            <a:avLst/>
+          </a:prstGeom>
+          <a:ln w="19050">
+            <a:solidFill>
+              <a:srgbClr val="7030A0"/>
+            </a:solidFill>
+          </a:ln>
+          <a:effectLst/>
+        </p:spPr>
+        <p:style>
+          <a:lnRef idx="1">
+            <a:schemeClr val="accent4"/>
+          </a:lnRef>
+          <a:fillRef idx="2">
+            <a:schemeClr val="accent4"/>
+          </a:fillRef>
+          <a:effectRef idx="1">
+            <a:schemeClr val="accent4"/>
+          </a:effectRef>
+          <a:fontRef idx="minor">
+            <a:schemeClr val="dk1"/>
+          </a:fontRef>
+        </p:style>
+        <p:txBody>
+          <a:bodyPr rtlCol="0" anchor="ctr"/>
+          <a:lstStyle/>
+          <a:p>
+            <a:pPr algn="ctr"/>
+            <a:r>
+              <a:rPr lang="en-US" sz="1050" dirty="0" err="1">
+                <a:solidFill>
+                  <a:srgbClr val="7030A0"/>
+                </a:solidFill>
+              </a:rPr>
+              <a:t>UniqueHabitTrackerList</a:t>
+            </a:r>
+            <a:endParaRPr lang="en-SG" sz="1050" dirty="0">
+              <a:solidFill>
+                <a:srgbClr val="7030A0"/>
+              </a:solidFill>
+            </a:endParaRPr>
+          </a:p>
+        </p:txBody>
+      </p:sp>
+      <p:sp>
+        <p:nvSpPr>
+          <p:cNvPr id="105" name="Rectangle 8">
+            <a:extLst>
+              <a:ext uri="{FF2B5EF4-FFF2-40B4-BE49-F238E27FC236}">
+                <a16:creationId xmlns:a16="http://schemas.microsoft.com/office/drawing/2014/main" id="{F4A941ED-CA05-414E-BB7F-868362A96A30}"/>
+              </a:ext>
+            </a:extLst>
+          </p:cNvPr>
+          <p:cNvSpPr/>
+          <p:nvPr/>
+        </p:nvSpPr>
+        <p:spPr>
+          <a:xfrm>
+            <a:off x="4745967" y="7229420"/>
+            <a:ext cx="1349770" cy="346760"/>
+          </a:xfrm>
+          <a:prstGeom prst="rect">
+            <a:avLst/>
+          </a:prstGeom>
+          <a:ln w="19050">
+            <a:solidFill>
+              <a:srgbClr val="7030A0"/>
+            </a:solidFill>
+          </a:ln>
+          <a:effectLst/>
+        </p:spPr>
+        <p:style>
+          <a:lnRef idx="1">
+            <a:schemeClr val="accent4"/>
+          </a:lnRef>
+          <a:fillRef idx="2">
+            <a:schemeClr val="accent4"/>
+          </a:fillRef>
+          <a:effectRef idx="1">
+            <a:schemeClr val="accent4"/>
+          </a:effectRef>
+          <a:fontRef idx="minor">
+            <a:schemeClr val="dk1"/>
+          </a:fontRef>
+        </p:style>
+        <p:txBody>
+          <a:bodyPr rtlCol="0" anchor="ctr"/>
+          <a:lstStyle/>
+          <a:p>
+            <a:pPr algn="ctr"/>
+            <a:r>
+              <a:rPr lang="en-US" sz="1050" dirty="0" err="1">
+                <a:solidFill>
+                  <a:srgbClr val="7030A0"/>
+                </a:solidFill>
+              </a:rPr>
+              <a:t>UniqueWorkoutList</a:t>
+            </a:r>
+            <a:endParaRPr lang="en-SG" sz="1050" dirty="0">
+              <a:solidFill>
+                <a:srgbClr val="7030A0"/>
+              </a:solidFill>
+            </a:endParaRPr>
+          </a:p>
+        </p:txBody>
+      </p:sp>
+      <p:sp>
+        <p:nvSpPr>
+          <p:cNvPr id="106" name="Rectangle 8">
+            <a:extLst>
+              <a:ext uri="{FF2B5EF4-FFF2-40B4-BE49-F238E27FC236}">
+                <a16:creationId xmlns:a16="http://schemas.microsoft.com/office/drawing/2014/main" id="{5B99D689-1216-4167-801E-BC00624EDCC8}"/>
+              </a:ext>
+            </a:extLst>
+          </p:cNvPr>
+          <p:cNvSpPr/>
+          <p:nvPr/>
+        </p:nvSpPr>
+        <p:spPr>
+          <a:xfrm>
+            <a:off x="4847596" y="5092648"/>
+            <a:ext cx="1429244" cy="346760"/>
+          </a:xfrm>
+          <a:prstGeom prst="rect">
+            <a:avLst/>
+          </a:prstGeom>
+          <a:ln w="19050">
+            <a:solidFill>
+              <a:srgbClr val="7030A0"/>
+            </a:solidFill>
+          </a:ln>
+          <a:effectLst/>
+        </p:spPr>
+        <p:style>
+          <a:lnRef idx="1">
+            <a:schemeClr val="accent4"/>
+          </a:lnRef>
+          <a:fillRef idx="2">
+            <a:schemeClr val="accent4"/>
+          </a:fillRef>
+          <a:effectRef idx="1">
+            <a:schemeClr val="accent4"/>
+          </a:effectRef>
+          <a:fontRef idx="minor">
+            <a:schemeClr val="dk1"/>
+          </a:fontRef>
+        </p:style>
+        <p:txBody>
+          <a:bodyPr rtlCol="0" anchor="ctr"/>
+          <a:lstStyle/>
+          <a:p>
+            <a:pPr algn="ctr"/>
+            <a:r>
+              <a:rPr lang="en-US" sz="1050" dirty="0" err="1">
+                <a:solidFill>
+                  <a:srgbClr val="7030A0"/>
+                </a:solidFill>
+              </a:rPr>
+              <a:t>UniquePurchaseList</a:t>
+            </a:r>
+            <a:endParaRPr lang="en-SG" sz="1050" dirty="0">
+              <a:solidFill>
+                <a:srgbClr val="7030A0"/>
+              </a:solidFill>
+            </a:endParaRPr>
+          </a:p>
+        </p:txBody>
+      </p:sp>
+      <p:sp>
+        <p:nvSpPr>
+          <p:cNvPr id="108" name="Rectangle 8">
+            <a:extLst>
+              <a:ext uri="{FF2B5EF4-FFF2-40B4-BE49-F238E27FC236}">
+                <a16:creationId xmlns:a16="http://schemas.microsoft.com/office/drawing/2014/main" id="{5F886DB3-DBA3-4B40-82DD-24F3FB887EB2}"/>
+              </a:ext>
+            </a:extLst>
+          </p:cNvPr>
+          <p:cNvSpPr/>
+          <p:nvPr/>
+        </p:nvSpPr>
+        <p:spPr>
+          <a:xfrm>
+            <a:off x="6195461" y="4058042"/>
+            <a:ext cx="566795" cy="346760"/>
+          </a:xfrm>
+          <a:prstGeom prst="rect">
+            <a:avLst/>
+          </a:prstGeom>
+          <a:ln w="19050">
+            <a:solidFill>
+              <a:srgbClr val="7030A0"/>
+            </a:solidFill>
+          </a:ln>
+          <a:effectLst/>
+        </p:spPr>
+        <p:style>
+          <a:lnRef idx="1">
+            <a:schemeClr val="accent4"/>
+          </a:lnRef>
+          <a:fillRef idx="2">
+            <a:schemeClr val="accent4"/>
+          </a:fillRef>
+          <a:effectRef idx="1">
+            <a:schemeClr val="accent4"/>
+          </a:effectRef>
+          <a:fontRef idx="minor">
+            <a:schemeClr val="dk1"/>
+          </a:fontRef>
+        </p:style>
+        <p:txBody>
+          <a:bodyPr rtlCol="0" anchor="ctr"/>
+          <a:lstStyle/>
+          <a:p>
+            <a:pPr algn="ctr"/>
+            <a:r>
+              <a:rPr lang="en-US" sz="1050" dirty="0">
+                <a:solidFill>
+                  <a:srgbClr val="7030A0"/>
+                </a:solidFill>
+              </a:rPr>
+              <a:t>Task</a:t>
+            </a:r>
+            <a:endParaRPr lang="en-SG" sz="1050" dirty="0">
+              <a:solidFill>
+                <a:srgbClr val="7030A0"/>
+              </a:solidFill>
+            </a:endParaRPr>
+          </a:p>
+        </p:txBody>
+      </p:sp>
+      <p:sp>
+        <p:nvSpPr>
+          <p:cNvPr id="109" name="Rectangle 8">
+            <a:extLst>
+              <a:ext uri="{FF2B5EF4-FFF2-40B4-BE49-F238E27FC236}">
+                <a16:creationId xmlns:a16="http://schemas.microsoft.com/office/drawing/2014/main" id="{5F2D5FA5-4EDC-49F8-8F69-92754FA8A375}"/>
+              </a:ext>
+            </a:extLst>
+          </p:cNvPr>
+          <p:cNvSpPr/>
+          <p:nvPr/>
+        </p:nvSpPr>
+        <p:spPr>
+          <a:xfrm>
+            <a:off x="6717701" y="6151226"/>
+            <a:ext cx="708186" cy="346760"/>
+          </a:xfrm>
+          <a:prstGeom prst="rect">
+            <a:avLst/>
+          </a:prstGeom>
+          <a:ln w="19050">
+            <a:solidFill>
+              <a:srgbClr val="7030A0"/>
+            </a:solidFill>
+          </a:ln>
+          <a:effectLst/>
+        </p:spPr>
+        <p:style>
+          <a:lnRef idx="1">
+            <a:schemeClr val="accent4"/>
+          </a:lnRef>
+          <a:fillRef idx="2">
+            <a:schemeClr val="accent4"/>
+          </a:fillRef>
+          <a:effectRef idx="1">
+            <a:schemeClr val="accent4"/>
+          </a:effectRef>
+          <a:fontRef idx="minor">
+            <a:schemeClr val="dk1"/>
+          </a:fontRef>
+        </p:style>
+        <p:txBody>
+          <a:bodyPr rtlCol="0" anchor="ctr"/>
+          <a:lstStyle/>
+          <a:p>
+            <a:pPr algn="ctr"/>
+            <a:r>
+              <a:rPr lang="en-US" sz="1050" dirty="0">
+                <a:solidFill>
+                  <a:srgbClr val="7030A0"/>
+                </a:solidFill>
+              </a:rPr>
+              <a:t>Habit</a:t>
+            </a:r>
+            <a:endParaRPr lang="en-SG" sz="1050" dirty="0">
+              <a:solidFill>
+                <a:srgbClr val="7030A0"/>
+              </a:solidFill>
+            </a:endParaRPr>
+          </a:p>
+        </p:txBody>
+      </p:sp>
+      <p:sp>
+        <p:nvSpPr>
+          <p:cNvPr id="110" name="Rectangle 8">
+            <a:extLst>
+              <a:ext uri="{FF2B5EF4-FFF2-40B4-BE49-F238E27FC236}">
+                <a16:creationId xmlns:a16="http://schemas.microsoft.com/office/drawing/2014/main" id="{2FD4F809-0981-496E-87ED-2E2080454E69}"/>
+              </a:ext>
+            </a:extLst>
+          </p:cNvPr>
+          <p:cNvSpPr/>
+          <p:nvPr/>
+        </p:nvSpPr>
+        <p:spPr>
+          <a:xfrm>
+            <a:off x="6604764" y="7228510"/>
+            <a:ext cx="708186" cy="346760"/>
+          </a:xfrm>
+          <a:prstGeom prst="rect">
+            <a:avLst/>
+          </a:prstGeom>
+          <a:ln w="19050">
+            <a:solidFill>
+              <a:srgbClr val="7030A0"/>
+            </a:solidFill>
+          </a:ln>
+          <a:effectLst/>
+        </p:spPr>
+        <p:style>
+          <a:lnRef idx="1">
+            <a:schemeClr val="accent4"/>
+          </a:lnRef>
+          <a:fillRef idx="2">
+            <a:schemeClr val="accent4"/>
+          </a:fillRef>
+          <a:effectRef idx="1">
+            <a:schemeClr val="accent4"/>
+          </a:effectRef>
+          <a:fontRef idx="minor">
+            <a:schemeClr val="dk1"/>
+          </a:fontRef>
+        </p:style>
+        <p:txBody>
+          <a:bodyPr rtlCol="0" anchor="ctr"/>
+          <a:lstStyle/>
+          <a:p>
+            <a:pPr algn="ctr"/>
+            <a:r>
+              <a:rPr lang="en-SG" sz="1050" dirty="0">
+                <a:solidFill>
+                  <a:srgbClr val="7030A0"/>
+                </a:solidFill>
+              </a:rPr>
+              <a:t>Workout</a:t>
+            </a:r>
+          </a:p>
+        </p:txBody>
+      </p:sp>
+      <p:sp>
+        <p:nvSpPr>
+          <p:cNvPr id="111" name="Rectangle 8">
+            <a:extLst>
+              <a:ext uri="{FF2B5EF4-FFF2-40B4-BE49-F238E27FC236}">
+                <a16:creationId xmlns:a16="http://schemas.microsoft.com/office/drawing/2014/main" id="{F01C5758-1D33-4ED4-93AB-6E2314CDE531}"/>
+              </a:ext>
+            </a:extLst>
+          </p:cNvPr>
+          <p:cNvSpPr/>
+          <p:nvPr/>
+        </p:nvSpPr>
+        <p:spPr>
+          <a:xfrm>
+            <a:off x="6787010" y="5073942"/>
+            <a:ext cx="708186" cy="346760"/>
+          </a:xfrm>
+          <a:prstGeom prst="rect">
+            <a:avLst/>
+          </a:prstGeom>
+          <a:ln w="19050">
+            <a:solidFill>
+              <a:srgbClr val="7030A0"/>
+            </a:solidFill>
+          </a:ln>
+          <a:effectLst/>
+        </p:spPr>
+        <p:style>
+          <a:lnRef idx="1">
+            <a:schemeClr val="accent4"/>
+          </a:lnRef>
+          <a:fillRef idx="2">
+            <a:schemeClr val="accent4"/>
+          </a:fillRef>
+          <a:effectRef idx="1">
+            <a:schemeClr val="accent4"/>
+          </a:effectRef>
+          <a:fontRef idx="minor">
+            <a:schemeClr val="dk1"/>
+          </a:fontRef>
+        </p:style>
+        <p:txBody>
+          <a:bodyPr rtlCol="0" anchor="ctr"/>
+          <a:lstStyle/>
+          <a:p>
+            <a:pPr algn="ctr"/>
+            <a:r>
+              <a:rPr lang="en-US" sz="1050" dirty="0">
+                <a:solidFill>
+                  <a:srgbClr val="7030A0"/>
+                </a:solidFill>
+              </a:rPr>
+              <a:t>Purchase</a:t>
+            </a:r>
+          </a:p>
+        </p:txBody>
+      </p:sp>
+      <p:sp>
+        <p:nvSpPr>
+          <p:cNvPr id="112" name="Flowchart: Decision 96">
+            <a:extLst>
+              <a:ext uri="{FF2B5EF4-FFF2-40B4-BE49-F238E27FC236}">
+                <a16:creationId xmlns:a16="http://schemas.microsoft.com/office/drawing/2014/main" id="{348C26AB-201D-4832-AAA4-4645394A766C}"/>
+              </a:ext>
+            </a:extLst>
+          </p:cNvPr>
+          <p:cNvSpPr/>
+          <p:nvPr/>
+        </p:nvSpPr>
+        <p:spPr>
+          <a:xfrm>
+            <a:off x="6214345" y="6244635"/>
+            <a:ext cx="236048" cy="173380"/>
+          </a:xfrm>
+          <a:prstGeom prst="flowChartDecision">
+            <a:avLst/>
+          </a:prstGeom>
+          <a:noFill/>
+          <a:ln w="19050">
+            <a:solidFill>
+              <a:srgbClr val="7030A0"/>
+            </a:solidFill>
+          </a:ln>
+          <a:effectLst/>
+        </p:spPr>
+        <p:style>
+          <a:lnRef idx="1">
+            <a:schemeClr val="accent6"/>
+          </a:lnRef>
+          <a:fillRef idx="2">
+            <a:schemeClr val="accent6"/>
+          </a:fillRef>
+          <a:effectRef idx="1">
+            <a:schemeClr val="accent6"/>
+          </a:effectRef>
+          <a:fontRef idx="minor">
+            <a:schemeClr val="dk1"/>
+          </a:fontRef>
+        </p:style>
+        <p:txBody>
+          <a:bodyPr rtlCol="0" anchor="ctr"/>
+          <a:lstStyle/>
+          <a:p>
+            <a:pPr algn="ctr"/>
+            <a:endParaRPr lang="en-US" sz="1050" dirty="0"/>
+          </a:p>
+        </p:txBody>
+      </p:sp>
+      <p:sp>
+        <p:nvSpPr>
+          <p:cNvPr id="113" name="Flowchart: Decision 96">
+            <a:extLst>
+              <a:ext uri="{FF2B5EF4-FFF2-40B4-BE49-F238E27FC236}">
+                <a16:creationId xmlns:a16="http://schemas.microsoft.com/office/drawing/2014/main" id="{246A5401-4A8C-4A2F-95C1-4913FA5E17B6}"/>
+              </a:ext>
+            </a:extLst>
+          </p:cNvPr>
+          <p:cNvSpPr/>
+          <p:nvPr/>
+        </p:nvSpPr>
+        <p:spPr>
+          <a:xfrm>
+            <a:off x="6096321" y="7315200"/>
+            <a:ext cx="236048" cy="173380"/>
+          </a:xfrm>
+          <a:prstGeom prst="flowChartDecision">
+            <a:avLst/>
+          </a:prstGeom>
+          <a:noFill/>
+          <a:ln w="19050">
+            <a:solidFill>
+              <a:srgbClr val="7030A0"/>
+            </a:solidFill>
+          </a:ln>
+          <a:effectLst/>
+        </p:spPr>
+        <p:style>
+          <a:lnRef idx="1">
+            <a:schemeClr val="accent6"/>
+          </a:lnRef>
+          <a:fillRef idx="2">
+            <a:schemeClr val="accent6"/>
+          </a:fillRef>
+          <a:effectRef idx="1">
+            <a:schemeClr val="accent6"/>
+          </a:effectRef>
+          <a:fontRef idx="minor">
+            <a:schemeClr val="dk1"/>
+          </a:fontRef>
+        </p:style>
+        <p:txBody>
+          <a:bodyPr rtlCol="0" anchor="ctr"/>
+          <a:lstStyle/>
+          <a:p>
+            <a:pPr algn="ctr"/>
+            <a:endParaRPr lang="en-US" sz="1050"/>
+          </a:p>
+        </p:txBody>
+      </p:sp>
+      <p:sp>
+        <p:nvSpPr>
+          <p:cNvPr id="115" name="Flowchart: Decision 96">
+            <a:extLst>
+              <a:ext uri="{FF2B5EF4-FFF2-40B4-BE49-F238E27FC236}">
+                <a16:creationId xmlns:a16="http://schemas.microsoft.com/office/drawing/2014/main" id="{BCB4B6E0-BC6B-4675-9960-F341B4573BFE}"/>
+              </a:ext>
+            </a:extLst>
+          </p:cNvPr>
+          <p:cNvSpPr/>
+          <p:nvPr/>
+        </p:nvSpPr>
+        <p:spPr>
+          <a:xfrm>
+            <a:off x="5691968" y="4142785"/>
+            <a:ext cx="236048" cy="173380"/>
+          </a:xfrm>
+          <a:prstGeom prst="flowChartDecision">
+            <a:avLst/>
+          </a:prstGeom>
+          <a:noFill/>
+          <a:ln w="19050">
+            <a:solidFill>
+              <a:srgbClr val="7030A0"/>
+            </a:solidFill>
+          </a:ln>
+          <a:effectLst/>
+        </p:spPr>
+        <p:style>
+          <a:lnRef idx="1">
+            <a:schemeClr val="accent6"/>
+          </a:lnRef>
+          <a:fillRef idx="2">
+            <a:schemeClr val="accent6"/>
+          </a:fillRef>
+          <a:effectRef idx="1">
+            <a:schemeClr val="accent6"/>
+          </a:effectRef>
+          <a:fontRef idx="minor">
+            <a:schemeClr val="dk1"/>
+          </a:fontRef>
+        </p:style>
+        <p:txBody>
+          <a:bodyPr rtlCol="0" anchor="ctr"/>
+          <a:lstStyle/>
+          <a:p>
+            <a:pPr algn="ctr"/>
+            <a:endParaRPr lang="en-US" sz="1050" dirty="0"/>
+          </a:p>
+        </p:txBody>
+      </p:sp>
+      <p:sp>
+        <p:nvSpPr>
+          <p:cNvPr id="116" name="Flowchart: Decision 96">
+            <a:extLst>
+              <a:ext uri="{FF2B5EF4-FFF2-40B4-BE49-F238E27FC236}">
+                <a16:creationId xmlns:a16="http://schemas.microsoft.com/office/drawing/2014/main" id="{D2EC2531-19D5-484F-8514-39BB615452C3}"/>
+              </a:ext>
+            </a:extLst>
+          </p:cNvPr>
+          <p:cNvSpPr/>
+          <p:nvPr/>
+        </p:nvSpPr>
+        <p:spPr>
+          <a:xfrm>
+            <a:off x="6292634" y="5174561"/>
+            <a:ext cx="236048" cy="173380"/>
+          </a:xfrm>
+          <a:prstGeom prst="flowChartDecision">
+            <a:avLst/>
+          </a:prstGeom>
+          <a:noFill/>
+          <a:ln w="19050">
+            <a:solidFill>
+              <a:srgbClr val="7030A0"/>
+            </a:solidFill>
+          </a:ln>
+          <a:effectLst/>
+        </p:spPr>
+        <p:style>
+          <a:lnRef idx="1">
+            <a:schemeClr val="accent6"/>
+          </a:lnRef>
+          <a:fillRef idx="2">
+            <a:schemeClr val="accent6"/>
+          </a:fillRef>
+          <a:effectRef idx="1">
+            <a:schemeClr val="accent6"/>
+          </a:effectRef>
+          <a:fontRef idx="minor">
+            <a:schemeClr val="dk1"/>
+          </a:fontRef>
+        </p:style>
+        <p:txBody>
+          <a:bodyPr rtlCol="0" anchor="ctr"/>
+          <a:lstStyle/>
+          <a:p>
+            <a:pPr algn="ctr"/>
+            <a:endParaRPr lang="en-US" sz="1050" dirty="0"/>
+          </a:p>
+        </p:txBody>
+      </p:sp>
+      <p:cxnSp>
+        <p:nvCxnSpPr>
+          <p:cNvPr id="117" name="Elbow Connector 63">
+            <a:extLst>
+              <a:ext uri="{FF2B5EF4-FFF2-40B4-BE49-F238E27FC236}">
+                <a16:creationId xmlns:a16="http://schemas.microsoft.com/office/drawing/2014/main" id="{75DC9F1B-4FE2-4EC0-B41D-DF7C5FB06B3F}"/>
+              </a:ext>
+            </a:extLst>
+          </p:cNvPr>
+          <p:cNvCxnSpPr>
+            <a:cxnSpLocks/>
+          </p:cNvCxnSpPr>
+          <p:nvPr/>
+        </p:nvCxnSpPr>
+        <p:spPr>
+          <a:xfrm flipV="1">
+            <a:off x="5928016" y="4226463"/>
+            <a:ext cx="267639" cy="2"/>
+          </a:xfrm>
+          <a:prstGeom prst="bentConnector3">
+            <a:avLst/>
+          </a:prstGeom>
+          <a:ln w="19050">
+            <a:solidFill>
+              <a:srgbClr val="7030A0"/>
+            </a:solidFill>
+            <a:headEnd type="none" w="med" len="med"/>
+            <a:tailEnd type="arrow" w="med" len="med"/>
+          </a:ln>
+          <a:effectLst/>
+        </p:spPr>
+        <p:style>
+          <a:lnRef idx="1">
+            <a:schemeClr val="accent2"/>
+          </a:lnRef>
+          <a:fillRef idx="2">
+            <a:schemeClr val="accent2"/>
+          </a:fillRef>
+          <a:effectRef idx="1">
+            <a:schemeClr val="accent2"/>
+          </a:effectRef>
+          <a:fontRef idx="minor">
+            <a:schemeClr val="dk1"/>
+          </a:fontRef>
+        </p:style>
+      </p:cxnSp>
+      <p:sp>
+        <p:nvSpPr>
+          <p:cNvPr id="126" name="TextBox 125">
+            <a:extLst>
+              <a:ext uri="{FF2B5EF4-FFF2-40B4-BE49-F238E27FC236}">
+                <a16:creationId xmlns:a16="http://schemas.microsoft.com/office/drawing/2014/main" id="{3CCF4AAE-AF29-4AF4-B3BA-E42E05650894}"/>
+              </a:ext>
+            </a:extLst>
+          </p:cNvPr>
+          <p:cNvSpPr txBox="1"/>
+          <p:nvPr/>
+        </p:nvSpPr>
+        <p:spPr>
+          <a:xfrm>
+            <a:off x="6001078" y="4290224"/>
+            <a:ext cx="189257" cy="178683"/>
+          </a:xfrm>
+          <a:prstGeom prst="rect">
+            <a:avLst/>
+          </a:prstGeom>
+          <a:noFill/>
+        </p:spPr>
+        <p:txBody>
+          <a:bodyPr wrap="square" lIns="0" tIns="0" rIns="0" bIns="0" rtlCol="0">
+            <a:noAutofit/>
+          </a:bodyPr>
+          <a:lstStyle/>
+          <a:p>
+            <a:pPr algn="ctr"/>
+            <a:r>
+              <a:rPr lang="en-US" sz="1100" dirty="0">
+                <a:solidFill>
+                  <a:srgbClr val="7030A0"/>
+                </a:solidFill>
+              </a:rPr>
+              <a:t>*</a:t>
+            </a:r>
+            <a:endParaRPr lang="en-SG" sz="1100" dirty="0">
+              <a:solidFill>
+                <a:srgbClr val="7030A0"/>
+              </a:solidFill>
+            </a:endParaRPr>
+          </a:p>
+        </p:txBody>
+      </p:sp>
+      <p:sp>
+        <p:nvSpPr>
+          <p:cNvPr id="127" name="TextBox 126">
+            <a:extLst>
+              <a:ext uri="{FF2B5EF4-FFF2-40B4-BE49-F238E27FC236}">
+                <a16:creationId xmlns:a16="http://schemas.microsoft.com/office/drawing/2014/main" id="{EF49AE08-4BBE-4F75-9850-E367BB081C0F}"/>
+              </a:ext>
+            </a:extLst>
+          </p:cNvPr>
+          <p:cNvSpPr txBox="1"/>
+          <p:nvPr/>
+        </p:nvSpPr>
+        <p:spPr>
+          <a:xfrm>
+            <a:off x="6590144" y="5288296"/>
+            <a:ext cx="189257" cy="178683"/>
+          </a:xfrm>
+          <a:prstGeom prst="rect">
+            <a:avLst/>
+          </a:prstGeom>
+          <a:noFill/>
+        </p:spPr>
+        <p:txBody>
+          <a:bodyPr wrap="square" lIns="0" tIns="0" rIns="0" bIns="0" rtlCol="0">
+            <a:noAutofit/>
+          </a:bodyPr>
+          <a:lstStyle/>
+          <a:p>
+            <a:pPr algn="ctr"/>
+            <a:r>
+              <a:rPr lang="en-US" sz="1100" dirty="0">
+                <a:solidFill>
+                  <a:srgbClr val="7030A0"/>
+                </a:solidFill>
+              </a:rPr>
+              <a:t>*</a:t>
+            </a:r>
+            <a:endParaRPr lang="en-SG" sz="1100" dirty="0">
+              <a:solidFill>
+                <a:srgbClr val="7030A0"/>
+              </a:solidFill>
+            </a:endParaRPr>
+          </a:p>
+        </p:txBody>
+      </p:sp>
+      <p:sp>
+        <p:nvSpPr>
+          <p:cNvPr id="128" name="TextBox 127">
+            <a:extLst>
+              <a:ext uri="{FF2B5EF4-FFF2-40B4-BE49-F238E27FC236}">
+                <a16:creationId xmlns:a16="http://schemas.microsoft.com/office/drawing/2014/main" id="{0E359F9A-6CA7-423F-9955-1BFFF23F4CB8}"/>
+              </a:ext>
+            </a:extLst>
+          </p:cNvPr>
+          <p:cNvSpPr txBox="1"/>
+          <p:nvPr/>
+        </p:nvSpPr>
+        <p:spPr>
+          <a:xfrm>
+            <a:off x="6507757" y="6346477"/>
+            <a:ext cx="189257" cy="178683"/>
+          </a:xfrm>
+          <a:prstGeom prst="rect">
+            <a:avLst/>
+          </a:prstGeom>
+          <a:noFill/>
+        </p:spPr>
+        <p:txBody>
+          <a:bodyPr wrap="square" lIns="0" tIns="0" rIns="0" bIns="0" rtlCol="0">
+            <a:noAutofit/>
+          </a:bodyPr>
+          <a:lstStyle/>
+          <a:p>
+            <a:pPr algn="ctr"/>
+            <a:r>
+              <a:rPr lang="en-US" sz="1100" dirty="0">
+                <a:solidFill>
+                  <a:srgbClr val="7030A0"/>
+                </a:solidFill>
+              </a:rPr>
+              <a:t>*</a:t>
+            </a:r>
+            <a:endParaRPr lang="en-SG" sz="1100" dirty="0">
+              <a:solidFill>
+                <a:srgbClr val="7030A0"/>
+              </a:solidFill>
+            </a:endParaRPr>
+          </a:p>
+        </p:txBody>
+      </p:sp>
+      <p:sp>
+        <p:nvSpPr>
+          <p:cNvPr id="129" name="TextBox 128">
+            <a:extLst>
+              <a:ext uri="{FF2B5EF4-FFF2-40B4-BE49-F238E27FC236}">
+                <a16:creationId xmlns:a16="http://schemas.microsoft.com/office/drawing/2014/main" id="{E15A3EB2-A186-4965-BD5D-88FCFE928BDC}"/>
+              </a:ext>
+            </a:extLst>
+          </p:cNvPr>
+          <p:cNvSpPr txBox="1"/>
+          <p:nvPr/>
+        </p:nvSpPr>
+        <p:spPr>
+          <a:xfrm>
+            <a:off x="6384229" y="7437971"/>
+            <a:ext cx="189257" cy="178683"/>
+          </a:xfrm>
+          <a:prstGeom prst="rect">
+            <a:avLst/>
+          </a:prstGeom>
+          <a:noFill/>
+        </p:spPr>
+        <p:txBody>
+          <a:bodyPr wrap="square" lIns="0" tIns="0" rIns="0" bIns="0" rtlCol="0">
+            <a:noAutofit/>
+          </a:bodyPr>
+          <a:lstStyle/>
+          <a:p>
+            <a:pPr algn="ctr"/>
+            <a:r>
+              <a:rPr lang="en-US" sz="1100" dirty="0">
+                <a:solidFill>
+                  <a:srgbClr val="7030A0"/>
+                </a:solidFill>
+              </a:rPr>
+              <a:t>*</a:t>
+            </a:r>
+            <a:endParaRPr lang="en-SG" sz="1100" dirty="0">
+              <a:solidFill>
+                <a:srgbClr val="7030A0"/>
+              </a:solidFill>
+            </a:endParaRPr>
+          </a:p>
+        </p:txBody>
+      </p:sp>
+      <p:cxnSp>
+        <p:nvCxnSpPr>
+          <p:cNvPr id="130" name="Elbow Connector 63">
+            <a:extLst>
+              <a:ext uri="{FF2B5EF4-FFF2-40B4-BE49-F238E27FC236}">
+                <a16:creationId xmlns:a16="http://schemas.microsoft.com/office/drawing/2014/main" id="{B8D1E90D-AC54-46A0-BCD4-D83EFE90B908}"/>
+              </a:ext>
+            </a:extLst>
+          </p:cNvPr>
+          <p:cNvCxnSpPr>
+            <a:cxnSpLocks/>
+          </p:cNvCxnSpPr>
+          <p:nvPr/>
+        </p:nvCxnSpPr>
+        <p:spPr>
+          <a:xfrm flipV="1">
+            <a:off x="6511762" y="5264077"/>
+            <a:ext cx="267639" cy="2"/>
+          </a:xfrm>
+          <a:prstGeom prst="bentConnector3">
+            <a:avLst/>
+          </a:prstGeom>
+          <a:ln w="19050">
+            <a:solidFill>
+              <a:srgbClr val="7030A0"/>
+            </a:solidFill>
+            <a:headEnd type="none" w="med" len="med"/>
+            <a:tailEnd type="arrow" w="med" len="med"/>
+          </a:ln>
+          <a:effectLst/>
+        </p:spPr>
+        <p:style>
+          <a:lnRef idx="1">
+            <a:schemeClr val="accent2"/>
+          </a:lnRef>
+          <a:fillRef idx="2">
+            <a:schemeClr val="accent2"/>
+          </a:fillRef>
+          <a:effectRef idx="1">
+            <a:schemeClr val="accent2"/>
+          </a:effectRef>
+          <a:fontRef idx="minor">
+            <a:schemeClr val="dk1"/>
+          </a:fontRef>
+        </p:style>
+      </p:cxnSp>
+      <p:cxnSp>
+        <p:nvCxnSpPr>
+          <p:cNvPr id="131" name="Elbow Connector 63">
+            <a:extLst>
+              <a:ext uri="{FF2B5EF4-FFF2-40B4-BE49-F238E27FC236}">
+                <a16:creationId xmlns:a16="http://schemas.microsoft.com/office/drawing/2014/main" id="{F7024177-ED6D-430C-AB06-40A08E6DEDE3}"/>
+              </a:ext>
+            </a:extLst>
+          </p:cNvPr>
+          <p:cNvCxnSpPr>
+            <a:cxnSpLocks/>
+          </p:cNvCxnSpPr>
+          <p:nvPr/>
+        </p:nvCxnSpPr>
+        <p:spPr>
+          <a:xfrm flipV="1">
+            <a:off x="6449896" y="6324606"/>
+            <a:ext cx="267639" cy="2"/>
+          </a:xfrm>
+          <a:prstGeom prst="bentConnector3">
+            <a:avLst/>
+          </a:prstGeom>
+          <a:ln w="19050">
+            <a:solidFill>
+              <a:srgbClr val="7030A0"/>
+            </a:solidFill>
+            <a:headEnd type="none" w="med" len="med"/>
+            <a:tailEnd type="arrow" w="med" len="med"/>
+          </a:ln>
+          <a:effectLst/>
+        </p:spPr>
+        <p:style>
+          <a:lnRef idx="1">
+            <a:schemeClr val="accent2"/>
+          </a:lnRef>
+          <a:fillRef idx="2">
+            <a:schemeClr val="accent2"/>
+          </a:fillRef>
+          <a:effectRef idx="1">
+            <a:schemeClr val="accent2"/>
+          </a:effectRef>
+          <a:fontRef idx="minor">
+            <a:schemeClr val="dk1"/>
+          </a:fontRef>
+        </p:style>
+      </p:cxnSp>
+      <p:cxnSp>
+        <p:nvCxnSpPr>
+          <p:cNvPr id="132" name="Elbow Connector 63">
+            <a:extLst>
+              <a:ext uri="{FF2B5EF4-FFF2-40B4-BE49-F238E27FC236}">
+                <a16:creationId xmlns:a16="http://schemas.microsoft.com/office/drawing/2014/main" id="{0636132C-2D16-4834-A2A4-1F55FDF8B52E}"/>
+              </a:ext>
+            </a:extLst>
+          </p:cNvPr>
+          <p:cNvCxnSpPr>
+            <a:cxnSpLocks/>
+          </p:cNvCxnSpPr>
+          <p:nvPr/>
+        </p:nvCxnSpPr>
+        <p:spPr>
+          <a:xfrm flipV="1">
+            <a:off x="6334747" y="7404954"/>
+            <a:ext cx="267639" cy="2"/>
+          </a:xfrm>
+          <a:prstGeom prst="bentConnector3">
+            <a:avLst/>
+          </a:prstGeom>
+          <a:ln w="19050">
+            <a:solidFill>
+              <a:srgbClr val="7030A0"/>
+            </a:solidFill>
+            <a:headEnd type="none" w="med" len="med"/>
+            <a:tailEnd type="arrow" w="med" len="med"/>
+          </a:ln>
+          <a:effectLst/>
+        </p:spPr>
+        <p:style>
+          <a:lnRef idx="1">
+            <a:schemeClr val="accent2"/>
+          </a:lnRef>
+          <a:fillRef idx="2">
+            <a:schemeClr val="accent2"/>
+          </a:fillRef>
+          <a:effectRef idx="1">
+            <a:schemeClr val="accent2"/>
+          </a:effectRef>
+          <a:fontRef idx="minor">
+            <a:schemeClr val="dk1"/>
+          </a:fontRef>
+        </p:style>
+      </p:cxnSp>
+      <p:sp>
+        <p:nvSpPr>
+          <p:cNvPr id="133" name="Flowchart: Decision 96">
+            <a:extLst>
+              <a:ext uri="{FF2B5EF4-FFF2-40B4-BE49-F238E27FC236}">
+                <a16:creationId xmlns:a16="http://schemas.microsoft.com/office/drawing/2014/main" id="{10338251-2835-49CF-87A4-EC43355A23CC}"/>
+              </a:ext>
+            </a:extLst>
+          </p:cNvPr>
+          <p:cNvSpPr/>
+          <p:nvPr/>
+        </p:nvSpPr>
+        <p:spPr>
+          <a:xfrm>
+            <a:off x="6772227" y="4169695"/>
+            <a:ext cx="236048" cy="173380"/>
+          </a:xfrm>
+          <a:prstGeom prst="flowChartDecision">
+            <a:avLst/>
+          </a:prstGeom>
+          <a:solidFill>
+            <a:srgbClr val="7030A0"/>
+          </a:solidFill>
+          <a:ln w="19050">
+            <a:solidFill>
+              <a:srgbClr val="7030A0"/>
+            </a:solidFill>
+          </a:ln>
+          <a:effectLst/>
+        </p:spPr>
+        <p:style>
+          <a:lnRef idx="1">
+            <a:schemeClr val="accent6"/>
+          </a:lnRef>
+          <a:fillRef idx="2">
+            <a:schemeClr val="accent6"/>
+          </a:fillRef>
+          <a:effectRef idx="1">
+            <a:schemeClr val="accent6"/>
+          </a:effectRef>
+          <a:fontRef idx="minor">
+            <a:schemeClr val="dk1"/>
+          </a:fontRef>
+        </p:style>
+        <p:txBody>
+          <a:bodyPr rtlCol="0" anchor="ctr"/>
+          <a:lstStyle/>
+          <a:p>
+            <a:pPr algn="ctr"/>
+            <a:endParaRPr lang="en-US" sz="1050"/>
+          </a:p>
+        </p:txBody>
+      </p:sp>
+      <p:sp>
+        <p:nvSpPr>
+          <p:cNvPr id="134" name="Flowchart: Decision 96">
+            <a:extLst>
+              <a:ext uri="{FF2B5EF4-FFF2-40B4-BE49-F238E27FC236}">
+                <a16:creationId xmlns:a16="http://schemas.microsoft.com/office/drawing/2014/main" id="{C64BF5CE-ED48-415A-9B3B-39099717BCFA}"/>
+              </a:ext>
+            </a:extLst>
+          </p:cNvPr>
+          <p:cNvSpPr/>
+          <p:nvPr/>
+        </p:nvSpPr>
+        <p:spPr>
+          <a:xfrm>
+            <a:off x="7442847" y="6238905"/>
+            <a:ext cx="236048" cy="173380"/>
+          </a:xfrm>
+          <a:prstGeom prst="flowChartDecision">
+            <a:avLst/>
+          </a:prstGeom>
+          <a:solidFill>
+            <a:srgbClr val="7030A0"/>
+          </a:solidFill>
+          <a:ln w="19050">
+            <a:solidFill>
+              <a:srgbClr val="7030A0"/>
+            </a:solidFill>
+          </a:ln>
+          <a:effectLst/>
+        </p:spPr>
+        <p:style>
+          <a:lnRef idx="1">
+            <a:schemeClr val="accent6"/>
+          </a:lnRef>
+          <a:fillRef idx="2">
+            <a:schemeClr val="accent6"/>
+          </a:fillRef>
+          <a:effectRef idx="1">
+            <a:schemeClr val="accent6"/>
+          </a:effectRef>
+          <a:fontRef idx="minor">
+            <a:schemeClr val="dk1"/>
+          </a:fontRef>
+        </p:style>
+        <p:txBody>
+          <a:bodyPr rtlCol="0" anchor="ctr"/>
+          <a:lstStyle/>
+          <a:p>
+            <a:pPr algn="ctr"/>
+            <a:endParaRPr lang="en-US" sz="1050"/>
+          </a:p>
+        </p:txBody>
+      </p:sp>
+      <p:sp>
+        <p:nvSpPr>
+          <p:cNvPr id="135" name="Flowchart: Decision 96">
+            <a:extLst>
+              <a:ext uri="{FF2B5EF4-FFF2-40B4-BE49-F238E27FC236}">
+                <a16:creationId xmlns:a16="http://schemas.microsoft.com/office/drawing/2014/main" id="{AAFFC424-73B6-44A1-BCD1-54FC418BEDA4}"/>
+              </a:ext>
+            </a:extLst>
+          </p:cNvPr>
+          <p:cNvSpPr/>
+          <p:nvPr/>
+        </p:nvSpPr>
+        <p:spPr>
+          <a:xfrm>
+            <a:off x="7502805" y="5167817"/>
+            <a:ext cx="236048" cy="173380"/>
+          </a:xfrm>
+          <a:prstGeom prst="flowChartDecision">
+            <a:avLst/>
+          </a:prstGeom>
+          <a:solidFill>
+            <a:srgbClr val="7030A0"/>
+          </a:solidFill>
+          <a:ln w="19050">
+            <a:solidFill>
+              <a:srgbClr val="7030A0"/>
+            </a:solidFill>
+          </a:ln>
+          <a:effectLst/>
+        </p:spPr>
+        <p:style>
+          <a:lnRef idx="1">
+            <a:schemeClr val="accent6"/>
+          </a:lnRef>
+          <a:fillRef idx="2">
+            <a:schemeClr val="accent6"/>
+          </a:fillRef>
+          <a:effectRef idx="1">
+            <a:schemeClr val="accent6"/>
+          </a:effectRef>
+          <a:fontRef idx="minor">
+            <a:schemeClr val="dk1"/>
+          </a:fontRef>
+        </p:style>
+        <p:txBody>
+          <a:bodyPr rtlCol="0" anchor="ctr"/>
+          <a:lstStyle/>
+          <a:p>
+            <a:pPr algn="ctr"/>
+            <a:endParaRPr lang="en-US" sz="1050"/>
+          </a:p>
+        </p:txBody>
+      </p:sp>
+      <p:sp>
+        <p:nvSpPr>
+          <p:cNvPr id="136" name="Flowchart: Decision 96">
+            <a:extLst>
+              <a:ext uri="{FF2B5EF4-FFF2-40B4-BE49-F238E27FC236}">
+                <a16:creationId xmlns:a16="http://schemas.microsoft.com/office/drawing/2014/main" id="{26717874-3523-4A03-9736-CE8F63AD79E9}"/>
+              </a:ext>
+            </a:extLst>
+          </p:cNvPr>
+          <p:cNvSpPr/>
+          <p:nvPr/>
+        </p:nvSpPr>
+        <p:spPr>
+          <a:xfrm>
+            <a:off x="7313962" y="7327520"/>
+            <a:ext cx="236048" cy="173380"/>
+          </a:xfrm>
+          <a:prstGeom prst="flowChartDecision">
+            <a:avLst/>
+          </a:prstGeom>
+          <a:solidFill>
+            <a:srgbClr val="7030A0"/>
+          </a:solidFill>
+          <a:ln w="19050">
+            <a:solidFill>
+              <a:srgbClr val="7030A0"/>
+            </a:solidFill>
+          </a:ln>
+          <a:effectLst/>
+        </p:spPr>
+        <p:style>
+          <a:lnRef idx="1">
+            <a:schemeClr val="accent6"/>
+          </a:lnRef>
+          <a:fillRef idx="2">
+            <a:schemeClr val="accent6"/>
+          </a:fillRef>
+          <a:effectRef idx="1">
+            <a:schemeClr val="accent6"/>
+          </a:effectRef>
+          <a:fontRef idx="minor">
+            <a:schemeClr val="dk1"/>
+          </a:fontRef>
+        </p:style>
+        <p:txBody>
+          <a:bodyPr rtlCol="0" anchor="ctr"/>
+          <a:lstStyle/>
+          <a:p>
+            <a:pPr algn="ctr"/>
+            <a:endParaRPr lang="en-US" sz="1050"/>
+          </a:p>
+        </p:txBody>
+      </p:sp>
+      <p:cxnSp>
+        <p:nvCxnSpPr>
+          <p:cNvPr id="137" name="Elbow Connector 78">
+            <a:extLst>
+              <a:ext uri="{FF2B5EF4-FFF2-40B4-BE49-F238E27FC236}">
+                <a16:creationId xmlns:a16="http://schemas.microsoft.com/office/drawing/2014/main" id="{B4014967-EB43-4ADD-AC8D-24C2B4F0BD4B}"/>
+              </a:ext>
+            </a:extLst>
+          </p:cNvPr>
+          <p:cNvCxnSpPr>
+            <a:cxnSpLocks/>
+            <a:endCxn id="143" idx="1"/>
+          </p:cNvCxnSpPr>
+          <p:nvPr/>
+        </p:nvCxnSpPr>
+        <p:spPr>
+          <a:xfrm flipV="1">
+            <a:off x="6984874" y="2309496"/>
+            <a:ext cx="3470330" cy="1955408"/>
+          </a:xfrm>
+          <a:prstGeom prst="bentConnector3">
+            <a:avLst>
+              <a:gd name="adj1" fmla="val 50000"/>
+            </a:avLst>
+          </a:prstGeom>
+          <a:ln w="19050">
+            <a:solidFill>
+              <a:srgbClr val="7030A0"/>
+            </a:solidFill>
+            <a:headEnd type="none" w="med" len="med"/>
+            <a:tailEnd type="arrow" w="med" len="med"/>
+          </a:ln>
+          <a:effectLst/>
+        </p:spPr>
+        <p:style>
+          <a:lnRef idx="1">
+            <a:schemeClr val="accent2"/>
+          </a:lnRef>
+          <a:fillRef idx="2">
+            <a:schemeClr val="accent2"/>
+          </a:fillRef>
+          <a:effectRef idx="1">
+            <a:schemeClr val="accent2"/>
+          </a:effectRef>
+          <a:fontRef idx="minor">
+            <a:schemeClr val="dk1"/>
+          </a:fontRef>
+        </p:style>
+      </p:cxnSp>
+      <p:cxnSp>
+        <p:nvCxnSpPr>
+          <p:cNvPr id="138" name="Elbow Connector 78">
+            <a:extLst>
+              <a:ext uri="{FF2B5EF4-FFF2-40B4-BE49-F238E27FC236}">
+                <a16:creationId xmlns:a16="http://schemas.microsoft.com/office/drawing/2014/main" id="{C93DB87C-D782-49F1-ADDC-3534D95D6213}"/>
+              </a:ext>
+            </a:extLst>
+          </p:cNvPr>
+          <p:cNvCxnSpPr>
+            <a:cxnSpLocks/>
+          </p:cNvCxnSpPr>
+          <p:nvPr/>
+        </p:nvCxnSpPr>
+        <p:spPr>
+          <a:xfrm flipV="1">
+            <a:off x="7029701" y="3013590"/>
+            <a:ext cx="3443998" cy="1248891"/>
+          </a:xfrm>
+          <a:prstGeom prst="bentConnector3">
+            <a:avLst>
+              <a:gd name="adj1" fmla="val 50000"/>
+            </a:avLst>
+          </a:prstGeom>
+          <a:ln w="19050">
+            <a:solidFill>
+              <a:srgbClr val="7030A0"/>
+            </a:solidFill>
+            <a:headEnd type="none" w="med" len="med"/>
+            <a:tailEnd type="arrow" w="med" len="med"/>
+          </a:ln>
+          <a:effectLst/>
+        </p:spPr>
+        <p:style>
+          <a:lnRef idx="1">
+            <a:schemeClr val="accent2"/>
+          </a:lnRef>
+          <a:fillRef idx="2">
+            <a:schemeClr val="accent2"/>
+          </a:fillRef>
+          <a:effectRef idx="1">
+            <a:schemeClr val="accent2"/>
+          </a:effectRef>
+          <a:fontRef idx="minor">
+            <a:schemeClr val="dk1"/>
+          </a:fontRef>
+        </p:style>
+      </p:cxnSp>
+      <p:cxnSp>
+        <p:nvCxnSpPr>
+          <p:cNvPr id="140" name="Elbow Connector 78">
+            <a:extLst>
+              <a:ext uri="{FF2B5EF4-FFF2-40B4-BE49-F238E27FC236}">
+                <a16:creationId xmlns:a16="http://schemas.microsoft.com/office/drawing/2014/main" id="{DDAD6795-66EB-4744-8767-573AB9C9E094}"/>
+              </a:ext>
+            </a:extLst>
+          </p:cNvPr>
+          <p:cNvCxnSpPr>
+            <a:cxnSpLocks/>
+          </p:cNvCxnSpPr>
+          <p:nvPr/>
+        </p:nvCxnSpPr>
+        <p:spPr>
+          <a:xfrm flipV="1">
+            <a:off x="7540834" y="6823612"/>
+            <a:ext cx="802537" cy="586682"/>
+          </a:xfrm>
+          <a:prstGeom prst="bentConnector3">
+            <a:avLst>
+              <a:gd name="adj1" fmla="val 43670"/>
+            </a:avLst>
+          </a:prstGeom>
+          <a:ln w="19050">
+            <a:solidFill>
+              <a:srgbClr val="7030A0"/>
+            </a:solidFill>
+            <a:headEnd type="none" w="med" len="med"/>
+            <a:tailEnd type="arrow" w="med" len="med"/>
+          </a:ln>
+          <a:effectLst/>
+        </p:spPr>
+        <p:style>
+          <a:lnRef idx="1">
+            <a:schemeClr val="accent2"/>
+          </a:lnRef>
+          <a:fillRef idx="2">
+            <a:schemeClr val="accent2"/>
+          </a:fillRef>
+          <a:effectRef idx="1">
+            <a:schemeClr val="accent2"/>
+          </a:effectRef>
+          <a:fontRef idx="minor">
+            <a:schemeClr val="dk1"/>
+          </a:fontRef>
+        </p:style>
+      </p:cxnSp>
+      <p:sp>
+        <p:nvSpPr>
+          <p:cNvPr id="141" name="Rectangle 8">
+            <a:extLst>
+              <a:ext uri="{FF2B5EF4-FFF2-40B4-BE49-F238E27FC236}">
+                <a16:creationId xmlns:a16="http://schemas.microsoft.com/office/drawing/2014/main" id="{EFBC0FFA-F5CA-4D8C-97FD-3663FE1F1A3A}"/>
+              </a:ext>
+            </a:extLst>
+          </p:cNvPr>
+          <p:cNvSpPr/>
+          <p:nvPr/>
+        </p:nvSpPr>
+        <p:spPr>
+          <a:xfrm>
+            <a:off x="10464942" y="2513876"/>
+            <a:ext cx="965057" cy="242840"/>
+          </a:xfrm>
+          <a:prstGeom prst="rect">
+            <a:avLst/>
+          </a:prstGeom>
+          <a:ln w="19050">
+            <a:solidFill>
+              <a:srgbClr val="7030A0"/>
+            </a:solidFill>
+          </a:ln>
+          <a:effectLst/>
+        </p:spPr>
+        <p:style>
+          <a:lnRef idx="1">
+            <a:schemeClr val="accent4"/>
+          </a:lnRef>
+          <a:fillRef idx="2">
+            <a:schemeClr val="accent4"/>
+          </a:fillRef>
+          <a:effectRef idx="1">
+            <a:schemeClr val="accent4"/>
+          </a:effectRef>
+          <a:fontRef idx="minor">
+            <a:schemeClr val="dk1"/>
+          </a:fontRef>
+        </p:style>
+        <p:txBody>
+          <a:bodyPr rtlCol="0" anchor="ctr"/>
+          <a:lstStyle/>
+          <a:p>
+            <a:pPr algn="ctr"/>
+            <a:r>
+              <a:rPr lang="en-US" sz="1050" dirty="0" err="1">
+                <a:solidFill>
+                  <a:srgbClr val="7030A0"/>
+                </a:solidFill>
+              </a:rPr>
+              <a:t>DeadlineDate</a:t>
+            </a:r>
+            <a:endParaRPr lang="en-SG" sz="1050" dirty="0">
+              <a:solidFill>
+                <a:srgbClr val="7030A0"/>
+              </a:solidFill>
+            </a:endParaRPr>
+          </a:p>
+        </p:txBody>
+      </p:sp>
+      <p:sp>
+        <p:nvSpPr>
+          <p:cNvPr id="142" name="Rectangle 8">
+            <a:extLst>
+              <a:ext uri="{FF2B5EF4-FFF2-40B4-BE49-F238E27FC236}">
+                <a16:creationId xmlns:a16="http://schemas.microsoft.com/office/drawing/2014/main" id="{D80A78ED-E869-4FA4-A0C9-DE2CC5A22697}"/>
+              </a:ext>
+            </a:extLst>
+          </p:cNvPr>
+          <p:cNvSpPr/>
+          <p:nvPr/>
+        </p:nvSpPr>
+        <p:spPr>
+          <a:xfrm>
+            <a:off x="10459571" y="2867078"/>
+            <a:ext cx="951963" cy="301795"/>
+          </a:xfrm>
+          <a:prstGeom prst="rect">
+            <a:avLst/>
+          </a:prstGeom>
+          <a:ln w="19050">
+            <a:solidFill>
+              <a:srgbClr val="7030A0"/>
+            </a:solidFill>
+          </a:ln>
+          <a:effectLst/>
+        </p:spPr>
+        <p:style>
+          <a:lnRef idx="1">
+            <a:schemeClr val="accent4"/>
+          </a:lnRef>
+          <a:fillRef idx="2">
+            <a:schemeClr val="accent4"/>
+          </a:fillRef>
+          <a:effectRef idx="1">
+            <a:schemeClr val="accent4"/>
+          </a:effectRef>
+          <a:fontRef idx="minor">
+            <a:schemeClr val="dk1"/>
+          </a:fontRef>
+        </p:style>
+        <p:txBody>
+          <a:bodyPr rtlCol="0" anchor="ctr"/>
+          <a:lstStyle/>
+          <a:p>
+            <a:pPr algn="ctr"/>
+            <a:r>
+              <a:rPr lang="en-US" sz="1050" dirty="0" err="1">
+                <a:solidFill>
+                  <a:srgbClr val="7030A0"/>
+                </a:solidFill>
+              </a:rPr>
+              <a:t>DeadlineTime</a:t>
+            </a:r>
+            <a:endParaRPr lang="en-SG" sz="1050" dirty="0">
+              <a:solidFill>
+                <a:srgbClr val="7030A0"/>
+              </a:solidFill>
+            </a:endParaRPr>
+          </a:p>
+        </p:txBody>
+      </p:sp>
+      <p:sp>
+        <p:nvSpPr>
+          <p:cNvPr id="143" name="Rectangle 8">
+            <a:extLst>
+              <a:ext uri="{FF2B5EF4-FFF2-40B4-BE49-F238E27FC236}">
+                <a16:creationId xmlns:a16="http://schemas.microsoft.com/office/drawing/2014/main" id="{46E4652C-8A93-4C0E-9A7D-35F4261E1982}"/>
+              </a:ext>
+            </a:extLst>
+          </p:cNvPr>
+          <p:cNvSpPr/>
+          <p:nvPr/>
+        </p:nvSpPr>
+        <p:spPr>
+          <a:xfrm>
+            <a:off x="10455204" y="2177727"/>
+            <a:ext cx="815055" cy="263538"/>
+          </a:xfrm>
+          <a:prstGeom prst="rect">
+            <a:avLst/>
+          </a:prstGeom>
+          <a:ln w="19050">
+            <a:solidFill>
+              <a:srgbClr val="7030A0"/>
+            </a:solidFill>
+          </a:ln>
+          <a:effectLst/>
+        </p:spPr>
+        <p:style>
+          <a:lnRef idx="1">
+            <a:schemeClr val="accent4"/>
+          </a:lnRef>
+          <a:fillRef idx="2">
+            <a:schemeClr val="accent4"/>
+          </a:fillRef>
+          <a:effectRef idx="1">
+            <a:schemeClr val="accent4"/>
+          </a:effectRef>
+          <a:fontRef idx="minor">
+            <a:schemeClr val="dk1"/>
+          </a:fontRef>
+        </p:style>
+        <p:txBody>
+          <a:bodyPr rtlCol="0" anchor="ctr"/>
+          <a:lstStyle/>
+          <a:p>
+            <a:pPr algn="ctr"/>
+            <a:r>
+              <a:rPr lang="en-US" sz="1050" dirty="0" err="1">
+                <a:solidFill>
+                  <a:srgbClr val="7030A0"/>
+                </a:solidFill>
+              </a:rPr>
+              <a:t>TaskName</a:t>
+            </a:r>
+            <a:endParaRPr lang="en-US" sz="1050" dirty="0">
+              <a:solidFill>
+                <a:srgbClr val="7030A0"/>
+              </a:solidFill>
+            </a:endParaRPr>
+          </a:p>
+        </p:txBody>
+      </p:sp>
+      <p:cxnSp>
+        <p:nvCxnSpPr>
+          <p:cNvPr id="145" name="Elbow Connector 78">
+            <a:extLst>
+              <a:ext uri="{FF2B5EF4-FFF2-40B4-BE49-F238E27FC236}">
+                <a16:creationId xmlns:a16="http://schemas.microsoft.com/office/drawing/2014/main" id="{B9AB239D-39D7-4E71-A65A-704617499362}"/>
+              </a:ext>
+            </a:extLst>
+          </p:cNvPr>
+          <p:cNvCxnSpPr>
+            <a:cxnSpLocks/>
+          </p:cNvCxnSpPr>
+          <p:nvPr/>
+        </p:nvCxnSpPr>
+        <p:spPr>
+          <a:xfrm flipV="1">
+            <a:off x="7005407" y="3458594"/>
+            <a:ext cx="3449797" cy="801056"/>
+          </a:xfrm>
+          <a:prstGeom prst="bentConnector3">
+            <a:avLst/>
+          </a:prstGeom>
+          <a:ln w="19050">
+            <a:solidFill>
+              <a:srgbClr val="7030A0"/>
+            </a:solidFill>
+            <a:headEnd type="none" w="med" len="med"/>
+            <a:tailEnd type="arrow" w="med" len="med"/>
+          </a:ln>
+          <a:effectLst/>
+        </p:spPr>
+        <p:style>
+          <a:lnRef idx="1">
+            <a:schemeClr val="accent2"/>
+          </a:lnRef>
+          <a:fillRef idx="2">
+            <a:schemeClr val="accent2"/>
+          </a:fillRef>
+          <a:effectRef idx="1">
+            <a:schemeClr val="accent2"/>
+          </a:effectRef>
+          <a:fontRef idx="minor">
+            <a:schemeClr val="dk1"/>
+          </a:fontRef>
+        </p:style>
+      </p:cxnSp>
+      <p:cxnSp>
+        <p:nvCxnSpPr>
+          <p:cNvPr id="146" name="Elbow Connector 78">
+            <a:extLst>
+              <a:ext uri="{FF2B5EF4-FFF2-40B4-BE49-F238E27FC236}">
+                <a16:creationId xmlns:a16="http://schemas.microsoft.com/office/drawing/2014/main" id="{FE910F7D-24C8-4451-A500-98B9E0C5173E}"/>
+              </a:ext>
+            </a:extLst>
+          </p:cNvPr>
+          <p:cNvCxnSpPr>
+            <a:cxnSpLocks/>
+            <a:endCxn id="141" idx="1"/>
+          </p:cNvCxnSpPr>
+          <p:nvPr/>
+        </p:nvCxnSpPr>
+        <p:spPr>
+          <a:xfrm flipV="1">
+            <a:off x="7013481" y="2635296"/>
+            <a:ext cx="3451461" cy="1619906"/>
+          </a:xfrm>
+          <a:prstGeom prst="bentConnector3">
+            <a:avLst/>
+          </a:prstGeom>
+          <a:ln w="19050">
+            <a:solidFill>
+              <a:srgbClr val="7030A0"/>
+            </a:solidFill>
+            <a:headEnd type="none" w="med" len="med"/>
+            <a:tailEnd type="arrow" w="med" len="med"/>
+          </a:ln>
+          <a:effectLst/>
+        </p:spPr>
+        <p:style>
+          <a:lnRef idx="1">
+            <a:schemeClr val="accent2"/>
+          </a:lnRef>
+          <a:fillRef idx="2">
+            <a:schemeClr val="accent2"/>
+          </a:fillRef>
+          <a:effectRef idx="1">
+            <a:schemeClr val="accent2"/>
+          </a:effectRef>
+          <a:fontRef idx="minor">
+            <a:schemeClr val="dk1"/>
+          </a:fontRef>
+        </p:style>
+      </p:cxnSp>
+      <p:sp>
+        <p:nvSpPr>
+          <p:cNvPr id="147" name="Rectangle 8">
+            <a:extLst>
+              <a:ext uri="{FF2B5EF4-FFF2-40B4-BE49-F238E27FC236}">
+                <a16:creationId xmlns:a16="http://schemas.microsoft.com/office/drawing/2014/main" id="{0BC21F6D-389F-4E5A-9B5A-883C04E1AFB5}"/>
+              </a:ext>
+            </a:extLst>
+          </p:cNvPr>
+          <p:cNvSpPr/>
+          <p:nvPr/>
+        </p:nvSpPr>
+        <p:spPr>
+          <a:xfrm>
+            <a:off x="10453040" y="3315738"/>
+            <a:ext cx="708186" cy="285783"/>
+          </a:xfrm>
+          <a:prstGeom prst="rect">
+            <a:avLst/>
+          </a:prstGeom>
+          <a:ln w="19050">
+            <a:solidFill>
+              <a:srgbClr val="7030A0"/>
+            </a:solidFill>
+          </a:ln>
+          <a:effectLst/>
+        </p:spPr>
+        <p:style>
+          <a:lnRef idx="1">
+            <a:schemeClr val="accent4"/>
+          </a:lnRef>
+          <a:fillRef idx="2">
+            <a:schemeClr val="accent4"/>
+          </a:fillRef>
+          <a:effectRef idx="1">
+            <a:schemeClr val="accent4"/>
+          </a:effectRef>
+          <a:fontRef idx="minor">
+            <a:schemeClr val="dk1"/>
+          </a:fontRef>
+        </p:style>
+        <p:txBody>
+          <a:bodyPr rtlCol="0" anchor="ctr"/>
+          <a:lstStyle/>
+          <a:p>
+            <a:pPr algn="ctr"/>
+            <a:r>
+              <a:rPr lang="en-US" sz="1050" dirty="0">
+                <a:solidFill>
+                  <a:srgbClr val="7030A0"/>
+                </a:solidFill>
+              </a:rPr>
+              <a:t>Tag</a:t>
+            </a:r>
+            <a:endParaRPr lang="en-SG" sz="1050" dirty="0">
+              <a:solidFill>
+                <a:srgbClr val="7030A0"/>
+              </a:solidFill>
+            </a:endParaRPr>
+          </a:p>
+        </p:txBody>
+      </p:sp>
+      <p:cxnSp>
+        <p:nvCxnSpPr>
+          <p:cNvPr id="153" name="Elbow Connector 63">
+            <a:extLst>
+              <a:ext uri="{FF2B5EF4-FFF2-40B4-BE49-F238E27FC236}">
+                <a16:creationId xmlns:a16="http://schemas.microsoft.com/office/drawing/2014/main" id="{F674756D-2F5D-41C7-9400-3B1D711F740A}"/>
+              </a:ext>
+            </a:extLst>
+          </p:cNvPr>
+          <p:cNvCxnSpPr>
+            <a:cxnSpLocks/>
+          </p:cNvCxnSpPr>
+          <p:nvPr/>
+        </p:nvCxnSpPr>
+        <p:spPr>
+          <a:xfrm>
+            <a:off x="3667663" y="4756663"/>
+            <a:ext cx="241452" cy="2"/>
+          </a:xfrm>
+          <a:prstGeom prst="bentConnector3">
+            <a:avLst>
+              <a:gd name="adj1" fmla="val 50000"/>
+            </a:avLst>
+          </a:prstGeom>
+          <a:ln w="19050">
+            <a:solidFill>
+              <a:srgbClr val="7030A0"/>
+            </a:solidFill>
+            <a:prstDash val="sysDot"/>
+            <a:headEnd type="none" w="med" len="med"/>
+            <a:tailEnd type="none" w="med" len="med"/>
+          </a:ln>
+          <a:effectLst/>
+        </p:spPr>
+        <p:style>
+          <a:lnRef idx="1">
+            <a:schemeClr val="accent2"/>
+          </a:lnRef>
+          <a:fillRef idx="2">
+            <a:schemeClr val="accent2"/>
+          </a:fillRef>
+          <a:effectRef idx="1">
+            <a:schemeClr val="accent2"/>
+          </a:effectRef>
+          <a:fontRef idx="minor">
+            <a:schemeClr val="dk1"/>
+          </a:fontRef>
+        </p:style>
+      </p:cxnSp>
+      <p:cxnSp>
+        <p:nvCxnSpPr>
+          <p:cNvPr id="154" name="Elbow Connector 63">
+            <a:extLst>
+              <a:ext uri="{FF2B5EF4-FFF2-40B4-BE49-F238E27FC236}">
+                <a16:creationId xmlns:a16="http://schemas.microsoft.com/office/drawing/2014/main" id="{B18AA1A1-E957-44BD-BB22-48E8C71E9287}"/>
+              </a:ext>
+            </a:extLst>
+          </p:cNvPr>
+          <p:cNvCxnSpPr>
+            <a:cxnSpLocks/>
+          </p:cNvCxnSpPr>
+          <p:nvPr/>
+        </p:nvCxnSpPr>
+        <p:spPr>
+          <a:xfrm rot="16200000" flipH="1">
+            <a:off x="3201318" y="4483252"/>
+            <a:ext cx="99898" cy="2"/>
+          </a:xfrm>
+          <a:prstGeom prst="bentConnector3">
+            <a:avLst>
+              <a:gd name="adj1" fmla="val 50000"/>
+            </a:avLst>
+          </a:prstGeom>
+          <a:ln w="19050">
+            <a:solidFill>
+              <a:srgbClr val="7030A0"/>
+            </a:solidFill>
+            <a:prstDash val="sysDot"/>
+            <a:headEnd type="none" w="med" len="med"/>
+            <a:tailEnd type="none" w="med" len="med"/>
+          </a:ln>
+          <a:effectLst/>
+        </p:spPr>
+        <p:style>
+          <a:lnRef idx="1">
+            <a:schemeClr val="accent2"/>
+          </a:lnRef>
+          <a:fillRef idx="2">
+            <a:schemeClr val="accent2"/>
+          </a:fillRef>
+          <a:effectRef idx="1">
+            <a:schemeClr val="accent2"/>
+          </a:effectRef>
+          <a:fontRef idx="minor">
+            <a:schemeClr val="dk1"/>
+          </a:fontRef>
+        </p:style>
+      </p:cxnSp>
+      <p:sp>
+        <p:nvSpPr>
+          <p:cNvPr id="163" name="Isosceles Triangle 102">
+            <a:extLst>
+              <a:ext uri="{FF2B5EF4-FFF2-40B4-BE49-F238E27FC236}">
+                <a16:creationId xmlns:a16="http://schemas.microsoft.com/office/drawing/2014/main" id="{610C009C-23F1-437C-B730-11685151CBA3}"/>
+              </a:ext>
+            </a:extLst>
+          </p:cNvPr>
+          <p:cNvSpPr/>
+          <p:nvPr/>
+        </p:nvSpPr>
+        <p:spPr>
+          <a:xfrm rot="16200000" flipV="1">
+            <a:off x="3809567" y="4689158"/>
+            <a:ext cx="282387" cy="157062"/>
+          </a:xfrm>
+          <a:prstGeom prst="triangle">
+            <a:avLst/>
+          </a:prstGeom>
+          <a:solidFill>
+            <a:schemeClr val="accent4">
+              <a:lumMod val="20000"/>
+              <a:lumOff val="80000"/>
+            </a:schemeClr>
+          </a:solidFill>
+          <a:ln w="19050">
+            <a:solidFill>
+              <a:srgbClr val="7030A0"/>
+            </a:solidFill>
+          </a:ln>
+          <a:effectLst/>
+        </p:spPr>
+        <p:style>
+          <a:lnRef idx="1">
+            <a:schemeClr val="accent4"/>
+          </a:lnRef>
+          <a:fillRef idx="2">
+            <a:schemeClr val="accent4"/>
+          </a:fillRef>
+          <a:effectRef idx="1">
+            <a:schemeClr val="accent4"/>
+          </a:effectRef>
+          <a:fontRef idx="minor">
+            <a:schemeClr val="dk1"/>
+          </a:fontRef>
+        </p:style>
+        <p:txBody>
+          <a:bodyPr rtlCol="0" anchor="ctr"/>
+          <a:lstStyle/>
+          <a:p>
+            <a:pPr algn="ctr"/>
+            <a:endParaRPr lang="en-SG" sz="1050" b="1">
+              <a:solidFill>
+                <a:srgbClr val="92D050"/>
+              </a:solidFill>
+            </a:endParaRPr>
+          </a:p>
+        </p:txBody>
+      </p:sp>
+      <p:sp>
+        <p:nvSpPr>
+          <p:cNvPr id="164" name="Isosceles Triangle 102">
+            <a:extLst>
+              <a:ext uri="{FF2B5EF4-FFF2-40B4-BE49-F238E27FC236}">
+                <a16:creationId xmlns:a16="http://schemas.microsoft.com/office/drawing/2014/main" id="{5CD1689D-D6BA-4CDB-942F-5F971EF4D3DF}"/>
+              </a:ext>
+            </a:extLst>
+          </p:cNvPr>
+          <p:cNvSpPr/>
+          <p:nvPr/>
+        </p:nvSpPr>
+        <p:spPr>
+          <a:xfrm flipV="1">
+            <a:off x="3167280" y="4542151"/>
+            <a:ext cx="189601" cy="114058"/>
+          </a:xfrm>
+          <a:prstGeom prst="triangle">
+            <a:avLst/>
+          </a:prstGeom>
+          <a:solidFill>
+            <a:schemeClr val="accent4">
+              <a:lumMod val="20000"/>
+              <a:lumOff val="80000"/>
+            </a:schemeClr>
+          </a:solidFill>
+          <a:ln w="19050">
+            <a:solidFill>
+              <a:srgbClr val="7030A0"/>
+            </a:solidFill>
+          </a:ln>
+          <a:effectLst/>
+        </p:spPr>
+        <p:style>
+          <a:lnRef idx="1">
+            <a:schemeClr val="accent4"/>
+          </a:lnRef>
+          <a:fillRef idx="2">
+            <a:schemeClr val="accent4"/>
+          </a:fillRef>
+          <a:effectRef idx="1">
+            <a:schemeClr val="accent4"/>
+          </a:effectRef>
+          <a:fontRef idx="minor">
+            <a:schemeClr val="dk1"/>
+          </a:fontRef>
+        </p:style>
+        <p:txBody>
+          <a:bodyPr rtlCol="0" anchor="ctr"/>
+          <a:lstStyle/>
+          <a:p>
+            <a:pPr algn="ctr"/>
+            <a:endParaRPr lang="en-SG" sz="1050" b="1">
+              <a:solidFill>
+                <a:srgbClr val="92D050"/>
+              </a:solidFill>
+            </a:endParaRPr>
+          </a:p>
+        </p:txBody>
+      </p:sp>
+      <p:sp>
+        <p:nvSpPr>
+          <p:cNvPr id="165" name="Rectangle 8">
+            <a:extLst>
+              <a:ext uri="{FF2B5EF4-FFF2-40B4-BE49-F238E27FC236}">
+                <a16:creationId xmlns:a16="http://schemas.microsoft.com/office/drawing/2014/main" id="{906A1489-6017-4B78-B620-3BDB8EBAE680}"/>
+              </a:ext>
+            </a:extLst>
+          </p:cNvPr>
+          <p:cNvSpPr/>
+          <p:nvPr/>
+        </p:nvSpPr>
+        <p:spPr>
+          <a:xfrm>
+            <a:off x="2825280" y="4675826"/>
+            <a:ext cx="878211" cy="248708"/>
+          </a:xfrm>
+          <a:prstGeom prst="rect">
+            <a:avLst/>
+          </a:prstGeom>
+          <a:ln w="19050">
+            <a:solidFill>
+              <a:srgbClr val="7030A0"/>
+            </a:solidFill>
+          </a:ln>
+          <a:effectLst/>
+        </p:spPr>
+        <p:style>
+          <a:lnRef idx="1">
+            <a:schemeClr val="accent4"/>
+          </a:lnRef>
+          <a:fillRef idx="2">
+            <a:schemeClr val="accent4"/>
+          </a:fillRef>
+          <a:effectRef idx="1">
+            <a:schemeClr val="accent4"/>
+          </a:effectRef>
+          <a:fontRef idx="minor">
+            <a:schemeClr val="dk1"/>
+          </a:fontRef>
+        </p:style>
+        <p:txBody>
+          <a:bodyPr rtlCol="0" anchor="ctr"/>
+          <a:lstStyle/>
+          <a:p>
+            <a:pPr algn="ctr"/>
+            <a:r>
+              <a:rPr lang="en-US" sz="1050" dirty="0" err="1">
+                <a:solidFill>
+                  <a:srgbClr val="7030A0"/>
+                </a:solidFill>
+              </a:rPr>
+              <a:t>TaskList</a:t>
+            </a:r>
+            <a:endParaRPr lang="en-SG" sz="1050" dirty="0">
+              <a:solidFill>
+                <a:srgbClr val="7030A0"/>
+              </a:solidFill>
+            </a:endParaRPr>
+          </a:p>
+        </p:txBody>
+      </p:sp>
+      <p:sp>
+        <p:nvSpPr>
+          <p:cNvPr id="169" name="Rectangle 8">
+            <a:extLst>
+              <a:ext uri="{FF2B5EF4-FFF2-40B4-BE49-F238E27FC236}">
+                <a16:creationId xmlns:a16="http://schemas.microsoft.com/office/drawing/2014/main" id="{80B1DD80-9457-47F5-971A-E3F71EFF9479}"/>
+              </a:ext>
+            </a:extLst>
+          </p:cNvPr>
+          <p:cNvSpPr/>
+          <p:nvPr/>
+        </p:nvSpPr>
+        <p:spPr>
+          <a:xfrm>
+            <a:off x="4055249" y="4543448"/>
+            <a:ext cx="1443661" cy="364396"/>
+          </a:xfrm>
+          <a:prstGeom prst="rect">
+            <a:avLst/>
+          </a:prstGeom>
+          <a:ln w="19050">
+            <a:solidFill>
+              <a:srgbClr val="7030A0"/>
+            </a:solidFill>
+          </a:ln>
+          <a:effectLst/>
+        </p:spPr>
+        <p:style>
+          <a:lnRef idx="1">
+            <a:schemeClr val="accent4"/>
+          </a:lnRef>
+          <a:fillRef idx="2">
+            <a:schemeClr val="accent4"/>
+          </a:fillRef>
+          <a:effectRef idx="1">
+            <a:schemeClr val="accent4"/>
+          </a:effectRef>
+          <a:fontRef idx="minor">
+            <a:schemeClr val="dk1"/>
+          </a:fontRef>
+        </p:style>
+        <p:txBody>
+          <a:bodyPr rtlCol="0" anchor="ctr"/>
+          <a:lstStyle/>
+          <a:p>
+            <a:pPr algn="ctr"/>
+            <a:r>
+              <a:rPr lang="en-US" sz="1050" dirty="0">
+                <a:solidFill>
+                  <a:srgbClr val="7030A0"/>
+                </a:solidFill>
+              </a:rPr>
+              <a:t>&lt;&lt;interface&gt;&gt;</a:t>
+            </a:r>
+            <a:br>
+              <a:rPr lang="en-US" sz="1050" dirty="0">
+                <a:solidFill>
+                  <a:srgbClr val="7030A0"/>
+                </a:solidFill>
+              </a:rPr>
+            </a:br>
+            <a:r>
+              <a:rPr lang="en-US" sz="1050" dirty="0" err="1">
+                <a:solidFill>
+                  <a:srgbClr val="7030A0"/>
+                </a:solidFill>
+              </a:rPr>
+              <a:t>ReadOnlyTaskList</a:t>
+            </a:r>
+            <a:endParaRPr lang="en-SG" sz="1050" dirty="0">
+              <a:solidFill>
+                <a:srgbClr val="7030A0"/>
+              </a:solidFill>
+            </a:endParaRPr>
+          </a:p>
+        </p:txBody>
+      </p:sp>
+      <p:cxnSp>
+        <p:nvCxnSpPr>
+          <p:cNvPr id="174" name="Elbow Connector 63">
+            <a:extLst>
+              <a:ext uri="{FF2B5EF4-FFF2-40B4-BE49-F238E27FC236}">
+                <a16:creationId xmlns:a16="http://schemas.microsoft.com/office/drawing/2014/main" id="{16AB4800-7E5E-4945-AF7F-4D53A53D953B}"/>
+              </a:ext>
+            </a:extLst>
+          </p:cNvPr>
+          <p:cNvCxnSpPr>
+            <a:cxnSpLocks/>
+          </p:cNvCxnSpPr>
+          <p:nvPr/>
+        </p:nvCxnSpPr>
+        <p:spPr>
+          <a:xfrm rot="16200000" flipH="1">
+            <a:off x="3169995" y="6614020"/>
+            <a:ext cx="184172" cy="3"/>
+          </a:xfrm>
+          <a:prstGeom prst="bentConnector3">
+            <a:avLst>
+              <a:gd name="adj1" fmla="val 50000"/>
+            </a:avLst>
+          </a:prstGeom>
+          <a:ln w="19050">
+            <a:solidFill>
+              <a:srgbClr val="7030A0"/>
+            </a:solidFill>
+            <a:prstDash val="sysDot"/>
+            <a:headEnd type="none" w="med" len="med"/>
+            <a:tailEnd type="none" w="med" len="med"/>
+          </a:ln>
+          <a:effectLst/>
+        </p:spPr>
+        <p:style>
+          <a:lnRef idx="1">
+            <a:schemeClr val="accent2"/>
+          </a:lnRef>
+          <a:fillRef idx="2">
+            <a:schemeClr val="accent2"/>
+          </a:fillRef>
+          <a:effectRef idx="1">
+            <a:schemeClr val="accent2"/>
+          </a:effectRef>
+          <a:fontRef idx="minor">
+            <a:schemeClr val="dk1"/>
+          </a:fontRef>
+        </p:style>
+      </p:cxnSp>
+      <p:cxnSp>
+        <p:nvCxnSpPr>
+          <p:cNvPr id="175" name="Elbow Connector 63">
+            <a:extLst>
+              <a:ext uri="{FF2B5EF4-FFF2-40B4-BE49-F238E27FC236}">
+                <a16:creationId xmlns:a16="http://schemas.microsoft.com/office/drawing/2014/main" id="{0D21C75E-195D-44B7-98F7-9D805675A1D2}"/>
+              </a:ext>
+            </a:extLst>
+          </p:cNvPr>
+          <p:cNvCxnSpPr>
+            <a:cxnSpLocks/>
+          </p:cNvCxnSpPr>
+          <p:nvPr/>
+        </p:nvCxnSpPr>
+        <p:spPr>
+          <a:xfrm rot="16200000" flipH="1">
+            <a:off x="3169992" y="5542213"/>
+            <a:ext cx="184172" cy="3"/>
+          </a:xfrm>
+          <a:prstGeom prst="bentConnector3">
+            <a:avLst>
+              <a:gd name="adj1" fmla="val 50000"/>
+            </a:avLst>
+          </a:prstGeom>
+          <a:ln w="19050">
+            <a:solidFill>
+              <a:srgbClr val="7030A0"/>
+            </a:solidFill>
+            <a:prstDash val="sysDot"/>
+            <a:headEnd type="none" w="med" len="med"/>
+            <a:tailEnd type="none" w="med" len="med"/>
+          </a:ln>
+          <a:effectLst/>
+        </p:spPr>
+        <p:style>
+          <a:lnRef idx="1">
+            <a:schemeClr val="accent2"/>
+          </a:lnRef>
+          <a:fillRef idx="2">
+            <a:schemeClr val="accent2"/>
+          </a:fillRef>
+          <a:effectRef idx="1">
+            <a:schemeClr val="accent2"/>
+          </a:effectRef>
+          <a:fontRef idx="minor">
+            <a:schemeClr val="dk1"/>
+          </a:fontRef>
+        </p:style>
+      </p:cxnSp>
+      <p:cxnSp>
+        <p:nvCxnSpPr>
+          <p:cNvPr id="176" name="Elbow Connector 63">
+            <a:extLst>
+              <a:ext uri="{FF2B5EF4-FFF2-40B4-BE49-F238E27FC236}">
+                <a16:creationId xmlns:a16="http://schemas.microsoft.com/office/drawing/2014/main" id="{E131514D-5F5F-4352-9147-B19990B12B67}"/>
+              </a:ext>
+            </a:extLst>
+          </p:cNvPr>
+          <p:cNvCxnSpPr>
+            <a:cxnSpLocks/>
+          </p:cNvCxnSpPr>
+          <p:nvPr/>
+        </p:nvCxnSpPr>
+        <p:spPr>
+          <a:xfrm rot="16200000" flipH="1">
+            <a:off x="3169992" y="7667355"/>
+            <a:ext cx="184172" cy="3"/>
+          </a:xfrm>
+          <a:prstGeom prst="bentConnector3">
+            <a:avLst>
+              <a:gd name="adj1" fmla="val 50000"/>
+            </a:avLst>
+          </a:prstGeom>
+          <a:ln w="19050">
+            <a:solidFill>
+              <a:srgbClr val="7030A0"/>
+            </a:solidFill>
+            <a:prstDash val="sysDot"/>
+            <a:headEnd type="none" w="med" len="med"/>
+            <a:tailEnd type="none" w="med" len="med"/>
+          </a:ln>
+          <a:effectLst/>
+        </p:spPr>
+        <p:style>
+          <a:lnRef idx="1">
+            <a:schemeClr val="accent2"/>
+          </a:lnRef>
+          <a:fillRef idx="2">
+            <a:schemeClr val="accent2"/>
+          </a:fillRef>
+          <a:effectRef idx="1">
+            <a:schemeClr val="accent2"/>
+          </a:effectRef>
+          <a:fontRef idx="minor">
+            <a:schemeClr val="dk1"/>
+          </a:fontRef>
+        </p:style>
+      </p:cxnSp>
+      <p:sp>
+        <p:nvSpPr>
+          <p:cNvPr id="177" name="Rectangle 8">
+            <a:extLst>
+              <a:ext uri="{FF2B5EF4-FFF2-40B4-BE49-F238E27FC236}">
+                <a16:creationId xmlns:a16="http://schemas.microsoft.com/office/drawing/2014/main" id="{BC6393F2-DE1D-47FE-85F0-5E906406F447}"/>
+              </a:ext>
+            </a:extLst>
+          </p:cNvPr>
+          <p:cNvSpPr/>
+          <p:nvPr/>
+        </p:nvSpPr>
+        <p:spPr>
+          <a:xfrm>
+            <a:off x="2887264" y="5646985"/>
+            <a:ext cx="878211" cy="263984"/>
+          </a:xfrm>
+          <a:prstGeom prst="rect">
+            <a:avLst/>
+          </a:prstGeom>
+          <a:ln w="19050">
+            <a:solidFill>
+              <a:srgbClr val="7030A0"/>
+            </a:solidFill>
+          </a:ln>
+          <a:effectLst/>
+        </p:spPr>
+        <p:style>
+          <a:lnRef idx="1">
+            <a:schemeClr val="accent4"/>
+          </a:lnRef>
+          <a:fillRef idx="2">
+            <a:schemeClr val="accent4"/>
+          </a:fillRef>
+          <a:effectRef idx="1">
+            <a:schemeClr val="accent4"/>
+          </a:effectRef>
+          <a:fontRef idx="minor">
+            <a:schemeClr val="dk1"/>
+          </a:fontRef>
+        </p:style>
+        <p:txBody>
+          <a:bodyPr rtlCol="0" anchor="ctr"/>
+          <a:lstStyle/>
+          <a:p>
+            <a:pPr algn="ctr"/>
+            <a:r>
+              <a:rPr lang="en-US" sz="1050" dirty="0" err="1">
+                <a:solidFill>
+                  <a:srgbClr val="7030A0"/>
+                </a:solidFill>
+              </a:rPr>
+              <a:t>PurchaseList</a:t>
+            </a:r>
+            <a:endParaRPr lang="en-SG" sz="1050" dirty="0">
+              <a:solidFill>
+                <a:srgbClr val="7030A0"/>
+              </a:solidFill>
+            </a:endParaRPr>
+          </a:p>
+        </p:txBody>
+      </p:sp>
+      <p:sp>
+        <p:nvSpPr>
+          <p:cNvPr id="178" name="Rectangle 8">
+            <a:extLst>
+              <a:ext uri="{FF2B5EF4-FFF2-40B4-BE49-F238E27FC236}">
+                <a16:creationId xmlns:a16="http://schemas.microsoft.com/office/drawing/2014/main" id="{13D78F4D-44E4-4C29-B49D-580D51FFC53A}"/>
+              </a:ext>
+            </a:extLst>
+          </p:cNvPr>
+          <p:cNvSpPr/>
+          <p:nvPr/>
+        </p:nvSpPr>
+        <p:spPr>
+          <a:xfrm>
+            <a:off x="2800457" y="6690424"/>
+            <a:ext cx="1137354" cy="221711"/>
+          </a:xfrm>
+          <a:prstGeom prst="rect">
+            <a:avLst/>
+          </a:prstGeom>
+          <a:ln w="19050">
+            <a:solidFill>
+              <a:srgbClr val="7030A0"/>
+            </a:solidFill>
+          </a:ln>
+          <a:effectLst/>
+        </p:spPr>
+        <p:style>
+          <a:lnRef idx="1">
+            <a:schemeClr val="accent4"/>
+          </a:lnRef>
+          <a:fillRef idx="2">
+            <a:schemeClr val="accent4"/>
+          </a:fillRef>
+          <a:effectRef idx="1">
+            <a:schemeClr val="accent4"/>
+          </a:effectRef>
+          <a:fontRef idx="minor">
+            <a:schemeClr val="dk1"/>
+          </a:fontRef>
+        </p:style>
+        <p:txBody>
+          <a:bodyPr rtlCol="0" anchor="ctr"/>
+          <a:lstStyle/>
+          <a:p>
+            <a:pPr algn="ctr"/>
+            <a:r>
+              <a:rPr lang="en-US" sz="1050" dirty="0" err="1">
+                <a:solidFill>
+                  <a:srgbClr val="7030A0"/>
+                </a:solidFill>
+              </a:rPr>
+              <a:t>HabitList</a:t>
+            </a:r>
+            <a:endParaRPr lang="en-SG" sz="1050" dirty="0">
+              <a:solidFill>
+                <a:srgbClr val="7030A0"/>
+              </a:solidFill>
+            </a:endParaRPr>
+          </a:p>
+        </p:txBody>
+      </p:sp>
+      <p:sp>
+        <p:nvSpPr>
+          <p:cNvPr id="179" name="Isosceles Triangle 102">
+            <a:extLst>
+              <a:ext uri="{FF2B5EF4-FFF2-40B4-BE49-F238E27FC236}">
+                <a16:creationId xmlns:a16="http://schemas.microsoft.com/office/drawing/2014/main" id="{B9E10880-81D7-425B-808E-D7348DD3A2C0}"/>
+              </a:ext>
+            </a:extLst>
+          </p:cNvPr>
+          <p:cNvSpPr/>
+          <p:nvPr/>
+        </p:nvSpPr>
+        <p:spPr>
+          <a:xfrm flipV="1">
+            <a:off x="3127861" y="5529155"/>
+            <a:ext cx="246809" cy="109892"/>
+          </a:xfrm>
+          <a:prstGeom prst="triangle">
+            <a:avLst/>
+          </a:prstGeom>
+          <a:solidFill>
+            <a:schemeClr val="accent4">
+              <a:lumMod val="20000"/>
+              <a:lumOff val="80000"/>
+            </a:schemeClr>
+          </a:solidFill>
+          <a:ln w="19050">
+            <a:solidFill>
+              <a:srgbClr val="7030A0"/>
+            </a:solidFill>
+          </a:ln>
+          <a:effectLst/>
+        </p:spPr>
+        <p:style>
+          <a:lnRef idx="1">
+            <a:schemeClr val="accent4"/>
+          </a:lnRef>
+          <a:fillRef idx="2">
+            <a:schemeClr val="accent4"/>
+          </a:fillRef>
+          <a:effectRef idx="1">
+            <a:schemeClr val="accent4"/>
+          </a:effectRef>
+          <a:fontRef idx="minor">
+            <a:schemeClr val="dk1"/>
+          </a:fontRef>
+        </p:style>
+        <p:txBody>
+          <a:bodyPr rtlCol="0" anchor="ctr"/>
+          <a:lstStyle/>
+          <a:p>
+            <a:pPr algn="ctr"/>
+            <a:endParaRPr lang="en-SG" sz="1050" b="1">
+              <a:solidFill>
+                <a:srgbClr val="92D050"/>
+              </a:solidFill>
+            </a:endParaRPr>
+          </a:p>
+        </p:txBody>
+      </p:sp>
+      <p:sp>
+        <p:nvSpPr>
+          <p:cNvPr id="181" name="Isosceles Triangle 102">
+            <a:extLst>
+              <a:ext uri="{FF2B5EF4-FFF2-40B4-BE49-F238E27FC236}">
+                <a16:creationId xmlns:a16="http://schemas.microsoft.com/office/drawing/2014/main" id="{607B6A32-00B1-415C-8B4E-74FB621A7D2C}"/>
+              </a:ext>
+            </a:extLst>
+          </p:cNvPr>
+          <p:cNvSpPr/>
+          <p:nvPr/>
+        </p:nvSpPr>
+        <p:spPr>
+          <a:xfrm flipV="1">
+            <a:off x="3156046" y="6572654"/>
+            <a:ext cx="229345" cy="109006"/>
+          </a:xfrm>
+          <a:prstGeom prst="triangle">
+            <a:avLst/>
+          </a:prstGeom>
+          <a:solidFill>
+            <a:schemeClr val="accent4">
+              <a:lumMod val="20000"/>
+              <a:lumOff val="80000"/>
+            </a:schemeClr>
+          </a:solidFill>
+          <a:ln w="19050">
+            <a:solidFill>
+              <a:srgbClr val="7030A0"/>
+            </a:solidFill>
+          </a:ln>
+          <a:effectLst/>
+        </p:spPr>
+        <p:style>
+          <a:lnRef idx="1">
+            <a:schemeClr val="accent4"/>
+          </a:lnRef>
+          <a:fillRef idx="2">
+            <a:schemeClr val="accent4"/>
+          </a:fillRef>
+          <a:effectRef idx="1">
+            <a:schemeClr val="accent4"/>
+          </a:effectRef>
+          <a:fontRef idx="minor">
+            <a:schemeClr val="dk1"/>
+          </a:fontRef>
+        </p:style>
+        <p:txBody>
+          <a:bodyPr rtlCol="0" anchor="ctr"/>
+          <a:lstStyle/>
+          <a:p>
+            <a:pPr algn="ctr"/>
+            <a:endParaRPr lang="en-SG" sz="1050" b="1">
+              <a:solidFill>
+                <a:srgbClr val="92D050"/>
+              </a:solidFill>
+            </a:endParaRPr>
+          </a:p>
+        </p:txBody>
+      </p:sp>
+      <p:sp>
+        <p:nvSpPr>
+          <p:cNvPr id="182" name="Isosceles Triangle 102">
+            <a:extLst>
+              <a:ext uri="{FF2B5EF4-FFF2-40B4-BE49-F238E27FC236}">
+                <a16:creationId xmlns:a16="http://schemas.microsoft.com/office/drawing/2014/main" id="{CFF77770-319E-437A-BD84-35DE687A8429}"/>
+              </a:ext>
+            </a:extLst>
+          </p:cNvPr>
+          <p:cNvSpPr/>
+          <p:nvPr/>
+        </p:nvSpPr>
+        <p:spPr>
+          <a:xfrm flipV="1">
+            <a:off x="3138585" y="7649551"/>
+            <a:ext cx="218269" cy="109892"/>
+          </a:xfrm>
+          <a:prstGeom prst="triangle">
+            <a:avLst/>
+          </a:prstGeom>
+          <a:solidFill>
+            <a:schemeClr val="accent4">
+              <a:lumMod val="20000"/>
+              <a:lumOff val="80000"/>
+            </a:schemeClr>
+          </a:solidFill>
+          <a:ln w="19050">
+            <a:solidFill>
+              <a:srgbClr val="7030A0"/>
+            </a:solidFill>
+          </a:ln>
+          <a:effectLst/>
+        </p:spPr>
+        <p:style>
+          <a:lnRef idx="1">
+            <a:schemeClr val="accent4"/>
+          </a:lnRef>
+          <a:fillRef idx="2">
+            <a:schemeClr val="accent4"/>
+          </a:fillRef>
+          <a:effectRef idx="1">
+            <a:schemeClr val="accent4"/>
+          </a:effectRef>
+          <a:fontRef idx="minor">
+            <a:schemeClr val="dk1"/>
+          </a:fontRef>
+        </p:style>
+        <p:txBody>
+          <a:bodyPr rtlCol="0" anchor="ctr"/>
+          <a:lstStyle/>
+          <a:p>
+            <a:pPr algn="ctr"/>
+            <a:endParaRPr lang="en-SG" sz="1050" b="1">
+              <a:solidFill>
+                <a:srgbClr val="92D050"/>
+              </a:solidFill>
+            </a:endParaRPr>
+          </a:p>
+        </p:txBody>
+      </p:sp>
+      <p:cxnSp>
+        <p:nvCxnSpPr>
+          <p:cNvPr id="183" name="Elbow Connector 63">
+            <a:extLst>
+              <a:ext uri="{FF2B5EF4-FFF2-40B4-BE49-F238E27FC236}">
+                <a16:creationId xmlns:a16="http://schemas.microsoft.com/office/drawing/2014/main" id="{39E3CEA0-224D-4B69-80E2-EE8906517260}"/>
+              </a:ext>
+            </a:extLst>
+          </p:cNvPr>
+          <p:cNvCxnSpPr>
+            <a:cxnSpLocks/>
+          </p:cNvCxnSpPr>
+          <p:nvPr/>
+        </p:nvCxnSpPr>
+        <p:spPr>
+          <a:xfrm>
+            <a:off x="3945135" y="6811357"/>
+            <a:ext cx="241452" cy="2"/>
+          </a:xfrm>
+          <a:prstGeom prst="bentConnector3">
+            <a:avLst>
+              <a:gd name="adj1" fmla="val 50000"/>
+            </a:avLst>
+          </a:prstGeom>
+          <a:ln w="19050">
+            <a:solidFill>
+              <a:srgbClr val="7030A0"/>
+            </a:solidFill>
+            <a:prstDash val="sysDot"/>
+            <a:headEnd type="none" w="med" len="med"/>
+            <a:tailEnd type="none" w="med" len="med"/>
+          </a:ln>
+          <a:effectLst/>
+        </p:spPr>
+        <p:style>
+          <a:lnRef idx="1">
+            <a:schemeClr val="accent2"/>
+          </a:lnRef>
+          <a:fillRef idx="2">
+            <a:schemeClr val="accent2"/>
+          </a:fillRef>
+          <a:effectRef idx="1">
+            <a:schemeClr val="accent2"/>
+          </a:effectRef>
+          <a:fontRef idx="minor">
+            <a:schemeClr val="dk1"/>
+          </a:fontRef>
+        </p:style>
+      </p:cxnSp>
+      <p:cxnSp>
+        <p:nvCxnSpPr>
+          <p:cNvPr id="184" name="Elbow Connector 63">
+            <a:extLst>
+              <a:ext uri="{FF2B5EF4-FFF2-40B4-BE49-F238E27FC236}">
+                <a16:creationId xmlns:a16="http://schemas.microsoft.com/office/drawing/2014/main" id="{F4CDF48A-8E22-4F2E-ADFE-E9CB45F43468}"/>
+              </a:ext>
+            </a:extLst>
+          </p:cNvPr>
+          <p:cNvCxnSpPr>
+            <a:cxnSpLocks/>
+          </p:cNvCxnSpPr>
+          <p:nvPr/>
+        </p:nvCxnSpPr>
+        <p:spPr>
+          <a:xfrm>
+            <a:off x="3751503" y="5774708"/>
+            <a:ext cx="241452" cy="2"/>
+          </a:xfrm>
+          <a:prstGeom prst="bentConnector3">
+            <a:avLst>
+              <a:gd name="adj1" fmla="val 50000"/>
+            </a:avLst>
+          </a:prstGeom>
+          <a:ln w="19050">
+            <a:solidFill>
+              <a:srgbClr val="7030A0"/>
+            </a:solidFill>
+            <a:prstDash val="sysDot"/>
+            <a:headEnd type="none" w="med" len="med"/>
+            <a:tailEnd type="none" w="med" len="med"/>
+          </a:ln>
+          <a:effectLst/>
+        </p:spPr>
+        <p:style>
+          <a:lnRef idx="1">
+            <a:schemeClr val="accent2"/>
+          </a:lnRef>
+          <a:fillRef idx="2">
+            <a:schemeClr val="accent2"/>
+          </a:fillRef>
+          <a:effectRef idx="1">
+            <a:schemeClr val="accent2"/>
+          </a:effectRef>
+          <a:fontRef idx="minor">
+            <a:schemeClr val="dk1"/>
+          </a:fontRef>
+        </p:style>
+      </p:cxnSp>
+      <p:cxnSp>
+        <p:nvCxnSpPr>
+          <p:cNvPr id="185" name="Elbow Connector 63">
+            <a:extLst>
+              <a:ext uri="{FF2B5EF4-FFF2-40B4-BE49-F238E27FC236}">
+                <a16:creationId xmlns:a16="http://schemas.microsoft.com/office/drawing/2014/main" id="{2991F4E8-FB48-49F4-957C-341436B77541}"/>
+              </a:ext>
+            </a:extLst>
+          </p:cNvPr>
+          <p:cNvCxnSpPr>
+            <a:cxnSpLocks/>
+          </p:cNvCxnSpPr>
+          <p:nvPr/>
+        </p:nvCxnSpPr>
+        <p:spPr>
+          <a:xfrm>
+            <a:off x="3939594" y="7895023"/>
+            <a:ext cx="241452" cy="2"/>
+          </a:xfrm>
+          <a:prstGeom prst="bentConnector3">
+            <a:avLst>
+              <a:gd name="adj1" fmla="val 50000"/>
+            </a:avLst>
+          </a:prstGeom>
+          <a:ln w="19050">
+            <a:solidFill>
+              <a:srgbClr val="7030A0"/>
+            </a:solidFill>
+            <a:prstDash val="sysDot"/>
+            <a:headEnd type="none" w="med" len="med"/>
+            <a:tailEnd type="none" w="med" len="med"/>
+          </a:ln>
+          <a:effectLst/>
+        </p:spPr>
+        <p:style>
+          <a:lnRef idx="1">
+            <a:schemeClr val="accent2"/>
+          </a:lnRef>
+          <a:fillRef idx="2">
+            <a:schemeClr val="accent2"/>
+          </a:fillRef>
+          <a:effectRef idx="1">
+            <a:schemeClr val="accent2"/>
+          </a:effectRef>
+          <a:fontRef idx="minor">
+            <a:schemeClr val="dk1"/>
+          </a:fontRef>
+        </p:style>
+      </p:cxnSp>
+      <p:sp>
+        <p:nvSpPr>
+          <p:cNvPr id="186" name="Rectangle 8">
+            <a:extLst>
+              <a:ext uri="{FF2B5EF4-FFF2-40B4-BE49-F238E27FC236}">
+                <a16:creationId xmlns:a16="http://schemas.microsoft.com/office/drawing/2014/main" id="{5C550905-9FBF-4C93-8CC9-9E5DD80D9B7B}"/>
+              </a:ext>
+            </a:extLst>
+          </p:cNvPr>
+          <p:cNvSpPr/>
+          <p:nvPr/>
+        </p:nvSpPr>
+        <p:spPr>
+          <a:xfrm>
+            <a:off x="2791695" y="7770978"/>
+            <a:ext cx="1137354" cy="221711"/>
+          </a:xfrm>
+          <a:prstGeom prst="rect">
+            <a:avLst/>
+          </a:prstGeom>
+          <a:ln w="19050">
+            <a:solidFill>
+              <a:srgbClr val="7030A0"/>
+            </a:solidFill>
+          </a:ln>
+          <a:effectLst/>
+        </p:spPr>
+        <p:style>
+          <a:lnRef idx="1">
+            <a:schemeClr val="accent4"/>
+          </a:lnRef>
+          <a:fillRef idx="2">
+            <a:schemeClr val="accent4"/>
+          </a:fillRef>
+          <a:effectRef idx="1">
+            <a:schemeClr val="accent4"/>
+          </a:effectRef>
+          <a:fontRef idx="minor">
+            <a:schemeClr val="dk1"/>
+          </a:fontRef>
+        </p:style>
+        <p:txBody>
+          <a:bodyPr rtlCol="0" anchor="ctr"/>
+          <a:lstStyle/>
+          <a:p>
+            <a:pPr algn="ctr"/>
+            <a:r>
+              <a:rPr lang="en-US" sz="1050" dirty="0" err="1">
+                <a:solidFill>
+                  <a:srgbClr val="7030A0"/>
+                </a:solidFill>
+              </a:rPr>
+              <a:t>WorkoutBook</a:t>
+            </a:r>
+            <a:endParaRPr lang="en-SG" sz="1050" dirty="0">
+              <a:solidFill>
+                <a:srgbClr val="7030A0"/>
+              </a:solidFill>
+            </a:endParaRPr>
+          </a:p>
+        </p:txBody>
+      </p:sp>
+      <p:sp>
+        <p:nvSpPr>
+          <p:cNvPr id="187" name="Isosceles Triangle 102">
+            <a:extLst>
+              <a:ext uri="{FF2B5EF4-FFF2-40B4-BE49-F238E27FC236}">
+                <a16:creationId xmlns:a16="http://schemas.microsoft.com/office/drawing/2014/main" id="{AFE8C573-4D9E-4F45-BA00-EDE3E1C16D1F}"/>
+              </a:ext>
+            </a:extLst>
+          </p:cNvPr>
+          <p:cNvSpPr/>
+          <p:nvPr/>
+        </p:nvSpPr>
+        <p:spPr>
+          <a:xfrm rot="16200000" flipV="1">
+            <a:off x="3953254" y="5693996"/>
+            <a:ext cx="282387" cy="157062"/>
+          </a:xfrm>
+          <a:prstGeom prst="triangle">
+            <a:avLst/>
+          </a:prstGeom>
+          <a:solidFill>
+            <a:schemeClr val="accent4">
+              <a:lumMod val="20000"/>
+              <a:lumOff val="80000"/>
+            </a:schemeClr>
+          </a:solidFill>
+          <a:ln w="19050">
+            <a:solidFill>
+              <a:srgbClr val="7030A0"/>
+            </a:solidFill>
+          </a:ln>
+          <a:effectLst/>
+        </p:spPr>
+        <p:style>
+          <a:lnRef idx="1">
+            <a:schemeClr val="accent4"/>
+          </a:lnRef>
+          <a:fillRef idx="2">
+            <a:schemeClr val="accent4"/>
+          </a:fillRef>
+          <a:effectRef idx="1">
+            <a:schemeClr val="accent4"/>
+          </a:effectRef>
+          <a:fontRef idx="minor">
+            <a:schemeClr val="dk1"/>
+          </a:fontRef>
+        </p:style>
+        <p:txBody>
+          <a:bodyPr rtlCol="0" anchor="ctr"/>
+          <a:lstStyle/>
+          <a:p>
+            <a:pPr algn="ctr"/>
+            <a:endParaRPr lang="en-SG" sz="1050" b="1">
+              <a:solidFill>
+                <a:srgbClr val="92D050"/>
+              </a:solidFill>
+            </a:endParaRPr>
+          </a:p>
+        </p:txBody>
+      </p:sp>
+      <p:sp>
+        <p:nvSpPr>
+          <p:cNvPr id="188" name="Isosceles Triangle 102">
+            <a:extLst>
+              <a:ext uri="{FF2B5EF4-FFF2-40B4-BE49-F238E27FC236}">
+                <a16:creationId xmlns:a16="http://schemas.microsoft.com/office/drawing/2014/main" id="{6CB6D9A4-62CA-4C63-8BDF-0F20C4F3BAB0}"/>
+              </a:ext>
+            </a:extLst>
+          </p:cNvPr>
+          <p:cNvSpPr/>
+          <p:nvPr/>
+        </p:nvSpPr>
+        <p:spPr>
+          <a:xfrm rot="16200000" flipV="1">
+            <a:off x="4135270" y="6745081"/>
+            <a:ext cx="282387" cy="157062"/>
+          </a:xfrm>
+          <a:prstGeom prst="triangle">
+            <a:avLst/>
+          </a:prstGeom>
+          <a:solidFill>
+            <a:schemeClr val="accent4">
+              <a:lumMod val="20000"/>
+              <a:lumOff val="80000"/>
+            </a:schemeClr>
+          </a:solidFill>
+          <a:ln w="19050">
+            <a:solidFill>
+              <a:srgbClr val="7030A0"/>
+            </a:solidFill>
+          </a:ln>
+          <a:effectLst/>
+        </p:spPr>
+        <p:style>
+          <a:lnRef idx="1">
+            <a:schemeClr val="accent4"/>
+          </a:lnRef>
+          <a:fillRef idx="2">
+            <a:schemeClr val="accent4"/>
+          </a:fillRef>
+          <a:effectRef idx="1">
+            <a:schemeClr val="accent4"/>
+          </a:effectRef>
+          <a:fontRef idx="minor">
+            <a:schemeClr val="dk1"/>
+          </a:fontRef>
+        </p:style>
+        <p:txBody>
+          <a:bodyPr rtlCol="0" anchor="ctr"/>
+          <a:lstStyle/>
+          <a:p>
+            <a:pPr algn="ctr"/>
+            <a:endParaRPr lang="en-SG" sz="1050" b="1">
+              <a:solidFill>
+                <a:srgbClr val="92D050"/>
+              </a:solidFill>
+            </a:endParaRPr>
+          </a:p>
+        </p:txBody>
+      </p:sp>
+      <p:sp>
+        <p:nvSpPr>
+          <p:cNvPr id="189" name="Isosceles Triangle 102">
+            <a:extLst>
+              <a:ext uri="{FF2B5EF4-FFF2-40B4-BE49-F238E27FC236}">
+                <a16:creationId xmlns:a16="http://schemas.microsoft.com/office/drawing/2014/main" id="{3FC2F1D5-3607-49F1-86E3-0A111408A016}"/>
+              </a:ext>
+            </a:extLst>
+          </p:cNvPr>
+          <p:cNvSpPr/>
+          <p:nvPr/>
+        </p:nvSpPr>
+        <p:spPr>
+          <a:xfrm rot="16200000" flipV="1">
+            <a:off x="4114399" y="7833640"/>
+            <a:ext cx="282387" cy="157062"/>
+          </a:xfrm>
+          <a:prstGeom prst="triangle">
+            <a:avLst/>
+          </a:prstGeom>
+          <a:solidFill>
+            <a:schemeClr val="accent4">
+              <a:lumMod val="20000"/>
+              <a:lumOff val="80000"/>
+            </a:schemeClr>
+          </a:solidFill>
+          <a:ln w="19050">
+            <a:solidFill>
+              <a:srgbClr val="7030A0"/>
+            </a:solidFill>
+          </a:ln>
+          <a:effectLst/>
+        </p:spPr>
+        <p:style>
+          <a:lnRef idx="1">
+            <a:schemeClr val="accent4"/>
+          </a:lnRef>
+          <a:fillRef idx="2">
+            <a:schemeClr val="accent4"/>
+          </a:fillRef>
+          <a:effectRef idx="1">
+            <a:schemeClr val="accent4"/>
+          </a:effectRef>
+          <a:fontRef idx="minor">
+            <a:schemeClr val="dk1"/>
+          </a:fontRef>
+        </p:style>
+        <p:txBody>
+          <a:bodyPr rtlCol="0" anchor="ctr"/>
+          <a:lstStyle/>
+          <a:p>
+            <a:pPr algn="ctr"/>
+            <a:endParaRPr lang="en-SG" sz="1050" b="1">
+              <a:solidFill>
+                <a:srgbClr val="92D050"/>
+              </a:solidFill>
+            </a:endParaRPr>
+          </a:p>
+        </p:txBody>
+      </p:sp>
+      <p:sp>
+        <p:nvSpPr>
+          <p:cNvPr id="190" name="Rectangle 8">
+            <a:extLst>
+              <a:ext uri="{FF2B5EF4-FFF2-40B4-BE49-F238E27FC236}">
+                <a16:creationId xmlns:a16="http://schemas.microsoft.com/office/drawing/2014/main" id="{134E906A-20A0-4938-96BB-7B439D186FD4}"/>
+              </a:ext>
+            </a:extLst>
+          </p:cNvPr>
+          <p:cNvSpPr/>
+          <p:nvPr/>
+        </p:nvSpPr>
+        <p:spPr>
+          <a:xfrm>
+            <a:off x="4366707" y="7724795"/>
+            <a:ext cx="1482904" cy="364396"/>
+          </a:xfrm>
+          <a:prstGeom prst="rect">
+            <a:avLst/>
+          </a:prstGeom>
+          <a:ln w="19050">
+            <a:solidFill>
+              <a:srgbClr val="7030A0"/>
+            </a:solidFill>
+          </a:ln>
+          <a:effectLst/>
+        </p:spPr>
+        <p:style>
+          <a:lnRef idx="1">
+            <a:schemeClr val="accent4"/>
+          </a:lnRef>
+          <a:fillRef idx="2">
+            <a:schemeClr val="accent4"/>
+          </a:fillRef>
+          <a:effectRef idx="1">
+            <a:schemeClr val="accent4"/>
+          </a:effectRef>
+          <a:fontRef idx="minor">
+            <a:schemeClr val="dk1"/>
+          </a:fontRef>
+        </p:style>
+        <p:txBody>
+          <a:bodyPr rtlCol="0" anchor="ctr"/>
+          <a:lstStyle/>
+          <a:p>
+            <a:pPr algn="ctr"/>
+            <a:r>
+              <a:rPr lang="en-US" sz="1050" dirty="0">
+                <a:solidFill>
+                  <a:srgbClr val="7030A0"/>
+                </a:solidFill>
+              </a:rPr>
+              <a:t>&lt;&lt;interface&gt;&gt;</a:t>
+            </a:r>
+            <a:br>
+              <a:rPr lang="en-US" sz="1050" dirty="0">
+                <a:solidFill>
+                  <a:srgbClr val="7030A0"/>
+                </a:solidFill>
+              </a:rPr>
+            </a:br>
+            <a:r>
+              <a:rPr lang="en-US" sz="1050" dirty="0" err="1">
+                <a:solidFill>
+                  <a:srgbClr val="7030A0"/>
+                </a:solidFill>
+              </a:rPr>
+              <a:t>ReadOnlyWorkoutbook</a:t>
+            </a:r>
+            <a:endParaRPr lang="en-SG" sz="1050" dirty="0">
+              <a:solidFill>
+                <a:srgbClr val="7030A0"/>
+              </a:solidFill>
+            </a:endParaRPr>
+          </a:p>
+        </p:txBody>
+      </p:sp>
+      <p:sp>
+        <p:nvSpPr>
+          <p:cNvPr id="191" name="Rectangle 8">
+            <a:extLst>
+              <a:ext uri="{FF2B5EF4-FFF2-40B4-BE49-F238E27FC236}">
+                <a16:creationId xmlns:a16="http://schemas.microsoft.com/office/drawing/2014/main" id="{B5900352-9FA4-40C2-9B5C-0F7667F530E0}"/>
+              </a:ext>
+            </a:extLst>
+          </p:cNvPr>
+          <p:cNvSpPr/>
+          <p:nvPr/>
+        </p:nvSpPr>
+        <p:spPr>
+          <a:xfrm>
+            <a:off x="4193706" y="5595690"/>
+            <a:ext cx="1443661" cy="364396"/>
+          </a:xfrm>
+          <a:prstGeom prst="rect">
+            <a:avLst/>
+          </a:prstGeom>
+          <a:ln w="19050">
+            <a:solidFill>
+              <a:srgbClr val="7030A0"/>
+            </a:solidFill>
+          </a:ln>
+          <a:effectLst/>
+        </p:spPr>
+        <p:style>
+          <a:lnRef idx="1">
+            <a:schemeClr val="accent4"/>
+          </a:lnRef>
+          <a:fillRef idx="2">
+            <a:schemeClr val="accent4"/>
+          </a:fillRef>
+          <a:effectRef idx="1">
+            <a:schemeClr val="accent4"/>
+          </a:effectRef>
+          <a:fontRef idx="minor">
+            <a:schemeClr val="dk1"/>
+          </a:fontRef>
+        </p:style>
+        <p:txBody>
+          <a:bodyPr rtlCol="0" anchor="ctr"/>
+          <a:lstStyle/>
+          <a:p>
+            <a:pPr algn="ctr"/>
+            <a:r>
+              <a:rPr lang="en-US" sz="1050" dirty="0">
+                <a:solidFill>
+                  <a:srgbClr val="7030A0"/>
+                </a:solidFill>
+              </a:rPr>
+              <a:t>&lt;&lt;interface&gt;&gt;</a:t>
+            </a:r>
+            <a:br>
+              <a:rPr lang="en-US" sz="1050" dirty="0">
+                <a:solidFill>
+                  <a:srgbClr val="7030A0"/>
+                </a:solidFill>
+              </a:rPr>
+            </a:br>
+            <a:r>
+              <a:rPr lang="en-US" sz="1050" dirty="0" err="1">
+                <a:solidFill>
+                  <a:srgbClr val="7030A0"/>
+                </a:solidFill>
+              </a:rPr>
+              <a:t>ReadOnlyPurchaseList</a:t>
+            </a:r>
+            <a:endParaRPr lang="en-SG" sz="1050" dirty="0">
+              <a:solidFill>
+                <a:srgbClr val="7030A0"/>
+              </a:solidFill>
+            </a:endParaRPr>
+          </a:p>
+        </p:txBody>
+      </p:sp>
+      <p:sp>
+        <p:nvSpPr>
+          <p:cNvPr id="192" name="Rectangle 8">
+            <a:extLst>
+              <a:ext uri="{FF2B5EF4-FFF2-40B4-BE49-F238E27FC236}">
+                <a16:creationId xmlns:a16="http://schemas.microsoft.com/office/drawing/2014/main" id="{63A14370-5B9A-47BA-98D9-046AEF81E5B6}"/>
+              </a:ext>
+            </a:extLst>
+          </p:cNvPr>
+          <p:cNvSpPr/>
+          <p:nvPr/>
+        </p:nvSpPr>
+        <p:spPr>
+          <a:xfrm>
+            <a:off x="4366707" y="6619081"/>
+            <a:ext cx="1957806" cy="364396"/>
+          </a:xfrm>
+          <a:prstGeom prst="rect">
+            <a:avLst/>
+          </a:prstGeom>
+          <a:ln w="19050">
+            <a:solidFill>
+              <a:srgbClr val="7030A0"/>
+            </a:solidFill>
+          </a:ln>
+          <a:effectLst/>
+        </p:spPr>
+        <p:style>
+          <a:lnRef idx="1">
+            <a:schemeClr val="accent4"/>
+          </a:lnRef>
+          <a:fillRef idx="2">
+            <a:schemeClr val="accent4"/>
+          </a:fillRef>
+          <a:effectRef idx="1">
+            <a:schemeClr val="accent4"/>
+          </a:effectRef>
+          <a:fontRef idx="minor">
+            <a:schemeClr val="dk1"/>
+          </a:fontRef>
+        </p:style>
+        <p:txBody>
+          <a:bodyPr rtlCol="0" anchor="ctr"/>
+          <a:lstStyle/>
+          <a:p>
+            <a:pPr algn="ctr"/>
+            <a:r>
+              <a:rPr lang="en-US" sz="1050" dirty="0">
+                <a:solidFill>
+                  <a:srgbClr val="7030A0"/>
+                </a:solidFill>
+              </a:rPr>
+              <a:t>&lt;&lt;interface&gt;&gt;</a:t>
+            </a:r>
+            <a:br>
+              <a:rPr lang="en-US" sz="1050" dirty="0">
+                <a:solidFill>
+                  <a:srgbClr val="7030A0"/>
+                </a:solidFill>
+              </a:rPr>
+            </a:br>
+            <a:r>
+              <a:rPr lang="en-US" sz="1050" dirty="0" err="1">
+                <a:solidFill>
+                  <a:srgbClr val="7030A0"/>
+                </a:solidFill>
+              </a:rPr>
+              <a:t>ReadOnlyHabitTracketList</a:t>
+            </a:r>
+            <a:endParaRPr lang="en-SG" sz="1050" dirty="0">
+              <a:solidFill>
+                <a:srgbClr val="7030A0"/>
+              </a:solidFill>
+            </a:endParaRPr>
+          </a:p>
+        </p:txBody>
+      </p:sp>
+      <p:cxnSp>
+        <p:nvCxnSpPr>
+          <p:cNvPr id="199" name="Elbow Connector 78">
+            <a:extLst>
+              <a:ext uri="{FF2B5EF4-FFF2-40B4-BE49-F238E27FC236}">
+                <a16:creationId xmlns:a16="http://schemas.microsoft.com/office/drawing/2014/main" id="{B4DB495A-BAF0-4CF5-B16B-BAFDC5919792}"/>
+              </a:ext>
+            </a:extLst>
+          </p:cNvPr>
+          <p:cNvCxnSpPr>
+            <a:cxnSpLocks/>
+            <a:endCxn id="222" idx="1"/>
+          </p:cNvCxnSpPr>
+          <p:nvPr/>
+        </p:nvCxnSpPr>
+        <p:spPr>
+          <a:xfrm flipV="1">
+            <a:off x="7734300" y="4838488"/>
+            <a:ext cx="614858" cy="430632"/>
+          </a:xfrm>
+          <a:prstGeom prst="bentConnector3">
+            <a:avLst>
+              <a:gd name="adj1" fmla="val 50000"/>
+            </a:avLst>
+          </a:prstGeom>
+          <a:ln w="19050">
+            <a:solidFill>
+              <a:srgbClr val="7030A0"/>
+            </a:solidFill>
+            <a:headEnd type="none" w="med" len="med"/>
+            <a:tailEnd type="arrow" w="med" len="med"/>
+          </a:ln>
+          <a:effectLst/>
+        </p:spPr>
+        <p:style>
+          <a:lnRef idx="1">
+            <a:schemeClr val="accent2"/>
+          </a:lnRef>
+          <a:fillRef idx="2">
+            <a:schemeClr val="accent2"/>
+          </a:fillRef>
+          <a:effectRef idx="1">
+            <a:schemeClr val="accent2"/>
+          </a:effectRef>
+          <a:fontRef idx="minor">
+            <a:schemeClr val="dk1"/>
+          </a:fontRef>
+        </p:style>
+      </p:cxnSp>
+      <p:cxnSp>
+        <p:nvCxnSpPr>
+          <p:cNvPr id="205" name="Elbow Connector 78">
+            <a:extLst>
+              <a:ext uri="{FF2B5EF4-FFF2-40B4-BE49-F238E27FC236}">
+                <a16:creationId xmlns:a16="http://schemas.microsoft.com/office/drawing/2014/main" id="{A6E3EA55-86FB-4946-B078-0BC5A54038AF}"/>
+              </a:ext>
+            </a:extLst>
+          </p:cNvPr>
+          <p:cNvCxnSpPr>
+            <a:cxnSpLocks/>
+            <a:endCxn id="244" idx="1"/>
+          </p:cNvCxnSpPr>
+          <p:nvPr/>
+        </p:nvCxnSpPr>
+        <p:spPr>
+          <a:xfrm>
+            <a:off x="7487773" y="7426713"/>
+            <a:ext cx="849921" cy="142892"/>
+          </a:xfrm>
+          <a:prstGeom prst="bentConnector3">
+            <a:avLst>
+              <a:gd name="adj1" fmla="val 50000"/>
+            </a:avLst>
+          </a:prstGeom>
+          <a:ln w="19050">
+            <a:solidFill>
+              <a:srgbClr val="7030A0"/>
+            </a:solidFill>
+            <a:headEnd type="none" w="med" len="med"/>
+            <a:tailEnd type="arrow" w="med" len="med"/>
+          </a:ln>
+          <a:effectLst/>
+        </p:spPr>
+        <p:style>
+          <a:lnRef idx="1">
+            <a:schemeClr val="accent2"/>
+          </a:lnRef>
+          <a:fillRef idx="2">
+            <a:schemeClr val="accent2"/>
+          </a:fillRef>
+          <a:effectRef idx="1">
+            <a:schemeClr val="accent2"/>
+          </a:effectRef>
+          <a:fontRef idx="minor">
+            <a:schemeClr val="dk1"/>
+          </a:fontRef>
+        </p:style>
+      </p:cxnSp>
+      <p:cxnSp>
+        <p:nvCxnSpPr>
+          <p:cNvPr id="215" name="Elbow Connector 78">
+            <a:extLst>
+              <a:ext uri="{FF2B5EF4-FFF2-40B4-BE49-F238E27FC236}">
+                <a16:creationId xmlns:a16="http://schemas.microsoft.com/office/drawing/2014/main" id="{CE2F305B-6605-49F7-83F7-715838BB4EBB}"/>
+              </a:ext>
+            </a:extLst>
+          </p:cNvPr>
+          <p:cNvCxnSpPr>
+            <a:cxnSpLocks/>
+          </p:cNvCxnSpPr>
+          <p:nvPr/>
+        </p:nvCxnSpPr>
+        <p:spPr>
+          <a:xfrm flipV="1">
+            <a:off x="7651048" y="5811154"/>
+            <a:ext cx="578552" cy="511573"/>
+          </a:xfrm>
+          <a:prstGeom prst="bentConnector3">
+            <a:avLst>
+              <a:gd name="adj1" fmla="val 50000"/>
+            </a:avLst>
+          </a:prstGeom>
+          <a:ln w="19050">
+            <a:solidFill>
+              <a:srgbClr val="7030A0"/>
+            </a:solidFill>
+            <a:headEnd type="none" w="med" len="med"/>
+            <a:tailEnd type="arrow" w="med" len="med"/>
+          </a:ln>
+          <a:effectLst/>
+        </p:spPr>
+        <p:style>
+          <a:lnRef idx="1">
+            <a:schemeClr val="accent2"/>
+          </a:lnRef>
+          <a:fillRef idx="2">
+            <a:schemeClr val="accent2"/>
+          </a:fillRef>
+          <a:effectRef idx="1">
+            <a:schemeClr val="accent2"/>
+          </a:effectRef>
+          <a:fontRef idx="minor">
+            <a:schemeClr val="dk1"/>
+          </a:fontRef>
+        </p:style>
+      </p:cxnSp>
+      <p:sp>
+        <p:nvSpPr>
+          <p:cNvPr id="220" name="Rectangle 8">
+            <a:extLst>
+              <a:ext uri="{FF2B5EF4-FFF2-40B4-BE49-F238E27FC236}">
+                <a16:creationId xmlns:a16="http://schemas.microsoft.com/office/drawing/2014/main" id="{D18D5AB0-C6A5-468A-BFAA-E15E9D3C355C}"/>
+              </a:ext>
+            </a:extLst>
+          </p:cNvPr>
+          <p:cNvSpPr/>
+          <p:nvPr/>
+        </p:nvSpPr>
+        <p:spPr>
+          <a:xfrm>
+            <a:off x="8211341" y="6066940"/>
+            <a:ext cx="708186" cy="285783"/>
+          </a:xfrm>
+          <a:prstGeom prst="rect">
+            <a:avLst/>
+          </a:prstGeom>
+          <a:ln w="19050">
+            <a:solidFill>
+              <a:srgbClr val="7030A0"/>
+            </a:solidFill>
+          </a:ln>
+          <a:effectLst/>
+        </p:spPr>
+        <p:style>
+          <a:lnRef idx="1">
+            <a:schemeClr val="accent4"/>
+          </a:lnRef>
+          <a:fillRef idx="2">
+            <a:schemeClr val="accent4"/>
+          </a:fillRef>
+          <a:effectRef idx="1">
+            <a:schemeClr val="accent4"/>
+          </a:effectRef>
+          <a:fontRef idx="minor">
+            <a:schemeClr val="dk1"/>
+          </a:fontRef>
+        </p:style>
+        <p:txBody>
+          <a:bodyPr rtlCol="0" anchor="ctr"/>
+          <a:lstStyle/>
+          <a:p>
+            <a:pPr algn="ctr"/>
+            <a:r>
+              <a:rPr lang="en-US" sz="1050" dirty="0">
+                <a:solidFill>
+                  <a:srgbClr val="7030A0"/>
+                </a:solidFill>
+              </a:rPr>
+              <a:t>Progress</a:t>
+            </a:r>
+            <a:endParaRPr lang="en-SG" sz="1050" dirty="0">
+              <a:solidFill>
+                <a:srgbClr val="7030A0"/>
+              </a:solidFill>
+            </a:endParaRPr>
+          </a:p>
+        </p:txBody>
+      </p:sp>
+      <p:sp>
+        <p:nvSpPr>
+          <p:cNvPr id="221" name="Rectangle 8">
+            <a:extLst>
+              <a:ext uri="{FF2B5EF4-FFF2-40B4-BE49-F238E27FC236}">
+                <a16:creationId xmlns:a16="http://schemas.microsoft.com/office/drawing/2014/main" id="{7A34DF86-5EF0-43C1-AFD8-EDA1AA1D39AD}"/>
+              </a:ext>
+            </a:extLst>
+          </p:cNvPr>
+          <p:cNvSpPr/>
+          <p:nvPr/>
+        </p:nvSpPr>
+        <p:spPr>
+          <a:xfrm>
+            <a:off x="8216459" y="5667769"/>
+            <a:ext cx="862797" cy="285783"/>
+          </a:xfrm>
+          <a:prstGeom prst="rect">
+            <a:avLst/>
+          </a:prstGeom>
+          <a:ln w="19050">
+            <a:solidFill>
+              <a:srgbClr val="7030A0"/>
+            </a:solidFill>
+          </a:ln>
+          <a:effectLst/>
+        </p:spPr>
+        <p:style>
+          <a:lnRef idx="1">
+            <a:schemeClr val="accent4"/>
+          </a:lnRef>
+          <a:fillRef idx="2">
+            <a:schemeClr val="accent4"/>
+          </a:fillRef>
+          <a:effectRef idx="1">
+            <a:schemeClr val="accent4"/>
+          </a:effectRef>
+          <a:fontRef idx="minor">
+            <a:schemeClr val="dk1"/>
+          </a:fontRef>
+        </p:style>
+        <p:txBody>
+          <a:bodyPr rtlCol="0" anchor="ctr"/>
+          <a:lstStyle/>
+          <a:p>
+            <a:pPr algn="ctr"/>
+            <a:r>
+              <a:rPr lang="en-US" sz="1050" dirty="0" err="1">
+                <a:solidFill>
+                  <a:srgbClr val="7030A0"/>
+                </a:solidFill>
+              </a:rPr>
+              <a:t>HabitTitle</a:t>
+            </a:r>
+            <a:endParaRPr lang="en-SG" sz="1050" dirty="0">
+              <a:solidFill>
+                <a:srgbClr val="7030A0"/>
+              </a:solidFill>
+            </a:endParaRPr>
+          </a:p>
+        </p:txBody>
+      </p:sp>
+      <p:sp>
+        <p:nvSpPr>
+          <p:cNvPr id="222" name="Rectangle 8">
+            <a:extLst>
+              <a:ext uri="{FF2B5EF4-FFF2-40B4-BE49-F238E27FC236}">
+                <a16:creationId xmlns:a16="http://schemas.microsoft.com/office/drawing/2014/main" id="{5D0EE16D-ECD2-4DCD-984B-EE1E137D0D84}"/>
+              </a:ext>
+            </a:extLst>
+          </p:cNvPr>
+          <p:cNvSpPr/>
+          <p:nvPr/>
+        </p:nvSpPr>
+        <p:spPr>
+          <a:xfrm>
+            <a:off x="8349158" y="4695596"/>
+            <a:ext cx="1231933" cy="285783"/>
+          </a:xfrm>
+          <a:prstGeom prst="rect">
+            <a:avLst/>
+          </a:prstGeom>
+          <a:ln w="19050">
+            <a:solidFill>
+              <a:srgbClr val="7030A0"/>
+            </a:solidFill>
+          </a:ln>
+          <a:effectLst/>
+        </p:spPr>
+        <p:style>
+          <a:lnRef idx="1">
+            <a:schemeClr val="accent4"/>
+          </a:lnRef>
+          <a:fillRef idx="2">
+            <a:schemeClr val="accent4"/>
+          </a:fillRef>
+          <a:effectRef idx="1">
+            <a:schemeClr val="accent4"/>
+          </a:effectRef>
+          <a:fontRef idx="minor">
+            <a:schemeClr val="dk1"/>
+          </a:fontRef>
+        </p:style>
+        <p:txBody>
+          <a:bodyPr rtlCol="0" anchor="ctr"/>
+          <a:lstStyle/>
+          <a:p>
+            <a:pPr algn="ctr"/>
+            <a:r>
+              <a:rPr lang="en-SG" sz="1050" dirty="0" err="1">
+                <a:solidFill>
+                  <a:srgbClr val="7030A0"/>
+                </a:solidFill>
+              </a:rPr>
+              <a:t>PurchaseName</a:t>
+            </a:r>
+            <a:endParaRPr lang="en-SG" sz="1050" dirty="0">
+              <a:solidFill>
+                <a:srgbClr val="7030A0"/>
+              </a:solidFill>
+            </a:endParaRPr>
+          </a:p>
+        </p:txBody>
+      </p:sp>
+      <p:sp>
+        <p:nvSpPr>
+          <p:cNvPr id="223" name="Rectangle 8">
+            <a:extLst>
+              <a:ext uri="{FF2B5EF4-FFF2-40B4-BE49-F238E27FC236}">
+                <a16:creationId xmlns:a16="http://schemas.microsoft.com/office/drawing/2014/main" id="{1522C2BC-6795-43D7-8D74-789800309D2D}"/>
+              </a:ext>
+            </a:extLst>
+          </p:cNvPr>
+          <p:cNvSpPr/>
+          <p:nvPr/>
+        </p:nvSpPr>
+        <p:spPr>
+          <a:xfrm>
+            <a:off x="8343371" y="4359000"/>
+            <a:ext cx="708186" cy="285783"/>
+          </a:xfrm>
+          <a:prstGeom prst="rect">
+            <a:avLst/>
+          </a:prstGeom>
+          <a:ln w="19050">
+            <a:solidFill>
+              <a:srgbClr val="7030A0"/>
+            </a:solidFill>
+          </a:ln>
+          <a:effectLst/>
+        </p:spPr>
+        <p:style>
+          <a:lnRef idx="1">
+            <a:schemeClr val="accent4"/>
+          </a:lnRef>
+          <a:fillRef idx="2">
+            <a:schemeClr val="accent4"/>
+          </a:fillRef>
+          <a:effectRef idx="1">
+            <a:schemeClr val="accent4"/>
+          </a:effectRef>
+          <a:fontRef idx="minor">
+            <a:schemeClr val="dk1"/>
+          </a:fontRef>
+        </p:style>
+        <p:txBody>
+          <a:bodyPr rtlCol="0" anchor="ctr"/>
+          <a:lstStyle/>
+          <a:p>
+            <a:pPr algn="ctr"/>
+            <a:r>
+              <a:rPr lang="en-US" sz="1050" dirty="0">
+                <a:solidFill>
+                  <a:srgbClr val="7030A0"/>
+                </a:solidFill>
+              </a:rPr>
+              <a:t>Price</a:t>
+            </a:r>
+            <a:endParaRPr lang="en-SG" sz="1050" dirty="0">
+              <a:solidFill>
+                <a:srgbClr val="7030A0"/>
+              </a:solidFill>
+            </a:endParaRPr>
+          </a:p>
+        </p:txBody>
+      </p:sp>
+      <p:cxnSp>
+        <p:nvCxnSpPr>
+          <p:cNvPr id="228" name="Elbow Connector 78">
+            <a:extLst>
+              <a:ext uri="{FF2B5EF4-FFF2-40B4-BE49-F238E27FC236}">
+                <a16:creationId xmlns:a16="http://schemas.microsoft.com/office/drawing/2014/main" id="{74ACC707-93CE-4D21-B076-244705CBBE70}"/>
+              </a:ext>
+            </a:extLst>
+          </p:cNvPr>
+          <p:cNvCxnSpPr>
+            <a:cxnSpLocks/>
+            <a:endCxn id="223" idx="1"/>
+          </p:cNvCxnSpPr>
+          <p:nvPr/>
+        </p:nvCxnSpPr>
+        <p:spPr>
+          <a:xfrm rot="5400000" flipH="1" flipV="1">
+            <a:off x="7672108" y="4576246"/>
+            <a:ext cx="745617" cy="596910"/>
+          </a:xfrm>
+          <a:prstGeom prst="bentConnector2">
+            <a:avLst/>
+          </a:prstGeom>
+          <a:ln w="19050">
+            <a:solidFill>
+              <a:srgbClr val="7030A0"/>
+            </a:solidFill>
+            <a:headEnd type="none" w="med" len="med"/>
+            <a:tailEnd type="arrow" w="med" len="med"/>
+          </a:ln>
+          <a:effectLst/>
+        </p:spPr>
+        <p:style>
+          <a:lnRef idx="1">
+            <a:schemeClr val="accent2"/>
+          </a:lnRef>
+          <a:fillRef idx="2">
+            <a:schemeClr val="accent2"/>
+          </a:fillRef>
+          <a:effectRef idx="1">
+            <a:schemeClr val="accent2"/>
+          </a:effectRef>
+          <a:fontRef idx="minor">
+            <a:schemeClr val="dk1"/>
+          </a:fontRef>
+        </p:style>
+      </p:cxnSp>
+      <p:cxnSp>
+        <p:nvCxnSpPr>
+          <p:cNvPr id="234" name="Elbow Connector 78">
+            <a:extLst>
+              <a:ext uri="{FF2B5EF4-FFF2-40B4-BE49-F238E27FC236}">
+                <a16:creationId xmlns:a16="http://schemas.microsoft.com/office/drawing/2014/main" id="{F2A48BA1-0798-4109-9A81-FB705A9ADF77}"/>
+              </a:ext>
+            </a:extLst>
+          </p:cNvPr>
+          <p:cNvCxnSpPr>
+            <a:cxnSpLocks/>
+          </p:cNvCxnSpPr>
+          <p:nvPr/>
+        </p:nvCxnSpPr>
+        <p:spPr>
+          <a:xfrm flipV="1">
+            <a:off x="7679109" y="6200280"/>
+            <a:ext cx="520570" cy="131045"/>
+          </a:xfrm>
+          <a:prstGeom prst="bentConnector3">
+            <a:avLst>
+              <a:gd name="adj1" fmla="val 50000"/>
+            </a:avLst>
+          </a:prstGeom>
+          <a:ln w="19050">
+            <a:solidFill>
+              <a:srgbClr val="7030A0"/>
+            </a:solidFill>
+            <a:headEnd type="none" w="med" len="med"/>
+            <a:tailEnd type="arrow" w="med" len="med"/>
+          </a:ln>
+          <a:effectLst/>
+        </p:spPr>
+        <p:style>
+          <a:lnRef idx="1">
+            <a:schemeClr val="accent2"/>
+          </a:lnRef>
+          <a:fillRef idx="2">
+            <a:schemeClr val="accent2"/>
+          </a:fillRef>
+          <a:effectRef idx="1">
+            <a:schemeClr val="accent2"/>
+          </a:effectRef>
+          <a:fontRef idx="minor">
+            <a:schemeClr val="dk1"/>
+          </a:fontRef>
+        </p:style>
+      </p:cxnSp>
+      <p:cxnSp>
+        <p:nvCxnSpPr>
+          <p:cNvPr id="238" name="Elbow Connector 78">
+            <a:extLst>
+              <a:ext uri="{FF2B5EF4-FFF2-40B4-BE49-F238E27FC236}">
+                <a16:creationId xmlns:a16="http://schemas.microsoft.com/office/drawing/2014/main" id="{EE123B07-4E02-4B53-B6DB-D697A9C1C6BB}"/>
+              </a:ext>
+            </a:extLst>
+          </p:cNvPr>
+          <p:cNvCxnSpPr>
+            <a:cxnSpLocks/>
+          </p:cNvCxnSpPr>
+          <p:nvPr/>
+        </p:nvCxnSpPr>
+        <p:spPr>
+          <a:xfrm flipV="1">
+            <a:off x="7418181" y="7140930"/>
+            <a:ext cx="925190" cy="260960"/>
+          </a:xfrm>
+          <a:prstGeom prst="bentConnector3">
+            <a:avLst>
+              <a:gd name="adj1" fmla="val 50000"/>
+            </a:avLst>
+          </a:prstGeom>
+          <a:ln w="19050">
+            <a:solidFill>
+              <a:srgbClr val="7030A0"/>
+            </a:solidFill>
+            <a:headEnd type="none" w="med" len="med"/>
+            <a:tailEnd type="arrow" w="med" len="med"/>
+          </a:ln>
+          <a:effectLst/>
+        </p:spPr>
+        <p:style>
+          <a:lnRef idx="1">
+            <a:schemeClr val="accent2"/>
+          </a:lnRef>
+          <a:fillRef idx="2">
+            <a:schemeClr val="accent2"/>
+          </a:fillRef>
+          <a:effectRef idx="1">
+            <a:schemeClr val="accent2"/>
+          </a:effectRef>
+          <a:fontRef idx="minor">
+            <a:schemeClr val="dk1"/>
+          </a:fontRef>
+        </p:style>
+      </p:cxnSp>
+      <p:sp>
+        <p:nvSpPr>
+          <p:cNvPr id="244" name="Rectangle 8">
+            <a:extLst>
+              <a:ext uri="{FF2B5EF4-FFF2-40B4-BE49-F238E27FC236}">
+                <a16:creationId xmlns:a16="http://schemas.microsoft.com/office/drawing/2014/main" id="{960F9099-D632-4B9C-A644-3B4AC7036EC0}"/>
+              </a:ext>
+            </a:extLst>
+          </p:cNvPr>
+          <p:cNvSpPr/>
+          <p:nvPr/>
+        </p:nvSpPr>
+        <p:spPr>
+          <a:xfrm>
+            <a:off x="8337694" y="7426713"/>
+            <a:ext cx="862797" cy="285783"/>
+          </a:xfrm>
+          <a:prstGeom prst="rect">
+            <a:avLst/>
+          </a:prstGeom>
+          <a:ln w="19050">
+            <a:solidFill>
+              <a:srgbClr val="7030A0"/>
+            </a:solidFill>
+          </a:ln>
+          <a:effectLst/>
+        </p:spPr>
+        <p:style>
+          <a:lnRef idx="1">
+            <a:schemeClr val="accent4"/>
+          </a:lnRef>
+          <a:fillRef idx="2">
+            <a:schemeClr val="accent4"/>
+          </a:fillRef>
+          <a:effectRef idx="1">
+            <a:schemeClr val="accent4"/>
+          </a:effectRef>
+          <a:fontRef idx="minor">
+            <a:schemeClr val="dk1"/>
+          </a:fontRef>
+        </p:style>
+        <p:txBody>
+          <a:bodyPr rtlCol="0" anchor="ctr"/>
+          <a:lstStyle/>
+          <a:p>
+            <a:pPr algn="ctr"/>
+            <a:r>
+              <a:rPr lang="en-US" sz="1050" dirty="0">
+                <a:solidFill>
+                  <a:srgbClr val="7030A0"/>
+                </a:solidFill>
+              </a:rPr>
+              <a:t>Sets</a:t>
+            </a:r>
+            <a:endParaRPr lang="en-SG" sz="1050" dirty="0">
+              <a:solidFill>
+                <a:srgbClr val="7030A0"/>
+              </a:solidFill>
+            </a:endParaRPr>
+          </a:p>
+        </p:txBody>
+      </p:sp>
+      <p:sp>
+        <p:nvSpPr>
+          <p:cNvPr id="245" name="Rectangle 8">
+            <a:extLst>
+              <a:ext uri="{FF2B5EF4-FFF2-40B4-BE49-F238E27FC236}">
+                <a16:creationId xmlns:a16="http://schemas.microsoft.com/office/drawing/2014/main" id="{2E533DBF-FCA4-46D6-85D6-D6A7462EDB52}"/>
+              </a:ext>
+            </a:extLst>
+          </p:cNvPr>
+          <p:cNvSpPr/>
+          <p:nvPr/>
+        </p:nvSpPr>
+        <p:spPr>
+          <a:xfrm>
+            <a:off x="8339586" y="7018324"/>
+            <a:ext cx="862797" cy="285783"/>
+          </a:xfrm>
+          <a:prstGeom prst="rect">
+            <a:avLst/>
+          </a:prstGeom>
+          <a:ln w="19050">
+            <a:solidFill>
+              <a:srgbClr val="7030A0"/>
+            </a:solidFill>
+          </a:ln>
+          <a:effectLst/>
+        </p:spPr>
+        <p:style>
+          <a:lnRef idx="1">
+            <a:schemeClr val="accent4"/>
+          </a:lnRef>
+          <a:fillRef idx="2">
+            <a:schemeClr val="accent4"/>
+          </a:fillRef>
+          <a:effectRef idx="1">
+            <a:schemeClr val="accent4"/>
+          </a:effectRef>
+          <a:fontRef idx="minor">
+            <a:schemeClr val="dk1"/>
+          </a:fontRef>
+        </p:style>
+        <p:txBody>
+          <a:bodyPr rtlCol="0" anchor="ctr"/>
+          <a:lstStyle/>
+          <a:p>
+            <a:pPr algn="ctr"/>
+            <a:r>
+              <a:rPr lang="en-US" sz="1050" dirty="0">
+                <a:solidFill>
+                  <a:srgbClr val="7030A0"/>
+                </a:solidFill>
+              </a:rPr>
+              <a:t>Time</a:t>
+            </a:r>
+            <a:endParaRPr lang="en-SG" sz="1050" dirty="0">
+              <a:solidFill>
+                <a:srgbClr val="7030A0"/>
+              </a:solidFill>
+            </a:endParaRPr>
+          </a:p>
+        </p:txBody>
+      </p:sp>
+      <p:sp>
+        <p:nvSpPr>
+          <p:cNvPr id="246" name="Rectangle 8">
+            <a:extLst>
+              <a:ext uri="{FF2B5EF4-FFF2-40B4-BE49-F238E27FC236}">
+                <a16:creationId xmlns:a16="http://schemas.microsoft.com/office/drawing/2014/main" id="{A4F801CB-CE2C-4250-8734-3F3D50D93A39}"/>
+              </a:ext>
+            </a:extLst>
+          </p:cNvPr>
+          <p:cNvSpPr/>
+          <p:nvPr/>
+        </p:nvSpPr>
+        <p:spPr>
+          <a:xfrm>
+            <a:off x="8339587" y="6675707"/>
+            <a:ext cx="862797" cy="285783"/>
+          </a:xfrm>
+          <a:prstGeom prst="rect">
+            <a:avLst/>
+          </a:prstGeom>
+          <a:ln w="19050">
+            <a:solidFill>
+              <a:srgbClr val="7030A0"/>
+            </a:solidFill>
+          </a:ln>
+          <a:effectLst/>
+        </p:spPr>
+        <p:style>
+          <a:lnRef idx="1">
+            <a:schemeClr val="accent4"/>
+          </a:lnRef>
+          <a:fillRef idx="2">
+            <a:schemeClr val="accent4"/>
+          </a:fillRef>
+          <a:effectRef idx="1">
+            <a:schemeClr val="accent4"/>
+          </a:effectRef>
+          <a:fontRef idx="minor">
+            <a:schemeClr val="dk1"/>
+          </a:fontRef>
+        </p:style>
+        <p:txBody>
+          <a:bodyPr rtlCol="0" anchor="ctr"/>
+          <a:lstStyle/>
+          <a:p>
+            <a:pPr algn="ctr"/>
+            <a:r>
+              <a:rPr lang="en-US" sz="1050" dirty="0">
+                <a:solidFill>
+                  <a:srgbClr val="7030A0"/>
+                </a:solidFill>
+              </a:rPr>
+              <a:t>Exercise</a:t>
+            </a:r>
+            <a:endParaRPr lang="en-SG" sz="1050" dirty="0">
+              <a:solidFill>
+                <a:srgbClr val="7030A0"/>
+              </a:solidFill>
+            </a:endParaRPr>
+          </a:p>
+        </p:txBody>
+      </p:sp>
+      <p:cxnSp>
+        <p:nvCxnSpPr>
+          <p:cNvPr id="250" name="Elbow Connector 78">
+            <a:extLst>
+              <a:ext uri="{FF2B5EF4-FFF2-40B4-BE49-F238E27FC236}">
+                <a16:creationId xmlns:a16="http://schemas.microsoft.com/office/drawing/2014/main" id="{171E9170-7D62-4894-8BEF-140E2E081C20}"/>
+              </a:ext>
+            </a:extLst>
+          </p:cNvPr>
+          <p:cNvCxnSpPr>
+            <a:cxnSpLocks/>
+          </p:cNvCxnSpPr>
+          <p:nvPr/>
+        </p:nvCxnSpPr>
+        <p:spPr>
+          <a:xfrm>
+            <a:off x="7489470" y="7414453"/>
+            <a:ext cx="848224" cy="578236"/>
+          </a:xfrm>
+          <a:prstGeom prst="bentConnector3">
+            <a:avLst>
+              <a:gd name="adj1" fmla="val 50000"/>
+            </a:avLst>
+          </a:prstGeom>
+          <a:ln w="19050">
+            <a:solidFill>
+              <a:srgbClr val="7030A0"/>
+            </a:solidFill>
+            <a:headEnd type="none" w="med" len="med"/>
+            <a:tailEnd type="arrow" w="med" len="med"/>
+          </a:ln>
+          <a:effectLst/>
+        </p:spPr>
+        <p:style>
+          <a:lnRef idx="1">
+            <a:schemeClr val="accent2"/>
+          </a:lnRef>
+          <a:fillRef idx="2">
+            <a:schemeClr val="accent2"/>
+          </a:fillRef>
+          <a:effectRef idx="1">
+            <a:schemeClr val="accent2"/>
+          </a:effectRef>
+          <a:fontRef idx="minor">
+            <a:schemeClr val="dk1"/>
+          </a:fontRef>
+        </p:style>
+      </p:cxnSp>
+      <p:sp>
+        <p:nvSpPr>
+          <p:cNvPr id="253" name="Rectangle 8">
+            <a:extLst>
+              <a:ext uri="{FF2B5EF4-FFF2-40B4-BE49-F238E27FC236}">
+                <a16:creationId xmlns:a16="http://schemas.microsoft.com/office/drawing/2014/main" id="{FF1AB86A-ADFB-424C-8056-9A97347BD21B}"/>
+              </a:ext>
+            </a:extLst>
+          </p:cNvPr>
+          <p:cNvSpPr/>
+          <p:nvPr/>
+        </p:nvSpPr>
+        <p:spPr>
+          <a:xfrm>
+            <a:off x="8337694" y="7870130"/>
+            <a:ext cx="862797" cy="285783"/>
+          </a:xfrm>
+          <a:prstGeom prst="rect">
+            <a:avLst/>
+          </a:prstGeom>
+          <a:ln w="19050">
+            <a:solidFill>
+              <a:srgbClr val="7030A0"/>
+            </a:solidFill>
+          </a:ln>
+          <a:effectLst/>
+        </p:spPr>
+        <p:style>
+          <a:lnRef idx="1">
+            <a:schemeClr val="accent4"/>
+          </a:lnRef>
+          <a:fillRef idx="2">
+            <a:schemeClr val="accent4"/>
+          </a:fillRef>
+          <a:effectRef idx="1">
+            <a:schemeClr val="accent4"/>
+          </a:effectRef>
+          <a:fontRef idx="minor">
+            <a:schemeClr val="dk1"/>
+          </a:fontRef>
+        </p:style>
+        <p:txBody>
+          <a:bodyPr rtlCol="0" anchor="ctr"/>
+          <a:lstStyle/>
+          <a:p>
+            <a:pPr algn="ctr"/>
+            <a:r>
+              <a:rPr lang="en-US" sz="1050" dirty="0">
+                <a:solidFill>
+                  <a:srgbClr val="7030A0"/>
+                </a:solidFill>
+              </a:rPr>
+              <a:t>Reps</a:t>
+            </a:r>
+            <a:endParaRPr lang="en-SG" sz="1050" dirty="0">
+              <a:solidFill>
+                <a:srgbClr val="7030A0"/>
+              </a:solidFill>
+            </a:endParaRPr>
+          </a:p>
+        </p:txBody>
+      </p:sp>
+      <p:cxnSp>
+        <p:nvCxnSpPr>
+          <p:cNvPr id="256" name="Elbow Connector 106">
+            <a:extLst>
+              <a:ext uri="{FF2B5EF4-FFF2-40B4-BE49-F238E27FC236}">
+                <a16:creationId xmlns:a16="http://schemas.microsoft.com/office/drawing/2014/main" id="{5ED65293-A731-4975-AEEA-DE709F6352E0}"/>
+              </a:ext>
+            </a:extLst>
+          </p:cNvPr>
+          <p:cNvCxnSpPr>
+            <a:cxnSpLocks/>
+            <a:endCxn id="110" idx="0"/>
+          </p:cNvCxnSpPr>
+          <p:nvPr/>
+        </p:nvCxnSpPr>
+        <p:spPr>
+          <a:xfrm>
+            <a:off x="2367063" y="7116160"/>
+            <a:ext cx="4591794" cy="112350"/>
+          </a:xfrm>
+          <a:prstGeom prst="bentConnector2">
+            <a:avLst/>
+          </a:prstGeom>
+          <a:ln w="19050">
+            <a:solidFill>
+              <a:srgbClr val="7030A0"/>
+            </a:solidFill>
+            <a:prstDash val="solid"/>
+            <a:headEnd type="none" w="med" len="med"/>
+            <a:tailEnd type="arrow" w="med" len="med"/>
+          </a:ln>
+          <a:effectLst/>
+        </p:spPr>
+        <p:style>
+          <a:lnRef idx="1">
+            <a:schemeClr val="accent2"/>
+          </a:lnRef>
+          <a:fillRef idx="2">
+            <a:schemeClr val="accent2"/>
+          </a:fillRef>
+          <a:effectRef idx="1">
+            <a:schemeClr val="accent2"/>
+          </a:effectRef>
+          <a:fontRef idx="minor">
+            <a:schemeClr val="dk1"/>
+          </a:fontRef>
+        </p:style>
+      </p:cxnSp>
+      <p:cxnSp>
+        <p:nvCxnSpPr>
+          <p:cNvPr id="258" name="Elbow Connector 106">
+            <a:extLst>
+              <a:ext uri="{FF2B5EF4-FFF2-40B4-BE49-F238E27FC236}">
+                <a16:creationId xmlns:a16="http://schemas.microsoft.com/office/drawing/2014/main" id="{FC63E1CE-B7CF-4C25-A8DE-8CCBF259007D}"/>
+              </a:ext>
+            </a:extLst>
+          </p:cNvPr>
+          <p:cNvCxnSpPr>
+            <a:cxnSpLocks/>
+            <a:endCxn id="109" idx="0"/>
+          </p:cNvCxnSpPr>
+          <p:nvPr/>
+        </p:nvCxnSpPr>
+        <p:spPr>
+          <a:xfrm>
+            <a:off x="2339774" y="6068700"/>
+            <a:ext cx="4732020" cy="82526"/>
+          </a:xfrm>
+          <a:prstGeom prst="bentConnector2">
+            <a:avLst/>
+          </a:prstGeom>
+          <a:ln w="19050">
+            <a:solidFill>
+              <a:srgbClr val="7030A0"/>
+            </a:solidFill>
+            <a:prstDash val="solid"/>
+            <a:headEnd type="none" w="med" len="med"/>
+            <a:tailEnd type="arrow" w="med" len="med"/>
+          </a:ln>
+          <a:effectLst/>
+        </p:spPr>
+        <p:style>
+          <a:lnRef idx="1">
+            <a:schemeClr val="accent2"/>
+          </a:lnRef>
+          <a:fillRef idx="2">
+            <a:schemeClr val="accent2"/>
+          </a:fillRef>
+          <a:effectRef idx="1">
+            <a:schemeClr val="accent2"/>
+          </a:effectRef>
+          <a:fontRef idx="minor">
+            <a:schemeClr val="dk1"/>
+          </a:fontRef>
+        </p:style>
+      </p:cxnSp>
+      <p:cxnSp>
+        <p:nvCxnSpPr>
+          <p:cNvPr id="259" name="Elbow Connector 106">
+            <a:extLst>
+              <a:ext uri="{FF2B5EF4-FFF2-40B4-BE49-F238E27FC236}">
+                <a16:creationId xmlns:a16="http://schemas.microsoft.com/office/drawing/2014/main" id="{BAA90FEA-0041-480A-9CE3-5F8578DC1D06}"/>
+              </a:ext>
+            </a:extLst>
+          </p:cNvPr>
+          <p:cNvCxnSpPr>
+            <a:cxnSpLocks/>
+            <a:endCxn id="111" idx="0"/>
+          </p:cNvCxnSpPr>
+          <p:nvPr/>
+        </p:nvCxnSpPr>
+        <p:spPr>
+          <a:xfrm>
+            <a:off x="2427074" y="4991688"/>
+            <a:ext cx="4714029" cy="82254"/>
+          </a:xfrm>
+          <a:prstGeom prst="bentConnector2">
+            <a:avLst/>
+          </a:prstGeom>
+          <a:ln w="19050">
+            <a:solidFill>
+              <a:srgbClr val="7030A0"/>
+            </a:solidFill>
+            <a:prstDash val="solid"/>
+            <a:headEnd type="none" w="med" len="med"/>
+            <a:tailEnd type="arrow" w="med" len="med"/>
+          </a:ln>
+          <a:effectLst/>
+        </p:spPr>
+        <p:style>
+          <a:lnRef idx="1">
+            <a:schemeClr val="accent2"/>
+          </a:lnRef>
+          <a:fillRef idx="2">
+            <a:schemeClr val="accent2"/>
+          </a:fillRef>
+          <a:effectRef idx="1">
+            <a:schemeClr val="accent2"/>
+          </a:effectRef>
+          <a:fontRef idx="minor">
+            <a:schemeClr val="dk1"/>
+          </a:fontRef>
+        </p:style>
+      </p:cxnSp>
+      <p:cxnSp>
+        <p:nvCxnSpPr>
+          <p:cNvPr id="260" name="Elbow Connector 106">
+            <a:extLst>
+              <a:ext uri="{FF2B5EF4-FFF2-40B4-BE49-F238E27FC236}">
+                <a16:creationId xmlns:a16="http://schemas.microsoft.com/office/drawing/2014/main" id="{67304FE9-3BE0-4BD3-ACAE-C1C582B325D1}"/>
+              </a:ext>
+            </a:extLst>
+          </p:cNvPr>
+          <p:cNvCxnSpPr>
+            <a:cxnSpLocks/>
+            <a:endCxn id="108" idx="0"/>
+          </p:cNvCxnSpPr>
+          <p:nvPr/>
+        </p:nvCxnSpPr>
+        <p:spPr>
+          <a:xfrm>
+            <a:off x="2369369" y="3945897"/>
+            <a:ext cx="4109490" cy="112145"/>
+          </a:xfrm>
+          <a:prstGeom prst="bentConnector2">
+            <a:avLst/>
+          </a:prstGeom>
+          <a:ln w="19050">
+            <a:solidFill>
+              <a:srgbClr val="7030A0"/>
+            </a:solidFill>
+            <a:prstDash val="solid"/>
+            <a:headEnd type="none" w="med" len="med"/>
+            <a:tailEnd type="arrow" w="med" len="med"/>
+          </a:ln>
+          <a:effectLst/>
+        </p:spPr>
+        <p:style>
+          <a:lnRef idx="1">
+            <a:schemeClr val="accent2"/>
+          </a:lnRef>
+          <a:fillRef idx="2">
+            <a:schemeClr val="accent2"/>
+          </a:fillRef>
+          <a:effectRef idx="1">
+            <a:schemeClr val="accent2"/>
+          </a:effectRef>
+          <a:fontRef idx="minor">
+            <a:schemeClr val="dk1"/>
+          </a:fontRef>
+        </p:style>
+      </p:cxnSp>
+      <p:sp>
+        <p:nvSpPr>
+          <p:cNvPr id="272" name="TextBox 271">
+            <a:extLst>
+              <a:ext uri="{FF2B5EF4-FFF2-40B4-BE49-F238E27FC236}">
+                <a16:creationId xmlns:a16="http://schemas.microsoft.com/office/drawing/2014/main" id="{14A7A4B5-D110-4F0B-ABE3-6A347AC7015A}"/>
+              </a:ext>
+            </a:extLst>
+          </p:cNvPr>
+          <p:cNvSpPr txBox="1"/>
+          <p:nvPr/>
+        </p:nvSpPr>
+        <p:spPr>
+          <a:xfrm>
+            <a:off x="5669577" y="3683660"/>
+            <a:ext cx="881018" cy="261610"/>
+          </a:xfrm>
+          <a:prstGeom prst="rect">
+            <a:avLst/>
+          </a:prstGeom>
+          <a:noFill/>
+        </p:spPr>
+        <p:txBody>
+          <a:bodyPr wrap="square" rtlCol="0">
+            <a:spAutoFit/>
+          </a:bodyPr>
+          <a:lstStyle/>
+          <a:p>
+            <a:pPr algn="r"/>
+            <a:r>
+              <a:rPr lang="en-US" sz="1100" dirty="0">
+                <a:solidFill>
+                  <a:srgbClr val="7030A0"/>
+                </a:solidFill>
+              </a:rPr>
+              <a:t>filtered list</a:t>
+            </a:r>
+            <a:endParaRPr lang="en-SG" sz="1100" dirty="0">
+              <a:solidFill>
+                <a:srgbClr val="7030A0"/>
+              </a:solidFill>
+            </a:endParaRPr>
+          </a:p>
+        </p:txBody>
+      </p:sp>
+      <p:sp>
+        <p:nvSpPr>
+          <p:cNvPr id="273" name="TextBox 272">
+            <a:extLst>
+              <a:ext uri="{FF2B5EF4-FFF2-40B4-BE49-F238E27FC236}">
+                <a16:creationId xmlns:a16="http://schemas.microsoft.com/office/drawing/2014/main" id="{52A7E3CF-1475-4F0F-9611-56C132A21F67}"/>
+              </a:ext>
+            </a:extLst>
+          </p:cNvPr>
+          <p:cNvSpPr txBox="1"/>
+          <p:nvPr/>
+        </p:nvSpPr>
+        <p:spPr>
+          <a:xfrm>
+            <a:off x="6217724" y="4720308"/>
+            <a:ext cx="881018" cy="261610"/>
+          </a:xfrm>
+          <a:prstGeom prst="rect">
+            <a:avLst/>
+          </a:prstGeom>
+          <a:noFill/>
+        </p:spPr>
+        <p:txBody>
+          <a:bodyPr wrap="square" rtlCol="0">
+            <a:spAutoFit/>
+          </a:bodyPr>
+          <a:lstStyle/>
+          <a:p>
+            <a:pPr algn="r"/>
+            <a:r>
+              <a:rPr lang="en-US" sz="1100" dirty="0">
+                <a:solidFill>
+                  <a:srgbClr val="7030A0"/>
+                </a:solidFill>
+              </a:rPr>
+              <a:t>filtered list</a:t>
+            </a:r>
+            <a:endParaRPr lang="en-SG" sz="1100" dirty="0">
+              <a:solidFill>
+                <a:srgbClr val="7030A0"/>
+              </a:solidFill>
+            </a:endParaRPr>
+          </a:p>
+        </p:txBody>
+      </p:sp>
+      <p:sp>
+        <p:nvSpPr>
+          <p:cNvPr id="274" name="TextBox 273">
+            <a:extLst>
+              <a:ext uri="{FF2B5EF4-FFF2-40B4-BE49-F238E27FC236}">
+                <a16:creationId xmlns:a16="http://schemas.microsoft.com/office/drawing/2014/main" id="{47948EA4-6B01-4EB4-AE1D-DD761E3FCAFD}"/>
+              </a:ext>
+            </a:extLst>
+          </p:cNvPr>
+          <p:cNvSpPr txBox="1"/>
+          <p:nvPr/>
+        </p:nvSpPr>
+        <p:spPr>
+          <a:xfrm>
+            <a:off x="5819897" y="2342711"/>
+            <a:ext cx="881018" cy="261610"/>
+          </a:xfrm>
+          <a:prstGeom prst="rect">
+            <a:avLst/>
+          </a:prstGeom>
+          <a:noFill/>
+        </p:spPr>
+        <p:txBody>
+          <a:bodyPr wrap="square" rtlCol="0">
+            <a:spAutoFit/>
+          </a:bodyPr>
+          <a:lstStyle/>
+          <a:p>
+            <a:pPr algn="r"/>
+            <a:r>
+              <a:rPr lang="en-US" sz="1100" dirty="0">
+                <a:solidFill>
+                  <a:srgbClr val="7030A0"/>
+                </a:solidFill>
+              </a:rPr>
+              <a:t>filtered list</a:t>
+            </a:r>
+            <a:endParaRPr lang="en-SG" sz="1100" dirty="0">
+              <a:solidFill>
+                <a:srgbClr val="7030A0"/>
+              </a:solidFill>
+            </a:endParaRPr>
+          </a:p>
+        </p:txBody>
+      </p:sp>
+      <p:sp>
+        <p:nvSpPr>
+          <p:cNvPr id="275" name="TextBox 274">
+            <a:extLst>
+              <a:ext uri="{FF2B5EF4-FFF2-40B4-BE49-F238E27FC236}">
+                <a16:creationId xmlns:a16="http://schemas.microsoft.com/office/drawing/2014/main" id="{6D21F144-EF88-4CE4-A138-A27F7337E258}"/>
+              </a:ext>
+            </a:extLst>
+          </p:cNvPr>
+          <p:cNvSpPr txBox="1"/>
+          <p:nvPr/>
+        </p:nvSpPr>
+        <p:spPr>
+          <a:xfrm>
+            <a:off x="6277026" y="5764758"/>
+            <a:ext cx="881018" cy="261610"/>
+          </a:xfrm>
+          <a:prstGeom prst="rect">
+            <a:avLst/>
+          </a:prstGeom>
+          <a:noFill/>
+        </p:spPr>
+        <p:txBody>
+          <a:bodyPr wrap="square" rtlCol="0">
+            <a:spAutoFit/>
+          </a:bodyPr>
+          <a:lstStyle/>
+          <a:p>
+            <a:pPr algn="r"/>
+            <a:r>
+              <a:rPr lang="en-US" sz="1100" dirty="0">
+                <a:solidFill>
+                  <a:srgbClr val="7030A0"/>
+                </a:solidFill>
+              </a:rPr>
+              <a:t>filtered list</a:t>
+            </a:r>
+            <a:endParaRPr lang="en-SG" sz="1100" dirty="0">
+              <a:solidFill>
+                <a:srgbClr val="7030A0"/>
+              </a:solidFill>
+            </a:endParaRPr>
+          </a:p>
+        </p:txBody>
+      </p:sp>
+      <p:sp>
+        <p:nvSpPr>
+          <p:cNvPr id="276" name="TextBox 275">
+            <a:extLst>
+              <a:ext uri="{FF2B5EF4-FFF2-40B4-BE49-F238E27FC236}">
+                <a16:creationId xmlns:a16="http://schemas.microsoft.com/office/drawing/2014/main" id="{EF61D79F-E3BC-4D32-BAE6-7A4A8C361CF3}"/>
+              </a:ext>
+            </a:extLst>
+          </p:cNvPr>
+          <p:cNvSpPr txBox="1"/>
+          <p:nvPr/>
+        </p:nvSpPr>
+        <p:spPr>
+          <a:xfrm>
+            <a:off x="6242247" y="6832379"/>
+            <a:ext cx="881018" cy="261610"/>
+          </a:xfrm>
+          <a:prstGeom prst="rect">
+            <a:avLst/>
+          </a:prstGeom>
+          <a:noFill/>
+        </p:spPr>
+        <p:txBody>
+          <a:bodyPr wrap="square" rtlCol="0">
+            <a:spAutoFit/>
+          </a:bodyPr>
+          <a:lstStyle/>
+          <a:p>
+            <a:pPr algn="r"/>
+            <a:r>
+              <a:rPr lang="en-US" sz="1100" dirty="0">
+                <a:solidFill>
+                  <a:srgbClr val="7030A0"/>
+                </a:solidFill>
+              </a:rPr>
+              <a:t>filtered list</a:t>
+            </a:r>
+            <a:endParaRPr lang="en-SG" sz="1100" dirty="0">
+              <a:solidFill>
+                <a:srgbClr val="7030A0"/>
+              </a:solidFill>
+            </a:endParaRPr>
+          </a:p>
+        </p:txBody>
+      </p:sp>
     </p:spTree>
     <p:extLst>
       <p:ext uri="{BB962C8B-B14F-4D97-AF65-F5344CB8AC3E}">
